--- a/The design and development of AIRYL.pptx
+++ b/The design and development of AIRYL.pptx
@@ -15,9 +15,14 @@
     <p:sldId id="265" r:id="rId9"/>
     <p:sldId id="264" r:id="rId10"/>
     <p:sldId id="266" r:id="rId11"/>
-    <p:sldId id="267" r:id="rId12"/>
-    <p:sldId id="268" r:id="rId13"/>
-    <p:sldId id="269" r:id="rId14"/>
+    <p:sldId id="270" r:id="rId12"/>
+    <p:sldId id="271" r:id="rId13"/>
+    <p:sldId id="267" r:id="rId14"/>
+    <p:sldId id="273" r:id="rId15"/>
+    <p:sldId id="272" r:id="rId16"/>
+    <p:sldId id="274" r:id="rId17"/>
+    <p:sldId id="268" r:id="rId18"/>
+    <p:sldId id="269" r:id="rId19"/>
   </p:sldIdLst>
   <p:sldSz cx="12192000" cy="6858000"/>
   <p:notesSz cx="6858000" cy="9144000"/>
@@ -116,7 +121,2425 @@
       </a:defRPr>
     </a:lvl9pPr>
   </p:defaultTextStyle>
+  <p:extLst>
+    <p:ext uri="{EFAFB233-063F-42B5-8137-9DF3F51BA10A}">
+      <p15:sldGuideLst xmlns:p15="http://schemas.microsoft.com/office/powerpoint/2012/main"/>
+    </p:ext>
+  </p:extLst>
 </p:presentation>
+</file>
+
+<file path=ppt/revisionInfo.xml><?xml version="1.0" encoding="utf-8"?>
+<p1510:revInfo xmlns:a="http://schemas.openxmlformats.org/drawingml/2006/main" xmlns:r="http://schemas.openxmlformats.org/officeDocument/2006/relationships" xmlns:p1510="http://schemas.microsoft.com/office/powerpoint/2015/10/main"/>
+</file>
+
+<file path=ppt/diagrams/colors1.xml><?xml version="1.0" encoding="utf-8"?>
+<dgm:colorsDef xmlns:dgm="http://schemas.openxmlformats.org/drawingml/2006/diagram" xmlns:a="http://schemas.openxmlformats.org/drawingml/2006/main" uniqueId="urn:microsoft.com/office/officeart/2005/8/colors/accent1_2">
+  <dgm:title val=""/>
+  <dgm:desc val=""/>
+  <dgm:catLst>
+    <dgm:cat type="accent1" pri="11200"/>
+  </dgm:catLst>
+  <dgm:styleLbl name="node0">
+    <dgm:fillClrLst meth="repeat">
+      <a:schemeClr val="accent1"/>
+    </dgm:fillClrLst>
+    <dgm:linClrLst meth="repeat">
+      <a:schemeClr val="lt1"/>
+    </dgm:linClrLst>
+    <dgm:effectClrLst/>
+    <dgm:txLinClrLst/>
+    <dgm:txFillClrLst/>
+    <dgm:txEffectClrLst/>
+  </dgm:styleLbl>
+  <dgm:styleLbl name="alignNode1">
+    <dgm:fillClrLst meth="repeat">
+      <a:schemeClr val="accent1"/>
+    </dgm:fillClrLst>
+    <dgm:linClrLst meth="repeat">
+      <a:schemeClr val="accent1"/>
+    </dgm:linClrLst>
+    <dgm:effectClrLst/>
+    <dgm:txLinClrLst/>
+    <dgm:txFillClrLst/>
+    <dgm:txEffectClrLst/>
+  </dgm:styleLbl>
+  <dgm:styleLbl name="node1">
+    <dgm:fillClrLst meth="repeat">
+      <a:schemeClr val="accent1"/>
+    </dgm:fillClrLst>
+    <dgm:linClrLst meth="repeat">
+      <a:schemeClr val="lt1"/>
+    </dgm:linClrLst>
+    <dgm:effectClrLst/>
+    <dgm:txLinClrLst/>
+    <dgm:txFillClrLst/>
+    <dgm:txEffectClrLst/>
+  </dgm:styleLbl>
+  <dgm:styleLbl name="lnNode1">
+    <dgm:fillClrLst meth="repeat">
+      <a:schemeClr val="accent1"/>
+    </dgm:fillClrLst>
+    <dgm:linClrLst meth="repeat">
+      <a:schemeClr val="lt1"/>
+    </dgm:linClrLst>
+    <dgm:effectClrLst/>
+    <dgm:txLinClrLst/>
+    <dgm:txFillClrLst/>
+    <dgm:txEffectClrLst/>
+  </dgm:styleLbl>
+  <dgm:styleLbl name="vennNode1">
+    <dgm:fillClrLst meth="repeat">
+      <a:schemeClr val="accent1">
+        <a:alpha val="50000"/>
+      </a:schemeClr>
+    </dgm:fillClrLst>
+    <dgm:linClrLst meth="repeat">
+      <a:schemeClr val="lt1"/>
+    </dgm:linClrLst>
+    <dgm:effectClrLst/>
+    <dgm:txLinClrLst/>
+    <dgm:txFillClrLst/>
+    <dgm:txEffectClrLst/>
+  </dgm:styleLbl>
+  <dgm:styleLbl name="node2">
+    <dgm:fillClrLst meth="repeat">
+      <a:schemeClr val="accent1"/>
+    </dgm:fillClrLst>
+    <dgm:linClrLst meth="repeat">
+      <a:schemeClr val="lt1"/>
+    </dgm:linClrLst>
+    <dgm:effectClrLst/>
+    <dgm:txLinClrLst/>
+    <dgm:txFillClrLst/>
+    <dgm:txEffectClrLst/>
+  </dgm:styleLbl>
+  <dgm:styleLbl name="node3">
+    <dgm:fillClrLst meth="repeat">
+      <a:schemeClr val="accent1"/>
+    </dgm:fillClrLst>
+    <dgm:linClrLst meth="repeat">
+      <a:schemeClr val="lt1"/>
+    </dgm:linClrLst>
+    <dgm:effectClrLst/>
+    <dgm:txLinClrLst/>
+    <dgm:txFillClrLst/>
+    <dgm:txEffectClrLst/>
+  </dgm:styleLbl>
+  <dgm:styleLbl name="node4">
+    <dgm:fillClrLst meth="repeat">
+      <a:schemeClr val="accent1"/>
+    </dgm:fillClrLst>
+    <dgm:linClrLst meth="repeat">
+      <a:schemeClr val="lt1"/>
+    </dgm:linClrLst>
+    <dgm:effectClrLst/>
+    <dgm:txLinClrLst/>
+    <dgm:txFillClrLst/>
+    <dgm:txEffectClrLst/>
+  </dgm:styleLbl>
+  <dgm:styleLbl name="fgImgPlace1">
+    <dgm:fillClrLst meth="repeat">
+      <a:schemeClr val="accent1">
+        <a:tint val="50000"/>
+      </a:schemeClr>
+    </dgm:fillClrLst>
+    <dgm:linClrLst meth="repeat">
+      <a:schemeClr val="lt1"/>
+    </dgm:linClrLst>
+    <dgm:effectClrLst/>
+    <dgm:txLinClrLst/>
+    <dgm:txFillClrLst meth="repeat">
+      <a:schemeClr val="lt1"/>
+    </dgm:txFillClrLst>
+    <dgm:txEffectClrLst/>
+  </dgm:styleLbl>
+  <dgm:styleLbl name="alignImgPlace1">
+    <dgm:fillClrLst meth="repeat">
+      <a:schemeClr val="accent1">
+        <a:tint val="50000"/>
+      </a:schemeClr>
+    </dgm:fillClrLst>
+    <dgm:linClrLst meth="repeat">
+      <a:schemeClr val="lt1"/>
+    </dgm:linClrLst>
+    <dgm:effectClrLst/>
+    <dgm:txLinClrLst/>
+    <dgm:txFillClrLst meth="repeat">
+      <a:schemeClr val="lt1"/>
+    </dgm:txFillClrLst>
+    <dgm:txEffectClrLst/>
+  </dgm:styleLbl>
+  <dgm:styleLbl name="bgImgPlace1">
+    <dgm:fillClrLst meth="repeat">
+      <a:schemeClr val="accent1">
+        <a:tint val="50000"/>
+      </a:schemeClr>
+    </dgm:fillClrLst>
+    <dgm:linClrLst meth="repeat">
+      <a:schemeClr val="lt1"/>
+    </dgm:linClrLst>
+    <dgm:effectClrLst/>
+    <dgm:txLinClrLst/>
+    <dgm:txFillClrLst meth="repeat">
+      <a:schemeClr val="lt1"/>
+    </dgm:txFillClrLst>
+    <dgm:txEffectClrLst/>
+  </dgm:styleLbl>
+  <dgm:styleLbl name="sibTrans2D1">
+    <dgm:fillClrLst meth="repeat">
+      <a:schemeClr val="accent1">
+        <a:tint val="60000"/>
+      </a:schemeClr>
+    </dgm:fillClrLst>
+    <dgm:linClrLst meth="repeat">
+      <a:schemeClr val="accent1">
+        <a:tint val="60000"/>
+      </a:schemeClr>
+    </dgm:linClrLst>
+    <dgm:effectClrLst/>
+    <dgm:txLinClrLst/>
+    <dgm:txFillClrLst/>
+    <dgm:txEffectClrLst/>
+  </dgm:styleLbl>
+  <dgm:styleLbl name="fgSibTrans2D1">
+    <dgm:fillClrLst meth="repeat">
+      <a:schemeClr val="accent1">
+        <a:tint val="60000"/>
+      </a:schemeClr>
+    </dgm:fillClrLst>
+    <dgm:linClrLst meth="repeat">
+      <a:schemeClr val="accent1">
+        <a:tint val="60000"/>
+      </a:schemeClr>
+    </dgm:linClrLst>
+    <dgm:effectClrLst/>
+    <dgm:txLinClrLst/>
+    <dgm:txFillClrLst/>
+    <dgm:txEffectClrLst/>
+  </dgm:styleLbl>
+  <dgm:styleLbl name="bgSibTrans2D1">
+    <dgm:fillClrLst meth="repeat">
+      <a:schemeClr val="accent1">
+        <a:tint val="60000"/>
+      </a:schemeClr>
+    </dgm:fillClrLst>
+    <dgm:linClrLst meth="repeat">
+      <a:schemeClr val="accent1">
+        <a:tint val="60000"/>
+      </a:schemeClr>
+    </dgm:linClrLst>
+    <dgm:effectClrLst/>
+    <dgm:txLinClrLst/>
+    <dgm:txFillClrLst/>
+    <dgm:txEffectClrLst/>
+  </dgm:styleLbl>
+  <dgm:styleLbl name="sibTrans1D1">
+    <dgm:fillClrLst meth="repeat">
+      <a:schemeClr val="accent1"/>
+    </dgm:fillClrLst>
+    <dgm:linClrLst meth="repeat">
+      <a:schemeClr val="accent1"/>
+    </dgm:linClrLst>
+    <dgm:effectClrLst/>
+    <dgm:txLinClrLst/>
+    <dgm:txFillClrLst meth="repeat">
+      <a:schemeClr val="tx1"/>
+    </dgm:txFillClrLst>
+    <dgm:txEffectClrLst/>
+  </dgm:styleLbl>
+  <dgm:styleLbl name="callout">
+    <dgm:fillClrLst meth="repeat">
+      <a:schemeClr val="accent1"/>
+    </dgm:fillClrLst>
+    <dgm:linClrLst meth="repeat">
+      <a:schemeClr val="accent1">
+        <a:tint val="50000"/>
+      </a:schemeClr>
+    </dgm:linClrLst>
+    <dgm:effectClrLst/>
+    <dgm:txLinClrLst/>
+    <dgm:txFillClrLst meth="repeat">
+      <a:schemeClr val="tx1"/>
+    </dgm:txFillClrLst>
+    <dgm:txEffectClrLst/>
+  </dgm:styleLbl>
+  <dgm:styleLbl name="asst0">
+    <dgm:fillClrLst meth="repeat">
+      <a:schemeClr val="accent1"/>
+    </dgm:fillClrLst>
+    <dgm:linClrLst meth="repeat">
+      <a:schemeClr val="lt1"/>
+    </dgm:linClrLst>
+    <dgm:effectClrLst/>
+    <dgm:txLinClrLst/>
+    <dgm:txFillClrLst/>
+    <dgm:txEffectClrLst/>
+  </dgm:styleLbl>
+  <dgm:styleLbl name="asst1">
+    <dgm:fillClrLst meth="repeat">
+      <a:schemeClr val="accent1"/>
+    </dgm:fillClrLst>
+    <dgm:linClrLst meth="repeat">
+      <a:schemeClr val="lt1"/>
+    </dgm:linClrLst>
+    <dgm:effectClrLst/>
+    <dgm:txLinClrLst/>
+    <dgm:txFillClrLst/>
+    <dgm:txEffectClrLst/>
+  </dgm:styleLbl>
+  <dgm:styleLbl name="asst2">
+    <dgm:fillClrLst meth="repeat">
+      <a:schemeClr val="accent1"/>
+    </dgm:fillClrLst>
+    <dgm:linClrLst meth="repeat">
+      <a:schemeClr val="lt1"/>
+    </dgm:linClrLst>
+    <dgm:effectClrLst/>
+    <dgm:txLinClrLst/>
+    <dgm:txFillClrLst/>
+    <dgm:txEffectClrLst/>
+  </dgm:styleLbl>
+  <dgm:styleLbl name="asst3">
+    <dgm:fillClrLst meth="repeat">
+      <a:schemeClr val="accent1"/>
+    </dgm:fillClrLst>
+    <dgm:linClrLst meth="repeat">
+      <a:schemeClr val="lt1"/>
+    </dgm:linClrLst>
+    <dgm:effectClrLst/>
+    <dgm:txLinClrLst/>
+    <dgm:txFillClrLst/>
+    <dgm:txEffectClrLst/>
+  </dgm:styleLbl>
+  <dgm:styleLbl name="asst4">
+    <dgm:fillClrLst meth="repeat">
+      <a:schemeClr val="accent1"/>
+    </dgm:fillClrLst>
+    <dgm:linClrLst meth="repeat">
+      <a:schemeClr val="lt1"/>
+    </dgm:linClrLst>
+    <dgm:effectClrLst/>
+    <dgm:txLinClrLst/>
+    <dgm:txFillClrLst/>
+    <dgm:txEffectClrLst/>
+  </dgm:styleLbl>
+  <dgm:styleLbl name="parChTrans2D1">
+    <dgm:fillClrLst meth="repeat">
+      <a:schemeClr val="accent1">
+        <a:tint val="60000"/>
+      </a:schemeClr>
+    </dgm:fillClrLst>
+    <dgm:linClrLst meth="repeat">
+      <a:schemeClr val="accent1">
+        <a:tint val="60000"/>
+      </a:schemeClr>
+    </dgm:linClrLst>
+    <dgm:effectClrLst/>
+    <dgm:txLinClrLst/>
+    <dgm:txFillClrLst meth="repeat">
+      <a:schemeClr val="lt1"/>
+    </dgm:txFillClrLst>
+    <dgm:txEffectClrLst/>
+  </dgm:styleLbl>
+  <dgm:styleLbl name="parChTrans2D2">
+    <dgm:fillClrLst meth="repeat">
+      <a:schemeClr val="accent1"/>
+    </dgm:fillClrLst>
+    <dgm:linClrLst meth="repeat">
+      <a:schemeClr val="accent1"/>
+    </dgm:linClrLst>
+    <dgm:effectClrLst/>
+    <dgm:txLinClrLst/>
+    <dgm:txFillClrLst meth="repeat">
+      <a:schemeClr val="lt1"/>
+    </dgm:txFillClrLst>
+    <dgm:txEffectClrLst/>
+  </dgm:styleLbl>
+  <dgm:styleLbl name="parChTrans2D3">
+    <dgm:fillClrLst meth="repeat">
+      <a:schemeClr val="accent1"/>
+    </dgm:fillClrLst>
+    <dgm:linClrLst meth="repeat">
+      <a:schemeClr val="accent1"/>
+    </dgm:linClrLst>
+    <dgm:effectClrLst/>
+    <dgm:txLinClrLst/>
+    <dgm:txFillClrLst meth="repeat">
+      <a:schemeClr val="lt1"/>
+    </dgm:txFillClrLst>
+    <dgm:txEffectClrLst/>
+  </dgm:styleLbl>
+  <dgm:styleLbl name="parChTrans2D4">
+    <dgm:fillClrLst meth="repeat">
+      <a:schemeClr val="accent1"/>
+    </dgm:fillClrLst>
+    <dgm:linClrLst meth="repeat">
+      <a:schemeClr val="accent1"/>
+    </dgm:linClrLst>
+    <dgm:effectClrLst/>
+    <dgm:txLinClrLst/>
+    <dgm:txFillClrLst meth="repeat">
+      <a:schemeClr val="lt1"/>
+    </dgm:txFillClrLst>
+    <dgm:txEffectClrLst/>
+  </dgm:styleLbl>
+  <dgm:styleLbl name="parChTrans1D1">
+    <dgm:fillClrLst meth="repeat">
+      <a:schemeClr val="accent1"/>
+    </dgm:fillClrLst>
+    <dgm:linClrLst meth="repeat">
+      <a:schemeClr val="accent1">
+        <a:shade val="60000"/>
+      </a:schemeClr>
+    </dgm:linClrLst>
+    <dgm:effectClrLst/>
+    <dgm:txLinClrLst/>
+    <dgm:txFillClrLst meth="repeat">
+      <a:schemeClr val="tx1"/>
+    </dgm:txFillClrLst>
+    <dgm:txEffectClrLst/>
+  </dgm:styleLbl>
+  <dgm:styleLbl name="parChTrans1D2">
+    <dgm:fillClrLst meth="repeat">
+      <a:schemeClr val="accent1"/>
+    </dgm:fillClrLst>
+    <dgm:linClrLst meth="repeat">
+      <a:schemeClr val="accent1">
+        <a:shade val="60000"/>
+      </a:schemeClr>
+    </dgm:linClrLst>
+    <dgm:effectClrLst/>
+    <dgm:txLinClrLst/>
+    <dgm:txFillClrLst meth="repeat">
+      <a:schemeClr val="tx1"/>
+    </dgm:txFillClrLst>
+    <dgm:txEffectClrLst/>
+  </dgm:styleLbl>
+  <dgm:styleLbl name="parChTrans1D3">
+    <dgm:fillClrLst meth="repeat">
+      <a:schemeClr val="accent1"/>
+    </dgm:fillClrLst>
+    <dgm:linClrLst meth="repeat">
+      <a:schemeClr val="accent1">
+        <a:shade val="80000"/>
+      </a:schemeClr>
+    </dgm:linClrLst>
+    <dgm:effectClrLst/>
+    <dgm:txLinClrLst/>
+    <dgm:txFillClrLst meth="repeat">
+      <a:schemeClr val="tx1"/>
+    </dgm:txFillClrLst>
+    <dgm:txEffectClrLst/>
+  </dgm:styleLbl>
+  <dgm:styleLbl name="parChTrans1D4">
+    <dgm:fillClrLst meth="repeat">
+      <a:schemeClr val="accent1"/>
+    </dgm:fillClrLst>
+    <dgm:linClrLst meth="repeat">
+      <a:schemeClr val="accent1">
+        <a:shade val="80000"/>
+      </a:schemeClr>
+    </dgm:linClrLst>
+    <dgm:effectClrLst/>
+    <dgm:txLinClrLst/>
+    <dgm:txFillClrLst meth="repeat">
+      <a:schemeClr val="tx1"/>
+    </dgm:txFillClrLst>
+    <dgm:txEffectClrLst/>
+  </dgm:styleLbl>
+  <dgm:styleLbl name="fgAcc1">
+    <dgm:fillClrLst meth="repeat">
+      <a:schemeClr val="lt1">
+        <a:alpha val="90000"/>
+      </a:schemeClr>
+    </dgm:fillClrLst>
+    <dgm:linClrLst meth="repeat">
+      <a:schemeClr val="accent1"/>
+    </dgm:linClrLst>
+    <dgm:effectClrLst/>
+    <dgm:txLinClrLst/>
+    <dgm:txFillClrLst meth="repeat">
+      <a:schemeClr val="dk1"/>
+    </dgm:txFillClrLst>
+    <dgm:txEffectClrLst/>
+  </dgm:styleLbl>
+  <dgm:styleLbl name="conFgAcc1">
+    <dgm:fillClrLst meth="repeat">
+      <a:schemeClr val="lt1">
+        <a:alpha val="90000"/>
+      </a:schemeClr>
+    </dgm:fillClrLst>
+    <dgm:linClrLst meth="repeat">
+      <a:schemeClr val="accent1"/>
+    </dgm:linClrLst>
+    <dgm:effectClrLst/>
+    <dgm:txLinClrLst/>
+    <dgm:txFillClrLst meth="repeat">
+      <a:schemeClr val="dk1"/>
+    </dgm:txFillClrLst>
+    <dgm:txEffectClrLst/>
+  </dgm:styleLbl>
+  <dgm:styleLbl name="alignAcc1">
+    <dgm:fillClrLst meth="repeat">
+      <a:schemeClr val="lt1">
+        <a:alpha val="90000"/>
+      </a:schemeClr>
+    </dgm:fillClrLst>
+    <dgm:linClrLst meth="repeat">
+      <a:schemeClr val="accent1"/>
+    </dgm:linClrLst>
+    <dgm:effectClrLst/>
+    <dgm:txLinClrLst/>
+    <dgm:txFillClrLst meth="repeat">
+      <a:schemeClr val="dk1"/>
+    </dgm:txFillClrLst>
+    <dgm:txEffectClrLst/>
+  </dgm:styleLbl>
+  <dgm:styleLbl name="trAlignAcc1">
+    <dgm:fillClrLst meth="repeat">
+      <a:schemeClr val="lt1">
+        <a:alpha val="40000"/>
+      </a:schemeClr>
+    </dgm:fillClrLst>
+    <dgm:linClrLst meth="repeat">
+      <a:schemeClr val="accent1"/>
+    </dgm:linClrLst>
+    <dgm:effectClrLst/>
+    <dgm:txLinClrLst/>
+    <dgm:txFillClrLst meth="repeat">
+      <a:schemeClr val="dk1"/>
+    </dgm:txFillClrLst>
+    <dgm:txEffectClrLst/>
+  </dgm:styleLbl>
+  <dgm:styleLbl name="bgAcc1">
+    <dgm:fillClrLst meth="repeat">
+      <a:schemeClr val="lt1">
+        <a:alpha val="90000"/>
+      </a:schemeClr>
+    </dgm:fillClrLst>
+    <dgm:linClrLst meth="repeat">
+      <a:schemeClr val="accent1"/>
+    </dgm:linClrLst>
+    <dgm:effectClrLst/>
+    <dgm:txLinClrLst/>
+    <dgm:txFillClrLst meth="repeat">
+      <a:schemeClr val="dk1"/>
+    </dgm:txFillClrLst>
+    <dgm:txEffectClrLst/>
+  </dgm:styleLbl>
+  <dgm:styleLbl name="solidFgAcc1">
+    <dgm:fillClrLst meth="repeat">
+      <a:schemeClr val="lt1"/>
+    </dgm:fillClrLst>
+    <dgm:linClrLst meth="repeat">
+      <a:schemeClr val="accent1"/>
+    </dgm:linClrLst>
+    <dgm:effectClrLst/>
+    <dgm:txLinClrLst/>
+    <dgm:txFillClrLst meth="repeat">
+      <a:schemeClr val="dk1"/>
+    </dgm:txFillClrLst>
+    <dgm:txEffectClrLst/>
+  </dgm:styleLbl>
+  <dgm:styleLbl name="solidAlignAcc1">
+    <dgm:fillClrLst meth="repeat">
+      <a:schemeClr val="lt1"/>
+    </dgm:fillClrLst>
+    <dgm:linClrLst meth="repeat">
+      <a:schemeClr val="accent1"/>
+    </dgm:linClrLst>
+    <dgm:effectClrLst/>
+    <dgm:txLinClrLst/>
+    <dgm:txFillClrLst meth="repeat">
+      <a:schemeClr val="dk1"/>
+    </dgm:txFillClrLst>
+    <dgm:txEffectClrLst/>
+  </dgm:styleLbl>
+  <dgm:styleLbl name="solidBgAcc1">
+    <dgm:fillClrLst meth="repeat">
+      <a:schemeClr val="lt1"/>
+    </dgm:fillClrLst>
+    <dgm:linClrLst meth="repeat">
+      <a:schemeClr val="accent1"/>
+    </dgm:linClrLst>
+    <dgm:effectClrLst/>
+    <dgm:txLinClrLst/>
+    <dgm:txFillClrLst meth="repeat">
+      <a:schemeClr val="dk1"/>
+    </dgm:txFillClrLst>
+    <dgm:txEffectClrLst/>
+  </dgm:styleLbl>
+  <dgm:styleLbl name="fgAccFollowNode1">
+    <dgm:fillClrLst meth="repeat">
+      <a:schemeClr val="accent1">
+        <a:alpha val="90000"/>
+        <a:tint val="40000"/>
+      </a:schemeClr>
+    </dgm:fillClrLst>
+    <dgm:linClrLst meth="repeat">
+      <a:schemeClr val="accent1">
+        <a:alpha val="90000"/>
+        <a:tint val="40000"/>
+      </a:schemeClr>
+    </dgm:linClrLst>
+    <dgm:effectClrLst/>
+    <dgm:txLinClrLst/>
+    <dgm:txFillClrLst meth="repeat">
+      <a:schemeClr val="dk1"/>
+    </dgm:txFillClrLst>
+    <dgm:txEffectClrLst/>
+  </dgm:styleLbl>
+  <dgm:styleLbl name="alignAccFollowNode1">
+    <dgm:fillClrLst meth="repeat">
+      <a:schemeClr val="accent1">
+        <a:alpha val="90000"/>
+        <a:tint val="40000"/>
+      </a:schemeClr>
+    </dgm:fillClrLst>
+    <dgm:linClrLst meth="repeat">
+      <a:schemeClr val="accent1">
+        <a:alpha val="90000"/>
+        <a:tint val="40000"/>
+      </a:schemeClr>
+    </dgm:linClrLst>
+    <dgm:effectClrLst/>
+    <dgm:txLinClrLst/>
+    <dgm:txFillClrLst meth="repeat">
+      <a:schemeClr val="dk1"/>
+    </dgm:txFillClrLst>
+    <dgm:txEffectClrLst/>
+  </dgm:styleLbl>
+  <dgm:styleLbl name="bgAccFollowNode1">
+    <dgm:fillClrLst meth="repeat">
+      <a:schemeClr val="accent1">
+        <a:alpha val="90000"/>
+        <a:tint val="40000"/>
+      </a:schemeClr>
+    </dgm:fillClrLst>
+    <dgm:linClrLst meth="repeat">
+      <a:schemeClr val="accent1">
+        <a:alpha val="90000"/>
+        <a:tint val="40000"/>
+      </a:schemeClr>
+    </dgm:linClrLst>
+    <dgm:effectClrLst/>
+    <dgm:txLinClrLst/>
+    <dgm:txFillClrLst meth="repeat">
+      <a:schemeClr val="dk1"/>
+    </dgm:txFillClrLst>
+    <dgm:txEffectClrLst/>
+  </dgm:styleLbl>
+  <dgm:styleLbl name="fgAcc0">
+    <dgm:fillClrLst meth="repeat">
+      <a:schemeClr val="lt1">
+        <a:alpha val="90000"/>
+      </a:schemeClr>
+    </dgm:fillClrLst>
+    <dgm:linClrLst meth="repeat">
+      <a:schemeClr val="accent1"/>
+    </dgm:linClrLst>
+    <dgm:effectClrLst/>
+    <dgm:txLinClrLst/>
+    <dgm:txFillClrLst meth="repeat">
+      <a:schemeClr val="dk1"/>
+    </dgm:txFillClrLst>
+    <dgm:txEffectClrLst/>
+  </dgm:styleLbl>
+  <dgm:styleLbl name="fgAcc2">
+    <dgm:fillClrLst meth="repeat">
+      <a:schemeClr val="lt1">
+        <a:alpha val="90000"/>
+      </a:schemeClr>
+    </dgm:fillClrLst>
+    <dgm:linClrLst meth="repeat">
+      <a:schemeClr val="accent1"/>
+    </dgm:linClrLst>
+    <dgm:effectClrLst/>
+    <dgm:txLinClrLst/>
+    <dgm:txFillClrLst meth="repeat">
+      <a:schemeClr val="dk1"/>
+    </dgm:txFillClrLst>
+    <dgm:txEffectClrLst/>
+  </dgm:styleLbl>
+  <dgm:styleLbl name="fgAcc3">
+    <dgm:fillClrLst meth="repeat">
+      <a:schemeClr val="lt1">
+        <a:alpha val="90000"/>
+      </a:schemeClr>
+    </dgm:fillClrLst>
+    <dgm:linClrLst meth="repeat">
+      <a:schemeClr val="accent1"/>
+    </dgm:linClrLst>
+    <dgm:effectClrLst/>
+    <dgm:txLinClrLst/>
+    <dgm:txFillClrLst meth="repeat">
+      <a:schemeClr val="dk1"/>
+    </dgm:txFillClrLst>
+    <dgm:txEffectClrLst/>
+  </dgm:styleLbl>
+  <dgm:styleLbl name="fgAcc4">
+    <dgm:fillClrLst meth="repeat">
+      <a:schemeClr val="lt1">
+        <a:alpha val="90000"/>
+      </a:schemeClr>
+    </dgm:fillClrLst>
+    <dgm:linClrLst meth="repeat">
+      <a:schemeClr val="accent1"/>
+    </dgm:linClrLst>
+    <dgm:effectClrLst/>
+    <dgm:txLinClrLst/>
+    <dgm:txFillClrLst meth="repeat">
+      <a:schemeClr val="dk1"/>
+    </dgm:txFillClrLst>
+    <dgm:txEffectClrLst/>
+  </dgm:styleLbl>
+  <dgm:styleLbl name="bgShp">
+    <dgm:fillClrLst meth="repeat">
+      <a:schemeClr val="accent1">
+        <a:tint val="40000"/>
+      </a:schemeClr>
+    </dgm:fillClrLst>
+    <dgm:linClrLst meth="repeat">
+      <a:schemeClr val="accent1"/>
+    </dgm:linClrLst>
+    <dgm:effectClrLst/>
+    <dgm:txLinClrLst/>
+    <dgm:txFillClrLst meth="repeat">
+      <a:schemeClr val="dk1"/>
+    </dgm:txFillClrLst>
+    <dgm:txEffectClrLst/>
+  </dgm:styleLbl>
+  <dgm:styleLbl name="dkBgShp">
+    <dgm:fillClrLst meth="repeat">
+      <a:schemeClr val="accent1">
+        <a:shade val="80000"/>
+      </a:schemeClr>
+    </dgm:fillClrLst>
+    <dgm:linClrLst meth="repeat">
+      <a:schemeClr val="accent1"/>
+    </dgm:linClrLst>
+    <dgm:effectClrLst/>
+    <dgm:txLinClrLst/>
+    <dgm:txFillClrLst meth="repeat">
+      <a:schemeClr val="lt1"/>
+    </dgm:txFillClrLst>
+    <dgm:txEffectClrLst/>
+  </dgm:styleLbl>
+  <dgm:styleLbl name="trBgShp">
+    <dgm:fillClrLst meth="repeat">
+      <a:schemeClr val="accent1">
+        <a:tint val="50000"/>
+        <a:alpha val="40000"/>
+      </a:schemeClr>
+    </dgm:fillClrLst>
+    <dgm:linClrLst meth="repeat">
+      <a:schemeClr val="accent1"/>
+    </dgm:linClrLst>
+    <dgm:effectClrLst/>
+    <dgm:txLinClrLst/>
+    <dgm:txFillClrLst meth="repeat">
+      <a:schemeClr val="lt1"/>
+    </dgm:txFillClrLst>
+    <dgm:txEffectClrLst/>
+  </dgm:styleLbl>
+  <dgm:styleLbl name="fgShp">
+    <dgm:fillClrLst meth="repeat">
+      <a:schemeClr val="accent1">
+        <a:tint val="60000"/>
+      </a:schemeClr>
+    </dgm:fillClrLst>
+    <dgm:linClrLst meth="repeat">
+      <a:schemeClr val="lt1"/>
+    </dgm:linClrLst>
+    <dgm:effectClrLst/>
+    <dgm:txLinClrLst/>
+    <dgm:txFillClrLst meth="repeat">
+      <a:schemeClr val="dk1"/>
+    </dgm:txFillClrLst>
+    <dgm:txEffectClrLst/>
+  </dgm:styleLbl>
+  <dgm:styleLbl name="revTx">
+    <dgm:fillClrLst meth="repeat">
+      <a:schemeClr val="lt1">
+        <a:alpha val="0"/>
+      </a:schemeClr>
+    </dgm:fillClrLst>
+    <dgm:linClrLst meth="repeat">
+      <a:schemeClr val="dk1">
+        <a:alpha val="0"/>
+      </a:schemeClr>
+    </dgm:linClrLst>
+    <dgm:effectClrLst/>
+    <dgm:txLinClrLst/>
+    <dgm:txFillClrLst meth="repeat">
+      <a:schemeClr val="tx1"/>
+    </dgm:txFillClrLst>
+    <dgm:txEffectClrLst/>
+  </dgm:styleLbl>
+</dgm:colorsDef>
+</file>
+
+<file path=ppt/diagrams/data1.xml><?xml version="1.0" encoding="utf-8"?>
+<dgm:dataModel xmlns:dgm="http://schemas.openxmlformats.org/drawingml/2006/diagram" xmlns:a="http://schemas.openxmlformats.org/drawingml/2006/main">
+  <dgm:ptLst>
+    <dgm:pt modelId="{C88076A0-6653-4D85-9D10-03F2645E9641}" type="doc">
+      <dgm:prSet loTypeId="urn:microsoft.com/office/officeart/2005/8/layout/funnel1" loCatId="relationship" qsTypeId="urn:microsoft.com/office/officeart/2005/8/quickstyle/simple1" qsCatId="simple" csTypeId="urn:microsoft.com/office/officeart/2005/8/colors/accent1_2" csCatId="accent1" phldr="1"/>
+      <dgm:spPr/>
+      <dgm:t>
+        <a:bodyPr/>
+        <a:lstStyle/>
+        <a:p>
+          <a:endParaRPr lang="en-US"/>
+        </a:p>
+      </dgm:t>
+    </dgm:pt>
+    <dgm:pt modelId="{91FDC806-5B62-40DC-9B71-E5A4E1EBAD3A}">
+      <dgm:prSet phldrT="[Text]"/>
+      <dgm:spPr/>
+      <dgm:t>
+        <a:bodyPr/>
+        <a:lstStyle/>
+        <a:p>
+          <a:r>
+            <a:rPr lang="en-US" dirty="0"/>
+            <a:t>AITYL</a:t>
+          </a:r>
+        </a:p>
+      </dgm:t>
+    </dgm:pt>
+    <dgm:pt modelId="{DEDAB077-B3C3-4264-96F8-D75AD85C3E70}" type="parTrans" cxnId="{1455AE7E-807C-4325-A656-78E1CC06B8FF}">
+      <dgm:prSet/>
+      <dgm:spPr/>
+      <dgm:t>
+        <a:bodyPr/>
+        <a:lstStyle/>
+        <a:p>
+          <a:endParaRPr lang="en-US"/>
+        </a:p>
+      </dgm:t>
+    </dgm:pt>
+    <dgm:pt modelId="{CC2167F7-6E16-442C-93F6-FEFBBD38D6AC}" type="sibTrans" cxnId="{1455AE7E-807C-4325-A656-78E1CC06B8FF}">
+      <dgm:prSet/>
+      <dgm:spPr/>
+      <dgm:t>
+        <a:bodyPr/>
+        <a:lstStyle/>
+        <a:p>
+          <a:endParaRPr lang="en-US"/>
+        </a:p>
+      </dgm:t>
+    </dgm:pt>
+    <dgm:pt modelId="{2966D7F0-5C50-415E-8638-25EE74035078}" type="pres">
+      <dgm:prSet presAssocID="{C88076A0-6653-4D85-9D10-03F2645E9641}" presName="Name0" presStyleCnt="0">
+        <dgm:presLayoutVars>
+          <dgm:chMax val="4"/>
+          <dgm:resizeHandles val="exact"/>
+        </dgm:presLayoutVars>
+      </dgm:prSet>
+      <dgm:spPr/>
+    </dgm:pt>
+    <dgm:pt modelId="{346262E2-C57D-489A-B037-8C8EBCA35523}" type="pres">
+      <dgm:prSet presAssocID="{C88076A0-6653-4D85-9D10-03F2645E9641}" presName="ellipse" presStyleLbl="trBgShp" presStyleIdx="0" presStyleCnt="1" custLinFactNeighborX="39164" custLinFactNeighborY="5446"/>
+      <dgm:spPr/>
+    </dgm:pt>
+    <dgm:pt modelId="{1C238821-D327-4FD2-AE7A-3493D9B7C9CB}" type="pres">
+      <dgm:prSet presAssocID="{C88076A0-6653-4D85-9D10-03F2645E9641}" presName="arrow1" presStyleLbl="fgShp" presStyleIdx="0" presStyleCnt="1" custLinFactX="90292" custLinFactNeighborX="100000" custLinFactNeighborY="10674"/>
+      <dgm:spPr/>
+    </dgm:pt>
+    <dgm:pt modelId="{FC5EA61A-D4DB-46BF-A3FC-76836DD14261}" type="pres">
+      <dgm:prSet presAssocID="{C88076A0-6653-4D85-9D10-03F2645E9641}" presName="rectangle" presStyleLbl="revTx" presStyleIdx="0" presStyleCnt="1" custLinFactNeighborX="38505" custLinFactNeighborY="18333">
+        <dgm:presLayoutVars>
+          <dgm:bulletEnabled val="1"/>
+        </dgm:presLayoutVars>
+      </dgm:prSet>
+      <dgm:spPr/>
+    </dgm:pt>
+    <dgm:pt modelId="{2019F1B1-729F-4341-A698-452548D6DEBC}" type="pres">
+      <dgm:prSet presAssocID="{C88076A0-6653-4D85-9D10-03F2645E9641}" presName="funnel" presStyleLbl="trAlignAcc1" presStyleIdx="0" presStyleCnt="1" custLinFactNeighborX="38356" custLinFactNeighborY="2018"/>
+      <dgm:spPr/>
+    </dgm:pt>
+  </dgm:ptLst>
+  <dgm:cxnLst>
+    <dgm:cxn modelId="{DCF1546D-CA3D-4B81-AAB9-81A181105233}" type="presOf" srcId="{91FDC806-5B62-40DC-9B71-E5A4E1EBAD3A}" destId="{FC5EA61A-D4DB-46BF-A3FC-76836DD14261}" srcOrd="0" destOrd="0" presId="urn:microsoft.com/office/officeart/2005/8/layout/funnel1"/>
+    <dgm:cxn modelId="{1455AE7E-807C-4325-A656-78E1CC06B8FF}" srcId="{C88076A0-6653-4D85-9D10-03F2645E9641}" destId="{91FDC806-5B62-40DC-9B71-E5A4E1EBAD3A}" srcOrd="0" destOrd="0" parTransId="{DEDAB077-B3C3-4264-96F8-D75AD85C3E70}" sibTransId="{CC2167F7-6E16-442C-93F6-FEFBBD38D6AC}"/>
+    <dgm:cxn modelId="{BEF925DD-F8C8-4176-8BD0-0F19729FA008}" type="presOf" srcId="{C88076A0-6653-4D85-9D10-03F2645E9641}" destId="{2966D7F0-5C50-415E-8638-25EE74035078}" srcOrd="0" destOrd="0" presId="urn:microsoft.com/office/officeart/2005/8/layout/funnel1"/>
+    <dgm:cxn modelId="{C8FF48F1-19CE-4ADA-A010-6AC728473CB9}" type="presParOf" srcId="{2966D7F0-5C50-415E-8638-25EE74035078}" destId="{346262E2-C57D-489A-B037-8C8EBCA35523}" srcOrd="0" destOrd="0" presId="urn:microsoft.com/office/officeart/2005/8/layout/funnel1"/>
+    <dgm:cxn modelId="{555800B4-CEAF-4E66-BDDA-4D5769772A83}" type="presParOf" srcId="{2966D7F0-5C50-415E-8638-25EE74035078}" destId="{1C238821-D327-4FD2-AE7A-3493D9B7C9CB}" srcOrd="1" destOrd="0" presId="urn:microsoft.com/office/officeart/2005/8/layout/funnel1"/>
+    <dgm:cxn modelId="{EBD21D8A-3F6D-4F8A-AE65-F943A2DC4D5F}" type="presParOf" srcId="{2966D7F0-5C50-415E-8638-25EE74035078}" destId="{FC5EA61A-D4DB-46BF-A3FC-76836DD14261}" srcOrd="2" destOrd="0" presId="urn:microsoft.com/office/officeart/2005/8/layout/funnel1"/>
+    <dgm:cxn modelId="{78DC5B3C-5AF1-4C10-94F3-97FFE6AF20A8}" type="presParOf" srcId="{2966D7F0-5C50-415E-8638-25EE74035078}" destId="{2019F1B1-729F-4341-A698-452548D6DEBC}" srcOrd="3" destOrd="0" presId="urn:microsoft.com/office/officeart/2005/8/layout/funnel1"/>
+  </dgm:cxnLst>
+  <dgm:bg/>
+  <dgm:whole/>
+  <dgm:extLst>
+    <a:ext uri="http://schemas.microsoft.com/office/drawing/2008/diagram">
+      <dsp:dataModelExt xmlns:dsp="http://schemas.microsoft.com/office/drawing/2008/diagram" relId="rId10" minVer="http://schemas.openxmlformats.org/drawingml/2006/diagram"/>
+    </a:ext>
+  </dgm:extLst>
+</dgm:dataModel>
+</file>
+
+<file path=ppt/diagrams/drawing1.xml><?xml version="1.0" encoding="utf-8"?>
+<dsp:drawing xmlns:dgm="http://schemas.openxmlformats.org/drawingml/2006/diagram" xmlns:dsp="http://schemas.microsoft.com/office/drawing/2008/diagram" xmlns:a="http://schemas.openxmlformats.org/drawingml/2006/main">
+  <dsp:spTree>
+    <dsp:nvGrpSpPr>
+      <dsp:cNvPr id="0" name=""/>
+      <dsp:cNvGrpSpPr/>
+    </dsp:nvGrpSpPr>
+    <dsp:grpSpPr/>
+    <dsp:sp modelId="{346262E2-C57D-489A-B037-8C8EBCA35523}">
+      <dsp:nvSpPr>
+        <dsp:cNvPr id="0" name=""/>
+        <dsp:cNvSpPr/>
+      </dsp:nvSpPr>
+      <dsp:spPr>
+        <a:xfrm>
+          <a:off x="3583823" y="302761"/>
+          <a:ext cx="4368800" cy="1517226"/>
+        </a:xfrm>
+        <a:prstGeom prst="ellipse">
+          <a:avLst/>
+        </a:prstGeom>
+        <a:solidFill>
+          <a:schemeClr val="accent1">
+            <a:tint val="50000"/>
+            <a:alpha val="40000"/>
+            <a:hueOff val="0"/>
+            <a:satOff val="0"/>
+            <a:lumOff val="0"/>
+            <a:alphaOff val="0"/>
+          </a:schemeClr>
+        </a:solidFill>
+        <a:ln>
+          <a:noFill/>
+        </a:ln>
+        <a:effectLst/>
+      </dsp:spPr>
+      <dsp:style>
+        <a:lnRef idx="0">
+          <a:scrgbClr r="0" g="0" b="0"/>
+        </a:lnRef>
+        <a:fillRef idx="1">
+          <a:scrgbClr r="0" g="0" b="0"/>
+        </a:fillRef>
+        <a:effectRef idx="0">
+          <a:scrgbClr r="0" g="0" b="0"/>
+        </a:effectRef>
+        <a:fontRef idx="minor"/>
+      </dsp:style>
+    </dsp:sp>
+    <dsp:sp modelId="{1C238821-D327-4FD2-AE7A-3493D9B7C9CB}">
+      <dsp:nvSpPr>
+        <dsp:cNvPr id="0" name=""/>
+        <dsp:cNvSpPr/>
+      </dsp:nvSpPr>
+      <dsp:spPr>
+        <a:xfrm>
+          <a:off x="5251805" y="3993145"/>
+          <a:ext cx="846666" cy="541866"/>
+        </a:xfrm>
+        <a:prstGeom prst="downArrow">
+          <a:avLst/>
+        </a:prstGeom>
+        <a:solidFill>
+          <a:schemeClr val="accent1">
+            <a:tint val="60000"/>
+            <a:hueOff val="0"/>
+            <a:satOff val="0"/>
+            <a:lumOff val="0"/>
+            <a:alphaOff val="0"/>
+          </a:schemeClr>
+        </a:solidFill>
+        <a:ln w="12700" cap="flat" cmpd="sng" algn="ctr">
+          <a:solidFill>
+            <a:schemeClr val="lt1">
+              <a:hueOff val="0"/>
+              <a:satOff val="0"/>
+              <a:lumOff val="0"/>
+              <a:alphaOff val="0"/>
+            </a:schemeClr>
+          </a:solidFill>
+          <a:prstDash val="solid"/>
+          <a:miter lim="800000"/>
+        </a:ln>
+        <a:effectLst/>
+      </dsp:spPr>
+      <dsp:style>
+        <a:lnRef idx="2">
+          <a:scrgbClr r="0" g="0" b="0"/>
+        </a:lnRef>
+        <a:fillRef idx="1">
+          <a:scrgbClr r="0" g="0" b="0"/>
+        </a:fillRef>
+        <a:effectRef idx="0">
+          <a:scrgbClr r="0" g="0" b="0"/>
+        </a:effectRef>
+        <a:fontRef idx="minor"/>
+      </dsp:style>
+    </dsp:sp>
+    <dsp:sp modelId="{FC5EA61A-D4DB-46BF-A3FC-76836DD14261}">
+      <dsp:nvSpPr>
+        <dsp:cNvPr id="0" name=""/>
+        <dsp:cNvSpPr/>
+      </dsp:nvSpPr>
+      <dsp:spPr>
+        <a:xfrm>
+          <a:off x="3596843" y="4402666"/>
+          <a:ext cx="4064000" cy="1016000"/>
+        </a:xfrm>
+        <a:prstGeom prst="rect">
+          <a:avLst/>
+        </a:prstGeom>
+        <a:noFill/>
+        <a:ln>
+          <a:noFill/>
+        </a:ln>
+        <a:effectLst/>
+      </dsp:spPr>
+      <dsp:style>
+        <a:lnRef idx="0">
+          <a:scrgbClr r="0" g="0" b="0"/>
+        </a:lnRef>
+        <a:fillRef idx="0">
+          <a:scrgbClr r="0" g="0" b="0"/>
+        </a:fillRef>
+        <a:effectRef idx="0">
+          <a:scrgbClr r="0" g="0" b="0"/>
+        </a:effectRef>
+        <a:fontRef idx="minor"/>
+      </dsp:style>
+      <dsp:txBody>
+        <a:bodyPr spcFirstLastPara="0" vert="horz" wrap="square" lIns="256032" tIns="256032" rIns="256032" bIns="256032" numCol="1" spcCol="1270" anchor="ctr" anchorCtr="0">
+          <a:noAutofit/>
+        </a:bodyPr>
+        <a:lstStyle/>
+        <a:p>
+          <a:pPr marL="0" lvl="0" indent="0" algn="ctr" defTabSz="1600200">
+            <a:lnSpc>
+              <a:spcPct val="90000"/>
+            </a:lnSpc>
+            <a:spcBef>
+              <a:spcPct val="0"/>
+            </a:spcBef>
+            <a:spcAft>
+              <a:spcPct val="35000"/>
+            </a:spcAft>
+            <a:buNone/>
+          </a:pPr>
+          <a:r>
+            <a:rPr lang="en-US" sz="3600" kern="1200" dirty="0"/>
+            <a:t>AITYL</a:t>
+          </a:r>
+        </a:p>
+      </dsp:txBody>
+      <dsp:txXfrm>
+        <a:off x="3596843" y="4402666"/>
+        <a:ext cx="4064000" cy="1016000"/>
+      </dsp:txXfrm>
+    </dsp:sp>
+    <dsp:sp modelId="{2019F1B1-729F-4341-A698-452548D6DEBC}">
+      <dsp:nvSpPr>
+        <dsp:cNvPr id="0" name=""/>
+        <dsp:cNvSpPr/>
+      </dsp:nvSpPr>
+      <dsp:spPr>
+        <a:xfrm>
+          <a:off x="3386666" y="110410"/>
+          <a:ext cx="4741333" cy="3793066"/>
+        </a:xfrm>
+        <a:prstGeom prst="funnel">
+          <a:avLst/>
+        </a:prstGeom>
+        <a:solidFill>
+          <a:schemeClr val="lt1">
+            <a:alpha val="40000"/>
+            <a:hueOff val="0"/>
+            <a:satOff val="0"/>
+            <a:lumOff val="0"/>
+            <a:alphaOff val="0"/>
+          </a:schemeClr>
+        </a:solidFill>
+        <a:ln w="6350" cap="flat" cmpd="sng" algn="ctr">
+          <a:solidFill>
+            <a:schemeClr val="accent1">
+              <a:hueOff val="0"/>
+              <a:satOff val="0"/>
+              <a:lumOff val="0"/>
+              <a:alphaOff val="0"/>
+            </a:schemeClr>
+          </a:solidFill>
+          <a:prstDash val="solid"/>
+          <a:miter lim="800000"/>
+        </a:ln>
+        <a:effectLst/>
+      </dsp:spPr>
+      <dsp:style>
+        <a:lnRef idx="1">
+          <a:scrgbClr r="0" g="0" b="0"/>
+        </a:lnRef>
+        <a:fillRef idx="1">
+          <a:scrgbClr r="0" g="0" b="0"/>
+        </a:fillRef>
+        <a:effectRef idx="0">
+          <a:scrgbClr r="0" g="0" b="0"/>
+        </a:effectRef>
+        <a:fontRef idx="minor"/>
+      </dsp:style>
+    </dsp:sp>
+  </dsp:spTree>
+</dsp:drawing>
+</file>
+
+<file path=ppt/diagrams/layout1.xml><?xml version="1.0" encoding="utf-8"?>
+<dgm:layoutDef xmlns:dgm="http://schemas.openxmlformats.org/drawingml/2006/diagram" xmlns:a="http://schemas.openxmlformats.org/drawingml/2006/main" uniqueId="urn:microsoft.com/office/officeart/2005/8/layout/funnel1">
+  <dgm:title val=""/>
+  <dgm:desc val=""/>
+  <dgm:catLst>
+    <dgm:cat type="relationship" pri="2000"/>
+    <dgm:cat type="process" pri="27000"/>
+  </dgm:catLst>
+  <dgm:sampData>
+    <dgm:dataModel>
+      <dgm:ptLst>
+        <dgm:pt modelId="0" type="doc"/>
+        <dgm:pt modelId="1">
+          <dgm:prSet phldr="1"/>
+        </dgm:pt>
+        <dgm:pt modelId="2">
+          <dgm:prSet phldr="1"/>
+        </dgm:pt>
+        <dgm:pt modelId="3">
+          <dgm:prSet phldr="1"/>
+        </dgm:pt>
+        <dgm:pt modelId="4">
+          <dgm:prSet phldr="1"/>
+        </dgm:pt>
+      </dgm:ptLst>
+      <dgm:cxnLst>
+        <dgm:cxn modelId="5" srcId="0" destId="1" srcOrd="0" destOrd="0"/>
+        <dgm:cxn modelId="6" srcId="0" destId="2" srcOrd="1" destOrd="0"/>
+        <dgm:cxn modelId="7" srcId="0" destId="3" srcOrd="2" destOrd="0"/>
+        <dgm:cxn modelId="8" srcId="0" destId="4" srcOrd="3" destOrd="0"/>
+      </dgm:cxnLst>
+      <dgm:bg/>
+      <dgm:whole/>
+    </dgm:dataModel>
+  </dgm:sampData>
+  <dgm:styleData>
+    <dgm:dataModel>
+      <dgm:ptLst>
+        <dgm:pt modelId="0" type="doc"/>
+        <dgm:pt modelId="1"/>
+        <dgm:pt modelId="2"/>
+      </dgm:ptLst>
+      <dgm:cxnLst>
+        <dgm:cxn modelId="3" srcId="0" destId="1" srcOrd="0" destOrd="0"/>
+        <dgm:cxn modelId="4" srcId="0" destId="2" srcOrd="1" destOrd="0"/>
+      </dgm:cxnLst>
+      <dgm:bg/>
+      <dgm:whole/>
+    </dgm:dataModel>
+  </dgm:styleData>
+  <dgm:clrData>
+    <dgm:dataModel>
+      <dgm:ptLst>
+        <dgm:pt modelId="0" type="doc"/>
+        <dgm:pt modelId="1"/>
+        <dgm:pt modelId="2"/>
+        <dgm:pt modelId="3"/>
+        <dgm:pt modelId="4"/>
+      </dgm:ptLst>
+      <dgm:cxnLst>
+        <dgm:cxn modelId="5" srcId="0" destId="1" srcOrd="0" destOrd="0"/>
+        <dgm:cxn modelId="6" srcId="0" destId="2" srcOrd="1" destOrd="0"/>
+        <dgm:cxn modelId="7" srcId="0" destId="3" srcOrd="2" destOrd="0"/>
+        <dgm:cxn modelId="8" srcId="0" destId="4" srcOrd="3" destOrd="0"/>
+      </dgm:cxnLst>
+      <dgm:bg/>
+      <dgm:whole/>
+    </dgm:dataModel>
+  </dgm:clrData>
+  <dgm:layoutNode name="Name0">
+    <dgm:varLst>
+      <dgm:chMax val="4"/>
+      <dgm:resizeHandles val="exact"/>
+    </dgm:varLst>
+    <dgm:alg type="composite">
+      <dgm:param type="ar" val="1.25"/>
+    </dgm:alg>
+    <dgm:shape xmlns:r="http://schemas.openxmlformats.org/officeDocument/2006/relationships" r:blip="">
+      <dgm:adjLst/>
+    </dgm:shape>
+    <dgm:presOf/>
+    <dgm:choose name="Name1">
+      <dgm:if name="Name2" axis="ch" ptType="node" func="cnt" op="equ" val="2">
+        <dgm:constrLst>
+          <dgm:constr type="w" for="ch" forName="ellipse" refType="w" fact="0.645"/>
+          <dgm:constr type="h" for="ch" forName="ellipse" refType="h" fact="0.28"/>
+          <dgm:constr type="t" for="ch" forName="ellipse" refType="w" fact="0.0275"/>
+          <dgm:constr type="l" for="ch" forName="ellipse" refType="w" fact="0.0265"/>
+          <dgm:constr type="w" for="ch" forName="arrow1" refType="w" fact="0.125"/>
+          <dgm:constr type="h" for="ch" forName="arrow1" refType="h" fact="0.1"/>
+          <dgm:constr type="t" for="ch" forName="arrow1" refType="h" fact="0.72"/>
+          <dgm:constr type="l" for="ch" forName="arrow1" refType="w" fact="0.2875"/>
+          <dgm:constr type="w" for="ch" forName="rectangle" refType="w" fact="0.6"/>
+          <dgm:constr type="h" for="ch" forName="rectangle" refType="w" refFor="ch" refForName="rectangle" fact="0.25"/>
+          <dgm:constr type="t" for="ch" forName="rectangle" refType="h" fact="0.8"/>
+          <dgm:constr type="l" for="ch" forName="rectangle" refType="w" fact="0.05"/>
+          <dgm:constr type="w" for="ch" forName="item1" refType="w" fact="0.35"/>
+          <dgm:constr type="h" for="ch" forName="item1" refType="w" fact="0.35"/>
+          <dgm:constr type="t" for="ch" forName="item1" refType="h" fact="0.05"/>
+          <dgm:constr type="l" for="ch" forName="item1" refType="w" fact="0.125"/>
+          <dgm:constr type="primFontSz" for="ch" forName="item1" op="equ" val="65"/>
+          <dgm:constr type="w" for="ch" forName="funnel" refType="w" fact="0.7"/>
+          <dgm:constr type="h" for="ch" forName="funnel" refType="h" fact="0.7"/>
+          <dgm:constr type="t" for="ch" forName="funnel"/>
+          <dgm:constr type="l" for="ch" forName="funnel"/>
+        </dgm:constrLst>
+      </dgm:if>
+      <dgm:else name="Name3">
+        <dgm:constrLst>
+          <dgm:constr type="w" for="ch" forName="ellipse" refType="w" fact="0.645"/>
+          <dgm:constr type="h" for="ch" forName="ellipse" refType="h" fact="0.28"/>
+          <dgm:constr type="t" for="ch" forName="ellipse" refType="w" fact="0.0275"/>
+          <dgm:constr type="l" for="ch" forName="ellipse" refType="w" fact="0.0265"/>
+          <dgm:constr type="w" for="ch" forName="arrow1" refType="w" fact="0.125"/>
+          <dgm:constr type="h" for="ch" forName="arrow1" refType="h" fact="0.1"/>
+          <dgm:constr type="t" for="ch" forName="arrow1" refType="h" fact="0.72"/>
+          <dgm:constr type="l" for="ch" forName="arrow1" refType="w" fact="0.2875"/>
+          <dgm:constr type="w" for="ch" forName="rectangle" refType="w" fact="0.6"/>
+          <dgm:constr type="h" for="ch" forName="rectangle" refType="w" refFor="ch" refForName="rectangle" fact="0.25"/>
+          <dgm:constr type="t" for="ch" forName="rectangle" refType="h" fact="0.8"/>
+          <dgm:constr type="l" for="ch" forName="rectangle" refType="w" fact="0.05"/>
+          <dgm:constr type="primFontSz" for="ch" forName="rectangle" val="65"/>
+          <dgm:constr type="w" for="ch" forName="item1" refType="w" fact="0.225"/>
+          <dgm:constr type="h" for="ch" forName="item1" refType="w" fact="0.225"/>
+          <dgm:constr type="t" for="ch" forName="item1" refType="h" fact="0.336"/>
+          <dgm:constr type="l" for="ch" forName="item1" refType="w" fact="0.261"/>
+          <dgm:constr type="primFontSz" for="ch" forName="item1" val="65"/>
+          <dgm:constr type="w" for="ch" forName="item2" refType="w" fact="0.225"/>
+          <dgm:constr type="h" for="ch" forName="item2" refType="w" fact="0.225"/>
+          <dgm:constr type="t" for="ch" forName="item2" refType="h" fact="0.125"/>
+          <dgm:constr type="l" for="ch" forName="item2" refType="w" fact="0.1"/>
+          <dgm:constr type="primFontSz" for="ch" forName="item2" refType="primFontSz" refFor="ch" refForName="item1" op="equ"/>
+          <dgm:constr type="w" for="ch" forName="item3" refType="w" fact="0.225"/>
+          <dgm:constr type="h" for="ch" forName="item3" refType="w" fact="0.225"/>
+          <dgm:constr type="t" for="ch" forName="item3" refType="h" fact="0.057"/>
+          <dgm:constr type="l" for="ch" forName="item3" refType="w" fact="0.33"/>
+          <dgm:constr type="primFontSz" for="ch" forName="item3" refType="primFontSz" refFor="ch" refForName="item1" op="equ"/>
+          <dgm:constr type="w" for="ch" forName="funnel" refType="w" fact="0.7"/>
+          <dgm:constr type="h" for="ch" forName="funnel" refType="h" fact="0.7"/>
+          <dgm:constr type="t" for="ch" forName="funnel"/>
+          <dgm:constr type="l" for="ch" forName="funnel"/>
+        </dgm:constrLst>
+      </dgm:else>
+    </dgm:choose>
+    <dgm:ruleLst/>
+    <dgm:choose name="Name4">
+      <dgm:if name="Name5" axis="ch" ptType="node" func="cnt" op="gte" val="1">
+        <dgm:layoutNode name="ellipse" styleLbl="trBgShp">
+          <dgm:alg type="sp"/>
+          <dgm:shape xmlns:r="http://schemas.openxmlformats.org/officeDocument/2006/relationships" type="ellipse" r:blip="">
+            <dgm:adjLst/>
+          </dgm:shape>
+          <dgm:presOf/>
+          <dgm:constrLst/>
+          <dgm:ruleLst/>
+        </dgm:layoutNode>
+        <dgm:layoutNode name="arrow1" styleLbl="fgShp">
+          <dgm:alg type="sp"/>
+          <dgm:shape xmlns:r="http://schemas.openxmlformats.org/officeDocument/2006/relationships" type="downArrow" r:blip="">
+            <dgm:adjLst/>
+          </dgm:shape>
+          <dgm:presOf/>
+          <dgm:constrLst/>
+          <dgm:ruleLst/>
+        </dgm:layoutNode>
+        <dgm:layoutNode name="rectangle" styleLbl="revTx">
+          <dgm:varLst>
+            <dgm:bulletEnabled val="1"/>
+          </dgm:varLst>
+          <dgm:alg type="tx">
+            <dgm:param type="txAnchorHorzCh" val="ctr"/>
+          </dgm:alg>
+          <dgm:shape xmlns:r="http://schemas.openxmlformats.org/officeDocument/2006/relationships" type="rect" r:blip="">
+            <dgm:adjLst/>
+          </dgm:shape>
+          <dgm:choose name="Name6">
+            <dgm:if name="Name7" axis="ch" ptType="node" func="cnt" op="equ" val="1">
+              <dgm:presOf axis="ch desOrSelf" ptType="node node" st="1 1" cnt="1 0"/>
+            </dgm:if>
+            <dgm:if name="Name8" axis="ch" ptType="node" func="cnt" op="equ" val="2">
+              <dgm:presOf axis="ch desOrSelf" ptType="node node" st="2 1" cnt="1 0"/>
+            </dgm:if>
+            <dgm:if name="Name9" axis="ch" ptType="node" func="cnt" op="equ" val="3">
+              <dgm:presOf axis="ch desOrSelf" ptType="node node" st="3 1" cnt="1 0"/>
+            </dgm:if>
+            <dgm:else name="Name10">
+              <dgm:presOf axis="ch desOrSelf" ptType="node node" st="4 1" cnt="1 0"/>
+            </dgm:else>
+          </dgm:choose>
+          <dgm:constrLst/>
+          <dgm:ruleLst>
+            <dgm:rule type="primFontSz" val="5" fact="NaN" max="NaN"/>
+          </dgm:ruleLst>
+        </dgm:layoutNode>
+        <dgm:forEach name="Name11" axis="ch" ptType="node" st="2" cnt="1">
+          <dgm:layoutNode name="item1" styleLbl="node1">
+            <dgm:varLst>
+              <dgm:bulletEnabled val="1"/>
+            </dgm:varLst>
+            <dgm:alg type="tx">
+              <dgm:param type="txAnchorVertCh" val="mid"/>
+            </dgm:alg>
+            <dgm:shape xmlns:r="http://schemas.openxmlformats.org/officeDocument/2006/relationships" type="ellipse" r:blip="">
+              <dgm:adjLst/>
+            </dgm:shape>
+            <dgm:choose name="Name12">
+              <dgm:if name="Name13" axis="root ch" ptType="all node" func="cnt" op="equ" val="1">
+                <dgm:presOf/>
+              </dgm:if>
+              <dgm:if name="Name14" axis="root ch" ptType="all node" func="cnt" op="equ" val="2">
+                <dgm:presOf axis="root ch desOrSelf" ptType="all node node" st="1 1 1" cnt="0 1 0"/>
+              </dgm:if>
+              <dgm:if name="Name15" axis="root ch" ptType="all node" func="cnt" op="equ" val="3">
+                <dgm:presOf axis="root ch desOrSelf" ptType="all node node" st="1 2 1" cnt="0 1 0"/>
+              </dgm:if>
+              <dgm:else name="Name16">
+                <dgm:presOf axis="root ch desOrSelf" ptType="all node node" st="1 3 1" cnt="0 1 0"/>
+              </dgm:else>
+            </dgm:choose>
+            <dgm:constrLst>
+              <dgm:constr type="tMarg" refType="primFontSz" fact="0.1"/>
+              <dgm:constr type="bMarg" refType="primFontSz" fact="0.1"/>
+              <dgm:constr type="lMarg" refType="primFontSz" fact="0.1"/>
+              <dgm:constr type="rMarg" refType="primFontSz" fact="0.1"/>
+            </dgm:constrLst>
+            <dgm:ruleLst>
+              <dgm:rule type="primFontSz" val="5" fact="NaN" max="NaN"/>
+            </dgm:ruleLst>
+          </dgm:layoutNode>
+        </dgm:forEach>
+        <dgm:forEach name="Name17" axis="ch" ptType="node" st="3" cnt="1">
+          <dgm:layoutNode name="item2" styleLbl="node1">
+            <dgm:varLst>
+              <dgm:bulletEnabled val="1"/>
+            </dgm:varLst>
+            <dgm:alg type="tx">
+              <dgm:param type="txAnchorVertCh" val="mid"/>
+            </dgm:alg>
+            <dgm:shape xmlns:r="http://schemas.openxmlformats.org/officeDocument/2006/relationships" type="ellipse" r:blip="">
+              <dgm:adjLst/>
+            </dgm:shape>
+            <dgm:choose name="Name18">
+              <dgm:if name="Name19" axis="root ch" ptType="all node" func="cnt" op="equ" val="1">
+                <dgm:presOf/>
+              </dgm:if>
+              <dgm:if name="Name20" axis="root ch" ptType="all node" func="cnt" op="equ" val="2">
+                <dgm:presOf/>
+              </dgm:if>
+              <dgm:if name="Name21" axis="root ch" ptType="all node" func="cnt" op="equ" val="3">
+                <dgm:presOf axis="root ch desOrSelf" ptType="all node node" st="1 1 1" cnt="0 1 0"/>
+              </dgm:if>
+              <dgm:else name="Name22">
+                <dgm:presOf axis="root ch desOrSelf" ptType="all node node" st="1 2 1" cnt="0 1 0"/>
+              </dgm:else>
+            </dgm:choose>
+            <dgm:constrLst>
+              <dgm:constr type="tMarg" refType="primFontSz" fact="0.1"/>
+              <dgm:constr type="bMarg" refType="primFontSz" fact="0.1"/>
+              <dgm:constr type="lMarg" refType="primFontSz" fact="0.1"/>
+              <dgm:constr type="rMarg" refType="primFontSz" fact="0.1"/>
+            </dgm:constrLst>
+            <dgm:ruleLst>
+              <dgm:rule type="primFontSz" val="5" fact="NaN" max="NaN"/>
+            </dgm:ruleLst>
+          </dgm:layoutNode>
+        </dgm:forEach>
+        <dgm:forEach name="Name23" axis="ch" ptType="node" st="4" cnt="1">
+          <dgm:layoutNode name="item3" styleLbl="node1">
+            <dgm:varLst>
+              <dgm:bulletEnabled val="1"/>
+            </dgm:varLst>
+            <dgm:alg type="tx">
+              <dgm:param type="txAnchorVertCh" val="mid"/>
+            </dgm:alg>
+            <dgm:shape xmlns:r="http://schemas.openxmlformats.org/officeDocument/2006/relationships" type="ellipse" r:blip="">
+              <dgm:adjLst/>
+            </dgm:shape>
+            <dgm:choose name="Name24">
+              <dgm:if name="Name25" axis="root ch" ptType="all node" func="cnt" op="equ" val="1">
+                <dgm:presOf/>
+              </dgm:if>
+              <dgm:if name="Name26" axis="root ch" ptType="all node" func="cnt" op="equ" val="2">
+                <dgm:presOf/>
+              </dgm:if>
+              <dgm:if name="Name27" axis="root ch" ptType="all node" func="cnt" op="equ" val="3">
+                <dgm:presOf/>
+              </dgm:if>
+              <dgm:else name="Name28">
+                <dgm:presOf axis="root ch desOrSelf" ptType="all node node" st="1 1 1" cnt="0 1 0"/>
+              </dgm:else>
+            </dgm:choose>
+            <dgm:constrLst>
+              <dgm:constr type="tMarg" refType="primFontSz" fact="0.1"/>
+              <dgm:constr type="bMarg" refType="primFontSz" fact="0.1"/>
+              <dgm:constr type="lMarg" refType="primFontSz" fact="0.1"/>
+              <dgm:constr type="rMarg" refType="primFontSz" fact="0.1"/>
+            </dgm:constrLst>
+            <dgm:ruleLst>
+              <dgm:rule type="primFontSz" val="5" fact="NaN" max="NaN"/>
+            </dgm:ruleLst>
+          </dgm:layoutNode>
+        </dgm:forEach>
+        <dgm:layoutNode name="funnel" styleLbl="trAlignAcc1">
+          <dgm:alg type="sp"/>
+          <dgm:shape xmlns:r="http://schemas.openxmlformats.org/officeDocument/2006/relationships" type="funnel" r:blip="">
+            <dgm:adjLst/>
+          </dgm:shape>
+          <dgm:presOf/>
+          <dgm:constrLst/>
+          <dgm:ruleLst/>
+        </dgm:layoutNode>
+      </dgm:if>
+      <dgm:else name="Name29"/>
+    </dgm:choose>
+  </dgm:layoutNode>
+</dgm:layoutDef>
+</file>
+
+<file path=ppt/diagrams/quickStyle1.xml><?xml version="1.0" encoding="utf-8"?>
+<dgm:styleDef xmlns:dgm="http://schemas.openxmlformats.org/drawingml/2006/diagram" xmlns:a="http://schemas.openxmlformats.org/drawingml/2006/main" uniqueId="urn:microsoft.com/office/officeart/2005/8/quickstyle/simple1">
+  <dgm:title val=""/>
+  <dgm:desc val=""/>
+  <dgm:catLst>
+    <dgm:cat type="simple" pri="10100"/>
+  </dgm:catLst>
+  <dgm:scene3d>
+    <a:camera prst="orthographicFront"/>
+    <a:lightRig rig="threePt" dir="t"/>
+  </dgm:scene3d>
+  <dgm:styleLbl name="node0">
+    <dgm:scene3d>
+      <a:camera prst="orthographicFront"/>
+      <a:lightRig rig="threePt" dir="t"/>
+    </dgm:scene3d>
+    <dgm:sp3d/>
+    <dgm:txPr/>
+    <dgm:style>
+      <a:lnRef idx="2">
+        <a:scrgbClr r="0" g="0" b="0"/>
+      </a:lnRef>
+      <a:fillRef idx="1">
+        <a:scrgbClr r="0" g="0" b="0"/>
+      </a:fillRef>
+      <a:effectRef idx="0">
+        <a:scrgbClr r="0" g="0" b="0"/>
+      </a:effectRef>
+      <a:fontRef idx="minor">
+        <a:schemeClr val="lt1"/>
+      </a:fontRef>
+    </dgm:style>
+  </dgm:styleLbl>
+  <dgm:styleLbl name="lnNode1">
+    <dgm:scene3d>
+      <a:camera prst="orthographicFront"/>
+      <a:lightRig rig="threePt" dir="t"/>
+    </dgm:scene3d>
+    <dgm:sp3d/>
+    <dgm:txPr/>
+    <dgm:style>
+      <a:lnRef idx="2">
+        <a:scrgbClr r="0" g="0" b="0"/>
+      </a:lnRef>
+      <a:fillRef idx="1">
+        <a:scrgbClr r="0" g="0" b="0"/>
+      </a:fillRef>
+      <a:effectRef idx="0">
+        <a:scrgbClr r="0" g="0" b="0"/>
+      </a:effectRef>
+      <a:fontRef idx="minor">
+        <a:schemeClr val="lt1"/>
+      </a:fontRef>
+    </dgm:style>
+  </dgm:styleLbl>
+  <dgm:styleLbl name="vennNode1">
+    <dgm:scene3d>
+      <a:camera prst="orthographicFront"/>
+      <a:lightRig rig="threePt" dir="t"/>
+    </dgm:scene3d>
+    <dgm:sp3d/>
+    <dgm:txPr/>
+    <dgm:style>
+      <a:lnRef idx="2">
+        <a:scrgbClr r="0" g="0" b="0"/>
+      </a:lnRef>
+      <a:fillRef idx="1">
+        <a:scrgbClr r="0" g="0" b="0"/>
+      </a:fillRef>
+      <a:effectRef idx="0">
+        <a:scrgbClr r="0" g="0" b="0"/>
+      </a:effectRef>
+      <a:fontRef idx="minor">
+        <a:schemeClr val="tx1"/>
+      </a:fontRef>
+    </dgm:style>
+  </dgm:styleLbl>
+  <dgm:styleLbl name="alignNode1">
+    <dgm:scene3d>
+      <a:camera prst="orthographicFront"/>
+      <a:lightRig rig="threePt" dir="t"/>
+    </dgm:scene3d>
+    <dgm:sp3d/>
+    <dgm:txPr/>
+    <dgm:style>
+      <a:lnRef idx="2">
+        <a:scrgbClr r="0" g="0" b="0"/>
+      </a:lnRef>
+      <a:fillRef idx="1">
+        <a:scrgbClr r="0" g="0" b="0"/>
+      </a:fillRef>
+      <a:effectRef idx="0">
+        <a:scrgbClr r="0" g="0" b="0"/>
+      </a:effectRef>
+      <a:fontRef idx="minor">
+        <a:schemeClr val="lt1"/>
+      </a:fontRef>
+    </dgm:style>
+  </dgm:styleLbl>
+  <dgm:styleLbl name="node1">
+    <dgm:scene3d>
+      <a:camera prst="orthographicFront"/>
+      <a:lightRig rig="threePt" dir="t"/>
+    </dgm:scene3d>
+    <dgm:sp3d/>
+    <dgm:txPr/>
+    <dgm:style>
+      <a:lnRef idx="2">
+        <a:scrgbClr r="0" g="0" b="0"/>
+      </a:lnRef>
+      <a:fillRef idx="1">
+        <a:scrgbClr r="0" g="0" b="0"/>
+      </a:fillRef>
+      <a:effectRef idx="0">
+        <a:scrgbClr r="0" g="0" b="0"/>
+      </a:effectRef>
+      <a:fontRef idx="minor">
+        <a:schemeClr val="lt1"/>
+      </a:fontRef>
+    </dgm:style>
+  </dgm:styleLbl>
+  <dgm:styleLbl name="node2">
+    <dgm:scene3d>
+      <a:camera prst="orthographicFront"/>
+      <a:lightRig rig="threePt" dir="t"/>
+    </dgm:scene3d>
+    <dgm:sp3d/>
+    <dgm:txPr/>
+    <dgm:style>
+      <a:lnRef idx="2">
+        <a:scrgbClr r="0" g="0" b="0"/>
+      </a:lnRef>
+      <a:fillRef idx="1">
+        <a:scrgbClr r="0" g="0" b="0"/>
+      </a:fillRef>
+      <a:effectRef idx="0">
+        <a:scrgbClr r="0" g="0" b="0"/>
+      </a:effectRef>
+      <a:fontRef idx="minor">
+        <a:schemeClr val="lt1"/>
+      </a:fontRef>
+    </dgm:style>
+  </dgm:styleLbl>
+  <dgm:styleLbl name="node3">
+    <dgm:scene3d>
+      <a:camera prst="orthographicFront"/>
+      <a:lightRig rig="threePt" dir="t"/>
+    </dgm:scene3d>
+    <dgm:sp3d/>
+    <dgm:txPr/>
+    <dgm:style>
+      <a:lnRef idx="2">
+        <a:scrgbClr r="0" g="0" b="0"/>
+      </a:lnRef>
+      <a:fillRef idx="1">
+        <a:scrgbClr r="0" g="0" b="0"/>
+      </a:fillRef>
+      <a:effectRef idx="0">
+        <a:scrgbClr r="0" g="0" b="0"/>
+      </a:effectRef>
+      <a:fontRef idx="minor">
+        <a:schemeClr val="lt1"/>
+      </a:fontRef>
+    </dgm:style>
+  </dgm:styleLbl>
+  <dgm:styleLbl name="node4">
+    <dgm:scene3d>
+      <a:camera prst="orthographicFront"/>
+      <a:lightRig rig="threePt" dir="t"/>
+    </dgm:scene3d>
+    <dgm:sp3d/>
+    <dgm:txPr/>
+    <dgm:style>
+      <a:lnRef idx="2">
+        <a:scrgbClr r="0" g="0" b="0"/>
+      </a:lnRef>
+      <a:fillRef idx="1">
+        <a:scrgbClr r="0" g="0" b="0"/>
+      </a:fillRef>
+      <a:effectRef idx="0">
+        <a:scrgbClr r="0" g="0" b="0"/>
+      </a:effectRef>
+      <a:fontRef idx="minor">
+        <a:schemeClr val="lt1"/>
+      </a:fontRef>
+    </dgm:style>
+  </dgm:styleLbl>
+  <dgm:styleLbl name="fgImgPlace1">
+    <dgm:scene3d>
+      <a:camera prst="orthographicFront"/>
+      <a:lightRig rig="threePt" dir="t"/>
+    </dgm:scene3d>
+    <dgm:sp3d/>
+    <dgm:txPr/>
+    <dgm:style>
+      <a:lnRef idx="2">
+        <a:scrgbClr r="0" g="0" b="0"/>
+      </a:lnRef>
+      <a:fillRef idx="1">
+        <a:scrgbClr r="0" g="0" b="0"/>
+      </a:fillRef>
+      <a:effectRef idx="0">
+        <a:scrgbClr r="0" g="0" b="0"/>
+      </a:effectRef>
+      <a:fontRef idx="minor"/>
+    </dgm:style>
+  </dgm:styleLbl>
+  <dgm:styleLbl name="alignImgPlace1">
+    <dgm:scene3d>
+      <a:camera prst="orthographicFront"/>
+      <a:lightRig rig="threePt" dir="t"/>
+    </dgm:scene3d>
+    <dgm:sp3d/>
+    <dgm:txPr/>
+    <dgm:style>
+      <a:lnRef idx="2">
+        <a:scrgbClr r="0" g="0" b="0"/>
+      </a:lnRef>
+      <a:fillRef idx="1">
+        <a:scrgbClr r="0" g="0" b="0"/>
+      </a:fillRef>
+      <a:effectRef idx="0">
+        <a:scrgbClr r="0" g="0" b="0"/>
+      </a:effectRef>
+      <a:fontRef idx="minor"/>
+    </dgm:style>
+  </dgm:styleLbl>
+  <dgm:styleLbl name="bgImgPlace1">
+    <dgm:scene3d>
+      <a:camera prst="orthographicFront"/>
+      <a:lightRig rig="threePt" dir="t"/>
+    </dgm:scene3d>
+    <dgm:sp3d/>
+    <dgm:txPr/>
+    <dgm:style>
+      <a:lnRef idx="2">
+        <a:scrgbClr r="0" g="0" b="0"/>
+      </a:lnRef>
+      <a:fillRef idx="1">
+        <a:scrgbClr r="0" g="0" b="0"/>
+      </a:fillRef>
+      <a:effectRef idx="0">
+        <a:scrgbClr r="0" g="0" b="0"/>
+      </a:effectRef>
+      <a:fontRef idx="minor"/>
+    </dgm:style>
+  </dgm:styleLbl>
+  <dgm:styleLbl name="sibTrans2D1">
+    <dgm:scene3d>
+      <a:camera prst="orthographicFront"/>
+      <a:lightRig rig="threePt" dir="t"/>
+    </dgm:scene3d>
+    <dgm:sp3d/>
+    <dgm:txPr/>
+    <dgm:style>
+      <a:lnRef idx="0">
+        <a:scrgbClr r="0" g="0" b="0"/>
+      </a:lnRef>
+      <a:fillRef idx="1">
+        <a:scrgbClr r="0" g="0" b="0"/>
+      </a:fillRef>
+      <a:effectRef idx="0">
+        <a:scrgbClr r="0" g="0" b="0"/>
+      </a:effectRef>
+      <a:fontRef idx="minor">
+        <a:schemeClr val="lt1"/>
+      </a:fontRef>
+    </dgm:style>
+  </dgm:styleLbl>
+  <dgm:styleLbl name="fgSibTrans2D1">
+    <dgm:scene3d>
+      <a:camera prst="orthographicFront"/>
+      <a:lightRig rig="threePt" dir="t"/>
+    </dgm:scene3d>
+    <dgm:sp3d/>
+    <dgm:txPr/>
+    <dgm:style>
+      <a:lnRef idx="0">
+        <a:scrgbClr r="0" g="0" b="0"/>
+      </a:lnRef>
+      <a:fillRef idx="1">
+        <a:scrgbClr r="0" g="0" b="0"/>
+      </a:fillRef>
+      <a:effectRef idx="0">
+        <a:scrgbClr r="0" g="0" b="0"/>
+      </a:effectRef>
+      <a:fontRef idx="minor">
+        <a:schemeClr val="lt1"/>
+      </a:fontRef>
+    </dgm:style>
+  </dgm:styleLbl>
+  <dgm:styleLbl name="bgSibTrans2D1">
+    <dgm:scene3d>
+      <a:camera prst="orthographicFront"/>
+      <a:lightRig rig="threePt" dir="t"/>
+    </dgm:scene3d>
+    <dgm:sp3d/>
+    <dgm:txPr/>
+    <dgm:style>
+      <a:lnRef idx="0">
+        <a:scrgbClr r="0" g="0" b="0"/>
+      </a:lnRef>
+      <a:fillRef idx="1">
+        <a:scrgbClr r="0" g="0" b="0"/>
+      </a:fillRef>
+      <a:effectRef idx="0">
+        <a:scrgbClr r="0" g="0" b="0"/>
+      </a:effectRef>
+      <a:fontRef idx="minor">
+        <a:schemeClr val="lt1"/>
+      </a:fontRef>
+    </dgm:style>
+  </dgm:styleLbl>
+  <dgm:styleLbl name="sibTrans1D1">
+    <dgm:scene3d>
+      <a:camera prst="orthographicFront"/>
+      <a:lightRig rig="threePt" dir="t"/>
+    </dgm:scene3d>
+    <dgm:sp3d/>
+    <dgm:txPr/>
+    <dgm:style>
+      <a:lnRef idx="1">
+        <a:scrgbClr r="0" g="0" b="0"/>
+      </a:lnRef>
+      <a:fillRef idx="0">
+        <a:scrgbClr r="0" g="0" b="0"/>
+      </a:fillRef>
+      <a:effectRef idx="0">
+        <a:scrgbClr r="0" g="0" b="0"/>
+      </a:effectRef>
+      <a:fontRef idx="minor"/>
+    </dgm:style>
+  </dgm:styleLbl>
+  <dgm:styleLbl name="callout">
+    <dgm:scene3d>
+      <a:camera prst="orthographicFront"/>
+      <a:lightRig rig="threePt" dir="t"/>
+    </dgm:scene3d>
+    <dgm:sp3d/>
+    <dgm:txPr/>
+    <dgm:style>
+      <a:lnRef idx="2">
+        <a:scrgbClr r="0" g="0" b="0"/>
+      </a:lnRef>
+      <a:fillRef idx="1">
+        <a:scrgbClr r="0" g="0" b="0"/>
+      </a:fillRef>
+      <a:effectRef idx="0">
+        <a:scrgbClr r="0" g="0" b="0"/>
+      </a:effectRef>
+      <a:fontRef idx="minor"/>
+    </dgm:style>
+  </dgm:styleLbl>
+  <dgm:styleLbl name="asst0">
+    <dgm:scene3d>
+      <a:camera prst="orthographicFront"/>
+      <a:lightRig rig="threePt" dir="t"/>
+    </dgm:scene3d>
+    <dgm:sp3d/>
+    <dgm:txPr/>
+    <dgm:style>
+      <a:lnRef idx="2">
+        <a:scrgbClr r="0" g="0" b="0"/>
+      </a:lnRef>
+      <a:fillRef idx="1">
+        <a:scrgbClr r="0" g="0" b="0"/>
+      </a:fillRef>
+      <a:effectRef idx="0">
+        <a:scrgbClr r="0" g="0" b="0"/>
+      </a:effectRef>
+      <a:fontRef idx="minor">
+        <a:schemeClr val="lt1"/>
+      </a:fontRef>
+    </dgm:style>
+  </dgm:styleLbl>
+  <dgm:styleLbl name="asst1">
+    <dgm:scene3d>
+      <a:camera prst="orthographicFront"/>
+      <a:lightRig rig="threePt" dir="t"/>
+    </dgm:scene3d>
+    <dgm:sp3d/>
+    <dgm:txPr/>
+    <dgm:style>
+      <a:lnRef idx="2">
+        <a:scrgbClr r="0" g="0" b="0"/>
+      </a:lnRef>
+      <a:fillRef idx="1">
+        <a:scrgbClr r="0" g="0" b="0"/>
+      </a:fillRef>
+      <a:effectRef idx="0">
+        <a:scrgbClr r="0" g="0" b="0"/>
+      </a:effectRef>
+      <a:fontRef idx="minor">
+        <a:schemeClr val="lt1"/>
+      </a:fontRef>
+    </dgm:style>
+  </dgm:styleLbl>
+  <dgm:styleLbl name="asst2">
+    <dgm:scene3d>
+      <a:camera prst="orthographicFront"/>
+      <a:lightRig rig="threePt" dir="t"/>
+    </dgm:scene3d>
+    <dgm:sp3d/>
+    <dgm:txPr/>
+    <dgm:style>
+      <a:lnRef idx="2">
+        <a:scrgbClr r="0" g="0" b="0"/>
+      </a:lnRef>
+      <a:fillRef idx="1">
+        <a:scrgbClr r="0" g="0" b="0"/>
+      </a:fillRef>
+      <a:effectRef idx="0">
+        <a:scrgbClr r="0" g="0" b="0"/>
+      </a:effectRef>
+      <a:fontRef idx="minor">
+        <a:schemeClr val="lt1"/>
+      </a:fontRef>
+    </dgm:style>
+  </dgm:styleLbl>
+  <dgm:styleLbl name="asst3">
+    <dgm:scene3d>
+      <a:camera prst="orthographicFront"/>
+      <a:lightRig rig="threePt" dir="t"/>
+    </dgm:scene3d>
+    <dgm:sp3d/>
+    <dgm:txPr/>
+    <dgm:style>
+      <a:lnRef idx="2">
+        <a:scrgbClr r="0" g="0" b="0"/>
+      </a:lnRef>
+      <a:fillRef idx="1">
+        <a:scrgbClr r="0" g="0" b="0"/>
+      </a:fillRef>
+      <a:effectRef idx="0">
+        <a:scrgbClr r="0" g="0" b="0"/>
+      </a:effectRef>
+      <a:fontRef idx="minor">
+        <a:schemeClr val="lt1"/>
+      </a:fontRef>
+    </dgm:style>
+  </dgm:styleLbl>
+  <dgm:styleLbl name="asst4">
+    <dgm:scene3d>
+      <a:camera prst="orthographicFront"/>
+      <a:lightRig rig="threePt" dir="t"/>
+    </dgm:scene3d>
+    <dgm:sp3d/>
+    <dgm:txPr/>
+    <dgm:style>
+      <a:lnRef idx="2">
+        <a:scrgbClr r="0" g="0" b="0"/>
+      </a:lnRef>
+      <a:fillRef idx="1">
+        <a:scrgbClr r="0" g="0" b="0"/>
+      </a:fillRef>
+      <a:effectRef idx="0">
+        <a:scrgbClr r="0" g="0" b="0"/>
+      </a:effectRef>
+      <a:fontRef idx="minor">
+        <a:schemeClr val="lt1"/>
+      </a:fontRef>
+    </dgm:style>
+  </dgm:styleLbl>
+  <dgm:styleLbl name="parChTrans2D1">
+    <dgm:scene3d>
+      <a:camera prst="orthographicFront"/>
+      <a:lightRig rig="threePt" dir="t"/>
+    </dgm:scene3d>
+    <dgm:sp3d/>
+    <dgm:txPr/>
+    <dgm:style>
+      <a:lnRef idx="2">
+        <a:scrgbClr r="0" g="0" b="0"/>
+      </a:lnRef>
+      <a:fillRef idx="1">
+        <a:scrgbClr r="0" g="0" b="0"/>
+      </a:fillRef>
+      <a:effectRef idx="0">
+        <a:scrgbClr r="0" g="0" b="0"/>
+      </a:effectRef>
+      <a:fontRef idx="minor">
+        <a:schemeClr val="lt1"/>
+      </a:fontRef>
+    </dgm:style>
+  </dgm:styleLbl>
+  <dgm:styleLbl name="parChTrans2D2">
+    <dgm:scene3d>
+      <a:camera prst="orthographicFront"/>
+      <a:lightRig rig="threePt" dir="t"/>
+    </dgm:scene3d>
+    <dgm:sp3d/>
+    <dgm:txPr/>
+    <dgm:style>
+      <a:lnRef idx="2">
+        <a:scrgbClr r="0" g="0" b="0"/>
+      </a:lnRef>
+      <a:fillRef idx="1">
+        <a:scrgbClr r="0" g="0" b="0"/>
+      </a:fillRef>
+      <a:effectRef idx="0">
+        <a:scrgbClr r="0" g="0" b="0"/>
+      </a:effectRef>
+      <a:fontRef idx="minor">
+        <a:schemeClr val="lt1"/>
+      </a:fontRef>
+    </dgm:style>
+  </dgm:styleLbl>
+  <dgm:styleLbl name="parChTrans2D3">
+    <dgm:scene3d>
+      <a:camera prst="orthographicFront"/>
+      <a:lightRig rig="threePt" dir="t"/>
+    </dgm:scene3d>
+    <dgm:sp3d/>
+    <dgm:txPr/>
+    <dgm:style>
+      <a:lnRef idx="2">
+        <a:scrgbClr r="0" g="0" b="0"/>
+      </a:lnRef>
+      <a:fillRef idx="1">
+        <a:scrgbClr r="0" g="0" b="0"/>
+      </a:fillRef>
+      <a:effectRef idx="0">
+        <a:scrgbClr r="0" g="0" b="0"/>
+      </a:effectRef>
+      <a:fontRef idx="minor">
+        <a:schemeClr val="lt1"/>
+      </a:fontRef>
+    </dgm:style>
+  </dgm:styleLbl>
+  <dgm:styleLbl name="parChTrans2D4">
+    <dgm:scene3d>
+      <a:camera prst="orthographicFront"/>
+      <a:lightRig rig="threePt" dir="t"/>
+    </dgm:scene3d>
+    <dgm:sp3d/>
+    <dgm:txPr/>
+    <dgm:style>
+      <a:lnRef idx="2">
+        <a:scrgbClr r="0" g="0" b="0"/>
+      </a:lnRef>
+      <a:fillRef idx="1">
+        <a:scrgbClr r="0" g="0" b="0"/>
+      </a:fillRef>
+      <a:effectRef idx="0">
+        <a:scrgbClr r="0" g="0" b="0"/>
+      </a:effectRef>
+      <a:fontRef idx="minor">
+        <a:schemeClr val="lt1"/>
+      </a:fontRef>
+    </dgm:style>
+  </dgm:styleLbl>
+  <dgm:styleLbl name="parChTrans1D1">
+    <dgm:scene3d>
+      <a:camera prst="orthographicFront"/>
+      <a:lightRig rig="threePt" dir="t"/>
+    </dgm:scene3d>
+    <dgm:sp3d/>
+    <dgm:txPr/>
+    <dgm:style>
+      <a:lnRef idx="2">
+        <a:scrgbClr r="0" g="0" b="0"/>
+      </a:lnRef>
+      <a:fillRef idx="0">
+        <a:scrgbClr r="0" g="0" b="0"/>
+      </a:fillRef>
+      <a:effectRef idx="0">
+        <a:scrgbClr r="0" g="0" b="0"/>
+      </a:effectRef>
+      <a:fontRef idx="minor"/>
+    </dgm:style>
+  </dgm:styleLbl>
+  <dgm:styleLbl name="parChTrans1D2">
+    <dgm:scene3d>
+      <a:camera prst="orthographicFront"/>
+      <a:lightRig rig="threePt" dir="t"/>
+    </dgm:scene3d>
+    <dgm:sp3d/>
+    <dgm:txPr/>
+    <dgm:style>
+      <a:lnRef idx="2">
+        <a:scrgbClr r="0" g="0" b="0"/>
+      </a:lnRef>
+      <a:fillRef idx="0">
+        <a:scrgbClr r="0" g="0" b="0"/>
+      </a:fillRef>
+      <a:effectRef idx="0">
+        <a:scrgbClr r="0" g="0" b="0"/>
+      </a:effectRef>
+      <a:fontRef idx="minor"/>
+    </dgm:style>
+  </dgm:styleLbl>
+  <dgm:styleLbl name="parChTrans1D3">
+    <dgm:scene3d>
+      <a:camera prst="orthographicFront"/>
+      <a:lightRig rig="threePt" dir="t"/>
+    </dgm:scene3d>
+    <dgm:sp3d/>
+    <dgm:txPr/>
+    <dgm:style>
+      <a:lnRef idx="2">
+        <a:scrgbClr r="0" g="0" b="0"/>
+      </a:lnRef>
+      <a:fillRef idx="0">
+        <a:scrgbClr r="0" g="0" b="0"/>
+      </a:fillRef>
+      <a:effectRef idx="0">
+        <a:scrgbClr r="0" g="0" b="0"/>
+      </a:effectRef>
+      <a:fontRef idx="minor"/>
+    </dgm:style>
+  </dgm:styleLbl>
+  <dgm:styleLbl name="parChTrans1D4">
+    <dgm:scene3d>
+      <a:camera prst="orthographicFront"/>
+      <a:lightRig rig="threePt" dir="t"/>
+    </dgm:scene3d>
+    <dgm:sp3d/>
+    <dgm:txPr/>
+    <dgm:style>
+      <a:lnRef idx="2">
+        <a:scrgbClr r="0" g="0" b="0"/>
+      </a:lnRef>
+      <a:fillRef idx="0">
+        <a:scrgbClr r="0" g="0" b="0"/>
+      </a:fillRef>
+      <a:effectRef idx="0">
+        <a:scrgbClr r="0" g="0" b="0"/>
+      </a:effectRef>
+      <a:fontRef idx="minor"/>
+    </dgm:style>
+  </dgm:styleLbl>
+  <dgm:styleLbl name="fgAcc1">
+    <dgm:scene3d>
+      <a:camera prst="orthographicFront"/>
+      <a:lightRig rig="threePt" dir="t"/>
+    </dgm:scene3d>
+    <dgm:sp3d/>
+    <dgm:txPr/>
+    <dgm:style>
+      <a:lnRef idx="2">
+        <a:scrgbClr r="0" g="0" b="0"/>
+      </a:lnRef>
+      <a:fillRef idx="1">
+        <a:scrgbClr r="0" g="0" b="0"/>
+      </a:fillRef>
+      <a:effectRef idx="0">
+        <a:scrgbClr r="0" g="0" b="0"/>
+      </a:effectRef>
+      <a:fontRef idx="minor"/>
+    </dgm:style>
+  </dgm:styleLbl>
+  <dgm:styleLbl name="conFgAcc1">
+    <dgm:scene3d>
+      <a:camera prst="orthographicFront"/>
+      <a:lightRig rig="threePt" dir="t"/>
+    </dgm:scene3d>
+    <dgm:sp3d/>
+    <dgm:txPr/>
+    <dgm:style>
+      <a:lnRef idx="2">
+        <a:scrgbClr r="0" g="0" b="0"/>
+      </a:lnRef>
+      <a:fillRef idx="1">
+        <a:scrgbClr r="0" g="0" b="0"/>
+      </a:fillRef>
+      <a:effectRef idx="0">
+        <a:scrgbClr r="0" g="0" b="0"/>
+      </a:effectRef>
+      <a:fontRef idx="minor"/>
+    </dgm:style>
+  </dgm:styleLbl>
+  <dgm:styleLbl name="alignAcc1">
+    <dgm:scene3d>
+      <a:camera prst="orthographicFront"/>
+      <a:lightRig rig="threePt" dir="t"/>
+    </dgm:scene3d>
+    <dgm:sp3d/>
+    <dgm:txPr/>
+    <dgm:style>
+      <a:lnRef idx="2">
+        <a:scrgbClr r="0" g="0" b="0"/>
+      </a:lnRef>
+      <a:fillRef idx="1">
+        <a:scrgbClr r="0" g="0" b="0"/>
+      </a:fillRef>
+      <a:effectRef idx="0">
+        <a:scrgbClr r="0" g="0" b="0"/>
+      </a:effectRef>
+      <a:fontRef idx="minor"/>
+    </dgm:style>
+  </dgm:styleLbl>
+  <dgm:styleLbl name="trAlignAcc1">
+    <dgm:scene3d>
+      <a:camera prst="orthographicFront"/>
+      <a:lightRig rig="threePt" dir="t"/>
+    </dgm:scene3d>
+    <dgm:sp3d/>
+    <dgm:txPr/>
+    <dgm:style>
+      <a:lnRef idx="1">
+        <a:scrgbClr r="0" g="0" b="0"/>
+      </a:lnRef>
+      <a:fillRef idx="1">
+        <a:scrgbClr r="0" g="0" b="0"/>
+      </a:fillRef>
+      <a:effectRef idx="0">
+        <a:scrgbClr r="0" g="0" b="0"/>
+      </a:effectRef>
+      <a:fontRef idx="minor"/>
+    </dgm:style>
+  </dgm:styleLbl>
+  <dgm:styleLbl name="bgAcc1">
+    <dgm:scene3d>
+      <a:camera prst="orthographicFront"/>
+      <a:lightRig rig="threePt" dir="t"/>
+    </dgm:scene3d>
+    <dgm:sp3d/>
+    <dgm:txPr/>
+    <dgm:style>
+      <a:lnRef idx="2">
+        <a:scrgbClr r="0" g="0" b="0"/>
+      </a:lnRef>
+      <a:fillRef idx="1">
+        <a:scrgbClr r="0" g="0" b="0"/>
+      </a:fillRef>
+      <a:effectRef idx="0">
+        <a:scrgbClr r="0" g="0" b="0"/>
+      </a:effectRef>
+      <a:fontRef idx="minor"/>
+    </dgm:style>
+  </dgm:styleLbl>
+  <dgm:styleLbl name="solidFgAcc1">
+    <dgm:scene3d>
+      <a:camera prst="orthographicFront"/>
+      <a:lightRig rig="threePt" dir="t"/>
+    </dgm:scene3d>
+    <dgm:sp3d/>
+    <dgm:txPr/>
+    <dgm:style>
+      <a:lnRef idx="2">
+        <a:scrgbClr r="0" g="0" b="0"/>
+      </a:lnRef>
+      <a:fillRef idx="1">
+        <a:scrgbClr r="0" g="0" b="0"/>
+      </a:fillRef>
+      <a:effectRef idx="0">
+        <a:scrgbClr r="0" g="0" b="0"/>
+      </a:effectRef>
+      <a:fontRef idx="minor"/>
+    </dgm:style>
+  </dgm:styleLbl>
+  <dgm:styleLbl name="solidAlignAcc1">
+    <dgm:scene3d>
+      <a:camera prst="orthographicFront"/>
+      <a:lightRig rig="threePt" dir="t"/>
+    </dgm:scene3d>
+    <dgm:sp3d/>
+    <dgm:txPr/>
+    <dgm:style>
+      <a:lnRef idx="2">
+        <a:scrgbClr r="0" g="0" b="0"/>
+      </a:lnRef>
+      <a:fillRef idx="1">
+        <a:scrgbClr r="0" g="0" b="0"/>
+      </a:fillRef>
+      <a:effectRef idx="0">
+        <a:scrgbClr r="0" g="0" b="0"/>
+      </a:effectRef>
+      <a:fontRef idx="minor"/>
+    </dgm:style>
+  </dgm:styleLbl>
+  <dgm:styleLbl name="solidBgAcc1">
+    <dgm:scene3d>
+      <a:camera prst="orthographicFront"/>
+      <a:lightRig rig="threePt" dir="t"/>
+    </dgm:scene3d>
+    <dgm:sp3d/>
+    <dgm:txPr/>
+    <dgm:style>
+      <a:lnRef idx="2">
+        <a:scrgbClr r="0" g="0" b="0"/>
+      </a:lnRef>
+      <a:fillRef idx="1">
+        <a:scrgbClr r="0" g="0" b="0"/>
+      </a:fillRef>
+      <a:effectRef idx="0">
+        <a:scrgbClr r="0" g="0" b="0"/>
+      </a:effectRef>
+      <a:fontRef idx="minor"/>
+    </dgm:style>
+  </dgm:styleLbl>
+  <dgm:styleLbl name="fgAccFollowNode1">
+    <dgm:scene3d>
+      <a:camera prst="orthographicFront"/>
+      <a:lightRig rig="threePt" dir="t"/>
+    </dgm:scene3d>
+    <dgm:sp3d/>
+    <dgm:txPr/>
+    <dgm:style>
+      <a:lnRef idx="2">
+        <a:scrgbClr r="0" g="0" b="0"/>
+      </a:lnRef>
+      <a:fillRef idx="1">
+        <a:scrgbClr r="0" g="0" b="0"/>
+      </a:fillRef>
+      <a:effectRef idx="0">
+        <a:scrgbClr r="0" g="0" b="0"/>
+      </a:effectRef>
+      <a:fontRef idx="minor"/>
+    </dgm:style>
+  </dgm:styleLbl>
+  <dgm:styleLbl name="alignAccFollowNode1">
+    <dgm:scene3d>
+      <a:camera prst="orthographicFront"/>
+      <a:lightRig rig="threePt" dir="t"/>
+    </dgm:scene3d>
+    <dgm:sp3d/>
+    <dgm:txPr/>
+    <dgm:style>
+      <a:lnRef idx="2">
+        <a:scrgbClr r="0" g="0" b="0"/>
+      </a:lnRef>
+      <a:fillRef idx="1">
+        <a:scrgbClr r="0" g="0" b="0"/>
+      </a:fillRef>
+      <a:effectRef idx="0">
+        <a:scrgbClr r="0" g="0" b="0"/>
+      </a:effectRef>
+      <a:fontRef idx="minor"/>
+    </dgm:style>
+  </dgm:styleLbl>
+  <dgm:styleLbl name="bgAccFollowNode1">
+    <dgm:scene3d>
+      <a:camera prst="orthographicFront"/>
+      <a:lightRig rig="threePt" dir="t"/>
+    </dgm:scene3d>
+    <dgm:sp3d/>
+    <dgm:txPr/>
+    <dgm:style>
+      <a:lnRef idx="2">
+        <a:scrgbClr r="0" g="0" b="0"/>
+      </a:lnRef>
+      <a:fillRef idx="1">
+        <a:scrgbClr r="0" g="0" b="0"/>
+      </a:fillRef>
+      <a:effectRef idx="0">
+        <a:scrgbClr r="0" g="0" b="0"/>
+      </a:effectRef>
+      <a:fontRef idx="minor"/>
+    </dgm:style>
+  </dgm:styleLbl>
+  <dgm:styleLbl name="fgAcc0">
+    <dgm:scene3d>
+      <a:camera prst="orthographicFront"/>
+      <a:lightRig rig="threePt" dir="t"/>
+    </dgm:scene3d>
+    <dgm:sp3d/>
+    <dgm:txPr/>
+    <dgm:style>
+      <a:lnRef idx="2">
+        <a:scrgbClr r="0" g="0" b="0"/>
+      </a:lnRef>
+      <a:fillRef idx="1">
+        <a:scrgbClr r="0" g="0" b="0"/>
+      </a:fillRef>
+      <a:effectRef idx="0">
+        <a:scrgbClr r="0" g="0" b="0"/>
+      </a:effectRef>
+      <a:fontRef idx="minor"/>
+    </dgm:style>
+  </dgm:styleLbl>
+  <dgm:styleLbl name="fgAcc2">
+    <dgm:scene3d>
+      <a:camera prst="orthographicFront"/>
+      <a:lightRig rig="threePt" dir="t"/>
+    </dgm:scene3d>
+    <dgm:sp3d/>
+    <dgm:txPr/>
+    <dgm:style>
+      <a:lnRef idx="2">
+        <a:scrgbClr r="0" g="0" b="0"/>
+      </a:lnRef>
+      <a:fillRef idx="1">
+        <a:scrgbClr r="0" g="0" b="0"/>
+      </a:fillRef>
+      <a:effectRef idx="0">
+        <a:scrgbClr r="0" g="0" b="0"/>
+      </a:effectRef>
+      <a:fontRef idx="minor"/>
+    </dgm:style>
+  </dgm:styleLbl>
+  <dgm:styleLbl name="fgAcc3">
+    <dgm:scene3d>
+      <a:camera prst="orthographicFront"/>
+      <a:lightRig rig="threePt" dir="t"/>
+    </dgm:scene3d>
+    <dgm:sp3d/>
+    <dgm:txPr/>
+    <dgm:style>
+      <a:lnRef idx="2">
+        <a:scrgbClr r="0" g="0" b="0"/>
+      </a:lnRef>
+      <a:fillRef idx="1">
+        <a:scrgbClr r="0" g="0" b="0"/>
+      </a:fillRef>
+      <a:effectRef idx="0">
+        <a:scrgbClr r="0" g="0" b="0"/>
+      </a:effectRef>
+      <a:fontRef idx="minor"/>
+    </dgm:style>
+  </dgm:styleLbl>
+  <dgm:styleLbl name="fgAcc4">
+    <dgm:scene3d>
+      <a:camera prst="orthographicFront"/>
+      <a:lightRig rig="threePt" dir="t"/>
+    </dgm:scene3d>
+    <dgm:sp3d/>
+    <dgm:txPr/>
+    <dgm:style>
+      <a:lnRef idx="2">
+        <a:scrgbClr r="0" g="0" b="0"/>
+      </a:lnRef>
+      <a:fillRef idx="1">
+        <a:scrgbClr r="0" g="0" b="0"/>
+      </a:fillRef>
+      <a:effectRef idx="0">
+        <a:scrgbClr r="0" g="0" b="0"/>
+      </a:effectRef>
+      <a:fontRef idx="minor"/>
+    </dgm:style>
+  </dgm:styleLbl>
+  <dgm:styleLbl name="bgShp">
+    <dgm:scene3d>
+      <a:camera prst="orthographicFront"/>
+      <a:lightRig rig="threePt" dir="t"/>
+    </dgm:scene3d>
+    <dgm:sp3d/>
+    <dgm:txPr/>
+    <dgm:style>
+      <a:lnRef idx="0">
+        <a:scrgbClr r="0" g="0" b="0"/>
+      </a:lnRef>
+      <a:fillRef idx="1">
+        <a:scrgbClr r="0" g="0" b="0"/>
+      </a:fillRef>
+      <a:effectRef idx="0">
+        <a:scrgbClr r="0" g="0" b="0"/>
+      </a:effectRef>
+      <a:fontRef idx="minor"/>
+    </dgm:style>
+  </dgm:styleLbl>
+  <dgm:styleLbl name="dkBgShp">
+    <dgm:scene3d>
+      <a:camera prst="orthographicFront"/>
+      <a:lightRig rig="threePt" dir="t"/>
+    </dgm:scene3d>
+    <dgm:sp3d/>
+    <dgm:txPr/>
+    <dgm:style>
+      <a:lnRef idx="0">
+        <a:scrgbClr r="0" g="0" b="0"/>
+      </a:lnRef>
+      <a:fillRef idx="1">
+        <a:scrgbClr r="0" g="0" b="0"/>
+      </a:fillRef>
+      <a:effectRef idx="0">
+        <a:scrgbClr r="0" g="0" b="0"/>
+      </a:effectRef>
+      <a:fontRef idx="minor"/>
+    </dgm:style>
+  </dgm:styleLbl>
+  <dgm:styleLbl name="trBgShp">
+    <dgm:scene3d>
+      <a:camera prst="orthographicFront"/>
+      <a:lightRig rig="threePt" dir="t"/>
+    </dgm:scene3d>
+    <dgm:sp3d/>
+    <dgm:txPr/>
+    <dgm:style>
+      <a:lnRef idx="0">
+        <a:scrgbClr r="0" g="0" b="0"/>
+      </a:lnRef>
+      <a:fillRef idx="1">
+        <a:scrgbClr r="0" g="0" b="0"/>
+      </a:fillRef>
+      <a:effectRef idx="0">
+        <a:scrgbClr r="0" g="0" b="0"/>
+      </a:effectRef>
+      <a:fontRef idx="minor"/>
+    </dgm:style>
+  </dgm:styleLbl>
+  <dgm:styleLbl name="fgShp">
+    <dgm:scene3d>
+      <a:camera prst="orthographicFront"/>
+      <a:lightRig rig="threePt" dir="t"/>
+    </dgm:scene3d>
+    <dgm:sp3d/>
+    <dgm:txPr/>
+    <dgm:style>
+      <a:lnRef idx="2">
+        <a:scrgbClr r="0" g="0" b="0"/>
+      </a:lnRef>
+      <a:fillRef idx="1">
+        <a:scrgbClr r="0" g="0" b="0"/>
+      </a:fillRef>
+      <a:effectRef idx="0">
+        <a:scrgbClr r="0" g="0" b="0"/>
+      </a:effectRef>
+      <a:fontRef idx="minor"/>
+    </dgm:style>
+  </dgm:styleLbl>
+  <dgm:styleLbl name="revTx">
+    <dgm:scene3d>
+      <a:camera prst="orthographicFront"/>
+      <a:lightRig rig="threePt" dir="t"/>
+    </dgm:scene3d>
+    <dgm:sp3d/>
+    <dgm:txPr/>
+    <dgm:style>
+      <a:lnRef idx="0">
+        <a:scrgbClr r="0" g="0" b="0"/>
+      </a:lnRef>
+      <a:fillRef idx="0">
+        <a:scrgbClr r="0" g="0" b="0"/>
+      </a:fillRef>
+      <a:effectRef idx="0">
+        <a:scrgbClr r="0" g="0" b="0"/>
+      </a:effectRef>
+      <a:fontRef idx="minor"/>
+    </dgm:style>
+  </dgm:styleLbl>
+</dgm:styleDef>
 </file>
 
 <file path=ppt/slideLayouts/slideLayout1.xml><?xml version="1.0" encoding="utf-8"?>
@@ -161,7 +2584,7 @@
           </a:lstStyle>
           <a:p>
             <a:r>
-              <a:rPr lang="en-US" smtClean="0"/>
+              <a:rPr lang="en-US"/>
               <a:t>Click to edit Master title style</a:t>
             </a:r>
             <a:endParaRPr lang="en-US" dirty="0"/>
@@ -226,7 +2649,7 @@
           </a:lstStyle>
           <a:p>
             <a:r>
-              <a:rPr lang="en-US" smtClean="0"/>
+              <a:rPr lang="en-US"/>
               <a:t>Click to edit Master subtitle style</a:t>
             </a:r>
             <a:endParaRPr lang="en-US" dirty="0"/>
@@ -344,7 +2767,7 @@
           <a:lstStyle/>
           <a:p>
             <a:r>
-              <a:rPr lang="en-US" smtClean="0"/>
+              <a:rPr lang="en-US"/>
               <a:t>Click to edit Master title style</a:t>
             </a:r>
             <a:endParaRPr lang="en-US" dirty="0"/>
@@ -368,35 +2791,35 @@
           <a:p>
             <a:pPr lvl="0"/>
             <a:r>
-              <a:rPr lang="en-US" smtClean="0"/>
+              <a:rPr lang="en-US"/>
               <a:t>Click to edit Master text styles</a:t>
             </a:r>
           </a:p>
           <a:p>
             <a:pPr lvl="1"/>
             <a:r>
-              <a:rPr lang="en-US" smtClean="0"/>
+              <a:rPr lang="en-US"/>
               <a:t>Second level</a:t>
             </a:r>
           </a:p>
           <a:p>
             <a:pPr lvl="2"/>
             <a:r>
-              <a:rPr lang="en-US" smtClean="0"/>
+              <a:rPr lang="en-US"/>
               <a:t>Third level</a:t>
             </a:r>
           </a:p>
           <a:p>
             <a:pPr lvl="3"/>
             <a:r>
-              <a:rPr lang="en-US" smtClean="0"/>
+              <a:rPr lang="en-US"/>
               <a:t>Fourth level</a:t>
             </a:r>
           </a:p>
           <a:p>
             <a:pPr lvl="4"/>
             <a:r>
-              <a:rPr lang="en-US" smtClean="0"/>
+              <a:rPr lang="en-US"/>
               <a:t>Fifth level</a:t>
             </a:r>
             <a:endParaRPr lang="en-US" dirty="0"/>
@@ -519,7 +2942,7 @@
           <a:lstStyle/>
           <a:p>
             <a:r>
-              <a:rPr lang="en-US" smtClean="0"/>
+              <a:rPr lang="en-US"/>
               <a:t>Click to edit Master title style</a:t>
             </a:r>
             <a:endParaRPr lang="en-US" dirty="0"/>
@@ -548,35 +2971,35 @@
           <a:p>
             <a:pPr lvl="0"/>
             <a:r>
-              <a:rPr lang="en-US" smtClean="0"/>
+              <a:rPr lang="en-US"/>
               <a:t>Click to edit Master text styles</a:t>
             </a:r>
           </a:p>
           <a:p>
             <a:pPr lvl="1"/>
             <a:r>
-              <a:rPr lang="en-US" smtClean="0"/>
+              <a:rPr lang="en-US"/>
               <a:t>Second level</a:t>
             </a:r>
           </a:p>
           <a:p>
             <a:pPr lvl="2"/>
             <a:r>
-              <a:rPr lang="en-US" smtClean="0"/>
+              <a:rPr lang="en-US"/>
               <a:t>Third level</a:t>
             </a:r>
           </a:p>
           <a:p>
             <a:pPr lvl="3"/>
             <a:r>
-              <a:rPr lang="en-US" smtClean="0"/>
+              <a:rPr lang="en-US"/>
               <a:t>Fourth level</a:t>
             </a:r>
           </a:p>
           <a:p>
             <a:pPr lvl="4"/>
             <a:r>
-              <a:rPr lang="en-US" smtClean="0"/>
+              <a:rPr lang="en-US"/>
               <a:t>Fifth level</a:t>
             </a:r>
             <a:endParaRPr lang="en-US" dirty="0"/>
@@ -694,7 +3117,7 @@
           <a:lstStyle/>
           <a:p>
             <a:r>
-              <a:rPr lang="en-US" smtClean="0"/>
+              <a:rPr lang="en-US"/>
               <a:t>Click to edit Master title style</a:t>
             </a:r>
             <a:endParaRPr lang="en-US" dirty="0"/>
@@ -718,35 +3141,35 @@
           <a:p>
             <a:pPr lvl="0"/>
             <a:r>
-              <a:rPr lang="en-US" smtClean="0"/>
+              <a:rPr lang="en-US"/>
               <a:t>Click to edit Master text styles</a:t>
             </a:r>
           </a:p>
           <a:p>
             <a:pPr lvl="1"/>
             <a:r>
-              <a:rPr lang="en-US" smtClean="0"/>
+              <a:rPr lang="en-US"/>
               <a:t>Second level</a:t>
             </a:r>
           </a:p>
           <a:p>
             <a:pPr lvl="2"/>
             <a:r>
-              <a:rPr lang="en-US" smtClean="0"/>
+              <a:rPr lang="en-US"/>
               <a:t>Third level</a:t>
             </a:r>
           </a:p>
           <a:p>
             <a:pPr lvl="3"/>
             <a:r>
-              <a:rPr lang="en-US" smtClean="0"/>
+              <a:rPr lang="en-US"/>
               <a:t>Fourth level</a:t>
             </a:r>
           </a:p>
           <a:p>
             <a:pPr lvl="4"/>
             <a:r>
-              <a:rPr lang="en-US" smtClean="0"/>
+              <a:rPr lang="en-US"/>
               <a:t>Fifth level</a:t>
             </a:r>
             <a:endParaRPr lang="en-US" dirty="0"/>
@@ -873,7 +3296,7 @@
           </a:lstStyle>
           <a:p>
             <a:r>
-              <a:rPr lang="en-US" smtClean="0"/>
+              <a:rPr lang="en-US"/>
               <a:t>Click to edit Master title style</a:t>
             </a:r>
             <a:endParaRPr lang="en-US" dirty="0"/>
@@ -993,7 +3416,7 @@
           <a:p>
             <a:pPr lvl="0"/>
             <a:r>
-              <a:rPr lang="en-US" smtClean="0"/>
+              <a:rPr lang="en-US"/>
               <a:t>Click to edit Master text styles</a:t>
             </a:r>
           </a:p>
@@ -1110,7 +3533,7 @@
           <a:lstStyle/>
           <a:p>
             <a:r>
-              <a:rPr lang="en-US" smtClean="0"/>
+              <a:rPr lang="en-US"/>
               <a:t>Click to edit Master title style</a:t>
             </a:r>
             <a:endParaRPr lang="en-US" dirty="0"/>
@@ -1139,35 +3562,35 @@
           <a:p>
             <a:pPr lvl="0"/>
             <a:r>
-              <a:rPr lang="en-US" smtClean="0"/>
+              <a:rPr lang="en-US"/>
               <a:t>Click to edit Master text styles</a:t>
             </a:r>
           </a:p>
           <a:p>
             <a:pPr lvl="1"/>
             <a:r>
-              <a:rPr lang="en-US" smtClean="0"/>
+              <a:rPr lang="en-US"/>
               <a:t>Second level</a:t>
             </a:r>
           </a:p>
           <a:p>
             <a:pPr lvl="2"/>
             <a:r>
-              <a:rPr lang="en-US" smtClean="0"/>
+              <a:rPr lang="en-US"/>
               <a:t>Third level</a:t>
             </a:r>
           </a:p>
           <a:p>
             <a:pPr lvl="3"/>
             <a:r>
-              <a:rPr lang="en-US" smtClean="0"/>
+              <a:rPr lang="en-US"/>
               <a:t>Fourth level</a:t>
             </a:r>
           </a:p>
           <a:p>
             <a:pPr lvl="4"/>
             <a:r>
-              <a:rPr lang="en-US" smtClean="0"/>
+              <a:rPr lang="en-US"/>
               <a:t>Fifth level</a:t>
             </a:r>
             <a:endParaRPr lang="en-US" dirty="0"/>
@@ -1196,35 +3619,35 @@
           <a:p>
             <a:pPr lvl="0"/>
             <a:r>
-              <a:rPr lang="en-US" smtClean="0"/>
+              <a:rPr lang="en-US"/>
               <a:t>Click to edit Master text styles</a:t>
             </a:r>
           </a:p>
           <a:p>
             <a:pPr lvl="1"/>
             <a:r>
-              <a:rPr lang="en-US" smtClean="0"/>
+              <a:rPr lang="en-US"/>
               <a:t>Second level</a:t>
             </a:r>
           </a:p>
           <a:p>
             <a:pPr lvl="2"/>
             <a:r>
-              <a:rPr lang="en-US" smtClean="0"/>
+              <a:rPr lang="en-US"/>
               <a:t>Third level</a:t>
             </a:r>
           </a:p>
           <a:p>
             <a:pPr lvl="3"/>
             <a:r>
-              <a:rPr lang="en-US" smtClean="0"/>
+              <a:rPr lang="en-US"/>
               <a:t>Fourth level</a:t>
             </a:r>
           </a:p>
           <a:p>
             <a:pPr lvl="4"/>
             <a:r>
-              <a:rPr lang="en-US" smtClean="0"/>
+              <a:rPr lang="en-US"/>
               <a:t>Fifth level</a:t>
             </a:r>
             <a:endParaRPr lang="en-US" dirty="0"/>
@@ -1347,7 +3770,7 @@
           <a:lstStyle/>
           <a:p>
             <a:r>
-              <a:rPr lang="en-US" smtClean="0"/>
+              <a:rPr lang="en-US"/>
               <a:t>Click to edit Master title style</a:t>
             </a:r>
             <a:endParaRPr lang="en-US" dirty="0"/>
@@ -1413,7 +3836,7 @@
           <a:p>
             <a:pPr lvl="0"/>
             <a:r>
-              <a:rPr lang="en-US" smtClean="0"/>
+              <a:rPr lang="en-US"/>
               <a:t>Click to edit Master text styles</a:t>
             </a:r>
           </a:p>
@@ -1441,35 +3864,35 @@
           <a:p>
             <a:pPr lvl="0"/>
             <a:r>
-              <a:rPr lang="en-US" smtClean="0"/>
+              <a:rPr lang="en-US"/>
               <a:t>Click to edit Master text styles</a:t>
             </a:r>
           </a:p>
           <a:p>
             <a:pPr lvl="1"/>
             <a:r>
-              <a:rPr lang="en-US" smtClean="0"/>
+              <a:rPr lang="en-US"/>
               <a:t>Second level</a:t>
             </a:r>
           </a:p>
           <a:p>
             <a:pPr lvl="2"/>
             <a:r>
-              <a:rPr lang="en-US" smtClean="0"/>
+              <a:rPr lang="en-US"/>
               <a:t>Third level</a:t>
             </a:r>
           </a:p>
           <a:p>
             <a:pPr lvl="3"/>
             <a:r>
-              <a:rPr lang="en-US" smtClean="0"/>
+              <a:rPr lang="en-US"/>
               <a:t>Fourth level</a:t>
             </a:r>
           </a:p>
           <a:p>
             <a:pPr lvl="4"/>
             <a:r>
-              <a:rPr lang="en-US" smtClean="0"/>
+              <a:rPr lang="en-US"/>
               <a:t>Fifth level</a:t>
             </a:r>
             <a:endParaRPr lang="en-US" dirty="0"/>
@@ -1535,7 +3958,7 @@
           <a:p>
             <a:pPr lvl="0"/>
             <a:r>
-              <a:rPr lang="en-US" smtClean="0"/>
+              <a:rPr lang="en-US"/>
               <a:t>Click to edit Master text styles</a:t>
             </a:r>
           </a:p>
@@ -1563,35 +3986,35 @@
           <a:p>
             <a:pPr lvl="0"/>
             <a:r>
-              <a:rPr lang="en-US" smtClean="0"/>
+              <a:rPr lang="en-US"/>
               <a:t>Click to edit Master text styles</a:t>
             </a:r>
           </a:p>
           <a:p>
             <a:pPr lvl="1"/>
             <a:r>
-              <a:rPr lang="en-US" smtClean="0"/>
+              <a:rPr lang="en-US"/>
               <a:t>Second level</a:t>
             </a:r>
           </a:p>
           <a:p>
             <a:pPr lvl="2"/>
             <a:r>
-              <a:rPr lang="en-US" smtClean="0"/>
+              <a:rPr lang="en-US"/>
               <a:t>Third level</a:t>
             </a:r>
           </a:p>
           <a:p>
             <a:pPr lvl="3"/>
             <a:r>
-              <a:rPr lang="en-US" smtClean="0"/>
+              <a:rPr lang="en-US"/>
               <a:t>Fourth level</a:t>
             </a:r>
           </a:p>
           <a:p>
             <a:pPr lvl="4"/>
             <a:r>
-              <a:rPr lang="en-US" smtClean="0"/>
+              <a:rPr lang="en-US"/>
               <a:t>Fifth level</a:t>
             </a:r>
             <a:endParaRPr lang="en-US" dirty="0"/>
@@ -1709,7 +4132,7 @@
           <a:lstStyle/>
           <a:p>
             <a:r>
-              <a:rPr lang="en-US" smtClean="0"/>
+              <a:rPr lang="en-US"/>
               <a:t>Click to edit Master title style</a:t>
             </a:r>
             <a:endParaRPr lang="en-US" dirty="0"/>
@@ -1931,7 +4354,7 @@
           </a:lstStyle>
           <a:p>
             <a:r>
-              <a:rPr lang="en-US" smtClean="0"/>
+              <a:rPr lang="en-US"/>
               <a:t>Click to edit Master title style</a:t>
             </a:r>
             <a:endParaRPr lang="en-US" dirty="0"/>
@@ -1988,35 +4411,35 @@
           <a:p>
             <a:pPr lvl="0"/>
             <a:r>
-              <a:rPr lang="en-US" smtClean="0"/>
+              <a:rPr lang="en-US"/>
               <a:t>Click to edit Master text styles</a:t>
             </a:r>
           </a:p>
           <a:p>
             <a:pPr lvl="1"/>
             <a:r>
-              <a:rPr lang="en-US" smtClean="0"/>
+              <a:rPr lang="en-US"/>
               <a:t>Second level</a:t>
             </a:r>
           </a:p>
           <a:p>
             <a:pPr lvl="2"/>
             <a:r>
-              <a:rPr lang="en-US" smtClean="0"/>
+              <a:rPr lang="en-US"/>
               <a:t>Third level</a:t>
             </a:r>
           </a:p>
           <a:p>
             <a:pPr lvl="3"/>
             <a:r>
-              <a:rPr lang="en-US" smtClean="0"/>
+              <a:rPr lang="en-US"/>
               <a:t>Fourth level</a:t>
             </a:r>
           </a:p>
           <a:p>
             <a:pPr lvl="4"/>
             <a:r>
-              <a:rPr lang="en-US" smtClean="0"/>
+              <a:rPr lang="en-US"/>
               <a:t>Fifth level</a:t>
             </a:r>
             <a:endParaRPr lang="en-US" dirty="0"/>
@@ -2082,7 +4505,7 @@
           <a:p>
             <a:pPr lvl="0"/>
             <a:r>
-              <a:rPr lang="en-US" smtClean="0"/>
+              <a:rPr lang="en-US"/>
               <a:t>Click to edit Master text styles</a:t>
             </a:r>
           </a:p>
@@ -2208,7 +4631,7 @@
           </a:lstStyle>
           <a:p>
             <a:r>
-              <a:rPr lang="en-US" smtClean="0"/>
+              <a:rPr lang="en-US"/>
               <a:t>Click to edit Master title style</a:t>
             </a:r>
             <a:endParaRPr lang="en-US" dirty="0"/>
@@ -2273,7 +4696,7 @@
           </a:lstStyle>
           <a:p>
             <a:r>
-              <a:rPr lang="en-US" smtClean="0"/>
+              <a:rPr lang="en-US"/>
               <a:t>Click icon to add picture</a:t>
             </a:r>
             <a:endParaRPr lang="en-US" dirty="0"/>
@@ -2339,7 +4762,7 @@
           <a:p>
             <a:pPr lvl="0"/>
             <a:r>
-              <a:rPr lang="en-US" smtClean="0"/>
+              <a:rPr lang="en-US"/>
               <a:t>Click to edit Master text styles</a:t>
             </a:r>
           </a:p>
@@ -2471,7 +4894,7 @@
           <a:lstStyle/>
           <a:p>
             <a:r>
-              <a:rPr lang="en-US" smtClean="0"/>
+              <a:rPr lang="en-US"/>
               <a:t>Click to edit Master title style</a:t>
             </a:r>
             <a:endParaRPr lang="en-US" dirty="0"/>
@@ -2505,35 +4928,35 @@
           <a:p>
             <a:pPr lvl="0"/>
             <a:r>
-              <a:rPr lang="en-US" smtClean="0"/>
+              <a:rPr lang="en-US"/>
               <a:t>Click to edit Master text styles</a:t>
             </a:r>
           </a:p>
           <a:p>
             <a:pPr lvl="1"/>
             <a:r>
-              <a:rPr lang="en-US" smtClean="0"/>
+              <a:rPr lang="en-US"/>
               <a:t>Second level</a:t>
             </a:r>
           </a:p>
           <a:p>
             <a:pPr lvl="2"/>
             <a:r>
-              <a:rPr lang="en-US" smtClean="0"/>
+              <a:rPr lang="en-US"/>
               <a:t>Third level</a:t>
             </a:r>
           </a:p>
           <a:p>
             <a:pPr lvl="3"/>
             <a:r>
-              <a:rPr lang="en-US" smtClean="0"/>
+              <a:rPr lang="en-US"/>
               <a:t>Fourth level</a:t>
             </a:r>
           </a:p>
           <a:p>
             <a:pPr lvl="4"/>
             <a:r>
-              <a:rPr lang="en-US" smtClean="0"/>
+              <a:rPr lang="en-US"/>
               <a:t>Fifth level</a:t>
             </a:r>
             <a:endParaRPr lang="en-US" dirty="0"/>
@@ -3001,34 +5424,9 @@
           <a:lstStyle/>
           <a:p>
             <a:r>
-              <a:rPr lang="en-IN" dirty="0" smtClean="0"/>
+              <a:rPr lang="en-IN" dirty="0"/>
               <a:t>The design and development of AIRYL</a:t>
             </a:r>
-            <a:endParaRPr lang="en-IN" dirty="0"/>
-          </a:p>
-        </p:txBody>
-      </p:sp>
-      <p:sp>
-        <p:nvSpPr>
-          <p:cNvPr id="3" name="Subtitle 2"/>
-          <p:cNvSpPr>
-            <a:spLocks noGrp="1"/>
-          </p:cNvSpPr>
-          <p:nvPr>
-            <p:ph type="subTitle" idx="1"/>
-          </p:nvPr>
-        </p:nvSpPr>
-        <p:spPr>
-          <a:xfrm>
-            <a:off x="1524000" y="5030788"/>
-            <a:ext cx="9144000" cy="1150937"/>
-          </a:xfrm>
-        </p:spPr>
-        <p:txBody>
-          <a:bodyPr/>
-          <a:lstStyle/>
-          <a:p>
-            <a:endParaRPr lang="en-IN" dirty="0"/>
           </a:p>
         </p:txBody>
       </p:sp>
@@ -3042,13 +5440,6 @@
   <p:clrMapOvr>
     <a:masterClrMapping/>
   </p:clrMapOvr>
-  <p:timing>
-    <p:tnLst>
-      <p:par>
-        <p:cTn id="1" dur="indefinite" restart="never" nodeType="tmRoot"/>
-      </p:par>
-    </p:tnLst>
-  </p:timing>
 </p:sld>
 </file>
 
@@ -3081,7 +5472,7 @@
         </p:nvSpPr>
         <p:spPr>
           <a:xfrm>
-            <a:off x="2085975" y="1684339"/>
+            <a:off x="2057400" y="1185645"/>
             <a:ext cx="8077200" cy="2163762"/>
           </a:xfrm>
         </p:spPr>
@@ -3090,10 +5481,9 @@
           <a:lstStyle/>
           <a:p>
             <a:r>
-              <a:rPr lang="en-IN" dirty="0" smtClean="0"/>
+              <a:rPr lang="en-IN" dirty="0"/>
               <a:t>1. History of AI</a:t>
             </a:r>
-            <a:endParaRPr lang="en-IN" dirty="0"/>
           </a:p>
         </p:txBody>
       </p:sp>
@@ -3109,7 +5499,7 @@
         </p:nvSpPr>
         <p:spPr>
           <a:xfrm>
-            <a:off x="4153007" y="4057651"/>
+            <a:off x="4153007" y="3508594"/>
             <a:ext cx="3943136" cy="428625"/>
           </a:xfrm>
         </p:spPr>
@@ -3120,7 +5510,7 @@
           <a:lstStyle/>
           <a:p>
             <a:r>
-              <a:rPr lang="en-IN" sz="2000" dirty="0" err="1" smtClean="0">
+              <a:rPr lang="en-IN" sz="2800" dirty="0" err="1">
                 <a:solidFill>
                   <a:schemeClr val="bg1">
                     <a:lumMod val="65000"/>
@@ -3131,7 +5521,7 @@
               <a:t>Debayan</a:t>
             </a:r>
             <a:r>
-              <a:rPr lang="en-IN" sz="2000" dirty="0" smtClean="0">
+              <a:rPr lang="en-IN" sz="2800" dirty="0">
                 <a:solidFill>
                   <a:schemeClr val="bg1">
                     <a:lumMod val="65000"/>
@@ -3141,81 +5531,89 @@
               </a:rPr>
               <a:t> De</a:t>
             </a:r>
-            <a:endParaRPr lang="en-IN" sz="2000" dirty="0">
-              <a:solidFill>
-                <a:schemeClr val="bg1">
-                  <a:lumMod val="65000"/>
-                  <a:lumOff val="35000"/>
-                </a:schemeClr>
-              </a:solidFill>
-            </a:endParaRPr>
           </a:p>
         </p:txBody>
       </p:sp>
-      <p:pic>
-        <p:nvPicPr>
-          <p:cNvPr id="4" name="Picture 3"/>
-          <p:cNvPicPr>
-            <a:picLocks noChangeAspect="1"/>
-          </p:cNvPicPr>
-          <p:nvPr/>
-        </p:nvPicPr>
-        <p:blipFill>
-          <a:blip r:embed="rId2">
+      <p:grpSp>
+        <p:nvGrpSpPr>
+          <p:cNvPr id="6" name="Group 5">
             <a:extLst>
-              <a:ext uri="{28A0092B-C50C-407E-A947-70E740481C1C}">
-                <a14:useLocalDpi xmlns:a14="http://schemas.microsoft.com/office/drawing/2010/main" val="0"/>
+              <a:ext uri="{FF2B5EF4-FFF2-40B4-BE49-F238E27FC236}">
+                <a16:creationId xmlns:a16="http://schemas.microsoft.com/office/drawing/2014/main" id="{C87DA721-C399-4EBC-852A-9BF5F6E04FFB}"/>
               </a:ext>
             </a:extLst>
-          </a:blip>
-          <a:stretch>
-            <a:fillRect/>
-          </a:stretch>
-        </p:blipFill>
-        <p:spPr>
+          </p:cNvPr>
+          <p:cNvGrpSpPr/>
+          <p:nvPr/>
+        </p:nvGrpSpPr>
+        <p:grpSpPr>
           <a:xfrm>
-            <a:off x="4524626" y="4648202"/>
-            <a:ext cx="1599949" cy="799975"/>
+            <a:off x="4595742" y="4138030"/>
+            <a:ext cx="2749995" cy="799975"/>
+            <a:chOff x="4612308" y="3881084"/>
+            <a:chExt cx="2749995" cy="799975"/>
           </a:xfrm>
-          <a:prstGeom prst="rect">
-            <a:avLst/>
-          </a:prstGeom>
-        </p:spPr>
-      </p:pic>
-      <p:sp>
-        <p:nvSpPr>
-          <p:cNvPr id="5" name="TextBox 4"/>
-          <p:cNvSpPr txBox="1"/>
-          <p:nvPr/>
-        </p:nvSpPr>
-        <p:spPr>
-          <a:xfrm>
-            <a:off x="5495925" y="4863523"/>
-            <a:ext cx="1828800" cy="369332"/>
-          </a:xfrm>
-          <a:prstGeom prst="rect">
-            <a:avLst/>
-          </a:prstGeom>
-          <a:noFill/>
-        </p:spPr>
-        <p:txBody>
-          <a:bodyPr wrap="square" rtlCol="0">
-            <a:spAutoFit/>
-          </a:bodyPr>
-          <a:lstStyle/>
-          <a:p>
-            <a:r>
-              <a:rPr lang="en-IN" dirty="0" smtClean="0"/>
-              <a:t>/</a:t>
-            </a:r>
-            <a:r>
-              <a:rPr lang="en-IN" dirty="0" err="1" smtClean="0"/>
-              <a:t>RudraNilBasu</a:t>
-            </a:r>
-            <a:endParaRPr lang="en-IN" dirty="0"/>
-          </a:p>
-        </p:txBody>
-      </p:sp>
+        </p:grpSpPr>
+        <p:pic>
+          <p:nvPicPr>
+            <p:cNvPr id="4" name="Picture 3"/>
+            <p:cNvPicPr>
+              <a:picLocks noChangeAspect="1"/>
+            </p:cNvPicPr>
+            <p:nvPr/>
+          </p:nvPicPr>
+          <p:blipFill>
+            <a:blip r:embed="rId2">
+              <a:extLst>
+                <a:ext uri="{28A0092B-C50C-407E-A947-70E740481C1C}">
+                  <a14:useLocalDpi xmlns:a14="http://schemas.microsoft.com/office/drawing/2010/main" val="0"/>
+                </a:ext>
+              </a:extLst>
+            </a:blip>
+            <a:stretch>
+              <a:fillRect/>
+            </a:stretch>
+          </p:blipFill>
+          <p:spPr>
+            <a:xfrm>
+              <a:off x="4612308" y="3881084"/>
+              <a:ext cx="1599949" cy="799975"/>
+            </a:xfrm>
+            <a:prstGeom prst="rect">
+              <a:avLst/>
+            </a:prstGeom>
+          </p:spPr>
+        </p:pic>
+        <p:sp>
+          <p:nvSpPr>
+            <p:cNvPr id="5" name="TextBox 4"/>
+            <p:cNvSpPr txBox="1"/>
+            <p:nvPr/>
+          </p:nvSpPr>
+          <p:spPr>
+            <a:xfrm>
+              <a:off x="5533503" y="4096406"/>
+              <a:ext cx="1828800" cy="400110"/>
+            </a:xfrm>
+            <a:prstGeom prst="rect">
+              <a:avLst/>
+            </a:prstGeom>
+            <a:noFill/>
+          </p:spPr>
+          <p:txBody>
+            <a:bodyPr wrap="square" rtlCol="0">
+              <a:spAutoFit/>
+            </a:bodyPr>
+            <a:lstStyle/>
+            <a:p>
+              <a:r>
+                <a:rPr lang="en-IN" sz="2000" dirty="0"/>
+                <a:t>/debayan130</a:t>
+              </a:r>
+            </a:p>
+          </p:txBody>
+        </p:sp>
+      </p:grpSp>
     </p:spTree>
     <p:extLst>
       <p:ext uri="{BB962C8B-B14F-4D97-AF65-F5344CB8AC3E}">
@@ -3226,13 +5624,6 @@
   <p:clrMapOvr>
     <a:masterClrMapping/>
   </p:clrMapOvr>
-  <p:timing>
-    <p:tnLst>
-      <p:par>
-        <p:cTn id="1" dur="indefinite" restart="never" nodeType="tmRoot"/>
-      </p:par>
-    </p:tnLst>
-  </p:timing>
 </p:sld>
 </file>
 
@@ -3255,100 +5646,129 @@
       </p:grpSpPr>
       <p:sp>
         <p:nvSpPr>
-          <p:cNvPr id="2" name="Title 1"/>
+          <p:cNvPr id="4" name="Title 1">
+            <a:extLst>
+              <a:ext uri="{FF2B5EF4-FFF2-40B4-BE49-F238E27FC236}">
+                <a16:creationId xmlns:a16="http://schemas.microsoft.com/office/drawing/2014/main" id="{4F054BBB-470D-4EF5-91EF-64446AC3D0D8}"/>
+              </a:ext>
+            </a:extLst>
+          </p:cNvPr>
           <p:cNvSpPr>
             <a:spLocks noGrp="1"/>
           </p:cNvSpPr>
           <p:nvPr>
-            <p:ph type="ctrTitle"/>
+            <p:ph type="title"/>
           </p:nvPr>
         </p:nvSpPr>
         <p:spPr>
           <a:xfrm>
-            <a:off x="2085975" y="1684339"/>
-            <a:ext cx="8077200" cy="2163762"/>
+            <a:off x="1143001" y="370085"/>
+            <a:ext cx="9905998" cy="1478570"/>
           </a:xfrm>
         </p:spPr>
         <p:txBody>
           <a:bodyPr/>
           <a:lstStyle/>
           <a:p>
-            <a:r>
-              <a:rPr lang="en-IN" dirty="0" smtClean="0"/>
-              <a:t>2. </a:t>
-            </a:r>
-            <a:r>
-              <a:rPr lang="en-IN" dirty="0" err="1" smtClean="0"/>
-              <a:t>Alicebot</a:t>
-            </a:r>
-            <a:r>
-              <a:rPr lang="en-IN" dirty="0" smtClean="0"/>
-              <a:t> and AIML</a:t>
-            </a:r>
-            <a:endParaRPr lang="en-IN" dirty="0"/>
+            <a:pPr algn="ctr"/>
+            <a:r>
+              <a:rPr lang="en-IN" dirty="0"/>
+              <a:t>Artificial intelligence</a:t>
+            </a:r>
           </a:p>
         </p:txBody>
       </p:sp>
       <p:sp>
         <p:nvSpPr>
-          <p:cNvPr id="3" name="Subtitle 2"/>
+          <p:cNvPr id="5" name="Content Placeholder 2">
+            <a:extLst>
+              <a:ext uri="{FF2B5EF4-FFF2-40B4-BE49-F238E27FC236}">
+                <a16:creationId xmlns:a16="http://schemas.microsoft.com/office/drawing/2014/main" id="{5395A5E0-0480-44F8-8601-6F65EA4C9313}"/>
+              </a:ext>
+            </a:extLst>
+          </p:cNvPr>
           <p:cNvSpPr>
             <a:spLocks noGrp="1"/>
           </p:cNvSpPr>
           <p:nvPr>
-            <p:ph type="subTitle" idx="1"/>
+            <p:ph idx="1"/>
           </p:nvPr>
         </p:nvSpPr>
         <p:spPr>
           <a:xfrm>
-            <a:off x="4153007" y="4057651"/>
-            <a:ext cx="3943136" cy="428625"/>
+            <a:off x="1042939" y="1609504"/>
+            <a:ext cx="5695485" cy="4727510"/>
           </a:xfrm>
         </p:spPr>
         <p:txBody>
           <a:bodyPr>
-            <a:noAutofit/>
+            <a:normAutofit/>
           </a:bodyPr>
           <a:lstStyle/>
           <a:p>
             <a:r>
-              <a:rPr lang="en-IN" sz="2000" dirty="0" err="1" smtClean="0">
-                <a:solidFill>
-                  <a:schemeClr val="bg1">
-                    <a:lumMod val="65000"/>
-                    <a:lumOff val="35000"/>
-                  </a:schemeClr>
-                </a:solidFill>
-              </a:rPr>
-              <a:t>Rohit</a:t>
-            </a:r>
-            <a:r>
-              <a:rPr lang="en-IN" sz="2000" dirty="0" smtClean="0">
-                <a:solidFill>
-                  <a:schemeClr val="bg1">
-                    <a:lumMod val="65000"/>
-                    <a:lumOff val="35000"/>
-                  </a:schemeClr>
-                </a:solidFill>
-              </a:rPr>
-              <a:t> Das</a:t>
-            </a:r>
-            <a:endParaRPr lang="en-IN" sz="2000" dirty="0">
-              <a:solidFill>
-                <a:schemeClr val="bg1">
-                  <a:lumMod val="65000"/>
-                  <a:lumOff val="35000"/>
-                </a:schemeClr>
-              </a:solidFill>
-            </a:endParaRPr>
+              <a:rPr lang="en-IN" u="sng" dirty="0"/>
+              <a:t>Alan Turing</a:t>
+            </a:r>
+            <a:r>
+              <a:rPr lang="en-IN" dirty="0"/>
+              <a:t> </a:t>
+            </a:r>
+            <a:r>
+              <a:rPr lang="en-IN" sz="2000" dirty="0"/>
+              <a:t>on AI in “Computing Machinery and Intelligence”(1950; p. 460) :- </a:t>
+            </a:r>
+            <a:endParaRPr lang="en-IN" dirty="0"/>
+          </a:p>
+          <a:p>
+            <a:pPr marL="0" indent="0" algn="ctr">
+              <a:buNone/>
+            </a:pPr>
+            <a:r>
+              <a:rPr lang="en-IN" sz="2000" dirty="0"/>
+              <a:t>“I propose to consider the question, 'Can machines think?'"</a:t>
+            </a:r>
+          </a:p>
+          <a:p>
+            <a:pPr algn="just"/>
+            <a:r>
+              <a:rPr lang="en-IN" sz="2000" dirty="0"/>
+              <a:t>Turing's new question is: "Are there imaginable digital computers which would do well in the </a:t>
+            </a:r>
+            <a:r>
+              <a:rPr lang="en-IN" sz="2000" i="1" dirty="0"/>
+              <a:t>imitation game</a:t>
+            </a:r>
+            <a:r>
+              <a:rPr lang="en-IN" sz="2000" dirty="0"/>
+              <a:t>?" This question, Turing believed, is one that can actually be answered. In the remainder of the paper, he argued against all the major objections to the proposition that "machines can think".</a:t>
+            </a:r>
+            <a:r>
+              <a:rPr lang="en-IN" sz="2800" dirty="0"/>
+              <a:t> </a:t>
+            </a:r>
+          </a:p>
+          <a:p>
+            <a:pPr algn="just"/>
+            <a:r>
+              <a:rPr lang="en-IN" sz="2000" dirty="0"/>
+              <a:t>An era for Artificial Intelligence was born.</a:t>
+            </a:r>
+            <a:endParaRPr lang="en-IN" sz="2000" baseline="30000" dirty="0"/>
           </a:p>
         </p:txBody>
       </p:sp>
       <p:pic>
         <p:nvPicPr>
-          <p:cNvPr id="4" name="Picture 3"/>
+          <p:cNvPr id="6" name="Picture 2" descr="File:Turing test diagram.png">
+            <a:extLst>
+              <a:ext uri="{FF2B5EF4-FFF2-40B4-BE49-F238E27FC236}">
+                <a16:creationId xmlns:a16="http://schemas.microsoft.com/office/drawing/2014/main" id="{8BF6AAC3-0A12-46EC-B1C8-07B6C26C5BDA}"/>
+              </a:ext>
+            </a:extLst>
+          </p:cNvPr>
           <p:cNvPicPr>
-            <a:picLocks noChangeAspect="1"/>
+            <a:picLocks noChangeAspect="1" noChangeArrowheads="1"/>
           </p:cNvPicPr>
           <p:nvPr/>
         </p:nvPicPr>
@@ -3360,58 +5780,56 @@
               </a:ext>
             </a:extLst>
           </a:blip>
+          <a:srcRect/>
           <a:stretch>
             <a:fillRect/>
           </a:stretch>
         </p:blipFill>
-        <p:spPr>
+        <p:spPr bwMode="auto">
           <a:xfrm>
-            <a:off x="4524626" y="4648202"/>
-            <a:ext cx="1599949" cy="799975"/>
+            <a:off x="7223902" y="1609504"/>
+            <a:ext cx="4200731" cy="4203969"/>
           </a:xfrm>
           <a:prstGeom prst="rect">
             <a:avLst/>
           </a:prstGeom>
+          <a:solidFill>
+            <a:srgbClr val="FFFFFF">
+              <a:shade val="85000"/>
+            </a:srgbClr>
+          </a:solidFill>
+          <a:ln w="88900" cap="sq">
+            <a:solidFill>
+              <a:srgbClr val="FFFFFF"/>
+            </a:solidFill>
+            <a:miter lim="800000"/>
+          </a:ln>
+          <a:effectLst>
+            <a:outerShdw blurRad="55000" dist="18000" dir="5400000" algn="tl" rotWithShape="0">
+              <a:srgbClr val="000000">
+                <a:alpha val="40000"/>
+              </a:srgbClr>
+            </a:outerShdw>
+          </a:effectLst>
+          <a:scene3d>
+            <a:camera prst="orthographicFront"/>
+            <a:lightRig rig="twoPt" dir="t">
+              <a:rot lat="0" lon="0" rev="7200000"/>
+            </a:lightRig>
+          </a:scene3d>
+          <a:sp3d>
+            <a:bevelT w="25400" h="19050"/>
+            <a:contourClr>
+              <a:srgbClr val="FFFFFF"/>
+            </a:contourClr>
+          </a:sp3d>
+          <a:extLst/>
         </p:spPr>
       </p:pic>
-      <p:sp>
-        <p:nvSpPr>
-          <p:cNvPr id="5" name="TextBox 4"/>
-          <p:cNvSpPr txBox="1"/>
-          <p:nvPr/>
-        </p:nvSpPr>
-        <p:spPr>
-          <a:xfrm>
-            <a:off x="5495925" y="4863523"/>
-            <a:ext cx="1828800" cy="369332"/>
-          </a:xfrm>
-          <a:prstGeom prst="rect">
-            <a:avLst/>
-          </a:prstGeom>
-          <a:noFill/>
-        </p:spPr>
-        <p:txBody>
-          <a:bodyPr wrap="square" rtlCol="0">
-            <a:spAutoFit/>
-          </a:bodyPr>
-          <a:lstStyle/>
-          <a:p>
-            <a:r>
-              <a:rPr lang="en-IN" dirty="0" smtClean="0"/>
-              <a:t>/</a:t>
-            </a:r>
-            <a:r>
-              <a:rPr lang="en-IN" dirty="0" err="1" smtClean="0"/>
-              <a:t>RudraNilBasu</a:t>
-            </a:r>
-            <a:endParaRPr lang="en-IN" dirty="0"/>
-          </a:p>
-        </p:txBody>
-      </p:sp>
     </p:spTree>
     <p:extLst>
       <p:ext uri="{BB962C8B-B14F-4D97-AF65-F5344CB8AC3E}">
-        <p14:creationId xmlns:p14="http://schemas.microsoft.com/office/powerpoint/2010/main" val="2129206307"/>
+        <p14:creationId xmlns:p14="http://schemas.microsoft.com/office/powerpoint/2010/main" val="3584129924"/>
       </p:ext>
     </p:extLst>
   </p:cSld>
@@ -3421,9 +5839,321 @@
   <p:timing>
     <p:tnLst>
       <p:par>
-        <p:cTn id="1" dur="indefinite" restart="never" nodeType="tmRoot"/>
+        <p:cTn id="1" dur="indefinite" restart="never" nodeType="tmRoot">
+          <p:childTnLst>
+            <p:seq concurrent="1" nextAc="seek">
+              <p:cTn id="2" dur="indefinite" nodeType="mainSeq">
+                <p:childTnLst>
+                  <p:par>
+                    <p:cTn id="3" fill="hold">
+                      <p:stCondLst>
+                        <p:cond delay="indefinite"/>
+                      </p:stCondLst>
+                      <p:childTnLst>
+                        <p:par>
+                          <p:cTn id="4" fill="hold">
+                            <p:stCondLst>
+                              <p:cond delay="0"/>
+                            </p:stCondLst>
+                            <p:childTnLst>
+                              <p:par>
+                                <p:cTn id="5" presetID="1" presetClass="entr" presetSubtype="0" fill="hold" grpId="0" nodeType="clickEffect">
+                                  <p:stCondLst>
+                                    <p:cond delay="0"/>
+                                  </p:stCondLst>
+                                  <p:childTnLst>
+                                    <p:set>
+                                      <p:cBhvr>
+                                        <p:cTn id="6" dur="1" fill="hold">
+                                          <p:stCondLst>
+                                            <p:cond delay="0"/>
+                                          </p:stCondLst>
+                                        </p:cTn>
+                                        <p:tgtEl>
+                                          <p:spTgt spid="4"/>
+                                        </p:tgtEl>
+                                        <p:attrNameLst>
+                                          <p:attrName>style.visibility</p:attrName>
+                                        </p:attrNameLst>
+                                      </p:cBhvr>
+                                      <p:to>
+                                        <p:strVal val="visible"/>
+                                      </p:to>
+                                    </p:set>
+                                  </p:childTnLst>
+                                </p:cTn>
+                              </p:par>
+                            </p:childTnLst>
+                          </p:cTn>
+                        </p:par>
+                      </p:childTnLst>
+                    </p:cTn>
+                  </p:par>
+                  <p:par>
+                    <p:cTn id="7" fill="hold">
+                      <p:stCondLst>
+                        <p:cond delay="indefinite"/>
+                      </p:stCondLst>
+                      <p:childTnLst>
+                        <p:par>
+                          <p:cTn id="8" fill="hold">
+                            <p:stCondLst>
+                              <p:cond delay="0"/>
+                            </p:stCondLst>
+                            <p:childTnLst>
+                              <p:par>
+                                <p:cTn id="9" presetID="1" presetClass="entr" presetSubtype="0" fill="hold" nodeType="clickEffect">
+                                  <p:stCondLst>
+                                    <p:cond delay="0"/>
+                                  </p:stCondLst>
+                                  <p:childTnLst>
+                                    <p:set>
+                                      <p:cBhvr>
+                                        <p:cTn id="10" dur="1" fill="hold">
+                                          <p:stCondLst>
+                                            <p:cond delay="0"/>
+                                          </p:stCondLst>
+                                        </p:cTn>
+                                        <p:tgtEl>
+                                          <p:spTgt spid="5">
+                                            <p:txEl>
+                                              <p:pRg st="0" end="0"/>
+                                            </p:txEl>
+                                          </p:spTgt>
+                                        </p:tgtEl>
+                                        <p:attrNameLst>
+                                          <p:attrName>style.visibility</p:attrName>
+                                        </p:attrNameLst>
+                                      </p:cBhvr>
+                                      <p:to>
+                                        <p:strVal val="visible"/>
+                                      </p:to>
+                                    </p:set>
+                                  </p:childTnLst>
+                                </p:cTn>
+                              </p:par>
+                            </p:childTnLst>
+                          </p:cTn>
+                        </p:par>
+                      </p:childTnLst>
+                    </p:cTn>
+                  </p:par>
+                  <p:par>
+                    <p:cTn id="11" fill="hold">
+                      <p:stCondLst>
+                        <p:cond delay="indefinite"/>
+                      </p:stCondLst>
+                      <p:childTnLst>
+                        <p:par>
+                          <p:cTn id="12" fill="hold">
+                            <p:stCondLst>
+                              <p:cond delay="0"/>
+                            </p:stCondLst>
+                            <p:childTnLst>
+                              <p:par>
+                                <p:cTn id="13" presetID="1" presetClass="entr" presetSubtype="0" fill="hold" nodeType="clickEffect">
+                                  <p:stCondLst>
+                                    <p:cond delay="0"/>
+                                  </p:stCondLst>
+                                  <p:childTnLst>
+                                    <p:set>
+                                      <p:cBhvr>
+                                        <p:cTn id="14" dur="1" fill="hold">
+                                          <p:stCondLst>
+                                            <p:cond delay="0"/>
+                                          </p:stCondLst>
+                                        </p:cTn>
+                                        <p:tgtEl>
+                                          <p:spTgt spid="5">
+                                            <p:txEl>
+                                              <p:pRg st="1" end="1"/>
+                                            </p:txEl>
+                                          </p:spTgt>
+                                        </p:tgtEl>
+                                        <p:attrNameLst>
+                                          <p:attrName>style.visibility</p:attrName>
+                                        </p:attrNameLst>
+                                      </p:cBhvr>
+                                      <p:to>
+                                        <p:strVal val="visible"/>
+                                      </p:to>
+                                    </p:set>
+                                  </p:childTnLst>
+                                </p:cTn>
+                              </p:par>
+                            </p:childTnLst>
+                          </p:cTn>
+                        </p:par>
+                      </p:childTnLst>
+                    </p:cTn>
+                  </p:par>
+                  <p:par>
+                    <p:cTn id="15" fill="hold">
+                      <p:stCondLst>
+                        <p:cond delay="indefinite"/>
+                      </p:stCondLst>
+                      <p:childTnLst>
+                        <p:par>
+                          <p:cTn id="16" fill="hold">
+                            <p:stCondLst>
+                              <p:cond delay="0"/>
+                            </p:stCondLst>
+                            <p:childTnLst>
+                              <p:par>
+                                <p:cTn id="17" presetID="1" presetClass="entr" presetSubtype="0" fill="hold" nodeType="clickEffect">
+                                  <p:stCondLst>
+                                    <p:cond delay="0"/>
+                                  </p:stCondLst>
+                                  <p:childTnLst>
+                                    <p:set>
+                                      <p:cBhvr>
+                                        <p:cTn id="18" dur="1" fill="hold">
+                                          <p:stCondLst>
+                                            <p:cond delay="0"/>
+                                          </p:stCondLst>
+                                        </p:cTn>
+                                        <p:tgtEl>
+                                          <p:spTgt spid="5">
+                                            <p:txEl>
+                                              <p:pRg st="2" end="2"/>
+                                            </p:txEl>
+                                          </p:spTgt>
+                                        </p:tgtEl>
+                                        <p:attrNameLst>
+                                          <p:attrName>style.visibility</p:attrName>
+                                        </p:attrNameLst>
+                                      </p:cBhvr>
+                                      <p:to>
+                                        <p:strVal val="visible"/>
+                                      </p:to>
+                                    </p:set>
+                                  </p:childTnLst>
+                                </p:cTn>
+                              </p:par>
+                            </p:childTnLst>
+                          </p:cTn>
+                        </p:par>
+                      </p:childTnLst>
+                    </p:cTn>
+                  </p:par>
+                  <p:par>
+                    <p:cTn id="19" fill="hold">
+                      <p:stCondLst>
+                        <p:cond delay="indefinite"/>
+                      </p:stCondLst>
+                      <p:childTnLst>
+                        <p:par>
+                          <p:cTn id="20" fill="hold">
+                            <p:stCondLst>
+                              <p:cond delay="0"/>
+                            </p:stCondLst>
+                            <p:childTnLst>
+                              <p:par>
+                                <p:cTn id="21" presetID="1" presetClass="entr" presetSubtype="0" fill="hold" nodeType="clickEffect">
+                                  <p:stCondLst>
+                                    <p:cond delay="0"/>
+                                  </p:stCondLst>
+                                  <p:childTnLst>
+                                    <p:set>
+                                      <p:cBhvr>
+                                        <p:cTn id="22" dur="1" fill="hold">
+                                          <p:stCondLst>
+                                            <p:cond delay="0"/>
+                                          </p:stCondLst>
+                                        </p:cTn>
+                                        <p:tgtEl>
+                                          <p:spTgt spid="6"/>
+                                        </p:tgtEl>
+                                        <p:attrNameLst>
+                                          <p:attrName>style.visibility</p:attrName>
+                                        </p:attrNameLst>
+                                      </p:cBhvr>
+                                      <p:to>
+                                        <p:strVal val="visible"/>
+                                      </p:to>
+                                    </p:set>
+                                  </p:childTnLst>
+                                </p:cTn>
+                              </p:par>
+                            </p:childTnLst>
+                          </p:cTn>
+                        </p:par>
+                      </p:childTnLst>
+                    </p:cTn>
+                  </p:par>
+                  <p:par>
+                    <p:cTn id="23" fill="hold">
+                      <p:stCondLst>
+                        <p:cond delay="indefinite"/>
+                      </p:stCondLst>
+                      <p:childTnLst>
+                        <p:par>
+                          <p:cTn id="24" fill="hold">
+                            <p:stCondLst>
+                              <p:cond delay="0"/>
+                            </p:stCondLst>
+                            <p:childTnLst>
+                              <p:par>
+                                <p:cTn id="25" presetID="1" presetClass="entr" presetSubtype="0" fill="hold" nodeType="clickEffect">
+                                  <p:stCondLst>
+                                    <p:cond delay="0"/>
+                                  </p:stCondLst>
+                                  <p:childTnLst>
+                                    <p:set>
+                                      <p:cBhvr>
+                                        <p:cTn id="26" dur="1" fill="hold">
+                                          <p:stCondLst>
+                                            <p:cond delay="0"/>
+                                          </p:stCondLst>
+                                        </p:cTn>
+                                        <p:tgtEl>
+                                          <p:spTgt spid="5">
+                                            <p:txEl>
+                                              <p:pRg st="3" end="3"/>
+                                            </p:txEl>
+                                          </p:spTgt>
+                                        </p:tgtEl>
+                                        <p:attrNameLst>
+                                          <p:attrName>style.visibility</p:attrName>
+                                        </p:attrNameLst>
+                                      </p:cBhvr>
+                                      <p:to>
+                                        <p:strVal val="visible"/>
+                                      </p:to>
+                                    </p:set>
+                                  </p:childTnLst>
+                                </p:cTn>
+                              </p:par>
+                            </p:childTnLst>
+                          </p:cTn>
+                        </p:par>
+                      </p:childTnLst>
+                    </p:cTn>
+                  </p:par>
+                </p:childTnLst>
+              </p:cTn>
+              <p:prevCondLst>
+                <p:cond evt="onPrev" delay="0">
+                  <p:tgtEl>
+                    <p:sldTgt/>
+                  </p:tgtEl>
+                </p:cond>
+              </p:prevCondLst>
+              <p:nextCondLst>
+                <p:cond evt="onNext" delay="0">
+                  <p:tgtEl>
+                    <p:sldTgt/>
+                  </p:tgtEl>
+                </p:cond>
+              </p:nextCondLst>
+            </p:seq>
+          </p:childTnLst>
+        </p:cTn>
       </p:par>
     </p:tnLst>
+    <p:bldLst>
+      <p:bldP spid="4" grpId="0"/>
+    </p:bldLst>
   </p:timing>
 </p:sld>
 </file>
@@ -3447,144 +6177,370 @@
       </p:grpSpPr>
       <p:sp>
         <p:nvSpPr>
-          <p:cNvPr id="2" name="Title 1"/>
+          <p:cNvPr id="4" name="Title 1">
+            <a:extLst>
+              <a:ext uri="{FF2B5EF4-FFF2-40B4-BE49-F238E27FC236}">
+                <a16:creationId xmlns:a16="http://schemas.microsoft.com/office/drawing/2014/main" id="{245DCB3D-EC83-412F-A6A5-5DB2CCFFE85B}"/>
+              </a:ext>
+            </a:extLst>
+          </p:cNvPr>
           <p:cNvSpPr>
             <a:spLocks noGrp="1"/>
           </p:cNvSpPr>
           <p:nvPr>
-            <p:ph type="ctrTitle"/>
+            <p:ph type="title"/>
           </p:nvPr>
         </p:nvSpPr>
         <p:spPr>
           <a:xfrm>
-            <a:off x="1752600" y="1684339"/>
-            <a:ext cx="8762999" cy="2163762"/>
+            <a:off x="1141413" y="316711"/>
+            <a:ext cx="9905998" cy="1478570"/>
           </a:xfrm>
         </p:spPr>
         <p:txBody>
           <a:bodyPr/>
           <a:lstStyle/>
           <a:p>
-            <a:r>
-              <a:rPr lang="en-IN" dirty="0" smtClean="0"/>
-              <a:t>3. Android implementation</a:t>
-            </a:r>
-            <a:endParaRPr lang="en-IN" dirty="0"/>
+            <a:pPr algn="ctr"/>
+            <a:r>
+              <a:rPr lang="en-IN" dirty="0"/>
+              <a:t>Machine beats man</a:t>
+            </a:r>
           </a:p>
         </p:txBody>
       </p:sp>
-      <p:sp>
-        <p:nvSpPr>
-          <p:cNvPr id="3" name="Subtitle 2"/>
-          <p:cNvSpPr>
-            <a:spLocks noGrp="1"/>
-          </p:cNvSpPr>
-          <p:nvPr>
-            <p:ph type="subTitle" idx="1"/>
-          </p:nvPr>
-        </p:nvSpPr>
-        <p:spPr>
-          <a:xfrm>
-            <a:off x="4153007" y="4057651"/>
-            <a:ext cx="3943136" cy="428625"/>
-          </a:xfrm>
-        </p:spPr>
-        <p:txBody>
-          <a:bodyPr>
-            <a:noAutofit/>
-          </a:bodyPr>
-          <a:lstStyle/>
-          <a:p>
-            <a:r>
-              <a:rPr lang="en-IN" sz="2000" dirty="0" smtClean="0">
-                <a:solidFill>
-                  <a:schemeClr val="bg1">
-                    <a:lumMod val="65000"/>
-                    <a:lumOff val="35000"/>
-                  </a:schemeClr>
-                </a:solidFill>
-              </a:rPr>
-              <a:t>Rudra Nil Basu</a:t>
-            </a:r>
-            <a:endParaRPr lang="en-IN" sz="2000" dirty="0">
-              <a:solidFill>
-                <a:schemeClr val="bg1">
-                  <a:lumMod val="65000"/>
-                  <a:lumOff val="35000"/>
-                </a:schemeClr>
-              </a:solidFill>
-            </a:endParaRPr>
-          </a:p>
-        </p:txBody>
-      </p:sp>
+      <mc:AlternateContent xmlns:mc="http://schemas.openxmlformats.org/markup-compatibility/2006">
+        <mc:Choice xmlns:a14="http://schemas.microsoft.com/office/drawing/2010/main" Requires="a14">
+          <p:sp>
+            <p:nvSpPr>
+              <p:cNvPr id="5" name="Content Placeholder 2">
+                <a:extLst>
+                  <a:ext uri="{FF2B5EF4-FFF2-40B4-BE49-F238E27FC236}">
+                    <a16:creationId xmlns:a16="http://schemas.microsoft.com/office/drawing/2014/main" id="{01471190-1398-40EC-A7B8-DF9F75F9E7A3}"/>
+                  </a:ext>
+                </a:extLst>
+              </p:cNvPr>
+              <p:cNvSpPr>
+                <a:spLocks noGrp="1"/>
+              </p:cNvSpPr>
+              <p:nvPr>
+                <p:ph idx="1"/>
+              </p:nvPr>
+            </p:nvSpPr>
+            <p:spPr>
+              <a:xfrm>
+                <a:off x="6173456" y="1575509"/>
+                <a:ext cx="5526268" cy="4574769"/>
+              </a:xfrm>
+            </p:spPr>
+            <p:txBody>
+              <a:bodyPr>
+                <a:normAutofit/>
+              </a:bodyPr>
+              <a:lstStyle/>
+              <a:p>
+                <a:r>
+                  <a:rPr lang="en-IN" sz="2600" dirty="0"/>
+                  <a:t>World Chess Champion Gary Kasparov</a:t>
+                </a:r>
+                <a:r>
+                  <a:rPr lang="en-IN" dirty="0"/>
+                  <a:t> </a:t>
+                </a:r>
+              </a:p>
+              <a:p>
+                <a:pPr marL="0" indent="0">
+                  <a:buNone/>
+                </a:pPr>
+                <a:r>
+                  <a:rPr lang="en-IN" sz="2000" dirty="0"/>
+                  <a:t>   (1985 – 93 undisputed, Grandmaster 1980).</a:t>
+                </a:r>
+              </a:p>
+              <a:p>
+                <a:r>
+                  <a:rPr lang="en-IN" sz="2600" dirty="0"/>
+                  <a:t>IBM Supercomputer Deep Blue</a:t>
+                </a:r>
+              </a:p>
+              <a:p>
+                <a:pPr marL="0" indent="0">
+                  <a:buNone/>
+                </a:pPr>
+                <a:r>
+                  <a:rPr lang="en-IN" sz="2200" dirty="0"/>
+                  <a:t>   (120 MHz, written in C, AIX OS, 200 Mil positions per sec.)</a:t>
+                </a:r>
+                <a:endParaRPr lang="en-IN" sz="2600" dirty="0"/>
+              </a:p>
+              <a:p>
+                <a:r>
+                  <a:rPr lang="en-IN" sz="2600" dirty="0"/>
+                  <a:t>1996 – Deep Blue wins 4-2</a:t>
+                </a:r>
+              </a:p>
+              <a:p>
+                <a:r>
+                  <a:rPr lang="en-IN" sz="2600" dirty="0"/>
+                  <a:t>1997 – Deep Blue wins 3</a:t>
+                </a:r>
+                <a14:m>
+                  <m:oMath xmlns:m="http://schemas.openxmlformats.org/officeDocument/2006/math">
+                    <m:f>
+                      <m:fPr>
+                        <m:type m:val="skw"/>
+                        <m:ctrlPr>
+                          <a:rPr lang="en-IN" sz="2600" i="1" smtClean="0">
+                            <a:latin typeface="Cambria Math" panose="02040503050406030204" pitchFamily="18" charset="0"/>
+                          </a:rPr>
+                        </m:ctrlPr>
+                      </m:fPr>
+                      <m:num>
+                        <m:r>
+                          <a:rPr lang="en-IN" sz="2600" b="0" i="1" smtClean="0">
+                            <a:latin typeface="Cambria Math" panose="02040503050406030204" pitchFamily="18" charset="0"/>
+                          </a:rPr>
+                          <m:t>1</m:t>
+                        </m:r>
+                      </m:num>
+                      <m:den>
+                        <m:r>
+                          <a:rPr lang="en-IN" sz="2600" b="0" i="1" smtClean="0">
+                            <a:latin typeface="Cambria Math" panose="02040503050406030204" pitchFamily="18" charset="0"/>
+                          </a:rPr>
+                          <m:t>2</m:t>
+                        </m:r>
+                      </m:den>
+                    </m:f>
+                  </m:oMath>
+                </a14:m>
+                <a:r>
+                  <a:rPr lang="en-IN" sz="2600" dirty="0"/>
+                  <a:t> – 2 </a:t>
+                </a:r>
+                <a14:m>
+                  <m:oMath xmlns:m="http://schemas.openxmlformats.org/officeDocument/2006/math">
+                    <m:f>
+                      <m:fPr>
+                        <m:type m:val="skw"/>
+                        <m:ctrlPr>
+                          <a:rPr lang="en-IN" sz="2600" i="1">
+                            <a:latin typeface="Cambria Math" panose="02040503050406030204" pitchFamily="18" charset="0"/>
+                          </a:rPr>
+                        </m:ctrlPr>
+                      </m:fPr>
+                      <m:num>
+                        <m:r>
+                          <a:rPr lang="en-IN" sz="2600" i="1">
+                            <a:latin typeface="Cambria Math" panose="02040503050406030204" pitchFamily="18" charset="0"/>
+                          </a:rPr>
+                          <m:t>1</m:t>
+                        </m:r>
+                      </m:num>
+                      <m:den>
+                        <m:r>
+                          <a:rPr lang="en-IN" sz="2600" i="1">
+                            <a:latin typeface="Cambria Math" panose="02040503050406030204" pitchFamily="18" charset="0"/>
+                          </a:rPr>
+                          <m:t>2</m:t>
+                        </m:r>
+                      </m:den>
+                    </m:f>
+                  </m:oMath>
+                </a14:m>
+                <a:endParaRPr lang="en-IN" sz="2600" dirty="0"/>
+              </a:p>
+            </p:txBody>
+          </p:sp>
+        </mc:Choice>
+        <mc:Fallback>
+          <p:sp>
+            <p:nvSpPr>
+              <p:cNvPr id="5" name="Content Placeholder 2">
+                <a:extLst>
+                  <a:ext uri="{FF2B5EF4-FFF2-40B4-BE49-F238E27FC236}">
+                    <a16:creationId xmlns:a16="http://schemas.microsoft.com/office/drawing/2014/main" id="{01471190-1398-40EC-A7B8-DF9F75F9E7A3}"/>
+                  </a:ext>
+                </a:extLst>
+              </p:cNvPr>
+              <p:cNvSpPr>
+                <a:spLocks noGrp="1" noRot="1" noChangeAspect="1" noMove="1" noResize="1" noEditPoints="1" noAdjustHandles="1" noChangeArrowheads="1" noChangeShapeType="1" noTextEdit="1"/>
+              </p:cNvSpPr>
+              <p:nvPr>
+                <p:ph idx="1"/>
+              </p:nvPr>
+            </p:nvSpPr>
+            <p:spPr>
+              <a:xfrm>
+                <a:off x="6173456" y="1575509"/>
+                <a:ext cx="5526268" cy="4574769"/>
+              </a:xfrm>
+              <a:blipFill>
+                <a:blip r:embed="rId2"/>
+                <a:stretch>
+                  <a:fillRect l="-1766" t="-1465" r="-1766"/>
+                </a:stretch>
+              </a:blipFill>
+            </p:spPr>
+            <p:txBody>
+              <a:bodyPr/>
+              <a:lstStyle/>
+              <a:p>
+                <a:r>
+                  <a:rPr lang="en-IN">
+                    <a:noFill/>
+                  </a:rPr>
+                  <a:t> </a:t>
+                </a:r>
+              </a:p>
+            </p:txBody>
+          </p:sp>
+        </mc:Fallback>
+      </mc:AlternateContent>
       <p:pic>
         <p:nvPicPr>
-          <p:cNvPr id="5" name="Picture 4"/>
+          <p:cNvPr id="6" name="Picture 2" descr="https://upload.wikimedia.org/wikipedia/commons/b/be/Deep_Blue.jpg">
+            <a:extLst>
+              <a:ext uri="{FF2B5EF4-FFF2-40B4-BE49-F238E27FC236}">
+                <a16:creationId xmlns:a16="http://schemas.microsoft.com/office/drawing/2014/main" id="{87B84574-7BEA-4AD5-977A-BF21AFCA9FDE}"/>
+              </a:ext>
+            </a:extLst>
+          </p:cNvPr>
           <p:cNvPicPr>
-            <a:picLocks noChangeAspect="1"/>
+            <a:picLocks noChangeAspect="1" noChangeArrowheads="1"/>
           </p:cNvPicPr>
           <p:nvPr/>
         </p:nvPicPr>
         <p:blipFill>
-          <a:blip r:embed="rId2">
+          <a:blip r:embed="rId3">
             <a:extLst>
               <a:ext uri="{28A0092B-C50C-407E-A947-70E740481C1C}">
                 <a14:useLocalDpi xmlns:a14="http://schemas.microsoft.com/office/drawing/2010/main" val="0"/>
               </a:ext>
             </a:extLst>
           </a:blip>
+          <a:srcRect/>
           <a:stretch>
             <a:fillRect/>
           </a:stretch>
         </p:blipFill>
-        <p:spPr>
+        <p:spPr bwMode="auto">
           <a:xfrm>
-            <a:off x="4524626" y="4648202"/>
-            <a:ext cx="1599949" cy="799975"/>
+            <a:off x="862006" y="1575509"/>
+            <a:ext cx="2616997" cy="3932038"/>
           </a:xfrm>
-          <a:prstGeom prst="rect">
+          <a:prstGeom prst="ellipse">
             <a:avLst/>
           </a:prstGeom>
+          <a:ln w="63500" cap="rnd">
+            <a:solidFill>
+              <a:srgbClr val="333333"/>
+            </a:solidFill>
+          </a:ln>
+          <a:effectLst>
+            <a:outerShdw blurRad="381000" dist="292100" dir="5400000" sx="-80000" sy="-18000" rotWithShape="0">
+              <a:srgbClr val="000000">
+                <a:alpha val="22000"/>
+              </a:srgbClr>
+            </a:outerShdw>
+          </a:effectLst>
+          <a:scene3d>
+            <a:camera prst="orthographicFront"/>
+            <a:lightRig rig="contrasting" dir="t">
+              <a:rot lat="0" lon="0" rev="3000000"/>
+            </a:lightRig>
+          </a:scene3d>
+          <a:sp3d contourW="7620">
+            <a:bevelT w="95250" h="31750"/>
+            <a:contourClr>
+              <a:srgbClr val="333333"/>
+            </a:contourClr>
+          </a:sp3d>
+          <a:extLst>
+            <a:ext uri="{909E8E84-426E-40DD-AFC4-6F175D3DCCD1}">
+              <a14:hiddenFill xmlns:a14="http://schemas.microsoft.com/office/drawing/2010/main">
+                <a:solidFill>
+                  <a:srgbClr val="FFFFFF"/>
+                </a:solidFill>
+              </a14:hiddenFill>
+            </a:ext>
+          </a:extLst>
         </p:spPr>
       </p:pic>
-      <p:sp>
-        <p:nvSpPr>
-          <p:cNvPr id="6" name="TextBox 5"/>
-          <p:cNvSpPr txBox="1"/>
+      <p:pic>
+        <p:nvPicPr>
+          <p:cNvPr id="7" name="Picture 4" descr="https://upload.wikimedia.org/wikipedia/commons/d/dc/Kasparov-29.jpg">
+            <a:extLst>
+              <a:ext uri="{FF2B5EF4-FFF2-40B4-BE49-F238E27FC236}">
+                <a16:creationId xmlns:a16="http://schemas.microsoft.com/office/drawing/2014/main" id="{9E13A585-C2C4-4E76-9361-E84AFA01EE17}"/>
+              </a:ext>
+            </a:extLst>
+          </p:cNvPr>
+          <p:cNvPicPr>
+            <a:picLocks noChangeAspect="1" noChangeArrowheads="1"/>
+          </p:cNvPicPr>
           <p:nvPr/>
-        </p:nvSpPr>
-        <p:spPr>
+        </p:nvPicPr>
+        <p:blipFill>
+          <a:blip r:embed="rId4">
+            <a:extLst>
+              <a:ext uri="{28A0092B-C50C-407E-A947-70E740481C1C}">
+                <a14:useLocalDpi xmlns:a14="http://schemas.microsoft.com/office/drawing/2010/main" val="0"/>
+              </a:ext>
+            </a:extLst>
+          </a:blip>
+          <a:srcRect/>
+          <a:stretch>
+            <a:fillRect/>
+          </a:stretch>
+        </p:blipFill>
+        <p:spPr bwMode="auto">
           <a:xfrm>
-            <a:off x="5495925" y="4863523"/>
-            <a:ext cx="1828800" cy="369332"/>
+            <a:off x="3479003" y="1575508"/>
+            <a:ext cx="2616996" cy="3929423"/>
           </a:xfrm>
-          <a:prstGeom prst="rect">
+          <a:prstGeom prst="ellipse">
             <a:avLst/>
           </a:prstGeom>
-          <a:noFill/>
+          <a:ln w="63500" cap="rnd">
+            <a:solidFill>
+              <a:srgbClr val="333333"/>
+            </a:solidFill>
+          </a:ln>
+          <a:effectLst>
+            <a:outerShdw blurRad="381000" dist="292100" dir="5400000" sx="-80000" sy="-18000" rotWithShape="0">
+              <a:srgbClr val="000000">
+                <a:alpha val="22000"/>
+              </a:srgbClr>
+            </a:outerShdw>
+          </a:effectLst>
+          <a:scene3d>
+            <a:camera prst="orthographicFront"/>
+            <a:lightRig rig="contrasting" dir="t">
+              <a:rot lat="0" lon="0" rev="3000000"/>
+            </a:lightRig>
+          </a:scene3d>
+          <a:sp3d contourW="7620">
+            <a:bevelT w="95250" h="31750"/>
+            <a:contourClr>
+              <a:srgbClr val="333333"/>
+            </a:contourClr>
+          </a:sp3d>
+          <a:extLst>
+            <a:ext uri="{909E8E84-426E-40DD-AFC4-6F175D3DCCD1}">
+              <a14:hiddenFill xmlns:a14="http://schemas.microsoft.com/office/drawing/2010/main">
+                <a:solidFill>
+                  <a:srgbClr val="FFFFFF"/>
+                </a:solidFill>
+              </a14:hiddenFill>
+            </a:ext>
+          </a:extLst>
         </p:spPr>
-        <p:txBody>
-          <a:bodyPr wrap="square" rtlCol="0">
-            <a:spAutoFit/>
-          </a:bodyPr>
-          <a:lstStyle/>
-          <a:p>
-            <a:r>
-              <a:rPr lang="en-IN" dirty="0" smtClean="0"/>
-              <a:t>/</a:t>
-            </a:r>
-            <a:r>
-              <a:rPr lang="en-IN" dirty="0" err="1" smtClean="0"/>
-              <a:t>RudraNilBasu</a:t>
-            </a:r>
-            <a:endParaRPr lang="en-IN" dirty="0"/>
-          </a:p>
-        </p:txBody>
-      </p:sp>
+      </p:pic>
     </p:spTree>
     <p:extLst>
       <p:ext uri="{BB962C8B-B14F-4D97-AF65-F5344CB8AC3E}">
-        <p14:creationId xmlns:p14="http://schemas.microsoft.com/office/powerpoint/2010/main" val="2556226537"/>
+        <p14:creationId xmlns:p14="http://schemas.microsoft.com/office/powerpoint/2010/main" val="2305318824"/>
       </p:ext>
     </p:extLst>
   </p:cSld>
@@ -3594,9 +6550,428 @@
   <p:timing>
     <p:tnLst>
       <p:par>
-        <p:cTn id="1" dur="indefinite" restart="never" nodeType="tmRoot"/>
+        <p:cTn id="1" dur="indefinite" restart="never" nodeType="tmRoot">
+          <p:childTnLst>
+            <p:seq concurrent="1" nextAc="seek">
+              <p:cTn id="2" dur="indefinite" nodeType="mainSeq">
+                <p:childTnLst>
+                  <p:par>
+                    <p:cTn id="3" fill="hold">
+                      <p:stCondLst>
+                        <p:cond delay="indefinite"/>
+                      </p:stCondLst>
+                      <p:childTnLst>
+                        <p:par>
+                          <p:cTn id="4" fill="hold">
+                            <p:stCondLst>
+                              <p:cond delay="0"/>
+                            </p:stCondLst>
+                            <p:childTnLst>
+                              <p:par>
+                                <p:cTn id="5" presetID="1" presetClass="entr" presetSubtype="0" fill="hold" grpId="0" nodeType="clickEffect">
+                                  <p:stCondLst>
+                                    <p:cond delay="0"/>
+                                  </p:stCondLst>
+                                  <p:childTnLst>
+                                    <p:set>
+                                      <p:cBhvr>
+                                        <p:cTn id="6" dur="1" fill="hold">
+                                          <p:stCondLst>
+                                            <p:cond delay="0"/>
+                                          </p:stCondLst>
+                                        </p:cTn>
+                                        <p:tgtEl>
+                                          <p:spTgt spid="4"/>
+                                        </p:tgtEl>
+                                        <p:attrNameLst>
+                                          <p:attrName>style.visibility</p:attrName>
+                                        </p:attrNameLst>
+                                      </p:cBhvr>
+                                      <p:to>
+                                        <p:strVal val="visible"/>
+                                      </p:to>
+                                    </p:set>
+                                  </p:childTnLst>
+                                </p:cTn>
+                              </p:par>
+                            </p:childTnLst>
+                          </p:cTn>
+                        </p:par>
+                      </p:childTnLst>
+                    </p:cTn>
+                  </p:par>
+                  <p:par>
+                    <p:cTn id="7" fill="hold">
+                      <p:stCondLst>
+                        <p:cond delay="indefinite"/>
+                      </p:stCondLst>
+                      <p:childTnLst>
+                        <p:par>
+                          <p:cTn id="8" fill="hold">
+                            <p:stCondLst>
+                              <p:cond delay="0"/>
+                            </p:stCondLst>
+                            <p:childTnLst>
+                              <p:par>
+                                <p:cTn id="9" presetID="1" presetClass="entr" presetSubtype="0" fill="hold" nodeType="clickEffect">
+                                  <p:stCondLst>
+                                    <p:cond delay="0"/>
+                                  </p:stCondLst>
+                                  <p:childTnLst>
+                                    <p:set>
+                                      <p:cBhvr>
+                                        <p:cTn id="10" dur="1" fill="hold">
+                                          <p:stCondLst>
+                                            <p:cond delay="0"/>
+                                          </p:stCondLst>
+                                        </p:cTn>
+                                        <p:tgtEl>
+                                          <p:spTgt spid="5">
+                                            <p:txEl>
+                                              <p:pRg st="0" end="0"/>
+                                            </p:txEl>
+                                          </p:spTgt>
+                                        </p:tgtEl>
+                                        <p:attrNameLst>
+                                          <p:attrName>style.visibility</p:attrName>
+                                        </p:attrNameLst>
+                                      </p:cBhvr>
+                                      <p:to>
+                                        <p:strVal val="visible"/>
+                                      </p:to>
+                                    </p:set>
+                                  </p:childTnLst>
+                                </p:cTn>
+                              </p:par>
+                              <p:par>
+                                <p:cTn id="11" presetID="1" presetClass="entr" presetSubtype="0" fill="hold" nodeType="withEffect">
+                                  <p:stCondLst>
+                                    <p:cond delay="0"/>
+                                  </p:stCondLst>
+                                  <p:childTnLst>
+                                    <p:set>
+                                      <p:cBhvr>
+                                        <p:cTn id="12" dur="1" fill="hold">
+                                          <p:stCondLst>
+                                            <p:cond delay="0"/>
+                                          </p:stCondLst>
+                                        </p:cTn>
+                                        <p:tgtEl>
+                                          <p:spTgt spid="5">
+                                            <p:txEl>
+                                              <p:pRg st="1" end="1"/>
+                                            </p:txEl>
+                                          </p:spTgt>
+                                        </p:tgtEl>
+                                        <p:attrNameLst>
+                                          <p:attrName>style.visibility</p:attrName>
+                                        </p:attrNameLst>
+                                      </p:cBhvr>
+                                      <p:to>
+                                        <p:strVal val="visible"/>
+                                      </p:to>
+                                    </p:set>
+                                  </p:childTnLst>
+                                </p:cTn>
+                              </p:par>
+                            </p:childTnLst>
+                          </p:cTn>
+                        </p:par>
+                      </p:childTnLst>
+                    </p:cTn>
+                  </p:par>
+                  <p:par>
+                    <p:cTn id="13" fill="hold">
+                      <p:stCondLst>
+                        <p:cond delay="indefinite"/>
+                      </p:stCondLst>
+                      <p:childTnLst>
+                        <p:par>
+                          <p:cTn id="14" fill="hold">
+                            <p:stCondLst>
+                              <p:cond delay="0"/>
+                            </p:stCondLst>
+                            <p:childTnLst>
+                              <p:par>
+                                <p:cTn id="15" presetID="1" presetClass="entr" presetSubtype="0" fill="hold" nodeType="clickEffect">
+                                  <p:stCondLst>
+                                    <p:cond delay="0"/>
+                                  </p:stCondLst>
+                                  <p:childTnLst>
+                                    <p:set>
+                                      <p:cBhvr>
+                                        <p:cTn id="16" dur="1" fill="hold">
+                                          <p:stCondLst>
+                                            <p:cond delay="0"/>
+                                          </p:stCondLst>
+                                        </p:cTn>
+                                        <p:tgtEl>
+                                          <p:spTgt spid="7"/>
+                                        </p:tgtEl>
+                                        <p:attrNameLst>
+                                          <p:attrName>style.visibility</p:attrName>
+                                        </p:attrNameLst>
+                                      </p:cBhvr>
+                                      <p:to>
+                                        <p:strVal val="visible"/>
+                                      </p:to>
+                                    </p:set>
+                                  </p:childTnLst>
+                                </p:cTn>
+                              </p:par>
+                            </p:childTnLst>
+                          </p:cTn>
+                        </p:par>
+                      </p:childTnLst>
+                    </p:cTn>
+                  </p:par>
+                  <p:par>
+                    <p:cTn id="17" fill="hold">
+                      <p:stCondLst>
+                        <p:cond delay="indefinite"/>
+                      </p:stCondLst>
+                      <p:childTnLst>
+                        <p:par>
+                          <p:cTn id="18" fill="hold">
+                            <p:stCondLst>
+                              <p:cond delay="0"/>
+                            </p:stCondLst>
+                            <p:childTnLst>
+                              <p:par>
+                                <p:cTn id="19" presetID="1" presetClass="entr" presetSubtype="0" fill="hold" nodeType="clickEffect">
+                                  <p:stCondLst>
+                                    <p:cond delay="0"/>
+                                  </p:stCondLst>
+                                  <p:childTnLst>
+                                    <p:set>
+                                      <p:cBhvr>
+                                        <p:cTn id="20" dur="1" fill="hold">
+                                          <p:stCondLst>
+                                            <p:cond delay="0"/>
+                                          </p:stCondLst>
+                                        </p:cTn>
+                                        <p:tgtEl>
+                                          <p:spTgt spid="5">
+                                            <p:txEl>
+                                              <p:pRg st="2" end="2"/>
+                                            </p:txEl>
+                                          </p:spTgt>
+                                        </p:tgtEl>
+                                        <p:attrNameLst>
+                                          <p:attrName>style.visibility</p:attrName>
+                                        </p:attrNameLst>
+                                      </p:cBhvr>
+                                      <p:to>
+                                        <p:strVal val="visible"/>
+                                      </p:to>
+                                    </p:set>
+                                  </p:childTnLst>
+                                </p:cTn>
+                              </p:par>
+                              <p:par>
+                                <p:cTn id="21" presetID="1" presetClass="entr" presetSubtype="0" fill="hold" nodeType="withEffect">
+                                  <p:stCondLst>
+                                    <p:cond delay="0"/>
+                                  </p:stCondLst>
+                                  <p:childTnLst>
+                                    <p:set>
+                                      <p:cBhvr>
+                                        <p:cTn id="22" dur="1" fill="hold">
+                                          <p:stCondLst>
+                                            <p:cond delay="0"/>
+                                          </p:stCondLst>
+                                        </p:cTn>
+                                        <p:tgtEl>
+                                          <p:spTgt spid="5">
+                                            <p:txEl>
+                                              <p:pRg st="3" end="3"/>
+                                            </p:txEl>
+                                          </p:spTgt>
+                                        </p:tgtEl>
+                                        <p:attrNameLst>
+                                          <p:attrName>style.visibility</p:attrName>
+                                        </p:attrNameLst>
+                                      </p:cBhvr>
+                                      <p:to>
+                                        <p:strVal val="visible"/>
+                                      </p:to>
+                                    </p:set>
+                                  </p:childTnLst>
+                                </p:cTn>
+                              </p:par>
+                            </p:childTnLst>
+                          </p:cTn>
+                        </p:par>
+                      </p:childTnLst>
+                    </p:cTn>
+                  </p:par>
+                  <p:par>
+                    <p:cTn id="23" fill="hold">
+                      <p:stCondLst>
+                        <p:cond delay="indefinite"/>
+                      </p:stCondLst>
+                      <p:childTnLst>
+                        <p:par>
+                          <p:cTn id="24" fill="hold">
+                            <p:stCondLst>
+                              <p:cond delay="0"/>
+                            </p:stCondLst>
+                            <p:childTnLst>
+                              <p:par>
+                                <p:cTn id="25" presetID="1" presetClass="entr" presetSubtype="0" fill="hold" nodeType="clickEffect">
+                                  <p:stCondLst>
+                                    <p:cond delay="0"/>
+                                  </p:stCondLst>
+                                  <p:childTnLst>
+                                    <p:set>
+                                      <p:cBhvr>
+                                        <p:cTn id="26" dur="1" fill="hold">
+                                          <p:stCondLst>
+                                            <p:cond delay="0"/>
+                                          </p:stCondLst>
+                                        </p:cTn>
+                                        <p:tgtEl>
+                                          <p:spTgt spid="6"/>
+                                        </p:tgtEl>
+                                        <p:attrNameLst>
+                                          <p:attrName>style.visibility</p:attrName>
+                                        </p:attrNameLst>
+                                      </p:cBhvr>
+                                      <p:to>
+                                        <p:strVal val="visible"/>
+                                      </p:to>
+                                    </p:set>
+                                  </p:childTnLst>
+                                </p:cTn>
+                              </p:par>
+                            </p:childTnLst>
+                          </p:cTn>
+                        </p:par>
+                      </p:childTnLst>
+                    </p:cTn>
+                  </p:par>
+                  <p:par>
+                    <p:cTn id="27" fill="hold">
+                      <p:stCondLst>
+                        <p:cond delay="indefinite"/>
+                      </p:stCondLst>
+                      <p:childTnLst>
+                        <p:par>
+                          <p:cTn id="28" fill="hold">
+                            <p:stCondLst>
+                              <p:cond delay="0"/>
+                            </p:stCondLst>
+                            <p:childTnLst>
+                              <p:par>
+                                <p:cTn id="29" presetID="1" presetClass="entr" presetSubtype="0" fill="hold" nodeType="clickEffect">
+                                  <p:stCondLst>
+                                    <p:cond delay="0"/>
+                                  </p:stCondLst>
+                                  <p:childTnLst>
+                                    <p:set>
+                                      <p:cBhvr>
+                                        <p:cTn id="30" dur="1" fill="hold">
+                                          <p:stCondLst>
+                                            <p:cond delay="0"/>
+                                          </p:stCondLst>
+                                        </p:cTn>
+                                        <p:tgtEl>
+                                          <p:spTgt spid="5">
+                                            <p:txEl>
+                                              <p:pRg st="4" end="4"/>
+                                            </p:txEl>
+                                          </p:spTgt>
+                                        </p:tgtEl>
+                                        <p:attrNameLst>
+                                          <p:attrName>style.visibility</p:attrName>
+                                        </p:attrNameLst>
+                                      </p:cBhvr>
+                                      <p:to>
+                                        <p:strVal val="visible"/>
+                                      </p:to>
+                                    </p:set>
+                                  </p:childTnLst>
+                                </p:cTn>
+                              </p:par>
+                            </p:childTnLst>
+                          </p:cTn>
+                        </p:par>
+                      </p:childTnLst>
+                    </p:cTn>
+                  </p:par>
+                  <p:par>
+                    <p:cTn id="31" fill="hold">
+                      <p:stCondLst>
+                        <p:cond delay="indefinite"/>
+                      </p:stCondLst>
+                      <p:childTnLst>
+                        <p:par>
+                          <p:cTn id="32" fill="hold">
+                            <p:stCondLst>
+                              <p:cond delay="0"/>
+                            </p:stCondLst>
+                            <p:childTnLst>
+                              <p:par>
+                                <p:cTn id="33" presetID="1" presetClass="entr" presetSubtype="0" fill="hold" nodeType="clickEffect">
+                                  <p:stCondLst>
+                                    <p:cond delay="0"/>
+                                  </p:stCondLst>
+                                  <p:childTnLst>
+                                    <p:set>
+                                      <p:cBhvr>
+                                        <p:cTn id="34" dur="1" fill="hold">
+                                          <p:stCondLst>
+                                            <p:cond delay="0"/>
+                                          </p:stCondLst>
+                                        </p:cTn>
+                                        <p:tgtEl>
+                                          <p:spTgt spid="5">
+                                            <p:txEl>
+                                              <p:pRg st="5" end="5"/>
+                                            </p:txEl>
+                                          </p:spTgt>
+                                        </p:tgtEl>
+                                        <p:attrNameLst>
+                                          <p:attrName>style.visibility</p:attrName>
+                                        </p:attrNameLst>
+                                      </p:cBhvr>
+                                      <p:to>
+                                        <p:strVal val="visible"/>
+                                      </p:to>
+                                    </p:set>
+                                  </p:childTnLst>
+                                </p:cTn>
+                              </p:par>
+                            </p:childTnLst>
+                          </p:cTn>
+                        </p:par>
+                      </p:childTnLst>
+                    </p:cTn>
+                  </p:par>
+                </p:childTnLst>
+              </p:cTn>
+              <p:prevCondLst>
+                <p:cond evt="onPrev" delay="0">
+                  <p:tgtEl>
+                    <p:sldTgt/>
+                  </p:tgtEl>
+                </p:cond>
+              </p:prevCondLst>
+              <p:nextCondLst>
+                <p:cond evt="onNext" delay="0">
+                  <p:tgtEl>
+                    <p:sldTgt/>
+                  </p:tgtEl>
+                </p:cond>
+              </p:nextCondLst>
+            </p:seq>
+          </p:childTnLst>
+        </p:cTn>
       </p:par>
     </p:tnLst>
+    <p:bldLst>
+      <p:bldP spid="4" grpId="0"/>
+    </p:bldLst>
   </p:timing>
 </p:sld>
 </file>
@@ -3630,8 +7005,8 @@
         </p:nvSpPr>
         <p:spPr>
           <a:xfrm>
-            <a:off x="1190625" y="1684339"/>
-            <a:ext cx="9867899" cy="2163762"/>
+            <a:off x="2085975" y="1264229"/>
+            <a:ext cx="8077200" cy="2163762"/>
           </a:xfrm>
         </p:spPr>
         <p:txBody>
@@ -3639,10 +7014,17 @@
           <a:lstStyle/>
           <a:p>
             <a:r>
-              <a:rPr lang="en-IN" dirty="0" smtClean="0"/>
-              <a:t>4. Documentation using Sphinx</a:t>
-            </a:r>
-            <a:endParaRPr lang="en-IN" dirty="0"/>
+              <a:rPr lang="en-IN" dirty="0"/>
+              <a:t>2. </a:t>
+            </a:r>
+            <a:r>
+              <a:rPr lang="en-IN" dirty="0" err="1"/>
+              <a:t>Alicebot</a:t>
+            </a:r>
+            <a:r>
+              <a:rPr lang="en-IN" dirty="0"/>
+              <a:t> and AIML</a:t>
+            </a:r>
           </a:p>
         </p:txBody>
       </p:sp>
@@ -3658,7 +7040,7 @@
         </p:nvSpPr>
         <p:spPr>
           <a:xfrm>
-            <a:off x="4153007" y="4057651"/>
+            <a:off x="4124432" y="3437904"/>
             <a:ext cx="3943136" cy="428625"/>
           </a:xfrm>
         </p:spPr>
@@ -3669,7 +7051,7 @@
           <a:lstStyle/>
           <a:p>
             <a:r>
-              <a:rPr lang="en-IN" sz="2000" dirty="0" smtClean="0">
+              <a:rPr lang="en-IN" sz="2800" dirty="0" err="1">
                 <a:solidFill>
                   <a:schemeClr val="bg1">
                     <a:lumMod val="65000"/>
@@ -3677,24 +7059,1038 @@
                   </a:schemeClr>
                 </a:solidFill>
               </a:rPr>
-              <a:t>Sumitra Chowdhury</a:t>
-            </a:r>
-            <a:endParaRPr lang="en-IN" sz="2000" dirty="0">
-              <a:solidFill>
-                <a:schemeClr val="bg1">
-                  <a:lumMod val="65000"/>
-                  <a:lumOff val="35000"/>
-                </a:schemeClr>
-              </a:solidFill>
-            </a:endParaRPr>
+              <a:t>Rohit</a:t>
+            </a:r>
+            <a:r>
+              <a:rPr lang="en-IN" sz="2800" dirty="0">
+                <a:solidFill>
+                  <a:schemeClr val="bg1">
+                    <a:lumMod val="65000"/>
+                    <a:lumOff val="35000"/>
+                  </a:schemeClr>
+                </a:solidFill>
+              </a:rPr>
+              <a:t> Das</a:t>
+            </a:r>
+          </a:p>
+        </p:txBody>
+      </p:sp>
+      <p:grpSp>
+        <p:nvGrpSpPr>
+          <p:cNvPr id="6" name="Group 5">
+            <a:extLst>
+              <a:ext uri="{FF2B5EF4-FFF2-40B4-BE49-F238E27FC236}">
+                <a16:creationId xmlns:a16="http://schemas.microsoft.com/office/drawing/2014/main" id="{EF1ECEAD-4FD5-421C-8CA9-FFFE1EC9A33F}"/>
+              </a:ext>
+            </a:extLst>
+          </p:cNvPr>
+          <p:cNvGrpSpPr/>
+          <p:nvPr/>
+        </p:nvGrpSpPr>
+        <p:grpSpPr>
+          <a:xfrm>
+            <a:off x="4695950" y="3991790"/>
+            <a:ext cx="2800099" cy="799975"/>
+            <a:chOff x="4524626" y="4648202"/>
+            <a:chExt cx="2800099" cy="799975"/>
+          </a:xfrm>
+        </p:grpSpPr>
+        <p:pic>
+          <p:nvPicPr>
+            <p:cNvPr id="4" name="Picture 3"/>
+            <p:cNvPicPr>
+              <a:picLocks noChangeAspect="1"/>
+            </p:cNvPicPr>
+            <p:nvPr/>
+          </p:nvPicPr>
+          <p:blipFill>
+            <a:blip r:embed="rId2">
+              <a:extLst>
+                <a:ext uri="{28A0092B-C50C-407E-A947-70E740481C1C}">
+                  <a14:useLocalDpi xmlns:a14="http://schemas.microsoft.com/office/drawing/2010/main" val="0"/>
+                </a:ext>
+              </a:extLst>
+            </a:blip>
+            <a:stretch>
+              <a:fillRect/>
+            </a:stretch>
+          </p:blipFill>
+          <p:spPr>
+            <a:xfrm>
+              <a:off x="4524626" y="4648202"/>
+              <a:ext cx="1599949" cy="799975"/>
+            </a:xfrm>
+            <a:prstGeom prst="rect">
+              <a:avLst/>
+            </a:prstGeom>
+          </p:spPr>
+        </p:pic>
+        <p:sp>
+          <p:nvSpPr>
+            <p:cNvPr id="5" name="TextBox 4"/>
+            <p:cNvSpPr txBox="1"/>
+            <p:nvPr/>
+          </p:nvSpPr>
+          <p:spPr>
+            <a:xfrm>
+              <a:off x="5495925" y="4863523"/>
+              <a:ext cx="1828800" cy="400110"/>
+            </a:xfrm>
+            <a:prstGeom prst="rect">
+              <a:avLst/>
+            </a:prstGeom>
+            <a:noFill/>
+          </p:spPr>
+          <p:txBody>
+            <a:bodyPr wrap="square" rtlCol="0">
+              <a:spAutoFit/>
+            </a:bodyPr>
+            <a:lstStyle/>
+            <a:p>
+              <a:r>
+                <a:rPr lang="en-IN" sz="2000" dirty="0"/>
+                <a:t>/mouri11</a:t>
+              </a:r>
+            </a:p>
+          </p:txBody>
+        </p:sp>
+      </p:grpSp>
+    </p:spTree>
+    <p:extLst>
+      <p:ext uri="{BB962C8B-B14F-4D97-AF65-F5344CB8AC3E}">
+        <p14:creationId xmlns:p14="http://schemas.microsoft.com/office/powerpoint/2010/main" val="2129206307"/>
+      </p:ext>
+    </p:extLst>
+  </p:cSld>
+  <p:clrMapOvr>
+    <a:masterClrMapping/>
+  </p:clrMapOvr>
+</p:sld>
+</file>
+
+<file path=ppt/slides/slide14.xml><?xml version="1.0" encoding="utf-8"?>
+<p:sld xmlns:a="http://schemas.openxmlformats.org/drawingml/2006/main" xmlns:r="http://schemas.openxmlformats.org/officeDocument/2006/relationships" xmlns:p="http://schemas.openxmlformats.org/presentationml/2006/main">
+  <p:cSld>
+    <p:spTree>
+      <p:nvGrpSpPr>
+        <p:cNvPr id="1" name=""/>
+        <p:cNvGrpSpPr/>
+        <p:nvPr/>
+      </p:nvGrpSpPr>
+      <p:grpSpPr>
+        <a:xfrm>
+          <a:off x="0" y="0"/>
+          <a:ext cx="0" cy="0"/>
+          <a:chOff x="0" y="0"/>
+          <a:chExt cx="0" cy="0"/>
+        </a:xfrm>
+      </p:grpSpPr>
+      <p:sp>
+        <p:nvSpPr>
+          <p:cNvPr id="4" name="Title 1">
+            <a:extLst>
+              <a:ext uri="{FF2B5EF4-FFF2-40B4-BE49-F238E27FC236}">
+                <a16:creationId xmlns:a16="http://schemas.microsoft.com/office/drawing/2014/main" id="{DFA1592A-12AA-41B0-9B39-464024AB789C}"/>
+              </a:ext>
+            </a:extLst>
+          </p:cNvPr>
+          <p:cNvSpPr>
+            <a:spLocks noGrp="1"/>
+          </p:cNvSpPr>
+          <p:nvPr>
+            <p:ph type="title"/>
+          </p:nvPr>
+        </p:nvSpPr>
+        <p:spPr>
+          <a:xfrm>
+            <a:off x="863323" y="586823"/>
+            <a:ext cx="9905998" cy="1478570"/>
+          </a:xfrm>
+        </p:spPr>
+        <p:txBody>
+          <a:bodyPr/>
+          <a:lstStyle/>
+          <a:p>
+            <a:r>
+              <a:rPr lang="en-IN" dirty="0"/>
+              <a:t>Android and A. L. I. C. E.</a:t>
+            </a:r>
           </a:p>
         </p:txBody>
       </p:sp>
       <p:pic>
         <p:nvPicPr>
-          <p:cNvPr id="5" name="Picture 4"/>
+          <p:cNvPr id="5" name="Picture 2" descr="Image result for android">
+            <a:extLst>
+              <a:ext uri="{FF2B5EF4-FFF2-40B4-BE49-F238E27FC236}">
+                <a16:creationId xmlns:a16="http://schemas.microsoft.com/office/drawing/2014/main" id="{B9537F49-8CA5-4D0E-8E30-4C3DBD384297}"/>
+              </a:ext>
+            </a:extLst>
+          </p:cNvPr>
           <p:cNvPicPr>
-            <a:picLocks noChangeAspect="1"/>
+            <a:picLocks noChangeAspect="1" noChangeArrowheads="1"/>
+          </p:cNvPicPr>
+          <p:nvPr/>
+        </p:nvPicPr>
+        <p:blipFill>
+          <a:blip r:embed="rId2">
+            <a:extLst>
+              <a:ext uri="{BEBA8EAE-BF5A-486C-A8C5-ECC9F3942E4B}">
+                <a14:imgProps xmlns:a14="http://schemas.microsoft.com/office/drawing/2010/main">
+                  <a14:imgLayer r:embed="rId3">
+                    <a14:imgEffect>
+                      <a14:saturation sat="300000"/>
+                    </a14:imgEffect>
+                  </a14:imgLayer>
+                </a14:imgProps>
+              </a:ext>
+              <a:ext uri="{28A0092B-C50C-407E-A947-70E740481C1C}">
+                <a14:useLocalDpi xmlns:a14="http://schemas.microsoft.com/office/drawing/2010/main" val="0"/>
+              </a:ext>
+            </a:extLst>
+          </a:blip>
+          <a:srcRect/>
+          <a:stretch>
+            <a:fillRect/>
+          </a:stretch>
+        </p:blipFill>
+        <p:spPr bwMode="auto">
+          <a:xfrm rot="7633179">
+            <a:off x="7130806" y="1310104"/>
+            <a:ext cx="1550311" cy="1550311"/>
+          </a:xfrm>
+          <a:prstGeom prst="rect">
+            <a:avLst/>
+          </a:prstGeom>
+          <a:noFill/>
+          <a:extLst>
+            <a:ext uri="{909E8E84-426E-40DD-AFC4-6F175D3DCCD1}">
+              <a14:hiddenFill xmlns:a14="http://schemas.microsoft.com/office/drawing/2010/main">
+                <a:solidFill>
+                  <a:srgbClr val="FFFFFF"/>
+                </a:solidFill>
+              </a14:hiddenFill>
+            </a:ext>
+          </a:extLst>
+        </p:spPr>
+      </p:pic>
+      <p:pic>
+        <p:nvPicPr>
+          <p:cNvPr id="6" name="Picture 4" descr="http://www.alicebot.org/graphics/logo.png">
+            <a:extLst>
+              <a:ext uri="{FF2B5EF4-FFF2-40B4-BE49-F238E27FC236}">
+                <a16:creationId xmlns:a16="http://schemas.microsoft.com/office/drawing/2014/main" id="{C4D0D45E-47B4-4332-9EAD-BF1602F67B44}"/>
+              </a:ext>
+            </a:extLst>
+          </p:cNvPr>
+          <p:cNvPicPr>
+            <a:picLocks noChangeAspect="1" noChangeArrowheads="1"/>
+          </p:cNvPicPr>
+          <p:nvPr/>
+        </p:nvPicPr>
+        <p:blipFill>
+          <a:blip r:embed="rId4" cstate="print">
+            <a:extLst>
+              <a:ext uri="{28A0092B-C50C-407E-A947-70E740481C1C}">
+                <a14:useLocalDpi xmlns:a14="http://schemas.microsoft.com/office/drawing/2010/main" val="0"/>
+              </a:ext>
+            </a:extLst>
+          </a:blip>
+          <a:srcRect/>
+          <a:stretch>
+            <a:fillRect/>
+          </a:stretch>
+        </p:blipFill>
+        <p:spPr bwMode="auto">
+          <a:xfrm rot="19666804">
+            <a:off x="8294405" y="3033250"/>
+            <a:ext cx="1306693" cy="1306693"/>
+          </a:xfrm>
+          <a:prstGeom prst="rect">
+            <a:avLst/>
+          </a:prstGeom>
+          <a:noFill/>
+          <a:extLst>
+            <a:ext uri="{909E8E84-426E-40DD-AFC4-6F175D3DCCD1}">
+              <a14:hiddenFill xmlns:a14="http://schemas.microsoft.com/office/drawing/2010/main">
+                <a:solidFill>
+                  <a:srgbClr val="FFFFFF"/>
+                </a:solidFill>
+              </a14:hiddenFill>
+            </a:ext>
+          </a:extLst>
+        </p:spPr>
+      </p:pic>
+      <p:pic>
+        <p:nvPicPr>
+          <p:cNvPr id="7" name="Picture 6" descr="Image result for coding">
+            <a:extLst>
+              <a:ext uri="{FF2B5EF4-FFF2-40B4-BE49-F238E27FC236}">
+                <a16:creationId xmlns:a16="http://schemas.microsoft.com/office/drawing/2014/main" id="{1C8FF789-52C3-48C9-B897-A810BC2F8925}"/>
+              </a:ext>
+            </a:extLst>
+          </p:cNvPr>
+          <p:cNvPicPr>
+            <a:picLocks noChangeAspect="1" noChangeArrowheads="1"/>
+          </p:cNvPicPr>
+          <p:nvPr/>
+        </p:nvPicPr>
+        <p:blipFill>
+          <a:blip r:embed="rId5" cstate="print">
+            <a:extLst>
+              <a:ext uri="{28A0092B-C50C-407E-A947-70E740481C1C}">
+                <a14:useLocalDpi xmlns:a14="http://schemas.microsoft.com/office/drawing/2010/main" val="0"/>
+              </a:ext>
+            </a:extLst>
+          </a:blip>
+          <a:srcRect/>
+          <a:stretch>
+            <a:fillRect/>
+          </a:stretch>
+        </p:blipFill>
+        <p:spPr bwMode="auto">
+          <a:xfrm rot="17526520">
+            <a:off x="9208760" y="1409343"/>
+            <a:ext cx="1430839" cy="1430839"/>
+          </a:xfrm>
+          <a:prstGeom prst="rect">
+            <a:avLst/>
+          </a:prstGeom>
+          <a:noFill/>
+          <a:extLst>
+            <a:ext uri="{909E8E84-426E-40DD-AFC4-6F175D3DCCD1}">
+              <a14:hiddenFill xmlns:a14="http://schemas.microsoft.com/office/drawing/2010/main">
+                <a:solidFill>
+                  <a:srgbClr val="FFFFFF"/>
+                </a:solidFill>
+              </a14:hiddenFill>
+            </a:ext>
+          </a:extLst>
+        </p:spPr>
+      </p:pic>
+      <p:graphicFrame>
+        <p:nvGraphicFramePr>
+          <p:cNvPr id="8" name="Diagram 7">
+            <a:extLst>
+              <a:ext uri="{FF2B5EF4-FFF2-40B4-BE49-F238E27FC236}">
+                <a16:creationId xmlns:a16="http://schemas.microsoft.com/office/drawing/2014/main" id="{B0BFB1B8-727E-4800-BB22-B5E71B9D62DD}"/>
+              </a:ext>
+            </a:extLst>
+          </p:cNvPr>
+          <p:cNvGraphicFramePr/>
+          <p:nvPr>
+            <p:extLst>
+              <p:ext uri="{D42A27DB-BD31-4B8C-83A1-F6EECF244321}">
+                <p14:modId xmlns:p14="http://schemas.microsoft.com/office/powerpoint/2010/main" val="2010483071"/>
+              </p:ext>
+            </p:extLst>
+          </p:nvPr>
+        </p:nvGraphicFramePr>
+        <p:xfrm>
+          <a:off x="3237282" y="852510"/>
+          <a:ext cx="8128000" cy="5418667"/>
+        </p:xfrm>
+        <a:graphic>
+          <a:graphicData uri="http://schemas.openxmlformats.org/drawingml/2006/diagram">
+            <dgm:relIds xmlns:dgm="http://schemas.openxmlformats.org/drawingml/2006/diagram" xmlns:r="http://schemas.openxmlformats.org/officeDocument/2006/relationships" r:dm="rId6" r:lo="rId7" r:qs="rId8" r:cs="rId9"/>
+          </a:graphicData>
+        </a:graphic>
+      </p:graphicFrame>
+      <p:sp>
+        <p:nvSpPr>
+          <p:cNvPr id="9" name="TextBox 8">
+            <a:extLst>
+              <a:ext uri="{FF2B5EF4-FFF2-40B4-BE49-F238E27FC236}">
+                <a16:creationId xmlns:a16="http://schemas.microsoft.com/office/drawing/2014/main" id="{0EE1EC7B-F5FE-4D50-8714-EA73A22DEB2E}"/>
+              </a:ext>
+            </a:extLst>
+          </p:cNvPr>
+          <p:cNvSpPr txBox="1"/>
+          <p:nvPr/>
+        </p:nvSpPr>
+        <p:spPr>
+          <a:xfrm>
+            <a:off x="1141413" y="1841500"/>
+            <a:ext cx="5341270" cy="3847207"/>
+          </a:xfrm>
+          <a:prstGeom prst="rect">
+            <a:avLst/>
+          </a:prstGeom>
+          <a:noFill/>
+        </p:spPr>
+        <p:txBody>
+          <a:bodyPr wrap="square" rtlCol="0">
+            <a:spAutoFit/>
+          </a:bodyPr>
+          <a:lstStyle/>
+          <a:p>
+            <a:pPr marL="457200" indent="-457200">
+              <a:buFont typeface="Arial" panose="020B0604020202020204" pitchFamily="34" charset="0"/>
+              <a:buChar char="•"/>
+            </a:pPr>
+            <a:r>
+              <a:rPr lang="en-IN" sz="2800" dirty="0"/>
+              <a:t>AIRYL (AI Reads Your Letters) is an amalgam of the finesse and flexibility of the Android platform and the prowess and versatility of A. L. I. C. E.</a:t>
+            </a:r>
+          </a:p>
+          <a:p>
+            <a:pPr marL="457200" indent="-457200">
+              <a:buFont typeface="Arial" panose="020B0604020202020204" pitchFamily="34" charset="0"/>
+              <a:buChar char="•"/>
+            </a:pPr>
+            <a:r>
+              <a:rPr lang="en-IN" sz="2800" dirty="0"/>
+              <a:t>AIML (Artificial Intelligence </a:t>
+            </a:r>
+            <a:r>
+              <a:rPr lang="en-IN" sz="2800" dirty="0" err="1"/>
+              <a:t>Markup</a:t>
+            </a:r>
+            <a:r>
+              <a:rPr lang="en-IN" sz="2800" dirty="0"/>
+              <a:t> Language) is used in </a:t>
+            </a:r>
+          </a:p>
+          <a:p>
+            <a:r>
+              <a:rPr lang="en-IN" sz="2800" dirty="0"/>
+              <a:t>      A. L. I. C. E.</a:t>
+            </a:r>
+          </a:p>
+          <a:p>
+            <a:r>
+              <a:rPr lang="en-IN" sz="2000" dirty="0"/>
+              <a:t>      </a:t>
+            </a:r>
+          </a:p>
+        </p:txBody>
+      </p:sp>
+    </p:spTree>
+    <p:extLst>
+      <p:ext uri="{BB962C8B-B14F-4D97-AF65-F5344CB8AC3E}">
+        <p14:creationId xmlns:p14="http://schemas.microsoft.com/office/powerpoint/2010/main" val="2808413990"/>
+      </p:ext>
+    </p:extLst>
+  </p:cSld>
+  <p:clrMapOvr>
+    <a:masterClrMapping/>
+  </p:clrMapOvr>
+  <p:timing>
+    <p:tnLst>
+      <p:par>
+        <p:cTn id="1" dur="indefinite" restart="never" nodeType="tmRoot">
+          <p:childTnLst>
+            <p:seq concurrent="1" nextAc="seek">
+              <p:cTn id="2" dur="indefinite" nodeType="mainSeq">
+                <p:childTnLst>
+                  <p:par>
+                    <p:cTn id="3" fill="hold">
+                      <p:stCondLst>
+                        <p:cond delay="indefinite"/>
+                      </p:stCondLst>
+                      <p:childTnLst>
+                        <p:par>
+                          <p:cTn id="4" fill="hold">
+                            <p:stCondLst>
+                              <p:cond delay="0"/>
+                            </p:stCondLst>
+                            <p:childTnLst>
+                              <p:par>
+                                <p:cTn id="5" presetID="1" presetClass="entr" presetSubtype="0" fill="hold" grpId="0" nodeType="clickEffect">
+                                  <p:stCondLst>
+                                    <p:cond delay="0"/>
+                                  </p:stCondLst>
+                                  <p:childTnLst>
+                                    <p:set>
+                                      <p:cBhvr>
+                                        <p:cTn id="6" dur="1" fill="hold">
+                                          <p:stCondLst>
+                                            <p:cond delay="0"/>
+                                          </p:stCondLst>
+                                        </p:cTn>
+                                        <p:tgtEl>
+                                          <p:spTgt spid="4"/>
+                                        </p:tgtEl>
+                                        <p:attrNameLst>
+                                          <p:attrName>style.visibility</p:attrName>
+                                        </p:attrNameLst>
+                                      </p:cBhvr>
+                                      <p:to>
+                                        <p:strVal val="visible"/>
+                                      </p:to>
+                                    </p:set>
+                                  </p:childTnLst>
+                                </p:cTn>
+                              </p:par>
+                            </p:childTnLst>
+                          </p:cTn>
+                        </p:par>
+                      </p:childTnLst>
+                    </p:cTn>
+                  </p:par>
+                  <p:par>
+                    <p:cTn id="7" fill="hold">
+                      <p:stCondLst>
+                        <p:cond delay="indefinite"/>
+                      </p:stCondLst>
+                      <p:childTnLst>
+                        <p:par>
+                          <p:cTn id="8" fill="hold">
+                            <p:stCondLst>
+                              <p:cond delay="0"/>
+                            </p:stCondLst>
+                            <p:childTnLst>
+                              <p:par>
+                                <p:cTn id="9" presetID="1" presetClass="entr" presetSubtype="0" fill="hold" nodeType="clickEffect">
+                                  <p:stCondLst>
+                                    <p:cond delay="0"/>
+                                  </p:stCondLst>
+                                  <p:childTnLst>
+                                    <p:set>
+                                      <p:cBhvr>
+                                        <p:cTn id="10" dur="1" fill="hold">
+                                          <p:stCondLst>
+                                            <p:cond delay="0"/>
+                                          </p:stCondLst>
+                                        </p:cTn>
+                                        <p:tgtEl>
+                                          <p:spTgt spid="9">
+                                            <p:txEl>
+                                              <p:pRg st="0" end="0"/>
+                                            </p:txEl>
+                                          </p:spTgt>
+                                        </p:tgtEl>
+                                        <p:attrNameLst>
+                                          <p:attrName>style.visibility</p:attrName>
+                                        </p:attrNameLst>
+                                      </p:cBhvr>
+                                      <p:to>
+                                        <p:strVal val="visible"/>
+                                      </p:to>
+                                    </p:set>
+                                  </p:childTnLst>
+                                </p:cTn>
+                              </p:par>
+                            </p:childTnLst>
+                          </p:cTn>
+                        </p:par>
+                      </p:childTnLst>
+                    </p:cTn>
+                  </p:par>
+                  <p:par>
+                    <p:cTn id="11" fill="hold">
+                      <p:stCondLst>
+                        <p:cond delay="indefinite"/>
+                      </p:stCondLst>
+                      <p:childTnLst>
+                        <p:par>
+                          <p:cTn id="12" fill="hold">
+                            <p:stCondLst>
+                              <p:cond delay="0"/>
+                            </p:stCondLst>
+                            <p:childTnLst>
+                              <p:par>
+                                <p:cTn id="13" presetID="1" presetClass="entr" presetSubtype="0" fill="hold" grpId="0" nodeType="clickEffect">
+                                  <p:stCondLst>
+                                    <p:cond delay="0"/>
+                                  </p:stCondLst>
+                                  <p:childTnLst>
+                                    <p:set>
+                                      <p:cBhvr>
+                                        <p:cTn id="14" dur="1" fill="hold">
+                                          <p:stCondLst>
+                                            <p:cond delay="0"/>
+                                          </p:stCondLst>
+                                        </p:cTn>
+                                        <p:tgtEl>
+                                          <p:spTgt spid="8"/>
+                                        </p:tgtEl>
+                                        <p:attrNameLst>
+                                          <p:attrName>style.visibility</p:attrName>
+                                        </p:attrNameLst>
+                                      </p:cBhvr>
+                                      <p:to>
+                                        <p:strVal val="visible"/>
+                                      </p:to>
+                                    </p:set>
+                                  </p:childTnLst>
+                                </p:cTn>
+                              </p:par>
+                            </p:childTnLst>
+                          </p:cTn>
+                        </p:par>
+                      </p:childTnLst>
+                    </p:cTn>
+                  </p:par>
+                  <p:par>
+                    <p:cTn id="15" fill="hold">
+                      <p:stCondLst>
+                        <p:cond delay="indefinite"/>
+                      </p:stCondLst>
+                      <p:childTnLst>
+                        <p:par>
+                          <p:cTn id="16" fill="hold">
+                            <p:stCondLst>
+                              <p:cond delay="0"/>
+                            </p:stCondLst>
+                            <p:childTnLst>
+                              <p:par>
+                                <p:cTn id="17" presetID="2" presetClass="entr" presetSubtype="1" fill="hold" nodeType="clickEffect">
+                                  <p:stCondLst>
+                                    <p:cond delay="0"/>
+                                  </p:stCondLst>
+                                  <p:childTnLst>
+                                    <p:set>
+                                      <p:cBhvr>
+                                        <p:cTn id="18" dur="1" fill="hold">
+                                          <p:stCondLst>
+                                            <p:cond delay="0"/>
+                                          </p:stCondLst>
+                                        </p:cTn>
+                                        <p:tgtEl>
+                                          <p:spTgt spid="5"/>
+                                        </p:tgtEl>
+                                        <p:attrNameLst>
+                                          <p:attrName>style.visibility</p:attrName>
+                                        </p:attrNameLst>
+                                      </p:cBhvr>
+                                      <p:to>
+                                        <p:strVal val="visible"/>
+                                      </p:to>
+                                    </p:set>
+                                    <p:anim calcmode="lin" valueType="num">
+                                      <p:cBhvr additive="base">
+                                        <p:cTn id="19" dur="500" fill="hold"/>
+                                        <p:tgtEl>
+                                          <p:spTgt spid="5"/>
+                                        </p:tgtEl>
+                                        <p:attrNameLst>
+                                          <p:attrName>ppt_x</p:attrName>
+                                        </p:attrNameLst>
+                                      </p:cBhvr>
+                                      <p:tavLst>
+                                        <p:tav tm="0">
+                                          <p:val>
+                                            <p:strVal val="#ppt_x"/>
+                                          </p:val>
+                                        </p:tav>
+                                        <p:tav tm="100000">
+                                          <p:val>
+                                            <p:strVal val="#ppt_x"/>
+                                          </p:val>
+                                        </p:tav>
+                                      </p:tavLst>
+                                    </p:anim>
+                                    <p:anim calcmode="lin" valueType="num">
+                                      <p:cBhvr additive="base">
+                                        <p:cTn id="20" dur="500" fill="hold"/>
+                                        <p:tgtEl>
+                                          <p:spTgt spid="5"/>
+                                        </p:tgtEl>
+                                        <p:attrNameLst>
+                                          <p:attrName>ppt_y</p:attrName>
+                                        </p:attrNameLst>
+                                      </p:cBhvr>
+                                      <p:tavLst>
+                                        <p:tav tm="0">
+                                          <p:val>
+                                            <p:strVal val="0-#ppt_h/2"/>
+                                          </p:val>
+                                        </p:tav>
+                                        <p:tav tm="100000">
+                                          <p:val>
+                                            <p:strVal val="#ppt_y"/>
+                                          </p:val>
+                                        </p:tav>
+                                      </p:tavLst>
+                                    </p:anim>
+                                  </p:childTnLst>
+                                </p:cTn>
+                              </p:par>
+                              <p:par>
+                                <p:cTn id="21" presetID="2" presetClass="entr" presetSubtype="1" fill="hold" nodeType="withEffect">
+                                  <p:stCondLst>
+                                    <p:cond delay="0"/>
+                                  </p:stCondLst>
+                                  <p:childTnLst>
+                                    <p:set>
+                                      <p:cBhvr>
+                                        <p:cTn id="22" dur="1" fill="hold">
+                                          <p:stCondLst>
+                                            <p:cond delay="0"/>
+                                          </p:stCondLst>
+                                        </p:cTn>
+                                        <p:tgtEl>
+                                          <p:spTgt spid="7"/>
+                                        </p:tgtEl>
+                                        <p:attrNameLst>
+                                          <p:attrName>style.visibility</p:attrName>
+                                        </p:attrNameLst>
+                                      </p:cBhvr>
+                                      <p:to>
+                                        <p:strVal val="visible"/>
+                                      </p:to>
+                                    </p:set>
+                                    <p:anim calcmode="lin" valueType="num">
+                                      <p:cBhvr additive="base">
+                                        <p:cTn id="23" dur="500" fill="hold"/>
+                                        <p:tgtEl>
+                                          <p:spTgt spid="7"/>
+                                        </p:tgtEl>
+                                        <p:attrNameLst>
+                                          <p:attrName>ppt_x</p:attrName>
+                                        </p:attrNameLst>
+                                      </p:cBhvr>
+                                      <p:tavLst>
+                                        <p:tav tm="0">
+                                          <p:val>
+                                            <p:strVal val="#ppt_x"/>
+                                          </p:val>
+                                        </p:tav>
+                                        <p:tav tm="100000">
+                                          <p:val>
+                                            <p:strVal val="#ppt_x"/>
+                                          </p:val>
+                                        </p:tav>
+                                      </p:tavLst>
+                                    </p:anim>
+                                    <p:anim calcmode="lin" valueType="num">
+                                      <p:cBhvr additive="base">
+                                        <p:cTn id="24" dur="500" fill="hold"/>
+                                        <p:tgtEl>
+                                          <p:spTgt spid="7"/>
+                                        </p:tgtEl>
+                                        <p:attrNameLst>
+                                          <p:attrName>ppt_y</p:attrName>
+                                        </p:attrNameLst>
+                                      </p:cBhvr>
+                                      <p:tavLst>
+                                        <p:tav tm="0">
+                                          <p:val>
+                                            <p:strVal val="0-#ppt_h/2"/>
+                                          </p:val>
+                                        </p:tav>
+                                        <p:tav tm="100000">
+                                          <p:val>
+                                            <p:strVal val="#ppt_y"/>
+                                          </p:val>
+                                        </p:tav>
+                                      </p:tavLst>
+                                    </p:anim>
+                                  </p:childTnLst>
+                                </p:cTn>
+                              </p:par>
+                              <p:par>
+                                <p:cTn id="25" presetID="2" presetClass="entr" presetSubtype="1" fill="hold" nodeType="withEffect">
+                                  <p:stCondLst>
+                                    <p:cond delay="0"/>
+                                  </p:stCondLst>
+                                  <p:childTnLst>
+                                    <p:set>
+                                      <p:cBhvr>
+                                        <p:cTn id="26" dur="1" fill="hold">
+                                          <p:stCondLst>
+                                            <p:cond delay="0"/>
+                                          </p:stCondLst>
+                                        </p:cTn>
+                                        <p:tgtEl>
+                                          <p:spTgt spid="6"/>
+                                        </p:tgtEl>
+                                        <p:attrNameLst>
+                                          <p:attrName>style.visibility</p:attrName>
+                                        </p:attrNameLst>
+                                      </p:cBhvr>
+                                      <p:to>
+                                        <p:strVal val="visible"/>
+                                      </p:to>
+                                    </p:set>
+                                    <p:anim calcmode="lin" valueType="num">
+                                      <p:cBhvr additive="base">
+                                        <p:cTn id="27" dur="500" fill="hold"/>
+                                        <p:tgtEl>
+                                          <p:spTgt spid="6"/>
+                                        </p:tgtEl>
+                                        <p:attrNameLst>
+                                          <p:attrName>ppt_x</p:attrName>
+                                        </p:attrNameLst>
+                                      </p:cBhvr>
+                                      <p:tavLst>
+                                        <p:tav tm="0">
+                                          <p:val>
+                                            <p:strVal val="#ppt_x"/>
+                                          </p:val>
+                                        </p:tav>
+                                        <p:tav tm="100000">
+                                          <p:val>
+                                            <p:strVal val="#ppt_x"/>
+                                          </p:val>
+                                        </p:tav>
+                                      </p:tavLst>
+                                    </p:anim>
+                                    <p:anim calcmode="lin" valueType="num">
+                                      <p:cBhvr additive="base">
+                                        <p:cTn id="28" dur="500" fill="hold"/>
+                                        <p:tgtEl>
+                                          <p:spTgt spid="6"/>
+                                        </p:tgtEl>
+                                        <p:attrNameLst>
+                                          <p:attrName>ppt_y</p:attrName>
+                                        </p:attrNameLst>
+                                      </p:cBhvr>
+                                      <p:tavLst>
+                                        <p:tav tm="0">
+                                          <p:val>
+                                            <p:strVal val="0-#ppt_h/2"/>
+                                          </p:val>
+                                        </p:tav>
+                                        <p:tav tm="100000">
+                                          <p:val>
+                                            <p:strVal val="#ppt_y"/>
+                                          </p:val>
+                                        </p:tav>
+                                      </p:tavLst>
+                                    </p:anim>
+                                  </p:childTnLst>
+                                </p:cTn>
+                              </p:par>
+                            </p:childTnLst>
+                          </p:cTn>
+                        </p:par>
+                      </p:childTnLst>
+                    </p:cTn>
+                  </p:par>
+                  <p:par>
+                    <p:cTn id="29" fill="hold">
+                      <p:stCondLst>
+                        <p:cond delay="indefinite"/>
+                      </p:stCondLst>
+                      <p:childTnLst>
+                        <p:par>
+                          <p:cTn id="30" fill="hold">
+                            <p:stCondLst>
+                              <p:cond delay="0"/>
+                            </p:stCondLst>
+                            <p:childTnLst>
+                              <p:par>
+                                <p:cTn id="31" presetID="1" presetClass="entr" presetSubtype="0" fill="hold" nodeType="clickEffect">
+                                  <p:stCondLst>
+                                    <p:cond delay="0"/>
+                                  </p:stCondLst>
+                                  <p:childTnLst>
+                                    <p:set>
+                                      <p:cBhvr>
+                                        <p:cTn id="32" dur="1" fill="hold">
+                                          <p:stCondLst>
+                                            <p:cond delay="0"/>
+                                          </p:stCondLst>
+                                        </p:cTn>
+                                        <p:tgtEl>
+                                          <p:spTgt spid="9">
+                                            <p:txEl>
+                                              <p:pRg st="1" end="1"/>
+                                            </p:txEl>
+                                          </p:spTgt>
+                                        </p:tgtEl>
+                                        <p:attrNameLst>
+                                          <p:attrName>style.visibility</p:attrName>
+                                        </p:attrNameLst>
+                                      </p:cBhvr>
+                                      <p:to>
+                                        <p:strVal val="visible"/>
+                                      </p:to>
+                                    </p:set>
+                                  </p:childTnLst>
+                                </p:cTn>
+                              </p:par>
+                              <p:par>
+                                <p:cTn id="33" presetID="1" presetClass="entr" presetSubtype="0" fill="hold" nodeType="withEffect">
+                                  <p:stCondLst>
+                                    <p:cond delay="0"/>
+                                  </p:stCondLst>
+                                  <p:childTnLst>
+                                    <p:set>
+                                      <p:cBhvr>
+                                        <p:cTn id="34" dur="1" fill="hold">
+                                          <p:stCondLst>
+                                            <p:cond delay="0"/>
+                                          </p:stCondLst>
+                                        </p:cTn>
+                                        <p:tgtEl>
+                                          <p:spTgt spid="9">
+                                            <p:txEl>
+                                              <p:pRg st="2" end="2"/>
+                                            </p:txEl>
+                                          </p:spTgt>
+                                        </p:tgtEl>
+                                        <p:attrNameLst>
+                                          <p:attrName>style.visibility</p:attrName>
+                                        </p:attrNameLst>
+                                      </p:cBhvr>
+                                      <p:to>
+                                        <p:strVal val="visible"/>
+                                      </p:to>
+                                    </p:set>
+                                  </p:childTnLst>
+                                </p:cTn>
+                              </p:par>
+                            </p:childTnLst>
+                          </p:cTn>
+                        </p:par>
+                      </p:childTnLst>
+                    </p:cTn>
+                  </p:par>
+                </p:childTnLst>
+              </p:cTn>
+              <p:prevCondLst>
+                <p:cond evt="onPrev" delay="0">
+                  <p:tgtEl>
+                    <p:sldTgt/>
+                  </p:tgtEl>
+                </p:cond>
+              </p:prevCondLst>
+              <p:nextCondLst>
+                <p:cond evt="onNext" delay="0">
+                  <p:tgtEl>
+                    <p:sldTgt/>
+                  </p:tgtEl>
+                </p:cond>
+              </p:nextCondLst>
+            </p:seq>
+          </p:childTnLst>
+        </p:cTn>
+      </p:par>
+    </p:tnLst>
+    <p:bldLst>
+      <p:bldP spid="4" grpId="0"/>
+      <p:bldGraphic spid="8" grpId="0">
+        <p:bldAsOne/>
+      </p:bldGraphic>
+    </p:bldLst>
+  </p:timing>
+</p:sld>
+</file>
+
+<file path=ppt/slides/slide15.xml><?xml version="1.0" encoding="utf-8"?>
+<p:sld xmlns:a="http://schemas.openxmlformats.org/drawingml/2006/main" xmlns:r="http://schemas.openxmlformats.org/officeDocument/2006/relationships" xmlns:p="http://schemas.openxmlformats.org/presentationml/2006/main">
+  <p:cSld>
+    <p:spTree>
+      <p:nvGrpSpPr>
+        <p:cNvPr id="1" name=""/>
+        <p:cNvGrpSpPr/>
+        <p:nvPr/>
+      </p:nvGrpSpPr>
+      <p:grpSpPr>
+        <a:xfrm>
+          <a:off x="0" y="0"/>
+          <a:ext cx="0" cy="0"/>
+          <a:chOff x="0" y="0"/>
+          <a:chExt cx="0" cy="0"/>
+        </a:xfrm>
+      </p:grpSpPr>
+      <p:sp>
+        <p:nvSpPr>
+          <p:cNvPr id="4" name="Title 1">
+            <a:extLst>
+              <a:ext uri="{FF2B5EF4-FFF2-40B4-BE49-F238E27FC236}">
+                <a16:creationId xmlns:a16="http://schemas.microsoft.com/office/drawing/2014/main" id="{DF9B25EE-8945-4BEE-8AA8-CC466FB75DBC}"/>
+              </a:ext>
+            </a:extLst>
+          </p:cNvPr>
+          <p:cNvSpPr>
+            <a:spLocks noGrp="1"/>
+          </p:cNvSpPr>
+          <p:nvPr>
+            <p:ph type="title"/>
+          </p:nvPr>
+        </p:nvSpPr>
+        <p:spPr>
+          <a:xfrm>
+            <a:off x="1141412" y="155055"/>
+            <a:ext cx="9905998" cy="1478570"/>
+          </a:xfrm>
+        </p:spPr>
+        <p:txBody>
+          <a:bodyPr/>
+          <a:lstStyle/>
+          <a:p>
+            <a:pPr algn="ctr"/>
+            <a:r>
+              <a:rPr lang="en-IN" dirty="0"/>
+              <a:t>What is A. L. I. C. E. exactly?</a:t>
+            </a:r>
+          </a:p>
+        </p:txBody>
+      </p:sp>
+      <p:sp>
+        <p:nvSpPr>
+          <p:cNvPr id="5" name="Content Placeholder 2">
+            <a:extLst>
+              <a:ext uri="{FF2B5EF4-FFF2-40B4-BE49-F238E27FC236}">
+                <a16:creationId xmlns:a16="http://schemas.microsoft.com/office/drawing/2014/main" id="{E3A96E5D-04DE-4494-9F06-A51CDD4005A8}"/>
+              </a:ext>
+            </a:extLst>
+          </p:cNvPr>
+          <p:cNvSpPr>
+            <a:spLocks noGrp="1"/>
+          </p:cNvSpPr>
+          <p:nvPr>
+            <p:ph idx="1"/>
+          </p:nvPr>
+        </p:nvSpPr>
+        <p:spPr>
+          <a:xfrm>
+            <a:off x="1141411" y="1284982"/>
+            <a:ext cx="5171707" cy="5178447"/>
+          </a:xfrm>
+        </p:spPr>
+        <p:txBody>
+          <a:bodyPr/>
+          <a:lstStyle/>
+          <a:p>
+            <a:r>
+              <a:rPr lang="en-IN" dirty="0"/>
+              <a:t>A. L. I. C. E. (short for Artificial Linguistic Intelligence Computer Entity) is an open-source AI bot written in AIML, by </a:t>
+            </a:r>
+            <a:r>
+              <a:rPr lang="en-IN" u="sng" dirty="0"/>
+              <a:t>Richard Wallace</a:t>
+            </a:r>
+            <a:r>
+              <a:rPr lang="en-IN" dirty="0"/>
+              <a:t> between ’95 – ’02.</a:t>
+            </a:r>
+          </a:p>
+          <a:p>
+            <a:r>
+              <a:rPr lang="en-IN" dirty="0"/>
+              <a:t>AIML(Artificial Intelligence Mark-up Language) is an XML dialect.</a:t>
+            </a:r>
+          </a:p>
+          <a:p>
+            <a:r>
+              <a:rPr lang="en-IN" dirty="0"/>
+              <a:t>A. L. I. C. E. can be implemented in any platform</a:t>
+            </a:r>
+          </a:p>
+          <a:p>
+            <a:r>
+              <a:rPr lang="en-IN" dirty="0"/>
+              <a:t>Check it out at &lt;alicebot.org&gt;</a:t>
+            </a:r>
+          </a:p>
+        </p:txBody>
+      </p:sp>
+      <p:pic>
+        <p:nvPicPr>
+          <p:cNvPr id="6" name="Picture 2" descr="ALICE Pyramid Logo by Sage Greco">
+            <a:extLst>
+              <a:ext uri="{FF2B5EF4-FFF2-40B4-BE49-F238E27FC236}">
+                <a16:creationId xmlns:a16="http://schemas.microsoft.com/office/drawing/2014/main" id="{29D8EBF5-C4ED-4D52-B83C-8D593509BB7A}"/>
+              </a:ext>
+            </a:extLst>
+          </p:cNvPr>
+          <p:cNvPicPr>
+            <a:picLocks noChangeAspect="1" noChangeArrowheads="1"/>
           </p:cNvPicPr>
           <p:nvPr/>
         </p:nvPicPr>
@@ -3706,30 +8102,513 @@
               </a:ext>
             </a:extLst>
           </a:blip>
+          <a:srcRect/>
           <a:stretch>
             <a:fillRect/>
           </a:stretch>
         </p:blipFill>
-        <p:spPr>
+        <p:spPr bwMode="auto">
           <a:xfrm>
-            <a:off x="4524626" y="4648202"/>
-            <a:ext cx="1599949" cy="799975"/>
+            <a:off x="6513535" y="1178490"/>
+            <a:ext cx="4876800" cy="4876800"/>
           </a:xfrm>
           <a:prstGeom prst="rect">
             <a:avLst/>
           </a:prstGeom>
+          <a:noFill/>
+          <a:extLst>
+            <a:ext uri="{909E8E84-426E-40DD-AFC4-6F175D3DCCD1}">
+              <a14:hiddenFill xmlns:a14="http://schemas.microsoft.com/office/drawing/2010/main">
+                <a:solidFill>
+                  <a:srgbClr val="FFFFFF"/>
+                </a:solidFill>
+              </a14:hiddenFill>
+            </a:ext>
+          </a:extLst>
         </p:spPr>
       </p:pic>
+      <p:pic>
+        <p:nvPicPr>
+          <p:cNvPr id="7" name="Picture 6" descr="Image result for richard wallace aiml">
+            <a:extLst>
+              <a:ext uri="{FF2B5EF4-FFF2-40B4-BE49-F238E27FC236}">
+                <a16:creationId xmlns:a16="http://schemas.microsoft.com/office/drawing/2014/main" id="{033BF789-30DB-4818-AD0F-24C1F4AFE44A}"/>
+              </a:ext>
+            </a:extLst>
+          </p:cNvPr>
+          <p:cNvPicPr>
+            <a:picLocks noChangeAspect="1" noChangeArrowheads="1"/>
+          </p:cNvPicPr>
+          <p:nvPr/>
+        </p:nvPicPr>
+        <p:blipFill rotWithShape="1">
+          <a:blip r:embed="rId3">
+            <a:extLst>
+              <a:ext uri="{28A0092B-C50C-407E-A947-70E740481C1C}">
+                <a14:useLocalDpi xmlns:a14="http://schemas.microsoft.com/office/drawing/2010/main" val="0"/>
+              </a:ext>
+            </a:extLst>
+          </a:blip>
+          <a:srcRect r="22766"/>
+          <a:stretch/>
+        </p:blipFill>
+        <p:spPr bwMode="auto">
+          <a:xfrm>
+            <a:off x="6601511" y="1592827"/>
+            <a:ext cx="4700847" cy="4048125"/>
+          </a:xfrm>
+          <a:prstGeom prst="rect">
+            <a:avLst/>
+          </a:prstGeom>
+          <a:noFill/>
+          <a:extLst>
+            <a:ext uri="{909E8E84-426E-40DD-AFC4-6F175D3DCCD1}">
+              <a14:hiddenFill xmlns:a14="http://schemas.microsoft.com/office/drawing/2010/main">
+                <a:solidFill>
+                  <a:srgbClr val="FFFFFF"/>
+                </a:solidFill>
+              </a14:hiddenFill>
+            </a:ext>
+          </a:extLst>
+        </p:spPr>
+      </p:pic>
+    </p:spTree>
+    <p:extLst>
+      <p:ext uri="{BB962C8B-B14F-4D97-AF65-F5344CB8AC3E}">
+        <p14:creationId xmlns:p14="http://schemas.microsoft.com/office/powerpoint/2010/main" val="470950153"/>
+      </p:ext>
+    </p:extLst>
+  </p:cSld>
+  <p:clrMapOvr>
+    <a:masterClrMapping/>
+  </p:clrMapOvr>
+  <p:timing>
+    <p:tnLst>
+      <p:par>
+        <p:cTn id="1" dur="indefinite" restart="never" nodeType="tmRoot">
+          <p:childTnLst>
+            <p:seq concurrent="1" nextAc="seek">
+              <p:cTn id="2" dur="indefinite" nodeType="mainSeq">
+                <p:childTnLst>
+                  <p:par>
+                    <p:cTn id="3" fill="hold">
+                      <p:stCondLst>
+                        <p:cond delay="indefinite"/>
+                      </p:stCondLst>
+                      <p:childTnLst>
+                        <p:par>
+                          <p:cTn id="4" fill="hold">
+                            <p:stCondLst>
+                              <p:cond delay="0"/>
+                            </p:stCondLst>
+                            <p:childTnLst>
+                              <p:par>
+                                <p:cTn id="5" presetID="1" presetClass="entr" presetSubtype="0" fill="hold" grpId="0" nodeType="clickEffect">
+                                  <p:stCondLst>
+                                    <p:cond delay="0"/>
+                                  </p:stCondLst>
+                                  <p:childTnLst>
+                                    <p:set>
+                                      <p:cBhvr>
+                                        <p:cTn id="6" dur="1" fill="hold">
+                                          <p:stCondLst>
+                                            <p:cond delay="0"/>
+                                          </p:stCondLst>
+                                        </p:cTn>
+                                        <p:tgtEl>
+                                          <p:spTgt spid="4"/>
+                                        </p:tgtEl>
+                                        <p:attrNameLst>
+                                          <p:attrName>style.visibility</p:attrName>
+                                        </p:attrNameLst>
+                                      </p:cBhvr>
+                                      <p:to>
+                                        <p:strVal val="visible"/>
+                                      </p:to>
+                                    </p:set>
+                                  </p:childTnLst>
+                                </p:cTn>
+                              </p:par>
+                            </p:childTnLst>
+                          </p:cTn>
+                        </p:par>
+                      </p:childTnLst>
+                    </p:cTn>
+                  </p:par>
+                  <p:par>
+                    <p:cTn id="7" fill="hold">
+                      <p:stCondLst>
+                        <p:cond delay="indefinite"/>
+                      </p:stCondLst>
+                      <p:childTnLst>
+                        <p:par>
+                          <p:cTn id="8" fill="hold">
+                            <p:stCondLst>
+                              <p:cond delay="0"/>
+                            </p:stCondLst>
+                            <p:childTnLst>
+                              <p:par>
+                                <p:cTn id="9" presetID="1" presetClass="entr" presetSubtype="0" fill="hold" nodeType="clickEffect">
+                                  <p:stCondLst>
+                                    <p:cond delay="0"/>
+                                  </p:stCondLst>
+                                  <p:childTnLst>
+                                    <p:set>
+                                      <p:cBhvr>
+                                        <p:cTn id="10" dur="1" fill="hold">
+                                          <p:stCondLst>
+                                            <p:cond delay="0"/>
+                                          </p:stCondLst>
+                                        </p:cTn>
+                                        <p:tgtEl>
+                                          <p:spTgt spid="5">
+                                            <p:txEl>
+                                              <p:pRg st="0" end="0"/>
+                                            </p:txEl>
+                                          </p:spTgt>
+                                        </p:tgtEl>
+                                        <p:attrNameLst>
+                                          <p:attrName>style.visibility</p:attrName>
+                                        </p:attrNameLst>
+                                      </p:cBhvr>
+                                      <p:to>
+                                        <p:strVal val="visible"/>
+                                      </p:to>
+                                    </p:set>
+                                  </p:childTnLst>
+                                </p:cTn>
+                              </p:par>
+                            </p:childTnLst>
+                          </p:cTn>
+                        </p:par>
+                      </p:childTnLst>
+                    </p:cTn>
+                  </p:par>
+                  <p:par>
+                    <p:cTn id="11" fill="hold">
+                      <p:stCondLst>
+                        <p:cond delay="indefinite"/>
+                      </p:stCondLst>
+                      <p:childTnLst>
+                        <p:par>
+                          <p:cTn id="12" fill="hold">
+                            <p:stCondLst>
+                              <p:cond delay="0"/>
+                            </p:stCondLst>
+                            <p:childTnLst>
+                              <p:par>
+                                <p:cTn id="13" presetID="1" presetClass="entr" presetSubtype="0" fill="hold" nodeType="clickEffect">
+                                  <p:stCondLst>
+                                    <p:cond delay="0"/>
+                                  </p:stCondLst>
+                                  <p:childTnLst>
+                                    <p:set>
+                                      <p:cBhvr>
+                                        <p:cTn id="14" dur="1" fill="hold">
+                                          <p:stCondLst>
+                                            <p:cond delay="0"/>
+                                          </p:stCondLst>
+                                        </p:cTn>
+                                        <p:tgtEl>
+                                          <p:spTgt spid="7"/>
+                                        </p:tgtEl>
+                                        <p:attrNameLst>
+                                          <p:attrName>style.visibility</p:attrName>
+                                        </p:attrNameLst>
+                                      </p:cBhvr>
+                                      <p:to>
+                                        <p:strVal val="visible"/>
+                                      </p:to>
+                                    </p:set>
+                                  </p:childTnLst>
+                                </p:cTn>
+                              </p:par>
+                            </p:childTnLst>
+                          </p:cTn>
+                        </p:par>
+                      </p:childTnLst>
+                    </p:cTn>
+                  </p:par>
+                  <p:par>
+                    <p:cTn id="15" fill="hold">
+                      <p:stCondLst>
+                        <p:cond delay="indefinite"/>
+                      </p:stCondLst>
+                      <p:childTnLst>
+                        <p:par>
+                          <p:cTn id="16" fill="hold">
+                            <p:stCondLst>
+                              <p:cond delay="0"/>
+                            </p:stCondLst>
+                            <p:childTnLst>
+                              <p:par>
+                                <p:cTn id="17" presetID="1" presetClass="exit" presetSubtype="0" fill="hold" nodeType="clickEffect">
+                                  <p:stCondLst>
+                                    <p:cond delay="0"/>
+                                  </p:stCondLst>
+                                  <p:childTnLst>
+                                    <p:set>
+                                      <p:cBhvr>
+                                        <p:cTn id="18" dur="1" fill="hold">
+                                          <p:stCondLst>
+                                            <p:cond delay="0"/>
+                                          </p:stCondLst>
+                                        </p:cTn>
+                                        <p:tgtEl>
+                                          <p:spTgt spid="7"/>
+                                        </p:tgtEl>
+                                        <p:attrNameLst>
+                                          <p:attrName>style.visibility</p:attrName>
+                                        </p:attrNameLst>
+                                      </p:cBhvr>
+                                      <p:to>
+                                        <p:strVal val="hidden"/>
+                                      </p:to>
+                                    </p:set>
+                                  </p:childTnLst>
+                                </p:cTn>
+                              </p:par>
+                            </p:childTnLst>
+                          </p:cTn>
+                        </p:par>
+                      </p:childTnLst>
+                    </p:cTn>
+                  </p:par>
+                  <p:par>
+                    <p:cTn id="19" fill="hold">
+                      <p:stCondLst>
+                        <p:cond delay="indefinite"/>
+                      </p:stCondLst>
+                      <p:childTnLst>
+                        <p:par>
+                          <p:cTn id="20" fill="hold">
+                            <p:stCondLst>
+                              <p:cond delay="0"/>
+                            </p:stCondLst>
+                            <p:childTnLst>
+                              <p:par>
+                                <p:cTn id="21" presetID="1" presetClass="entr" presetSubtype="0" fill="hold" nodeType="clickEffect">
+                                  <p:stCondLst>
+                                    <p:cond delay="0"/>
+                                  </p:stCondLst>
+                                  <p:childTnLst>
+                                    <p:set>
+                                      <p:cBhvr>
+                                        <p:cTn id="22" dur="1" fill="hold">
+                                          <p:stCondLst>
+                                            <p:cond delay="0"/>
+                                          </p:stCondLst>
+                                        </p:cTn>
+                                        <p:tgtEl>
+                                          <p:spTgt spid="5">
+                                            <p:txEl>
+                                              <p:pRg st="1" end="1"/>
+                                            </p:txEl>
+                                          </p:spTgt>
+                                        </p:tgtEl>
+                                        <p:attrNameLst>
+                                          <p:attrName>style.visibility</p:attrName>
+                                        </p:attrNameLst>
+                                      </p:cBhvr>
+                                      <p:to>
+                                        <p:strVal val="visible"/>
+                                      </p:to>
+                                    </p:set>
+                                  </p:childTnLst>
+                                </p:cTn>
+                              </p:par>
+                            </p:childTnLst>
+                          </p:cTn>
+                        </p:par>
+                      </p:childTnLst>
+                    </p:cTn>
+                  </p:par>
+                  <p:par>
+                    <p:cTn id="23" fill="hold">
+                      <p:stCondLst>
+                        <p:cond delay="indefinite"/>
+                      </p:stCondLst>
+                      <p:childTnLst>
+                        <p:par>
+                          <p:cTn id="24" fill="hold">
+                            <p:stCondLst>
+                              <p:cond delay="0"/>
+                            </p:stCondLst>
+                            <p:childTnLst>
+                              <p:par>
+                                <p:cTn id="25" presetID="1" presetClass="entr" presetSubtype="0" fill="hold" nodeType="clickEffect">
+                                  <p:stCondLst>
+                                    <p:cond delay="0"/>
+                                  </p:stCondLst>
+                                  <p:childTnLst>
+                                    <p:set>
+                                      <p:cBhvr>
+                                        <p:cTn id="26" dur="1" fill="hold">
+                                          <p:stCondLst>
+                                            <p:cond delay="0"/>
+                                          </p:stCondLst>
+                                        </p:cTn>
+                                        <p:tgtEl>
+                                          <p:spTgt spid="6"/>
+                                        </p:tgtEl>
+                                        <p:attrNameLst>
+                                          <p:attrName>style.visibility</p:attrName>
+                                        </p:attrNameLst>
+                                      </p:cBhvr>
+                                      <p:to>
+                                        <p:strVal val="visible"/>
+                                      </p:to>
+                                    </p:set>
+                                  </p:childTnLst>
+                                </p:cTn>
+                              </p:par>
+                            </p:childTnLst>
+                          </p:cTn>
+                        </p:par>
+                      </p:childTnLst>
+                    </p:cTn>
+                  </p:par>
+                  <p:par>
+                    <p:cTn id="27" fill="hold">
+                      <p:stCondLst>
+                        <p:cond delay="indefinite"/>
+                      </p:stCondLst>
+                      <p:childTnLst>
+                        <p:par>
+                          <p:cTn id="28" fill="hold">
+                            <p:stCondLst>
+                              <p:cond delay="0"/>
+                            </p:stCondLst>
+                            <p:childTnLst>
+                              <p:par>
+                                <p:cTn id="29" presetID="1" presetClass="entr" presetSubtype="0" fill="hold" nodeType="clickEffect">
+                                  <p:stCondLst>
+                                    <p:cond delay="0"/>
+                                  </p:stCondLst>
+                                  <p:childTnLst>
+                                    <p:set>
+                                      <p:cBhvr>
+                                        <p:cTn id="30" dur="1" fill="hold">
+                                          <p:stCondLst>
+                                            <p:cond delay="0"/>
+                                          </p:stCondLst>
+                                        </p:cTn>
+                                        <p:tgtEl>
+                                          <p:spTgt spid="5">
+                                            <p:txEl>
+                                              <p:pRg st="2" end="2"/>
+                                            </p:txEl>
+                                          </p:spTgt>
+                                        </p:tgtEl>
+                                        <p:attrNameLst>
+                                          <p:attrName>style.visibility</p:attrName>
+                                        </p:attrNameLst>
+                                      </p:cBhvr>
+                                      <p:to>
+                                        <p:strVal val="visible"/>
+                                      </p:to>
+                                    </p:set>
+                                  </p:childTnLst>
+                                </p:cTn>
+                              </p:par>
+                              <p:par>
+                                <p:cTn id="31" presetID="1" presetClass="entr" presetSubtype="0" fill="hold" nodeType="withEffect">
+                                  <p:stCondLst>
+                                    <p:cond delay="0"/>
+                                  </p:stCondLst>
+                                  <p:childTnLst>
+                                    <p:set>
+                                      <p:cBhvr>
+                                        <p:cTn id="32" dur="1" fill="hold">
+                                          <p:stCondLst>
+                                            <p:cond delay="0"/>
+                                          </p:stCondLst>
+                                        </p:cTn>
+                                        <p:tgtEl>
+                                          <p:spTgt spid="5">
+                                            <p:txEl>
+                                              <p:pRg st="3" end="3"/>
+                                            </p:txEl>
+                                          </p:spTgt>
+                                        </p:tgtEl>
+                                        <p:attrNameLst>
+                                          <p:attrName>style.visibility</p:attrName>
+                                        </p:attrNameLst>
+                                      </p:cBhvr>
+                                      <p:to>
+                                        <p:strVal val="visible"/>
+                                      </p:to>
+                                    </p:set>
+                                  </p:childTnLst>
+                                </p:cTn>
+                              </p:par>
+                            </p:childTnLst>
+                          </p:cTn>
+                        </p:par>
+                      </p:childTnLst>
+                    </p:cTn>
+                  </p:par>
+                </p:childTnLst>
+              </p:cTn>
+              <p:prevCondLst>
+                <p:cond evt="onPrev" delay="0">
+                  <p:tgtEl>
+                    <p:sldTgt/>
+                  </p:tgtEl>
+                </p:cond>
+              </p:prevCondLst>
+              <p:nextCondLst>
+                <p:cond evt="onNext" delay="0">
+                  <p:tgtEl>
+                    <p:sldTgt/>
+                  </p:tgtEl>
+                </p:cond>
+              </p:nextCondLst>
+            </p:seq>
+          </p:childTnLst>
+        </p:cTn>
+      </p:par>
+    </p:tnLst>
+    <p:bldLst>
+      <p:bldP spid="4" grpId="0"/>
+    </p:bldLst>
+  </p:timing>
+</p:sld>
+</file>
+
+<file path=ppt/slides/slide16.xml><?xml version="1.0" encoding="utf-8"?>
+<p:sld xmlns:a="http://schemas.openxmlformats.org/drawingml/2006/main" xmlns:r="http://schemas.openxmlformats.org/officeDocument/2006/relationships" xmlns:p="http://schemas.openxmlformats.org/presentationml/2006/main">
+  <p:cSld>
+    <p:spTree>
+      <p:nvGrpSpPr>
+        <p:cNvPr id="1" name=""/>
+        <p:cNvGrpSpPr/>
+        <p:nvPr/>
+      </p:nvGrpSpPr>
+      <p:grpSpPr>
+        <a:xfrm>
+          <a:off x="0" y="0"/>
+          <a:ext cx="0" cy="0"/>
+          <a:chOff x="0" y="0"/>
+          <a:chExt cx="0" cy="0"/>
+        </a:xfrm>
+      </p:grpSpPr>
       <p:sp>
         <p:nvSpPr>
-          <p:cNvPr id="6" name="TextBox 5"/>
+          <p:cNvPr id="4" name="TextBox 3">
+            <a:extLst>
+              <a:ext uri="{FF2B5EF4-FFF2-40B4-BE49-F238E27FC236}">
+                <a16:creationId xmlns:a16="http://schemas.microsoft.com/office/drawing/2014/main" id="{D235C480-B8BC-4917-8E82-A110FFCF3B05}"/>
+              </a:ext>
+            </a:extLst>
+          </p:cNvPr>
           <p:cNvSpPr txBox="1"/>
           <p:nvPr/>
         </p:nvSpPr>
         <p:spPr>
           <a:xfrm>
-            <a:off x="5495925" y="4863523"/>
-            <a:ext cx="1828800" cy="369332"/>
+            <a:off x="3660403" y="2834923"/>
+            <a:ext cx="5408023" cy="769441"/>
           </a:xfrm>
           <a:prstGeom prst="rect">
             <a:avLst/>
@@ -3743,38 +8622,26 @@
           <a:lstStyle/>
           <a:p>
             <a:r>
-              <a:rPr lang="en-IN" dirty="0" smtClean="0"/>
-              <a:t>/</a:t>
-            </a:r>
-            <a:r>
-              <a:rPr lang="en-IN" dirty="0" err="1" smtClean="0"/>
-              <a:t>RudraNilBasu</a:t>
-            </a:r>
-            <a:endParaRPr lang="en-IN" dirty="0"/>
+              <a:rPr lang="en-IN" sz="4400" dirty="0"/>
+              <a:t>A Demo on A. L. I. C. E.</a:t>
+            </a:r>
           </a:p>
         </p:txBody>
       </p:sp>
     </p:spTree>
     <p:extLst>
       <p:ext uri="{BB962C8B-B14F-4D97-AF65-F5344CB8AC3E}">
-        <p14:creationId xmlns:p14="http://schemas.microsoft.com/office/powerpoint/2010/main" val="682023253"/>
+        <p14:creationId xmlns:p14="http://schemas.microsoft.com/office/powerpoint/2010/main" val="2588758238"/>
       </p:ext>
     </p:extLst>
   </p:cSld>
   <p:clrMapOvr>
     <a:masterClrMapping/>
   </p:clrMapOvr>
-  <p:timing>
-    <p:tnLst>
-      <p:par>
-        <p:cTn id="1" dur="indefinite" restart="never" nodeType="tmRoot"/>
-      </p:par>
-    </p:tnLst>
-  </p:timing>
 </p:sld>
 </file>
 
-<file path=ppt/slides/slide2.xml><?xml version="1.0" encoding="utf-8"?>
+<file path=ppt/slides/slide17.xml><?xml version="1.0" encoding="utf-8"?>
 <p:sld xmlns:a="http://schemas.openxmlformats.org/drawingml/2006/main" xmlns:r="http://schemas.openxmlformats.org/officeDocument/2006/relationships" xmlns:p="http://schemas.openxmlformats.org/presentationml/2006/main">
   <p:cSld>
     <p:spTree>
@@ -3803,18 +8670,350 @@
         </p:nvSpPr>
         <p:spPr>
           <a:xfrm>
-            <a:off x="2085975" y="1684338"/>
-            <a:ext cx="9144000" cy="3316287"/>
+            <a:off x="2165959" y="1321596"/>
+            <a:ext cx="8762999" cy="2163762"/>
           </a:xfrm>
         </p:spPr>
         <p:txBody>
           <a:bodyPr/>
           <a:lstStyle/>
           <a:p>
-            <a:endParaRPr lang="en-IN" dirty="0"/>
+            <a:r>
+              <a:rPr lang="en-IN" dirty="0"/>
+              <a:t>3. Android implementation</a:t>
+            </a:r>
           </a:p>
         </p:txBody>
       </p:sp>
+      <p:sp>
+        <p:nvSpPr>
+          <p:cNvPr id="3" name="Subtitle 2"/>
+          <p:cNvSpPr>
+            <a:spLocks noGrp="1"/>
+          </p:cNvSpPr>
+          <p:nvPr>
+            <p:ph type="subTitle" idx="1"/>
+          </p:nvPr>
+        </p:nvSpPr>
+        <p:spPr>
+          <a:xfrm>
+            <a:off x="4328371" y="3614900"/>
+            <a:ext cx="3943136" cy="428625"/>
+          </a:xfrm>
+        </p:spPr>
+        <p:txBody>
+          <a:bodyPr>
+            <a:noAutofit/>
+          </a:bodyPr>
+          <a:lstStyle/>
+          <a:p>
+            <a:r>
+              <a:rPr lang="en-IN" sz="2000" dirty="0">
+                <a:solidFill>
+                  <a:schemeClr val="bg1">
+                    <a:lumMod val="65000"/>
+                    <a:lumOff val="35000"/>
+                  </a:schemeClr>
+                </a:solidFill>
+              </a:rPr>
+              <a:t>Rudra Nil Basu</a:t>
+            </a:r>
+          </a:p>
+        </p:txBody>
+      </p:sp>
+      <p:grpSp>
+        <p:nvGrpSpPr>
+          <p:cNvPr id="4" name="Group 3">
+            <a:extLst>
+              <a:ext uri="{FF2B5EF4-FFF2-40B4-BE49-F238E27FC236}">
+                <a16:creationId xmlns:a16="http://schemas.microsoft.com/office/drawing/2014/main" id="{8BB1134F-36F4-4116-A258-DF007CA3056B}"/>
+              </a:ext>
+            </a:extLst>
+          </p:cNvPr>
+          <p:cNvGrpSpPr/>
+          <p:nvPr/>
+        </p:nvGrpSpPr>
+        <p:grpSpPr>
+          <a:xfrm>
+            <a:off x="4899889" y="4043525"/>
+            <a:ext cx="2800099" cy="799975"/>
+            <a:chOff x="4524626" y="4648202"/>
+            <a:chExt cx="2800099" cy="799975"/>
+          </a:xfrm>
+        </p:grpSpPr>
+        <p:pic>
+          <p:nvPicPr>
+            <p:cNvPr id="5" name="Picture 4"/>
+            <p:cNvPicPr>
+              <a:picLocks noChangeAspect="1"/>
+            </p:cNvPicPr>
+            <p:nvPr/>
+          </p:nvPicPr>
+          <p:blipFill>
+            <a:blip r:embed="rId2">
+              <a:extLst>
+                <a:ext uri="{28A0092B-C50C-407E-A947-70E740481C1C}">
+                  <a14:useLocalDpi xmlns:a14="http://schemas.microsoft.com/office/drawing/2010/main" val="0"/>
+                </a:ext>
+              </a:extLst>
+            </a:blip>
+            <a:stretch>
+              <a:fillRect/>
+            </a:stretch>
+          </p:blipFill>
+          <p:spPr>
+            <a:xfrm>
+              <a:off x="4524626" y="4648202"/>
+              <a:ext cx="1599949" cy="799975"/>
+            </a:xfrm>
+            <a:prstGeom prst="rect">
+              <a:avLst/>
+            </a:prstGeom>
+          </p:spPr>
+        </p:pic>
+        <p:sp>
+          <p:nvSpPr>
+            <p:cNvPr id="6" name="TextBox 5"/>
+            <p:cNvSpPr txBox="1"/>
+            <p:nvPr/>
+          </p:nvSpPr>
+          <p:spPr>
+            <a:xfrm>
+              <a:off x="5495925" y="4863523"/>
+              <a:ext cx="1828800" cy="369332"/>
+            </a:xfrm>
+            <a:prstGeom prst="rect">
+              <a:avLst/>
+            </a:prstGeom>
+            <a:noFill/>
+          </p:spPr>
+          <p:txBody>
+            <a:bodyPr wrap="square" rtlCol="0">
+              <a:spAutoFit/>
+            </a:bodyPr>
+            <a:lstStyle/>
+            <a:p>
+              <a:r>
+                <a:rPr lang="en-IN" dirty="0"/>
+                <a:t>/</a:t>
+              </a:r>
+              <a:r>
+                <a:rPr lang="en-IN" dirty="0" err="1"/>
+                <a:t>RudraNilBasu</a:t>
+              </a:r>
+              <a:endParaRPr lang="en-IN" dirty="0"/>
+            </a:p>
+          </p:txBody>
+        </p:sp>
+      </p:grpSp>
+    </p:spTree>
+    <p:extLst>
+      <p:ext uri="{BB962C8B-B14F-4D97-AF65-F5344CB8AC3E}">
+        <p14:creationId xmlns:p14="http://schemas.microsoft.com/office/powerpoint/2010/main" val="2556226537"/>
+      </p:ext>
+    </p:extLst>
+  </p:cSld>
+  <p:clrMapOvr>
+    <a:masterClrMapping/>
+  </p:clrMapOvr>
+</p:sld>
+</file>
+
+<file path=ppt/slides/slide18.xml><?xml version="1.0" encoding="utf-8"?>
+<p:sld xmlns:a="http://schemas.openxmlformats.org/drawingml/2006/main" xmlns:r="http://schemas.openxmlformats.org/officeDocument/2006/relationships" xmlns:p="http://schemas.openxmlformats.org/presentationml/2006/main">
+  <p:cSld>
+    <p:spTree>
+      <p:nvGrpSpPr>
+        <p:cNvPr id="1" name=""/>
+        <p:cNvGrpSpPr/>
+        <p:nvPr/>
+      </p:nvGrpSpPr>
+      <p:grpSpPr>
+        <a:xfrm>
+          <a:off x="0" y="0"/>
+          <a:ext cx="0" cy="0"/>
+          <a:chOff x="0" y="0"/>
+          <a:chExt cx="0" cy="0"/>
+        </a:xfrm>
+      </p:grpSpPr>
+      <p:sp>
+        <p:nvSpPr>
+          <p:cNvPr id="2" name="Title 1"/>
+          <p:cNvSpPr>
+            <a:spLocks noGrp="1"/>
+          </p:cNvSpPr>
+          <p:nvPr>
+            <p:ph type="ctrTitle"/>
+          </p:nvPr>
+        </p:nvSpPr>
+        <p:spPr>
+          <a:xfrm>
+            <a:off x="1476375" y="1409823"/>
+            <a:ext cx="9867899" cy="2163762"/>
+          </a:xfrm>
+        </p:spPr>
+        <p:txBody>
+          <a:bodyPr/>
+          <a:lstStyle/>
+          <a:p>
+            <a:r>
+              <a:rPr lang="en-IN" dirty="0"/>
+              <a:t>4. Documentation using Sphinx</a:t>
+            </a:r>
+          </a:p>
+        </p:txBody>
+      </p:sp>
+      <p:sp>
+        <p:nvSpPr>
+          <p:cNvPr id="3" name="Subtitle 2"/>
+          <p:cNvSpPr>
+            <a:spLocks noGrp="1"/>
+          </p:cNvSpPr>
+          <p:nvPr>
+            <p:ph type="subTitle" idx="1"/>
+          </p:nvPr>
+        </p:nvSpPr>
+        <p:spPr>
+          <a:xfrm>
+            <a:off x="4303319" y="3682268"/>
+            <a:ext cx="3943136" cy="428625"/>
+          </a:xfrm>
+        </p:spPr>
+        <p:txBody>
+          <a:bodyPr>
+            <a:noAutofit/>
+          </a:bodyPr>
+          <a:lstStyle/>
+          <a:p>
+            <a:r>
+              <a:rPr lang="en-IN" sz="2000" dirty="0">
+                <a:solidFill>
+                  <a:schemeClr val="bg1">
+                    <a:lumMod val="65000"/>
+                    <a:lumOff val="35000"/>
+                  </a:schemeClr>
+                </a:solidFill>
+              </a:rPr>
+              <a:t>Sumitra Chowdhury</a:t>
+            </a:r>
+          </a:p>
+        </p:txBody>
+      </p:sp>
+      <p:grpSp>
+        <p:nvGrpSpPr>
+          <p:cNvPr id="4" name="Group 3">
+            <a:extLst>
+              <a:ext uri="{FF2B5EF4-FFF2-40B4-BE49-F238E27FC236}">
+                <a16:creationId xmlns:a16="http://schemas.microsoft.com/office/drawing/2014/main" id="{946F5448-C9AC-483D-A9E1-4910AAC001A2}"/>
+              </a:ext>
+            </a:extLst>
+          </p:cNvPr>
+          <p:cNvGrpSpPr/>
+          <p:nvPr/>
+        </p:nvGrpSpPr>
+        <p:grpSpPr>
+          <a:xfrm>
+            <a:off x="4695950" y="4110893"/>
+            <a:ext cx="2800099" cy="799975"/>
+            <a:chOff x="4524626" y="4648202"/>
+            <a:chExt cx="2800099" cy="799975"/>
+          </a:xfrm>
+        </p:grpSpPr>
+        <p:pic>
+          <p:nvPicPr>
+            <p:cNvPr id="5" name="Picture 4"/>
+            <p:cNvPicPr>
+              <a:picLocks noChangeAspect="1"/>
+            </p:cNvPicPr>
+            <p:nvPr/>
+          </p:nvPicPr>
+          <p:blipFill>
+            <a:blip r:embed="rId2">
+              <a:extLst>
+                <a:ext uri="{28A0092B-C50C-407E-A947-70E740481C1C}">
+                  <a14:useLocalDpi xmlns:a14="http://schemas.microsoft.com/office/drawing/2010/main" val="0"/>
+                </a:ext>
+              </a:extLst>
+            </a:blip>
+            <a:stretch>
+              <a:fillRect/>
+            </a:stretch>
+          </p:blipFill>
+          <p:spPr>
+            <a:xfrm>
+              <a:off x="4524626" y="4648202"/>
+              <a:ext cx="1599949" cy="799975"/>
+            </a:xfrm>
+            <a:prstGeom prst="rect">
+              <a:avLst/>
+            </a:prstGeom>
+          </p:spPr>
+        </p:pic>
+        <p:sp>
+          <p:nvSpPr>
+            <p:cNvPr id="6" name="TextBox 5"/>
+            <p:cNvSpPr txBox="1"/>
+            <p:nvPr/>
+          </p:nvSpPr>
+          <p:spPr>
+            <a:xfrm>
+              <a:off x="5495925" y="4863523"/>
+              <a:ext cx="1828800" cy="369332"/>
+            </a:xfrm>
+            <a:prstGeom prst="rect">
+              <a:avLst/>
+            </a:prstGeom>
+            <a:noFill/>
+          </p:spPr>
+          <p:txBody>
+            <a:bodyPr wrap="square" rtlCol="0">
+              <a:spAutoFit/>
+            </a:bodyPr>
+            <a:lstStyle/>
+            <a:p>
+              <a:r>
+                <a:rPr lang="en-IN" dirty="0"/>
+                <a:t>/</a:t>
+              </a:r>
+              <a:r>
+                <a:rPr lang="en-IN" dirty="0" err="1"/>
+                <a:t>RudraNilBasu</a:t>
+              </a:r>
+              <a:endParaRPr lang="en-IN" dirty="0"/>
+            </a:p>
+          </p:txBody>
+        </p:sp>
+      </p:grpSp>
+    </p:spTree>
+    <p:extLst>
+      <p:ext uri="{BB962C8B-B14F-4D97-AF65-F5344CB8AC3E}">
+        <p14:creationId xmlns:p14="http://schemas.microsoft.com/office/powerpoint/2010/main" val="682023253"/>
+      </p:ext>
+    </p:extLst>
+  </p:cSld>
+  <p:clrMapOvr>
+    <a:masterClrMapping/>
+  </p:clrMapOvr>
+</p:sld>
+</file>
+
+<file path=ppt/slides/slide2.xml><?xml version="1.0" encoding="utf-8"?>
+<p:sld xmlns:a="http://schemas.openxmlformats.org/drawingml/2006/main" xmlns:r="http://schemas.openxmlformats.org/officeDocument/2006/relationships" xmlns:p="http://schemas.openxmlformats.org/presentationml/2006/main">
+  <p:cSld>
+    <p:spTree>
+      <p:nvGrpSpPr>
+        <p:cNvPr id="1" name=""/>
+        <p:cNvGrpSpPr/>
+        <p:nvPr/>
+      </p:nvGrpSpPr>
+      <p:grpSpPr>
+        <a:xfrm>
+          <a:off x="0" y="0"/>
+          <a:ext cx="0" cy="0"/>
+          <a:chOff x="0" y="0"/>
+          <a:chExt cx="0" cy="0"/>
+        </a:xfrm>
+      </p:grpSpPr>
       <p:sp>
         <p:nvSpPr>
           <p:cNvPr id="3" name="Subtitle 2"/>
@@ -3837,7 +9036,7 @@
           <a:p>
             <a:pPr algn="r"/>
             <a:r>
-              <a:rPr lang="en-IN" dirty="0" err="1" smtClean="0"/>
+              <a:rPr lang="en-IN" dirty="0" err="1"/>
               <a:t>BitCoders</a:t>
             </a:r>
             <a:endParaRPr lang="en-IN" dirty="0"/>
@@ -3897,36 +9096,35 @@
           <a:lstStyle/>
           <a:p>
             <a:r>
-              <a:rPr lang="en-IN" sz="2000" dirty="0" err="1" smtClean="0"/>
+              <a:rPr lang="en-IN" sz="2000" dirty="0" err="1"/>
               <a:t>Debayan</a:t>
             </a:r>
             <a:r>
-              <a:rPr lang="en-IN" sz="2000" dirty="0" smtClean="0"/>
+              <a:rPr lang="en-IN" sz="2000" dirty="0"/>
               <a:t> De</a:t>
             </a:r>
           </a:p>
           <a:p>
             <a:r>
-              <a:rPr lang="en-IN" sz="2000" dirty="0" err="1" smtClean="0"/>
+              <a:rPr lang="en-IN" sz="2000" dirty="0" err="1"/>
               <a:t>Rohit</a:t>
             </a:r>
             <a:r>
-              <a:rPr lang="en-IN" sz="2000" dirty="0" smtClean="0"/>
+              <a:rPr lang="en-IN" sz="2000" dirty="0"/>
               <a:t> Das</a:t>
             </a:r>
           </a:p>
           <a:p>
             <a:r>
-              <a:rPr lang="en-IN" sz="2000" dirty="0" smtClean="0"/>
+              <a:rPr lang="en-IN" sz="2000" dirty="0"/>
               <a:t>Rudra Nil Basu</a:t>
             </a:r>
           </a:p>
           <a:p>
             <a:r>
-              <a:rPr lang="en-IN" sz="2000" dirty="0" smtClean="0"/>
+              <a:rPr lang="en-IN" sz="2000" dirty="0"/>
               <a:t>Sumitra Chowdhury</a:t>
             </a:r>
-            <a:endParaRPr lang="en-IN" sz="2000" dirty="0"/>
           </a:p>
         </p:txBody>
       </p:sp>
@@ -3940,13 +9138,6 @@
   <p:clrMapOvr>
     <a:masterClrMapping/>
   </p:clrMapOvr>
-  <p:timing>
-    <p:tnLst>
-      <p:par>
-        <p:cTn id="1" dur="indefinite" restart="never" nodeType="tmRoot"/>
-      </p:par>
-    </p:tnLst>
-  </p:timing>
 </p:sld>
 </file>
 
@@ -3969,30 +9160,6 @@
       </p:grpSpPr>
       <p:sp>
         <p:nvSpPr>
-          <p:cNvPr id="2" name="Title 1"/>
-          <p:cNvSpPr>
-            <a:spLocks noGrp="1"/>
-          </p:cNvSpPr>
-          <p:nvPr>
-            <p:ph type="ctrTitle"/>
-          </p:nvPr>
-        </p:nvSpPr>
-        <p:spPr>
-          <a:xfrm>
-            <a:off x="2085975" y="1684338"/>
-            <a:ext cx="9144000" cy="3316287"/>
-          </a:xfrm>
-        </p:spPr>
-        <p:txBody>
-          <a:bodyPr/>
-          <a:lstStyle/>
-          <a:p>
-            <a:endParaRPr lang="en-IN" dirty="0"/>
-          </a:p>
-        </p:txBody>
-      </p:sp>
-      <p:sp>
-        <p:nvSpPr>
           <p:cNvPr id="3" name="Subtitle 2"/>
           <p:cNvSpPr>
             <a:spLocks noGrp="1"/>
@@ -4015,10 +9182,9 @@
           <a:p>
             <a:pPr algn="l"/>
             <a:r>
-              <a:rPr lang="en-IN" sz="3600" dirty="0" smtClean="0"/>
+              <a:rPr lang="en-IN" sz="3600" dirty="0"/>
               <a:t>What is AIRYL?</a:t>
             </a:r>
-            <a:endParaRPr lang="en-IN" sz="3600" dirty="0"/>
           </a:p>
         </p:txBody>
       </p:sp>
@@ -4032,13 +9198,6 @@
   <p:clrMapOvr>
     <a:masterClrMapping/>
   </p:clrMapOvr>
-  <p:timing>
-    <p:tnLst>
-      <p:par>
-        <p:cTn id="1" dur="indefinite" restart="never" nodeType="tmRoot"/>
-      </p:par>
-    </p:tnLst>
-  </p:timing>
 </p:sld>
 </file>
 
@@ -4061,30 +9220,6 @@
       </p:grpSpPr>
       <p:sp>
         <p:nvSpPr>
-          <p:cNvPr id="2" name="Title 1"/>
-          <p:cNvSpPr>
-            <a:spLocks noGrp="1"/>
-          </p:cNvSpPr>
-          <p:nvPr>
-            <p:ph type="ctrTitle"/>
-          </p:nvPr>
-        </p:nvSpPr>
-        <p:spPr>
-          <a:xfrm>
-            <a:off x="2085975" y="1684338"/>
-            <a:ext cx="9144000" cy="3316287"/>
-          </a:xfrm>
-        </p:spPr>
-        <p:txBody>
-          <a:bodyPr/>
-          <a:lstStyle/>
-          <a:p>
-            <a:endParaRPr lang="en-IN" dirty="0"/>
-          </a:p>
-        </p:txBody>
-      </p:sp>
-      <p:sp>
-        <p:nvSpPr>
           <p:cNvPr id="3" name="Subtitle 2"/>
           <p:cNvSpPr>
             <a:spLocks noGrp="1"/>
@@ -4107,10 +9242,9 @@
           <a:p>
             <a:pPr algn="l"/>
             <a:r>
-              <a:rPr lang="en-IN" sz="3600" dirty="0" smtClean="0"/>
+              <a:rPr lang="en-IN" sz="3600" dirty="0"/>
               <a:t>What is AIRYL?</a:t>
             </a:r>
-            <a:endParaRPr lang="en-IN" sz="3600" dirty="0"/>
           </a:p>
         </p:txBody>
       </p:sp>
@@ -4141,15 +9275,15 @@
               <a:buChar char="•"/>
             </a:pPr>
             <a:r>
-              <a:rPr lang="en-IN" dirty="0" smtClean="0"/>
+              <a:rPr lang="en-IN" dirty="0"/>
               <a:t>A </a:t>
             </a:r>
             <a:r>
-              <a:rPr lang="en-IN" dirty="0" err="1" smtClean="0"/>
+              <a:rPr lang="en-IN" dirty="0" err="1"/>
               <a:t>chatbot</a:t>
             </a:r>
             <a:r>
-              <a:rPr lang="en-IN" dirty="0" smtClean="0"/>
+              <a:rPr lang="en-IN" dirty="0"/>
               <a:t> based on AIML</a:t>
             </a:r>
           </a:p>
@@ -4159,7 +9293,7 @@
               <a:buChar char="•"/>
             </a:pPr>
             <a:r>
-              <a:rPr lang="en-IN" dirty="0" smtClean="0"/>
+              <a:rPr lang="en-IN" dirty="0"/>
               <a:t>Based on Android</a:t>
             </a:r>
           </a:p>
@@ -4169,7 +9303,7 @@
               <a:buChar char="•"/>
             </a:pPr>
             <a:r>
-              <a:rPr lang="en-IN" dirty="0" smtClean="0"/>
+              <a:rPr lang="en-IN" dirty="0"/>
               <a:t>Fully documented using Sphinx</a:t>
             </a:r>
           </a:p>
@@ -4179,7 +9313,7 @@
               <a:buChar char="•"/>
             </a:pPr>
             <a:r>
-              <a:rPr lang="en-IN" dirty="0" smtClean="0"/>
+              <a:rPr lang="en-IN" dirty="0"/>
               <a:t>Open Sourced</a:t>
             </a:r>
           </a:p>
@@ -4189,10 +9323,9 @@
               <a:buChar char="•"/>
             </a:pPr>
             <a:r>
-              <a:rPr lang="en-IN" dirty="0" smtClean="0"/>
+              <a:rPr lang="en-IN" dirty="0"/>
               <a:t>Under MIT License</a:t>
             </a:r>
-            <a:endParaRPr lang="en-IN" dirty="0"/>
           </a:p>
         </p:txBody>
       </p:sp>
@@ -4219,18 +9352,17 @@
           <a:lstStyle/>
           <a:p>
             <a:r>
-              <a:rPr lang="en-IN" dirty="0" smtClean="0"/>
+              <a:rPr lang="en-IN" dirty="0"/>
               <a:t>github.com/</a:t>
             </a:r>
             <a:r>
-              <a:rPr lang="en-IN" dirty="0" err="1" smtClean="0"/>
+              <a:rPr lang="en-IN" dirty="0" err="1"/>
               <a:t>PhoenixRRDS</a:t>
             </a:r>
             <a:r>
-              <a:rPr lang="en-IN" dirty="0" smtClean="0"/>
+              <a:rPr lang="en-IN" dirty="0"/>
               <a:t>/AIRYL</a:t>
             </a:r>
-            <a:endParaRPr lang="en-IN" dirty="0"/>
           </a:p>
         </p:txBody>
       </p:sp>
@@ -4274,13 +9406,6 @@
   <p:clrMapOvr>
     <a:masterClrMapping/>
   </p:clrMapOvr>
-  <p:timing>
-    <p:tnLst>
-      <p:par>
-        <p:cTn id="1" dur="indefinite" restart="never" nodeType="tmRoot"/>
-      </p:par>
-    </p:tnLst>
-  </p:timing>
 </p:sld>
 </file>
 
@@ -4322,37 +9447,9 @@
           <a:lstStyle/>
           <a:p>
             <a:r>
-              <a:rPr lang="en-IN" dirty="0" smtClean="0"/>
+              <a:rPr lang="en-IN" dirty="0"/>
               <a:t>DEMO</a:t>
             </a:r>
-            <a:endParaRPr lang="en-IN" dirty="0"/>
-          </a:p>
-        </p:txBody>
-      </p:sp>
-      <p:sp>
-        <p:nvSpPr>
-          <p:cNvPr id="3" name="Subtitle 2"/>
-          <p:cNvSpPr>
-            <a:spLocks noGrp="1"/>
-          </p:cNvSpPr>
-          <p:nvPr>
-            <p:ph type="subTitle" idx="1"/>
-          </p:nvPr>
-        </p:nvSpPr>
-        <p:spPr>
-          <a:xfrm>
-            <a:off x="4686407" y="3128168"/>
-            <a:ext cx="3943136" cy="428625"/>
-          </a:xfrm>
-        </p:spPr>
-        <p:txBody>
-          <a:bodyPr>
-            <a:noAutofit/>
-          </a:bodyPr>
-          <a:lstStyle/>
-          <a:p>
-            <a:pPr algn="l"/>
-            <a:endParaRPr lang="en-IN" sz="3600" dirty="0"/>
           </a:p>
         </p:txBody>
       </p:sp>
@@ -4366,13 +9463,6 @@
   <p:clrMapOvr>
     <a:masterClrMapping/>
   </p:clrMapOvr>
-  <p:timing>
-    <p:tnLst>
-      <p:par>
-        <p:cTn id="1" dur="indefinite" restart="never" nodeType="tmRoot"/>
-      </p:par>
-    </p:tnLst>
-  </p:timing>
 </p:sld>
 </file>
 
@@ -4395,30 +9485,6 @@
       </p:grpSpPr>
       <p:sp>
         <p:nvSpPr>
-          <p:cNvPr id="2" name="Title 1"/>
-          <p:cNvSpPr>
-            <a:spLocks noGrp="1"/>
-          </p:cNvSpPr>
-          <p:nvPr>
-            <p:ph type="ctrTitle"/>
-          </p:nvPr>
-        </p:nvSpPr>
-        <p:spPr>
-          <a:xfrm>
-            <a:off x="2085975" y="1684339"/>
-            <a:ext cx="8077200" cy="1201736"/>
-          </a:xfrm>
-        </p:spPr>
-        <p:txBody>
-          <a:bodyPr/>
-          <a:lstStyle/>
-          <a:p>
-            <a:endParaRPr lang="en-IN" dirty="0"/>
-          </a:p>
-        </p:txBody>
-      </p:sp>
-      <p:sp>
-        <p:nvSpPr>
           <p:cNvPr id="3" name="Subtitle 2"/>
           <p:cNvSpPr>
             <a:spLocks noGrp="1"/>
@@ -4441,10 +9507,9 @@
           <a:p>
             <a:pPr algn="l"/>
             <a:r>
-              <a:rPr lang="en-IN" sz="3600" dirty="0" smtClean="0"/>
+              <a:rPr lang="en-IN" sz="3600" dirty="0"/>
               <a:t>DEMO</a:t>
             </a:r>
-            <a:endParaRPr lang="en-IN" sz="3600" dirty="0"/>
           </a:p>
         </p:txBody>
       </p:sp>
@@ -4482,13 +9547,6 @@
   <p:clrMapOvr>
     <a:masterClrMapping/>
   </p:clrMapOvr>
-  <p:timing>
-    <p:tnLst>
-      <p:par>
-        <p:cTn id="1" dur="indefinite" restart="never" nodeType="tmRoot"/>
-      </p:par>
-    </p:tnLst>
-  </p:timing>
 </p:sld>
 </file>
 
@@ -4511,30 +9569,6 @@
       </p:grpSpPr>
       <p:sp>
         <p:nvSpPr>
-          <p:cNvPr id="2" name="Title 1"/>
-          <p:cNvSpPr>
-            <a:spLocks noGrp="1"/>
-          </p:cNvSpPr>
-          <p:nvPr>
-            <p:ph type="ctrTitle"/>
-          </p:nvPr>
-        </p:nvSpPr>
-        <p:spPr>
-          <a:xfrm>
-            <a:off x="2085975" y="1684339"/>
-            <a:ext cx="8077200" cy="1201736"/>
-          </a:xfrm>
-        </p:spPr>
-        <p:txBody>
-          <a:bodyPr/>
-          <a:lstStyle/>
-          <a:p>
-            <a:endParaRPr lang="en-IN" dirty="0"/>
-          </a:p>
-        </p:txBody>
-      </p:sp>
-      <p:sp>
-        <p:nvSpPr>
           <p:cNvPr id="3" name="Subtitle 2"/>
           <p:cNvSpPr>
             <a:spLocks noGrp="1"/>
@@ -4557,10 +9591,9 @@
           <a:p>
             <a:pPr algn="l"/>
             <a:r>
-              <a:rPr lang="en-IN" sz="3600" dirty="0" smtClean="0"/>
+              <a:rPr lang="en-IN" sz="3600" dirty="0"/>
               <a:t>DEMO</a:t>
             </a:r>
-            <a:endParaRPr lang="en-IN" sz="3600" dirty="0"/>
           </a:p>
         </p:txBody>
       </p:sp>
@@ -4598,13 +9631,6 @@
   <p:clrMapOvr>
     <a:masterClrMapping/>
   </p:clrMapOvr>
-  <p:timing>
-    <p:tnLst>
-      <p:par>
-        <p:cTn id="1" dur="indefinite" restart="never" nodeType="tmRoot"/>
-      </p:par>
-    </p:tnLst>
-  </p:timing>
 </p:sld>
 </file>
 
@@ -4627,30 +9653,6 @@
       </p:grpSpPr>
       <p:sp>
         <p:nvSpPr>
-          <p:cNvPr id="2" name="Title 1"/>
-          <p:cNvSpPr>
-            <a:spLocks noGrp="1"/>
-          </p:cNvSpPr>
-          <p:nvPr>
-            <p:ph type="ctrTitle"/>
-          </p:nvPr>
-        </p:nvSpPr>
-        <p:spPr>
-          <a:xfrm>
-            <a:off x="2085975" y="1684339"/>
-            <a:ext cx="8077200" cy="1201736"/>
-          </a:xfrm>
-        </p:spPr>
-        <p:txBody>
-          <a:bodyPr/>
-          <a:lstStyle/>
-          <a:p>
-            <a:endParaRPr lang="en-IN" dirty="0"/>
-          </a:p>
-        </p:txBody>
-      </p:sp>
-      <p:sp>
-        <p:nvSpPr>
           <p:cNvPr id="3" name="Subtitle 2"/>
           <p:cNvSpPr>
             <a:spLocks noGrp="1"/>
@@ -4673,10 +9675,9 @@
           <a:p>
             <a:pPr algn="l"/>
             <a:r>
-              <a:rPr lang="en-IN" sz="3600" dirty="0" smtClean="0"/>
+              <a:rPr lang="en-IN" sz="3600" dirty="0"/>
               <a:t>DEMO</a:t>
             </a:r>
-            <a:endParaRPr lang="en-IN" sz="3600" dirty="0"/>
           </a:p>
         </p:txBody>
       </p:sp>
@@ -4714,13 +9715,6 @@
   <p:clrMapOvr>
     <a:masterClrMapping/>
   </p:clrMapOvr>
-  <p:timing>
-    <p:tnLst>
-      <p:par>
-        <p:cTn id="1" dur="indefinite" restart="never" nodeType="tmRoot"/>
-      </p:par>
-    </p:tnLst>
-  </p:timing>
 </p:sld>
 </file>
 
@@ -4743,30 +9737,6 @@
       </p:grpSpPr>
       <p:sp>
         <p:nvSpPr>
-          <p:cNvPr id="2" name="Title 1"/>
-          <p:cNvSpPr>
-            <a:spLocks noGrp="1"/>
-          </p:cNvSpPr>
-          <p:nvPr>
-            <p:ph type="ctrTitle"/>
-          </p:nvPr>
-        </p:nvSpPr>
-        <p:spPr>
-          <a:xfrm>
-            <a:off x="2085975" y="1684338"/>
-            <a:ext cx="9144000" cy="3316287"/>
-          </a:xfrm>
-        </p:spPr>
-        <p:txBody>
-          <a:bodyPr/>
-          <a:lstStyle/>
-          <a:p>
-            <a:endParaRPr lang="en-IN" dirty="0"/>
-          </a:p>
-        </p:txBody>
-      </p:sp>
-      <p:sp>
-        <p:nvSpPr>
           <p:cNvPr id="3" name="Subtitle 2"/>
           <p:cNvSpPr>
             <a:spLocks noGrp="1"/>
@@ -4789,10 +9759,9 @@
           <a:p>
             <a:pPr algn="l"/>
             <a:r>
-              <a:rPr lang="en-IN" sz="3600" dirty="0" smtClean="0"/>
+              <a:rPr lang="en-IN" sz="3600" dirty="0"/>
               <a:t>ROADMAP</a:t>
             </a:r>
-            <a:endParaRPr lang="en-IN" sz="3600" dirty="0"/>
           </a:p>
         </p:txBody>
       </p:sp>
@@ -4823,11 +9792,11 @@
               <a:buChar char="•"/>
             </a:pPr>
             <a:r>
-              <a:rPr lang="en-IN" dirty="0" smtClean="0"/>
+              <a:rPr lang="en-IN" dirty="0"/>
               <a:t>History of AI			</a:t>
             </a:r>
             <a:r>
-              <a:rPr lang="en-IN" dirty="0" err="1" smtClean="0">
+              <a:rPr lang="en-IN" dirty="0" err="1">
                 <a:solidFill>
                   <a:schemeClr val="bg1">
                     <a:lumMod val="65000"/>
@@ -4838,7 +9807,7 @@
               <a:t>Debayan</a:t>
             </a:r>
             <a:r>
-              <a:rPr lang="en-IN" dirty="0" smtClean="0">
+              <a:rPr lang="en-IN" dirty="0">
                 <a:solidFill>
                   <a:schemeClr val="bg1">
                     <a:lumMod val="65000"/>
@@ -4855,15 +9824,15 @@
               <a:buChar char="•"/>
             </a:pPr>
             <a:r>
-              <a:rPr lang="en-IN" dirty="0" err="1" smtClean="0"/>
+              <a:rPr lang="en-IN" dirty="0" err="1"/>
               <a:t>Alicebot</a:t>
             </a:r>
             <a:r>
-              <a:rPr lang="en-IN" dirty="0" smtClean="0"/>
+              <a:rPr lang="en-IN" dirty="0"/>
               <a:t> and AIML		</a:t>
             </a:r>
             <a:r>
-              <a:rPr lang="en-IN" dirty="0" err="1" smtClean="0">
+              <a:rPr lang="en-IN" dirty="0" err="1">
                 <a:solidFill>
                   <a:schemeClr val="bg1">
                     <a:lumMod val="65000"/>
@@ -4874,7 +9843,7 @@
               <a:t>Rohit</a:t>
             </a:r>
             <a:r>
-              <a:rPr lang="en-IN" dirty="0" smtClean="0">
+              <a:rPr lang="en-IN" dirty="0">
                 <a:solidFill>
                   <a:schemeClr val="bg1">
                     <a:lumMod val="65000"/>
@@ -4891,11 +9860,11 @@
               <a:buChar char="•"/>
             </a:pPr>
             <a:r>
-              <a:rPr lang="en-IN" dirty="0" smtClean="0"/>
+              <a:rPr lang="en-IN" dirty="0"/>
               <a:t>Android Implementation		</a:t>
             </a:r>
             <a:r>
-              <a:rPr lang="en-IN" dirty="0" smtClean="0">
+              <a:rPr lang="en-IN" dirty="0">
                 <a:solidFill>
                   <a:schemeClr val="bg1">
                     <a:lumMod val="65000"/>
@@ -4912,11 +9881,11 @@
               <a:buChar char="•"/>
             </a:pPr>
             <a:r>
-              <a:rPr lang="en-IN" dirty="0" smtClean="0"/>
+              <a:rPr lang="en-IN" dirty="0"/>
               <a:t>Documentation using Sphinx	</a:t>
             </a:r>
             <a:r>
-              <a:rPr lang="en-IN" dirty="0" smtClean="0">
+              <a:rPr lang="en-IN" dirty="0">
                 <a:solidFill>
                   <a:schemeClr val="bg1">
                     <a:lumMod val="65000"/>
@@ -4933,11 +9902,11 @@
               <a:buChar char="•"/>
             </a:pPr>
             <a:r>
-              <a:rPr lang="en-IN" dirty="0" smtClean="0"/>
+              <a:rPr lang="en-IN" dirty="0"/>
               <a:t>Project workflow		</a:t>
             </a:r>
             <a:r>
-              <a:rPr lang="en-IN" dirty="0" smtClean="0">
+              <a:rPr lang="en-IN" dirty="0">
                 <a:solidFill>
                   <a:schemeClr val="bg1">
                     <a:lumMod val="65000"/>
@@ -4954,10 +9923,9 @@
               <a:buChar char="•"/>
             </a:pPr>
             <a:r>
-              <a:rPr lang="en-IN" dirty="0" smtClean="0"/>
+              <a:rPr lang="en-IN" dirty="0"/>
               <a:t>Future work</a:t>
             </a:r>
-            <a:endParaRPr lang="en-IN" dirty="0"/>
           </a:p>
         </p:txBody>
       </p:sp>
@@ -4984,18 +9952,17 @@
           <a:lstStyle/>
           <a:p>
             <a:r>
-              <a:rPr lang="en-IN" dirty="0" smtClean="0"/>
+              <a:rPr lang="en-IN" dirty="0"/>
               <a:t>github.com/</a:t>
             </a:r>
             <a:r>
-              <a:rPr lang="en-IN" dirty="0" err="1" smtClean="0"/>
+              <a:rPr lang="en-IN" dirty="0" err="1"/>
               <a:t>PhoenixRRDS</a:t>
             </a:r>
             <a:r>
-              <a:rPr lang="en-IN" dirty="0" smtClean="0"/>
+              <a:rPr lang="en-IN" dirty="0"/>
               <a:t>/AIRYL</a:t>
             </a:r>
-            <a:endParaRPr lang="en-IN" dirty="0"/>
           </a:p>
         </p:txBody>
       </p:sp>
@@ -5039,13 +10006,6 @@
   <p:clrMapOvr>
     <a:masterClrMapping/>
   </p:clrMapOvr>
-  <p:timing>
-    <p:tnLst>
-      <p:par>
-        <p:cTn id="1" dur="indefinite" restart="never" nodeType="tmRoot"/>
-      </p:par>
-    </p:tnLst>
-  </p:timing>
 </p:sld>
 </file>
 

--- a/The design and development of AIRYL.pptx
+++ b/The design and development of AIRYL.pptx
@@ -22,7 +22,10 @@
     <p:sldId id="272" r:id="rId16"/>
     <p:sldId id="274" r:id="rId17"/>
     <p:sldId id="268" r:id="rId18"/>
-    <p:sldId id="269" r:id="rId19"/>
+    <p:sldId id="275" r:id="rId19"/>
+    <p:sldId id="276" r:id="rId20"/>
+    <p:sldId id="277" r:id="rId21"/>
+    <p:sldId id="269" r:id="rId22"/>
   </p:sldIdLst>
   <p:sldSz cx="12192000" cy="6858000"/>
   <p:notesSz cx="6858000" cy="9144000"/>
@@ -938,6 +941,13 @@
         </dgm:presLayoutVars>
       </dgm:prSet>
       <dgm:spPr/>
+      <dgm:t>
+        <a:bodyPr/>
+        <a:lstStyle/>
+        <a:p>
+          <a:endParaRPr lang="en-IN"/>
+        </a:p>
+      </dgm:t>
     </dgm:pt>
     <dgm:pt modelId="{346262E2-C57D-489A-B037-8C8EBCA35523}" type="pres">
       <dgm:prSet presAssocID="{C88076A0-6653-4D85-9D10-03F2645E9641}" presName="ellipse" presStyleLbl="trBgShp" presStyleIdx="0" presStyleCnt="1" custLinFactNeighborX="39164" custLinFactNeighborY="5446"/>
@@ -954,6 +964,13 @@
         </dgm:presLayoutVars>
       </dgm:prSet>
       <dgm:spPr/>
+      <dgm:t>
+        <a:bodyPr/>
+        <a:lstStyle/>
+        <a:p>
+          <a:endParaRPr lang="en-IN"/>
+        </a:p>
+      </dgm:t>
     </dgm:pt>
     <dgm:pt modelId="{2019F1B1-729F-4341-A698-452548D6DEBC}" type="pres">
       <dgm:prSet presAssocID="{C88076A0-6653-4D85-9D10-03F2645E9641}" presName="funnel" presStyleLbl="trAlignAcc1" presStyleIdx="0" presStyleCnt="1" custLinFactNeighborX="38356" custLinFactNeighborY="2018"/>
@@ -961,9 +978,9 @@
     </dgm:pt>
   </dgm:ptLst>
   <dgm:cxnLst>
+    <dgm:cxn modelId="{BEF925DD-F8C8-4176-8BD0-0F19729FA008}" type="presOf" srcId="{C88076A0-6653-4D85-9D10-03F2645E9641}" destId="{2966D7F0-5C50-415E-8638-25EE74035078}" srcOrd="0" destOrd="0" presId="urn:microsoft.com/office/officeart/2005/8/layout/funnel1"/>
+    <dgm:cxn modelId="{1455AE7E-807C-4325-A656-78E1CC06B8FF}" srcId="{C88076A0-6653-4D85-9D10-03F2645E9641}" destId="{91FDC806-5B62-40DC-9B71-E5A4E1EBAD3A}" srcOrd="0" destOrd="0" parTransId="{DEDAB077-B3C3-4264-96F8-D75AD85C3E70}" sibTransId="{CC2167F7-6E16-442C-93F6-FEFBBD38D6AC}"/>
     <dgm:cxn modelId="{DCF1546D-CA3D-4B81-AAB9-81A181105233}" type="presOf" srcId="{91FDC806-5B62-40DC-9B71-E5A4E1EBAD3A}" destId="{FC5EA61A-D4DB-46BF-A3FC-76836DD14261}" srcOrd="0" destOrd="0" presId="urn:microsoft.com/office/officeart/2005/8/layout/funnel1"/>
-    <dgm:cxn modelId="{1455AE7E-807C-4325-A656-78E1CC06B8FF}" srcId="{C88076A0-6653-4D85-9D10-03F2645E9641}" destId="{91FDC806-5B62-40DC-9B71-E5A4E1EBAD3A}" srcOrd="0" destOrd="0" parTransId="{DEDAB077-B3C3-4264-96F8-D75AD85C3E70}" sibTransId="{CC2167F7-6E16-442C-93F6-FEFBBD38D6AC}"/>
-    <dgm:cxn modelId="{BEF925DD-F8C8-4176-8BD0-0F19729FA008}" type="presOf" srcId="{C88076A0-6653-4D85-9D10-03F2645E9641}" destId="{2966D7F0-5C50-415E-8638-25EE74035078}" srcOrd="0" destOrd="0" presId="urn:microsoft.com/office/officeart/2005/8/layout/funnel1"/>
     <dgm:cxn modelId="{C8FF48F1-19CE-4ADA-A010-6AC728473CB9}" type="presParOf" srcId="{2966D7F0-5C50-415E-8638-25EE74035078}" destId="{346262E2-C57D-489A-B037-8C8EBCA35523}" srcOrd="0" destOrd="0" presId="urn:microsoft.com/office/officeart/2005/8/layout/funnel1"/>
     <dgm:cxn modelId="{555800B4-CEAF-4E66-BDDA-4D5769772A83}" type="presParOf" srcId="{2966D7F0-5C50-415E-8638-25EE74035078}" destId="{1C238821-D327-4FD2-AE7A-3493D9B7C9CB}" srcOrd="1" destOrd="0" presId="urn:microsoft.com/office/officeart/2005/8/layout/funnel1"/>
     <dgm:cxn modelId="{EBD21D8A-3F6D-4F8A-AE65-F943A2DC4D5F}" type="presParOf" srcId="{2966D7F0-5C50-415E-8638-25EE74035078}" destId="{FC5EA61A-D4DB-46BF-A3FC-76836DD14261}" srcOrd="2" destOrd="0" presId="urn:microsoft.com/office/officeart/2005/8/layout/funnel1"/>
@@ -1114,7 +1131,7 @@
         </a:bodyPr>
         <a:lstStyle/>
         <a:p>
-          <a:pPr marL="0" lvl="0" indent="0" algn="ctr" defTabSz="1600200">
+          <a:pPr lvl="0" algn="ctr" defTabSz="1600200">
             <a:lnSpc>
               <a:spcPct val="90000"/>
             </a:lnSpc>
@@ -1124,7 +1141,6 @@
             <a:spcAft>
               <a:spcPct val="35000"/>
             </a:spcAft>
-            <a:buNone/>
           </a:pPr>
           <a:r>
             <a:rPr lang="en-US" sz="3600" kern="1200" dirty="0"/>
@@ -5440,6 +5456,13 @@
   <p:clrMapOvr>
     <a:masterClrMapping/>
   </p:clrMapOvr>
+  <p:timing>
+    <p:tnLst>
+      <p:par>
+        <p:cTn id="1" dur="indefinite" restart="never" nodeType="tmRoot"/>
+      </p:par>
+    </p:tnLst>
+  </p:timing>
 </p:sld>
 </file>
 
@@ -5539,7 +5562,7 @@
           <p:cNvPr id="6" name="Group 5">
             <a:extLst>
               <a:ext uri="{FF2B5EF4-FFF2-40B4-BE49-F238E27FC236}">
-                <a16:creationId xmlns:a16="http://schemas.microsoft.com/office/drawing/2014/main" id="{C87DA721-C399-4EBC-852A-9BF5F6E04FFB}"/>
+                <a16:creationId xmlns="" xmlns:a16="http://schemas.microsoft.com/office/drawing/2014/main" id="{C87DA721-C399-4EBC-852A-9BF5F6E04FFB}"/>
               </a:ext>
             </a:extLst>
           </p:cNvPr>
@@ -5624,6 +5647,13 @@
   <p:clrMapOvr>
     <a:masterClrMapping/>
   </p:clrMapOvr>
+  <p:timing>
+    <p:tnLst>
+      <p:par>
+        <p:cTn id="1" dur="indefinite" restart="never" nodeType="tmRoot"/>
+      </p:par>
+    </p:tnLst>
+  </p:timing>
 </p:sld>
 </file>
 
@@ -5649,7 +5679,7 @@
           <p:cNvPr id="4" name="Title 1">
             <a:extLst>
               <a:ext uri="{FF2B5EF4-FFF2-40B4-BE49-F238E27FC236}">
-                <a16:creationId xmlns:a16="http://schemas.microsoft.com/office/drawing/2014/main" id="{4F054BBB-470D-4EF5-91EF-64446AC3D0D8}"/>
+                <a16:creationId xmlns="" xmlns:a16="http://schemas.microsoft.com/office/drawing/2014/main" id="{4F054BBB-470D-4EF5-91EF-64446AC3D0D8}"/>
               </a:ext>
             </a:extLst>
           </p:cNvPr>
@@ -5683,7 +5713,7 @@
           <p:cNvPr id="5" name="Content Placeholder 2">
             <a:extLst>
               <a:ext uri="{FF2B5EF4-FFF2-40B4-BE49-F238E27FC236}">
-                <a16:creationId xmlns:a16="http://schemas.microsoft.com/office/drawing/2014/main" id="{5395A5E0-0480-44F8-8601-6F65EA4C9313}"/>
+                <a16:creationId xmlns="" xmlns:a16="http://schemas.microsoft.com/office/drawing/2014/main" id="{5395A5E0-0480-44F8-8601-6F65EA4C9313}"/>
               </a:ext>
             </a:extLst>
           </p:cNvPr>
@@ -5763,7 +5793,7 @@
           <p:cNvPr id="6" name="Picture 2" descr="File:Turing test diagram.png">
             <a:extLst>
               <a:ext uri="{FF2B5EF4-FFF2-40B4-BE49-F238E27FC236}">
-                <a16:creationId xmlns:a16="http://schemas.microsoft.com/office/drawing/2014/main" id="{8BF6AAC3-0A12-46EC-B1C8-07B6C26C5BDA}"/>
+                <a16:creationId xmlns="" xmlns:a16="http://schemas.microsoft.com/office/drawing/2014/main" id="{8BF6AAC3-0A12-46EC-B1C8-07B6C26C5BDA}"/>
               </a:ext>
             </a:extLst>
           </p:cNvPr>
@@ -6180,7 +6210,7 @@
           <p:cNvPr id="4" name="Title 1">
             <a:extLst>
               <a:ext uri="{FF2B5EF4-FFF2-40B4-BE49-F238E27FC236}">
-                <a16:creationId xmlns:a16="http://schemas.microsoft.com/office/drawing/2014/main" id="{245DCB3D-EC83-412F-A6A5-5DB2CCFFE85B}"/>
+                <a16:creationId xmlns="" xmlns:a16="http://schemas.microsoft.com/office/drawing/2014/main" id="{245DCB3D-EC83-412F-A6A5-5DB2CCFFE85B}"/>
               </a:ext>
             </a:extLst>
           </p:cNvPr>
@@ -6209,14 +6239,14 @@
           </a:p>
         </p:txBody>
       </p:sp>
-      <mc:AlternateContent xmlns:mc="http://schemas.openxmlformats.org/markup-compatibility/2006">
-        <mc:Choice xmlns:a14="http://schemas.microsoft.com/office/drawing/2010/main" Requires="a14">
+      <mc:AlternateContent xmlns:mc="http://schemas.openxmlformats.org/markup-compatibility/2006" xmlns:a14="http://schemas.microsoft.com/office/drawing/2010/main">
+        <mc:Choice Requires="a14">
           <p:sp>
             <p:nvSpPr>
               <p:cNvPr id="5" name="Content Placeholder 2">
                 <a:extLst>
                   <a:ext uri="{FF2B5EF4-FFF2-40B4-BE49-F238E27FC236}">
-                    <a16:creationId xmlns:a16="http://schemas.microsoft.com/office/drawing/2014/main" id="{01471190-1398-40EC-A7B8-DF9F75F9E7A3}"/>
+                    <a16:creationId xmlns="" xmlns:a16="http://schemas.microsoft.com/office/drawing/2014/main" id="{01471190-1398-40EC-A7B8-DF9F75F9E7A3}"/>
                   </a:ext>
                 </a:extLst>
               </p:cNvPr>
@@ -6353,7 +6383,7 @@
             </p:txBody>
           </p:sp>
         </mc:Choice>
-        <mc:Fallback>
+        <mc:Fallback xmlns="">
           <p:sp>
             <p:nvSpPr>
               <p:cNvPr id="5" name="Content Placeholder 2">
@@ -6402,7 +6432,7 @@
           <p:cNvPr id="6" name="Picture 2" descr="https://upload.wikimedia.org/wikipedia/commons/b/be/Deep_Blue.jpg">
             <a:extLst>
               <a:ext uri="{FF2B5EF4-FFF2-40B4-BE49-F238E27FC236}">
-                <a16:creationId xmlns:a16="http://schemas.microsoft.com/office/drawing/2014/main" id="{87B84574-7BEA-4AD5-977A-BF21AFCA9FDE}"/>
+                <a16:creationId xmlns="" xmlns:a16="http://schemas.microsoft.com/office/drawing/2014/main" id="{87B84574-7BEA-4AD5-977A-BF21AFCA9FDE}"/>
               </a:ext>
             </a:extLst>
           </p:cNvPr>
@@ -6472,7 +6502,7 @@
           <p:cNvPr id="7" name="Picture 4" descr="https://upload.wikimedia.org/wikipedia/commons/d/dc/Kasparov-29.jpg">
             <a:extLst>
               <a:ext uri="{FF2B5EF4-FFF2-40B4-BE49-F238E27FC236}">
-                <a16:creationId xmlns:a16="http://schemas.microsoft.com/office/drawing/2014/main" id="{9E13A585-C2C4-4E76-9361-E84AFA01EE17}"/>
+                <a16:creationId xmlns="" xmlns:a16="http://schemas.microsoft.com/office/drawing/2014/main" id="{9E13A585-C2C4-4E76-9361-E84AFA01EE17}"/>
               </a:ext>
             </a:extLst>
           </p:cNvPr>
@@ -7080,7 +7110,7 @@
           <p:cNvPr id="6" name="Group 5">
             <a:extLst>
               <a:ext uri="{FF2B5EF4-FFF2-40B4-BE49-F238E27FC236}">
-                <a16:creationId xmlns:a16="http://schemas.microsoft.com/office/drawing/2014/main" id="{EF1ECEAD-4FD5-421C-8CA9-FFFE1EC9A33F}"/>
+                <a16:creationId xmlns="" xmlns:a16="http://schemas.microsoft.com/office/drawing/2014/main" id="{EF1ECEAD-4FD5-421C-8CA9-FFFE1EC9A33F}"/>
               </a:ext>
             </a:extLst>
           </p:cNvPr>
@@ -7165,6 +7195,13 @@
   <p:clrMapOvr>
     <a:masterClrMapping/>
   </p:clrMapOvr>
+  <p:timing>
+    <p:tnLst>
+      <p:par>
+        <p:cTn id="1" dur="indefinite" restart="never" nodeType="tmRoot"/>
+      </p:par>
+    </p:tnLst>
+  </p:timing>
 </p:sld>
 </file>
 
@@ -7190,7 +7227,7 @@
           <p:cNvPr id="4" name="Title 1">
             <a:extLst>
               <a:ext uri="{FF2B5EF4-FFF2-40B4-BE49-F238E27FC236}">
-                <a16:creationId xmlns:a16="http://schemas.microsoft.com/office/drawing/2014/main" id="{DFA1592A-12AA-41B0-9B39-464024AB789C}"/>
+                <a16:creationId xmlns="" xmlns:a16="http://schemas.microsoft.com/office/drawing/2014/main" id="{DFA1592A-12AA-41B0-9B39-464024AB789C}"/>
               </a:ext>
             </a:extLst>
           </p:cNvPr>
@@ -7223,7 +7260,7 @@
           <p:cNvPr id="5" name="Picture 2" descr="Image result for android">
             <a:extLst>
               <a:ext uri="{FF2B5EF4-FFF2-40B4-BE49-F238E27FC236}">
-                <a16:creationId xmlns:a16="http://schemas.microsoft.com/office/drawing/2014/main" id="{B9537F49-8CA5-4D0E-8E30-4C3DBD384297}"/>
+                <a16:creationId xmlns="" xmlns:a16="http://schemas.microsoft.com/office/drawing/2014/main" id="{B9537F49-8CA5-4D0E-8E30-4C3DBD384297}"/>
               </a:ext>
             </a:extLst>
           </p:cNvPr>
@@ -7279,7 +7316,7 @@
           <p:cNvPr id="6" name="Picture 4" descr="http://www.alicebot.org/graphics/logo.png">
             <a:extLst>
               <a:ext uri="{FF2B5EF4-FFF2-40B4-BE49-F238E27FC236}">
-                <a16:creationId xmlns:a16="http://schemas.microsoft.com/office/drawing/2014/main" id="{C4D0D45E-47B4-4332-9EAD-BF1602F67B44}"/>
+                <a16:creationId xmlns="" xmlns:a16="http://schemas.microsoft.com/office/drawing/2014/main" id="{C4D0D45E-47B4-4332-9EAD-BF1602F67B44}"/>
               </a:ext>
             </a:extLst>
           </p:cNvPr>
@@ -7326,7 +7363,7 @@
           <p:cNvPr id="7" name="Picture 6" descr="Image result for coding">
             <a:extLst>
               <a:ext uri="{FF2B5EF4-FFF2-40B4-BE49-F238E27FC236}">
-                <a16:creationId xmlns:a16="http://schemas.microsoft.com/office/drawing/2014/main" id="{1C8FF789-52C3-48C9-B897-A810BC2F8925}"/>
+                <a16:creationId xmlns="" xmlns:a16="http://schemas.microsoft.com/office/drawing/2014/main" id="{1C8FF789-52C3-48C9-B897-A810BC2F8925}"/>
               </a:ext>
             </a:extLst>
           </p:cNvPr>
@@ -7373,7 +7410,7 @@
           <p:cNvPr id="8" name="Diagram 7">
             <a:extLst>
               <a:ext uri="{FF2B5EF4-FFF2-40B4-BE49-F238E27FC236}">
-                <a16:creationId xmlns:a16="http://schemas.microsoft.com/office/drawing/2014/main" id="{B0BFB1B8-727E-4800-BB22-B5E71B9D62DD}"/>
+                <a16:creationId xmlns="" xmlns:a16="http://schemas.microsoft.com/office/drawing/2014/main" id="{B0BFB1B8-727E-4800-BB22-B5E71B9D62DD}"/>
               </a:ext>
             </a:extLst>
           </p:cNvPr>
@@ -7401,7 +7438,7 @@
           <p:cNvPr id="9" name="TextBox 8">
             <a:extLst>
               <a:ext uri="{FF2B5EF4-FFF2-40B4-BE49-F238E27FC236}">
-                <a16:creationId xmlns:a16="http://schemas.microsoft.com/office/drawing/2014/main" id="{0EE1EC7B-F5FE-4D50-8714-EA73A22DEB2E}"/>
+                <a16:creationId xmlns="" xmlns:a16="http://schemas.microsoft.com/office/drawing/2014/main" id="{0EE1EC7B-F5FE-4D50-8714-EA73A22DEB2E}"/>
               </a:ext>
             </a:extLst>
           </p:cNvPr>
@@ -7992,7 +8029,7 @@
           <p:cNvPr id="4" name="Title 1">
             <a:extLst>
               <a:ext uri="{FF2B5EF4-FFF2-40B4-BE49-F238E27FC236}">
-                <a16:creationId xmlns:a16="http://schemas.microsoft.com/office/drawing/2014/main" id="{DF9B25EE-8945-4BEE-8AA8-CC466FB75DBC}"/>
+                <a16:creationId xmlns="" xmlns:a16="http://schemas.microsoft.com/office/drawing/2014/main" id="{DF9B25EE-8945-4BEE-8AA8-CC466FB75DBC}"/>
               </a:ext>
             </a:extLst>
           </p:cNvPr>
@@ -8026,7 +8063,7 @@
           <p:cNvPr id="5" name="Content Placeholder 2">
             <a:extLst>
               <a:ext uri="{FF2B5EF4-FFF2-40B4-BE49-F238E27FC236}">
-                <a16:creationId xmlns:a16="http://schemas.microsoft.com/office/drawing/2014/main" id="{E3A96E5D-04DE-4494-9F06-A51CDD4005A8}"/>
+                <a16:creationId xmlns="" xmlns:a16="http://schemas.microsoft.com/office/drawing/2014/main" id="{E3A96E5D-04DE-4494-9F06-A51CDD4005A8}"/>
               </a:ext>
             </a:extLst>
           </p:cNvPr>
@@ -8085,7 +8122,7 @@
           <p:cNvPr id="6" name="Picture 2" descr="ALICE Pyramid Logo by Sage Greco">
             <a:extLst>
               <a:ext uri="{FF2B5EF4-FFF2-40B4-BE49-F238E27FC236}">
-                <a16:creationId xmlns:a16="http://schemas.microsoft.com/office/drawing/2014/main" id="{29D8EBF5-C4ED-4D52-B83C-8D593509BB7A}"/>
+                <a16:creationId xmlns="" xmlns:a16="http://schemas.microsoft.com/office/drawing/2014/main" id="{29D8EBF5-C4ED-4D52-B83C-8D593509BB7A}"/>
               </a:ext>
             </a:extLst>
           </p:cNvPr>
@@ -8132,7 +8169,7 @@
           <p:cNvPr id="7" name="Picture 6" descr="Image result for richard wallace aiml">
             <a:extLst>
               <a:ext uri="{FF2B5EF4-FFF2-40B4-BE49-F238E27FC236}">
-                <a16:creationId xmlns:a16="http://schemas.microsoft.com/office/drawing/2014/main" id="{033BF789-30DB-4818-AD0F-24C1F4AFE44A}"/>
+                <a16:creationId xmlns="" xmlns:a16="http://schemas.microsoft.com/office/drawing/2014/main" id="{033BF789-30DB-4818-AD0F-24C1F4AFE44A}"/>
               </a:ext>
             </a:extLst>
           </p:cNvPr>
@@ -8598,7 +8635,7 @@
           <p:cNvPr id="4" name="TextBox 3">
             <a:extLst>
               <a:ext uri="{FF2B5EF4-FFF2-40B4-BE49-F238E27FC236}">
-                <a16:creationId xmlns:a16="http://schemas.microsoft.com/office/drawing/2014/main" id="{D235C480-B8BC-4917-8E82-A110FFCF3B05}"/>
+                <a16:creationId xmlns="" xmlns:a16="http://schemas.microsoft.com/office/drawing/2014/main" id="{D235C480-B8BC-4917-8E82-A110FFCF3B05}"/>
               </a:ext>
             </a:extLst>
           </p:cNvPr>
@@ -8638,6 +8675,13 @@
   <p:clrMapOvr>
     <a:masterClrMapping/>
   </p:clrMapOvr>
+  <p:timing>
+    <p:tnLst>
+      <p:par>
+        <p:cTn id="1" dur="indefinite" restart="never" nodeType="tmRoot"/>
+      </p:par>
+    </p:tnLst>
+  </p:timing>
 </p:sld>
 </file>
 
@@ -8697,7 +8741,7 @@
         </p:nvSpPr>
         <p:spPr>
           <a:xfrm>
-            <a:off x="4328371" y="3614900"/>
+            <a:off x="3899620" y="3601593"/>
             <a:ext cx="3943136" cy="428625"/>
           </a:xfrm>
         </p:spPr>
@@ -8726,7 +8770,7 @@
           <p:cNvPr id="4" name="Group 3">
             <a:extLst>
               <a:ext uri="{FF2B5EF4-FFF2-40B4-BE49-F238E27FC236}">
-                <a16:creationId xmlns:a16="http://schemas.microsoft.com/office/drawing/2014/main" id="{8BB1134F-36F4-4116-A258-DF007CA3056B}"/>
+                <a16:creationId xmlns="" xmlns:a16="http://schemas.microsoft.com/office/drawing/2014/main" id="{8BB1134F-36F4-4116-A258-DF007CA3056B}"/>
               </a:ext>
             </a:extLst>
           </p:cNvPr>
@@ -8735,7 +8779,7 @@
         </p:nvGrpSpPr>
         <p:grpSpPr>
           <a:xfrm>
-            <a:off x="4899889" y="4043525"/>
+            <a:off x="4300222" y="4030218"/>
             <a:ext cx="2800099" cy="799975"/>
             <a:chOff x="4524626" y="4648202"/>
             <a:chExt cx="2800099" cy="799975"/>
@@ -8816,10 +8860,1165 @@
   <p:clrMapOvr>
     <a:masterClrMapping/>
   </p:clrMapOvr>
+  <p:timing>
+    <p:tnLst>
+      <p:par>
+        <p:cTn id="1" dur="indefinite" restart="never" nodeType="tmRoot"/>
+      </p:par>
+    </p:tnLst>
+  </p:timing>
 </p:sld>
 </file>
 
 <file path=ppt/slides/slide18.xml><?xml version="1.0" encoding="utf-8"?>
+<p:sld xmlns:a="http://schemas.openxmlformats.org/drawingml/2006/main" xmlns:r="http://schemas.openxmlformats.org/officeDocument/2006/relationships" xmlns:p="http://schemas.openxmlformats.org/presentationml/2006/main">
+  <p:cSld>
+    <p:spTree>
+      <p:nvGrpSpPr>
+        <p:cNvPr id="1" name=""/>
+        <p:cNvGrpSpPr/>
+        <p:nvPr/>
+      </p:nvGrpSpPr>
+      <p:grpSpPr>
+        <a:xfrm>
+          <a:off x="0" y="0"/>
+          <a:ext cx="0" cy="0"/>
+          <a:chOff x="0" y="0"/>
+          <a:chExt cx="0" cy="0"/>
+        </a:xfrm>
+      </p:grpSpPr>
+      <p:sp>
+        <p:nvSpPr>
+          <p:cNvPr id="4" name="Title 1"/>
+          <p:cNvSpPr txBox="1">
+            <a:spLocks/>
+          </p:cNvSpPr>
+          <p:nvPr/>
+        </p:nvSpPr>
+        <p:spPr>
+          <a:xfrm>
+            <a:off x="1847850" y="684214"/>
+            <a:ext cx="8762999" cy="954086"/>
+          </a:xfrm>
+          <a:prstGeom prst="rect">
+            <a:avLst/>
+          </a:prstGeom>
+        </p:spPr>
+        <p:txBody>
+          <a:bodyPr vert="horz" lIns="91440" tIns="45720" rIns="91440" bIns="45720" rtlCol="0" anchor="ctr">
+            <a:normAutofit/>
+          </a:bodyPr>
+          <a:lstStyle>
+            <a:lvl1pPr algn="l" defTabSz="914400" rtl="0" eaLnBrk="1" latinLnBrk="0" hangingPunct="1">
+              <a:lnSpc>
+                <a:spcPct val="90000"/>
+              </a:lnSpc>
+              <a:spcBef>
+                <a:spcPct val="0"/>
+              </a:spcBef>
+              <a:buNone/>
+              <a:defRPr sz="4400" kern="1200">
+                <a:solidFill>
+                  <a:schemeClr val="tx1"/>
+                </a:solidFill>
+                <a:latin typeface="+mj-lt"/>
+                <a:ea typeface="+mj-ea"/>
+                <a:cs typeface="+mj-cs"/>
+              </a:defRPr>
+            </a:lvl1pPr>
+          </a:lstStyle>
+          <a:p>
+            <a:pPr algn="ctr"/>
+            <a:r>
+              <a:rPr lang="en-IN" dirty="0" smtClean="0"/>
+              <a:t>3. Android implementation</a:t>
+            </a:r>
+            <a:endParaRPr lang="en-IN" dirty="0"/>
+          </a:p>
+        </p:txBody>
+      </p:sp>
+      <p:sp>
+        <p:nvSpPr>
+          <p:cNvPr id="5" name="Subtitle 2"/>
+          <p:cNvSpPr txBox="1">
+            <a:spLocks/>
+          </p:cNvSpPr>
+          <p:nvPr/>
+        </p:nvSpPr>
+        <p:spPr>
+          <a:xfrm>
+            <a:off x="4257781" y="3409951"/>
+            <a:ext cx="3943136" cy="428625"/>
+          </a:xfrm>
+          <a:prstGeom prst="rect">
+            <a:avLst/>
+          </a:prstGeom>
+        </p:spPr>
+        <p:txBody>
+          <a:bodyPr vert="horz" lIns="91440" tIns="45720" rIns="91440" bIns="45720" rtlCol="0">
+            <a:noAutofit/>
+          </a:bodyPr>
+          <a:lstStyle>
+            <a:lvl1pPr marL="228600" indent="-228600" algn="l" defTabSz="914400" rtl="0" eaLnBrk="1" latinLnBrk="0" hangingPunct="1">
+              <a:lnSpc>
+                <a:spcPct val="90000"/>
+              </a:lnSpc>
+              <a:spcBef>
+                <a:spcPts val="1000"/>
+              </a:spcBef>
+              <a:buFont typeface="Arial" panose="020B0604020202020204" pitchFamily="34" charset="0"/>
+              <a:buChar char="•"/>
+              <a:defRPr sz="2800" kern="1200">
+                <a:solidFill>
+                  <a:schemeClr val="tx1"/>
+                </a:solidFill>
+                <a:latin typeface="+mn-lt"/>
+                <a:ea typeface="+mn-ea"/>
+                <a:cs typeface="+mn-cs"/>
+              </a:defRPr>
+            </a:lvl1pPr>
+            <a:lvl2pPr marL="685800" indent="-228600" algn="l" defTabSz="914400" rtl="0" eaLnBrk="1" latinLnBrk="0" hangingPunct="1">
+              <a:lnSpc>
+                <a:spcPct val="90000"/>
+              </a:lnSpc>
+              <a:spcBef>
+                <a:spcPts val="500"/>
+              </a:spcBef>
+              <a:buFont typeface="Arial" panose="020B0604020202020204" pitchFamily="34" charset="0"/>
+              <a:buChar char="•"/>
+              <a:defRPr sz="2400" kern="1200">
+                <a:solidFill>
+                  <a:schemeClr val="tx1"/>
+                </a:solidFill>
+                <a:latin typeface="+mn-lt"/>
+                <a:ea typeface="+mn-ea"/>
+                <a:cs typeface="+mn-cs"/>
+              </a:defRPr>
+            </a:lvl2pPr>
+            <a:lvl3pPr marL="1143000" indent="-228600" algn="l" defTabSz="914400" rtl="0" eaLnBrk="1" latinLnBrk="0" hangingPunct="1">
+              <a:lnSpc>
+                <a:spcPct val="90000"/>
+              </a:lnSpc>
+              <a:spcBef>
+                <a:spcPts val="500"/>
+              </a:spcBef>
+              <a:buFont typeface="Arial" panose="020B0604020202020204" pitchFamily="34" charset="0"/>
+              <a:buChar char="•"/>
+              <a:defRPr sz="2000" kern="1200">
+                <a:solidFill>
+                  <a:schemeClr val="tx1"/>
+                </a:solidFill>
+                <a:latin typeface="+mn-lt"/>
+                <a:ea typeface="+mn-ea"/>
+                <a:cs typeface="+mn-cs"/>
+              </a:defRPr>
+            </a:lvl3pPr>
+            <a:lvl4pPr marL="1600200" indent="-228600" algn="l" defTabSz="914400" rtl="0" eaLnBrk="1" latinLnBrk="0" hangingPunct="1">
+              <a:lnSpc>
+                <a:spcPct val="90000"/>
+              </a:lnSpc>
+              <a:spcBef>
+                <a:spcPts val="500"/>
+              </a:spcBef>
+              <a:buFont typeface="Arial" panose="020B0604020202020204" pitchFamily="34" charset="0"/>
+              <a:buChar char="•"/>
+              <a:defRPr sz="1800" kern="1200">
+                <a:solidFill>
+                  <a:schemeClr val="tx1"/>
+                </a:solidFill>
+                <a:latin typeface="+mn-lt"/>
+                <a:ea typeface="+mn-ea"/>
+                <a:cs typeface="+mn-cs"/>
+              </a:defRPr>
+            </a:lvl4pPr>
+            <a:lvl5pPr marL="2057400" indent="-228600" algn="l" defTabSz="914400" rtl="0" eaLnBrk="1" latinLnBrk="0" hangingPunct="1">
+              <a:lnSpc>
+                <a:spcPct val="90000"/>
+              </a:lnSpc>
+              <a:spcBef>
+                <a:spcPts val="500"/>
+              </a:spcBef>
+              <a:buFont typeface="Arial" panose="020B0604020202020204" pitchFamily="34" charset="0"/>
+              <a:buChar char="•"/>
+              <a:defRPr sz="1800" kern="1200">
+                <a:solidFill>
+                  <a:schemeClr val="tx1"/>
+                </a:solidFill>
+                <a:latin typeface="+mn-lt"/>
+                <a:ea typeface="+mn-ea"/>
+                <a:cs typeface="+mn-cs"/>
+              </a:defRPr>
+            </a:lvl5pPr>
+            <a:lvl6pPr marL="2514600" indent="-228600" algn="l" defTabSz="914400" rtl="0" eaLnBrk="1" latinLnBrk="0" hangingPunct="1">
+              <a:lnSpc>
+                <a:spcPct val="90000"/>
+              </a:lnSpc>
+              <a:spcBef>
+                <a:spcPts val="500"/>
+              </a:spcBef>
+              <a:buFont typeface="Arial" panose="020B0604020202020204" pitchFamily="34" charset="0"/>
+              <a:buChar char="•"/>
+              <a:defRPr sz="1800" kern="1200">
+                <a:solidFill>
+                  <a:schemeClr val="tx1"/>
+                </a:solidFill>
+                <a:latin typeface="+mn-lt"/>
+                <a:ea typeface="+mn-ea"/>
+                <a:cs typeface="+mn-cs"/>
+              </a:defRPr>
+            </a:lvl6pPr>
+            <a:lvl7pPr marL="2971800" indent="-228600" algn="l" defTabSz="914400" rtl="0" eaLnBrk="1" latinLnBrk="0" hangingPunct="1">
+              <a:lnSpc>
+                <a:spcPct val="90000"/>
+              </a:lnSpc>
+              <a:spcBef>
+                <a:spcPts val="500"/>
+              </a:spcBef>
+              <a:buFont typeface="Arial" panose="020B0604020202020204" pitchFamily="34" charset="0"/>
+              <a:buChar char="•"/>
+              <a:defRPr sz="1800" kern="1200">
+                <a:solidFill>
+                  <a:schemeClr val="tx1"/>
+                </a:solidFill>
+                <a:latin typeface="+mn-lt"/>
+                <a:ea typeface="+mn-ea"/>
+                <a:cs typeface="+mn-cs"/>
+              </a:defRPr>
+            </a:lvl7pPr>
+            <a:lvl8pPr marL="3429000" indent="-228600" algn="l" defTabSz="914400" rtl="0" eaLnBrk="1" latinLnBrk="0" hangingPunct="1">
+              <a:lnSpc>
+                <a:spcPct val="90000"/>
+              </a:lnSpc>
+              <a:spcBef>
+                <a:spcPts val="500"/>
+              </a:spcBef>
+              <a:buFont typeface="Arial" panose="020B0604020202020204" pitchFamily="34" charset="0"/>
+              <a:buChar char="•"/>
+              <a:defRPr sz="1800" kern="1200">
+                <a:solidFill>
+                  <a:schemeClr val="tx1"/>
+                </a:solidFill>
+                <a:latin typeface="+mn-lt"/>
+                <a:ea typeface="+mn-ea"/>
+                <a:cs typeface="+mn-cs"/>
+              </a:defRPr>
+            </a:lvl8pPr>
+            <a:lvl9pPr marL="3886200" indent="-228600" algn="l" defTabSz="914400" rtl="0" eaLnBrk="1" latinLnBrk="0" hangingPunct="1">
+              <a:lnSpc>
+                <a:spcPct val="90000"/>
+              </a:lnSpc>
+              <a:spcBef>
+                <a:spcPts val="500"/>
+              </a:spcBef>
+              <a:buFont typeface="Arial" panose="020B0604020202020204" pitchFamily="34" charset="0"/>
+              <a:buChar char="•"/>
+              <a:defRPr sz="1800" kern="1200">
+                <a:solidFill>
+                  <a:schemeClr val="tx1"/>
+                </a:solidFill>
+                <a:latin typeface="+mn-lt"/>
+                <a:ea typeface="+mn-ea"/>
+                <a:cs typeface="+mn-cs"/>
+              </a:defRPr>
+            </a:lvl9pPr>
+          </a:lstStyle>
+          <a:p>
+            <a:pPr marL="0" indent="0">
+              <a:buNone/>
+            </a:pPr>
+            <a:r>
+              <a:rPr lang="en-IN" sz="6600" dirty="0" smtClean="0">
+                <a:solidFill>
+                  <a:schemeClr val="tx1">
+                    <a:lumMod val="95000"/>
+                  </a:schemeClr>
+                </a:solidFill>
+              </a:rPr>
+              <a:t>3.1 The UI</a:t>
+            </a:r>
+            <a:endParaRPr lang="en-IN" sz="6600" dirty="0">
+              <a:solidFill>
+                <a:schemeClr val="tx1">
+                  <a:lumMod val="95000"/>
+                </a:schemeClr>
+              </a:solidFill>
+            </a:endParaRPr>
+          </a:p>
+        </p:txBody>
+      </p:sp>
+    </p:spTree>
+    <p:extLst>
+      <p:ext uri="{BB962C8B-B14F-4D97-AF65-F5344CB8AC3E}">
+        <p14:creationId xmlns:p14="http://schemas.microsoft.com/office/powerpoint/2010/main" val="1902880143"/>
+      </p:ext>
+    </p:extLst>
+  </p:cSld>
+  <p:clrMapOvr>
+    <a:masterClrMapping/>
+  </p:clrMapOvr>
+  <p:timing>
+    <p:tnLst>
+      <p:par>
+        <p:cTn id="1" dur="indefinite" restart="never" nodeType="tmRoot"/>
+      </p:par>
+    </p:tnLst>
+  </p:timing>
+</p:sld>
+</file>
+
+<file path=ppt/slides/slide19.xml><?xml version="1.0" encoding="utf-8"?>
+<p:sld xmlns:a="http://schemas.openxmlformats.org/drawingml/2006/main" xmlns:r="http://schemas.openxmlformats.org/officeDocument/2006/relationships" xmlns:p="http://schemas.openxmlformats.org/presentationml/2006/main">
+  <p:cSld>
+    <p:spTree>
+      <p:nvGrpSpPr>
+        <p:cNvPr id="1" name=""/>
+        <p:cNvGrpSpPr/>
+        <p:nvPr/>
+      </p:nvGrpSpPr>
+      <p:grpSpPr>
+        <a:xfrm>
+          <a:off x="0" y="0"/>
+          <a:ext cx="0" cy="0"/>
+          <a:chOff x="0" y="0"/>
+          <a:chExt cx="0" cy="0"/>
+        </a:xfrm>
+      </p:grpSpPr>
+      <p:sp>
+        <p:nvSpPr>
+          <p:cNvPr id="5" name="Subtitle 2"/>
+          <p:cNvSpPr txBox="1">
+            <a:spLocks/>
+          </p:cNvSpPr>
+          <p:nvPr/>
+        </p:nvSpPr>
+        <p:spPr>
+          <a:xfrm>
+            <a:off x="3443956" y="2905749"/>
+            <a:ext cx="5867915" cy="428625"/>
+          </a:xfrm>
+          <a:prstGeom prst="rect">
+            <a:avLst/>
+          </a:prstGeom>
+        </p:spPr>
+        <p:txBody>
+          <a:bodyPr vert="horz" lIns="91440" tIns="45720" rIns="91440" bIns="45720" rtlCol="0">
+            <a:noAutofit/>
+          </a:bodyPr>
+          <a:lstStyle>
+            <a:lvl1pPr marL="228600" indent="-228600" algn="l" defTabSz="914400" rtl="0" eaLnBrk="1" latinLnBrk="0" hangingPunct="1">
+              <a:lnSpc>
+                <a:spcPct val="90000"/>
+              </a:lnSpc>
+              <a:spcBef>
+                <a:spcPts val="1000"/>
+              </a:spcBef>
+              <a:buFont typeface="Arial" panose="020B0604020202020204" pitchFamily="34" charset="0"/>
+              <a:buChar char="•"/>
+              <a:defRPr sz="2800" kern="1200">
+                <a:solidFill>
+                  <a:schemeClr val="tx1"/>
+                </a:solidFill>
+                <a:latin typeface="+mn-lt"/>
+                <a:ea typeface="+mn-ea"/>
+                <a:cs typeface="+mn-cs"/>
+              </a:defRPr>
+            </a:lvl1pPr>
+            <a:lvl2pPr marL="685800" indent="-228600" algn="l" defTabSz="914400" rtl="0" eaLnBrk="1" latinLnBrk="0" hangingPunct="1">
+              <a:lnSpc>
+                <a:spcPct val="90000"/>
+              </a:lnSpc>
+              <a:spcBef>
+                <a:spcPts val="500"/>
+              </a:spcBef>
+              <a:buFont typeface="Arial" panose="020B0604020202020204" pitchFamily="34" charset="0"/>
+              <a:buChar char="•"/>
+              <a:defRPr sz="2400" kern="1200">
+                <a:solidFill>
+                  <a:schemeClr val="tx1"/>
+                </a:solidFill>
+                <a:latin typeface="+mn-lt"/>
+                <a:ea typeface="+mn-ea"/>
+                <a:cs typeface="+mn-cs"/>
+              </a:defRPr>
+            </a:lvl2pPr>
+            <a:lvl3pPr marL="1143000" indent="-228600" algn="l" defTabSz="914400" rtl="0" eaLnBrk="1" latinLnBrk="0" hangingPunct="1">
+              <a:lnSpc>
+                <a:spcPct val="90000"/>
+              </a:lnSpc>
+              <a:spcBef>
+                <a:spcPts val="500"/>
+              </a:spcBef>
+              <a:buFont typeface="Arial" panose="020B0604020202020204" pitchFamily="34" charset="0"/>
+              <a:buChar char="•"/>
+              <a:defRPr sz="2000" kern="1200">
+                <a:solidFill>
+                  <a:schemeClr val="tx1"/>
+                </a:solidFill>
+                <a:latin typeface="+mn-lt"/>
+                <a:ea typeface="+mn-ea"/>
+                <a:cs typeface="+mn-cs"/>
+              </a:defRPr>
+            </a:lvl3pPr>
+            <a:lvl4pPr marL="1600200" indent="-228600" algn="l" defTabSz="914400" rtl="0" eaLnBrk="1" latinLnBrk="0" hangingPunct="1">
+              <a:lnSpc>
+                <a:spcPct val="90000"/>
+              </a:lnSpc>
+              <a:spcBef>
+                <a:spcPts val="500"/>
+              </a:spcBef>
+              <a:buFont typeface="Arial" panose="020B0604020202020204" pitchFamily="34" charset="0"/>
+              <a:buChar char="•"/>
+              <a:defRPr sz="1800" kern="1200">
+                <a:solidFill>
+                  <a:schemeClr val="tx1"/>
+                </a:solidFill>
+                <a:latin typeface="+mn-lt"/>
+                <a:ea typeface="+mn-ea"/>
+                <a:cs typeface="+mn-cs"/>
+              </a:defRPr>
+            </a:lvl4pPr>
+            <a:lvl5pPr marL="2057400" indent="-228600" algn="l" defTabSz="914400" rtl="0" eaLnBrk="1" latinLnBrk="0" hangingPunct="1">
+              <a:lnSpc>
+                <a:spcPct val="90000"/>
+              </a:lnSpc>
+              <a:spcBef>
+                <a:spcPts val="500"/>
+              </a:spcBef>
+              <a:buFont typeface="Arial" panose="020B0604020202020204" pitchFamily="34" charset="0"/>
+              <a:buChar char="•"/>
+              <a:defRPr sz="1800" kern="1200">
+                <a:solidFill>
+                  <a:schemeClr val="tx1"/>
+                </a:solidFill>
+                <a:latin typeface="+mn-lt"/>
+                <a:ea typeface="+mn-ea"/>
+                <a:cs typeface="+mn-cs"/>
+              </a:defRPr>
+            </a:lvl5pPr>
+            <a:lvl6pPr marL="2514600" indent="-228600" algn="l" defTabSz="914400" rtl="0" eaLnBrk="1" latinLnBrk="0" hangingPunct="1">
+              <a:lnSpc>
+                <a:spcPct val="90000"/>
+              </a:lnSpc>
+              <a:spcBef>
+                <a:spcPts val="500"/>
+              </a:spcBef>
+              <a:buFont typeface="Arial" panose="020B0604020202020204" pitchFamily="34" charset="0"/>
+              <a:buChar char="•"/>
+              <a:defRPr sz="1800" kern="1200">
+                <a:solidFill>
+                  <a:schemeClr val="tx1"/>
+                </a:solidFill>
+                <a:latin typeface="+mn-lt"/>
+                <a:ea typeface="+mn-ea"/>
+                <a:cs typeface="+mn-cs"/>
+              </a:defRPr>
+            </a:lvl6pPr>
+            <a:lvl7pPr marL="2971800" indent="-228600" algn="l" defTabSz="914400" rtl="0" eaLnBrk="1" latinLnBrk="0" hangingPunct="1">
+              <a:lnSpc>
+                <a:spcPct val="90000"/>
+              </a:lnSpc>
+              <a:spcBef>
+                <a:spcPts val="500"/>
+              </a:spcBef>
+              <a:buFont typeface="Arial" panose="020B0604020202020204" pitchFamily="34" charset="0"/>
+              <a:buChar char="•"/>
+              <a:defRPr sz="1800" kern="1200">
+                <a:solidFill>
+                  <a:schemeClr val="tx1"/>
+                </a:solidFill>
+                <a:latin typeface="+mn-lt"/>
+                <a:ea typeface="+mn-ea"/>
+                <a:cs typeface="+mn-cs"/>
+              </a:defRPr>
+            </a:lvl7pPr>
+            <a:lvl8pPr marL="3429000" indent="-228600" algn="l" defTabSz="914400" rtl="0" eaLnBrk="1" latinLnBrk="0" hangingPunct="1">
+              <a:lnSpc>
+                <a:spcPct val="90000"/>
+              </a:lnSpc>
+              <a:spcBef>
+                <a:spcPts val="500"/>
+              </a:spcBef>
+              <a:buFont typeface="Arial" panose="020B0604020202020204" pitchFamily="34" charset="0"/>
+              <a:buChar char="•"/>
+              <a:defRPr sz="1800" kern="1200">
+                <a:solidFill>
+                  <a:schemeClr val="tx1"/>
+                </a:solidFill>
+                <a:latin typeface="+mn-lt"/>
+                <a:ea typeface="+mn-ea"/>
+                <a:cs typeface="+mn-cs"/>
+              </a:defRPr>
+            </a:lvl8pPr>
+            <a:lvl9pPr marL="3886200" indent="-228600" algn="l" defTabSz="914400" rtl="0" eaLnBrk="1" latinLnBrk="0" hangingPunct="1">
+              <a:lnSpc>
+                <a:spcPct val="90000"/>
+              </a:lnSpc>
+              <a:spcBef>
+                <a:spcPts val="500"/>
+              </a:spcBef>
+              <a:buFont typeface="Arial" panose="020B0604020202020204" pitchFamily="34" charset="0"/>
+              <a:buChar char="•"/>
+              <a:defRPr sz="1800" kern="1200">
+                <a:solidFill>
+                  <a:schemeClr val="tx1"/>
+                </a:solidFill>
+                <a:latin typeface="+mn-lt"/>
+                <a:ea typeface="+mn-ea"/>
+                <a:cs typeface="+mn-cs"/>
+              </a:defRPr>
+            </a:lvl9pPr>
+          </a:lstStyle>
+          <a:p>
+            <a:pPr marL="0" indent="0">
+              <a:buNone/>
+            </a:pPr>
+            <a:r>
+              <a:rPr lang="en-IN" sz="6600" dirty="0" smtClean="0">
+                <a:solidFill>
+                  <a:schemeClr val="tx1">
+                    <a:lumMod val="95000"/>
+                  </a:schemeClr>
+                </a:solidFill>
+              </a:rPr>
+              <a:t>Relative Layout</a:t>
+            </a:r>
+            <a:endParaRPr lang="en-IN" sz="6600" dirty="0">
+              <a:solidFill>
+                <a:schemeClr val="tx1">
+                  <a:lumMod val="95000"/>
+                </a:schemeClr>
+              </a:solidFill>
+            </a:endParaRPr>
+          </a:p>
+        </p:txBody>
+      </p:sp>
+    </p:spTree>
+    <p:extLst>
+      <p:ext uri="{BB962C8B-B14F-4D97-AF65-F5344CB8AC3E}">
+        <p14:creationId xmlns:p14="http://schemas.microsoft.com/office/powerpoint/2010/main" val="2970293107"/>
+      </p:ext>
+    </p:extLst>
+  </p:cSld>
+  <p:clrMapOvr>
+    <a:masterClrMapping/>
+  </p:clrMapOvr>
+  <p:timing>
+    <p:tnLst>
+      <p:par>
+        <p:cTn id="1" dur="indefinite" restart="never" nodeType="tmRoot"/>
+      </p:par>
+    </p:tnLst>
+  </p:timing>
+</p:sld>
+</file>
+
+<file path=ppt/slides/slide2.xml><?xml version="1.0" encoding="utf-8"?>
+<p:sld xmlns:a="http://schemas.openxmlformats.org/drawingml/2006/main" xmlns:r="http://schemas.openxmlformats.org/officeDocument/2006/relationships" xmlns:p="http://schemas.openxmlformats.org/presentationml/2006/main">
+  <p:cSld>
+    <p:spTree>
+      <p:nvGrpSpPr>
+        <p:cNvPr id="1" name=""/>
+        <p:cNvGrpSpPr/>
+        <p:nvPr/>
+      </p:nvGrpSpPr>
+      <p:grpSpPr>
+        <a:xfrm>
+          <a:off x="0" y="0"/>
+          <a:ext cx="0" cy="0"/>
+          <a:chOff x="0" y="0"/>
+          <a:chExt cx="0" cy="0"/>
+        </a:xfrm>
+      </p:grpSpPr>
+      <p:sp>
+        <p:nvSpPr>
+          <p:cNvPr id="3" name="Subtitle 2"/>
+          <p:cNvSpPr>
+            <a:spLocks noGrp="1"/>
+          </p:cNvSpPr>
+          <p:nvPr>
+            <p:ph type="subTitle" idx="1"/>
+          </p:nvPr>
+        </p:nvSpPr>
+        <p:spPr>
+          <a:xfrm>
+            <a:off x="3419903" y="3248886"/>
+            <a:ext cx="1647825" cy="428625"/>
+          </a:xfrm>
+        </p:spPr>
+        <p:txBody>
+          <a:bodyPr/>
+          <a:lstStyle/>
+          <a:p>
+            <a:pPr algn="r"/>
+            <a:r>
+              <a:rPr lang="en-IN" dirty="0" err="1"/>
+              <a:t>BitCoders</a:t>
+            </a:r>
+            <a:endParaRPr lang="en-IN" dirty="0"/>
+          </a:p>
+        </p:txBody>
+      </p:sp>
+      <p:pic>
+        <p:nvPicPr>
+          <p:cNvPr id="4" name="Picture 3"/>
+          <p:cNvPicPr>
+            <a:picLocks noChangeAspect="1"/>
+          </p:cNvPicPr>
+          <p:nvPr/>
+        </p:nvPicPr>
+        <p:blipFill>
+          <a:blip r:embed="rId2">
+            <a:extLst>
+              <a:ext uri="{28A0092B-C50C-407E-A947-70E740481C1C}">
+                <a14:useLocalDpi xmlns:a14="http://schemas.microsoft.com/office/drawing/2010/main" val="0"/>
+              </a:ext>
+            </a:extLst>
+          </a:blip>
+          <a:stretch>
+            <a:fillRect/>
+          </a:stretch>
+        </p:blipFill>
+        <p:spPr>
+          <a:xfrm>
+            <a:off x="5067728" y="2995738"/>
+            <a:ext cx="895136" cy="934920"/>
+          </a:xfrm>
+          <a:prstGeom prst="rect">
+            <a:avLst/>
+          </a:prstGeom>
+        </p:spPr>
+      </p:pic>
+      <p:sp>
+        <p:nvSpPr>
+          <p:cNvPr id="5" name="TextBox 4"/>
+          <p:cNvSpPr txBox="1"/>
+          <p:nvPr/>
+        </p:nvSpPr>
+        <p:spPr>
+          <a:xfrm>
+            <a:off x="6153792" y="2680761"/>
+            <a:ext cx="2790825" cy="1323439"/>
+          </a:xfrm>
+          <a:prstGeom prst="rect">
+            <a:avLst/>
+          </a:prstGeom>
+          <a:noFill/>
+        </p:spPr>
+        <p:txBody>
+          <a:bodyPr wrap="square" rtlCol="0">
+            <a:spAutoFit/>
+          </a:bodyPr>
+          <a:lstStyle/>
+          <a:p>
+            <a:r>
+              <a:rPr lang="en-IN" sz="2000" dirty="0" err="1"/>
+              <a:t>Debayan</a:t>
+            </a:r>
+            <a:r>
+              <a:rPr lang="en-IN" sz="2000" dirty="0"/>
+              <a:t> De</a:t>
+            </a:r>
+          </a:p>
+          <a:p>
+            <a:r>
+              <a:rPr lang="en-IN" sz="2000" dirty="0" err="1"/>
+              <a:t>Rohit</a:t>
+            </a:r>
+            <a:r>
+              <a:rPr lang="en-IN" sz="2000" dirty="0"/>
+              <a:t> Das</a:t>
+            </a:r>
+          </a:p>
+          <a:p>
+            <a:r>
+              <a:rPr lang="en-IN" sz="2000" dirty="0"/>
+              <a:t>Rudra Nil Basu</a:t>
+            </a:r>
+          </a:p>
+          <a:p>
+            <a:r>
+              <a:rPr lang="en-IN" sz="2000" dirty="0"/>
+              <a:t>Sumitra Chowdhury</a:t>
+            </a:r>
+          </a:p>
+        </p:txBody>
+      </p:sp>
+    </p:spTree>
+    <p:extLst>
+      <p:ext uri="{BB962C8B-B14F-4D97-AF65-F5344CB8AC3E}">
+        <p14:creationId xmlns:p14="http://schemas.microsoft.com/office/powerpoint/2010/main" val="1176091605"/>
+      </p:ext>
+    </p:extLst>
+  </p:cSld>
+  <p:clrMapOvr>
+    <a:masterClrMapping/>
+  </p:clrMapOvr>
+  <p:timing>
+    <p:tnLst>
+      <p:par>
+        <p:cTn id="1" dur="indefinite" restart="never" nodeType="tmRoot"/>
+      </p:par>
+    </p:tnLst>
+  </p:timing>
+</p:sld>
+</file>
+
+<file path=ppt/slides/slide20.xml><?xml version="1.0" encoding="utf-8"?>
+<p:sld xmlns:a="http://schemas.openxmlformats.org/drawingml/2006/main" xmlns:r="http://schemas.openxmlformats.org/officeDocument/2006/relationships" xmlns:p="http://schemas.openxmlformats.org/presentationml/2006/main">
+  <p:cSld>
+    <p:spTree>
+      <p:nvGrpSpPr>
+        <p:cNvPr id="1" name=""/>
+        <p:cNvGrpSpPr/>
+        <p:nvPr/>
+      </p:nvGrpSpPr>
+      <p:grpSpPr>
+        <a:xfrm>
+          <a:off x="0" y="0"/>
+          <a:ext cx="0" cy="0"/>
+          <a:chOff x="0" y="0"/>
+          <a:chExt cx="0" cy="0"/>
+        </a:xfrm>
+      </p:grpSpPr>
+      <p:sp>
+        <p:nvSpPr>
+          <p:cNvPr id="5" name="Subtitle 2"/>
+          <p:cNvSpPr txBox="1">
+            <a:spLocks/>
+          </p:cNvSpPr>
+          <p:nvPr/>
+        </p:nvSpPr>
+        <p:spPr>
+          <a:xfrm>
+            <a:off x="3474961" y="564201"/>
+            <a:ext cx="5867915" cy="428625"/>
+          </a:xfrm>
+          <a:prstGeom prst="rect">
+            <a:avLst/>
+          </a:prstGeom>
+        </p:spPr>
+        <p:txBody>
+          <a:bodyPr vert="horz" lIns="91440" tIns="45720" rIns="91440" bIns="45720" rtlCol="0">
+            <a:noAutofit/>
+          </a:bodyPr>
+          <a:lstStyle>
+            <a:lvl1pPr marL="228600" indent="-228600" algn="l" defTabSz="914400" rtl="0" eaLnBrk="1" latinLnBrk="0" hangingPunct="1">
+              <a:lnSpc>
+                <a:spcPct val="90000"/>
+              </a:lnSpc>
+              <a:spcBef>
+                <a:spcPts val="1000"/>
+              </a:spcBef>
+              <a:buFont typeface="Arial" panose="020B0604020202020204" pitchFamily="34" charset="0"/>
+              <a:buChar char="•"/>
+              <a:defRPr sz="2800" kern="1200">
+                <a:solidFill>
+                  <a:schemeClr val="tx1"/>
+                </a:solidFill>
+                <a:latin typeface="+mn-lt"/>
+                <a:ea typeface="+mn-ea"/>
+                <a:cs typeface="+mn-cs"/>
+              </a:defRPr>
+            </a:lvl1pPr>
+            <a:lvl2pPr marL="685800" indent="-228600" algn="l" defTabSz="914400" rtl="0" eaLnBrk="1" latinLnBrk="0" hangingPunct="1">
+              <a:lnSpc>
+                <a:spcPct val="90000"/>
+              </a:lnSpc>
+              <a:spcBef>
+                <a:spcPts val="500"/>
+              </a:spcBef>
+              <a:buFont typeface="Arial" panose="020B0604020202020204" pitchFamily="34" charset="0"/>
+              <a:buChar char="•"/>
+              <a:defRPr sz="2400" kern="1200">
+                <a:solidFill>
+                  <a:schemeClr val="tx1"/>
+                </a:solidFill>
+                <a:latin typeface="+mn-lt"/>
+                <a:ea typeface="+mn-ea"/>
+                <a:cs typeface="+mn-cs"/>
+              </a:defRPr>
+            </a:lvl2pPr>
+            <a:lvl3pPr marL="1143000" indent="-228600" algn="l" defTabSz="914400" rtl="0" eaLnBrk="1" latinLnBrk="0" hangingPunct="1">
+              <a:lnSpc>
+                <a:spcPct val="90000"/>
+              </a:lnSpc>
+              <a:spcBef>
+                <a:spcPts val="500"/>
+              </a:spcBef>
+              <a:buFont typeface="Arial" panose="020B0604020202020204" pitchFamily="34" charset="0"/>
+              <a:buChar char="•"/>
+              <a:defRPr sz="2000" kern="1200">
+                <a:solidFill>
+                  <a:schemeClr val="tx1"/>
+                </a:solidFill>
+                <a:latin typeface="+mn-lt"/>
+                <a:ea typeface="+mn-ea"/>
+                <a:cs typeface="+mn-cs"/>
+              </a:defRPr>
+            </a:lvl3pPr>
+            <a:lvl4pPr marL="1600200" indent="-228600" algn="l" defTabSz="914400" rtl="0" eaLnBrk="1" latinLnBrk="0" hangingPunct="1">
+              <a:lnSpc>
+                <a:spcPct val="90000"/>
+              </a:lnSpc>
+              <a:spcBef>
+                <a:spcPts val="500"/>
+              </a:spcBef>
+              <a:buFont typeface="Arial" panose="020B0604020202020204" pitchFamily="34" charset="0"/>
+              <a:buChar char="•"/>
+              <a:defRPr sz="1800" kern="1200">
+                <a:solidFill>
+                  <a:schemeClr val="tx1"/>
+                </a:solidFill>
+                <a:latin typeface="+mn-lt"/>
+                <a:ea typeface="+mn-ea"/>
+                <a:cs typeface="+mn-cs"/>
+              </a:defRPr>
+            </a:lvl4pPr>
+            <a:lvl5pPr marL="2057400" indent="-228600" algn="l" defTabSz="914400" rtl="0" eaLnBrk="1" latinLnBrk="0" hangingPunct="1">
+              <a:lnSpc>
+                <a:spcPct val="90000"/>
+              </a:lnSpc>
+              <a:spcBef>
+                <a:spcPts val="500"/>
+              </a:spcBef>
+              <a:buFont typeface="Arial" panose="020B0604020202020204" pitchFamily="34" charset="0"/>
+              <a:buChar char="•"/>
+              <a:defRPr sz="1800" kern="1200">
+                <a:solidFill>
+                  <a:schemeClr val="tx1"/>
+                </a:solidFill>
+                <a:latin typeface="+mn-lt"/>
+                <a:ea typeface="+mn-ea"/>
+                <a:cs typeface="+mn-cs"/>
+              </a:defRPr>
+            </a:lvl5pPr>
+            <a:lvl6pPr marL="2514600" indent="-228600" algn="l" defTabSz="914400" rtl="0" eaLnBrk="1" latinLnBrk="0" hangingPunct="1">
+              <a:lnSpc>
+                <a:spcPct val="90000"/>
+              </a:lnSpc>
+              <a:spcBef>
+                <a:spcPts val="500"/>
+              </a:spcBef>
+              <a:buFont typeface="Arial" panose="020B0604020202020204" pitchFamily="34" charset="0"/>
+              <a:buChar char="•"/>
+              <a:defRPr sz="1800" kern="1200">
+                <a:solidFill>
+                  <a:schemeClr val="tx1"/>
+                </a:solidFill>
+                <a:latin typeface="+mn-lt"/>
+                <a:ea typeface="+mn-ea"/>
+                <a:cs typeface="+mn-cs"/>
+              </a:defRPr>
+            </a:lvl6pPr>
+            <a:lvl7pPr marL="2971800" indent="-228600" algn="l" defTabSz="914400" rtl="0" eaLnBrk="1" latinLnBrk="0" hangingPunct="1">
+              <a:lnSpc>
+                <a:spcPct val="90000"/>
+              </a:lnSpc>
+              <a:spcBef>
+                <a:spcPts val="500"/>
+              </a:spcBef>
+              <a:buFont typeface="Arial" panose="020B0604020202020204" pitchFamily="34" charset="0"/>
+              <a:buChar char="•"/>
+              <a:defRPr sz="1800" kern="1200">
+                <a:solidFill>
+                  <a:schemeClr val="tx1"/>
+                </a:solidFill>
+                <a:latin typeface="+mn-lt"/>
+                <a:ea typeface="+mn-ea"/>
+                <a:cs typeface="+mn-cs"/>
+              </a:defRPr>
+            </a:lvl7pPr>
+            <a:lvl8pPr marL="3429000" indent="-228600" algn="l" defTabSz="914400" rtl="0" eaLnBrk="1" latinLnBrk="0" hangingPunct="1">
+              <a:lnSpc>
+                <a:spcPct val="90000"/>
+              </a:lnSpc>
+              <a:spcBef>
+                <a:spcPts val="500"/>
+              </a:spcBef>
+              <a:buFont typeface="Arial" panose="020B0604020202020204" pitchFamily="34" charset="0"/>
+              <a:buChar char="•"/>
+              <a:defRPr sz="1800" kern="1200">
+                <a:solidFill>
+                  <a:schemeClr val="tx1"/>
+                </a:solidFill>
+                <a:latin typeface="+mn-lt"/>
+                <a:ea typeface="+mn-ea"/>
+                <a:cs typeface="+mn-cs"/>
+              </a:defRPr>
+            </a:lvl8pPr>
+            <a:lvl9pPr marL="3886200" indent="-228600" algn="l" defTabSz="914400" rtl="0" eaLnBrk="1" latinLnBrk="0" hangingPunct="1">
+              <a:lnSpc>
+                <a:spcPct val="90000"/>
+              </a:lnSpc>
+              <a:spcBef>
+                <a:spcPts val="500"/>
+              </a:spcBef>
+              <a:buFont typeface="Arial" panose="020B0604020202020204" pitchFamily="34" charset="0"/>
+              <a:buChar char="•"/>
+              <a:defRPr sz="1800" kern="1200">
+                <a:solidFill>
+                  <a:schemeClr val="tx1"/>
+                </a:solidFill>
+                <a:latin typeface="+mn-lt"/>
+                <a:ea typeface="+mn-ea"/>
+                <a:cs typeface="+mn-cs"/>
+              </a:defRPr>
+            </a:lvl9pPr>
+          </a:lstStyle>
+          <a:p>
+            <a:pPr marL="0" indent="0">
+              <a:buNone/>
+            </a:pPr>
+            <a:r>
+              <a:rPr lang="en-IN" sz="6600" dirty="0" smtClean="0">
+                <a:solidFill>
+                  <a:schemeClr val="tx1">
+                    <a:lumMod val="95000"/>
+                  </a:schemeClr>
+                </a:solidFill>
+              </a:rPr>
+              <a:t>Relative Layout</a:t>
+            </a:r>
+            <a:endParaRPr lang="en-IN" sz="6600" dirty="0">
+              <a:solidFill>
+                <a:schemeClr val="tx1">
+                  <a:lumMod val="95000"/>
+                </a:schemeClr>
+              </a:solidFill>
+            </a:endParaRPr>
+          </a:p>
+        </p:txBody>
+      </p:sp>
+      <p:sp>
+        <p:nvSpPr>
+          <p:cNvPr id="3" name="Subtitle 2"/>
+          <p:cNvSpPr txBox="1">
+            <a:spLocks/>
+          </p:cNvSpPr>
+          <p:nvPr/>
+        </p:nvSpPr>
+        <p:spPr>
+          <a:xfrm>
+            <a:off x="2597922" y="3086101"/>
+            <a:ext cx="8083466" cy="428625"/>
+          </a:xfrm>
+          <a:prstGeom prst="rect">
+            <a:avLst/>
+          </a:prstGeom>
+        </p:spPr>
+        <p:txBody>
+          <a:bodyPr vert="horz" lIns="91440" tIns="45720" rIns="91440" bIns="45720" rtlCol="0">
+            <a:noAutofit/>
+          </a:bodyPr>
+          <a:lstStyle>
+            <a:lvl1pPr marL="228600" indent="-228600" algn="l" defTabSz="914400" rtl="0" eaLnBrk="1" latinLnBrk="0" hangingPunct="1">
+              <a:lnSpc>
+                <a:spcPct val="90000"/>
+              </a:lnSpc>
+              <a:spcBef>
+                <a:spcPts val="1000"/>
+              </a:spcBef>
+              <a:buFont typeface="Arial" panose="020B0604020202020204" pitchFamily="34" charset="0"/>
+              <a:buChar char="•"/>
+              <a:defRPr sz="2800" kern="1200">
+                <a:solidFill>
+                  <a:schemeClr val="tx1"/>
+                </a:solidFill>
+                <a:latin typeface="+mn-lt"/>
+                <a:ea typeface="+mn-ea"/>
+                <a:cs typeface="+mn-cs"/>
+              </a:defRPr>
+            </a:lvl1pPr>
+            <a:lvl2pPr marL="685800" indent="-228600" algn="l" defTabSz="914400" rtl="0" eaLnBrk="1" latinLnBrk="0" hangingPunct="1">
+              <a:lnSpc>
+                <a:spcPct val="90000"/>
+              </a:lnSpc>
+              <a:spcBef>
+                <a:spcPts val="500"/>
+              </a:spcBef>
+              <a:buFont typeface="Arial" panose="020B0604020202020204" pitchFamily="34" charset="0"/>
+              <a:buChar char="•"/>
+              <a:defRPr sz="2400" kern="1200">
+                <a:solidFill>
+                  <a:schemeClr val="tx1"/>
+                </a:solidFill>
+                <a:latin typeface="+mn-lt"/>
+                <a:ea typeface="+mn-ea"/>
+                <a:cs typeface="+mn-cs"/>
+              </a:defRPr>
+            </a:lvl2pPr>
+            <a:lvl3pPr marL="1143000" indent="-228600" algn="l" defTabSz="914400" rtl="0" eaLnBrk="1" latinLnBrk="0" hangingPunct="1">
+              <a:lnSpc>
+                <a:spcPct val="90000"/>
+              </a:lnSpc>
+              <a:spcBef>
+                <a:spcPts val="500"/>
+              </a:spcBef>
+              <a:buFont typeface="Arial" panose="020B0604020202020204" pitchFamily="34" charset="0"/>
+              <a:buChar char="•"/>
+              <a:defRPr sz="2000" kern="1200">
+                <a:solidFill>
+                  <a:schemeClr val="tx1"/>
+                </a:solidFill>
+                <a:latin typeface="+mn-lt"/>
+                <a:ea typeface="+mn-ea"/>
+                <a:cs typeface="+mn-cs"/>
+              </a:defRPr>
+            </a:lvl3pPr>
+            <a:lvl4pPr marL="1600200" indent="-228600" algn="l" defTabSz="914400" rtl="0" eaLnBrk="1" latinLnBrk="0" hangingPunct="1">
+              <a:lnSpc>
+                <a:spcPct val="90000"/>
+              </a:lnSpc>
+              <a:spcBef>
+                <a:spcPts val="500"/>
+              </a:spcBef>
+              <a:buFont typeface="Arial" panose="020B0604020202020204" pitchFamily="34" charset="0"/>
+              <a:buChar char="•"/>
+              <a:defRPr sz="1800" kern="1200">
+                <a:solidFill>
+                  <a:schemeClr val="tx1"/>
+                </a:solidFill>
+                <a:latin typeface="+mn-lt"/>
+                <a:ea typeface="+mn-ea"/>
+                <a:cs typeface="+mn-cs"/>
+              </a:defRPr>
+            </a:lvl4pPr>
+            <a:lvl5pPr marL="2057400" indent="-228600" algn="l" defTabSz="914400" rtl="0" eaLnBrk="1" latinLnBrk="0" hangingPunct="1">
+              <a:lnSpc>
+                <a:spcPct val="90000"/>
+              </a:lnSpc>
+              <a:spcBef>
+                <a:spcPts val="500"/>
+              </a:spcBef>
+              <a:buFont typeface="Arial" panose="020B0604020202020204" pitchFamily="34" charset="0"/>
+              <a:buChar char="•"/>
+              <a:defRPr sz="1800" kern="1200">
+                <a:solidFill>
+                  <a:schemeClr val="tx1"/>
+                </a:solidFill>
+                <a:latin typeface="+mn-lt"/>
+                <a:ea typeface="+mn-ea"/>
+                <a:cs typeface="+mn-cs"/>
+              </a:defRPr>
+            </a:lvl5pPr>
+            <a:lvl6pPr marL="2514600" indent="-228600" algn="l" defTabSz="914400" rtl="0" eaLnBrk="1" latinLnBrk="0" hangingPunct="1">
+              <a:lnSpc>
+                <a:spcPct val="90000"/>
+              </a:lnSpc>
+              <a:spcBef>
+                <a:spcPts val="500"/>
+              </a:spcBef>
+              <a:buFont typeface="Arial" panose="020B0604020202020204" pitchFamily="34" charset="0"/>
+              <a:buChar char="•"/>
+              <a:defRPr sz="1800" kern="1200">
+                <a:solidFill>
+                  <a:schemeClr val="tx1"/>
+                </a:solidFill>
+                <a:latin typeface="+mn-lt"/>
+                <a:ea typeface="+mn-ea"/>
+                <a:cs typeface="+mn-cs"/>
+              </a:defRPr>
+            </a:lvl6pPr>
+            <a:lvl7pPr marL="2971800" indent="-228600" algn="l" defTabSz="914400" rtl="0" eaLnBrk="1" latinLnBrk="0" hangingPunct="1">
+              <a:lnSpc>
+                <a:spcPct val="90000"/>
+              </a:lnSpc>
+              <a:spcBef>
+                <a:spcPts val="500"/>
+              </a:spcBef>
+              <a:buFont typeface="Arial" panose="020B0604020202020204" pitchFamily="34" charset="0"/>
+              <a:buChar char="•"/>
+              <a:defRPr sz="1800" kern="1200">
+                <a:solidFill>
+                  <a:schemeClr val="tx1"/>
+                </a:solidFill>
+                <a:latin typeface="+mn-lt"/>
+                <a:ea typeface="+mn-ea"/>
+                <a:cs typeface="+mn-cs"/>
+              </a:defRPr>
+            </a:lvl7pPr>
+            <a:lvl8pPr marL="3429000" indent="-228600" algn="l" defTabSz="914400" rtl="0" eaLnBrk="1" latinLnBrk="0" hangingPunct="1">
+              <a:lnSpc>
+                <a:spcPct val="90000"/>
+              </a:lnSpc>
+              <a:spcBef>
+                <a:spcPts val="500"/>
+              </a:spcBef>
+              <a:buFont typeface="Arial" panose="020B0604020202020204" pitchFamily="34" charset="0"/>
+              <a:buChar char="•"/>
+              <a:defRPr sz="1800" kern="1200">
+                <a:solidFill>
+                  <a:schemeClr val="tx1"/>
+                </a:solidFill>
+                <a:latin typeface="+mn-lt"/>
+                <a:ea typeface="+mn-ea"/>
+                <a:cs typeface="+mn-cs"/>
+              </a:defRPr>
+            </a:lvl8pPr>
+            <a:lvl9pPr marL="3886200" indent="-228600" algn="l" defTabSz="914400" rtl="0" eaLnBrk="1" latinLnBrk="0" hangingPunct="1">
+              <a:lnSpc>
+                <a:spcPct val="90000"/>
+              </a:lnSpc>
+              <a:spcBef>
+                <a:spcPts val="500"/>
+              </a:spcBef>
+              <a:buFont typeface="Arial" panose="020B0604020202020204" pitchFamily="34" charset="0"/>
+              <a:buChar char="•"/>
+              <a:defRPr sz="1800" kern="1200">
+                <a:solidFill>
+                  <a:schemeClr val="tx1"/>
+                </a:solidFill>
+                <a:latin typeface="+mn-lt"/>
+                <a:ea typeface="+mn-ea"/>
+                <a:cs typeface="+mn-cs"/>
+              </a:defRPr>
+            </a:lvl9pPr>
+          </a:lstStyle>
+          <a:p>
+            <a:pPr marL="0" indent="0">
+              <a:buNone/>
+            </a:pPr>
+            <a:r>
+              <a:rPr lang="en-IN" sz="3200" dirty="0" smtClean="0">
+                <a:solidFill>
+                  <a:schemeClr val="tx1">
+                    <a:lumMod val="95000"/>
+                  </a:schemeClr>
+                </a:solidFill>
+              </a:rPr>
+              <a:t>Allows child views relative to their parent</a:t>
+            </a:r>
+            <a:endParaRPr lang="en-IN" sz="3200" dirty="0">
+              <a:solidFill>
+                <a:schemeClr val="tx1">
+                  <a:lumMod val="95000"/>
+                </a:schemeClr>
+              </a:solidFill>
+            </a:endParaRPr>
+          </a:p>
+        </p:txBody>
+      </p:sp>
+    </p:spTree>
+    <p:extLst>
+      <p:ext uri="{BB962C8B-B14F-4D97-AF65-F5344CB8AC3E}">
+        <p14:creationId xmlns:p14="http://schemas.microsoft.com/office/powerpoint/2010/main" val="3876605802"/>
+      </p:ext>
+    </p:extLst>
+  </p:cSld>
+  <p:clrMapOvr>
+    <a:masterClrMapping/>
+  </p:clrMapOvr>
+  <p:timing>
+    <p:tnLst>
+      <p:par>
+        <p:cTn id="1" dur="indefinite" restart="never" nodeType="tmRoot"/>
+      </p:par>
+    </p:tnLst>
+  </p:timing>
+</p:sld>
+</file>
+
+<file path=ppt/slides/slide21.xml><?xml version="1.0" encoding="utf-8"?>
 <p:sld xmlns:a="http://schemas.openxmlformats.org/drawingml/2006/main" xmlns:r="http://schemas.openxmlformats.org/officeDocument/2006/relationships" xmlns:p="http://schemas.openxmlformats.org/presentationml/2006/main">
   <p:cSld>
     <p:spTree>
@@ -8904,7 +10103,7 @@
           <p:cNvPr id="4" name="Group 3">
             <a:extLst>
               <a:ext uri="{FF2B5EF4-FFF2-40B4-BE49-F238E27FC236}">
-                <a16:creationId xmlns:a16="http://schemas.microsoft.com/office/drawing/2014/main" id="{946F5448-C9AC-483D-A9E1-4910AAC001A2}"/>
+                <a16:creationId xmlns="" xmlns:a16="http://schemas.microsoft.com/office/drawing/2014/main" id="{946F5448-C9AC-483D-A9E1-4910AAC001A2}"/>
               </a:ext>
             </a:extLst>
           </p:cNvPr>
@@ -8994,150 +10193,13 @@
   <p:clrMapOvr>
     <a:masterClrMapping/>
   </p:clrMapOvr>
-</p:sld>
-</file>
-
-<file path=ppt/slides/slide2.xml><?xml version="1.0" encoding="utf-8"?>
-<p:sld xmlns:a="http://schemas.openxmlformats.org/drawingml/2006/main" xmlns:r="http://schemas.openxmlformats.org/officeDocument/2006/relationships" xmlns:p="http://schemas.openxmlformats.org/presentationml/2006/main">
-  <p:cSld>
-    <p:spTree>
-      <p:nvGrpSpPr>
-        <p:cNvPr id="1" name=""/>
-        <p:cNvGrpSpPr/>
-        <p:nvPr/>
-      </p:nvGrpSpPr>
-      <p:grpSpPr>
-        <a:xfrm>
-          <a:off x="0" y="0"/>
-          <a:ext cx="0" cy="0"/>
-          <a:chOff x="0" y="0"/>
-          <a:chExt cx="0" cy="0"/>
-        </a:xfrm>
-      </p:grpSpPr>
-      <p:sp>
-        <p:nvSpPr>
-          <p:cNvPr id="3" name="Subtitle 2"/>
-          <p:cNvSpPr>
-            <a:spLocks noGrp="1"/>
-          </p:cNvSpPr>
-          <p:nvPr>
-            <p:ph type="subTitle" idx="1"/>
-          </p:nvPr>
-        </p:nvSpPr>
-        <p:spPr>
-          <a:xfrm>
-            <a:off x="3419903" y="3248886"/>
-            <a:ext cx="1647825" cy="428625"/>
-          </a:xfrm>
-        </p:spPr>
-        <p:txBody>
-          <a:bodyPr/>
-          <a:lstStyle/>
-          <a:p>
-            <a:pPr algn="r"/>
-            <a:r>
-              <a:rPr lang="en-IN" dirty="0" err="1"/>
-              <a:t>BitCoders</a:t>
-            </a:r>
-            <a:endParaRPr lang="en-IN" dirty="0"/>
-          </a:p>
-        </p:txBody>
-      </p:sp>
-      <p:pic>
-        <p:nvPicPr>
-          <p:cNvPr id="4" name="Picture 3"/>
-          <p:cNvPicPr>
-            <a:picLocks noChangeAspect="1"/>
-          </p:cNvPicPr>
-          <p:nvPr/>
-        </p:nvPicPr>
-        <p:blipFill>
-          <a:blip r:embed="rId2">
-            <a:extLst>
-              <a:ext uri="{28A0092B-C50C-407E-A947-70E740481C1C}">
-                <a14:useLocalDpi xmlns:a14="http://schemas.microsoft.com/office/drawing/2010/main" val="0"/>
-              </a:ext>
-            </a:extLst>
-          </a:blip>
-          <a:stretch>
-            <a:fillRect/>
-          </a:stretch>
-        </p:blipFill>
-        <p:spPr>
-          <a:xfrm>
-            <a:off x="5067728" y="2995738"/>
-            <a:ext cx="895136" cy="934920"/>
-          </a:xfrm>
-          <a:prstGeom prst="rect">
-            <a:avLst/>
-          </a:prstGeom>
-        </p:spPr>
-      </p:pic>
-      <p:sp>
-        <p:nvSpPr>
-          <p:cNvPr id="5" name="TextBox 4"/>
-          <p:cNvSpPr txBox="1"/>
-          <p:nvPr/>
-        </p:nvSpPr>
-        <p:spPr>
-          <a:xfrm>
-            <a:off x="6153792" y="2680761"/>
-            <a:ext cx="2790825" cy="1323439"/>
-          </a:xfrm>
-          <a:prstGeom prst="rect">
-            <a:avLst/>
-          </a:prstGeom>
-          <a:noFill/>
-        </p:spPr>
-        <p:txBody>
-          <a:bodyPr wrap="square" rtlCol="0">
-            <a:spAutoFit/>
-          </a:bodyPr>
-          <a:lstStyle/>
-          <a:p>
-            <a:r>
-              <a:rPr lang="en-IN" sz="2000" dirty="0" err="1"/>
-              <a:t>Debayan</a:t>
-            </a:r>
-            <a:r>
-              <a:rPr lang="en-IN" sz="2000" dirty="0"/>
-              <a:t> De</a:t>
-            </a:r>
-          </a:p>
-          <a:p>
-            <a:r>
-              <a:rPr lang="en-IN" sz="2000" dirty="0" err="1"/>
-              <a:t>Rohit</a:t>
-            </a:r>
-            <a:r>
-              <a:rPr lang="en-IN" sz="2000" dirty="0"/>
-              <a:t> Das</a:t>
-            </a:r>
-          </a:p>
-          <a:p>
-            <a:r>
-              <a:rPr lang="en-IN" sz="2000" dirty="0"/>
-              <a:t>Rudra Nil Basu</a:t>
-            </a:r>
-          </a:p>
-          <a:p>
-            <a:r>
-              <a:rPr lang="en-IN" sz="2000" dirty="0"/>
-              <a:t>Sumitra Chowdhury</a:t>
-            </a:r>
-          </a:p>
-        </p:txBody>
-      </p:sp>
-    </p:spTree>
-    <p:extLst>
-      <p:ext uri="{BB962C8B-B14F-4D97-AF65-F5344CB8AC3E}">
-        <p14:creationId xmlns:p14="http://schemas.microsoft.com/office/powerpoint/2010/main" val="1176091605"/>
-      </p:ext>
-    </p:extLst>
-  </p:cSld>
-  <p:clrMapOvr>
-    <a:masterClrMapping/>
-  </p:clrMapOvr>
+  <p:timing>
+    <p:tnLst>
+      <p:par>
+        <p:cTn id="1" dur="indefinite" restart="never" nodeType="tmRoot"/>
+      </p:par>
+    </p:tnLst>
+  </p:timing>
 </p:sld>
 </file>
 
@@ -9198,6 +10260,13 @@
   <p:clrMapOvr>
     <a:masterClrMapping/>
   </p:clrMapOvr>
+  <p:timing>
+    <p:tnLst>
+      <p:par>
+        <p:cTn id="1" dur="indefinite" restart="never" nodeType="tmRoot"/>
+      </p:par>
+    </p:tnLst>
+  </p:timing>
 </p:sld>
 </file>
 
@@ -9406,6 +10475,13 @@
   <p:clrMapOvr>
     <a:masterClrMapping/>
   </p:clrMapOvr>
+  <p:timing>
+    <p:tnLst>
+      <p:par>
+        <p:cTn id="1" dur="indefinite" restart="never" nodeType="tmRoot"/>
+      </p:par>
+    </p:tnLst>
+  </p:timing>
 </p:sld>
 </file>
 
@@ -9463,6 +10539,13 @@
   <p:clrMapOvr>
     <a:masterClrMapping/>
   </p:clrMapOvr>
+  <p:timing>
+    <p:tnLst>
+      <p:par>
+        <p:cTn id="1" dur="indefinite" restart="never" nodeType="tmRoot"/>
+      </p:par>
+    </p:tnLst>
+  </p:timing>
 </p:sld>
 </file>
 
@@ -9547,6 +10630,13 @@
   <p:clrMapOvr>
     <a:masterClrMapping/>
   </p:clrMapOvr>
+  <p:timing>
+    <p:tnLst>
+      <p:par>
+        <p:cTn id="1" dur="indefinite" restart="never" nodeType="tmRoot"/>
+      </p:par>
+    </p:tnLst>
+  </p:timing>
 </p:sld>
 </file>
 
@@ -9631,6 +10721,13 @@
   <p:clrMapOvr>
     <a:masterClrMapping/>
   </p:clrMapOvr>
+  <p:timing>
+    <p:tnLst>
+      <p:par>
+        <p:cTn id="1" dur="indefinite" restart="never" nodeType="tmRoot"/>
+      </p:par>
+    </p:tnLst>
+  </p:timing>
 </p:sld>
 </file>
 
@@ -9715,6 +10812,13 @@
   <p:clrMapOvr>
     <a:masterClrMapping/>
   </p:clrMapOvr>
+  <p:timing>
+    <p:tnLst>
+      <p:par>
+        <p:cTn id="1" dur="indefinite" restart="never" nodeType="tmRoot"/>
+      </p:par>
+    </p:tnLst>
+  </p:timing>
 </p:sld>
 </file>
 
@@ -10006,6 +11110,13 @@
   <p:clrMapOvr>
     <a:masterClrMapping/>
   </p:clrMapOvr>
+  <p:timing>
+    <p:tnLst>
+      <p:par>
+        <p:cTn id="1" dur="indefinite" restart="never" nodeType="tmRoot"/>
+      </p:par>
+    </p:tnLst>
+  </p:timing>
 </p:sld>
 </file>
 

--- a/The design and development of AIRYL.pptx
+++ b/The design and development of AIRYL.pptx
@@ -25,7 +25,8 @@
     <p:sldId id="275" r:id="rId19"/>
     <p:sldId id="276" r:id="rId20"/>
     <p:sldId id="277" r:id="rId21"/>
-    <p:sldId id="269" r:id="rId22"/>
+    <p:sldId id="278" r:id="rId22"/>
+    <p:sldId id="269" r:id="rId23"/>
   </p:sldIdLst>
   <p:sldSz cx="12192000" cy="6858000"/>
   <p:notesSz cx="6858000" cy="9144000"/>
@@ -10037,6 +10038,714 @@
       </p:grpSpPr>
       <p:sp>
         <p:nvSpPr>
+          <p:cNvPr id="5" name="Subtitle 2"/>
+          <p:cNvSpPr txBox="1">
+            <a:spLocks/>
+          </p:cNvSpPr>
+          <p:nvPr/>
+        </p:nvSpPr>
+        <p:spPr>
+          <a:xfrm>
+            <a:off x="3474961" y="564201"/>
+            <a:ext cx="5867915" cy="428625"/>
+          </a:xfrm>
+          <a:prstGeom prst="rect">
+            <a:avLst/>
+          </a:prstGeom>
+        </p:spPr>
+        <p:txBody>
+          <a:bodyPr vert="horz" lIns="91440" tIns="45720" rIns="91440" bIns="45720" rtlCol="0">
+            <a:noAutofit/>
+          </a:bodyPr>
+          <a:lstStyle>
+            <a:lvl1pPr marL="228600" indent="-228600" algn="l" defTabSz="914400" rtl="0" eaLnBrk="1" latinLnBrk="0" hangingPunct="1">
+              <a:lnSpc>
+                <a:spcPct val="90000"/>
+              </a:lnSpc>
+              <a:spcBef>
+                <a:spcPts val="1000"/>
+              </a:spcBef>
+              <a:buFont typeface="Arial" panose="020B0604020202020204" pitchFamily="34" charset="0"/>
+              <a:buChar char="•"/>
+              <a:defRPr sz="2800" kern="1200">
+                <a:solidFill>
+                  <a:schemeClr val="tx1"/>
+                </a:solidFill>
+                <a:latin typeface="+mn-lt"/>
+                <a:ea typeface="+mn-ea"/>
+                <a:cs typeface="+mn-cs"/>
+              </a:defRPr>
+            </a:lvl1pPr>
+            <a:lvl2pPr marL="685800" indent="-228600" algn="l" defTabSz="914400" rtl="0" eaLnBrk="1" latinLnBrk="0" hangingPunct="1">
+              <a:lnSpc>
+                <a:spcPct val="90000"/>
+              </a:lnSpc>
+              <a:spcBef>
+                <a:spcPts val="500"/>
+              </a:spcBef>
+              <a:buFont typeface="Arial" panose="020B0604020202020204" pitchFamily="34" charset="0"/>
+              <a:buChar char="•"/>
+              <a:defRPr sz="2400" kern="1200">
+                <a:solidFill>
+                  <a:schemeClr val="tx1"/>
+                </a:solidFill>
+                <a:latin typeface="+mn-lt"/>
+                <a:ea typeface="+mn-ea"/>
+                <a:cs typeface="+mn-cs"/>
+              </a:defRPr>
+            </a:lvl2pPr>
+            <a:lvl3pPr marL="1143000" indent="-228600" algn="l" defTabSz="914400" rtl="0" eaLnBrk="1" latinLnBrk="0" hangingPunct="1">
+              <a:lnSpc>
+                <a:spcPct val="90000"/>
+              </a:lnSpc>
+              <a:spcBef>
+                <a:spcPts val="500"/>
+              </a:spcBef>
+              <a:buFont typeface="Arial" panose="020B0604020202020204" pitchFamily="34" charset="0"/>
+              <a:buChar char="•"/>
+              <a:defRPr sz="2000" kern="1200">
+                <a:solidFill>
+                  <a:schemeClr val="tx1"/>
+                </a:solidFill>
+                <a:latin typeface="+mn-lt"/>
+                <a:ea typeface="+mn-ea"/>
+                <a:cs typeface="+mn-cs"/>
+              </a:defRPr>
+            </a:lvl3pPr>
+            <a:lvl4pPr marL="1600200" indent="-228600" algn="l" defTabSz="914400" rtl="0" eaLnBrk="1" latinLnBrk="0" hangingPunct="1">
+              <a:lnSpc>
+                <a:spcPct val="90000"/>
+              </a:lnSpc>
+              <a:spcBef>
+                <a:spcPts val="500"/>
+              </a:spcBef>
+              <a:buFont typeface="Arial" panose="020B0604020202020204" pitchFamily="34" charset="0"/>
+              <a:buChar char="•"/>
+              <a:defRPr sz="1800" kern="1200">
+                <a:solidFill>
+                  <a:schemeClr val="tx1"/>
+                </a:solidFill>
+                <a:latin typeface="+mn-lt"/>
+                <a:ea typeface="+mn-ea"/>
+                <a:cs typeface="+mn-cs"/>
+              </a:defRPr>
+            </a:lvl4pPr>
+            <a:lvl5pPr marL="2057400" indent="-228600" algn="l" defTabSz="914400" rtl="0" eaLnBrk="1" latinLnBrk="0" hangingPunct="1">
+              <a:lnSpc>
+                <a:spcPct val="90000"/>
+              </a:lnSpc>
+              <a:spcBef>
+                <a:spcPts val="500"/>
+              </a:spcBef>
+              <a:buFont typeface="Arial" panose="020B0604020202020204" pitchFamily="34" charset="0"/>
+              <a:buChar char="•"/>
+              <a:defRPr sz="1800" kern="1200">
+                <a:solidFill>
+                  <a:schemeClr val="tx1"/>
+                </a:solidFill>
+                <a:latin typeface="+mn-lt"/>
+                <a:ea typeface="+mn-ea"/>
+                <a:cs typeface="+mn-cs"/>
+              </a:defRPr>
+            </a:lvl5pPr>
+            <a:lvl6pPr marL="2514600" indent="-228600" algn="l" defTabSz="914400" rtl="0" eaLnBrk="1" latinLnBrk="0" hangingPunct="1">
+              <a:lnSpc>
+                <a:spcPct val="90000"/>
+              </a:lnSpc>
+              <a:spcBef>
+                <a:spcPts val="500"/>
+              </a:spcBef>
+              <a:buFont typeface="Arial" panose="020B0604020202020204" pitchFamily="34" charset="0"/>
+              <a:buChar char="•"/>
+              <a:defRPr sz="1800" kern="1200">
+                <a:solidFill>
+                  <a:schemeClr val="tx1"/>
+                </a:solidFill>
+                <a:latin typeface="+mn-lt"/>
+                <a:ea typeface="+mn-ea"/>
+                <a:cs typeface="+mn-cs"/>
+              </a:defRPr>
+            </a:lvl6pPr>
+            <a:lvl7pPr marL="2971800" indent="-228600" algn="l" defTabSz="914400" rtl="0" eaLnBrk="1" latinLnBrk="0" hangingPunct="1">
+              <a:lnSpc>
+                <a:spcPct val="90000"/>
+              </a:lnSpc>
+              <a:spcBef>
+                <a:spcPts val="500"/>
+              </a:spcBef>
+              <a:buFont typeface="Arial" panose="020B0604020202020204" pitchFamily="34" charset="0"/>
+              <a:buChar char="•"/>
+              <a:defRPr sz="1800" kern="1200">
+                <a:solidFill>
+                  <a:schemeClr val="tx1"/>
+                </a:solidFill>
+                <a:latin typeface="+mn-lt"/>
+                <a:ea typeface="+mn-ea"/>
+                <a:cs typeface="+mn-cs"/>
+              </a:defRPr>
+            </a:lvl7pPr>
+            <a:lvl8pPr marL="3429000" indent="-228600" algn="l" defTabSz="914400" rtl="0" eaLnBrk="1" latinLnBrk="0" hangingPunct="1">
+              <a:lnSpc>
+                <a:spcPct val="90000"/>
+              </a:lnSpc>
+              <a:spcBef>
+                <a:spcPts val="500"/>
+              </a:spcBef>
+              <a:buFont typeface="Arial" panose="020B0604020202020204" pitchFamily="34" charset="0"/>
+              <a:buChar char="•"/>
+              <a:defRPr sz="1800" kern="1200">
+                <a:solidFill>
+                  <a:schemeClr val="tx1"/>
+                </a:solidFill>
+                <a:latin typeface="+mn-lt"/>
+                <a:ea typeface="+mn-ea"/>
+                <a:cs typeface="+mn-cs"/>
+              </a:defRPr>
+            </a:lvl8pPr>
+            <a:lvl9pPr marL="3886200" indent="-228600" algn="l" defTabSz="914400" rtl="0" eaLnBrk="1" latinLnBrk="0" hangingPunct="1">
+              <a:lnSpc>
+                <a:spcPct val="90000"/>
+              </a:lnSpc>
+              <a:spcBef>
+                <a:spcPts val="500"/>
+              </a:spcBef>
+              <a:buFont typeface="Arial" panose="020B0604020202020204" pitchFamily="34" charset="0"/>
+              <a:buChar char="•"/>
+              <a:defRPr sz="1800" kern="1200">
+                <a:solidFill>
+                  <a:schemeClr val="tx1"/>
+                </a:solidFill>
+                <a:latin typeface="+mn-lt"/>
+                <a:ea typeface="+mn-ea"/>
+                <a:cs typeface="+mn-cs"/>
+              </a:defRPr>
+            </a:lvl9pPr>
+          </a:lstStyle>
+          <a:p>
+            <a:pPr marL="0" indent="0">
+              <a:buNone/>
+            </a:pPr>
+            <a:r>
+              <a:rPr lang="en-IN" sz="6600" dirty="0" smtClean="0">
+                <a:solidFill>
+                  <a:schemeClr val="tx1">
+                    <a:lumMod val="95000"/>
+                  </a:schemeClr>
+                </a:solidFill>
+              </a:rPr>
+              <a:t>Relative Layout</a:t>
+            </a:r>
+            <a:endParaRPr lang="en-IN" sz="6600" dirty="0">
+              <a:solidFill>
+                <a:schemeClr val="tx1">
+                  <a:lumMod val="95000"/>
+                </a:schemeClr>
+              </a:solidFill>
+            </a:endParaRPr>
+          </a:p>
+        </p:txBody>
+      </p:sp>
+      <p:sp>
+        <p:nvSpPr>
+          <p:cNvPr id="3" name="Subtitle 2"/>
+          <p:cNvSpPr txBox="1">
+            <a:spLocks/>
+          </p:cNvSpPr>
+          <p:nvPr/>
+        </p:nvSpPr>
+        <p:spPr>
+          <a:xfrm>
+            <a:off x="2768838" y="1821323"/>
+            <a:ext cx="8083466" cy="428625"/>
+          </a:xfrm>
+          <a:prstGeom prst="rect">
+            <a:avLst/>
+          </a:prstGeom>
+        </p:spPr>
+        <p:txBody>
+          <a:bodyPr vert="horz" lIns="91440" tIns="45720" rIns="91440" bIns="45720" rtlCol="0">
+            <a:noAutofit/>
+          </a:bodyPr>
+          <a:lstStyle>
+            <a:lvl1pPr marL="228600" indent="-228600" algn="l" defTabSz="914400" rtl="0" eaLnBrk="1" latinLnBrk="0" hangingPunct="1">
+              <a:lnSpc>
+                <a:spcPct val="90000"/>
+              </a:lnSpc>
+              <a:spcBef>
+                <a:spcPts val="1000"/>
+              </a:spcBef>
+              <a:buFont typeface="Arial" panose="020B0604020202020204" pitchFamily="34" charset="0"/>
+              <a:buChar char="•"/>
+              <a:defRPr sz="2800" kern="1200">
+                <a:solidFill>
+                  <a:schemeClr val="tx1"/>
+                </a:solidFill>
+                <a:latin typeface="+mn-lt"/>
+                <a:ea typeface="+mn-ea"/>
+                <a:cs typeface="+mn-cs"/>
+              </a:defRPr>
+            </a:lvl1pPr>
+            <a:lvl2pPr marL="685800" indent="-228600" algn="l" defTabSz="914400" rtl="0" eaLnBrk="1" latinLnBrk="0" hangingPunct="1">
+              <a:lnSpc>
+                <a:spcPct val="90000"/>
+              </a:lnSpc>
+              <a:spcBef>
+                <a:spcPts val="500"/>
+              </a:spcBef>
+              <a:buFont typeface="Arial" panose="020B0604020202020204" pitchFamily="34" charset="0"/>
+              <a:buChar char="•"/>
+              <a:defRPr sz="2400" kern="1200">
+                <a:solidFill>
+                  <a:schemeClr val="tx1"/>
+                </a:solidFill>
+                <a:latin typeface="+mn-lt"/>
+                <a:ea typeface="+mn-ea"/>
+                <a:cs typeface="+mn-cs"/>
+              </a:defRPr>
+            </a:lvl2pPr>
+            <a:lvl3pPr marL="1143000" indent="-228600" algn="l" defTabSz="914400" rtl="0" eaLnBrk="1" latinLnBrk="0" hangingPunct="1">
+              <a:lnSpc>
+                <a:spcPct val="90000"/>
+              </a:lnSpc>
+              <a:spcBef>
+                <a:spcPts val="500"/>
+              </a:spcBef>
+              <a:buFont typeface="Arial" panose="020B0604020202020204" pitchFamily="34" charset="0"/>
+              <a:buChar char="•"/>
+              <a:defRPr sz="2000" kern="1200">
+                <a:solidFill>
+                  <a:schemeClr val="tx1"/>
+                </a:solidFill>
+                <a:latin typeface="+mn-lt"/>
+                <a:ea typeface="+mn-ea"/>
+                <a:cs typeface="+mn-cs"/>
+              </a:defRPr>
+            </a:lvl3pPr>
+            <a:lvl4pPr marL="1600200" indent="-228600" algn="l" defTabSz="914400" rtl="0" eaLnBrk="1" latinLnBrk="0" hangingPunct="1">
+              <a:lnSpc>
+                <a:spcPct val="90000"/>
+              </a:lnSpc>
+              <a:spcBef>
+                <a:spcPts val="500"/>
+              </a:spcBef>
+              <a:buFont typeface="Arial" panose="020B0604020202020204" pitchFamily="34" charset="0"/>
+              <a:buChar char="•"/>
+              <a:defRPr sz="1800" kern="1200">
+                <a:solidFill>
+                  <a:schemeClr val="tx1"/>
+                </a:solidFill>
+                <a:latin typeface="+mn-lt"/>
+                <a:ea typeface="+mn-ea"/>
+                <a:cs typeface="+mn-cs"/>
+              </a:defRPr>
+            </a:lvl4pPr>
+            <a:lvl5pPr marL="2057400" indent="-228600" algn="l" defTabSz="914400" rtl="0" eaLnBrk="1" latinLnBrk="0" hangingPunct="1">
+              <a:lnSpc>
+                <a:spcPct val="90000"/>
+              </a:lnSpc>
+              <a:spcBef>
+                <a:spcPts val="500"/>
+              </a:spcBef>
+              <a:buFont typeface="Arial" panose="020B0604020202020204" pitchFamily="34" charset="0"/>
+              <a:buChar char="•"/>
+              <a:defRPr sz="1800" kern="1200">
+                <a:solidFill>
+                  <a:schemeClr val="tx1"/>
+                </a:solidFill>
+                <a:latin typeface="+mn-lt"/>
+                <a:ea typeface="+mn-ea"/>
+                <a:cs typeface="+mn-cs"/>
+              </a:defRPr>
+            </a:lvl5pPr>
+            <a:lvl6pPr marL="2514600" indent="-228600" algn="l" defTabSz="914400" rtl="0" eaLnBrk="1" latinLnBrk="0" hangingPunct="1">
+              <a:lnSpc>
+                <a:spcPct val="90000"/>
+              </a:lnSpc>
+              <a:spcBef>
+                <a:spcPts val="500"/>
+              </a:spcBef>
+              <a:buFont typeface="Arial" panose="020B0604020202020204" pitchFamily="34" charset="0"/>
+              <a:buChar char="•"/>
+              <a:defRPr sz="1800" kern="1200">
+                <a:solidFill>
+                  <a:schemeClr val="tx1"/>
+                </a:solidFill>
+                <a:latin typeface="+mn-lt"/>
+                <a:ea typeface="+mn-ea"/>
+                <a:cs typeface="+mn-cs"/>
+              </a:defRPr>
+            </a:lvl6pPr>
+            <a:lvl7pPr marL="2971800" indent="-228600" algn="l" defTabSz="914400" rtl="0" eaLnBrk="1" latinLnBrk="0" hangingPunct="1">
+              <a:lnSpc>
+                <a:spcPct val="90000"/>
+              </a:lnSpc>
+              <a:spcBef>
+                <a:spcPts val="500"/>
+              </a:spcBef>
+              <a:buFont typeface="Arial" panose="020B0604020202020204" pitchFamily="34" charset="0"/>
+              <a:buChar char="•"/>
+              <a:defRPr sz="1800" kern="1200">
+                <a:solidFill>
+                  <a:schemeClr val="tx1"/>
+                </a:solidFill>
+                <a:latin typeface="+mn-lt"/>
+                <a:ea typeface="+mn-ea"/>
+                <a:cs typeface="+mn-cs"/>
+              </a:defRPr>
+            </a:lvl7pPr>
+            <a:lvl8pPr marL="3429000" indent="-228600" algn="l" defTabSz="914400" rtl="0" eaLnBrk="1" latinLnBrk="0" hangingPunct="1">
+              <a:lnSpc>
+                <a:spcPct val="90000"/>
+              </a:lnSpc>
+              <a:spcBef>
+                <a:spcPts val="500"/>
+              </a:spcBef>
+              <a:buFont typeface="Arial" panose="020B0604020202020204" pitchFamily="34" charset="0"/>
+              <a:buChar char="•"/>
+              <a:defRPr sz="1800" kern="1200">
+                <a:solidFill>
+                  <a:schemeClr val="tx1"/>
+                </a:solidFill>
+                <a:latin typeface="+mn-lt"/>
+                <a:ea typeface="+mn-ea"/>
+                <a:cs typeface="+mn-cs"/>
+              </a:defRPr>
+            </a:lvl8pPr>
+            <a:lvl9pPr marL="3886200" indent="-228600" algn="l" defTabSz="914400" rtl="0" eaLnBrk="1" latinLnBrk="0" hangingPunct="1">
+              <a:lnSpc>
+                <a:spcPct val="90000"/>
+              </a:lnSpc>
+              <a:spcBef>
+                <a:spcPts val="500"/>
+              </a:spcBef>
+              <a:buFont typeface="Arial" panose="020B0604020202020204" pitchFamily="34" charset="0"/>
+              <a:buChar char="•"/>
+              <a:defRPr sz="1800" kern="1200">
+                <a:solidFill>
+                  <a:schemeClr val="tx1"/>
+                </a:solidFill>
+                <a:latin typeface="+mn-lt"/>
+                <a:ea typeface="+mn-ea"/>
+                <a:cs typeface="+mn-cs"/>
+              </a:defRPr>
+            </a:lvl9pPr>
+          </a:lstStyle>
+          <a:p>
+            <a:pPr marL="0" indent="0">
+              <a:buNone/>
+            </a:pPr>
+            <a:r>
+              <a:rPr lang="en-IN" sz="3200" dirty="0" smtClean="0">
+                <a:solidFill>
+                  <a:schemeClr val="tx1">
+                    <a:lumMod val="95000"/>
+                  </a:schemeClr>
+                </a:solidFill>
+              </a:rPr>
+              <a:t>Allows child views relative to their parent</a:t>
+            </a:r>
+            <a:endParaRPr lang="en-IN" sz="3200" dirty="0">
+              <a:solidFill>
+                <a:schemeClr val="tx1">
+                  <a:lumMod val="95000"/>
+                </a:schemeClr>
+              </a:solidFill>
+            </a:endParaRPr>
+          </a:p>
+        </p:txBody>
+      </p:sp>
+      <p:sp>
+        <p:nvSpPr>
+          <p:cNvPr id="4" name="Subtitle 2"/>
+          <p:cNvSpPr txBox="1">
+            <a:spLocks/>
+          </p:cNvSpPr>
+          <p:nvPr/>
+        </p:nvSpPr>
+        <p:spPr>
+          <a:xfrm>
+            <a:off x="2835780" y="3341050"/>
+            <a:ext cx="8083466" cy="2461544"/>
+          </a:xfrm>
+          <a:prstGeom prst="rect">
+            <a:avLst/>
+          </a:prstGeom>
+        </p:spPr>
+        <p:txBody>
+          <a:bodyPr vert="horz" lIns="91440" tIns="45720" rIns="91440" bIns="45720" rtlCol="0">
+            <a:noAutofit/>
+          </a:bodyPr>
+          <a:lstStyle>
+            <a:lvl1pPr marL="228600" indent="-228600" algn="l" defTabSz="914400" rtl="0" eaLnBrk="1" latinLnBrk="0" hangingPunct="1">
+              <a:lnSpc>
+                <a:spcPct val="90000"/>
+              </a:lnSpc>
+              <a:spcBef>
+                <a:spcPts val="1000"/>
+              </a:spcBef>
+              <a:buFont typeface="Arial" panose="020B0604020202020204" pitchFamily="34" charset="0"/>
+              <a:buChar char="•"/>
+              <a:defRPr sz="2800" kern="1200">
+                <a:solidFill>
+                  <a:schemeClr val="tx1"/>
+                </a:solidFill>
+                <a:latin typeface="+mn-lt"/>
+                <a:ea typeface="+mn-ea"/>
+                <a:cs typeface="+mn-cs"/>
+              </a:defRPr>
+            </a:lvl1pPr>
+            <a:lvl2pPr marL="685800" indent="-228600" algn="l" defTabSz="914400" rtl="0" eaLnBrk="1" latinLnBrk="0" hangingPunct="1">
+              <a:lnSpc>
+                <a:spcPct val="90000"/>
+              </a:lnSpc>
+              <a:spcBef>
+                <a:spcPts val="500"/>
+              </a:spcBef>
+              <a:buFont typeface="Arial" panose="020B0604020202020204" pitchFamily="34" charset="0"/>
+              <a:buChar char="•"/>
+              <a:defRPr sz="2400" kern="1200">
+                <a:solidFill>
+                  <a:schemeClr val="tx1"/>
+                </a:solidFill>
+                <a:latin typeface="+mn-lt"/>
+                <a:ea typeface="+mn-ea"/>
+                <a:cs typeface="+mn-cs"/>
+              </a:defRPr>
+            </a:lvl2pPr>
+            <a:lvl3pPr marL="1143000" indent="-228600" algn="l" defTabSz="914400" rtl="0" eaLnBrk="1" latinLnBrk="0" hangingPunct="1">
+              <a:lnSpc>
+                <a:spcPct val="90000"/>
+              </a:lnSpc>
+              <a:spcBef>
+                <a:spcPts val="500"/>
+              </a:spcBef>
+              <a:buFont typeface="Arial" panose="020B0604020202020204" pitchFamily="34" charset="0"/>
+              <a:buChar char="•"/>
+              <a:defRPr sz="2000" kern="1200">
+                <a:solidFill>
+                  <a:schemeClr val="tx1"/>
+                </a:solidFill>
+                <a:latin typeface="+mn-lt"/>
+                <a:ea typeface="+mn-ea"/>
+                <a:cs typeface="+mn-cs"/>
+              </a:defRPr>
+            </a:lvl3pPr>
+            <a:lvl4pPr marL="1600200" indent="-228600" algn="l" defTabSz="914400" rtl="0" eaLnBrk="1" latinLnBrk="0" hangingPunct="1">
+              <a:lnSpc>
+                <a:spcPct val="90000"/>
+              </a:lnSpc>
+              <a:spcBef>
+                <a:spcPts val="500"/>
+              </a:spcBef>
+              <a:buFont typeface="Arial" panose="020B0604020202020204" pitchFamily="34" charset="0"/>
+              <a:buChar char="•"/>
+              <a:defRPr sz="1800" kern="1200">
+                <a:solidFill>
+                  <a:schemeClr val="tx1"/>
+                </a:solidFill>
+                <a:latin typeface="+mn-lt"/>
+                <a:ea typeface="+mn-ea"/>
+                <a:cs typeface="+mn-cs"/>
+              </a:defRPr>
+            </a:lvl4pPr>
+            <a:lvl5pPr marL="2057400" indent="-228600" algn="l" defTabSz="914400" rtl="0" eaLnBrk="1" latinLnBrk="0" hangingPunct="1">
+              <a:lnSpc>
+                <a:spcPct val="90000"/>
+              </a:lnSpc>
+              <a:spcBef>
+                <a:spcPts val="500"/>
+              </a:spcBef>
+              <a:buFont typeface="Arial" panose="020B0604020202020204" pitchFamily="34" charset="0"/>
+              <a:buChar char="•"/>
+              <a:defRPr sz="1800" kern="1200">
+                <a:solidFill>
+                  <a:schemeClr val="tx1"/>
+                </a:solidFill>
+                <a:latin typeface="+mn-lt"/>
+                <a:ea typeface="+mn-ea"/>
+                <a:cs typeface="+mn-cs"/>
+              </a:defRPr>
+            </a:lvl5pPr>
+            <a:lvl6pPr marL="2514600" indent="-228600" algn="l" defTabSz="914400" rtl="0" eaLnBrk="1" latinLnBrk="0" hangingPunct="1">
+              <a:lnSpc>
+                <a:spcPct val="90000"/>
+              </a:lnSpc>
+              <a:spcBef>
+                <a:spcPts val="500"/>
+              </a:spcBef>
+              <a:buFont typeface="Arial" panose="020B0604020202020204" pitchFamily="34" charset="0"/>
+              <a:buChar char="•"/>
+              <a:defRPr sz="1800" kern="1200">
+                <a:solidFill>
+                  <a:schemeClr val="tx1"/>
+                </a:solidFill>
+                <a:latin typeface="+mn-lt"/>
+                <a:ea typeface="+mn-ea"/>
+                <a:cs typeface="+mn-cs"/>
+              </a:defRPr>
+            </a:lvl6pPr>
+            <a:lvl7pPr marL="2971800" indent="-228600" algn="l" defTabSz="914400" rtl="0" eaLnBrk="1" latinLnBrk="0" hangingPunct="1">
+              <a:lnSpc>
+                <a:spcPct val="90000"/>
+              </a:lnSpc>
+              <a:spcBef>
+                <a:spcPts val="500"/>
+              </a:spcBef>
+              <a:buFont typeface="Arial" panose="020B0604020202020204" pitchFamily="34" charset="0"/>
+              <a:buChar char="•"/>
+              <a:defRPr sz="1800" kern="1200">
+                <a:solidFill>
+                  <a:schemeClr val="tx1"/>
+                </a:solidFill>
+                <a:latin typeface="+mn-lt"/>
+                <a:ea typeface="+mn-ea"/>
+                <a:cs typeface="+mn-cs"/>
+              </a:defRPr>
+            </a:lvl7pPr>
+            <a:lvl8pPr marL="3429000" indent="-228600" algn="l" defTabSz="914400" rtl="0" eaLnBrk="1" latinLnBrk="0" hangingPunct="1">
+              <a:lnSpc>
+                <a:spcPct val="90000"/>
+              </a:lnSpc>
+              <a:spcBef>
+                <a:spcPts val="500"/>
+              </a:spcBef>
+              <a:buFont typeface="Arial" panose="020B0604020202020204" pitchFamily="34" charset="0"/>
+              <a:buChar char="•"/>
+              <a:defRPr sz="1800" kern="1200">
+                <a:solidFill>
+                  <a:schemeClr val="tx1"/>
+                </a:solidFill>
+                <a:latin typeface="+mn-lt"/>
+                <a:ea typeface="+mn-ea"/>
+                <a:cs typeface="+mn-cs"/>
+              </a:defRPr>
+            </a:lvl8pPr>
+            <a:lvl9pPr marL="3886200" indent="-228600" algn="l" defTabSz="914400" rtl="0" eaLnBrk="1" latinLnBrk="0" hangingPunct="1">
+              <a:lnSpc>
+                <a:spcPct val="90000"/>
+              </a:lnSpc>
+              <a:spcBef>
+                <a:spcPts val="500"/>
+              </a:spcBef>
+              <a:buFont typeface="Arial" panose="020B0604020202020204" pitchFamily="34" charset="0"/>
+              <a:buChar char="•"/>
+              <a:defRPr sz="1800" kern="1200">
+                <a:solidFill>
+                  <a:schemeClr val="tx1"/>
+                </a:solidFill>
+                <a:latin typeface="+mn-lt"/>
+                <a:ea typeface="+mn-ea"/>
+                <a:cs typeface="+mn-cs"/>
+              </a:defRPr>
+            </a:lvl9pPr>
+          </a:lstStyle>
+          <a:p>
+            <a:pPr marL="0" indent="0">
+              <a:buNone/>
+            </a:pPr>
+            <a:r>
+              <a:rPr lang="en-IN" sz="3200" dirty="0" err="1" smtClean="0">
+                <a:solidFill>
+                  <a:schemeClr val="tx1">
+                    <a:lumMod val="95000"/>
+                  </a:schemeClr>
+                </a:solidFill>
+              </a:rPr>
+              <a:t>android:layout_alignParentTop</a:t>
+            </a:r>
+            <a:endParaRPr lang="en-IN" sz="3200" dirty="0" smtClean="0">
+              <a:solidFill>
+                <a:schemeClr val="tx1">
+                  <a:lumMod val="95000"/>
+                </a:schemeClr>
+              </a:solidFill>
+            </a:endParaRPr>
+          </a:p>
+          <a:p>
+            <a:pPr marL="0" indent="0">
+              <a:buNone/>
+            </a:pPr>
+            <a:endParaRPr lang="en-IN" sz="3200" dirty="0">
+              <a:solidFill>
+                <a:schemeClr val="tx1">
+                  <a:lumMod val="95000"/>
+                </a:schemeClr>
+              </a:solidFill>
+            </a:endParaRPr>
+          </a:p>
+          <a:p>
+            <a:pPr marL="0" indent="0">
+              <a:buNone/>
+            </a:pPr>
+            <a:r>
+              <a:rPr lang="en-IN" sz="3200" dirty="0" smtClean="0">
+                <a:solidFill>
+                  <a:schemeClr val="tx1">
+                    <a:lumMod val="95000"/>
+                  </a:schemeClr>
+                </a:solidFill>
+              </a:rPr>
+              <a:t>	If “true” makes the top edge of this view match the top edge of </a:t>
+            </a:r>
+            <a:r>
+              <a:rPr lang="en-IN" sz="3200" smtClean="0">
+                <a:solidFill>
+                  <a:schemeClr val="tx1">
+                    <a:lumMod val="95000"/>
+                  </a:schemeClr>
+                </a:solidFill>
+              </a:rPr>
+              <a:t>the parent</a:t>
+            </a:r>
+            <a:endParaRPr lang="en-IN" sz="3200" dirty="0">
+              <a:solidFill>
+                <a:schemeClr val="tx1">
+                  <a:lumMod val="95000"/>
+                </a:schemeClr>
+              </a:solidFill>
+            </a:endParaRPr>
+          </a:p>
+        </p:txBody>
+      </p:sp>
+    </p:spTree>
+    <p:extLst>
+      <p:ext uri="{BB962C8B-B14F-4D97-AF65-F5344CB8AC3E}">
+        <p14:creationId xmlns:p14="http://schemas.microsoft.com/office/powerpoint/2010/main" val="1062012371"/>
+      </p:ext>
+    </p:extLst>
+  </p:cSld>
+  <p:clrMapOvr>
+    <a:masterClrMapping/>
+  </p:clrMapOvr>
+  <p:timing>
+    <p:tnLst>
+      <p:par>
+        <p:cTn id="1" dur="indefinite" restart="never" nodeType="tmRoot"/>
+      </p:par>
+    </p:tnLst>
+  </p:timing>
+</p:sld>
+</file>
+
+<file path=ppt/slides/slide22.xml><?xml version="1.0" encoding="utf-8"?>
+<p:sld xmlns:a="http://schemas.openxmlformats.org/drawingml/2006/main" xmlns:r="http://schemas.openxmlformats.org/officeDocument/2006/relationships" xmlns:p="http://schemas.openxmlformats.org/presentationml/2006/main">
+  <p:cSld>
+    <p:spTree>
+      <p:nvGrpSpPr>
+        <p:cNvPr id="1" name=""/>
+        <p:cNvGrpSpPr/>
+        <p:nvPr/>
+      </p:nvGrpSpPr>
+      <p:grpSpPr>
+        <a:xfrm>
+          <a:off x="0" y="0"/>
+          <a:ext cx="0" cy="0"/>
+          <a:chOff x="0" y="0"/>
+          <a:chExt cx="0" cy="0"/>
+        </a:xfrm>
+      </p:grpSpPr>
+      <p:sp>
+        <p:nvSpPr>
           <p:cNvPr id="2" name="Title 1"/>
           <p:cNvSpPr>
             <a:spLocks noGrp="1"/>

--- a/The design and development of AIRYL.pptx
+++ b/The design and development of AIRYL.pptx
@@ -26,7 +26,10 @@
     <p:sldId id="276" r:id="rId20"/>
     <p:sldId id="277" r:id="rId21"/>
     <p:sldId id="278" r:id="rId22"/>
-    <p:sldId id="269" r:id="rId23"/>
+    <p:sldId id="279" r:id="rId23"/>
+    <p:sldId id="280" r:id="rId24"/>
+    <p:sldId id="281" r:id="rId25"/>
+    <p:sldId id="269" r:id="rId26"/>
   </p:sldIdLst>
   <p:sldSz cx="12192000" cy="6858000"/>
   <p:notesSz cx="6858000" cy="9144000"/>
@@ -10685,17 +10688,7 @@
                   </a:schemeClr>
                 </a:solidFill>
               </a:rPr>
-              <a:t>	If “true” makes the top edge of this view match the top edge of </a:t>
-            </a:r>
-            <a:r>
-              <a:rPr lang="en-IN" sz="3200" smtClean="0">
-                <a:solidFill>
-                  <a:schemeClr val="tx1">
-                    <a:lumMod val="95000"/>
-                  </a:schemeClr>
-                </a:solidFill>
-              </a:rPr>
-              <a:t>the parent</a:t>
+              <a:t>	If “true” makes the top edge of this view match the top edge of the parent</a:t>
             </a:r>
             <a:endParaRPr lang="en-IN" sz="3200" dirty="0">
               <a:solidFill>
@@ -10728,6 +10721,1867 @@
 </file>
 
 <file path=ppt/slides/slide22.xml><?xml version="1.0" encoding="utf-8"?>
+<p:sld xmlns:a="http://schemas.openxmlformats.org/drawingml/2006/main" xmlns:r="http://schemas.openxmlformats.org/officeDocument/2006/relationships" xmlns:p="http://schemas.openxmlformats.org/presentationml/2006/main">
+  <p:cSld>
+    <p:spTree>
+      <p:nvGrpSpPr>
+        <p:cNvPr id="1" name=""/>
+        <p:cNvGrpSpPr/>
+        <p:nvPr/>
+      </p:nvGrpSpPr>
+      <p:grpSpPr>
+        <a:xfrm>
+          <a:off x="0" y="0"/>
+          <a:ext cx="0" cy="0"/>
+          <a:chOff x="0" y="0"/>
+          <a:chExt cx="0" cy="0"/>
+        </a:xfrm>
+      </p:grpSpPr>
+      <p:sp>
+        <p:nvSpPr>
+          <p:cNvPr id="5" name="Subtitle 2"/>
+          <p:cNvSpPr txBox="1">
+            <a:spLocks/>
+          </p:cNvSpPr>
+          <p:nvPr/>
+        </p:nvSpPr>
+        <p:spPr>
+          <a:xfrm>
+            <a:off x="3474961" y="564201"/>
+            <a:ext cx="5867915" cy="428625"/>
+          </a:xfrm>
+          <a:prstGeom prst="rect">
+            <a:avLst/>
+          </a:prstGeom>
+        </p:spPr>
+        <p:txBody>
+          <a:bodyPr vert="horz" lIns="91440" tIns="45720" rIns="91440" bIns="45720" rtlCol="0">
+            <a:noAutofit/>
+          </a:bodyPr>
+          <a:lstStyle>
+            <a:lvl1pPr marL="228600" indent="-228600" algn="l" defTabSz="914400" rtl="0" eaLnBrk="1" latinLnBrk="0" hangingPunct="1">
+              <a:lnSpc>
+                <a:spcPct val="90000"/>
+              </a:lnSpc>
+              <a:spcBef>
+                <a:spcPts val="1000"/>
+              </a:spcBef>
+              <a:buFont typeface="Arial" panose="020B0604020202020204" pitchFamily="34" charset="0"/>
+              <a:buChar char="•"/>
+              <a:defRPr sz="2800" kern="1200">
+                <a:solidFill>
+                  <a:schemeClr val="tx1"/>
+                </a:solidFill>
+                <a:latin typeface="+mn-lt"/>
+                <a:ea typeface="+mn-ea"/>
+                <a:cs typeface="+mn-cs"/>
+              </a:defRPr>
+            </a:lvl1pPr>
+            <a:lvl2pPr marL="685800" indent="-228600" algn="l" defTabSz="914400" rtl="0" eaLnBrk="1" latinLnBrk="0" hangingPunct="1">
+              <a:lnSpc>
+                <a:spcPct val="90000"/>
+              </a:lnSpc>
+              <a:spcBef>
+                <a:spcPts val="500"/>
+              </a:spcBef>
+              <a:buFont typeface="Arial" panose="020B0604020202020204" pitchFamily="34" charset="0"/>
+              <a:buChar char="•"/>
+              <a:defRPr sz="2400" kern="1200">
+                <a:solidFill>
+                  <a:schemeClr val="tx1"/>
+                </a:solidFill>
+                <a:latin typeface="+mn-lt"/>
+                <a:ea typeface="+mn-ea"/>
+                <a:cs typeface="+mn-cs"/>
+              </a:defRPr>
+            </a:lvl2pPr>
+            <a:lvl3pPr marL="1143000" indent="-228600" algn="l" defTabSz="914400" rtl="0" eaLnBrk="1" latinLnBrk="0" hangingPunct="1">
+              <a:lnSpc>
+                <a:spcPct val="90000"/>
+              </a:lnSpc>
+              <a:spcBef>
+                <a:spcPts val="500"/>
+              </a:spcBef>
+              <a:buFont typeface="Arial" panose="020B0604020202020204" pitchFamily="34" charset="0"/>
+              <a:buChar char="•"/>
+              <a:defRPr sz="2000" kern="1200">
+                <a:solidFill>
+                  <a:schemeClr val="tx1"/>
+                </a:solidFill>
+                <a:latin typeface="+mn-lt"/>
+                <a:ea typeface="+mn-ea"/>
+                <a:cs typeface="+mn-cs"/>
+              </a:defRPr>
+            </a:lvl3pPr>
+            <a:lvl4pPr marL="1600200" indent="-228600" algn="l" defTabSz="914400" rtl="0" eaLnBrk="1" latinLnBrk="0" hangingPunct="1">
+              <a:lnSpc>
+                <a:spcPct val="90000"/>
+              </a:lnSpc>
+              <a:spcBef>
+                <a:spcPts val="500"/>
+              </a:spcBef>
+              <a:buFont typeface="Arial" panose="020B0604020202020204" pitchFamily="34" charset="0"/>
+              <a:buChar char="•"/>
+              <a:defRPr sz="1800" kern="1200">
+                <a:solidFill>
+                  <a:schemeClr val="tx1"/>
+                </a:solidFill>
+                <a:latin typeface="+mn-lt"/>
+                <a:ea typeface="+mn-ea"/>
+                <a:cs typeface="+mn-cs"/>
+              </a:defRPr>
+            </a:lvl4pPr>
+            <a:lvl5pPr marL="2057400" indent="-228600" algn="l" defTabSz="914400" rtl="0" eaLnBrk="1" latinLnBrk="0" hangingPunct="1">
+              <a:lnSpc>
+                <a:spcPct val="90000"/>
+              </a:lnSpc>
+              <a:spcBef>
+                <a:spcPts val="500"/>
+              </a:spcBef>
+              <a:buFont typeface="Arial" panose="020B0604020202020204" pitchFamily="34" charset="0"/>
+              <a:buChar char="•"/>
+              <a:defRPr sz="1800" kern="1200">
+                <a:solidFill>
+                  <a:schemeClr val="tx1"/>
+                </a:solidFill>
+                <a:latin typeface="+mn-lt"/>
+                <a:ea typeface="+mn-ea"/>
+                <a:cs typeface="+mn-cs"/>
+              </a:defRPr>
+            </a:lvl5pPr>
+            <a:lvl6pPr marL="2514600" indent="-228600" algn="l" defTabSz="914400" rtl="0" eaLnBrk="1" latinLnBrk="0" hangingPunct="1">
+              <a:lnSpc>
+                <a:spcPct val="90000"/>
+              </a:lnSpc>
+              <a:spcBef>
+                <a:spcPts val="500"/>
+              </a:spcBef>
+              <a:buFont typeface="Arial" panose="020B0604020202020204" pitchFamily="34" charset="0"/>
+              <a:buChar char="•"/>
+              <a:defRPr sz="1800" kern="1200">
+                <a:solidFill>
+                  <a:schemeClr val="tx1"/>
+                </a:solidFill>
+                <a:latin typeface="+mn-lt"/>
+                <a:ea typeface="+mn-ea"/>
+                <a:cs typeface="+mn-cs"/>
+              </a:defRPr>
+            </a:lvl6pPr>
+            <a:lvl7pPr marL="2971800" indent="-228600" algn="l" defTabSz="914400" rtl="0" eaLnBrk="1" latinLnBrk="0" hangingPunct="1">
+              <a:lnSpc>
+                <a:spcPct val="90000"/>
+              </a:lnSpc>
+              <a:spcBef>
+                <a:spcPts val="500"/>
+              </a:spcBef>
+              <a:buFont typeface="Arial" panose="020B0604020202020204" pitchFamily="34" charset="0"/>
+              <a:buChar char="•"/>
+              <a:defRPr sz="1800" kern="1200">
+                <a:solidFill>
+                  <a:schemeClr val="tx1"/>
+                </a:solidFill>
+                <a:latin typeface="+mn-lt"/>
+                <a:ea typeface="+mn-ea"/>
+                <a:cs typeface="+mn-cs"/>
+              </a:defRPr>
+            </a:lvl7pPr>
+            <a:lvl8pPr marL="3429000" indent="-228600" algn="l" defTabSz="914400" rtl="0" eaLnBrk="1" latinLnBrk="0" hangingPunct="1">
+              <a:lnSpc>
+                <a:spcPct val="90000"/>
+              </a:lnSpc>
+              <a:spcBef>
+                <a:spcPts val="500"/>
+              </a:spcBef>
+              <a:buFont typeface="Arial" panose="020B0604020202020204" pitchFamily="34" charset="0"/>
+              <a:buChar char="•"/>
+              <a:defRPr sz="1800" kern="1200">
+                <a:solidFill>
+                  <a:schemeClr val="tx1"/>
+                </a:solidFill>
+                <a:latin typeface="+mn-lt"/>
+                <a:ea typeface="+mn-ea"/>
+                <a:cs typeface="+mn-cs"/>
+              </a:defRPr>
+            </a:lvl8pPr>
+            <a:lvl9pPr marL="3886200" indent="-228600" algn="l" defTabSz="914400" rtl="0" eaLnBrk="1" latinLnBrk="0" hangingPunct="1">
+              <a:lnSpc>
+                <a:spcPct val="90000"/>
+              </a:lnSpc>
+              <a:spcBef>
+                <a:spcPts val="500"/>
+              </a:spcBef>
+              <a:buFont typeface="Arial" panose="020B0604020202020204" pitchFamily="34" charset="0"/>
+              <a:buChar char="•"/>
+              <a:defRPr sz="1800" kern="1200">
+                <a:solidFill>
+                  <a:schemeClr val="tx1"/>
+                </a:solidFill>
+                <a:latin typeface="+mn-lt"/>
+                <a:ea typeface="+mn-ea"/>
+                <a:cs typeface="+mn-cs"/>
+              </a:defRPr>
+            </a:lvl9pPr>
+          </a:lstStyle>
+          <a:p>
+            <a:pPr marL="0" indent="0">
+              <a:buNone/>
+            </a:pPr>
+            <a:r>
+              <a:rPr lang="en-IN" sz="6600" dirty="0" smtClean="0">
+                <a:solidFill>
+                  <a:schemeClr val="tx1">
+                    <a:lumMod val="95000"/>
+                  </a:schemeClr>
+                </a:solidFill>
+              </a:rPr>
+              <a:t>Relative Layout</a:t>
+            </a:r>
+            <a:endParaRPr lang="en-IN" sz="6600" dirty="0">
+              <a:solidFill>
+                <a:schemeClr val="tx1">
+                  <a:lumMod val="95000"/>
+                </a:schemeClr>
+              </a:solidFill>
+            </a:endParaRPr>
+          </a:p>
+        </p:txBody>
+      </p:sp>
+      <p:sp>
+        <p:nvSpPr>
+          <p:cNvPr id="4" name="Subtitle 2"/>
+          <p:cNvSpPr txBox="1">
+            <a:spLocks/>
+          </p:cNvSpPr>
+          <p:nvPr/>
+        </p:nvSpPr>
+        <p:spPr>
+          <a:xfrm>
+            <a:off x="2367185" y="1862626"/>
+            <a:ext cx="8083466" cy="3299033"/>
+          </a:xfrm>
+          <a:prstGeom prst="rect">
+            <a:avLst/>
+          </a:prstGeom>
+        </p:spPr>
+        <p:txBody>
+          <a:bodyPr vert="horz" lIns="91440" tIns="45720" rIns="91440" bIns="45720" rtlCol="0">
+            <a:noAutofit/>
+          </a:bodyPr>
+          <a:lstStyle>
+            <a:lvl1pPr marL="228600" indent="-228600" algn="l" defTabSz="914400" rtl="0" eaLnBrk="1" latinLnBrk="0" hangingPunct="1">
+              <a:lnSpc>
+                <a:spcPct val="90000"/>
+              </a:lnSpc>
+              <a:spcBef>
+                <a:spcPts val="1000"/>
+              </a:spcBef>
+              <a:buFont typeface="Arial" panose="020B0604020202020204" pitchFamily="34" charset="0"/>
+              <a:buChar char="•"/>
+              <a:defRPr sz="2800" kern="1200">
+                <a:solidFill>
+                  <a:schemeClr val="tx1"/>
+                </a:solidFill>
+                <a:latin typeface="+mn-lt"/>
+                <a:ea typeface="+mn-ea"/>
+                <a:cs typeface="+mn-cs"/>
+              </a:defRPr>
+            </a:lvl1pPr>
+            <a:lvl2pPr marL="685800" indent="-228600" algn="l" defTabSz="914400" rtl="0" eaLnBrk="1" latinLnBrk="0" hangingPunct="1">
+              <a:lnSpc>
+                <a:spcPct val="90000"/>
+              </a:lnSpc>
+              <a:spcBef>
+                <a:spcPts val="500"/>
+              </a:spcBef>
+              <a:buFont typeface="Arial" panose="020B0604020202020204" pitchFamily="34" charset="0"/>
+              <a:buChar char="•"/>
+              <a:defRPr sz="2400" kern="1200">
+                <a:solidFill>
+                  <a:schemeClr val="tx1"/>
+                </a:solidFill>
+                <a:latin typeface="+mn-lt"/>
+                <a:ea typeface="+mn-ea"/>
+                <a:cs typeface="+mn-cs"/>
+              </a:defRPr>
+            </a:lvl2pPr>
+            <a:lvl3pPr marL="1143000" indent="-228600" algn="l" defTabSz="914400" rtl="0" eaLnBrk="1" latinLnBrk="0" hangingPunct="1">
+              <a:lnSpc>
+                <a:spcPct val="90000"/>
+              </a:lnSpc>
+              <a:spcBef>
+                <a:spcPts val="500"/>
+              </a:spcBef>
+              <a:buFont typeface="Arial" panose="020B0604020202020204" pitchFamily="34" charset="0"/>
+              <a:buChar char="•"/>
+              <a:defRPr sz="2000" kern="1200">
+                <a:solidFill>
+                  <a:schemeClr val="tx1"/>
+                </a:solidFill>
+                <a:latin typeface="+mn-lt"/>
+                <a:ea typeface="+mn-ea"/>
+                <a:cs typeface="+mn-cs"/>
+              </a:defRPr>
+            </a:lvl3pPr>
+            <a:lvl4pPr marL="1600200" indent="-228600" algn="l" defTabSz="914400" rtl="0" eaLnBrk="1" latinLnBrk="0" hangingPunct="1">
+              <a:lnSpc>
+                <a:spcPct val="90000"/>
+              </a:lnSpc>
+              <a:spcBef>
+                <a:spcPts val="500"/>
+              </a:spcBef>
+              <a:buFont typeface="Arial" panose="020B0604020202020204" pitchFamily="34" charset="0"/>
+              <a:buChar char="•"/>
+              <a:defRPr sz="1800" kern="1200">
+                <a:solidFill>
+                  <a:schemeClr val="tx1"/>
+                </a:solidFill>
+                <a:latin typeface="+mn-lt"/>
+                <a:ea typeface="+mn-ea"/>
+                <a:cs typeface="+mn-cs"/>
+              </a:defRPr>
+            </a:lvl4pPr>
+            <a:lvl5pPr marL="2057400" indent="-228600" algn="l" defTabSz="914400" rtl="0" eaLnBrk="1" latinLnBrk="0" hangingPunct="1">
+              <a:lnSpc>
+                <a:spcPct val="90000"/>
+              </a:lnSpc>
+              <a:spcBef>
+                <a:spcPts val="500"/>
+              </a:spcBef>
+              <a:buFont typeface="Arial" panose="020B0604020202020204" pitchFamily="34" charset="0"/>
+              <a:buChar char="•"/>
+              <a:defRPr sz="1800" kern="1200">
+                <a:solidFill>
+                  <a:schemeClr val="tx1"/>
+                </a:solidFill>
+                <a:latin typeface="+mn-lt"/>
+                <a:ea typeface="+mn-ea"/>
+                <a:cs typeface="+mn-cs"/>
+              </a:defRPr>
+            </a:lvl5pPr>
+            <a:lvl6pPr marL="2514600" indent="-228600" algn="l" defTabSz="914400" rtl="0" eaLnBrk="1" latinLnBrk="0" hangingPunct="1">
+              <a:lnSpc>
+                <a:spcPct val="90000"/>
+              </a:lnSpc>
+              <a:spcBef>
+                <a:spcPts val="500"/>
+              </a:spcBef>
+              <a:buFont typeface="Arial" panose="020B0604020202020204" pitchFamily="34" charset="0"/>
+              <a:buChar char="•"/>
+              <a:defRPr sz="1800" kern="1200">
+                <a:solidFill>
+                  <a:schemeClr val="tx1"/>
+                </a:solidFill>
+                <a:latin typeface="+mn-lt"/>
+                <a:ea typeface="+mn-ea"/>
+                <a:cs typeface="+mn-cs"/>
+              </a:defRPr>
+            </a:lvl6pPr>
+            <a:lvl7pPr marL="2971800" indent="-228600" algn="l" defTabSz="914400" rtl="0" eaLnBrk="1" latinLnBrk="0" hangingPunct="1">
+              <a:lnSpc>
+                <a:spcPct val="90000"/>
+              </a:lnSpc>
+              <a:spcBef>
+                <a:spcPts val="500"/>
+              </a:spcBef>
+              <a:buFont typeface="Arial" panose="020B0604020202020204" pitchFamily="34" charset="0"/>
+              <a:buChar char="•"/>
+              <a:defRPr sz="1800" kern="1200">
+                <a:solidFill>
+                  <a:schemeClr val="tx1"/>
+                </a:solidFill>
+                <a:latin typeface="+mn-lt"/>
+                <a:ea typeface="+mn-ea"/>
+                <a:cs typeface="+mn-cs"/>
+              </a:defRPr>
+            </a:lvl7pPr>
+            <a:lvl8pPr marL="3429000" indent="-228600" algn="l" defTabSz="914400" rtl="0" eaLnBrk="1" latinLnBrk="0" hangingPunct="1">
+              <a:lnSpc>
+                <a:spcPct val="90000"/>
+              </a:lnSpc>
+              <a:spcBef>
+                <a:spcPts val="500"/>
+              </a:spcBef>
+              <a:buFont typeface="Arial" panose="020B0604020202020204" pitchFamily="34" charset="0"/>
+              <a:buChar char="•"/>
+              <a:defRPr sz="1800" kern="1200">
+                <a:solidFill>
+                  <a:schemeClr val="tx1"/>
+                </a:solidFill>
+                <a:latin typeface="+mn-lt"/>
+                <a:ea typeface="+mn-ea"/>
+                <a:cs typeface="+mn-cs"/>
+              </a:defRPr>
+            </a:lvl8pPr>
+            <a:lvl9pPr marL="3886200" indent="-228600" algn="l" defTabSz="914400" rtl="0" eaLnBrk="1" latinLnBrk="0" hangingPunct="1">
+              <a:lnSpc>
+                <a:spcPct val="90000"/>
+              </a:lnSpc>
+              <a:spcBef>
+                <a:spcPts val="500"/>
+              </a:spcBef>
+              <a:buFont typeface="Arial" panose="020B0604020202020204" pitchFamily="34" charset="0"/>
+              <a:buChar char="•"/>
+              <a:defRPr sz="1800" kern="1200">
+                <a:solidFill>
+                  <a:schemeClr val="tx1"/>
+                </a:solidFill>
+                <a:latin typeface="+mn-lt"/>
+                <a:ea typeface="+mn-ea"/>
+                <a:cs typeface="+mn-cs"/>
+              </a:defRPr>
+            </a:lvl9pPr>
+          </a:lstStyle>
+          <a:p>
+            <a:pPr marL="0" indent="0">
+              <a:buNone/>
+            </a:pPr>
+            <a:r>
+              <a:rPr lang="en-IN" sz="3200" dirty="0" smtClean="0">
+                <a:solidFill>
+                  <a:schemeClr val="tx1">
+                    <a:lumMod val="95000"/>
+                  </a:schemeClr>
+                </a:solidFill>
+              </a:rPr>
+              <a:t>&lt;</a:t>
+            </a:r>
+            <a:r>
+              <a:rPr lang="en-IN" sz="3200" dirty="0" err="1" smtClean="0">
+                <a:solidFill>
+                  <a:schemeClr val="tx1">
+                    <a:lumMod val="95000"/>
+                  </a:schemeClr>
+                </a:solidFill>
+              </a:rPr>
+              <a:t>RelativeLayout</a:t>
+            </a:r>
+            <a:endParaRPr lang="en-IN" sz="3200" dirty="0" smtClean="0">
+              <a:solidFill>
+                <a:schemeClr val="tx1">
+                  <a:lumMod val="95000"/>
+                </a:schemeClr>
+              </a:solidFill>
+            </a:endParaRPr>
+          </a:p>
+          <a:p>
+            <a:pPr marL="0" indent="0">
+              <a:buNone/>
+            </a:pPr>
+            <a:r>
+              <a:rPr lang="en-IN" sz="3200" dirty="0">
+                <a:solidFill>
+                  <a:schemeClr val="tx1">
+                    <a:lumMod val="95000"/>
+                  </a:schemeClr>
+                </a:solidFill>
+              </a:rPr>
+              <a:t> </a:t>
+            </a:r>
+            <a:r>
+              <a:rPr lang="en-IN" sz="3200" dirty="0" smtClean="0">
+                <a:solidFill>
+                  <a:schemeClr val="tx1">
+                    <a:lumMod val="95000"/>
+                  </a:schemeClr>
+                </a:solidFill>
+              </a:rPr>
+              <a:t> …</a:t>
+            </a:r>
+          </a:p>
+          <a:p>
+            <a:pPr marL="0" indent="0">
+              <a:buNone/>
+            </a:pPr>
+            <a:r>
+              <a:rPr lang="en-IN" sz="3200" dirty="0">
+                <a:solidFill>
+                  <a:schemeClr val="tx1">
+                    <a:lumMod val="95000"/>
+                  </a:schemeClr>
+                </a:solidFill>
+              </a:rPr>
+              <a:t> </a:t>
+            </a:r>
+            <a:r>
+              <a:rPr lang="en-IN" sz="3200" dirty="0" smtClean="0">
+                <a:solidFill>
+                  <a:schemeClr val="tx1">
+                    <a:lumMod val="95000"/>
+                  </a:schemeClr>
+                </a:solidFill>
+              </a:rPr>
+              <a:t> </a:t>
+            </a:r>
+            <a:r>
+              <a:rPr lang="en-IN" sz="3200" dirty="0" err="1" smtClean="0">
+                <a:solidFill>
+                  <a:schemeClr val="tx1">
+                    <a:lumMod val="95000"/>
+                  </a:schemeClr>
+                </a:solidFill>
+              </a:rPr>
+              <a:t>android:layout_width</a:t>
+            </a:r>
+            <a:r>
+              <a:rPr lang="en-IN" sz="3200" dirty="0" smtClean="0">
+                <a:solidFill>
+                  <a:schemeClr val="tx1">
+                    <a:lumMod val="95000"/>
+                  </a:schemeClr>
+                </a:solidFill>
+              </a:rPr>
+              <a:t>: “</a:t>
+            </a:r>
+            <a:r>
+              <a:rPr lang="en-IN" sz="3200" dirty="0" err="1" smtClean="0">
+                <a:solidFill>
+                  <a:schemeClr val="tx1">
+                    <a:lumMod val="95000"/>
+                  </a:schemeClr>
+                </a:solidFill>
+              </a:rPr>
+              <a:t>match_parent</a:t>
+            </a:r>
+            <a:r>
+              <a:rPr lang="en-IN" sz="3200" dirty="0" smtClean="0">
+                <a:solidFill>
+                  <a:schemeClr val="tx1">
+                    <a:lumMod val="95000"/>
+                  </a:schemeClr>
+                </a:solidFill>
+              </a:rPr>
+              <a:t>”</a:t>
+            </a:r>
+          </a:p>
+          <a:p>
+            <a:pPr marL="0" indent="0">
+              <a:buNone/>
+            </a:pPr>
+            <a:r>
+              <a:rPr lang="en-IN" sz="3200" dirty="0">
+                <a:solidFill>
+                  <a:schemeClr val="tx1">
+                    <a:lumMod val="95000"/>
+                  </a:schemeClr>
+                </a:solidFill>
+              </a:rPr>
+              <a:t> </a:t>
+            </a:r>
+            <a:r>
+              <a:rPr lang="en-IN" sz="3200" dirty="0" smtClean="0">
+                <a:solidFill>
+                  <a:schemeClr val="tx1">
+                    <a:lumMod val="95000"/>
+                  </a:schemeClr>
+                </a:solidFill>
+              </a:rPr>
+              <a:t> </a:t>
+            </a:r>
+            <a:r>
+              <a:rPr lang="en-IN" sz="3200" dirty="0" err="1" smtClean="0">
+                <a:solidFill>
+                  <a:schemeClr val="tx1">
+                    <a:lumMod val="95000"/>
+                  </a:schemeClr>
+                </a:solidFill>
+              </a:rPr>
+              <a:t>android:layout_height</a:t>
+            </a:r>
+            <a:r>
+              <a:rPr lang="en-IN" sz="3200" dirty="0" smtClean="0">
+                <a:solidFill>
+                  <a:schemeClr val="tx1">
+                    <a:lumMod val="95000"/>
+                  </a:schemeClr>
+                </a:solidFill>
+              </a:rPr>
+              <a:t>: </a:t>
+            </a:r>
+            <a:r>
+              <a:rPr lang="en-IN" sz="3200" dirty="0">
+                <a:solidFill>
+                  <a:schemeClr val="tx1">
+                    <a:lumMod val="95000"/>
+                  </a:schemeClr>
+                </a:solidFill>
+              </a:rPr>
+              <a:t>“</a:t>
+            </a:r>
+            <a:r>
+              <a:rPr lang="en-IN" sz="3200" dirty="0" err="1">
+                <a:solidFill>
+                  <a:schemeClr val="tx1">
+                    <a:lumMod val="95000"/>
+                  </a:schemeClr>
+                </a:solidFill>
+              </a:rPr>
+              <a:t>match_parent</a:t>
+            </a:r>
+            <a:r>
+              <a:rPr lang="en-IN" sz="3200" dirty="0" smtClean="0">
+                <a:solidFill>
+                  <a:schemeClr val="tx1">
+                    <a:lumMod val="95000"/>
+                  </a:schemeClr>
+                </a:solidFill>
+              </a:rPr>
+              <a:t>”</a:t>
+            </a:r>
+          </a:p>
+          <a:p>
+            <a:pPr marL="0" indent="0">
+              <a:buNone/>
+            </a:pPr>
+            <a:r>
+              <a:rPr lang="en-IN" sz="3200" dirty="0">
+                <a:solidFill>
+                  <a:schemeClr val="tx1">
+                    <a:lumMod val="95000"/>
+                  </a:schemeClr>
+                </a:solidFill>
+              </a:rPr>
+              <a:t> </a:t>
+            </a:r>
+            <a:r>
+              <a:rPr lang="en-IN" sz="3200" dirty="0" smtClean="0">
+                <a:solidFill>
+                  <a:schemeClr val="tx1">
+                    <a:lumMod val="95000"/>
+                  </a:schemeClr>
+                </a:solidFill>
+              </a:rPr>
+              <a:t> …</a:t>
+            </a:r>
+          </a:p>
+          <a:p>
+            <a:pPr marL="0" indent="0">
+              <a:buNone/>
+            </a:pPr>
+            <a:r>
+              <a:rPr lang="en-IN" sz="3200" dirty="0" smtClean="0">
+                <a:solidFill>
+                  <a:schemeClr val="tx1">
+                    <a:lumMod val="95000"/>
+                  </a:schemeClr>
+                </a:solidFill>
+              </a:rPr>
+              <a:t>&lt;/</a:t>
+            </a:r>
+            <a:r>
+              <a:rPr lang="en-IN" sz="3200" dirty="0" err="1" smtClean="0">
+                <a:solidFill>
+                  <a:schemeClr val="tx1">
+                    <a:lumMod val="95000"/>
+                  </a:schemeClr>
+                </a:solidFill>
+              </a:rPr>
+              <a:t>RelativeLayout</a:t>
+            </a:r>
+            <a:r>
+              <a:rPr lang="en-IN" sz="3200" dirty="0" smtClean="0">
+                <a:solidFill>
+                  <a:schemeClr val="tx1">
+                    <a:lumMod val="95000"/>
+                  </a:schemeClr>
+                </a:solidFill>
+              </a:rPr>
+              <a:t>&gt;</a:t>
+            </a:r>
+            <a:endParaRPr lang="en-IN" sz="3200" dirty="0">
+              <a:solidFill>
+                <a:schemeClr val="tx1">
+                  <a:lumMod val="95000"/>
+                </a:schemeClr>
+              </a:solidFill>
+            </a:endParaRPr>
+          </a:p>
+        </p:txBody>
+      </p:sp>
+    </p:spTree>
+    <p:extLst>
+      <p:ext uri="{BB962C8B-B14F-4D97-AF65-F5344CB8AC3E}">
+        <p14:creationId xmlns:p14="http://schemas.microsoft.com/office/powerpoint/2010/main" val="1761796524"/>
+      </p:ext>
+    </p:extLst>
+  </p:cSld>
+  <p:clrMapOvr>
+    <a:masterClrMapping/>
+  </p:clrMapOvr>
+  <p:timing>
+    <p:tnLst>
+      <p:par>
+        <p:cTn id="1" dur="indefinite" restart="never" nodeType="tmRoot"/>
+      </p:par>
+    </p:tnLst>
+  </p:timing>
+</p:sld>
+</file>
+
+<file path=ppt/slides/slide23.xml><?xml version="1.0" encoding="utf-8"?>
+<p:sld xmlns:a="http://schemas.openxmlformats.org/drawingml/2006/main" xmlns:r="http://schemas.openxmlformats.org/officeDocument/2006/relationships" xmlns:p="http://schemas.openxmlformats.org/presentationml/2006/main">
+  <p:cSld>
+    <p:spTree>
+      <p:nvGrpSpPr>
+        <p:cNvPr id="1" name=""/>
+        <p:cNvGrpSpPr/>
+        <p:nvPr/>
+      </p:nvGrpSpPr>
+      <p:grpSpPr>
+        <a:xfrm>
+          <a:off x="0" y="0"/>
+          <a:ext cx="0" cy="0"/>
+          <a:chOff x="0" y="0"/>
+          <a:chExt cx="0" cy="0"/>
+        </a:xfrm>
+      </p:grpSpPr>
+      <p:sp>
+        <p:nvSpPr>
+          <p:cNvPr id="5" name="Subtitle 2"/>
+          <p:cNvSpPr txBox="1">
+            <a:spLocks/>
+          </p:cNvSpPr>
+          <p:nvPr/>
+        </p:nvSpPr>
+        <p:spPr>
+          <a:xfrm>
+            <a:off x="3474961" y="564201"/>
+            <a:ext cx="5867915" cy="428625"/>
+          </a:xfrm>
+          <a:prstGeom prst="rect">
+            <a:avLst/>
+          </a:prstGeom>
+        </p:spPr>
+        <p:txBody>
+          <a:bodyPr vert="horz" lIns="91440" tIns="45720" rIns="91440" bIns="45720" rtlCol="0">
+            <a:noAutofit/>
+          </a:bodyPr>
+          <a:lstStyle>
+            <a:lvl1pPr marL="228600" indent="-228600" algn="l" defTabSz="914400" rtl="0" eaLnBrk="1" latinLnBrk="0" hangingPunct="1">
+              <a:lnSpc>
+                <a:spcPct val="90000"/>
+              </a:lnSpc>
+              <a:spcBef>
+                <a:spcPts val="1000"/>
+              </a:spcBef>
+              <a:buFont typeface="Arial" panose="020B0604020202020204" pitchFamily="34" charset="0"/>
+              <a:buChar char="•"/>
+              <a:defRPr sz="2800" kern="1200">
+                <a:solidFill>
+                  <a:schemeClr val="tx1"/>
+                </a:solidFill>
+                <a:latin typeface="+mn-lt"/>
+                <a:ea typeface="+mn-ea"/>
+                <a:cs typeface="+mn-cs"/>
+              </a:defRPr>
+            </a:lvl1pPr>
+            <a:lvl2pPr marL="685800" indent="-228600" algn="l" defTabSz="914400" rtl="0" eaLnBrk="1" latinLnBrk="0" hangingPunct="1">
+              <a:lnSpc>
+                <a:spcPct val="90000"/>
+              </a:lnSpc>
+              <a:spcBef>
+                <a:spcPts val="500"/>
+              </a:spcBef>
+              <a:buFont typeface="Arial" panose="020B0604020202020204" pitchFamily="34" charset="0"/>
+              <a:buChar char="•"/>
+              <a:defRPr sz="2400" kern="1200">
+                <a:solidFill>
+                  <a:schemeClr val="tx1"/>
+                </a:solidFill>
+                <a:latin typeface="+mn-lt"/>
+                <a:ea typeface="+mn-ea"/>
+                <a:cs typeface="+mn-cs"/>
+              </a:defRPr>
+            </a:lvl2pPr>
+            <a:lvl3pPr marL="1143000" indent="-228600" algn="l" defTabSz="914400" rtl="0" eaLnBrk="1" latinLnBrk="0" hangingPunct="1">
+              <a:lnSpc>
+                <a:spcPct val="90000"/>
+              </a:lnSpc>
+              <a:spcBef>
+                <a:spcPts val="500"/>
+              </a:spcBef>
+              <a:buFont typeface="Arial" panose="020B0604020202020204" pitchFamily="34" charset="0"/>
+              <a:buChar char="•"/>
+              <a:defRPr sz="2000" kern="1200">
+                <a:solidFill>
+                  <a:schemeClr val="tx1"/>
+                </a:solidFill>
+                <a:latin typeface="+mn-lt"/>
+                <a:ea typeface="+mn-ea"/>
+                <a:cs typeface="+mn-cs"/>
+              </a:defRPr>
+            </a:lvl3pPr>
+            <a:lvl4pPr marL="1600200" indent="-228600" algn="l" defTabSz="914400" rtl="0" eaLnBrk="1" latinLnBrk="0" hangingPunct="1">
+              <a:lnSpc>
+                <a:spcPct val="90000"/>
+              </a:lnSpc>
+              <a:spcBef>
+                <a:spcPts val="500"/>
+              </a:spcBef>
+              <a:buFont typeface="Arial" panose="020B0604020202020204" pitchFamily="34" charset="0"/>
+              <a:buChar char="•"/>
+              <a:defRPr sz="1800" kern="1200">
+                <a:solidFill>
+                  <a:schemeClr val="tx1"/>
+                </a:solidFill>
+                <a:latin typeface="+mn-lt"/>
+                <a:ea typeface="+mn-ea"/>
+                <a:cs typeface="+mn-cs"/>
+              </a:defRPr>
+            </a:lvl4pPr>
+            <a:lvl5pPr marL="2057400" indent="-228600" algn="l" defTabSz="914400" rtl="0" eaLnBrk="1" latinLnBrk="0" hangingPunct="1">
+              <a:lnSpc>
+                <a:spcPct val="90000"/>
+              </a:lnSpc>
+              <a:spcBef>
+                <a:spcPts val="500"/>
+              </a:spcBef>
+              <a:buFont typeface="Arial" panose="020B0604020202020204" pitchFamily="34" charset="0"/>
+              <a:buChar char="•"/>
+              <a:defRPr sz="1800" kern="1200">
+                <a:solidFill>
+                  <a:schemeClr val="tx1"/>
+                </a:solidFill>
+                <a:latin typeface="+mn-lt"/>
+                <a:ea typeface="+mn-ea"/>
+                <a:cs typeface="+mn-cs"/>
+              </a:defRPr>
+            </a:lvl5pPr>
+            <a:lvl6pPr marL="2514600" indent="-228600" algn="l" defTabSz="914400" rtl="0" eaLnBrk="1" latinLnBrk="0" hangingPunct="1">
+              <a:lnSpc>
+                <a:spcPct val="90000"/>
+              </a:lnSpc>
+              <a:spcBef>
+                <a:spcPts val="500"/>
+              </a:spcBef>
+              <a:buFont typeface="Arial" panose="020B0604020202020204" pitchFamily="34" charset="0"/>
+              <a:buChar char="•"/>
+              <a:defRPr sz="1800" kern="1200">
+                <a:solidFill>
+                  <a:schemeClr val="tx1"/>
+                </a:solidFill>
+                <a:latin typeface="+mn-lt"/>
+                <a:ea typeface="+mn-ea"/>
+                <a:cs typeface="+mn-cs"/>
+              </a:defRPr>
+            </a:lvl6pPr>
+            <a:lvl7pPr marL="2971800" indent="-228600" algn="l" defTabSz="914400" rtl="0" eaLnBrk="1" latinLnBrk="0" hangingPunct="1">
+              <a:lnSpc>
+                <a:spcPct val="90000"/>
+              </a:lnSpc>
+              <a:spcBef>
+                <a:spcPts val="500"/>
+              </a:spcBef>
+              <a:buFont typeface="Arial" panose="020B0604020202020204" pitchFamily="34" charset="0"/>
+              <a:buChar char="•"/>
+              <a:defRPr sz="1800" kern="1200">
+                <a:solidFill>
+                  <a:schemeClr val="tx1"/>
+                </a:solidFill>
+                <a:latin typeface="+mn-lt"/>
+                <a:ea typeface="+mn-ea"/>
+                <a:cs typeface="+mn-cs"/>
+              </a:defRPr>
+            </a:lvl7pPr>
+            <a:lvl8pPr marL="3429000" indent="-228600" algn="l" defTabSz="914400" rtl="0" eaLnBrk="1" latinLnBrk="0" hangingPunct="1">
+              <a:lnSpc>
+                <a:spcPct val="90000"/>
+              </a:lnSpc>
+              <a:spcBef>
+                <a:spcPts val="500"/>
+              </a:spcBef>
+              <a:buFont typeface="Arial" panose="020B0604020202020204" pitchFamily="34" charset="0"/>
+              <a:buChar char="•"/>
+              <a:defRPr sz="1800" kern="1200">
+                <a:solidFill>
+                  <a:schemeClr val="tx1"/>
+                </a:solidFill>
+                <a:latin typeface="+mn-lt"/>
+                <a:ea typeface="+mn-ea"/>
+                <a:cs typeface="+mn-cs"/>
+              </a:defRPr>
+            </a:lvl8pPr>
+            <a:lvl9pPr marL="3886200" indent="-228600" algn="l" defTabSz="914400" rtl="0" eaLnBrk="1" latinLnBrk="0" hangingPunct="1">
+              <a:lnSpc>
+                <a:spcPct val="90000"/>
+              </a:lnSpc>
+              <a:spcBef>
+                <a:spcPts val="500"/>
+              </a:spcBef>
+              <a:buFont typeface="Arial" panose="020B0604020202020204" pitchFamily="34" charset="0"/>
+              <a:buChar char="•"/>
+              <a:defRPr sz="1800" kern="1200">
+                <a:solidFill>
+                  <a:schemeClr val="tx1"/>
+                </a:solidFill>
+                <a:latin typeface="+mn-lt"/>
+                <a:ea typeface="+mn-ea"/>
+                <a:cs typeface="+mn-cs"/>
+              </a:defRPr>
+            </a:lvl9pPr>
+          </a:lstStyle>
+          <a:p>
+            <a:pPr marL="0" indent="0">
+              <a:buNone/>
+            </a:pPr>
+            <a:r>
+              <a:rPr lang="en-IN" sz="6600" dirty="0" smtClean="0">
+                <a:solidFill>
+                  <a:schemeClr val="tx1">
+                    <a:lumMod val="95000"/>
+                  </a:schemeClr>
+                </a:solidFill>
+              </a:rPr>
+              <a:t>Relative Layout</a:t>
+            </a:r>
+            <a:endParaRPr lang="en-IN" sz="6600" dirty="0">
+              <a:solidFill>
+                <a:schemeClr val="tx1">
+                  <a:lumMod val="95000"/>
+                </a:schemeClr>
+              </a:solidFill>
+            </a:endParaRPr>
+          </a:p>
+        </p:txBody>
+      </p:sp>
+      <p:sp>
+        <p:nvSpPr>
+          <p:cNvPr id="4" name="Subtitle 2"/>
+          <p:cNvSpPr txBox="1">
+            <a:spLocks/>
+          </p:cNvSpPr>
+          <p:nvPr/>
+        </p:nvSpPr>
+        <p:spPr>
+          <a:xfrm>
+            <a:off x="4589091" y="1862626"/>
+            <a:ext cx="8083466" cy="3299033"/>
+          </a:xfrm>
+          <a:prstGeom prst="rect">
+            <a:avLst/>
+          </a:prstGeom>
+        </p:spPr>
+        <p:txBody>
+          <a:bodyPr vert="horz" lIns="91440" tIns="45720" rIns="91440" bIns="45720" rtlCol="0">
+            <a:noAutofit/>
+          </a:bodyPr>
+          <a:lstStyle>
+            <a:lvl1pPr marL="228600" indent="-228600" algn="l" defTabSz="914400" rtl="0" eaLnBrk="1" latinLnBrk="0" hangingPunct="1">
+              <a:lnSpc>
+                <a:spcPct val="90000"/>
+              </a:lnSpc>
+              <a:spcBef>
+                <a:spcPts val="1000"/>
+              </a:spcBef>
+              <a:buFont typeface="Arial" panose="020B0604020202020204" pitchFamily="34" charset="0"/>
+              <a:buChar char="•"/>
+              <a:defRPr sz="2800" kern="1200">
+                <a:solidFill>
+                  <a:schemeClr val="tx1"/>
+                </a:solidFill>
+                <a:latin typeface="+mn-lt"/>
+                <a:ea typeface="+mn-ea"/>
+                <a:cs typeface="+mn-cs"/>
+              </a:defRPr>
+            </a:lvl1pPr>
+            <a:lvl2pPr marL="685800" indent="-228600" algn="l" defTabSz="914400" rtl="0" eaLnBrk="1" latinLnBrk="0" hangingPunct="1">
+              <a:lnSpc>
+                <a:spcPct val="90000"/>
+              </a:lnSpc>
+              <a:spcBef>
+                <a:spcPts val="500"/>
+              </a:spcBef>
+              <a:buFont typeface="Arial" panose="020B0604020202020204" pitchFamily="34" charset="0"/>
+              <a:buChar char="•"/>
+              <a:defRPr sz="2400" kern="1200">
+                <a:solidFill>
+                  <a:schemeClr val="tx1"/>
+                </a:solidFill>
+                <a:latin typeface="+mn-lt"/>
+                <a:ea typeface="+mn-ea"/>
+                <a:cs typeface="+mn-cs"/>
+              </a:defRPr>
+            </a:lvl2pPr>
+            <a:lvl3pPr marL="1143000" indent="-228600" algn="l" defTabSz="914400" rtl="0" eaLnBrk="1" latinLnBrk="0" hangingPunct="1">
+              <a:lnSpc>
+                <a:spcPct val="90000"/>
+              </a:lnSpc>
+              <a:spcBef>
+                <a:spcPts val="500"/>
+              </a:spcBef>
+              <a:buFont typeface="Arial" panose="020B0604020202020204" pitchFamily="34" charset="0"/>
+              <a:buChar char="•"/>
+              <a:defRPr sz="2000" kern="1200">
+                <a:solidFill>
+                  <a:schemeClr val="tx1"/>
+                </a:solidFill>
+                <a:latin typeface="+mn-lt"/>
+                <a:ea typeface="+mn-ea"/>
+                <a:cs typeface="+mn-cs"/>
+              </a:defRPr>
+            </a:lvl3pPr>
+            <a:lvl4pPr marL="1600200" indent="-228600" algn="l" defTabSz="914400" rtl="0" eaLnBrk="1" latinLnBrk="0" hangingPunct="1">
+              <a:lnSpc>
+                <a:spcPct val="90000"/>
+              </a:lnSpc>
+              <a:spcBef>
+                <a:spcPts val="500"/>
+              </a:spcBef>
+              <a:buFont typeface="Arial" panose="020B0604020202020204" pitchFamily="34" charset="0"/>
+              <a:buChar char="•"/>
+              <a:defRPr sz="1800" kern="1200">
+                <a:solidFill>
+                  <a:schemeClr val="tx1"/>
+                </a:solidFill>
+                <a:latin typeface="+mn-lt"/>
+                <a:ea typeface="+mn-ea"/>
+                <a:cs typeface="+mn-cs"/>
+              </a:defRPr>
+            </a:lvl4pPr>
+            <a:lvl5pPr marL="2057400" indent="-228600" algn="l" defTabSz="914400" rtl="0" eaLnBrk="1" latinLnBrk="0" hangingPunct="1">
+              <a:lnSpc>
+                <a:spcPct val="90000"/>
+              </a:lnSpc>
+              <a:spcBef>
+                <a:spcPts val="500"/>
+              </a:spcBef>
+              <a:buFont typeface="Arial" panose="020B0604020202020204" pitchFamily="34" charset="0"/>
+              <a:buChar char="•"/>
+              <a:defRPr sz="1800" kern="1200">
+                <a:solidFill>
+                  <a:schemeClr val="tx1"/>
+                </a:solidFill>
+                <a:latin typeface="+mn-lt"/>
+                <a:ea typeface="+mn-ea"/>
+                <a:cs typeface="+mn-cs"/>
+              </a:defRPr>
+            </a:lvl5pPr>
+            <a:lvl6pPr marL="2514600" indent="-228600" algn="l" defTabSz="914400" rtl="0" eaLnBrk="1" latinLnBrk="0" hangingPunct="1">
+              <a:lnSpc>
+                <a:spcPct val="90000"/>
+              </a:lnSpc>
+              <a:spcBef>
+                <a:spcPts val="500"/>
+              </a:spcBef>
+              <a:buFont typeface="Arial" panose="020B0604020202020204" pitchFamily="34" charset="0"/>
+              <a:buChar char="•"/>
+              <a:defRPr sz="1800" kern="1200">
+                <a:solidFill>
+                  <a:schemeClr val="tx1"/>
+                </a:solidFill>
+                <a:latin typeface="+mn-lt"/>
+                <a:ea typeface="+mn-ea"/>
+                <a:cs typeface="+mn-cs"/>
+              </a:defRPr>
+            </a:lvl6pPr>
+            <a:lvl7pPr marL="2971800" indent="-228600" algn="l" defTabSz="914400" rtl="0" eaLnBrk="1" latinLnBrk="0" hangingPunct="1">
+              <a:lnSpc>
+                <a:spcPct val="90000"/>
+              </a:lnSpc>
+              <a:spcBef>
+                <a:spcPts val="500"/>
+              </a:spcBef>
+              <a:buFont typeface="Arial" panose="020B0604020202020204" pitchFamily="34" charset="0"/>
+              <a:buChar char="•"/>
+              <a:defRPr sz="1800" kern="1200">
+                <a:solidFill>
+                  <a:schemeClr val="tx1"/>
+                </a:solidFill>
+                <a:latin typeface="+mn-lt"/>
+                <a:ea typeface="+mn-ea"/>
+                <a:cs typeface="+mn-cs"/>
+              </a:defRPr>
+            </a:lvl7pPr>
+            <a:lvl8pPr marL="3429000" indent="-228600" algn="l" defTabSz="914400" rtl="0" eaLnBrk="1" latinLnBrk="0" hangingPunct="1">
+              <a:lnSpc>
+                <a:spcPct val="90000"/>
+              </a:lnSpc>
+              <a:spcBef>
+                <a:spcPts val="500"/>
+              </a:spcBef>
+              <a:buFont typeface="Arial" panose="020B0604020202020204" pitchFamily="34" charset="0"/>
+              <a:buChar char="•"/>
+              <a:defRPr sz="1800" kern="1200">
+                <a:solidFill>
+                  <a:schemeClr val="tx1"/>
+                </a:solidFill>
+                <a:latin typeface="+mn-lt"/>
+                <a:ea typeface="+mn-ea"/>
+                <a:cs typeface="+mn-cs"/>
+              </a:defRPr>
+            </a:lvl8pPr>
+            <a:lvl9pPr marL="3886200" indent="-228600" algn="l" defTabSz="914400" rtl="0" eaLnBrk="1" latinLnBrk="0" hangingPunct="1">
+              <a:lnSpc>
+                <a:spcPct val="90000"/>
+              </a:lnSpc>
+              <a:spcBef>
+                <a:spcPts val="500"/>
+              </a:spcBef>
+              <a:buFont typeface="Arial" panose="020B0604020202020204" pitchFamily="34" charset="0"/>
+              <a:buChar char="•"/>
+              <a:defRPr sz="1800" kern="1200">
+                <a:solidFill>
+                  <a:schemeClr val="tx1"/>
+                </a:solidFill>
+                <a:latin typeface="+mn-lt"/>
+                <a:ea typeface="+mn-ea"/>
+                <a:cs typeface="+mn-cs"/>
+              </a:defRPr>
+            </a:lvl9pPr>
+          </a:lstStyle>
+          <a:p>
+            <a:pPr marL="0" indent="0">
+              <a:buNone/>
+            </a:pPr>
+            <a:r>
+              <a:rPr lang="en-IN" sz="2400" dirty="0" smtClean="0">
+                <a:solidFill>
+                  <a:schemeClr val="tx1">
+                    <a:lumMod val="95000"/>
+                  </a:schemeClr>
+                </a:solidFill>
+              </a:rPr>
+              <a:t>&lt;</a:t>
+            </a:r>
+            <a:r>
+              <a:rPr lang="en-IN" sz="2400" dirty="0" err="1" smtClean="0">
+                <a:solidFill>
+                  <a:schemeClr val="tx1">
+                    <a:lumMod val="95000"/>
+                  </a:schemeClr>
+                </a:solidFill>
+              </a:rPr>
+              <a:t>RelativeLayout</a:t>
+            </a:r>
+            <a:endParaRPr lang="en-IN" sz="2400" dirty="0" smtClean="0">
+              <a:solidFill>
+                <a:schemeClr val="tx1">
+                  <a:lumMod val="95000"/>
+                </a:schemeClr>
+              </a:solidFill>
+            </a:endParaRPr>
+          </a:p>
+          <a:p>
+            <a:pPr marL="0" indent="0">
+              <a:buNone/>
+            </a:pPr>
+            <a:r>
+              <a:rPr lang="en-IN" sz="2400" dirty="0">
+                <a:solidFill>
+                  <a:schemeClr val="tx1">
+                    <a:lumMod val="95000"/>
+                  </a:schemeClr>
+                </a:solidFill>
+              </a:rPr>
+              <a:t> </a:t>
+            </a:r>
+            <a:r>
+              <a:rPr lang="en-IN" sz="2400" dirty="0" smtClean="0">
+                <a:solidFill>
+                  <a:schemeClr val="tx1">
+                    <a:lumMod val="95000"/>
+                  </a:schemeClr>
+                </a:solidFill>
+              </a:rPr>
+              <a:t> …</a:t>
+            </a:r>
+          </a:p>
+          <a:p>
+            <a:pPr marL="0" indent="0">
+              <a:buNone/>
+            </a:pPr>
+            <a:r>
+              <a:rPr lang="en-IN" sz="2400" dirty="0">
+                <a:solidFill>
+                  <a:schemeClr val="tx1">
+                    <a:lumMod val="95000"/>
+                  </a:schemeClr>
+                </a:solidFill>
+              </a:rPr>
+              <a:t> </a:t>
+            </a:r>
+            <a:r>
+              <a:rPr lang="en-IN" sz="2400" dirty="0" smtClean="0">
+                <a:solidFill>
+                  <a:schemeClr val="tx1">
+                    <a:lumMod val="95000"/>
+                  </a:schemeClr>
+                </a:solidFill>
+              </a:rPr>
+              <a:t> &lt;</a:t>
+            </a:r>
+            <a:r>
+              <a:rPr lang="en-IN" sz="2400" dirty="0" err="1" smtClean="0">
+                <a:solidFill>
+                  <a:schemeClr val="tx1">
+                    <a:lumMod val="95000"/>
+                  </a:schemeClr>
+                </a:solidFill>
+              </a:rPr>
+              <a:t>ListView</a:t>
+            </a:r>
+            <a:endParaRPr lang="en-IN" sz="2400" dirty="0" smtClean="0">
+              <a:solidFill>
+                <a:schemeClr val="tx1">
+                  <a:lumMod val="95000"/>
+                </a:schemeClr>
+              </a:solidFill>
+            </a:endParaRPr>
+          </a:p>
+          <a:p>
+            <a:pPr marL="0" indent="0">
+              <a:buNone/>
+            </a:pPr>
+            <a:r>
+              <a:rPr lang="en-IN" sz="2400" dirty="0" smtClean="0">
+                <a:solidFill>
+                  <a:schemeClr val="tx1">
+                    <a:lumMod val="95000"/>
+                  </a:schemeClr>
+                </a:solidFill>
+              </a:rPr>
+              <a:t>	…</a:t>
+            </a:r>
+          </a:p>
+          <a:p>
+            <a:pPr marL="457200" lvl="1" indent="0">
+              <a:buNone/>
+            </a:pPr>
+            <a:r>
+              <a:rPr lang="en-IN" sz="2000" dirty="0">
+                <a:solidFill>
+                  <a:schemeClr val="tx1">
+                    <a:lumMod val="95000"/>
+                  </a:schemeClr>
+                </a:solidFill>
+              </a:rPr>
+              <a:t> </a:t>
+            </a:r>
+            <a:r>
+              <a:rPr lang="en-IN" sz="2000" dirty="0" smtClean="0">
+                <a:solidFill>
+                  <a:schemeClr val="tx1">
+                    <a:lumMod val="95000"/>
+                  </a:schemeClr>
+                </a:solidFill>
+              </a:rPr>
+              <a:t>       </a:t>
+            </a:r>
+            <a:r>
+              <a:rPr lang="en-IN" sz="2000" dirty="0" err="1" smtClean="0">
+                <a:solidFill>
+                  <a:schemeClr val="tx1">
+                    <a:lumMod val="95000"/>
+                  </a:schemeClr>
+                </a:solidFill>
+              </a:rPr>
+              <a:t>android:id</a:t>
+            </a:r>
+            <a:r>
+              <a:rPr lang="en-IN" sz="2000" dirty="0" smtClean="0">
+                <a:solidFill>
+                  <a:schemeClr val="tx1">
+                    <a:lumMod val="95000"/>
+                  </a:schemeClr>
+                </a:solidFill>
+              </a:rPr>
+              <a:t>=“@+id/</a:t>
+            </a:r>
+            <a:r>
+              <a:rPr lang="en-IN" sz="2000" dirty="0" err="1" smtClean="0">
+                <a:solidFill>
+                  <a:schemeClr val="tx1">
+                    <a:lumMod val="95000"/>
+                  </a:schemeClr>
+                </a:solidFill>
+              </a:rPr>
+              <a:t>messageView</a:t>
+            </a:r>
+            <a:r>
+              <a:rPr lang="en-IN" sz="2000" dirty="0" smtClean="0">
+                <a:solidFill>
+                  <a:schemeClr val="tx1">
+                    <a:lumMod val="95000"/>
+                  </a:schemeClr>
+                </a:solidFill>
+              </a:rPr>
+              <a:t>”</a:t>
+            </a:r>
+          </a:p>
+          <a:p>
+            <a:pPr marL="0" indent="0">
+              <a:buNone/>
+            </a:pPr>
+            <a:r>
+              <a:rPr lang="en-IN" sz="2400" dirty="0" smtClean="0">
+                <a:solidFill>
+                  <a:schemeClr val="tx1">
+                    <a:lumMod val="95000"/>
+                  </a:schemeClr>
+                </a:solidFill>
+              </a:rPr>
+              <a:t>	…</a:t>
+            </a:r>
+          </a:p>
+          <a:p>
+            <a:pPr marL="0" indent="0">
+              <a:buNone/>
+            </a:pPr>
+            <a:r>
+              <a:rPr lang="en-IN" sz="2400" dirty="0">
+                <a:solidFill>
+                  <a:schemeClr val="tx1">
+                    <a:lumMod val="95000"/>
+                  </a:schemeClr>
+                </a:solidFill>
+              </a:rPr>
+              <a:t> </a:t>
+            </a:r>
+            <a:r>
+              <a:rPr lang="en-IN" sz="2400" dirty="0" smtClean="0">
+                <a:solidFill>
+                  <a:schemeClr val="tx1">
+                    <a:lumMod val="95000"/>
+                  </a:schemeClr>
+                </a:solidFill>
+              </a:rPr>
+              <a:t> /&gt;</a:t>
+            </a:r>
+          </a:p>
+          <a:p>
+            <a:pPr marL="0" indent="0">
+              <a:buNone/>
+            </a:pPr>
+            <a:r>
+              <a:rPr lang="en-IN" sz="2400" dirty="0" smtClean="0">
+                <a:solidFill>
+                  <a:schemeClr val="tx1">
+                    <a:lumMod val="95000"/>
+                  </a:schemeClr>
+                </a:solidFill>
+              </a:rPr>
+              <a:t>  …</a:t>
+            </a:r>
+          </a:p>
+          <a:p>
+            <a:pPr marL="0" indent="0">
+              <a:buNone/>
+            </a:pPr>
+            <a:r>
+              <a:rPr lang="en-IN" sz="2400" dirty="0" smtClean="0">
+                <a:solidFill>
+                  <a:schemeClr val="tx1">
+                    <a:lumMod val="95000"/>
+                  </a:schemeClr>
+                </a:solidFill>
+              </a:rPr>
+              <a:t>&lt;/</a:t>
+            </a:r>
+            <a:r>
+              <a:rPr lang="en-IN" sz="2400" dirty="0" err="1" smtClean="0">
+                <a:solidFill>
+                  <a:schemeClr val="tx1">
+                    <a:lumMod val="95000"/>
+                  </a:schemeClr>
+                </a:solidFill>
+              </a:rPr>
+              <a:t>RelativeLayout</a:t>
+            </a:r>
+            <a:r>
+              <a:rPr lang="en-IN" sz="2400" dirty="0" smtClean="0">
+                <a:solidFill>
+                  <a:schemeClr val="tx1">
+                    <a:lumMod val="95000"/>
+                  </a:schemeClr>
+                </a:solidFill>
+              </a:rPr>
+              <a:t>&gt;</a:t>
+            </a:r>
+            <a:endParaRPr lang="en-IN" sz="2400" dirty="0">
+              <a:solidFill>
+                <a:schemeClr val="tx1">
+                  <a:lumMod val="95000"/>
+                </a:schemeClr>
+              </a:solidFill>
+            </a:endParaRPr>
+          </a:p>
+        </p:txBody>
+      </p:sp>
+    </p:spTree>
+    <p:extLst>
+      <p:ext uri="{BB962C8B-B14F-4D97-AF65-F5344CB8AC3E}">
+        <p14:creationId xmlns:p14="http://schemas.microsoft.com/office/powerpoint/2010/main" val="3704413145"/>
+      </p:ext>
+    </p:extLst>
+  </p:cSld>
+  <p:clrMapOvr>
+    <a:masterClrMapping/>
+  </p:clrMapOvr>
+  <p:timing>
+    <p:tnLst>
+      <p:par>
+        <p:cTn id="1" dur="indefinite" restart="never" nodeType="tmRoot"/>
+      </p:par>
+    </p:tnLst>
+  </p:timing>
+</p:sld>
+</file>
+
+<file path=ppt/slides/slide24.xml><?xml version="1.0" encoding="utf-8"?>
+<p:sld xmlns:a="http://schemas.openxmlformats.org/drawingml/2006/main" xmlns:r="http://schemas.openxmlformats.org/officeDocument/2006/relationships" xmlns:p="http://schemas.openxmlformats.org/presentationml/2006/main">
+  <p:cSld>
+    <p:spTree>
+      <p:nvGrpSpPr>
+        <p:cNvPr id="1" name=""/>
+        <p:cNvGrpSpPr/>
+        <p:nvPr/>
+      </p:nvGrpSpPr>
+      <p:grpSpPr>
+        <a:xfrm>
+          <a:off x="0" y="0"/>
+          <a:ext cx="0" cy="0"/>
+          <a:chOff x="0" y="0"/>
+          <a:chExt cx="0" cy="0"/>
+        </a:xfrm>
+      </p:grpSpPr>
+      <p:sp>
+        <p:nvSpPr>
+          <p:cNvPr id="5" name="Subtitle 2"/>
+          <p:cNvSpPr txBox="1">
+            <a:spLocks/>
+          </p:cNvSpPr>
+          <p:nvPr/>
+        </p:nvSpPr>
+        <p:spPr>
+          <a:xfrm>
+            <a:off x="3201495" y="632567"/>
+            <a:ext cx="5867915" cy="428625"/>
+          </a:xfrm>
+          <a:prstGeom prst="rect">
+            <a:avLst/>
+          </a:prstGeom>
+        </p:spPr>
+        <p:txBody>
+          <a:bodyPr vert="horz" lIns="91440" tIns="45720" rIns="91440" bIns="45720" rtlCol="0">
+            <a:noAutofit/>
+          </a:bodyPr>
+          <a:lstStyle>
+            <a:lvl1pPr marL="228600" indent="-228600" algn="l" defTabSz="914400" rtl="0" eaLnBrk="1" latinLnBrk="0" hangingPunct="1">
+              <a:lnSpc>
+                <a:spcPct val="90000"/>
+              </a:lnSpc>
+              <a:spcBef>
+                <a:spcPts val="1000"/>
+              </a:spcBef>
+              <a:buFont typeface="Arial" panose="020B0604020202020204" pitchFamily="34" charset="0"/>
+              <a:buChar char="•"/>
+              <a:defRPr sz="2800" kern="1200">
+                <a:solidFill>
+                  <a:schemeClr val="tx1"/>
+                </a:solidFill>
+                <a:latin typeface="+mn-lt"/>
+                <a:ea typeface="+mn-ea"/>
+                <a:cs typeface="+mn-cs"/>
+              </a:defRPr>
+            </a:lvl1pPr>
+            <a:lvl2pPr marL="685800" indent="-228600" algn="l" defTabSz="914400" rtl="0" eaLnBrk="1" latinLnBrk="0" hangingPunct="1">
+              <a:lnSpc>
+                <a:spcPct val="90000"/>
+              </a:lnSpc>
+              <a:spcBef>
+                <a:spcPts val="500"/>
+              </a:spcBef>
+              <a:buFont typeface="Arial" panose="020B0604020202020204" pitchFamily="34" charset="0"/>
+              <a:buChar char="•"/>
+              <a:defRPr sz="2400" kern="1200">
+                <a:solidFill>
+                  <a:schemeClr val="tx1"/>
+                </a:solidFill>
+                <a:latin typeface="+mn-lt"/>
+                <a:ea typeface="+mn-ea"/>
+                <a:cs typeface="+mn-cs"/>
+              </a:defRPr>
+            </a:lvl2pPr>
+            <a:lvl3pPr marL="1143000" indent="-228600" algn="l" defTabSz="914400" rtl="0" eaLnBrk="1" latinLnBrk="0" hangingPunct="1">
+              <a:lnSpc>
+                <a:spcPct val="90000"/>
+              </a:lnSpc>
+              <a:spcBef>
+                <a:spcPts val="500"/>
+              </a:spcBef>
+              <a:buFont typeface="Arial" panose="020B0604020202020204" pitchFamily="34" charset="0"/>
+              <a:buChar char="•"/>
+              <a:defRPr sz="2000" kern="1200">
+                <a:solidFill>
+                  <a:schemeClr val="tx1"/>
+                </a:solidFill>
+                <a:latin typeface="+mn-lt"/>
+                <a:ea typeface="+mn-ea"/>
+                <a:cs typeface="+mn-cs"/>
+              </a:defRPr>
+            </a:lvl3pPr>
+            <a:lvl4pPr marL="1600200" indent="-228600" algn="l" defTabSz="914400" rtl="0" eaLnBrk="1" latinLnBrk="0" hangingPunct="1">
+              <a:lnSpc>
+                <a:spcPct val="90000"/>
+              </a:lnSpc>
+              <a:spcBef>
+                <a:spcPts val="500"/>
+              </a:spcBef>
+              <a:buFont typeface="Arial" panose="020B0604020202020204" pitchFamily="34" charset="0"/>
+              <a:buChar char="•"/>
+              <a:defRPr sz="1800" kern="1200">
+                <a:solidFill>
+                  <a:schemeClr val="tx1"/>
+                </a:solidFill>
+                <a:latin typeface="+mn-lt"/>
+                <a:ea typeface="+mn-ea"/>
+                <a:cs typeface="+mn-cs"/>
+              </a:defRPr>
+            </a:lvl4pPr>
+            <a:lvl5pPr marL="2057400" indent="-228600" algn="l" defTabSz="914400" rtl="0" eaLnBrk="1" latinLnBrk="0" hangingPunct="1">
+              <a:lnSpc>
+                <a:spcPct val="90000"/>
+              </a:lnSpc>
+              <a:spcBef>
+                <a:spcPts val="500"/>
+              </a:spcBef>
+              <a:buFont typeface="Arial" panose="020B0604020202020204" pitchFamily="34" charset="0"/>
+              <a:buChar char="•"/>
+              <a:defRPr sz="1800" kern="1200">
+                <a:solidFill>
+                  <a:schemeClr val="tx1"/>
+                </a:solidFill>
+                <a:latin typeface="+mn-lt"/>
+                <a:ea typeface="+mn-ea"/>
+                <a:cs typeface="+mn-cs"/>
+              </a:defRPr>
+            </a:lvl5pPr>
+            <a:lvl6pPr marL="2514600" indent="-228600" algn="l" defTabSz="914400" rtl="0" eaLnBrk="1" latinLnBrk="0" hangingPunct="1">
+              <a:lnSpc>
+                <a:spcPct val="90000"/>
+              </a:lnSpc>
+              <a:spcBef>
+                <a:spcPts val="500"/>
+              </a:spcBef>
+              <a:buFont typeface="Arial" panose="020B0604020202020204" pitchFamily="34" charset="0"/>
+              <a:buChar char="•"/>
+              <a:defRPr sz="1800" kern="1200">
+                <a:solidFill>
+                  <a:schemeClr val="tx1"/>
+                </a:solidFill>
+                <a:latin typeface="+mn-lt"/>
+                <a:ea typeface="+mn-ea"/>
+                <a:cs typeface="+mn-cs"/>
+              </a:defRPr>
+            </a:lvl6pPr>
+            <a:lvl7pPr marL="2971800" indent="-228600" algn="l" defTabSz="914400" rtl="0" eaLnBrk="1" latinLnBrk="0" hangingPunct="1">
+              <a:lnSpc>
+                <a:spcPct val="90000"/>
+              </a:lnSpc>
+              <a:spcBef>
+                <a:spcPts val="500"/>
+              </a:spcBef>
+              <a:buFont typeface="Arial" panose="020B0604020202020204" pitchFamily="34" charset="0"/>
+              <a:buChar char="•"/>
+              <a:defRPr sz="1800" kern="1200">
+                <a:solidFill>
+                  <a:schemeClr val="tx1"/>
+                </a:solidFill>
+                <a:latin typeface="+mn-lt"/>
+                <a:ea typeface="+mn-ea"/>
+                <a:cs typeface="+mn-cs"/>
+              </a:defRPr>
+            </a:lvl7pPr>
+            <a:lvl8pPr marL="3429000" indent="-228600" algn="l" defTabSz="914400" rtl="0" eaLnBrk="1" latinLnBrk="0" hangingPunct="1">
+              <a:lnSpc>
+                <a:spcPct val="90000"/>
+              </a:lnSpc>
+              <a:spcBef>
+                <a:spcPts val="500"/>
+              </a:spcBef>
+              <a:buFont typeface="Arial" panose="020B0604020202020204" pitchFamily="34" charset="0"/>
+              <a:buChar char="•"/>
+              <a:defRPr sz="1800" kern="1200">
+                <a:solidFill>
+                  <a:schemeClr val="tx1"/>
+                </a:solidFill>
+                <a:latin typeface="+mn-lt"/>
+                <a:ea typeface="+mn-ea"/>
+                <a:cs typeface="+mn-cs"/>
+              </a:defRPr>
+            </a:lvl8pPr>
+            <a:lvl9pPr marL="3886200" indent="-228600" algn="l" defTabSz="914400" rtl="0" eaLnBrk="1" latinLnBrk="0" hangingPunct="1">
+              <a:lnSpc>
+                <a:spcPct val="90000"/>
+              </a:lnSpc>
+              <a:spcBef>
+                <a:spcPts val="500"/>
+              </a:spcBef>
+              <a:buFont typeface="Arial" panose="020B0604020202020204" pitchFamily="34" charset="0"/>
+              <a:buChar char="•"/>
+              <a:defRPr sz="1800" kern="1200">
+                <a:solidFill>
+                  <a:schemeClr val="tx1"/>
+                </a:solidFill>
+                <a:latin typeface="+mn-lt"/>
+                <a:ea typeface="+mn-ea"/>
+                <a:cs typeface="+mn-cs"/>
+              </a:defRPr>
+            </a:lvl9pPr>
+          </a:lstStyle>
+          <a:p>
+            <a:pPr marL="0" indent="0" algn="ctr">
+              <a:buNone/>
+            </a:pPr>
+            <a:r>
+              <a:rPr lang="en-IN" sz="6600" dirty="0" smtClean="0">
+                <a:solidFill>
+                  <a:schemeClr val="tx1">
+                    <a:lumMod val="95000"/>
+                  </a:schemeClr>
+                </a:solidFill>
+              </a:rPr>
+              <a:t>Linear Layout</a:t>
+            </a:r>
+            <a:endParaRPr lang="en-IN" sz="6600" dirty="0">
+              <a:solidFill>
+                <a:schemeClr val="tx1">
+                  <a:lumMod val="95000"/>
+                </a:schemeClr>
+              </a:solidFill>
+            </a:endParaRPr>
+          </a:p>
+        </p:txBody>
+      </p:sp>
+      <p:sp>
+        <p:nvSpPr>
+          <p:cNvPr id="3" name="Subtitle 2"/>
+          <p:cNvSpPr txBox="1">
+            <a:spLocks/>
+          </p:cNvSpPr>
+          <p:nvPr/>
+        </p:nvSpPr>
+        <p:spPr>
+          <a:xfrm>
+            <a:off x="2367185" y="3265562"/>
+            <a:ext cx="8083466" cy="428625"/>
+          </a:xfrm>
+          <a:prstGeom prst="rect">
+            <a:avLst/>
+          </a:prstGeom>
+        </p:spPr>
+        <p:txBody>
+          <a:bodyPr vert="horz" lIns="91440" tIns="45720" rIns="91440" bIns="45720" rtlCol="0">
+            <a:noAutofit/>
+          </a:bodyPr>
+          <a:lstStyle>
+            <a:lvl1pPr marL="228600" indent="-228600" algn="l" defTabSz="914400" rtl="0" eaLnBrk="1" latinLnBrk="0" hangingPunct="1">
+              <a:lnSpc>
+                <a:spcPct val="90000"/>
+              </a:lnSpc>
+              <a:spcBef>
+                <a:spcPts val="1000"/>
+              </a:spcBef>
+              <a:buFont typeface="Arial" panose="020B0604020202020204" pitchFamily="34" charset="0"/>
+              <a:buChar char="•"/>
+              <a:defRPr sz="2800" kern="1200">
+                <a:solidFill>
+                  <a:schemeClr val="tx1"/>
+                </a:solidFill>
+                <a:latin typeface="+mn-lt"/>
+                <a:ea typeface="+mn-ea"/>
+                <a:cs typeface="+mn-cs"/>
+              </a:defRPr>
+            </a:lvl1pPr>
+            <a:lvl2pPr marL="685800" indent="-228600" algn="l" defTabSz="914400" rtl="0" eaLnBrk="1" latinLnBrk="0" hangingPunct="1">
+              <a:lnSpc>
+                <a:spcPct val="90000"/>
+              </a:lnSpc>
+              <a:spcBef>
+                <a:spcPts val="500"/>
+              </a:spcBef>
+              <a:buFont typeface="Arial" panose="020B0604020202020204" pitchFamily="34" charset="0"/>
+              <a:buChar char="•"/>
+              <a:defRPr sz="2400" kern="1200">
+                <a:solidFill>
+                  <a:schemeClr val="tx1"/>
+                </a:solidFill>
+                <a:latin typeface="+mn-lt"/>
+                <a:ea typeface="+mn-ea"/>
+                <a:cs typeface="+mn-cs"/>
+              </a:defRPr>
+            </a:lvl2pPr>
+            <a:lvl3pPr marL="1143000" indent="-228600" algn="l" defTabSz="914400" rtl="0" eaLnBrk="1" latinLnBrk="0" hangingPunct="1">
+              <a:lnSpc>
+                <a:spcPct val="90000"/>
+              </a:lnSpc>
+              <a:spcBef>
+                <a:spcPts val="500"/>
+              </a:spcBef>
+              <a:buFont typeface="Arial" panose="020B0604020202020204" pitchFamily="34" charset="0"/>
+              <a:buChar char="•"/>
+              <a:defRPr sz="2000" kern="1200">
+                <a:solidFill>
+                  <a:schemeClr val="tx1"/>
+                </a:solidFill>
+                <a:latin typeface="+mn-lt"/>
+                <a:ea typeface="+mn-ea"/>
+                <a:cs typeface="+mn-cs"/>
+              </a:defRPr>
+            </a:lvl3pPr>
+            <a:lvl4pPr marL="1600200" indent="-228600" algn="l" defTabSz="914400" rtl="0" eaLnBrk="1" latinLnBrk="0" hangingPunct="1">
+              <a:lnSpc>
+                <a:spcPct val="90000"/>
+              </a:lnSpc>
+              <a:spcBef>
+                <a:spcPts val="500"/>
+              </a:spcBef>
+              <a:buFont typeface="Arial" panose="020B0604020202020204" pitchFamily="34" charset="0"/>
+              <a:buChar char="•"/>
+              <a:defRPr sz="1800" kern="1200">
+                <a:solidFill>
+                  <a:schemeClr val="tx1"/>
+                </a:solidFill>
+                <a:latin typeface="+mn-lt"/>
+                <a:ea typeface="+mn-ea"/>
+                <a:cs typeface="+mn-cs"/>
+              </a:defRPr>
+            </a:lvl4pPr>
+            <a:lvl5pPr marL="2057400" indent="-228600" algn="l" defTabSz="914400" rtl="0" eaLnBrk="1" latinLnBrk="0" hangingPunct="1">
+              <a:lnSpc>
+                <a:spcPct val="90000"/>
+              </a:lnSpc>
+              <a:spcBef>
+                <a:spcPts val="500"/>
+              </a:spcBef>
+              <a:buFont typeface="Arial" panose="020B0604020202020204" pitchFamily="34" charset="0"/>
+              <a:buChar char="•"/>
+              <a:defRPr sz="1800" kern="1200">
+                <a:solidFill>
+                  <a:schemeClr val="tx1"/>
+                </a:solidFill>
+                <a:latin typeface="+mn-lt"/>
+                <a:ea typeface="+mn-ea"/>
+                <a:cs typeface="+mn-cs"/>
+              </a:defRPr>
+            </a:lvl5pPr>
+            <a:lvl6pPr marL="2514600" indent="-228600" algn="l" defTabSz="914400" rtl="0" eaLnBrk="1" latinLnBrk="0" hangingPunct="1">
+              <a:lnSpc>
+                <a:spcPct val="90000"/>
+              </a:lnSpc>
+              <a:spcBef>
+                <a:spcPts val="500"/>
+              </a:spcBef>
+              <a:buFont typeface="Arial" panose="020B0604020202020204" pitchFamily="34" charset="0"/>
+              <a:buChar char="•"/>
+              <a:defRPr sz="1800" kern="1200">
+                <a:solidFill>
+                  <a:schemeClr val="tx1"/>
+                </a:solidFill>
+                <a:latin typeface="+mn-lt"/>
+                <a:ea typeface="+mn-ea"/>
+                <a:cs typeface="+mn-cs"/>
+              </a:defRPr>
+            </a:lvl6pPr>
+            <a:lvl7pPr marL="2971800" indent="-228600" algn="l" defTabSz="914400" rtl="0" eaLnBrk="1" latinLnBrk="0" hangingPunct="1">
+              <a:lnSpc>
+                <a:spcPct val="90000"/>
+              </a:lnSpc>
+              <a:spcBef>
+                <a:spcPts val="500"/>
+              </a:spcBef>
+              <a:buFont typeface="Arial" panose="020B0604020202020204" pitchFamily="34" charset="0"/>
+              <a:buChar char="•"/>
+              <a:defRPr sz="1800" kern="1200">
+                <a:solidFill>
+                  <a:schemeClr val="tx1"/>
+                </a:solidFill>
+                <a:latin typeface="+mn-lt"/>
+                <a:ea typeface="+mn-ea"/>
+                <a:cs typeface="+mn-cs"/>
+              </a:defRPr>
+            </a:lvl7pPr>
+            <a:lvl8pPr marL="3429000" indent="-228600" algn="l" defTabSz="914400" rtl="0" eaLnBrk="1" latinLnBrk="0" hangingPunct="1">
+              <a:lnSpc>
+                <a:spcPct val="90000"/>
+              </a:lnSpc>
+              <a:spcBef>
+                <a:spcPts val="500"/>
+              </a:spcBef>
+              <a:buFont typeface="Arial" panose="020B0604020202020204" pitchFamily="34" charset="0"/>
+              <a:buChar char="•"/>
+              <a:defRPr sz="1800" kern="1200">
+                <a:solidFill>
+                  <a:schemeClr val="tx1"/>
+                </a:solidFill>
+                <a:latin typeface="+mn-lt"/>
+                <a:ea typeface="+mn-ea"/>
+                <a:cs typeface="+mn-cs"/>
+              </a:defRPr>
+            </a:lvl8pPr>
+            <a:lvl9pPr marL="3886200" indent="-228600" algn="l" defTabSz="914400" rtl="0" eaLnBrk="1" latinLnBrk="0" hangingPunct="1">
+              <a:lnSpc>
+                <a:spcPct val="90000"/>
+              </a:lnSpc>
+              <a:spcBef>
+                <a:spcPts val="500"/>
+              </a:spcBef>
+              <a:buFont typeface="Arial" panose="020B0604020202020204" pitchFamily="34" charset="0"/>
+              <a:buChar char="•"/>
+              <a:defRPr sz="1800" kern="1200">
+                <a:solidFill>
+                  <a:schemeClr val="tx1"/>
+                </a:solidFill>
+                <a:latin typeface="+mn-lt"/>
+                <a:ea typeface="+mn-ea"/>
+                <a:cs typeface="+mn-cs"/>
+              </a:defRPr>
+            </a:lvl9pPr>
+          </a:lstStyle>
+          <a:p>
+            <a:pPr marL="0" indent="0" algn="ctr">
+              <a:buNone/>
+            </a:pPr>
+            <a:r>
+              <a:rPr lang="en-IN" sz="3200" dirty="0" smtClean="0">
+                <a:solidFill>
+                  <a:schemeClr val="tx1">
+                    <a:lumMod val="95000"/>
+                  </a:schemeClr>
+                </a:solidFill>
+              </a:rPr>
+              <a:t>Aligns all child in a single direction</a:t>
+            </a:r>
+            <a:endParaRPr lang="en-IN" sz="3200" dirty="0">
+              <a:solidFill>
+                <a:schemeClr val="tx1">
+                  <a:lumMod val="95000"/>
+                </a:schemeClr>
+              </a:solidFill>
+            </a:endParaRPr>
+          </a:p>
+        </p:txBody>
+      </p:sp>
+    </p:spTree>
+    <p:extLst>
+      <p:ext uri="{BB962C8B-B14F-4D97-AF65-F5344CB8AC3E}">
+        <p14:creationId xmlns:p14="http://schemas.microsoft.com/office/powerpoint/2010/main" val="560401828"/>
+      </p:ext>
+    </p:extLst>
+  </p:cSld>
+  <p:clrMapOvr>
+    <a:masterClrMapping/>
+  </p:clrMapOvr>
+  <p:timing>
+    <p:tnLst>
+      <p:par>
+        <p:cTn id="1" dur="indefinite" restart="never" nodeType="tmRoot"/>
+      </p:par>
+    </p:tnLst>
+  </p:timing>
+</p:sld>
+</file>
+
+<file path=ppt/slides/slide25.xml><?xml version="1.0" encoding="utf-8"?>
 <p:sld xmlns:a="http://schemas.openxmlformats.org/drawingml/2006/main" xmlns:r="http://schemas.openxmlformats.org/officeDocument/2006/relationships" xmlns:p="http://schemas.openxmlformats.org/presentationml/2006/main">
   <p:cSld>
     <p:spTree>

--- a/The design and development of AIRYL.pptx
+++ b/The design and development of AIRYL.pptx
@@ -29,7 +29,8 @@
     <p:sldId id="279" r:id="rId23"/>
     <p:sldId id="280" r:id="rId24"/>
     <p:sldId id="281" r:id="rId25"/>
-    <p:sldId id="269" r:id="rId26"/>
+    <p:sldId id="282" r:id="rId26"/>
+    <p:sldId id="269" r:id="rId27"/>
   </p:sldIdLst>
   <p:sldSz cx="12192000" cy="6858000"/>
   <p:notesSz cx="6858000" cy="9144000"/>
@@ -12600,6 +12601,729 @@
       </p:grpSpPr>
       <p:sp>
         <p:nvSpPr>
+          <p:cNvPr id="5" name="Subtitle 2"/>
+          <p:cNvSpPr txBox="1">
+            <a:spLocks/>
+          </p:cNvSpPr>
+          <p:nvPr/>
+        </p:nvSpPr>
+        <p:spPr>
+          <a:xfrm>
+            <a:off x="3474961" y="564201"/>
+            <a:ext cx="5867915" cy="428625"/>
+          </a:xfrm>
+          <a:prstGeom prst="rect">
+            <a:avLst/>
+          </a:prstGeom>
+        </p:spPr>
+        <p:txBody>
+          <a:bodyPr vert="horz" lIns="91440" tIns="45720" rIns="91440" bIns="45720" rtlCol="0">
+            <a:noAutofit/>
+          </a:bodyPr>
+          <a:lstStyle>
+            <a:lvl1pPr marL="228600" indent="-228600" algn="l" defTabSz="914400" rtl="0" eaLnBrk="1" latinLnBrk="0" hangingPunct="1">
+              <a:lnSpc>
+                <a:spcPct val="90000"/>
+              </a:lnSpc>
+              <a:spcBef>
+                <a:spcPts val="1000"/>
+              </a:spcBef>
+              <a:buFont typeface="Arial" panose="020B0604020202020204" pitchFamily="34" charset="0"/>
+              <a:buChar char="•"/>
+              <a:defRPr sz="2800" kern="1200">
+                <a:solidFill>
+                  <a:schemeClr val="tx1"/>
+                </a:solidFill>
+                <a:latin typeface="+mn-lt"/>
+                <a:ea typeface="+mn-ea"/>
+                <a:cs typeface="+mn-cs"/>
+              </a:defRPr>
+            </a:lvl1pPr>
+            <a:lvl2pPr marL="685800" indent="-228600" algn="l" defTabSz="914400" rtl="0" eaLnBrk="1" latinLnBrk="0" hangingPunct="1">
+              <a:lnSpc>
+                <a:spcPct val="90000"/>
+              </a:lnSpc>
+              <a:spcBef>
+                <a:spcPts val="500"/>
+              </a:spcBef>
+              <a:buFont typeface="Arial" panose="020B0604020202020204" pitchFamily="34" charset="0"/>
+              <a:buChar char="•"/>
+              <a:defRPr sz="2400" kern="1200">
+                <a:solidFill>
+                  <a:schemeClr val="tx1"/>
+                </a:solidFill>
+                <a:latin typeface="+mn-lt"/>
+                <a:ea typeface="+mn-ea"/>
+                <a:cs typeface="+mn-cs"/>
+              </a:defRPr>
+            </a:lvl2pPr>
+            <a:lvl3pPr marL="1143000" indent="-228600" algn="l" defTabSz="914400" rtl="0" eaLnBrk="1" latinLnBrk="0" hangingPunct="1">
+              <a:lnSpc>
+                <a:spcPct val="90000"/>
+              </a:lnSpc>
+              <a:spcBef>
+                <a:spcPts val="500"/>
+              </a:spcBef>
+              <a:buFont typeface="Arial" panose="020B0604020202020204" pitchFamily="34" charset="0"/>
+              <a:buChar char="•"/>
+              <a:defRPr sz="2000" kern="1200">
+                <a:solidFill>
+                  <a:schemeClr val="tx1"/>
+                </a:solidFill>
+                <a:latin typeface="+mn-lt"/>
+                <a:ea typeface="+mn-ea"/>
+                <a:cs typeface="+mn-cs"/>
+              </a:defRPr>
+            </a:lvl3pPr>
+            <a:lvl4pPr marL="1600200" indent="-228600" algn="l" defTabSz="914400" rtl="0" eaLnBrk="1" latinLnBrk="0" hangingPunct="1">
+              <a:lnSpc>
+                <a:spcPct val="90000"/>
+              </a:lnSpc>
+              <a:spcBef>
+                <a:spcPts val="500"/>
+              </a:spcBef>
+              <a:buFont typeface="Arial" panose="020B0604020202020204" pitchFamily="34" charset="0"/>
+              <a:buChar char="•"/>
+              <a:defRPr sz="1800" kern="1200">
+                <a:solidFill>
+                  <a:schemeClr val="tx1"/>
+                </a:solidFill>
+                <a:latin typeface="+mn-lt"/>
+                <a:ea typeface="+mn-ea"/>
+                <a:cs typeface="+mn-cs"/>
+              </a:defRPr>
+            </a:lvl4pPr>
+            <a:lvl5pPr marL="2057400" indent="-228600" algn="l" defTabSz="914400" rtl="0" eaLnBrk="1" latinLnBrk="0" hangingPunct="1">
+              <a:lnSpc>
+                <a:spcPct val="90000"/>
+              </a:lnSpc>
+              <a:spcBef>
+                <a:spcPts val="500"/>
+              </a:spcBef>
+              <a:buFont typeface="Arial" panose="020B0604020202020204" pitchFamily="34" charset="0"/>
+              <a:buChar char="•"/>
+              <a:defRPr sz="1800" kern="1200">
+                <a:solidFill>
+                  <a:schemeClr val="tx1"/>
+                </a:solidFill>
+                <a:latin typeface="+mn-lt"/>
+                <a:ea typeface="+mn-ea"/>
+                <a:cs typeface="+mn-cs"/>
+              </a:defRPr>
+            </a:lvl5pPr>
+            <a:lvl6pPr marL="2514600" indent="-228600" algn="l" defTabSz="914400" rtl="0" eaLnBrk="1" latinLnBrk="0" hangingPunct="1">
+              <a:lnSpc>
+                <a:spcPct val="90000"/>
+              </a:lnSpc>
+              <a:spcBef>
+                <a:spcPts val="500"/>
+              </a:spcBef>
+              <a:buFont typeface="Arial" panose="020B0604020202020204" pitchFamily="34" charset="0"/>
+              <a:buChar char="•"/>
+              <a:defRPr sz="1800" kern="1200">
+                <a:solidFill>
+                  <a:schemeClr val="tx1"/>
+                </a:solidFill>
+                <a:latin typeface="+mn-lt"/>
+                <a:ea typeface="+mn-ea"/>
+                <a:cs typeface="+mn-cs"/>
+              </a:defRPr>
+            </a:lvl6pPr>
+            <a:lvl7pPr marL="2971800" indent="-228600" algn="l" defTabSz="914400" rtl="0" eaLnBrk="1" latinLnBrk="0" hangingPunct="1">
+              <a:lnSpc>
+                <a:spcPct val="90000"/>
+              </a:lnSpc>
+              <a:spcBef>
+                <a:spcPts val="500"/>
+              </a:spcBef>
+              <a:buFont typeface="Arial" panose="020B0604020202020204" pitchFamily="34" charset="0"/>
+              <a:buChar char="•"/>
+              <a:defRPr sz="1800" kern="1200">
+                <a:solidFill>
+                  <a:schemeClr val="tx1"/>
+                </a:solidFill>
+                <a:latin typeface="+mn-lt"/>
+                <a:ea typeface="+mn-ea"/>
+                <a:cs typeface="+mn-cs"/>
+              </a:defRPr>
+            </a:lvl7pPr>
+            <a:lvl8pPr marL="3429000" indent="-228600" algn="l" defTabSz="914400" rtl="0" eaLnBrk="1" latinLnBrk="0" hangingPunct="1">
+              <a:lnSpc>
+                <a:spcPct val="90000"/>
+              </a:lnSpc>
+              <a:spcBef>
+                <a:spcPts val="500"/>
+              </a:spcBef>
+              <a:buFont typeface="Arial" panose="020B0604020202020204" pitchFamily="34" charset="0"/>
+              <a:buChar char="•"/>
+              <a:defRPr sz="1800" kern="1200">
+                <a:solidFill>
+                  <a:schemeClr val="tx1"/>
+                </a:solidFill>
+                <a:latin typeface="+mn-lt"/>
+                <a:ea typeface="+mn-ea"/>
+                <a:cs typeface="+mn-cs"/>
+              </a:defRPr>
+            </a:lvl8pPr>
+            <a:lvl9pPr marL="3886200" indent="-228600" algn="l" defTabSz="914400" rtl="0" eaLnBrk="1" latinLnBrk="0" hangingPunct="1">
+              <a:lnSpc>
+                <a:spcPct val="90000"/>
+              </a:lnSpc>
+              <a:spcBef>
+                <a:spcPts val="500"/>
+              </a:spcBef>
+              <a:buFont typeface="Arial" panose="020B0604020202020204" pitchFamily="34" charset="0"/>
+              <a:buChar char="•"/>
+              <a:defRPr sz="1800" kern="1200">
+                <a:solidFill>
+                  <a:schemeClr val="tx1"/>
+                </a:solidFill>
+                <a:latin typeface="+mn-lt"/>
+                <a:ea typeface="+mn-ea"/>
+                <a:cs typeface="+mn-cs"/>
+              </a:defRPr>
+            </a:lvl9pPr>
+          </a:lstStyle>
+          <a:p>
+            <a:pPr marL="0" indent="0">
+              <a:buNone/>
+            </a:pPr>
+            <a:endParaRPr lang="en-IN" sz="6600" dirty="0">
+              <a:solidFill>
+                <a:schemeClr val="tx1">
+                  <a:lumMod val="95000"/>
+                </a:schemeClr>
+              </a:solidFill>
+            </a:endParaRPr>
+          </a:p>
+        </p:txBody>
+      </p:sp>
+      <p:sp>
+        <p:nvSpPr>
+          <p:cNvPr id="4" name="Subtitle 2"/>
+          <p:cNvSpPr txBox="1">
+            <a:spLocks/>
+          </p:cNvSpPr>
+          <p:nvPr/>
+        </p:nvSpPr>
+        <p:spPr>
+          <a:xfrm>
+            <a:off x="3649053" y="564201"/>
+            <a:ext cx="8083466" cy="6007515"/>
+          </a:xfrm>
+          <a:prstGeom prst="rect">
+            <a:avLst/>
+          </a:prstGeom>
+        </p:spPr>
+        <p:txBody>
+          <a:bodyPr vert="horz" lIns="91440" tIns="45720" rIns="91440" bIns="45720" rtlCol="0">
+            <a:noAutofit/>
+          </a:bodyPr>
+          <a:lstStyle>
+            <a:lvl1pPr marL="228600" indent="-228600" algn="l" defTabSz="914400" rtl="0" eaLnBrk="1" latinLnBrk="0" hangingPunct="1">
+              <a:lnSpc>
+                <a:spcPct val="90000"/>
+              </a:lnSpc>
+              <a:spcBef>
+                <a:spcPts val="1000"/>
+              </a:spcBef>
+              <a:buFont typeface="Arial" panose="020B0604020202020204" pitchFamily="34" charset="0"/>
+              <a:buChar char="•"/>
+              <a:defRPr sz="2800" kern="1200">
+                <a:solidFill>
+                  <a:schemeClr val="tx1"/>
+                </a:solidFill>
+                <a:latin typeface="+mn-lt"/>
+                <a:ea typeface="+mn-ea"/>
+                <a:cs typeface="+mn-cs"/>
+              </a:defRPr>
+            </a:lvl1pPr>
+            <a:lvl2pPr marL="685800" indent="-228600" algn="l" defTabSz="914400" rtl="0" eaLnBrk="1" latinLnBrk="0" hangingPunct="1">
+              <a:lnSpc>
+                <a:spcPct val="90000"/>
+              </a:lnSpc>
+              <a:spcBef>
+                <a:spcPts val="500"/>
+              </a:spcBef>
+              <a:buFont typeface="Arial" panose="020B0604020202020204" pitchFamily="34" charset="0"/>
+              <a:buChar char="•"/>
+              <a:defRPr sz="2400" kern="1200">
+                <a:solidFill>
+                  <a:schemeClr val="tx1"/>
+                </a:solidFill>
+                <a:latin typeface="+mn-lt"/>
+                <a:ea typeface="+mn-ea"/>
+                <a:cs typeface="+mn-cs"/>
+              </a:defRPr>
+            </a:lvl2pPr>
+            <a:lvl3pPr marL="1143000" indent="-228600" algn="l" defTabSz="914400" rtl="0" eaLnBrk="1" latinLnBrk="0" hangingPunct="1">
+              <a:lnSpc>
+                <a:spcPct val="90000"/>
+              </a:lnSpc>
+              <a:spcBef>
+                <a:spcPts val="500"/>
+              </a:spcBef>
+              <a:buFont typeface="Arial" panose="020B0604020202020204" pitchFamily="34" charset="0"/>
+              <a:buChar char="•"/>
+              <a:defRPr sz="2000" kern="1200">
+                <a:solidFill>
+                  <a:schemeClr val="tx1"/>
+                </a:solidFill>
+                <a:latin typeface="+mn-lt"/>
+                <a:ea typeface="+mn-ea"/>
+                <a:cs typeface="+mn-cs"/>
+              </a:defRPr>
+            </a:lvl3pPr>
+            <a:lvl4pPr marL="1600200" indent="-228600" algn="l" defTabSz="914400" rtl="0" eaLnBrk="1" latinLnBrk="0" hangingPunct="1">
+              <a:lnSpc>
+                <a:spcPct val="90000"/>
+              </a:lnSpc>
+              <a:spcBef>
+                <a:spcPts val="500"/>
+              </a:spcBef>
+              <a:buFont typeface="Arial" panose="020B0604020202020204" pitchFamily="34" charset="0"/>
+              <a:buChar char="•"/>
+              <a:defRPr sz="1800" kern="1200">
+                <a:solidFill>
+                  <a:schemeClr val="tx1"/>
+                </a:solidFill>
+                <a:latin typeface="+mn-lt"/>
+                <a:ea typeface="+mn-ea"/>
+                <a:cs typeface="+mn-cs"/>
+              </a:defRPr>
+            </a:lvl4pPr>
+            <a:lvl5pPr marL="2057400" indent="-228600" algn="l" defTabSz="914400" rtl="0" eaLnBrk="1" latinLnBrk="0" hangingPunct="1">
+              <a:lnSpc>
+                <a:spcPct val="90000"/>
+              </a:lnSpc>
+              <a:spcBef>
+                <a:spcPts val="500"/>
+              </a:spcBef>
+              <a:buFont typeface="Arial" panose="020B0604020202020204" pitchFamily="34" charset="0"/>
+              <a:buChar char="•"/>
+              <a:defRPr sz="1800" kern="1200">
+                <a:solidFill>
+                  <a:schemeClr val="tx1"/>
+                </a:solidFill>
+                <a:latin typeface="+mn-lt"/>
+                <a:ea typeface="+mn-ea"/>
+                <a:cs typeface="+mn-cs"/>
+              </a:defRPr>
+            </a:lvl5pPr>
+            <a:lvl6pPr marL="2514600" indent="-228600" algn="l" defTabSz="914400" rtl="0" eaLnBrk="1" latinLnBrk="0" hangingPunct="1">
+              <a:lnSpc>
+                <a:spcPct val="90000"/>
+              </a:lnSpc>
+              <a:spcBef>
+                <a:spcPts val="500"/>
+              </a:spcBef>
+              <a:buFont typeface="Arial" panose="020B0604020202020204" pitchFamily="34" charset="0"/>
+              <a:buChar char="•"/>
+              <a:defRPr sz="1800" kern="1200">
+                <a:solidFill>
+                  <a:schemeClr val="tx1"/>
+                </a:solidFill>
+                <a:latin typeface="+mn-lt"/>
+                <a:ea typeface="+mn-ea"/>
+                <a:cs typeface="+mn-cs"/>
+              </a:defRPr>
+            </a:lvl6pPr>
+            <a:lvl7pPr marL="2971800" indent="-228600" algn="l" defTabSz="914400" rtl="0" eaLnBrk="1" latinLnBrk="0" hangingPunct="1">
+              <a:lnSpc>
+                <a:spcPct val="90000"/>
+              </a:lnSpc>
+              <a:spcBef>
+                <a:spcPts val="500"/>
+              </a:spcBef>
+              <a:buFont typeface="Arial" panose="020B0604020202020204" pitchFamily="34" charset="0"/>
+              <a:buChar char="•"/>
+              <a:defRPr sz="1800" kern="1200">
+                <a:solidFill>
+                  <a:schemeClr val="tx1"/>
+                </a:solidFill>
+                <a:latin typeface="+mn-lt"/>
+                <a:ea typeface="+mn-ea"/>
+                <a:cs typeface="+mn-cs"/>
+              </a:defRPr>
+            </a:lvl7pPr>
+            <a:lvl8pPr marL="3429000" indent="-228600" algn="l" defTabSz="914400" rtl="0" eaLnBrk="1" latinLnBrk="0" hangingPunct="1">
+              <a:lnSpc>
+                <a:spcPct val="90000"/>
+              </a:lnSpc>
+              <a:spcBef>
+                <a:spcPts val="500"/>
+              </a:spcBef>
+              <a:buFont typeface="Arial" panose="020B0604020202020204" pitchFamily="34" charset="0"/>
+              <a:buChar char="•"/>
+              <a:defRPr sz="1800" kern="1200">
+                <a:solidFill>
+                  <a:schemeClr val="tx1"/>
+                </a:solidFill>
+                <a:latin typeface="+mn-lt"/>
+                <a:ea typeface="+mn-ea"/>
+                <a:cs typeface="+mn-cs"/>
+              </a:defRPr>
+            </a:lvl8pPr>
+            <a:lvl9pPr marL="3886200" indent="-228600" algn="l" defTabSz="914400" rtl="0" eaLnBrk="1" latinLnBrk="0" hangingPunct="1">
+              <a:lnSpc>
+                <a:spcPct val="90000"/>
+              </a:lnSpc>
+              <a:spcBef>
+                <a:spcPts val="500"/>
+              </a:spcBef>
+              <a:buFont typeface="Arial" panose="020B0604020202020204" pitchFamily="34" charset="0"/>
+              <a:buChar char="•"/>
+              <a:defRPr sz="1800" kern="1200">
+                <a:solidFill>
+                  <a:schemeClr val="tx1"/>
+                </a:solidFill>
+                <a:latin typeface="+mn-lt"/>
+                <a:ea typeface="+mn-ea"/>
+                <a:cs typeface="+mn-cs"/>
+              </a:defRPr>
+            </a:lvl9pPr>
+          </a:lstStyle>
+          <a:p>
+            <a:pPr marL="0" indent="0">
+              <a:buNone/>
+            </a:pPr>
+            <a:r>
+              <a:rPr lang="en-IN" sz="2400" dirty="0" smtClean="0">
+                <a:solidFill>
+                  <a:schemeClr val="tx1">
+                    <a:lumMod val="95000"/>
+                  </a:schemeClr>
+                </a:solidFill>
+              </a:rPr>
+              <a:t>&lt;</a:t>
+            </a:r>
+            <a:r>
+              <a:rPr lang="en-IN" sz="2400" dirty="0" err="1" smtClean="0">
+                <a:solidFill>
+                  <a:schemeClr val="tx1">
+                    <a:lumMod val="95000"/>
+                  </a:schemeClr>
+                </a:solidFill>
+              </a:rPr>
+              <a:t>RelativeLayout</a:t>
+            </a:r>
+            <a:endParaRPr lang="en-IN" sz="2400" dirty="0" smtClean="0">
+              <a:solidFill>
+                <a:schemeClr val="tx1">
+                  <a:lumMod val="95000"/>
+                </a:schemeClr>
+              </a:solidFill>
+            </a:endParaRPr>
+          </a:p>
+          <a:p>
+            <a:pPr marL="0" indent="0">
+              <a:buNone/>
+            </a:pPr>
+            <a:r>
+              <a:rPr lang="en-IN" sz="2400" dirty="0" smtClean="0">
+                <a:solidFill>
+                  <a:schemeClr val="tx1">
+                    <a:lumMod val="95000"/>
+                  </a:schemeClr>
+                </a:solidFill>
+              </a:rPr>
+              <a:t>…</a:t>
+            </a:r>
+          </a:p>
+          <a:p>
+            <a:pPr marL="0" indent="0">
+              <a:buNone/>
+            </a:pPr>
+            <a:r>
+              <a:rPr lang="en-IN" sz="2400" dirty="0">
+                <a:solidFill>
+                  <a:schemeClr val="tx1">
+                    <a:lumMod val="95000"/>
+                  </a:schemeClr>
+                </a:solidFill>
+              </a:rPr>
+              <a:t>	</a:t>
+            </a:r>
+            <a:r>
+              <a:rPr lang="en-IN" sz="2400" dirty="0" smtClean="0">
+                <a:solidFill>
+                  <a:schemeClr val="tx1">
+                    <a:lumMod val="95000"/>
+                  </a:schemeClr>
+                </a:solidFill>
+              </a:rPr>
+              <a:t>&lt;</a:t>
+            </a:r>
+            <a:r>
+              <a:rPr lang="en-IN" sz="2400" dirty="0" err="1" smtClean="0">
+                <a:solidFill>
+                  <a:schemeClr val="tx1">
+                    <a:lumMod val="95000"/>
+                  </a:schemeClr>
+                </a:solidFill>
+              </a:rPr>
+              <a:t>LinearLayout</a:t>
+            </a:r>
+            <a:endParaRPr lang="en-IN" sz="2400" dirty="0" smtClean="0">
+              <a:solidFill>
+                <a:schemeClr val="tx1">
+                  <a:lumMod val="95000"/>
+                </a:schemeClr>
+              </a:solidFill>
+            </a:endParaRPr>
+          </a:p>
+          <a:p>
+            <a:pPr marL="0" indent="0">
+              <a:buNone/>
+            </a:pPr>
+            <a:r>
+              <a:rPr lang="en-IN" sz="2400" dirty="0">
+                <a:solidFill>
+                  <a:schemeClr val="tx1">
+                    <a:lumMod val="95000"/>
+                  </a:schemeClr>
+                </a:solidFill>
+              </a:rPr>
+              <a:t>	</a:t>
+            </a:r>
+            <a:r>
+              <a:rPr lang="en-IN" sz="2400" dirty="0" smtClean="0">
+                <a:solidFill>
+                  <a:schemeClr val="tx1">
+                    <a:lumMod val="95000"/>
+                  </a:schemeClr>
+                </a:solidFill>
+              </a:rPr>
+              <a:t>…</a:t>
+            </a:r>
+          </a:p>
+          <a:p>
+            <a:pPr marL="0" indent="0">
+              <a:buNone/>
+            </a:pPr>
+            <a:r>
+              <a:rPr lang="en-IN" sz="2400" dirty="0">
+                <a:solidFill>
+                  <a:schemeClr val="tx1">
+                    <a:lumMod val="95000"/>
+                  </a:schemeClr>
+                </a:solidFill>
+              </a:rPr>
+              <a:t>	</a:t>
+            </a:r>
+            <a:r>
+              <a:rPr lang="en-IN" sz="2400" dirty="0" err="1" smtClean="0">
+                <a:solidFill>
+                  <a:schemeClr val="tx1">
+                    <a:lumMod val="95000"/>
+                  </a:schemeClr>
+                </a:solidFill>
+              </a:rPr>
+              <a:t>android:orientation</a:t>
+            </a:r>
+            <a:r>
+              <a:rPr lang="en-IN" sz="2400" dirty="0" smtClean="0">
+                <a:solidFill>
+                  <a:schemeClr val="tx1">
+                    <a:lumMod val="95000"/>
+                  </a:schemeClr>
+                </a:solidFill>
+              </a:rPr>
+              <a:t>: “</a:t>
+            </a:r>
+            <a:r>
+              <a:rPr lang="en-IN" sz="2400" smtClean="0">
+                <a:solidFill>
+                  <a:schemeClr val="tx1">
+                    <a:lumMod val="95000"/>
+                  </a:schemeClr>
+                </a:solidFill>
+              </a:rPr>
+              <a:t>horizontal”&gt;</a:t>
+            </a:r>
+            <a:endParaRPr lang="en-IN" sz="2400" dirty="0" smtClean="0">
+              <a:solidFill>
+                <a:schemeClr val="tx1">
+                  <a:lumMod val="95000"/>
+                </a:schemeClr>
+              </a:solidFill>
+            </a:endParaRPr>
+          </a:p>
+          <a:p>
+            <a:pPr marL="0" indent="0">
+              <a:buNone/>
+            </a:pPr>
+            <a:r>
+              <a:rPr lang="en-IN" sz="2400" dirty="0">
+                <a:solidFill>
+                  <a:schemeClr val="tx1">
+                    <a:lumMod val="95000"/>
+                  </a:schemeClr>
+                </a:solidFill>
+              </a:rPr>
+              <a:t>	</a:t>
+            </a:r>
+            <a:r>
+              <a:rPr lang="en-IN" sz="2400" dirty="0" smtClean="0">
+                <a:solidFill>
+                  <a:schemeClr val="tx1">
+                    <a:lumMod val="95000"/>
+                  </a:schemeClr>
+                </a:solidFill>
+              </a:rPr>
+              <a:t>…</a:t>
+            </a:r>
+          </a:p>
+          <a:p>
+            <a:pPr marL="0" indent="0">
+              <a:buNone/>
+            </a:pPr>
+            <a:r>
+              <a:rPr lang="en-IN" sz="2400" dirty="0">
+                <a:solidFill>
+                  <a:schemeClr val="tx1">
+                    <a:lumMod val="95000"/>
+                  </a:schemeClr>
+                </a:solidFill>
+              </a:rPr>
+              <a:t>	</a:t>
+            </a:r>
+            <a:r>
+              <a:rPr lang="en-IN" sz="2400" dirty="0" smtClean="0">
+                <a:solidFill>
+                  <a:schemeClr val="tx1">
+                    <a:lumMod val="95000"/>
+                  </a:schemeClr>
+                </a:solidFill>
+              </a:rPr>
+              <a:t>&lt;/</a:t>
+            </a:r>
+            <a:r>
+              <a:rPr lang="en-IN" sz="2400" dirty="0" err="1" smtClean="0">
+                <a:solidFill>
+                  <a:schemeClr val="tx1">
+                    <a:lumMod val="95000"/>
+                  </a:schemeClr>
+                </a:solidFill>
+              </a:rPr>
+              <a:t>LinearLayout</a:t>
+            </a:r>
+            <a:r>
+              <a:rPr lang="en-IN" sz="2400" dirty="0" smtClean="0">
+                <a:solidFill>
+                  <a:schemeClr val="tx1">
+                    <a:lumMod val="95000"/>
+                  </a:schemeClr>
+                </a:solidFill>
+              </a:rPr>
+              <a:t> /&gt;</a:t>
+            </a:r>
+          </a:p>
+          <a:p>
+            <a:pPr marL="0" indent="0">
+              <a:buNone/>
+            </a:pPr>
+            <a:r>
+              <a:rPr lang="en-IN" sz="2400" dirty="0" smtClean="0">
+                <a:solidFill>
+                  <a:schemeClr val="tx1">
+                    <a:lumMod val="95000"/>
+                  </a:schemeClr>
+                </a:solidFill>
+              </a:rPr>
+              <a:t>…</a:t>
+            </a:r>
+            <a:endParaRPr lang="en-IN" sz="2400" dirty="0">
+              <a:solidFill>
+                <a:schemeClr val="tx1">
+                  <a:lumMod val="95000"/>
+                </a:schemeClr>
+              </a:solidFill>
+            </a:endParaRPr>
+          </a:p>
+          <a:p>
+            <a:pPr marL="0" indent="0">
+              <a:buNone/>
+            </a:pPr>
+            <a:r>
+              <a:rPr lang="en-IN" sz="2400" dirty="0" smtClean="0">
+                <a:solidFill>
+                  <a:schemeClr val="tx1">
+                    <a:lumMod val="95000"/>
+                  </a:schemeClr>
+                </a:solidFill>
+              </a:rPr>
+              <a:t>&lt;/</a:t>
+            </a:r>
+            <a:r>
+              <a:rPr lang="en-IN" sz="2400" dirty="0" err="1" smtClean="0">
+                <a:solidFill>
+                  <a:schemeClr val="tx1">
+                    <a:lumMod val="95000"/>
+                  </a:schemeClr>
+                </a:solidFill>
+              </a:rPr>
+              <a:t>RelativeLayout</a:t>
+            </a:r>
+            <a:r>
+              <a:rPr lang="en-IN" sz="2400" dirty="0" smtClean="0">
+                <a:solidFill>
+                  <a:schemeClr val="tx1">
+                    <a:lumMod val="95000"/>
+                  </a:schemeClr>
+                </a:solidFill>
+              </a:rPr>
+              <a:t>&gt;</a:t>
+            </a:r>
+            <a:endParaRPr lang="en-IN" sz="2400" dirty="0">
+              <a:solidFill>
+                <a:schemeClr val="tx1">
+                  <a:lumMod val="95000"/>
+                </a:schemeClr>
+              </a:solidFill>
+            </a:endParaRPr>
+          </a:p>
+        </p:txBody>
+      </p:sp>
+    </p:spTree>
+    <p:extLst>
+      <p:ext uri="{BB962C8B-B14F-4D97-AF65-F5344CB8AC3E}">
+        <p14:creationId xmlns:p14="http://schemas.microsoft.com/office/powerpoint/2010/main" val="698275196"/>
+      </p:ext>
+    </p:extLst>
+  </p:cSld>
+  <p:clrMapOvr>
+    <a:masterClrMapping/>
+  </p:clrMapOvr>
+  <p:timing>
+    <p:tnLst>
+      <p:par>
+        <p:cTn id="1" dur="indefinite" restart="never" nodeType="tmRoot"/>
+      </p:par>
+    </p:tnLst>
+  </p:timing>
+</p:sld>
+</file>
+
+<file path=ppt/slides/slide26.xml><?xml version="1.0" encoding="utf-8"?>
+<p:sld xmlns:a="http://schemas.openxmlformats.org/drawingml/2006/main" xmlns:r="http://schemas.openxmlformats.org/officeDocument/2006/relationships" xmlns:p="http://schemas.openxmlformats.org/presentationml/2006/main">
+  <p:cSld>
+    <p:spTree>
+      <p:nvGrpSpPr>
+        <p:cNvPr id="1" name=""/>
+        <p:cNvGrpSpPr/>
+        <p:nvPr/>
+      </p:nvGrpSpPr>
+      <p:grpSpPr>
+        <a:xfrm>
+          <a:off x="0" y="0"/>
+          <a:ext cx="0" cy="0"/>
+          <a:chOff x="0" y="0"/>
+          <a:chExt cx="0" cy="0"/>
+        </a:xfrm>
+      </p:grpSpPr>
+      <p:sp>
+        <p:nvSpPr>
           <p:cNvPr id="2" name="Title 1"/>
           <p:cNvSpPr>
             <a:spLocks noGrp="1"/>

--- a/The design and development of AIRYL.pptx
+++ b/The design and development of AIRYL.pptx
@@ -30,7 +30,13 @@
     <p:sldId id="280" r:id="rId24"/>
     <p:sldId id="281" r:id="rId25"/>
     <p:sldId id="282" r:id="rId26"/>
-    <p:sldId id="269" r:id="rId27"/>
+    <p:sldId id="283" r:id="rId27"/>
+    <p:sldId id="284" r:id="rId28"/>
+    <p:sldId id="285" r:id="rId29"/>
+    <p:sldId id="286" r:id="rId30"/>
+    <p:sldId id="287" r:id="rId31"/>
+    <p:sldId id="288" r:id="rId32"/>
+    <p:sldId id="269" r:id="rId33"/>
   </p:sldIdLst>
   <p:sldSz cx="12192000" cy="6858000"/>
   <p:notesSz cx="6858000" cy="9144000"/>
@@ -12808,7 +12814,7 @@
         </p:nvSpPr>
         <p:spPr>
           <a:xfrm>
-            <a:off x="3649053" y="564201"/>
+            <a:off x="3474961" y="1128224"/>
             <a:ext cx="8083466" cy="6007515"/>
           </a:xfrm>
           <a:prstGeom prst="rect">
@@ -13129,25 +13135,8 @@
                   </a:schemeClr>
                 </a:solidFill>
               </a:rPr>
-              <a:t>: “</a:t>
-            </a:r>
-            <a:r>
-              <a:rPr lang="en-IN" sz="2400" smtClean="0">
-                <a:solidFill>
-                  <a:schemeClr val="tx1">
-                    <a:lumMod val="95000"/>
-                  </a:schemeClr>
-                </a:solidFill>
-              </a:rPr>
-              <a:t>horizontal”&gt;</a:t>
-            </a:r>
-            <a:endParaRPr lang="en-IN" sz="2400" dirty="0" smtClean="0">
-              <a:solidFill>
-                <a:schemeClr val="tx1">
-                  <a:lumMod val="95000"/>
-                </a:schemeClr>
-              </a:solidFill>
-            </a:endParaRPr>
+              <a:t>: “horizontal”&gt;</a:t>
+            </a:r>
           </a:p>
           <a:p>
             <a:pPr marL="0" indent="0">
@@ -13306,6 +13295,2713 @@
 </file>
 
 <file path=ppt/slides/slide26.xml><?xml version="1.0" encoding="utf-8"?>
+<p:sld xmlns:a="http://schemas.openxmlformats.org/drawingml/2006/main" xmlns:r="http://schemas.openxmlformats.org/officeDocument/2006/relationships" xmlns:p="http://schemas.openxmlformats.org/presentationml/2006/main">
+  <p:cSld>
+    <p:spTree>
+      <p:nvGrpSpPr>
+        <p:cNvPr id="1" name=""/>
+        <p:cNvGrpSpPr/>
+        <p:nvPr/>
+      </p:nvGrpSpPr>
+      <p:grpSpPr>
+        <a:xfrm>
+          <a:off x="0" y="0"/>
+          <a:ext cx="0" cy="0"/>
+          <a:chOff x="0" y="0"/>
+          <a:chExt cx="0" cy="0"/>
+        </a:xfrm>
+      </p:grpSpPr>
+      <p:sp>
+        <p:nvSpPr>
+          <p:cNvPr id="5" name="Subtitle 2"/>
+          <p:cNvSpPr txBox="1">
+            <a:spLocks/>
+          </p:cNvSpPr>
+          <p:nvPr/>
+        </p:nvSpPr>
+        <p:spPr>
+          <a:xfrm>
+            <a:off x="3842430" y="636172"/>
+            <a:ext cx="5867915" cy="428625"/>
+          </a:xfrm>
+          <a:prstGeom prst="rect">
+            <a:avLst/>
+          </a:prstGeom>
+        </p:spPr>
+        <p:txBody>
+          <a:bodyPr vert="horz" lIns="91440" tIns="45720" rIns="91440" bIns="45720" rtlCol="0">
+            <a:noAutofit/>
+          </a:bodyPr>
+          <a:lstStyle>
+            <a:lvl1pPr marL="228600" indent="-228600" algn="l" defTabSz="914400" rtl="0" eaLnBrk="1" latinLnBrk="0" hangingPunct="1">
+              <a:lnSpc>
+                <a:spcPct val="90000"/>
+              </a:lnSpc>
+              <a:spcBef>
+                <a:spcPts val="1000"/>
+              </a:spcBef>
+              <a:buFont typeface="Arial" panose="020B0604020202020204" pitchFamily="34" charset="0"/>
+              <a:buChar char="•"/>
+              <a:defRPr sz="2800" kern="1200">
+                <a:solidFill>
+                  <a:schemeClr val="tx1"/>
+                </a:solidFill>
+                <a:latin typeface="+mn-lt"/>
+                <a:ea typeface="+mn-ea"/>
+                <a:cs typeface="+mn-cs"/>
+              </a:defRPr>
+            </a:lvl1pPr>
+            <a:lvl2pPr marL="685800" indent="-228600" algn="l" defTabSz="914400" rtl="0" eaLnBrk="1" latinLnBrk="0" hangingPunct="1">
+              <a:lnSpc>
+                <a:spcPct val="90000"/>
+              </a:lnSpc>
+              <a:spcBef>
+                <a:spcPts val="500"/>
+              </a:spcBef>
+              <a:buFont typeface="Arial" panose="020B0604020202020204" pitchFamily="34" charset="0"/>
+              <a:buChar char="•"/>
+              <a:defRPr sz="2400" kern="1200">
+                <a:solidFill>
+                  <a:schemeClr val="tx1"/>
+                </a:solidFill>
+                <a:latin typeface="+mn-lt"/>
+                <a:ea typeface="+mn-ea"/>
+                <a:cs typeface="+mn-cs"/>
+              </a:defRPr>
+            </a:lvl2pPr>
+            <a:lvl3pPr marL="1143000" indent="-228600" algn="l" defTabSz="914400" rtl="0" eaLnBrk="1" latinLnBrk="0" hangingPunct="1">
+              <a:lnSpc>
+                <a:spcPct val="90000"/>
+              </a:lnSpc>
+              <a:spcBef>
+                <a:spcPts val="500"/>
+              </a:spcBef>
+              <a:buFont typeface="Arial" panose="020B0604020202020204" pitchFamily="34" charset="0"/>
+              <a:buChar char="•"/>
+              <a:defRPr sz="2000" kern="1200">
+                <a:solidFill>
+                  <a:schemeClr val="tx1"/>
+                </a:solidFill>
+                <a:latin typeface="+mn-lt"/>
+                <a:ea typeface="+mn-ea"/>
+                <a:cs typeface="+mn-cs"/>
+              </a:defRPr>
+            </a:lvl3pPr>
+            <a:lvl4pPr marL="1600200" indent="-228600" algn="l" defTabSz="914400" rtl="0" eaLnBrk="1" latinLnBrk="0" hangingPunct="1">
+              <a:lnSpc>
+                <a:spcPct val="90000"/>
+              </a:lnSpc>
+              <a:spcBef>
+                <a:spcPts val="500"/>
+              </a:spcBef>
+              <a:buFont typeface="Arial" panose="020B0604020202020204" pitchFamily="34" charset="0"/>
+              <a:buChar char="•"/>
+              <a:defRPr sz="1800" kern="1200">
+                <a:solidFill>
+                  <a:schemeClr val="tx1"/>
+                </a:solidFill>
+                <a:latin typeface="+mn-lt"/>
+                <a:ea typeface="+mn-ea"/>
+                <a:cs typeface="+mn-cs"/>
+              </a:defRPr>
+            </a:lvl4pPr>
+            <a:lvl5pPr marL="2057400" indent="-228600" algn="l" defTabSz="914400" rtl="0" eaLnBrk="1" latinLnBrk="0" hangingPunct="1">
+              <a:lnSpc>
+                <a:spcPct val="90000"/>
+              </a:lnSpc>
+              <a:spcBef>
+                <a:spcPts val="500"/>
+              </a:spcBef>
+              <a:buFont typeface="Arial" panose="020B0604020202020204" pitchFamily="34" charset="0"/>
+              <a:buChar char="•"/>
+              <a:defRPr sz="1800" kern="1200">
+                <a:solidFill>
+                  <a:schemeClr val="tx1"/>
+                </a:solidFill>
+                <a:latin typeface="+mn-lt"/>
+                <a:ea typeface="+mn-ea"/>
+                <a:cs typeface="+mn-cs"/>
+              </a:defRPr>
+            </a:lvl5pPr>
+            <a:lvl6pPr marL="2514600" indent="-228600" algn="l" defTabSz="914400" rtl="0" eaLnBrk="1" latinLnBrk="0" hangingPunct="1">
+              <a:lnSpc>
+                <a:spcPct val="90000"/>
+              </a:lnSpc>
+              <a:spcBef>
+                <a:spcPts val="500"/>
+              </a:spcBef>
+              <a:buFont typeface="Arial" panose="020B0604020202020204" pitchFamily="34" charset="0"/>
+              <a:buChar char="•"/>
+              <a:defRPr sz="1800" kern="1200">
+                <a:solidFill>
+                  <a:schemeClr val="tx1"/>
+                </a:solidFill>
+                <a:latin typeface="+mn-lt"/>
+                <a:ea typeface="+mn-ea"/>
+                <a:cs typeface="+mn-cs"/>
+              </a:defRPr>
+            </a:lvl6pPr>
+            <a:lvl7pPr marL="2971800" indent="-228600" algn="l" defTabSz="914400" rtl="0" eaLnBrk="1" latinLnBrk="0" hangingPunct="1">
+              <a:lnSpc>
+                <a:spcPct val="90000"/>
+              </a:lnSpc>
+              <a:spcBef>
+                <a:spcPts val="500"/>
+              </a:spcBef>
+              <a:buFont typeface="Arial" panose="020B0604020202020204" pitchFamily="34" charset="0"/>
+              <a:buChar char="•"/>
+              <a:defRPr sz="1800" kern="1200">
+                <a:solidFill>
+                  <a:schemeClr val="tx1"/>
+                </a:solidFill>
+                <a:latin typeface="+mn-lt"/>
+                <a:ea typeface="+mn-ea"/>
+                <a:cs typeface="+mn-cs"/>
+              </a:defRPr>
+            </a:lvl7pPr>
+            <a:lvl8pPr marL="3429000" indent="-228600" algn="l" defTabSz="914400" rtl="0" eaLnBrk="1" latinLnBrk="0" hangingPunct="1">
+              <a:lnSpc>
+                <a:spcPct val="90000"/>
+              </a:lnSpc>
+              <a:spcBef>
+                <a:spcPts val="500"/>
+              </a:spcBef>
+              <a:buFont typeface="Arial" panose="020B0604020202020204" pitchFamily="34" charset="0"/>
+              <a:buChar char="•"/>
+              <a:defRPr sz="1800" kern="1200">
+                <a:solidFill>
+                  <a:schemeClr val="tx1"/>
+                </a:solidFill>
+                <a:latin typeface="+mn-lt"/>
+                <a:ea typeface="+mn-ea"/>
+                <a:cs typeface="+mn-cs"/>
+              </a:defRPr>
+            </a:lvl8pPr>
+            <a:lvl9pPr marL="3886200" indent="-228600" algn="l" defTabSz="914400" rtl="0" eaLnBrk="1" latinLnBrk="0" hangingPunct="1">
+              <a:lnSpc>
+                <a:spcPct val="90000"/>
+              </a:lnSpc>
+              <a:spcBef>
+                <a:spcPts val="500"/>
+              </a:spcBef>
+              <a:buFont typeface="Arial" panose="020B0604020202020204" pitchFamily="34" charset="0"/>
+              <a:buChar char="•"/>
+              <a:defRPr sz="1800" kern="1200">
+                <a:solidFill>
+                  <a:schemeClr val="tx1"/>
+                </a:solidFill>
+                <a:latin typeface="+mn-lt"/>
+                <a:ea typeface="+mn-ea"/>
+                <a:cs typeface="+mn-cs"/>
+              </a:defRPr>
+            </a:lvl9pPr>
+          </a:lstStyle>
+          <a:p>
+            <a:pPr marL="0" indent="0">
+              <a:buNone/>
+            </a:pPr>
+            <a:endParaRPr lang="en-IN" sz="6600" dirty="0">
+              <a:solidFill>
+                <a:schemeClr val="tx1">
+                  <a:lumMod val="95000"/>
+                </a:schemeClr>
+              </a:solidFill>
+            </a:endParaRPr>
+          </a:p>
+        </p:txBody>
+      </p:sp>
+      <p:sp>
+        <p:nvSpPr>
+          <p:cNvPr id="4" name="Subtitle 2"/>
+          <p:cNvSpPr txBox="1">
+            <a:spLocks/>
+          </p:cNvSpPr>
+          <p:nvPr/>
+        </p:nvSpPr>
+        <p:spPr>
+          <a:xfrm>
+            <a:off x="4645735" y="850484"/>
+            <a:ext cx="8083466" cy="6007515"/>
+          </a:xfrm>
+          <a:prstGeom prst="rect">
+            <a:avLst/>
+          </a:prstGeom>
+        </p:spPr>
+        <p:txBody>
+          <a:bodyPr vert="horz" lIns="91440" tIns="45720" rIns="91440" bIns="45720" rtlCol="0">
+            <a:noAutofit/>
+          </a:bodyPr>
+          <a:lstStyle>
+            <a:lvl1pPr marL="228600" indent="-228600" algn="l" defTabSz="914400" rtl="0" eaLnBrk="1" latinLnBrk="0" hangingPunct="1">
+              <a:lnSpc>
+                <a:spcPct val="90000"/>
+              </a:lnSpc>
+              <a:spcBef>
+                <a:spcPts val="1000"/>
+              </a:spcBef>
+              <a:buFont typeface="Arial" panose="020B0604020202020204" pitchFamily="34" charset="0"/>
+              <a:buChar char="•"/>
+              <a:defRPr sz="2800" kern="1200">
+                <a:solidFill>
+                  <a:schemeClr val="tx1"/>
+                </a:solidFill>
+                <a:latin typeface="+mn-lt"/>
+                <a:ea typeface="+mn-ea"/>
+                <a:cs typeface="+mn-cs"/>
+              </a:defRPr>
+            </a:lvl1pPr>
+            <a:lvl2pPr marL="685800" indent="-228600" algn="l" defTabSz="914400" rtl="0" eaLnBrk="1" latinLnBrk="0" hangingPunct="1">
+              <a:lnSpc>
+                <a:spcPct val="90000"/>
+              </a:lnSpc>
+              <a:spcBef>
+                <a:spcPts val="500"/>
+              </a:spcBef>
+              <a:buFont typeface="Arial" panose="020B0604020202020204" pitchFamily="34" charset="0"/>
+              <a:buChar char="•"/>
+              <a:defRPr sz="2400" kern="1200">
+                <a:solidFill>
+                  <a:schemeClr val="tx1"/>
+                </a:solidFill>
+                <a:latin typeface="+mn-lt"/>
+                <a:ea typeface="+mn-ea"/>
+                <a:cs typeface="+mn-cs"/>
+              </a:defRPr>
+            </a:lvl2pPr>
+            <a:lvl3pPr marL="1143000" indent="-228600" algn="l" defTabSz="914400" rtl="0" eaLnBrk="1" latinLnBrk="0" hangingPunct="1">
+              <a:lnSpc>
+                <a:spcPct val="90000"/>
+              </a:lnSpc>
+              <a:spcBef>
+                <a:spcPts val="500"/>
+              </a:spcBef>
+              <a:buFont typeface="Arial" panose="020B0604020202020204" pitchFamily="34" charset="0"/>
+              <a:buChar char="•"/>
+              <a:defRPr sz="2000" kern="1200">
+                <a:solidFill>
+                  <a:schemeClr val="tx1"/>
+                </a:solidFill>
+                <a:latin typeface="+mn-lt"/>
+                <a:ea typeface="+mn-ea"/>
+                <a:cs typeface="+mn-cs"/>
+              </a:defRPr>
+            </a:lvl3pPr>
+            <a:lvl4pPr marL="1600200" indent="-228600" algn="l" defTabSz="914400" rtl="0" eaLnBrk="1" latinLnBrk="0" hangingPunct="1">
+              <a:lnSpc>
+                <a:spcPct val="90000"/>
+              </a:lnSpc>
+              <a:spcBef>
+                <a:spcPts val="500"/>
+              </a:spcBef>
+              <a:buFont typeface="Arial" panose="020B0604020202020204" pitchFamily="34" charset="0"/>
+              <a:buChar char="•"/>
+              <a:defRPr sz="1800" kern="1200">
+                <a:solidFill>
+                  <a:schemeClr val="tx1"/>
+                </a:solidFill>
+                <a:latin typeface="+mn-lt"/>
+                <a:ea typeface="+mn-ea"/>
+                <a:cs typeface="+mn-cs"/>
+              </a:defRPr>
+            </a:lvl4pPr>
+            <a:lvl5pPr marL="2057400" indent="-228600" algn="l" defTabSz="914400" rtl="0" eaLnBrk="1" latinLnBrk="0" hangingPunct="1">
+              <a:lnSpc>
+                <a:spcPct val="90000"/>
+              </a:lnSpc>
+              <a:spcBef>
+                <a:spcPts val="500"/>
+              </a:spcBef>
+              <a:buFont typeface="Arial" panose="020B0604020202020204" pitchFamily="34" charset="0"/>
+              <a:buChar char="•"/>
+              <a:defRPr sz="1800" kern="1200">
+                <a:solidFill>
+                  <a:schemeClr val="tx1"/>
+                </a:solidFill>
+                <a:latin typeface="+mn-lt"/>
+                <a:ea typeface="+mn-ea"/>
+                <a:cs typeface="+mn-cs"/>
+              </a:defRPr>
+            </a:lvl5pPr>
+            <a:lvl6pPr marL="2514600" indent="-228600" algn="l" defTabSz="914400" rtl="0" eaLnBrk="1" latinLnBrk="0" hangingPunct="1">
+              <a:lnSpc>
+                <a:spcPct val="90000"/>
+              </a:lnSpc>
+              <a:spcBef>
+                <a:spcPts val="500"/>
+              </a:spcBef>
+              <a:buFont typeface="Arial" panose="020B0604020202020204" pitchFamily="34" charset="0"/>
+              <a:buChar char="•"/>
+              <a:defRPr sz="1800" kern="1200">
+                <a:solidFill>
+                  <a:schemeClr val="tx1"/>
+                </a:solidFill>
+                <a:latin typeface="+mn-lt"/>
+                <a:ea typeface="+mn-ea"/>
+                <a:cs typeface="+mn-cs"/>
+              </a:defRPr>
+            </a:lvl6pPr>
+            <a:lvl7pPr marL="2971800" indent="-228600" algn="l" defTabSz="914400" rtl="0" eaLnBrk="1" latinLnBrk="0" hangingPunct="1">
+              <a:lnSpc>
+                <a:spcPct val="90000"/>
+              </a:lnSpc>
+              <a:spcBef>
+                <a:spcPts val="500"/>
+              </a:spcBef>
+              <a:buFont typeface="Arial" panose="020B0604020202020204" pitchFamily="34" charset="0"/>
+              <a:buChar char="•"/>
+              <a:defRPr sz="1800" kern="1200">
+                <a:solidFill>
+                  <a:schemeClr val="tx1"/>
+                </a:solidFill>
+                <a:latin typeface="+mn-lt"/>
+                <a:ea typeface="+mn-ea"/>
+                <a:cs typeface="+mn-cs"/>
+              </a:defRPr>
+            </a:lvl7pPr>
+            <a:lvl8pPr marL="3429000" indent="-228600" algn="l" defTabSz="914400" rtl="0" eaLnBrk="1" latinLnBrk="0" hangingPunct="1">
+              <a:lnSpc>
+                <a:spcPct val="90000"/>
+              </a:lnSpc>
+              <a:spcBef>
+                <a:spcPts val="500"/>
+              </a:spcBef>
+              <a:buFont typeface="Arial" panose="020B0604020202020204" pitchFamily="34" charset="0"/>
+              <a:buChar char="•"/>
+              <a:defRPr sz="1800" kern="1200">
+                <a:solidFill>
+                  <a:schemeClr val="tx1"/>
+                </a:solidFill>
+                <a:latin typeface="+mn-lt"/>
+                <a:ea typeface="+mn-ea"/>
+                <a:cs typeface="+mn-cs"/>
+              </a:defRPr>
+            </a:lvl8pPr>
+            <a:lvl9pPr marL="3886200" indent="-228600" algn="l" defTabSz="914400" rtl="0" eaLnBrk="1" latinLnBrk="0" hangingPunct="1">
+              <a:lnSpc>
+                <a:spcPct val="90000"/>
+              </a:lnSpc>
+              <a:spcBef>
+                <a:spcPts val="500"/>
+              </a:spcBef>
+              <a:buFont typeface="Arial" panose="020B0604020202020204" pitchFamily="34" charset="0"/>
+              <a:buChar char="•"/>
+              <a:defRPr sz="1800" kern="1200">
+                <a:solidFill>
+                  <a:schemeClr val="tx1"/>
+                </a:solidFill>
+                <a:latin typeface="+mn-lt"/>
+                <a:ea typeface="+mn-ea"/>
+                <a:cs typeface="+mn-cs"/>
+              </a:defRPr>
+            </a:lvl9pPr>
+          </a:lstStyle>
+          <a:p>
+            <a:pPr marL="0" indent="0">
+              <a:buNone/>
+            </a:pPr>
+            <a:r>
+              <a:rPr lang="en-IN" sz="2000" dirty="0" smtClean="0">
+                <a:solidFill>
+                  <a:schemeClr val="tx1">
+                    <a:lumMod val="95000"/>
+                  </a:schemeClr>
+                </a:solidFill>
+              </a:rPr>
+              <a:t>&lt;</a:t>
+            </a:r>
+            <a:r>
+              <a:rPr lang="en-IN" sz="2000" dirty="0" err="1" smtClean="0">
+                <a:solidFill>
+                  <a:schemeClr val="tx1">
+                    <a:lumMod val="95000"/>
+                  </a:schemeClr>
+                </a:solidFill>
+              </a:rPr>
+              <a:t>RelativeLayout</a:t>
+            </a:r>
+            <a:endParaRPr lang="en-IN" sz="2000" dirty="0" smtClean="0">
+              <a:solidFill>
+                <a:schemeClr val="tx1">
+                  <a:lumMod val="95000"/>
+                </a:schemeClr>
+              </a:solidFill>
+            </a:endParaRPr>
+          </a:p>
+          <a:p>
+            <a:pPr marL="0" indent="0">
+              <a:buNone/>
+            </a:pPr>
+            <a:r>
+              <a:rPr lang="en-IN" sz="2000" dirty="0" smtClean="0">
+                <a:solidFill>
+                  <a:schemeClr val="tx1">
+                    <a:lumMod val="95000"/>
+                  </a:schemeClr>
+                </a:solidFill>
+              </a:rPr>
+              <a:t>…</a:t>
+            </a:r>
+          </a:p>
+          <a:p>
+            <a:pPr marL="0" indent="0">
+              <a:buNone/>
+            </a:pPr>
+            <a:r>
+              <a:rPr lang="en-IN" sz="2000" dirty="0">
+                <a:solidFill>
+                  <a:schemeClr val="tx1">
+                    <a:lumMod val="95000"/>
+                  </a:schemeClr>
+                </a:solidFill>
+              </a:rPr>
+              <a:t>	</a:t>
+            </a:r>
+            <a:r>
+              <a:rPr lang="en-IN" sz="2000" dirty="0" smtClean="0">
+                <a:solidFill>
+                  <a:schemeClr val="tx1">
+                    <a:lumMod val="95000"/>
+                  </a:schemeClr>
+                </a:solidFill>
+              </a:rPr>
+              <a:t>&lt;</a:t>
+            </a:r>
+            <a:r>
+              <a:rPr lang="en-IN" sz="2000" dirty="0" err="1" smtClean="0">
+                <a:solidFill>
+                  <a:schemeClr val="tx1">
+                    <a:lumMod val="95000"/>
+                  </a:schemeClr>
+                </a:solidFill>
+              </a:rPr>
+              <a:t>LinearLayout</a:t>
+            </a:r>
+            <a:endParaRPr lang="en-IN" sz="2000" dirty="0" smtClean="0">
+              <a:solidFill>
+                <a:schemeClr val="tx1">
+                  <a:lumMod val="95000"/>
+                </a:schemeClr>
+              </a:solidFill>
+            </a:endParaRPr>
+          </a:p>
+          <a:p>
+            <a:pPr marL="0" indent="0">
+              <a:buNone/>
+            </a:pPr>
+            <a:r>
+              <a:rPr lang="en-IN" sz="2000" dirty="0">
+                <a:solidFill>
+                  <a:schemeClr val="tx1">
+                    <a:lumMod val="95000"/>
+                  </a:schemeClr>
+                </a:solidFill>
+              </a:rPr>
+              <a:t>	</a:t>
+            </a:r>
+            <a:r>
+              <a:rPr lang="en-IN" sz="2000" dirty="0" smtClean="0">
+                <a:solidFill>
+                  <a:schemeClr val="tx1">
+                    <a:lumMod val="95000"/>
+                  </a:schemeClr>
+                </a:solidFill>
+              </a:rPr>
+              <a:t>…</a:t>
+            </a:r>
+          </a:p>
+          <a:p>
+            <a:pPr marL="0" indent="0">
+              <a:buNone/>
+            </a:pPr>
+            <a:r>
+              <a:rPr lang="en-IN" sz="2000" dirty="0">
+                <a:solidFill>
+                  <a:schemeClr val="tx1">
+                    <a:lumMod val="95000"/>
+                  </a:schemeClr>
+                </a:solidFill>
+              </a:rPr>
+              <a:t>	</a:t>
+            </a:r>
+            <a:r>
+              <a:rPr lang="en-IN" sz="2000" dirty="0" smtClean="0">
+                <a:solidFill>
+                  <a:schemeClr val="tx1">
+                    <a:lumMod val="95000"/>
+                  </a:schemeClr>
+                </a:solidFill>
+              </a:rPr>
+              <a:t>&lt;</a:t>
+            </a:r>
+            <a:r>
+              <a:rPr lang="en-IN" sz="2000" dirty="0" err="1" smtClean="0">
+                <a:solidFill>
+                  <a:schemeClr val="tx1">
+                    <a:lumMod val="95000"/>
+                  </a:schemeClr>
+                </a:solidFill>
+              </a:rPr>
+              <a:t>EditText</a:t>
+            </a:r>
+            <a:endParaRPr lang="en-IN" sz="2000" dirty="0" smtClean="0">
+              <a:solidFill>
+                <a:schemeClr val="tx1">
+                  <a:lumMod val="95000"/>
+                </a:schemeClr>
+              </a:solidFill>
+            </a:endParaRPr>
+          </a:p>
+          <a:p>
+            <a:pPr marL="0" indent="0">
+              <a:buNone/>
+            </a:pPr>
+            <a:r>
+              <a:rPr lang="en-IN" sz="2000" dirty="0">
+                <a:solidFill>
+                  <a:schemeClr val="tx1">
+                    <a:lumMod val="95000"/>
+                  </a:schemeClr>
+                </a:solidFill>
+              </a:rPr>
+              <a:t>		</a:t>
+            </a:r>
+            <a:r>
+              <a:rPr lang="en-IN" sz="2000" dirty="0" smtClean="0">
+                <a:solidFill>
+                  <a:schemeClr val="tx1">
+                    <a:lumMod val="95000"/>
+                  </a:schemeClr>
+                </a:solidFill>
+              </a:rPr>
+              <a:t>…</a:t>
+            </a:r>
+          </a:p>
+          <a:p>
+            <a:pPr marL="0" indent="0">
+              <a:buNone/>
+            </a:pPr>
+            <a:r>
+              <a:rPr lang="en-IN" sz="2000" dirty="0">
+                <a:solidFill>
+                  <a:schemeClr val="tx1">
+                    <a:lumMod val="95000"/>
+                  </a:schemeClr>
+                </a:solidFill>
+              </a:rPr>
+              <a:t>	</a:t>
+            </a:r>
+            <a:r>
+              <a:rPr lang="en-IN" sz="2000" dirty="0" smtClean="0">
+                <a:solidFill>
+                  <a:schemeClr val="tx1">
+                    <a:lumMod val="95000"/>
+                  </a:schemeClr>
+                </a:solidFill>
+              </a:rPr>
+              <a:t>/&gt;</a:t>
+            </a:r>
+          </a:p>
+          <a:p>
+            <a:pPr marL="0" indent="0">
+              <a:buNone/>
+            </a:pPr>
+            <a:r>
+              <a:rPr lang="en-IN" sz="2000" dirty="0">
+                <a:solidFill>
+                  <a:schemeClr val="tx1">
+                    <a:lumMod val="95000"/>
+                  </a:schemeClr>
+                </a:solidFill>
+              </a:rPr>
+              <a:t>	</a:t>
+            </a:r>
+            <a:r>
+              <a:rPr lang="en-IN" sz="2000" dirty="0" smtClean="0">
+                <a:solidFill>
+                  <a:schemeClr val="tx1">
+                    <a:lumMod val="95000"/>
+                  </a:schemeClr>
+                </a:solidFill>
+              </a:rPr>
+              <a:t>&lt;Button</a:t>
+            </a:r>
+            <a:endParaRPr lang="en-IN" sz="2000" dirty="0">
+              <a:solidFill>
+                <a:schemeClr val="tx1">
+                  <a:lumMod val="95000"/>
+                </a:schemeClr>
+              </a:solidFill>
+            </a:endParaRPr>
+          </a:p>
+          <a:p>
+            <a:pPr marL="0" indent="0">
+              <a:buNone/>
+            </a:pPr>
+            <a:r>
+              <a:rPr lang="en-IN" sz="2000" dirty="0">
+                <a:solidFill>
+                  <a:schemeClr val="tx1">
+                    <a:lumMod val="95000"/>
+                  </a:schemeClr>
+                </a:solidFill>
+              </a:rPr>
+              <a:t>		…</a:t>
+            </a:r>
+          </a:p>
+          <a:p>
+            <a:pPr marL="0" indent="0">
+              <a:buNone/>
+            </a:pPr>
+            <a:r>
+              <a:rPr lang="en-IN" sz="2000" dirty="0">
+                <a:solidFill>
+                  <a:schemeClr val="tx1">
+                    <a:lumMod val="95000"/>
+                  </a:schemeClr>
+                </a:solidFill>
+              </a:rPr>
+              <a:t>	</a:t>
+            </a:r>
+            <a:r>
+              <a:rPr lang="en-IN" sz="2000" dirty="0" smtClean="0">
+                <a:solidFill>
+                  <a:schemeClr val="tx1">
+                    <a:lumMod val="95000"/>
+                  </a:schemeClr>
+                </a:solidFill>
+              </a:rPr>
+              <a:t>/&gt;</a:t>
+            </a:r>
+          </a:p>
+          <a:p>
+            <a:pPr marL="0" indent="0">
+              <a:buNone/>
+            </a:pPr>
+            <a:r>
+              <a:rPr lang="en-IN" sz="2000" dirty="0">
+                <a:solidFill>
+                  <a:schemeClr val="tx1">
+                    <a:lumMod val="95000"/>
+                  </a:schemeClr>
+                </a:solidFill>
+              </a:rPr>
+              <a:t>	</a:t>
+            </a:r>
+            <a:r>
+              <a:rPr lang="en-IN" sz="2000" dirty="0" smtClean="0">
+                <a:solidFill>
+                  <a:schemeClr val="tx1">
+                    <a:lumMod val="95000"/>
+                  </a:schemeClr>
+                </a:solidFill>
+              </a:rPr>
+              <a:t>…</a:t>
+            </a:r>
+          </a:p>
+          <a:p>
+            <a:pPr marL="0" indent="0">
+              <a:buNone/>
+            </a:pPr>
+            <a:r>
+              <a:rPr lang="en-IN" sz="2000" dirty="0">
+                <a:solidFill>
+                  <a:schemeClr val="tx1">
+                    <a:lumMod val="95000"/>
+                  </a:schemeClr>
+                </a:solidFill>
+              </a:rPr>
+              <a:t>	</a:t>
+            </a:r>
+            <a:r>
+              <a:rPr lang="en-IN" sz="2000" dirty="0" smtClean="0">
+                <a:solidFill>
+                  <a:schemeClr val="tx1">
+                    <a:lumMod val="95000"/>
+                  </a:schemeClr>
+                </a:solidFill>
+              </a:rPr>
+              <a:t>&lt;/</a:t>
+            </a:r>
+            <a:r>
+              <a:rPr lang="en-IN" sz="2000" dirty="0" err="1" smtClean="0">
+                <a:solidFill>
+                  <a:schemeClr val="tx1">
+                    <a:lumMod val="95000"/>
+                  </a:schemeClr>
+                </a:solidFill>
+              </a:rPr>
+              <a:t>LinearLayout</a:t>
+            </a:r>
+            <a:r>
+              <a:rPr lang="en-IN" sz="2000" dirty="0" smtClean="0">
+                <a:solidFill>
+                  <a:schemeClr val="tx1">
+                    <a:lumMod val="95000"/>
+                  </a:schemeClr>
+                </a:solidFill>
+              </a:rPr>
+              <a:t> /&gt;</a:t>
+            </a:r>
+          </a:p>
+          <a:p>
+            <a:pPr marL="0" indent="0">
+              <a:buNone/>
+            </a:pPr>
+            <a:r>
+              <a:rPr lang="en-IN" sz="2000" dirty="0" smtClean="0">
+                <a:solidFill>
+                  <a:schemeClr val="tx1">
+                    <a:lumMod val="95000"/>
+                  </a:schemeClr>
+                </a:solidFill>
+              </a:rPr>
+              <a:t>…</a:t>
+            </a:r>
+            <a:endParaRPr lang="en-IN" sz="2000" dirty="0">
+              <a:solidFill>
+                <a:schemeClr val="tx1">
+                  <a:lumMod val="95000"/>
+                </a:schemeClr>
+              </a:solidFill>
+            </a:endParaRPr>
+          </a:p>
+          <a:p>
+            <a:pPr marL="0" indent="0">
+              <a:buNone/>
+            </a:pPr>
+            <a:r>
+              <a:rPr lang="en-IN" sz="2000" dirty="0" smtClean="0">
+                <a:solidFill>
+                  <a:schemeClr val="tx1">
+                    <a:lumMod val="95000"/>
+                  </a:schemeClr>
+                </a:solidFill>
+              </a:rPr>
+              <a:t>&lt;/</a:t>
+            </a:r>
+            <a:r>
+              <a:rPr lang="en-IN" sz="2000" dirty="0" err="1" smtClean="0">
+                <a:solidFill>
+                  <a:schemeClr val="tx1">
+                    <a:lumMod val="95000"/>
+                  </a:schemeClr>
+                </a:solidFill>
+              </a:rPr>
+              <a:t>RelativeLayout</a:t>
+            </a:r>
+            <a:r>
+              <a:rPr lang="en-IN" sz="2000" dirty="0" smtClean="0">
+                <a:solidFill>
+                  <a:schemeClr val="tx1">
+                    <a:lumMod val="95000"/>
+                  </a:schemeClr>
+                </a:solidFill>
+              </a:rPr>
+              <a:t>&gt;</a:t>
+            </a:r>
+            <a:endParaRPr lang="en-IN" sz="2000" dirty="0">
+              <a:solidFill>
+                <a:schemeClr val="tx1">
+                  <a:lumMod val="95000"/>
+                </a:schemeClr>
+              </a:solidFill>
+            </a:endParaRPr>
+          </a:p>
+        </p:txBody>
+      </p:sp>
+    </p:spTree>
+    <p:extLst>
+      <p:ext uri="{BB962C8B-B14F-4D97-AF65-F5344CB8AC3E}">
+        <p14:creationId xmlns:p14="http://schemas.microsoft.com/office/powerpoint/2010/main" val="3497391188"/>
+      </p:ext>
+    </p:extLst>
+  </p:cSld>
+  <p:clrMapOvr>
+    <a:masterClrMapping/>
+  </p:clrMapOvr>
+  <p:timing>
+    <p:tnLst>
+      <p:par>
+        <p:cTn id="1" dur="indefinite" restart="never" nodeType="tmRoot"/>
+      </p:par>
+    </p:tnLst>
+  </p:timing>
+</p:sld>
+</file>
+
+<file path=ppt/slides/slide27.xml><?xml version="1.0" encoding="utf-8"?>
+<p:sld xmlns:a="http://schemas.openxmlformats.org/drawingml/2006/main" xmlns:r="http://schemas.openxmlformats.org/officeDocument/2006/relationships" xmlns:p="http://schemas.openxmlformats.org/presentationml/2006/main">
+  <p:cSld>
+    <p:spTree>
+      <p:nvGrpSpPr>
+        <p:cNvPr id="1" name=""/>
+        <p:cNvGrpSpPr/>
+        <p:nvPr/>
+      </p:nvGrpSpPr>
+      <p:grpSpPr>
+        <a:xfrm>
+          <a:off x="0" y="0"/>
+          <a:ext cx="0" cy="0"/>
+          <a:chOff x="0" y="0"/>
+          <a:chExt cx="0" cy="0"/>
+        </a:xfrm>
+      </p:grpSpPr>
+      <p:sp>
+        <p:nvSpPr>
+          <p:cNvPr id="5" name="Subtitle 2"/>
+          <p:cNvSpPr txBox="1">
+            <a:spLocks/>
+          </p:cNvSpPr>
+          <p:nvPr/>
+        </p:nvSpPr>
+        <p:spPr>
+          <a:xfrm>
+            <a:off x="1082138" y="516532"/>
+            <a:ext cx="5867915" cy="428625"/>
+          </a:xfrm>
+          <a:prstGeom prst="rect">
+            <a:avLst/>
+          </a:prstGeom>
+        </p:spPr>
+        <p:txBody>
+          <a:bodyPr vert="horz" lIns="91440" tIns="45720" rIns="91440" bIns="45720" rtlCol="0">
+            <a:noAutofit/>
+          </a:bodyPr>
+          <a:lstStyle>
+            <a:lvl1pPr marL="228600" indent="-228600" algn="l" defTabSz="914400" rtl="0" eaLnBrk="1" latinLnBrk="0" hangingPunct="1">
+              <a:lnSpc>
+                <a:spcPct val="90000"/>
+              </a:lnSpc>
+              <a:spcBef>
+                <a:spcPts val="1000"/>
+              </a:spcBef>
+              <a:buFont typeface="Arial" panose="020B0604020202020204" pitchFamily="34" charset="0"/>
+              <a:buChar char="•"/>
+              <a:defRPr sz="2800" kern="1200">
+                <a:solidFill>
+                  <a:schemeClr val="tx1"/>
+                </a:solidFill>
+                <a:latin typeface="+mn-lt"/>
+                <a:ea typeface="+mn-ea"/>
+                <a:cs typeface="+mn-cs"/>
+              </a:defRPr>
+            </a:lvl1pPr>
+            <a:lvl2pPr marL="685800" indent="-228600" algn="l" defTabSz="914400" rtl="0" eaLnBrk="1" latinLnBrk="0" hangingPunct="1">
+              <a:lnSpc>
+                <a:spcPct val="90000"/>
+              </a:lnSpc>
+              <a:spcBef>
+                <a:spcPts val="500"/>
+              </a:spcBef>
+              <a:buFont typeface="Arial" panose="020B0604020202020204" pitchFamily="34" charset="0"/>
+              <a:buChar char="•"/>
+              <a:defRPr sz="2400" kern="1200">
+                <a:solidFill>
+                  <a:schemeClr val="tx1"/>
+                </a:solidFill>
+                <a:latin typeface="+mn-lt"/>
+                <a:ea typeface="+mn-ea"/>
+                <a:cs typeface="+mn-cs"/>
+              </a:defRPr>
+            </a:lvl2pPr>
+            <a:lvl3pPr marL="1143000" indent="-228600" algn="l" defTabSz="914400" rtl="0" eaLnBrk="1" latinLnBrk="0" hangingPunct="1">
+              <a:lnSpc>
+                <a:spcPct val="90000"/>
+              </a:lnSpc>
+              <a:spcBef>
+                <a:spcPts val="500"/>
+              </a:spcBef>
+              <a:buFont typeface="Arial" panose="020B0604020202020204" pitchFamily="34" charset="0"/>
+              <a:buChar char="•"/>
+              <a:defRPr sz="2000" kern="1200">
+                <a:solidFill>
+                  <a:schemeClr val="tx1"/>
+                </a:solidFill>
+                <a:latin typeface="+mn-lt"/>
+                <a:ea typeface="+mn-ea"/>
+                <a:cs typeface="+mn-cs"/>
+              </a:defRPr>
+            </a:lvl3pPr>
+            <a:lvl4pPr marL="1600200" indent="-228600" algn="l" defTabSz="914400" rtl="0" eaLnBrk="1" latinLnBrk="0" hangingPunct="1">
+              <a:lnSpc>
+                <a:spcPct val="90000"/>
+              </a:lnSpc>
+              <a:spcBef>
+                <a:spcPts val="500"/>
+              </a:spcBef>
+              <a:buFont typeface="Arial" panose="020B0604020202020204" pitchFamily="34" charset="0"/>
+              <a:buChar char="•"/>
+              <a:defRPr sz="1800" kern="1200">
+                <a:solidFill>
+                  <a:schemeClr val="tx1"/>
+                </a:solidFill>
+                <a:latin typeface="+mn-lt"/>
+                <a:ea typeface="+mn-ea"/>
+                <a:cs typeface="+mn-cs"/>
+              </a:defRPr>
+            </a:lvl4pPr>
+            <a:lvl5pPr marL="2057400" indent="-228600" algn="l" defTabSz="914400" rtl="0" eaLnBrk="1" latinLnBrk="0" hangingPunct="1">
+              <a:lnSpc>
+                <a:spcPct val="90000"/>
+              </a:lnSpc>
+              <a:spcBef>
+                <a:spcPts val="500"/>
+              </a:spcBef>
+              <a:buFont typeface="Arial" panose="020B0604020202020204" pitchFamily="34" charset="0"/>
+              <a:buChar char="•"/>
+              <a:defRPr sz="1800" kern="1200">
+                <a:solidFill>
+                  <a:schemeClr val="tx1"/>
+                </a:solidFill>
+                <a:latin typeface="+mn-lt"/>
+                <a:ea typeface="+mn-ea"/>
+                <a:cs typeface="+mn-cs"/>
+              </a:defRPr>
+            </a:lvl5pPr>
+            <a:lvl6pPr marL="2514600" indent="-228600" algn="l" defTabSz="914400" rtl="0" eaLnBrk="1" latinLnBrk="0" hangingPunct="1">
+              <a:lnSpc>
+                <a:spcPct val="90000"/>
+              </a:lnSpc>
+              <a:spcBef>
+                <a:spcPts val="500"/>
+              </a:spcBef>
+              <a:buFont typeface="Arial" panose="020B0604020202020204" pitchFamily="34" charset="0"/>
+              <a:buChar char="•"/>
+              <a:defRPr sz="1800" kern="1200">
+                <a:solidFill>
+                  <a:schemeClr val="tx1"/>
+                </a:solidFill>
+                <a:latin typeface="+mn-lt"/>
+                <a:ea typeface="+mn-ea"/>
+                <a:cs typeface="+mn-cs"/>
+              </a:defRPr>
+            </a:lvl6pPr>
+            <a:lvl7pPr marL="2971800" indent="-228600" algn="l" defTabSz="914400" rtl="0" eaLnBrk="1" latinLnBrk="0" hangingPunct="1">
+              <a:lnSpc>
+                <a:spcPct val="90000"/>
+              </a:lnSpc>
+              <a:spcBef>
+                <a:spcPts val="500"/>
+              </a:spcBef>
+              <a:buFont typeface="Arial" panose="020B0604020202020204" pitchFamily="34" charset="0"/>
+              <a:buChar char="•"/>
+              <a:defRPr sz="1800" kern="1200">
+                <a:solidFill>
+                  <a:schemeClr val="tx1"/>
+                </a:solidFill>
+                <a:latin typeface="+mn-lt"/>
+                <a:ea typeface="+mn-ea"/>
+                <a:cs typeface="+mn-cs"/>
+              </a:defRPr>
+            </a:lvl7pPr>
+            <a:lvl8pPr marL="3429000" indent="-228600" algn="l" defTabSz="914400" rtl="0" eaLnBrk="1" latinLnBrk="0" hangingPunct="1">
+              <a:lnSpc>
+                <a:spcPct val="90000"/>
+              </a:lnSpc>
+              <a:spcBef>
+                <a:spcPts val="500"/>
+              </a:spcBef>
+              <a:buFont typeface="Arial" panose="020B0604020202020204" pitchFamily="34" charset="0"/>
+              <a:buChar char="•"/>
+              <a:defRPr sz="1800" kern="1200">
+                <a:solidFill>
+                  <a:schemeClr val="tx1"/>
+                </a:solidFill>
+                <a:latin typeface="+mn-lt"/>
+                <a:ea typeface="+mn-ea"/>
+                <a:cs typeface="+mn-cs"/>
+              </a:defRPr>
+            </a:lvl8pPr>
+            <a:lvl9pPr marL="3886200" indent="-228600" algn="l" defTabSz="914400" rtl="0" eaLnBrk="1" latinLnBrk="0" hangingPunct="1">
+              <a:lnSpc>
+                <a:spcPct val="90000"/>
+              </a:lnSpc>
+              <a:spcBef>
+                <a:spcPts val="500"/>
+              </a:spcBef>
+              <a:buFont typeface="Arial" panose="020B0604020202020204" pitchFamily="34" charset="0"/>
+              <a:buChar char="•"/>
+              <a:defRPr sz="1800" kern="1200">
+                <a:solidFill>
+                  <a:schemeClr val="tx1"/>
+                </a:solidFill>
+                <a:latin typeface="+mn-lt"/>
+                <a:ea typeface="+mn-ea"/>
+                <a:cs typeface="+mn-cs"/>
+              </a:defRPr>
+            </a:lvl9pPr>
+          </a:lstStyle>
+          <a:p>
+            <a:pPr marL="0" indent="0">
+              <a:buNone/>
+            </a:pPr>
+            <a:r>
+              <a:rPr lang="en-IN" sz="6600" dirty="0" smtClean="0">
+                <a:solidFill>
+                  <a:schemeClr val="tx1">
+                    <a:lumMod val="95000"/>
+                  </a:schemeClr>
+                </a:solidFill>
+              </a:rPr>
+              <a:t>Result</a:t>
+            </a:r>
+            <a:endParaRPr lang="en-IN" sz="6600" dirty="0">
+              <a:solidFill>
+                <a:schemeClr val="tx1">
+                  <a:lumMod val="95000"/>
+                </a:schemeClr>
+              </a:solidFill>
+            </a:endParaRPr>
+          </a:p>
+        </p:txBody>
+      </p:sp>
+      <p:pic>
+        <p:nvPicPr>
+          <p:cNvPr id="6" name="Picture 5"/>
+          <p:cNvPicPr>
+            <a:picLocks noChangeAspect="1"/>
+          </p:cNvPicPr>
+          <p:nvPr/>
+        </p:nvPicPr>
+        <p:blipFill>
+          <a:blip r:embed="rId2"/>
+          <a:stretch>
+            <a:fillRect/>
+          </a:stretch>
+        </p:blipFill>
+        <p:spPr>
+          <a:xfrm>
+            <a:off x="4938278" y="662477"/>
+            <a:ext cx="3107532" cy="5524500"/>
+          </a:xfrm>
+          <a:prstGeom prst="rect">
+            <a:avLst/>
+          </a:prstGeom>
+        </p:spPr>
+      </p:pic>
+    </p:spTree>
+    <p:extLst>
+      <p:ext uri="{BB962C8B-B14F-4D97-AF65-F5344CB8AC3E}">
+        <p14:creationId xmlns:p14="http://schemas.microsoft.com/office/powerpoint/2010/main" val="490183134"/>
+      </p:ext>
+    </p:extLst>
+  </p:cSld>
+  <p:clrMapOvr>
+    <a:masterClrMapping/>
+  </p:clrMapOvr>
+  <p:timing>
+    <p:tnLst>
+      <p:par>
+        <p:cTn id="1" dur="indefinite" restart="never" nodeType="tmRoot"/>
+      </p:par>
+    </p:tnLst>
+  </p:timing>
+</p:sld>
+</file>
+
+<file path=ppt/slides/slide28.xml><?xml version="1.0" encoding="utf-8"?>
+<p:sld xmlns:a="http://schemas.openxmlformats.org/drawingml/2006/main" xmlns:r="http://schemas.openxmlformats.org/officeDocument/2006/relationships" xmlns:p="http://schemas.openxmlformats.org/presentationml/2006/main">
+  <p:cSld>
+    <p:spTree>
+      <p:nvGrpSpPr>
+        <p:cNvPr id="1" name=""/>
+        <p:cNvGrpSpPr/>
+        <p:nvPr/>
+      </p:nvGrpSpPr>
+      <p:grpSpPr>
+        <a:xfrm>
+          <a:off x="0" y="0"/>
+          <a:ext cx="0" cy="0"/>
+          <a:chOff x="0" y="0"/>
+          <a:chExt cx="0" cy="0"/>
+        </a:xfrm>
+      </p:grpSpPr>
+      <p:sp>
+        <p:nvSpPr>
+          <p:cNvPr id="4" name="Title 1"/>
+          <p:cNvSpPr txBox="1">
+            <a:spLocks/>
+          </p:cNvSpPr>
+          <p:nvPr/>
+        </p:nvSpPr>
+        <p:spPr>
+          <a:xfrm>
+            <a:off x="1847850" y="684214"/>
+            <a:ext cx="8762999" cy="954086"/>
+          </a:xfrm>
+          <a:prstGeom prst="rect">
+            <a:avLst/>
+          </a:prstGeom>
+        </p:spPr>
+        <p:txBody>
+          <a:bodyPr vert="horz" lIns="91440" tIns="45720" rIns="91440" bIns="45720" rtlCol="0" anchor="ctr">
+            <a:normAutofit/>
+          </a:bodyPr>
+          <a:lstStyle>
+            <a:lvl1pPr algn="l" defTabSz="914400" rtl="0" eaLnBrk="1" latinLnBrk="0" hangingPunct="1">
+              <a:lnSpc>
+                <a:spcPct val="90000"/>
+              </a:lnSpc>
+              <a:spcBef>
+                <a:spcPct val="0"/>
+              </a:spcBef>
+              <a:buNone/>
+              <a:defRPr sz="4400" kern="1200">
+                <a:solidFill>
+                  <a:schemeClr val="tx1"/>
+                </a:solidFill>
+                <a:latin typeface="+mj-lt"/>
+                <a:ea typeface="+mj-ea"/>
+                <a:cs typeface="+mj-cs"/>
+              </a:defRPr>
+            </a:lvl1pPr>
+          </a:lstStyle>
+          <a:p>
+            <a:pPr algn="ctr"/>
+            <a:r>
+              <a:rPr lang="en-IN" dirty="0" smtClean="0"/>
+              <a:t>3. Android implementation</a:t>
+            </a:r>
+            <a:endParaRPr lang="en-IN" dirty="0"/>
+          </a:p>
+        </p:txBody>
+      </p:sp>
+      <p:sp>
+        <p:nvSpPr>
+          <p:cNvPr id="5" name="Subtitle 2"/>
+          <p:cNvSpPr txBox="1">
+            <a:spLocks/>
+          </p:cNvSpPr>
+          <p:nvPr/>
+        </p:nvSpPr>
+        <p:spPr>
+          <a:xfrm>
+            <a:off x="2700471" y="3076666"/>
+            <a:ext cx="9212366" cy="428625"/>
+          </a:xfrm>
+          <a:prstGeom prst="rect">
+            <a:avLst/>
+          </a:prstGeom>
+        </p:spPr>
+        <p:txBody>
+          <a:bodyPr vert="horz" lIns="91440" tIns="45720" rIns="91440" bIns="45720" rtlCol="0">
+            <a:noAutofit/>
+          </a:bodyPr>
+          <a:lstStyle>
+            <a:lvl1pPr marL="228600" indent="-228600" algn="l" defTabSz="914400" rtl="0" eaLnBrk="1" latinLnBrk="0" hangingPunct="1">
+              <a:lnSpc>
+                <a:spcPct val="90000"/>
+              </a:lnSpc>
+              <a:spcBef>
+                <a:spcPts val="1000"/>
+              </a:spcBef>
+              <a:buFont typeface="Arial" panose="020B0604020202020204" pitchFamily="34" charset="0"/>
+              <a:buChar char="•"/>
+              <a:defRPr sz="2800" kern="1200">
+                <a:solidFill>
+                  <a:schemeClr val="tx1"/>
+                </a:solidFill>
+                <a:latin typeface="+mn-lt"/>
+                <a:ea typeface="+mn-ea"/>
+                <a:cs typeface="+mn-cs"/>
+              </a:defRPr>
+            </a:lvl1pPr>
+            <a:lvl2pPr marL="685800" indent="-228600" algn="l" defTabSz="914400" rtl="0" eaLnBrk="1" latinLnBrk="0" hangingPunct="1">
+              <a:lnSpc>
+                <a:spcPct val="90000"/>
+              </a:lnSpc>
+              <a:spcBef>
+                <a:spcPts val="500"/>
+              </a:spcBef>
+              <a:buFont typeface="Arial" panose="020B0604020202020204" pitchFamily="34" charset="0"/>
+              <a:buChar char="•"/>
+              <a:defRPr sz="2400" kern="1200">
+                <a:solidFill>
+                  <a:schemeClr val="tx1"/>
+                </a:solidFill>
+                <a:latin typeface="+mn-lt"/>
+                <a:ea typeface="+mn-ea"/>
+                <a:cs typeface="+mn-cs"/>
+              </a:defRPr>
+            </a:lvl2pPr>
+            <a:lvl3pPr marL="1143000" indent="-228600" algn="l" defTabSz="914400" rtl="0" eaLnBrk="1" latinLnBrk="0" hangingPunct="1">
+              <a:lnSpc>
+                <a:spcPct val="90000"/>
+              </a:lnSpc>
+              <a:spcBef>
+                <a:spcPts val="500"/>
+              </a:spcBef>
+              <a:buFont typeface="Arial" panose="020B0604020202020204" pitchFamily="34" charset="0"/>
+              <a:buChar char="•"/>
+              <a:defRPr sz="2000" kern="1200">
+                <a:solidFill>
+                  <a:schemeClr val="tx1"/>
+                </a:solidFill>
+                <a:latin typeface="+mn-lt"/>
+                <a:ea typeface="+mn-ea"/>
+                <a:cs typeface="+mn-cs"/>
+              </a:defRPr>
+            </a:lvl3pPr>
+            <a:lvl4pPr marL="1600200" indent="-228600" algn="l" defTabSz="914400" rtl="0" eaLnBrk="1" latinLnBrk="0" hangingPunct="1">
+              <a:lnSpc>
+                <a:spcPct val="90000"/>
+              </a:lnSpc>
+              <a:spcBef>
+                <a:spcPts val="500"/>
+              </a:spcBef>
+              <a:buFont typeface="Arial" panose="020B0604020202020204" pitchFamily="34" charset="0"/>
+              <a:buChar char="•"/>
+              <a:defRPr sz="1800" kern="1200">
+                <a:solidFill>
+                  <a:schemeClr val="tx1"/>
+                </a:solidFill>
+                <a:latin typeface="+mn-lt"/>
+                <a:ea typeface="+mn-ea"/>
+                <a:cs typeface="+mn-cs"/>
+              </a:defRPr>
+            </a:lvl4pPr>
+            <a:lvl5pPr marL="2057400" indent="-228600" algn="l" defTabSz="914400" rtl="0" eaLnBrk="1" latinLnBrk="0" hangingPunct="1">
+              <a:lnSpc>
+                <a:spcPct val="90000"/>
+              </a:lnSpc>
+              <a:spcBef>
+                <a:spcPts val="500"/>
+              </a:spcBef>
+              <a:buFont typeface="Arial" panose="020B0604020202020204" pitchFamily="34" charset="0"/>
+              <a:buChar char="•"/>
+              <a:defRPr sz="1800" kern="1200">
+                <a:solidFill>
+                  <a:schemeClr val="tx1"/>
+                </a:solidFill>
+                <a:latin typeface="+mn-lt"/>
+                <a:ea typeface="+mn-ea"/>
+                <a:cs typeface="+mn-cs"/>
+              </a:defRPr>
+            </a:lvl5pPr>
+            <a:lvl6pPr marL="2514600" indent="-228600" algn="l" defTabSz="914400" rtl="0" eaLnBrk="1" latinLnBrk="0" hangingPunct="1">
+              <a:lnSpc>
+                <a:spcPct val="90000"/>
+              </a:lnSpc>
+              <a:spcBef>
+                <a:spcPts val="500"/>
+              </a:spcBef>
+              <a:buFont typeface="Arial" panose="020B0604020202020204" pitchFamily="34" charset="0"/>
+              <a:buChar char="•"/>
+              <a:defRPr sz="1800" kern="1200">
+                <a:solidFill>
+                  <a:schemeClr val="tx1"/>
+                </a:solidFill>
+                <a:latin typeface="+mn-lt"/>
+                <a:ea typeface="+mn-ea"/>
+                <a:cs typeface="+mn-cs"/>
+              </a:defRPr>
+            </a:lvl6pPr>
+            <a:lvl7pPr marL="2971800" indent="-228600" algn="l" defTabSz="914400" rtl="0" eaLnBrk="1" latinLnBrk="0" hangingPunct="1">
+              <a:lnSpc>
+                <a:spcPct val="90000"/>
+              </a:lnSpc>
+              <a:spcBef>
+                <a:spcPts val="500"/>
+              </a:spcBef>
+              <a:buFont typeface="Arial" panose="020B0604020202020204" pitchFamily="34" charset="0"/>
+              <a:buChar char="•"/>
+              <a:defRPr sz="1800" kern="1200">
+                <a:solidFill>
+                  <a:schemeClr val="tx1"/>
+                </a:solidFill>
+                <a:latin typeface="+mn-lt"/>
+                <a:ea typeface="+mn-ea"/>
+                <a:cs typeface="+mn-cs"/>
+              </a:defRPr>
+            </a:lvl7pPr>
+            <a:lvl8pPr marL="3429000" indent="-228600" algn="l" defTabSz="914400" rtl="0" eaLnBrk="1" latinLnBrk="0" hangingPunct="1">
+              <a:lnSpc>
+                <a:spcPct val="90000"/>
+              </a:lnSpc>
+              <a:spcBef>
+                <a:spcPts val="500"/>
+              </a:spcBef>
+              <a:buFont typeface="Arial" panose="020B0604020202020204" pitchFamily="34" charset="0"/>
+              <a:buChar char="•"/>
+              <a:defRPr sz="1800" kern="1200">
+                <a:solidFill>
+                  <a:schemeClr val="tx1"/>
+                </a:solidFill>
+                <a:latin typeface="+mn-lt"/>
+                <a:ea typeface="+mn-ea"/>
+                <a:cs typeface="+mn-cs"/>
+              </a:defRPr>
+            </a:lvl8pPr>
+            <a:lvl9pPr marL="3886200" indent="-228600" algn="l" defTabSz="914400" rtl="0" eaLnBrk="1" latinLnBrk="0" hangingPunct="1">
+              <a:lnSpc>
+                <a:spcPct val="90000"/>
+              </a:lnSpc>
+              <a:spcBef>
+                <a:spcPts val="500"/>
+              </a:spcBef>
+              <a:buFont typeface="Arial" panose="020B0604020202020204" pitchFamily="34" charset="0"/>
+              <a:buChar char="•"/>
+              <a:defRPr sz="1800" kern="1200">
+                <a:solidFill>
+                  <a:schemeClr val="tx1"/>
+                </a:solidFill>
+                <a:latin typeface="+mn-lt"/>
+                <a:ea typeface="+mn-ea"/>
+                <a:cs typeface="+mn-cs"/>
+              </a:defRPr>
+            </a:lvl9pPr>
+          </a:lstStyle>
+          <a:p>
+            <a:pPr marL="0" indent="0">
+              <a:buNone/>
+            </a:pPr>
+            <a:r>
+              <a:rPr lang="en-IN" sz="6600" dirty="0" smtClean="0">
+                <a:solidFill>
+                  <a:schemeClr val="tx1">
+                    <a:lumMod val="95000"/>
+                  </a:schemeClr>
+                </a:solidFill>
+              </a:rPr>
+              <a:t>3.2 Sending Messages</a:t>
+            </a:r>
+            <a:endParaRPr lang="en-IN" sz="6600" dirty="0">
+              <a:solidFill>
+                <a:schemeClr val="tx1">
+                  <a:lumMod val="95000"/>
+                </a:schemeClr>
+              </a:solidFill>
+            </a:endParaRPr>
+          </a:p>
+        </p:txBody>
+      </p:sp>
+    </p:spTree>
+    <p:extLst>
+      <p:ext uri="{BB962C8B-B14F-4D97-AF65-F5344CB8AC3E}">
+        <p14:creationId xmlns:p14="http://schemas.microsoft.com/office/powerpoint/2010/main" val="188443392"/>
+      </p:ext>
+    </p:extLst>
+  </p:cSld>
+  <p:clrMapOvr>
+    <a:masterClrMapping/>
+  </p:clrMapOvr>
+  <p:timing>
+    <p:tnLst>
+      <p:par>
+        <p:cTn id="1" dur="indefinite" restart="never" nodeType="tmRoot"/>
+      </p:par>
+    </p:tnLst>
+  </p:timing>
+</p:sld>
+</file>
+
+<file path=ppt/slides/slide29.xml><?xml version="1.0" encoding="utf-8"?>
+<p:sld xmlns:a="http://schemas.openxmlformats.org/drawingml/2006/main" xmlns:r="http://schemas.openxmlformats.org/officeDocument/2006/relationships" xmlns:p="http://schemas.openxmlformats.org/presentationml/2006/main">
+  <p:cSld>
+    <p:spTree>
+      <p:nvGrpSpPr>
+        <p:cNvPr id="1" name=""/>
+        <p:cNvGrpSpPr/>
+        <p:nvPr/>
+      </p:nvGrpSpPr>
+      <p:grpSpPr>
+        <a:xfrm>
+          <a:off x="0" y="0"/>
+          <a:ext cx="0" cy="0"/>
+          <a:chOff x="0" y="0"/>
+          <a:chExt cx="0" cy="0"/>
+        </a:xfrm>
+      </p:grpSpPr>
+      <p:sp>
+        <p:nvSpPr>
+          <p:cNvPr id="4" name="Title 1"/>
+          <p:cNvSpPr txBox="1">
+            <a:spLocks/>
+          </p:cNvSpPr>
+          <p:nvPr/>
+        </p:nvSpPr>
+        <p:spPr>
+          <a:xfrm>
+            <a:off x="1847850" y="684214"/>
+            <a:ext cx="8762999" cy="954086"/>
+          </a:xfrm>
+          <a:prstGeom prst="rect">
+            <a:avLst/>
+          </a:prstGeom>
+        </p:spPr>
+        <p:txBody>
+          <a:bodyPr vert="horz" lIns="91440" tIns="45720" rIns="91440" bIns="45720" rtlCol="0" anchor="ctr">
+            <a:normAutofit/>
+          </a:bodyPr>
+          <a:lstStyle>
+            <a:lvl1pPr algn="l" defTabSz="914400" rtl="0" eaLnBrk="1" latinLnBrk="0" hangingPunct="1">
+              <a:lnSpc>
+                <a:spcPct val="90000"/>
+              </a:lnSpc>
+              <a:spcBef>
+                <a:spcPct val="0"/>
+              </a:spcBef>
+              <a:buNone/>
+              <a:defRPr sz="4400" kern="1200">
+                <a:solidFill>
+                  <a:schemeClr val="tx1"/>
+                </a:solidFill>
+                <a:latin typeface="+mj-lt"/>
+                <a:ea typeface="+mj-ea"/>
+                <a:cs typeface="+mj-cs"/>
+              </a:defRPr>
+            </a:lvl1pPr>
+          </a:lstStyle>
+          <a:p>
+            <a:pPr algn="ctr"/>
+            <a:r>
+              <a:rPr lang="en-IN" dirty="0" smtClean="0"/>
+              <a:t>3. Android implementation</a:t>
+            </a:r>
+            <a:endParaRPr lang="en-IN" dirty="0"/>
+          </a:p>
+        </p:txBody>
+      </p:sp>
+      <p:sp>
+        <p:nvSpPr>
+          <p:cNvPr id="5" name="Subtitle 2"/>
+          <p:cNvSpPr txBox="1">
+            <a:spLocks/>
+          </p:cNvSpPr>
+          <p:nvPr/>
+        </p:nvSpPr>
+        <p:spPr>
+          <a:xfrm>
+            <a:off x="2700471" y="3076666"/>
+            <a:ext cx="9212366" cy="428625"/>
+          </a:xfrm>
+          <a:prstGeom prst="rect">
+            <a:avLst/>
+          </a:prstGeom>
+        </p:spPr>
+        <p:txBody>
+          <a:bodyPr vert="horz" lIns="91440" tIns="45720" rIns="91440" bIns="45720" rtlCol="0">
+            <a:noAutofit/>
+          </a:bodyPr>
+          <a:lstStyle>
+            <a:lvl1pPr marL="228600" indent="-228600" algn="l" defTabSz="914400" rtl="0" eaLnBrk="1" latinLnBrk="0" hangingPunct="1">
+              <a:lnSpc>
+                <a:spcPct val="90000"/>
+              </a:lnSpc>
+              <a:spcBef>
+                <a:spcPts val="1000"/>
+              </a:spcBef>
+              <a:buFont typeface="Arial" panose="020B0604020202020204" pitchFamily="34" charset="0"/>
+              <a:buChar char="•"/>
+              <a:defRPr sz="2800" kern="1200">
+                <a:solidFill>
+                  <a:schemeClr val="tx1"/>
+                </a:solidFill>
+                <a:latin typeface="+mn-lt"/>
+                <a:ea typeface="+mn-ea"/>
+                <a:cs typeface="+mn-cs"/>
+              </a:defRPr>
+            </a:lvl1pPr>
+            <a:lvl2pPr marL="685800" indent="-228600" algn="l" defTabSz="914400" rtl="0" eaLnBrk="1" latinLnBrk="0" hangingPunct="1">
+              <a:lnSpc>
+                <a:spcPct val="90000"/>
+              </a:lnSpc>
+              <a:spcBef>
+                <a:spcPts val="500"/>
+              </a:spcBef>
+              <a:buFont typeface="Arial" panose="020B0604020202020204" pitchFamily="34" charset="0"/>
+              <a:buChar char="•"/>
+              <a:defRPr sz="2400" kern="1200">
+                <a:solidFill>
+                  <a:schemeClr val="tx1"/>
+                </a:solidFill>
+                <a:latin typeface="+mn-lt"/>
+                <a:ea typeface="+mn-ea"/>
+                <a:cs typeface="+mn-cs"/>
+              </a:defRPr>
+            </a:lvl2pPr>
+            <a:lvl3pPr marL="1143000" indent="-228600" algn="l" defTabSz="914400" rtl="0" eaLnBrk="1" latinLnBrk="0" hangingPunct="1">
+              <a:lnSpc>
+                <a:spcPct val="90000"/>
+              </a:lnSpc>
+              <a:spcBef>
+                <a:spcPts val="500"/>
+              </a:spcBef>
+              <a:buFont typeface="Arial" panose="020B0604020202020204" pitchFamily="34" charset="0"/>
+              <a:buChar char="•"/>
+              <a:defRPr sz="2000" kern="1200">
+                <a:solidFill>
+                  <a:schemeClr val="tx1"/>
+                </a:solidFill>
+                <a:latin typeface="+mn-lt"/>
+                <a:ea typeface="+mn-ea"/>
+                <a:cs typeface="+mn-cs"/>
+              </a:defRPr>
+            </a:lvl3pPr>
+            <a:lvl4pPr marL="1600200" indent="-228600" algn="l" defTabSz="914400" rtl="0" eaLnBrk="1" latinLnBrk="0" hangingPunct="1">
+              <a:lnSpc>
+                <a:spcPct val="90000"/>
+              </a:lnSpc>
+              <a:spcBef>
+                <a:spcPts val="500"/>
+              </a:spcBef>
+              <a:buFont typeface="Arial" panose="020B0604020202020204" pitchFamily="34" charset="0"/>
+              <a:buChar char="•"/>
+              <a:defRPr sz="1800" kern="1200">
+                <a:solidFill>
+                  <a:schemeClr val="tx1"/>
+                </a:solidFill>
+                <a:latin typeface="+mn-lt"/>
+                <a:ea typeface="+mn-ea"/>
+                <a:cs typeface="+mn-cs"/>
+              </a:defRPr>
+            </a:lvl4pPr>
+            <a:lvl5pPr marL="2057400" indent="-228600" algn="l" defTabSz="914400" rtl="0" eaLnBrk="1" latinLnBrk="0" hangingPunct="1">
+              <a:lnSpc>
+                <a:spcPct val="90000"/>
+              </a:lnSpc>
+              <a:spcBef>
+                <a:spcPts val="500"/>
+              </a:spcBef>
+              <a:buFont typeface="Arial" panose="020B0604020202020204" pitchFamily="34" charset="0"/>
+              <a:buChar char="•"/>
+              <a:defRPr sz="1800" kern="1200">
+                <a:solidFill>
+                  <a:schemeClr val="tx1"/>
+                </a:solidFill>
+                <a:latin typeface="+mn-lt"/>
+                <a:ea typeface="+mn-ea"/>
+                <a:cs typeface="+mn-cs"/>
+              </a:defRPr>
+            </a:lvl5pPr>
+            <a:lvl6pPr marL="2514600" indent="-228600" algn="l" defTabSz="914400" rtl="0" eaLnBrk="1" latinLnBrk="0" hangingPunct="1">
+              <a:lnSpc>
+                <a:spcPct val="90000"/>
+              </a:lnSpc>
+              <a:spcBef>
+                <a:spcPts val="500"/>
+              </a:spcBef>
+              <a:buFont typeface="Arial" panose="020B0604020202020204" pitchFamily="34" charset="0"/>
+              <a:buChar char="•"/>
+              <a:defRPr sz="1800" kern="1200">
+                <a:solidFill>
+                  <a:schemeClr val="tx1"/>
+                </a:solidFill>
+                <a:latin typeface="+mn-lt"/>
+                <a:ea typeface="+mn-ea"/>
+                <a:cs typeface="+mn-cs"/>
+              </a:defRPr>
+            </a:lvl6pPr>
+            <a:lvl7pPr marL="2971800" indent="-228600" algn="l" defTabSz="914400" rtl="0" eaLnBrk="1" latinLnBrk="0" hangingPunct="1">
+              <a:lnSpc>
+                <a:spcPct val="90000"/>
+              </a:lnSpc>
+              <a:spcBef>
+                <a:spcPts val="500"/>
+              </a:spcBef>
+              <a:buFont typeface="Arial" panose="020B0604020202020204" pitchFamily="34" charset="0"/>
+              <a:buChar char="•"/>
+              <a:defRPr sz="1800" kern="1200">
+                <a:solidFill>
+                  <a:schemeClr val="tx1"/>
+                </a:solidFill>
+                <a:latin typeface="+mn-lt"/>
+                <a:ea typeface="+mn-ea"/>
+                <a:cs typeface="+mn-cs"/>
+              </a:defRPr>
+            </a:lvl7pPr>
+            <a:lvl8pPr marL="3429000" indent="-228600" algn="l" defTabSz="914400" rtl="0" eaLnBrk="1" latinLnBrk="0" hangingPunct="1">
+              <a:lnSpc>
+                <a:spcPct val="90000"/>
+              </a:lnSpc>
+              <a:spcBef>
+                <a:spcPts val="500"/>
+              </a:spcBef>
+              <a:buFont typeface="Arial" panose="020B0604020202020204" pitchFamily="34" charset="0"/>
+              <a:buChar char="•"/>
+              <a:defRPr sz="1800" kern="1200">
+                <a:solidFill>
+                  <a:schemeClr val="tx1"/>
+                </a:solidFill>
+                <a:latin typeface="+mn-lt"/>
+                <a:ea typeface="+mn-ea"/>
+                <a:cs typeface="+mn-cs"/>
+              </a:defRPr>
+            </a:lvl8pPr>
+            <a:lvl9pPr marL="3886200" indent="-228600" algn="l" defTabSz="914400" rtl="0" eaLnBrk="1" latinLnBrk="0" hangingPunct="1">
+              <a:lnSpc>
+                <a:spcPct val="90000"/>
+              </a:lnSpc>
+              <a:spcBef>
+                <a:spcPts val="500"/>
+              </a:spcBef>
+              <a:buFont typeface="Arial" panose="020B0604020202020204" pitchFamily="34" charset="0"/>
+              <a:buChar char="•"/>
+              <a:defRPr sz="1800" kern="1200">
+                <a:solidFill>
+                  <a:schemeClr val="tx1"/>
+                </a:solidFill>
+                <a:latin typeface="+mn-lt"/>
+                <a:ea typeface="+mn-ea"/>
+                <a:cs typeface="+mn-cs"/>
+              </a:defRPr>
+            </a:lvl9pPr>
+          </a:lstStyle>
+          <a:p>
+            <a:pPr marL="0" indent="0">
+              <a:buNone/>
+            </a:pPr>
+            <a:r>
+              <a:rPr lang="en-IN" sz="6600" dirty="0" smtClean="0">
+                <a:solidFill>
+                  <a:schemeClr val="tx1">
+                    <a:lumMod val="95000"/>
+                  </a:schemeClr>
+                </a:solidFill>
+              </a:rPr>
+              <a:t>3.2 Sending Messages</a:t>
+            </a:r>
+            <a:endParaRPr lang="en-IN" sz="6600" dirty="0">
+              <a:solidFill>
+                <a:schemeClr val="tx1">
+                  <a:lumMod val="95000"/>
+                </a:schemeClr>
+              </a:solidFill>
+            </a:endParaRPr>
+          </a:p>
+        </p:txBody>
+      </p:sp>
+    </p:spTree>
+    <p:extLst>
+      <p:ext uri="{BB962C8B-B14F-4D97-AF65-F5344CB8AC3E}">
+        <p14:creationId xmlns:p14="http://schemas.microsoft.com/office/powerpoint/2010/main" val="576892776"/>
+      </p:ext>
+    </p:extLst>
+  </p:cSld>
+  <p:clrMapOvr>
+    <a:masterClrMapping/>
+  </p:clrMapOvr>
+  <p:timing>
+    <p:tnLst>
+      <p:par>
+        <p:cTn id="1" dur="indefinite" restart="never" nodeType="tmRoot"/>
+      </p:par>
+    </p:tnLst>
+  </p:timing>
+</p:sld>
+</file>
+
+<file path=ppt/slides/slide3.xml><?xml version="1.0" encoding="utf-8"?>
+<p:sld xmlns:a="http://schemas.openxmlformats.org/drawingml/2006/main" xmlns:r="http://schemas.openxmlformats.org/officeDocument/2006/relationships" xmlns:p="http://schemas.openxmlformats.org/presentationml/2006/main">
+  <p:cSld>
+    <p:spTree>
+      <p:nvGrpSpPr>
+        <p:cNvPr id="1" name=""/>
+        <p:cNvGrpSpPr/>
+        <p:nvPr/>
+      </p:nvGrpSpPr>
+      <p:grpSpPr>
+        <a:xfrm>
+          <a:off x="0" y="0"/>
+          <a:ext cx="0" cy="0"/>
+          <a:chOff x="0" y="0"/>
+          <a:chExt cx="0" cy="0"/>
+        </a:xfrm>
+      </p:grpSpPr>
+      <p:sp>
+        <p:nvSpPr>
+          <p:cNvPr id="3" name="Subtitle 2"/>
+          <p:cNvSpPr>
+            <a:spLocks noGrp="1"/>
+          </p:cNvSpPr>
+          <p:nvPr>
+            <p:ph type="subTitle" idx="1"/>
+          </p:nvPr>
+        </p:nvSpPr>
+        <p:spPr>
+          <a:xfrm>
+            <a:off x="4686407" y="3128168"/>
+            <a:ext cx="3943136" cy="428625"/>
+          </a:xfrm>
+        </p:spPr>
+        <p:txBody>
+          <a:bodyPr>
+            <a:noAutofit/>
+          </a:bodyPr>
+          <a:lstStyle/>
+          <a:p>
+            <a:pPr algn="l"/>
+            <a:r>
+              <a:rPr lang="en-IN" sz="3600" dirty="0"/>
+              <a:t>What is AIRYL?</a:t>
+            </a:r>
+          </a:p>
+        </p:txBody>
+      </p:sp>
+    </p:spTree>
+    <p:extLst>
+      <p:ext uri="{BB962C8B-B14F-4D97-AF65-F5344CB8AC3E}">
+        <p14:creationId xmlns:p14="http://schemas.microsoft.com/office/powerpoint/2010/main" val="1264217349"/>
+      </p:ext>
+    </p:extLst>
+  </p:cSld>
+  <p:clrMapOvr>
+    <a:masterClrMapping/>
+  </p:clrMapOvr>
+  <p:timing>
+    <p:tnLst>
+      <p:par>
+        <p:cTn id="1" dur="indefinite" restart="never" nodeType="tmRoot"/>
+      </p:par>
+    </p:tnLst>
+  </p:timing>
+</p:sld>
+</file>
+
+<file path=ppt/slides/slide30.xml><?xml version="1.0" encoding="utf-8"?>
+<p:sld xmlns:a="http://schemas.openxmlformats.org/drawingml/2006/main" xmlns:r="http://schemas.openxmlformats.org/officeDocument/2006/relationships" xmlns:p="http://schemas.openxmlformats.org/presentationml/2006/main">
+  <p:cSld>
+    <p:spTree>
+      <p:nvGrpSpPr>
+        <p:cNvPr id="1" name=""/>
+        <p:cNvGrpSpPr/>
+        <p:nvPr/>
+      </p:nvGrpSpPr>
+      <p:grpSpPr>
+        <a:xfrm>
+          <a:off x="0" y="0"/>
+          <a:ext cx="0" cy="0"/>
+          <a:chOff x="0" y="0"/>
+          <a:chExt cx="0" cy="0"/>
+        </a:xfrm>
+      </p:grpSpPr>
+      <p:sp>
+        <p:nvSpPr>
+          <p:cNvPr id="4" name="Title 1"/>
+          <p:cNvSpPr txBox="1">
+            <a:spLocks/>
+          </p:cNvSpPr>
+          <p:nvPr/>
+        </p:nvSpPr>
+        <p:spPr>
+          <a:xfrm>
+            <a:off x="1847850" y="684214"/>
+            <a:ext cx="8762999" cy="954086"/>
+          </a:xfrm>
+          <a:prstGeom prst="rect">
+            <a:avLst/>
+          </a:prstGeom>
+        </p:spPr>
+        <p:txBody>
+          <a:bodyPr vert="horz" lIns="91440" tIns="45720" rIns="91440" bIns="45720" rtlCol="0" anchor="ctr">
+            <a:normAutofit/>
+          </a:bodyPr>
+          <a:lstStyle>
+            <a:lvl1pPr algn="l" defTabSz="914400" rtl="0" eaLnBrk="1" latinLnBrk="0" hangingPunct="1">
+              <a:lnSpc>
+                <a:spcPct val="90000"/>
+              </a:lnSpc>
+              <a:spcBef>
+                <a:spcPct val="0"/>
+              </a:spcBef>
+              <a:buNone/>
+              <a:defRPr sz="4400" kern="1200">
+                <a:solidFill>
+                  <a:schemeClr val="tx1"/>
+                </a:solidFill>
+                <a:latin typeface="+mj-lt"/>
+                <a:ea typeface="+mj-ea"/>
+                <a:cs typeface="+mj-cs"/>
+              </a:defRPr>
+            </a:lvl1pPr>
+          </a:lstStyle>
+          <a:p>
+            <a:pPr algn="ctr"/>
+            <a:r>
+              <a:rPr lang="en-IN" dirty="0" smtClean="0"/>
+              <a:t>3. Android implementation</a:t>
+            </a:r>
+            <a:endParaRPr lang="en-IN" dirty="0"/>
+          </a:p>
+        </p:txBody>
+      </p:sp>
+      <p:sp>
+        <p:nvSpPr>
+          <p:cNvPr id="5" name="Subtitle 2"/>
+          <p:cNvSpPr txBox="1">
+            <a:spLocks/>
+          </p:cNvSpPr>
+          <p:nvPr/>
+        </p:nvSpPr>
+        <p:spPr>
+          <a:xfrm>
+            <a:off x="2538101" y="3093758"/>
+            <a:ext cx="9212366" cy="428625"/>
+          </a:xfrm>
+          <a:prstGeom prst="rect">
+            <a:avLst/>
+          </a:prstGeom>
+        </p:spPr>
+        <p:txBody>
+          <a:bodyPr vert="horz" lIns="91440" tIns="45720" rIns="91440" bIns="45720" rtlCol="0">
+            <a:noAutofit/>
+          </a:bodyPr>
+          <a:lstStyle>
+            <a:lvl1pPr marL="228600" indent="-228600" algn="l" defTabSz="914400" rtl="0" eaLnBrk="1" latinLnBrk="0" hangingPunct="1">
+              <a:lnSpc>
+                <a:spcPct val="90000"/>
+              </a:lnSpc>
+              <a:spcBef>
+                <a:spcPts val="1000"/>
+              </a:spcBef>
+              <a:buFont typeface="Arial" panose="020B0604020202020204" pitchFamily="34" charset="0"/>
+              <a:buChar char="•"/>
+              <a:defRPr sz="2800" kern="1200">
+                <a:solidFill>
+                  <a:schemeClr val="tx1"/>
+                </a:solidFill>
+                <a:latin typeface="+mn-lt"/>
+                <a:ea typeface="+mn-ea"/>
+                <a:cs typeface="+mn-cs"/>
+              </a:defRPr>
+            </a:lvl1pPr>
+            <a:lvl2pPr marL="685800" indent="-228600" algn="l" defTabSz="914400" rtl="0" eaLnBrk="1" latinLnBrk="0" hangingPunct="1">
+              <a:lnSpc>
+                <a:spcPct val="90000"/>
+              </a:lnSpc>
+              <a:spcBef>
+                <a:spcPts val="500"/>
+              </a:spcBef>
+              <a:buFont typeface="Arial" panose="020B0604020202020204" pitchFamily="34" charset="0"/>
+              <a:buChar char="•"/>
+              <a:defRPr sz="2400" kern="1200">
+                <a:solidFill>
+                  <a:schemeClr val="tx1"/>
+                </a:solidFill>
+                <a:latin typeface="+mn-lt"/>
+                <a:ea typeface="+mn-ea"/>
+                <a:cs typeface="+mn-cs"/>
+              </a:defRPr>
+            </a:lvl2pPr>
+            <a:lvl3pPr marL="1143000" indent="-228600" algn="l" defTabSz="914400" rtl="0" eaLnBrk="1" latinLnBrk="0" hangingPunct="1">
+              <a:lnSpc>
+                <a:spcPct val="90000"/>
+              </a:lnSpc>
+              <a:spcBef>
+                <a:spcPts val="500"/>
+              </a:spcBef>
+              <a:buFont typeface="Arial" panose="020B0604020202020204" pitchFamily="34" charset="0"/>
+              <a:buChar char="•"/>
+              <a:defRPr sz="2000" kern="1200">
+                <a:solidFill>
+                  <a:schemeClr val="tx1"/>
+                </a:solidFill>
+                <a:latin typeface="+mn-lt"/>
+                <a:ea typeface="+mn-ea"/>
+                <a:cs typeface="+mn-cs"/>
+              </a:defRPr>
+            </a:lvl3pPr>
+            <a:lvl4pPr marL="1600200" indent="-228600" algn="l" defTabSz="914400" rtl="0" eaLnBrk="1" latinLnBrk="0" hangingPunct="1">
+              <a:lnSpc>
+                <a:spcPct val="90000"/>
+              </a:lnSpc>
+              <a:spcBef>
+                <a:spcPts val="500"/>
+              </a:spcBef>
+              <a:buFont typeface="Arial" panose="020B0604020202020204" pitchFamily="34" charset="0"/>
+              <a:buChar char="•"/>
+              <a:defRPr sz="1800" kern="1200">
+                <a:solidFill>
+                  <a:schemeClr val="tx1"/>
+                </a:solidFill>
+                <a:latin typeface="+mn-lt"/>
+                <a:ea typeface="+mn-ea"/>
+                <a:cs typeface="+mn-cs"/>
+              </a:defRPr>
+            </a:lvl4pPr>
+            <a:lvl5pPr marL="2057400" indent="-228600" algn="l" defTabSz="914400" rtl="0" eaLnBrk="1" latinLnBrk="0" hangingPunct="1">
+              <a:lnSpc>
+                <a:spcPct val="90000"/>
+              </a:lnSpc>
+              <a:spcBef>
+                <a:spcPts val="500"/>
+              </a:spcBef>
+              <a:buFont typeface="Arial" panose="020B0604020202020204" pitchFamily="34" charset="0"/>
+              <a:buChar char="•"/>
+              <a:defRPr sz="1800" kern="1200">
+                <a:solidFill>
+                  <a:schemeClr val="tx1"/>
+                </a:solidFill>
+                <a:latin typeface="+mn-lt"/>
+                <a:ea typeface="+mn-ea"/>
+                <a:cs typeface="+mn-cs"/>
+              </a:defRPr>
+            </a:lvl5pPr>
+            <a:lvl6pPr marL="2514600" indent="-228600" algn="l" defTabSz="914400" rtl="0" eaLnBrk="1" latinLnBrk="0" hangingPunct="1">
+              <a:lnSpc>
+                <a:spcPct val="90000"/>
+              </a:lnSpc>
+              <a:spcBef>
+                <a:spcPts val="500"/>
+              </a:spcBef>
+              <a:buFont typeface="Arial" panose="020B0604020202020204" pitchFamily="34" charset="0"/>
+              <a:buChar char="•"/>
+              <a:defRPr sz="1800" kern="1200">
+                <a:solidFill>
+                  <a:schemeClr val="tx1"/>
+                </a:solidFill>
+                <a:latin typeface="+mn-lt"/>
+                <a:ea typeface="+mn-ea"/>
+                <a:cs typeface="+mn-cs"/>
+              </a:defRPr>
+            </a:lvl6pPr>
+            <a:lvl7pPr marL="2971800" indent="-228600" algn="l" defTabSz="914400" rtl="0" eaLnBrk="1" latinLnBrk="0" hangingPunct="1">
+              <a:lnSpc>
+                <a:spcPct val="90000"/>
+              </a:lnSpc>
+              <a:spcBef>
+                <a:spcPts val="500"/>
+              </a:spcBef>
+              <a:buFont typeface="Arial" panose="020B0604020202020204" pitchFamily="34" charset="0"/>
+              <a:buChar char="•"/>
+              <a:defRPr sz="1800" kern="1200">
+                <a:solidFill>
+                  <a:schemeClr val="tx1"/>
+                </a:solidFill>
+                <a:latin typeface="+mn-lt"/>
+                <a:ea typeface="+mn-ea"/>
+                <a:cs typeface="+mn-cs"/>
+              </a:defRPr>
+            </a:lvl7pPr>
+            <a:lvl8pPr marL="3429000" indent="-228600" algn="l" defTabSz="914400" rtl="0" eaLnBrk="1" latinLnBrk="0" hangingPunct="1">
+              <a:lnSpc>
+                <a:spcPct val="90000"/>
+              </a:lnSpc>
+              <a:spcBef>
+                <a:spcPts val="500"/>
+              </a:spcBef>
+              <a:buFont typeface="Arial" panose="020B0604020202020204" pitchFamily="34" charset="0"/>
+              <a:buChar char="•"/>
+              <a:defRPr sz="1800" kern="1200">
+                <a:solidFill>
+                  <a:schemeClr val="tx1"/>
+                </a:solidFill>
+                <a:latin typeface="+mn-lt"/>
+                <a:ea typeface="+mn-ea"/>
+                <a:cs typeface="+mn-cs"/>
+              </a:defRPr>
+            </a:lvl8pPr>
+            <a:lvl9pPr marL="3886200" indent="-228600" algn="l" defTabSz="914400" rtl="0" eaLnBrk="1" latinLnBrk="0" hangingPunct="1">
+              <a:lnSpc>
+                <a:spcPct val="90000"/>
+              </a:lnSpc>
+              <a:spcBef>
+                <a:spcPts val="500"/>
+              </a:spcBef>
+              <a:buFont typeface="Arial" panose="020B0604020202020204" pitchFamily="34" charset="0"/>
+              <a:buChar char="•"/>
+              <a:defRPr sz="1800" kern="1200">
+                <a:solidFill>
+                  <a:schemeClr val="tx1"/>
+                </a:solidFill>
+                <a:latin typeface="+mn-lt"/>
+                <a:ea typeface="+mn-ea"/>
+                <a:cs typeface="+mn-cs"/>
+              </a:defRPr>
+            </a:lvl9pPr>
+          </a:lstStyle>
+          <a:p>
+            <a:pPr marL="0" indent="0">
+              <a:buNone/>
+            </a:pPr>
+            <a:r>
+              <a:rPr lang="en-IN" sz="6600" dirty="0" err="1" smtClean="0">
+                <a:solidFill>
+                  <a:schemeClr val="tx1">
+                    <a:lumMod val="95000"/>
+                  </a:schemeClr>
+                </a:solidFill>
+              </a:rPr>
+              <a:t>Button.OnClickListener</a:t>
+            </a:r>
+            <a:endParaRPr lang="en-IN" sz="6600" dirty="0">
+              <a:solidFill>
+                <a:schemeClr val="tx1">
+                  <a:lumMod val="95000"/>
+                </a:schemeClr>
+              </a:solidFill>
+            </a:endParaRPr>
+          </a:p>
+        </p:txBody>
+      </p:sp>
+    </p:spTree>
+    <p:extLst>
+      <p:ext uri="{BB962C8B-B14F-4D97-AF65-F5344CB8AC3E}">
+        <p14:creationId xmlns:p14="http://schemas.microsoft.com/office/powerpoint/2010/main" val="1047218351"/>
+      </p:ext>
+    </p:extLst>
+  </p:cSld>
+  <p:clrMapOvr>
+    <a:masterClrMapping/>
+  </p:clrMapOvr>
+  <p:timing>
+    <p:tnLst>
+      <p:par>
+        <p:cTn id="1" dur="indefinite" restart="never" nodeType="tmRoot"/>
+      </p:par>
+    </p:tnLst>
+  </p:timing>
+</p:sld>
+</file>
+
+<file path=ppt/slides/slide31.xml><?xml version="1.0" encoding="utf-8"?>
+<p:sld xmlns:a="http://schemas.openxmlformats.org/drawingml/2006/main" xmlns:r="http://schemas.openxmlformats.org/officeDocument/2006/relationships" xmlns:p="http://schemas.openxmlformats.org/presentationml/2006/main">
+  <p:cSld>
+    <p:spTree>
+      <p:nvGrpSpPr>
+        <p:cNvPr id="1" name=""/>
+        <p:cNvGrpSpPr/>
+        <p:nvPr/>
+      </p:nvGrpSpPr>
+      <p:grpSpPr>
+        <a:xfrm>
+          <a:off x="0" y="0"/>
+          <a:ext cx="0" cy="0"/>
+          <a:chOff x="0" y="0"/>
+          <a:chExt cx="0" cy="0"/>
+        </a:xfrm>
+      </p:grpSpPr>
+      <p:sp>
+        <p:nvSpPr>
+          <p:cNvPr id="5" name="Subtitle 2"/>
+          <p:cNvSpPr txBox="1">
+            <a:spLocks/>
+          </p:cNvSpPr>
+          <p:nvPr/>
+        </p:nvSpPr>
+        <p:spPr>
+          <a:xfrm>
+            <a:off x="1632246" y="521475"/>
+            <a:ext cx="9212366" cy="428625"/>
+          </a:xfrm>
+          <a:prstGeom prst="rect">
+            <a:avLst/>
+          </a:prstGeom>
+        </p:spPr>
+        <p:txBody>
+          <a:bodyPr vert="horz" lIns="91440" tIns="45720" rIns="91440" bIns="45720" rtlCol="0">
+            <a:noAutofit/>
+          </a:bodyPr>
+          <a:lstStyle>
+            <a:lvl1pPr marL="228600" indent="-228600" algn="l" defTabSz="914400" rtl="0" eaLnBrk="1" latinLnBrk="0" hangingPunct="1">
+              <a:lnSpc>
+                <a:spcPct val="90000"/>
+              </a:lnSpc>
+              <a:spcBef>
+                <a:spcPts val="1000"/>
+              </a:spcBef>
+              <a:buFont typeface="Arial" panose="020B0604020202020204" pitchFamily="34" charset="0"/>
+              <a:buChar char="•"/>
+              <a:defRPr sz="2800" kern="1200">
+                <a:solidFill>
+                  <a:schemeClr val="tx1"/>
+                </a:solidFill>
+                <a:latin typeface="+mn-lt"/>
+                <a:ea typeface="+mn-ea"/>
+                <a:cs typeface="+mn-cs"/>
+              </a:defRPr>
+            </a:lvl1pPr>
+            <a:lvl2pPr marL="685800" indent="-228600" algn="l" defTabSz="914400" rtl="0" eaLnBrk="1" latinLnBrk="0" hangingPunct="1">
+              <a:lnSpc>
+                <a:spcPct val="90000"/>
+              </a:lnSpc>
+              <a:spcBef>
+                <a:spcPts val="500"/>
+              </a:spcBef>
+              <a:buFont typeface="Arial" panose="020B0604020202020204" pitchFamily="34" charset="0"/>
+              <a:buChar char="•"/>
+              <a:defRPr sz="2400" kern="1200">
+                <a:solidFill>
+                  <a:schemeClr val="tx1"/>
+                </a:solidFill>
+                <a:latin typeface="+mn-lt"/>
+                <a:ea typeface="+mn-ea"/>
+                <a:cs typeface="+mn-cs"/>
+              </a:defRPr>
+            </a:lvl2pPr>
+            <a:lvl3pPr marL="1143000" indent="-228600" algn="l" defTabSz="914400" rtl="0" eaLnBrk="1" latinLnBrk="0" hangingPunct="1">
+              <a:lnSpc>
+                <a:spcPct val="90000"/>
+              </a:lnSpc>
+              <a:spcBef>
+                <a:spcPts val="500"/>
+              </a:spcBef>
+              <a:buFont typeface="Arial" panose="020B0604020202020204" pitchFamily="34" charset="0"/>
+              <a:buChar char="•"/>
+              <a:defRPr sz="2000" kern="1200">
+                <a:solidFill>
+                  <a:schemeClr val="tx1"/>
+                </a:solidFill>
+                <a:latin typeface="+mn-lt"/>
+                <a:ea typeface="+mn-ea"/>
+                <a:cs typeface="+mn-cs"/>
+              </a:defRPr>
+            </a:lvl3pPr>
+            <a:lvl4pPr marL="1600200" indent="-228600" algn="l" defTabSz="914400" rtl="0" eaLnBrk="1" latinLnBrk="0" hangingPunct="1">
+              <a:lnSpc>
+                <a:spcPct val="90000"/>
+              </a:lnSpc>
+              <a:spcBef>
+                <a:spcPts val="500"/>
+              </a:spcBef>
+              <a:buFont typeface="Arial" panose="020B0604020202020204" pitchFamily="34" charset="0"/>
+              <a:buChar char="•"/>
+              <a:defRPr sz="1800" kern="1200">
+                <a:solidFill>
+                  <a:schemeClr val="tx1"/>
+                </a:solidFill>
+                <a:latin typeface="+mn-lt"/>
+                <a:ea typeface="+mn-ea"/>
+                <a:cs typeface="+mn-cs"/>
+              </a:defRPr>
+            </a:lvl4pPr>
+            <a:lvl5pPr marL="2057400" indent="-228600" algn="l" defTabSz="914400" rtl="0" eaLnBrk="1" latinLnBrk="0" hangingPunct="1">
+              <a:lnSpc>
+                <a:spcPct val="90000"/>
+              </a:lnSpc>
+              <a:spcBef>
+                <a:spcPts val="500"/>
+              </a:spcBef>
+              <a:buFont typeface="Arial" panose="020B0604020202020204" pitchFamily="34" charset="0"/>
+              <a:buChar char="•"/>
+              <a:defRPr sz="1800" kern="1200">
+                <a:solidFill>
+                  <a:schemeClr val="tx1"/>
+                </a:solidFill>
+                <a:latin typeface="+mn-lt"/>
+                <a:ea typeface="+mn-ea"/>
+                <a:cs typeface="+mn-cs"/>
+              </a:defRPr>
+            </a:lvl5pPr>
+            <a:lvl6pPr marL="2514600" indent="-228600" algn="l" defTabSz="914400" rtl="0" eaLnBrk="1" latinLnBrk="0" hangingPunct="1">
+              <a:lnSpc>
+                <a:spcPct val="90000"/>
+              </a:lnSpc>
+              <a:spcBef>
+                <a:spcPts val="500"/>
+              </a:spcBef>
+              <a:buFont typeface="Arial" panose="020B0604020202020204" pitchFamily="34" charset="0"/>
+              <a:buChar char="•"/>
+              <a:defRPr sz="1800" kern="1200">
+                <a:solidFill>
+                  <a:schemeClr val="tx1"/>
+                </a:solidFill>
+                <a:latin typeface="+mn-lt"/>
+                <a:ea typeface="+mn-ea"/>
+                <a:cs typeface="+mn-cs"/>
+              </a:defRPr>
+            </a:lvl6pPr>
+            <a:lvl7pPr marL="2971800" indent="-228600" algn="l" defTabSz="914400" rtl="0" eaLnBrk="1" latinLnBrk="0" hangingPunct="1">
+              <a:lnSpc>
+                <a:spcPct val="90000"/>
+              </a:lnSpc>
+              <a:spcBef>
+                <a:spcPts val="500"/>
+              </a:spcBef>
+              <a:buFont typeface="Arial" panose="020B0604020202020204" pitchFamily="34" charset="0"/>
+              <a:buChar char="•"/>
+              <a:defRPr sz="1800" kern="1200">
+                <a:solidFill>
+                  <a:schemeClr val="tx1"/>
+                </a:solidFill>
+                <a:latin typeface="+mn-lt"/>
+                <a:ea typeface="+mn-ea"/>
+                <a:cs typeface="+mn-cs"/>
+              </a:defRPr>
+            </a:lvl7pPr>
+            <a:lvl8pPr marL="3429000" indent="-228600" algn="l" defTabSz="914400" rtl="0" eaLnBrk="1" latinLnBrk="0" hangingPunct="1">
+              <a:lnSpc>
+                <a:spcPct val="90000"/>
+              </a:lnSpc>
+              <a:spcBef>
+                <a:spcPts val="500"/>
+              </a:spcBef>
+              <a:buFont typeface="Arial" panose="020B0604020202020204" pitchFamily="34" charset="0"/>
+              <a:buChar char="•"/>
+              <a:defRPr sz="1800" kern="1200">
+                <a:solidFill>
+                  <a:schemeClr val="tx1"/>
+                </a:solidFill>
+                <a:latin typeface="+mn-lt"/>
+                <a:ea typeface="+mn-ea"/>
+                <a:cs typeface="+mn-cs"/>
+              </a:defRPr>
+            </a:lvl8pPr>
+            <a:lvl9pPr marL="3886200" indent="-228600" algn="l" defTabSz="914400" rtl="0" eaLnBrk="1" latinLnBrk="0" hangingPunct="1">
+              <a:lnSpc>
+                <a:spcPct val="90000"/>
+              </a:lnSpc>
+              <a:spcBef>
+                <a:spcPts val="500"/>
+              </a:spcBef>
+              <a:buFont typeface="Arial" panose="020B0604020202020204" pitchFamily="34" charset="0"/>
+              <a:buChar char="•"/>
+              <a:defRPr sz="1800" kern="1200">
+                <a:solidFill>
+                  <a:schemeClr val="tx1"/>
+                </a:solidFill>
+                <a:latin typeface="+mn-lt"/>
+                <a:ea typeface="+mn-ea"/>
+                <a:cs typeface="+mn-cs"/>
+              </a:defRPr>
+            </a:lvl9pPr>
+          </a:lstStyle>
+          <a:p>
+            <a:pPr marL="0" indent="0" algn="ctr">
+              <a:buNone/>
+            </a:pPr>
+            <a:r>
+              <a:rPr lang="en-IN" sz="4800" dirty="0" err="1" smtClean="0">
+                <a:solidFill>
+                  <a:schemeClr val="tx1">
+                    <a:lumMod val="95000"/>
+                  </a:schemeClr>
+                </a:solidFill>
+              </a:rPr>
+              <a:t>Button.OnClickListener</a:t>
+            </a:r>
+            <a:endParaRPr lang="en-IN" sz="4800" dirty="0">
+              <a:solidFill>
+                <a:schemeClr val="tx1">
+                  <a:lumMod val="95000"/>
+                </a:schemeClr>
+              </a:solidFill>
+            </a:endParaRPr>
+          </a:p>
+        </p:txBody>
+      </p:sp>
+      <p:sp>
+        <p:nvSpPr>
+          <p:cNvPr id="6" name="Subtitle 2"/>
+          <p:cNvSpPr txBox="1">
+            <a:spLocks/>
+          </p:cNvSpPr>
+          <p:nvPr/>
+        </p:nvSpPr>
+        <p:spPr>
+          <a:xfrm>
+            <a:off x="1861559" y="1904470"/>
+            <a:ext cx="9212366" cy="3752846"/>
+          </a:xfrm>
+          <a:prstGeom prst="rect">
+            <a:avLst/>
+          </a:prstGeom>
+        </p:spPr>
+        <p:txBody>
+          <a:bodyPr vert="horz" lIns="91440" tIns="45720" rIns="91440" bIns="45720" rtlCol="0">
+            <a:noAutofit/>
+          </a:bodyPr>
+          <a:lstStyle>
+            <a:lvl1pPr marL="228600" indent="-228600" algn="l" defTabSz="914400" rtl="0" eaLnBrk="1" latinLnBrk="0" hangingPunct="1">
+              <a:lnSpc>
+                <a:spcPct val="90000"/>
+              </a:lnSpc>
+              <a:spcBef>
+                <a:spcPts val="1000"/>
+              </a:spcBef>
+              <a:buFont typeface="Arial" panose="020B0604020202020204" pitchFamily="34" charset="0"/>
+              <a:buChar char="•"/>
+              <a:defRPr sz="2800" kern="1200">
+                <a:solidFill>
+                  <a:schemeClr val="tx1"/>
+                </a:solidFill>
+                <a:latin typeface="+mn-lt"/>
+                <a:ea typeface="+mn-ea"/>
+                <a:cs typeface="+mn-cs"/>
+              </a:defRPr>
+            </a:lvl1pPr>
+            <a:lvl2pPr marL="685800" indent="-228600" algn="l" defTabSz="914400" rtl="0" eaLnBrk="1" latinLnBrk="0" hangingPunct="1">
+              <a:lnSpc>
+                <a:spcPct val="90000"/>
+              </a:lnSpc>
+              <a:spcBef>
+                <a:spcPts val="500"/>
+              </a:spcBef>
+              <a:buFont typeface="Arial" panose="020B0604020202020204" pitchFamily="34" charset="0"/>
+              <a:buChar char="•"/>
+              <a:defRPr sz="2400" kern="1200">
+                <a:solidFill>
+                  <a:schemeClr val="tx1"/>
+                </a:solidFill>
+                <a:latin typeface="+mn-lt"/>
+                <a:ea typeface="+mn-ea"/>
+                <a:cs typeface="+mn-cs"/>
+              </a:defRPr>
+            </a:lvl2pPr>
+            <a:lvl3pPr marL="1143000" indent="-228600" algn="l" defTabSz="914400" rtl="0" eaLnBrk="1" latinLnBrk="0" hangingPunct="1">
+              <a:lnSpc>
+                <a:spcPct val="90000"/>
+              </a:lnSpc>
+              <a:spcBef>
+                <a:spcPts val="500"/>
+              </a:spcBef>
+              <a:buFont typeface="Arial" panose="020B0604020202020204" pitchFamily="34" charset="0"/>
+              <a:buChar char="•"/>
+              <a:defRPr sz="2000" kern="1200">
+                <a:solidFill>
+                  <a:schemeClr val="tx1"/>
+                </a:solidFill>
+                <a:latin typeface="+mn-lt"/>
+                <a:ea typeface="+mn-ea"/>
+                <a:cs typeface="+mn-cs"/>
+              </a:defRPr>
+            </a:lvl3pPr>
+            <a:lvl4pPr marL="1600200" indent="-228600" algn="l" defTabSz="914400" rtl="0" eaLnBrk="1" latinLnBrk="0" hangingPunct="1">
+              <a:lnSpc>
+                <a:spcPct val="90000"/>
+              </a:lnSpc>
+              <a:spcBef>
+                <a:spcPts val="500"/>
+              </a:spcBef>
+              <a:buFont typeface="Arial" panose="020B0604020202020204" pitchFamily="34" charset="0"/>
+              <a:buChar char="•"/>
+              <a:defRPr sz="1800" kern="1200">
+                <a:solidFill>
+                  <a:schemeClr val="tx1"/>
+                </a:solidFill>
+                <a:latin typeface="+mn-lt"/>
+                <a:ea typeface="+mn-ea"/>
+                <a:cs typeface="+mn-cs"/>
+              </a:defRPr>
+            </a:lvl4pPr>
+            <a:lvl5pPr marL="2057400" indent="-228600" algn="l" defTabSz="914400" rtl="0" eaLnBrk="1" latinLnBrk="0" hangingPunct="1">
+              <a:lnSpc>
+                <a:spcPct val="90000"/>
+              </a:lnSpc>
+              <a:spcBef>
+                <a:spcPts val="500"/>
+              </a:spcBef>
+              <a:buFont typeface="Arial" panose="020B0604020202020204" pitchFamily="34" charset="0"/>
+              <a:buChar char="•"/>
+              <a:defRPr sz="1800" kern="1200">
+                <a:solidFill>
+                  <a:schemeClr val="tx1"/>
+                </a:solidFill>
+                <a:latin typeface="+mn-lt"/>
+                <a:ea typeface="+mn-ea"/>
+                <a:cs typeface="+mn-cs"/>
+              </a:defRPr>
+            </a:lvl5pPr>
+            <a:lvl6pPr marL="2514600" indent="-228600" algn="l" defTabSz="914400" rtl="0" eaLnBrk="1" latinLnBrk="0" hangingPunct="1">
+              <a:lnSpc>
+                <a:spcPct val="90000"/>
+              </a:lnSpc>
+              <a:spcBef>
+                <a:spcPts val="500"/>
+              </a:spcBef>
+              <a:buFont typeface="Arial" panose="020B0604020202020204" pitchFamily="34" charset="0"/>
+              <a:buChar char="•"/>
+              <a:defRPr sz="1800" kern="1200">
+                <a:solidFill>
+                  <a:schemeClr val="tx1"/>
+                </a:solidFill>
+                <a:latin typeface="+mn-lt"/>
+                <a:ea typeface="+mn-ea"/>
+                <a:cs typeface="+mn-cs"/>
+              </a:defRPr>
+            </a:lvl6pPr>
+            <a:lvl7pPr marL="2971800" indent="-228600" algn="l" defTabSz="914400" rtl="0" eaLnBrk="1" latinLnBrk="0" hangingPunct="1">
+              <a:lnSpc>
+                <a:spcPct val="90000"/>
+              </a:lnSpc>
+              <a:spcBef>
+                <a:spcPts val="500"/>
+              </a:spcBef>
+              <a:buFont typeface="Arial" panose="020B0604020202020204" pitchFamily="34" charset="0"/>
+              <a:buChar char="•"/>
+              <a:defRPr sz="1800" kern="1200">
+                <a:solidFill>
+                  <a:schemeClr val="tx1"/>
+                </a:solidFill>
+                <a:latin typeface="+mn-lt"/>
+                <a:ea typeface="+mn-ea"/>
+                <a:cs typeface="+mn-cs"/>
+              </a:defRPr>
+            </a:lvl7pPr>
+            <a:lvl8pPr marL="3429000" indent="-228600" algn="l" defTabSz="914400" rtl="0" eaLnBrk="1" latinLnBrk="0" hangingPunct="1">
+              <a:lnSpc>
+                <a:spcPct val="90000"/>
+              </a:lnSpc>
+              <a:spcBef>
+                <a:spcPts val="500"/>
+              </a:spcBef>
+              <a:buFont typeface="Arial" panose="020B0604020202020204" pitchFamily="34" charset="0"/>
+              <a:buChar char="•"/>
+              <a:defRPr sz="1800" kern="1200">
+                <a:solidFill>
+                  <a:schemeClr val="tx1"/>
+                </a:solidFill>
+                <a:latin typeface="+mn-lt"/>
+                <a:ea typeface="+mn-ea"/>
+                <a:cs typeface="+mn-cs"/>
+              </a:defRPr>
+            </a:lvl8pPr>
+            <a:lvl9pPr marL="3886200" indent="-228600" algn="l" defTabSz="914400" rtl="0" eaLnBrk="1" latinLnBrk="0" hangingPunct="1">
+              <a:lnSpc>
+                <a:spcPct val="90000"/>
+              </a:lnSpc>
+              <a:spcBef>
+                <a:spcPts val="500"/>
+              </a:spcBef>
+              <a:buFont typeface="Arial" panose="020B0604020202020204" pitchFamily="34" charset="0"/>
+              <a:buChar char="•"/>
+              <a:defRPr sz="1800" kern="1200">
+                <a:solidFill>
+                  <a:schemeClr val="tx1"/>
+                </a:solidFill>
+                <a:latin typeface="+mn-lt"/>
+                <a:ea typeface="+mn-ea"/>
+                <a:cs typeface="+mn-cs"/>
+              </a:defRPr>
+            </a:lvl9pPr>
+          </a:lstStyle>
+          <a:p>
+            <a:pPr marL="0" indent="0">
+              <a:buNone/>
+            </a:pPr>
+            <a:r>
+              <a:rPr lang="en-IN" sz="2400" dirty="0" smtClean="0">
+                <a:solidFill>
+                  <a:schemeClr val="tx1">
+                    <a:lumMod val="95000"/>
+                  </a:schemeClr>
+                </a:solidFill>
+              </a:rPr>
+              <a:t>void </a:t>
+            </a:r>
+            <a:r>
+              <a:rPr lang="en-IN" sz="2400" dirty="0" err="1" smtClean="0">
+                <a:solidFill>
+                  <a:schemeClr val="tx1">
+                    <a:lumMod val="95000"/>
+                  </a:schemeClr>
+                </a:solidFill>
+              </a:rPr>
+              <a:t>onClick</a:t>
+            </a:r>
+            <a:r>
+              <a:rPr lang="en-IN" sz="2400" dirty="0" smtClean="0">
+                <a:solidFill>
+                  <a:schemeClr val="tx1">
+                    <a:lumMod val="95000"/>
+                  </a:schemeClr>
+                </a:solidFill>
+              </a:rPr>
+              <a:t>()</a:t>
+            </a:r>
+          </a:p>
+          <a:p>
+            <a:pPr marL="0" indent="0">
+              <a:buNone/>
+            </a:pPr>
+            <a:r>
+              <a:rPr lang="en-IN" sz="2400" dirty="0" smtClean="0">
+                <a:solidFill>
+                  <a:schemeClr val="tx1">
+                    <a:lumMod val="95000"/>
+                  </a:schemeClr>
+                </a:solidFill>
+              </a:rPr>
+              <a:t>{</a:t>
+            </a:r>
+          </a:p>
+          <a:p>
+            <a:pPr marL="0" indent="0">
+              <a:buNone/>
+            </a:pPr>
+            <a:r>
+              <a:rPr lang="en-IN" sz="2400" dirty="0">
+                <a:solidFill>
+                  <a:schemeClr val="tx1">
+                    <a:lumMod val="95000"/>
+                  </a:schemeClr>
+                </a:solidFill>
+              </a:rPr>
+              <a:t>	</a:t>
+            </a:r>
+            <a:r>
+              <a:rPr lang="en-IN" sz="2400" dirty="0" smtClean="0">
+                <a:solidFill>
+                  <a:schemeClr val="tx1">
+                    <a:lumMod val="95000"/>
+                  </a:schemeClr>
+                </a:solidFill>
+              </a:rPr>
+              <a:t>String message = </a:t>
+            </a:r>
+            <a:r>
+              <a:rPr lang="en-IN" sz="2400" dirty="0" err="1" smtClean="0">
+                <a:solidFill>
+                  <a:schemeClr val="tx1">
+                    <a:lumMod val="95000"/>
+                  </a:schemeClr>
+                </a:solidFill>
+              </a:rPr>
+              <a:t>mEditText.getText</a:t>
+            </a:r>
+            <a:r>
+              <a:rPr lang="en-IN" sz="2400" dirty="0" smtClean="0">
+                <a:solidFill>
+                  <a:schemeClr val="tx1">
+                    <a:lumMod val="95000"/>
+                  </a:schemeClr>
+                </a:solidFill>
+              </a:rPr>
+              <a:t>().</a:t>
+            </a:r>
+            <a:r>
+              <a:rPr lang="en-IN" sz="2400" dirty="0" err="1" smtClean="0">
+                <a:solidFill>
+                  <a:schemeClr val="tx1">
+                    <a:lumMod val="95000"/>
+                  </a:schemeClr>
+                </a:solidFill>
+              </a:rPr>
+              <a:t>toString</a:t>
+            </a:r>
+            <a:r>
+              <a:rPr lang="en-IN" sz="2400" dirty="0" smtClean="0">
+                <a:solidFill>
+                  <a:schemeClr val="tx1">
+                    <a:lumMod val="95000"/>
+                  </a:schemeClr>
+                </a:solidFill>
+              </a:rPr>
+              <a:t>();</a:t>
+            </a:r>
+          </a:p>
+          <a:p>
+            <a:pPr marL="0" indent="0">
+              <a:buNone/>
+            </a:pPr>
+            <a:r>
+              <a:rPr lang="en-IN" sz="2400" dirty="0">
+                <a:solidFill>
+                  <a:schemeClr val="tx1">
+                    <a:lumMod val="95000"/>
+                  </a:schemeClr>
+                </a:solidFill>
+              </a:rPr>
+              <a:t>	</a:t>
+            </a:r>
+            <a:r>
+              <a:rPr lang="en-IN" sz="2400" dirty="0" err="1" smtClean="0">
+                <a:solidFill>
+                  <a:schemeClr val="tx1">
+                    <a:lumMod val="95000"/>
+                  </a:schemeClr>
+                </a:solidFill>
+              </a:rPr>
+              <a:t>sendMessage</a:t>
+            </a:r>
+            <a:r>
+              <a:rPr lang="en-IN" sz="2400" dirty="0" smtClean="0">
+                <a:solidFill>
+                  <a:schemeClr val="tx1">
+                    <a:lumMod val="95000"/>
+                  </a:schemeClr>
+                </a:solidFill>
+              </a:rPr>
+              <a:t>(message);</a:t>
+            </a:r>
+          </a:p>
+          <a:p>
+            <a:pPr marL="0" indent="0">
+              <a:buNone/>
+            </a:pPr>
+            <a:r>
+              <a:rPr lang="en-IN" sz="2400" dirty="0">
+                <a:solidFill>
+                  <a:schemeClr val="tx1">
+                    <a:lumMod val="95000"/>
+                  </a:schemeClr>
+                </a:solidFill>
+              </a:rPr>
+              <a:t>	</a:t>
+            </a:r>
+            <a:r>
+              <a:rPr lang="en-IN" sz="2400" dirty="0" err="1" smtClean="0">
+                <a:solidFill>
+                  <a:schemeClr val="tx1">
+                    <a:lumMod val="95000"/>
+                  </a:schemeClr>
+                </a:solidFill>
+              </a:rPr>
+              <a:t>mEditText.setText</a:t>
+            </a:r>
+            <a:r>
+              <a:rPr lang="en-IN" sz="2400" smtClean="0">
+                <a:solidFill>
+                  <a:schemeClr val="tx1">
+                    <a:lumMod val="95000"/>
+                  </a:schemeClr>
+                </a:solidFill>
+              </a:rPr>
+              <a:t>(“”);</a:t>
+            </a:r>
+            <a:endParaRPr lang="en-IN" sz="2400" dirty="0" smtClean="0">
+              <a:solidFill>
+                <a:schemeClr val="tx1">
+                  <a:lumMod val="95000"/>
+                </a:schemeClr>
+              </a:solidFill>
+            </a:endParaRPr>
+          </a:p>
+          <a:p>
+            <a:pPr marL="0" indent="0">
+              <a:buNone/>
+            </a:pPr>
+            <a:r>
+              <a:rPr lang="en-IN" sz="2400" dirty="0" smtClean="0">
+                <a:solidFill>
+                  <a:schemeClr val="tx1">
+                    <a:lumMod val="95000"/>
+                  </a:schemeClr>
+                </a:solidFill>
+              </a:rPr>
+              <a:t>}</a:t>
+            </a:r>
+            <a:endParaRPr lang="en-IN" sz="2400" dirty="0">
+              <a:solidFill>
+                <a:schemeClr val="tx1">
+                  <a:lumMod val="95000"/>
+                </a:schemeClr>
+              </a:solidFill>
+            </a:endParaRPr>
+          </a:p>
+        </p:txBody>
+      </p:sp>
+    </p:spTree>
+    <p:extLst>
+      <p:ext uri="{BB962C8B-B14F-4D97-AF65-F5344CB8AC3E}">
+        <p14:creationId xmlns:p14="http://schemas.microsoft.com/office/powerpoint/2010/main" val="1566061962"/>
+      </p:ext>
+    </p:extLst>
+  </p:cSld>
+  <p:clrMapOvr>
+    <a:masterClrMapping/>
+  </p:clrMapOvr>
+  <p:timing>
+    <p:tnLst>
+      <p:par>
+        <p:cTn id="1" dur="indefinite" restart="never" nodeType="tmRoot"/>
+      </p:par>
+    </p:tnLst>
+  </p:timing>
+</p:sld>
+</file>
+
+<file path=ppt/slides/slide32.xml><?xml version="1.0" encoding="utf-8"?>
 <p:sld xmlns:a="http://schemas.openxmlformats.org/drawingml/2006/main" xmlns:r="http://schemas.openxmlformats.org/officeDocument/2006/relationships" xmlns:p="http://schemas.openxmlformats.org/presentationml/2006/main">
   <p:cSld>
     <p:spTree>
@@ -13474,73 +16170,6 @@
     <p:extLst>
       <p:ext uri="{BB962C8B-B14F-4D97-AF65-F5344CB8AC3E}">
         <p14:creationId xmlns:p14="http://schemas.microsoft.com/office/powerpoint/2010/main" val="682023253"/>
-      </p:ext>
-    </p:extLst>
-  </p:cSld>
-  <p:clrMapOvr>
-    <a:masterClrMapping/>
-  </p:clrMapOvr>
-  <p:timing>
-    <p:tnLst>
-      <p:par>
-        <p:cTn id="1" dur="indefinite" restart="never" nodeType="tmRoot"/>
-      </p:par>
-    </p:tnLst>
-  </p:timing>
-</p:sld>
-</file>
-
-<file path=ppt/slides/slide3.xml><?xml version="1.0" encoding="utf-8"?>
-<p:sld xmlns:a="http://schemas.openxmlformats.org/drawingml/2006/main" xmlns:r="http://schemas.openxmlformats.org/officeDocument/2006/relationships" xmlns:p="http://schemas.openxmlformats.org/presentationml/2006/main">
-  <p:cSld>
-    <p:spTree>
-      <p:nvGrpSpPr>
-        <p:cNvPr id="1" name=""/>
-        <p:cNvGrpSpPr/>
-        <p:nvPr/>
-      </p:nvGrpSpPr>
-      <p:grpSpPr>
-        <a:xfrm>
-          <a:off x="0" y="0"/>
-          <a:ext cx="0" cy="0"/>
-          <a:chOff x="0" y="0"/>
-          <a:chExt cx="0" cy="0"/>
-        </a:xfrm>
-      </p:grpSpPr>
-      <p:sp>
-        <p:nvSpPr>
-          <p:cNvPr id="3" name="Subtitle 2"/>
-          <p:cNvSpPr>
-            <a:spLocks noGrp="1"/>
-          </p:cNvSpPr>
-          <p:nvPr>
-            <p:ph type="subTitle" idx="1"/>
-          </p:nvPr>
-        </p:nvSpPr>
-        <p:spPr>
-          <a:xfrm>
-            <a:off x="4686407" y="3128168"/>
-            <a:ext cx="3943136" cy="428625"/>
-          </a:xfrm>
-        </p:spPr>
-        <p:txBody>
-          <a:bodyPr>
-            <a:noAutofit/>
-          </a:bodyPr>
-          <a:lstStyle/>
-          <a:p>
-            <a:pPr algn="l"/>
-            <a:r>
-              <a:rPr lang="en-IN" sz="3600" dirty="0"/>
-              <a:t>What is AIRYL?</a:t>
-            </a:r>
-          </a:p>
-        </p:txBody>
-      </p:sp>
-    </p:spTree>
-    <p:extLst>
-      <p:ext uri="{BB962C8B-B14F-4D97-AF65-F5344CB8AC3E}">
-        <p14:creationId xmlns:p14="http://schemas.microsoft.com/office/powerpoint/2010/main" val="1264217349"/>
       </p:ext>
     </p:extLst>
   </p:cSld>

--- a/The design and development of AIRYL.pptx
+++ b/The design and development of AIRYL.pptx
@@ -36,7 +36,14 @@
     <p:sldId id="286" r:id="rId30"/>
     <p:sldId id="287" r:id="rId31"/>
     <p:sldId id="288" r:id="rId32"/>
-    <p:sldId id="269" r:id="rId33"/>
+    <p:sldId id="289" r:id="rId33"/>
+    <p:sldId id="290" r:id="rId34"/>
+    <p:sldId id="291" r:id="rId35"/>
+    <p:sldId id="269" r:id="rId36"/>
+    <p:sldId id="292" r:id="rId37"/>
+    <p:sldId id="293" r:id="rId38"/>
+    <p:sldId id="295" r:id="rId39"/>
+    <p:sldId id="294" r:id="rId40"/>
   </p:sldIdLst>
   <p:sldSz cx="12192000" cy="6858000"/>
   <p:notesSz cx="6858000" cy="9144000"/>
@@ -15940,7 +15947,7 @@
               <a:t>mEditText.setText</a:t>
             </a:r>
             <a:r>
-              <a:rPr lang="en-IN" sz="2400" smtClean="0">
+              <a:rPr lang="en-IN" sz="2400" dirty="0" smtClean="0">
                 <a:solidFill>
                   <a:schemeClr val="tx1">
                     <a:lumMod val="95000"/>
@@ -15949,13 +15956,6 @@
               </a:rPr>
               <a:t>(“”);</a:t>
             </a:r>
-            <a:endParaRPr lang="en-IN" sz="2400" dirty="0" smtClean="0">
-              <a:solidFill>
-                <a:schemeClr val="tx1">
-                  <a:lumMod val="95000"/>
-                </a:schemeClr>
-              </a:solidFill>
-            </a:endParaRPr>
           </a:p>
           <a:p>
             <a:pPr marL="0" indent="0">
@@ -16002,6 +16002,1760 @@
 </file>
 
 <file path=ppt/slides/slide32.xml><?xml version="1.0" encoding="utf-8"?>
+<p:sld xmlns:a="http://schemas.openxmlformats.org/drawingml/2006/main" xmlns:r="http://schemas.openxmlformats.org/officeDocument/2006/relationships" xmlns:p="http://schemas.openxmlformats.org/presentationml/2006/main">
+  <p:cSld>
+    <p:spTree>
+      <p:nvGrpSpPr>
+        <p:cNvPr id="1" name=""/>
+        <p:cNvGrpSpPr/>
+        <p:nvPr/>
+      </p:nvGrpSpPr>
+      <p:grpSpPr>
+        <a:xfrm>
+          <a:off x="0" y="0"/>
+          <a:ext cx="0" cy="0"/>
+          <a:chOff x="0" y="0"/>
+          <a:chExt cx="0" cy="0"/>
+        </a:xfrm>
+      </p:grpSpPr>
+      <p:sp>
+        <p:nvSpPr>
+          <p:cNvPr id="5" name="Subtitle 2"/>
+          <p:cNvSpPr txBox="1">
+            <a:spLocks/>
+          </p:cNvSpPr>
+          <p:nvPr/>
+        </p:nvSpPr>
+        <p:spPr>
+          <a:xfrm>
+            <a:off x="1632246" y="521475"/>
+            <a:ext cx="9212366" cy="428625"/>
+          </a:xfrm>
+          <a:prstGeom prst="rect">
+            <a:avLst/>
+          </a:prstGeom>
+        </p:spPr>
+        <p:txBody>
+          <a:bodyPr vert="horz" lIns="91440" tIns="45720" rIns="91440" bIns="45720" rtlCol="0">
+            <a:noAutofit/>
+          </a:bodyPr>
+          <a:lstStyle>
+            <a:lvl1pPr marL="228600" indent="-228600" algn="l" defTabSz="914400" rtl="0" eaLnBrk="1" latinLnBrk="0" hangingPunct="1">
+              <a:lnSpc>
+                <a:spcPct val="90000"/>
+              </a:lnSpc>
+              <a:spcBef>
+                <a:spcPts val="1000"/>
+              </a:spcBef>
+              <a:buFont typeface="Arial" panose="020B0604020202020204" pitchFamily="34" charset="0"/>
+              <a:buChar char="•"/>
+              <a:defRPr sz="2800" kern="1200">
+                <a:solidFill>
+                  <a:schemeClr val="tx1"/>
+                </a:solidFill>
+                <a:latin typeface="+mn-lt"/>
+                <a:ea typeface="+mn-ea"/>
+                <a:cs typeface="+mn-cs"/>
+              </a:defRPr>
+            </a:lvl1pPr>
+            <a:lvl2pPr marL="685800" indent="-228600" algn="l" defTabSz="914400" rtl="0" eaLnBrk="1" latinLnBrk="0" hangingPunct="1">
+              <a:lnSpc>
+                <a:spcPct val="90000"/>
+              </a:lnSpc>
+              <a:spcBef>
+                <a:spcPts val="500"/>
+              </a:spcBef>
+              <a:buFont typeface="Arial" panose="020B0604020202020204" pitchFamily="34" charset="0"/>
+              <a:buChar char="•"/>
+              <a:defRPr sz="2400" kern="1200">
+                <a:solidFill>
+                  <a:schemeClr val="tx1"/>
+                </a:solidFill>
+                <a:latin typeface="+mn-lt"/>
+                <a:ea typeface="+mn-ea"/>
+                <a:cs typeface="+mn-cs"/>
+              </a:defRPr>
+            </a:lvl2pPr>
+            <a:lvl3pPr marL="1143000" indent="-228600" algn="l" defTabSz="914400" rtl="0" eaLnBrk="1" latinLnBrk="0" hangingPunct="1">
+              <a:lnSpc>
+                <a:spcPct val="90000"/>
+              </a:lnSpc>
+              <a:spcBef>
+                <a:spcPts val="500"/>
+              </a:spcBef>
+              <a:buFont typeface="Arial" panose="020B0604020202020204" pitchFamily="34" charset="0"/>
+              <a:buChar char="•"/>
+              <a:defRPr sz="2000" kern="1200">
+                <a:solidFill>
+                  <a:schemeClr val="tx1"/>
+                </a:solidFill>
+                <a:latin typeface="+mn-lt"/>
+                <a:ea typeface="+mn-ea"/>
+                <a:cs typeface="+mn-cs"/>
+              </a:defRPr>
+            </a:lvl3pPr>
+            <a:lvl4pPr marL="1600200" indent="-228600" algn="l" defTabSz="914400" rtl="0" eaLnBrk="1" latinLnBrk="0" hangingPunct="1">
+              <a:lnSpc>
+                <a:spcPct val="90000"/>
+              </a:lnSpc>
+              <a:spcBef>
+                <a:spcPts val="500"/>
+              </a:spcBef>
+              <a:buFont typeface="Arial" panose="020B0604020202020204" pitchFamily="34" charset="0"/>
+              <a:buChar char="•"/>
+              <a:defRPr sz="1800" kern="1200">
+                <a:solidFill>
+                  <a:schemeClr val="tx1"/>
+                </a:solidFill>
+                <a:latin typeface="+mn-lt"/>
+                <a:ea typeface="+mn-ea"/>
+                <a:cs typeface="+mn-cs"/>
+              </a:defRPr>
+            </a:lvl4pPr>
+            <a:lvl5pPr marL="2057400" indent="-228600" algn="l" defTabSz="914400" rtl="0" eaLnBrk="1" latinLnBrk="0" hangingPunct="1">
+              <a:lnSpc>
+                <a:spcPct val="90000"/>
+              </a:lnSpc>
+              <a:spcBef>
+                <a:spcPts val="500"/>
+              </a:spcBef>
+              <a:buFont typeface="Arial" panose="020B0604020202020204" pitchFamily="34" charset="0"/>
+              <a:buChar char="•"/>
+              <a:defRPr sz="1800" kern="1200">
+                <a:solidFill>
+                  <a:schemeClr val="tx1"/>
+                </a:solidFill>
+                <a:latin typeface="+mn-lt"/>
+                <a:ea typeface="+mn-ea"/>
+                <a:cs typeface="+mn-cs"/>
+              </a:defRPr>
+            </a:lvl5pPr>
+            <a:lvl6pPr marL="2514600" indent="-228600" algn="l" defTabSz="914400" rtl="0" eaLnBrk="1" latinLnBrk="0" hangingPunct="1">
+              <a:lnSpc>
+                <a:spcPct val="90000"/>
+              </a:lnSpc>
+              <a:spcBef>
+                <a:spcPts val="500"/>
+              </a:spcBef>
+              <a:buFont typeface="Arial" panose="020B0604020202020204" pitchFamily="34" charset="0"/>
+              <a:buChar char="•"/>
+              <a:defRPr sz="1800" kern="1200">
+                <a:solidFill>
+                  <a:schemeClr val="tx1"/>
+                </a:solidFill>
+                <a:latin typeface="+mn-lt"/>
+                <a:ea typeface="+mn-ea"/>
+                <a:cs typeface="+mn-cs"/>
+              </a:defRPr>
+            </a:lvl6pPr>
+            <a:lvl7pPr marL="2971800" indent="-228600" algn="l" defTabSz="914400" rtl="0" eaLnBrk="1" latinLnBrk="0" hangingPunct="1">
+              <a:lnSpc>
+                <a:spcPct val="90000"/>
+              </a:lnSpc>
+              <a:spcBef>
+                <a:spcPts val="500"/>
+              </a:spcBef>
+              <a:buFont typeface="Arial" panose="020B0604020202020204" pitchFamily="34" charset="0"/>
+              <a:buChar char="•"/>
+              <a:defRPr sz="1800" kern="1200">
+                <a:solidFill>
+                  <a:schemeClr val="tx1"/>
+                </a:solidFill>
+                <a:latin typeface="+mn-lt"/>
+                <a:ea typeface="+mn-ea"/>
+                <a:cs typeface="+mn-cs"/>
+              </a:defRPr>
+            </a:lvl7pPr>
+            <a:lvl8pPr marL="3429000" indent="-228600" algn="l" defTabSz="914400" rtl="0" eaLnBrk="1" latinLnBrk="0" hangingPunct="1">
+              <a:lnSpc>
+                <a:spcPct val="90000"/>
+              </a:lnSpc>
+              <a:spcBef>
+                <a:spcPts val="500"/>
+              </a:spcBef>
+              <a:buFont typeface="Arial" panose="020B0604020202020204" pitchFamily="34" charset="0"/>
+              <a:buChar char="•"/>
+              <a:defRPr sz="1800" kern="1200">
+                <a:solidFill>
+                  <a:schemeClr val="tx1"/>
+                </a:solidFill>
+                <a:latin typeface="+mn-lt"/>
+                <a:ea typeface="+mn-ea"/>
+                <a:cs typeface="+mn-cs"/>
+              </a:defRPr>
+            </a:lvl8pPr>
+            <a:lvl9pPr marL="3886200" indent="-228600" algn="l" defTabSz="914400" rtl="0" eaLnBrk="1" latinLnBrk="0" hangingPunct="1">
+              <a:lnSpc>
+                <a:spcPct val="90000"/>
+              </a:lnSpc>
+              <a:spcBef>
+                <a:spcPts val="500"/>
+              </a:spcBef>
+              <a:buFont typeface="Arial" panose="020B0604020202020204" pitchFamily="34" charset="0"/>
+              <a:buChar char="•"/>
+              <a:defRPr sz="1800" kern="1200">
+                <a:solidFill>
+                  <a:schemeClr val="tx1"/>
+                </a:solidFill>
+                <a:latin typeface="+mn-lt"/>
+                <a:ea typeface="+mn-ea"/>
+                <a:cs typeface="+mn-cs"/>
+              </a:defRPr>
+            </a:lvl9pPr>
+          </a:lstStyle>
+          <a:p>
+            <a:pPr marL="0" indent="0" algn="ctr">
+              <a:buNone/>
+            </a:pPr>
+            <a:r>
+              <a:rPr lang="en-IN" sz="4800" dirty="0" err="1" smtClean="0">
+                <a:solidFill>
+                  <a:schemeClr val="tx1">
+                    <a:lumMod val="95000"/>
+                  </a:schemeClr>
+                </a:solidFill>
+              </a:rPr>
+              <a:t>sendMessage</a:t>
+            </a:r>
+            <a:r>
+              <a:rPr lang="en-IN" sz="4800" dirty="0" smtClean="0">
+                <a:solidFill>
+                  <a:schemeClr val="tx1">
+                    <a:lumMod val="95000"/>
+                  </a:schemeClr>
+                </a:solidFill>
+              </a:rPr>
+              <a:t>(String)</a:t>
+            </a:r>
+            <a:endParaRPr lang="en-IN" sz="4800" dirty="0">
+              <a:solidFill>
+                <a:schemeClr val="tx1">
+                  <a:lumMod val="95000"/>
+                </a:schemeClr>
+              </a:solidFill>
+            </a:endParaRPr>
+          </a:p>
+        </p:txBody>
+      </p:sp>
+      <p:sp>
+        <p:nvSpPr>
+          <p:cNvPr id="6" name="Subtitle 2"/>
+          <p:cNvSpPr txBox="1">
+            <a:spLocks/>
+          </p:cNvSpPr>
+          <p:nvPr/>
+        </p:nvSpPr>
+        <p:spPr>
+          <a:xfrm>
+            <a:off x="1861559" y="1904470"/>
+            <a:ext cx="9212366" cy="3752846"/>
+          </a:xfrm>
+          <a:prstGeom prst="rect">
+            <a:avLst/>
+          </a:prstGeom>
+        </p:spPr>
+        <p:txBody>
+          <a:bodyPr vert="horz" lIns="91440" tIns="45720" rIns="91440" bIns="45720" rtlCol="0">
+            <a:noAutofit/>
+          </a:bodyPr>
+          <a:lstStyle>
+            <a:lvl1pPr marL="228600" indent="-228600" algn="l" defTabSz="914400" rtl="0" eaLnBrk="1" latinLnBrk="0" hangingPunct="1">
+              <a:lnSpc>
+                <a:spcPct val="90000"/>
+              </a:lnSpc>
+              <a:spcBef>
+                <a:spcPts val="1000"/>
+              </a:spcBef>
+              <a:buFont typeface="Arial" panose="020B0604020202020204" pitchFamily="34" charset="0"/>
+              <a:buChar char="•"/>
+              <a:defRPr sz="2800" kern="1200">
+                <a:solidFill>
+                  <a:schemeClr val="tx1"/>
+                </a:solidFill>
+                <a:latin typeface="+mn-lt"/>
+                <a:ea typeface="+mn-ea"/>
+                <a:cs typeface="+mn-cs"/>
+              </a:defRPr>
+            </a:lvl1pPr>
+            <a:lvl2pPr marL="685800" indent="-228600" algn="l" defTabSz="914400" rtl="0" eaLnBrk="1" latinLnBrk="0" hangingPunct="1">
+              <a:lnSpc>
+                <a:spcPct val="90000"/>
+              </a:lnSpc>
+              <a:spcBef>
+                <a:spcPts val="500"/>
+              </a:spcBef>
+              <a:buFont typeface="Arial" panose="020B0604020202020204" pitchFamily="34" charset="0"/>
+              <a:buChar char="•"/>
+              <a:defRPr sz="2400" kern="1200">
+                <a:solidFill>
+                  <a:schemeClr val="tx1"/>
+                </a:solidFill>
+                <a:latin typeface="+mn-lt"/>
+                <a:ea typeface="+mn-ea"/>
+                <a:cs typeface="+mn-cs"/>
+              </a:defRPr>
+            </a:lvl2pPr>
+            <a:lvl3pPr marL="1143000" indent="-228600" algn="l" defTabSz="914400" rtl="0" eaLnBrk="1" latinLnBrk="0" hangingPunct="1">
+              <a:lnSpc>
+                <a:spcPct val="90000"/>
+              </a:lnSpc>
+              <a:spcBef>
+                <a:spcPts val="500"/>
+              </a:spcBef>
+              <a:buFont typeface="Arial" panose="020B0604020202020204" pitchFamily="34" charset="0"/>
+              <a:buChar char="•"/>
+              <a:defRPr sz="2000" kern="1200">
+                <a:solidFill>
+                  <a:schemeClr val="tx1"/>
+                </a:solidFill>
+                <a:latin typeface="+mn-lt"/>
+                <a:ea typeface="+mn-ea"/>
+                <a:cs typeface="+mn-cs"/>
+              </a:defRPr>
+            </a:lvl3pPr>
+            <a:lvl4pPr marL="1600200" indent="-228600" algn="l" defTabSz="914400" rtl="0" eaLnBrk="1" latinLnBrk="0" hangingPunct="1">
+              <a:lnSpc>
+                <a:spcPct val="90000"/>
+              </a:lnSpc>
+              <a:spcBef>
+                <a:spcPts val="500"/>
+              </a:spcBef>
+              <a:buFont typeface="Arial" panose="020B0604020202020204" pitchFamily="34" charset="0"/>
+              <a:buChar char="•"/>
+              <a:defRPr sz="1800" kern="1200">
+                <a:solidFill>
+                  <a:schemeClr val="tx1"/>
+                </a:solidFill>
+                <a:latin typeface="+mn-lt"/>
+                <a:ea typeface="+mn-ea"/>
+                <a:cs typeface="+mn-cs"/>
+              </a:defRPr>
+            </a:lvl4pPr>
+            <a:lvl5pPr marL="2057400" indent="-228600" algn="l" defTabSz="914400" rtl="0" eaLnBrk="1" latinLnBrk="0" hangingPunct="1">
+              <a:lnSpc>
+                <a:spcPct val="90000"/>
+              </a:lnSpc>
+              <a:spcBef>
+                <a:spcPts val="500"/>
+              </a:spcBef>
+              <a:buFont typeface="Arial" panose="020B0604020202020204" pitchFamily="34" charset="0"/>
+              <a:buChar char="•"/>
+              <a:defRPr sz="1800" kern="1200">
+                <a:solidFill>
+                  <a:schemeClr val="tx1"/>
+                </a:solidFill>
+                <a:latin typeface="+mn-lt"/>
+                <a:ea typeface="+mn-ea"/>
+                <a:cs typeface="+mn-cs"/>
+              </a:defRPr>
+            </a:lvl5pPr>
+            <a:lvl6pPr marL="2514600" indent="-228600" algn="l" defTabSz="914400" rtl="0" eaLnBrk="1" latinLnBrk="0" hangingPunct="1">
+              <a:lnSpc>
+                <a:spcPct val="90000"/>
+              </a:lnSpc>
+              <a:spcBef>
+                <a:spcPts val="500"/>
+              </a:spcBef>
+              <a:buFont typeface="Arial" panose="020B0604020202020204" pitchFamily="34" charset="0"/>
+              <a:buChar char="•"/>
+              <a:defRPr sz="1800" kern="1200">
+                <a:solidFill>
+                  <a:schemeClr val="tx1"/>
+                </a:solidFill>
+                <a:latin typeface="+mn-lt"/>
+                <a:ea typeface="+mn-ea"/>
+                <a:cs typeface="+mn-cs"/>
+              </a:defRPr>
+            </a:lvl6pPr>
+            <a:lvl7pPr marL="2971800" indent="-228600" algn="l" defTabSz="914400" rtl="0" eaLnBrk="1" latinLnBrk="0" hangingPunct="1">
+              <a:lnSpc>
+                <a:spcPct val="90000"/>
+              </a:lnSpc>
+              <a:spcBef>
+                <a:spcPts val="500"/>
+              </a:spcBef>
+              <a:buFont typeface="Arial" panose="020B0604020202020204" pitchFamily="34" charset="0"/>
+              <a:buChar char="•"/>
+              <a:defRPr sz="1800" kern="1200">
+                <a:solidFill>
+                  <a:schemeClr val="tx1"/>
+                </a:solidFill>
+                <a:latin typeface="+mn-lt"/>
+                <a:ea typeface="+mn-ea"/>
+                <a:cs typeface="+mn-cs"/>
+              </a:defRPr>
+            </a:lvl7pPr>
+            <a:lvl8pPr marL="3429000" indent="-228600" algn="l" defTabSz="914400" rtl="0" eaLnBrk="1" latinLnBrk="0" hangingPunct="1">
+              <a:lnSpc>
+                <a:spcPct val="90000"/>
+              </a:lnSpc>
+              <a:spcBef>
+                <a:spcPts val="500"/>
+              </a:spcBef>
+              <a:buFont typeface="Arial" panose="020B0604020202020204" pitchFamily="34" charset="0"/>
+              <a:buChar char="•"/>
+              <a:defRPr sz="1800" kern="1200">
+                <a:solidFill>
+                  <a:schemeClr val="tx1"/>
+                </a:solidFill>
+                <a:latin typeface="+mn-lt"/>
+                <a:ea typeface="+mn-ea"/>
+                <a:cs typeface="+mn-cs"/>
+              </a:defRPr>
+            </a:lvl8pPr>
+            <a:lvl9pPr marL="3886200" indent="-228600" algn="l" defTabSz="914400" rtl="0" eaLnBrk="1" latinLnBrk="0" hangingPunct="1">
+              <a:lnSpc>
+                <a:spcPct val="90000"/>
+              </a:lnSpc>
+              <a:spcBef>
+                <a:spcPts val="500"/>
+              </a:spcBef>
+              <a:buFont typeface="Arial" panose="020B0604020202020204" pitchFamily="34" charset="0"/>
+              <a:buChar char="•"/>
+              <a:defRPr sz="1800" kern="1200">
+                <a:solidFill>
+                  <a:schemeClr val="tx1"/>
+                </a:solidFill>
+                <a:latin typeface="+mn-lt"/>
+                <a:ea typeface="+mn-ea"/>
+                <a:cs typeface="+mn-cs"/>
+              </a:defRPr>
+            </a:lvl9pPr>
+          </a:lstStyle>
+          <a:p>
+            <a:pPr marL="0" indent="0">
+              <a:buNone/>
+            </a:pPr>
+            <a:r>
+              <a:rPr lang="en-IN" sz="2400" dirty="0" smtClean="0">
+                <a:solidFill>
+                  <a:schemeClr val="tx1">
+                    <a:lumMod val="95000"/>
+                  </a:schemeClr>
+                </a:solidFill>
+              </a:rPr>
+              <a:t>void </a:t>
+            </a:r>
+            <a:r>
+              <a:rPr lang="en-IN" sz="2400" dirty="0" err="1" smtClean="0">
+                <a:solidFill>
+                  <a:schemeClr val="tx1">
+                    <a:lumMod val="95000"/>
+                  </a:schemeClr>
+                </a:solidFill>
+              </a:rPr>
+              <a:t>sendMessage</a:t>
+            </a:r>
+            <a:r>
+              <a:rPr lang="en-IN" sz="2400" dirty="0" smtClean="0">
+                <a:solidFill>
+                  <a:schemeClr val="tx1">
+                    <a:lumMod val="95000"/>
+                  </a:schemeClr>
+                </a:solidFill>
+              </a:rPr>
+              <a:t>(String message)</a:t>
+            </a:r>
+          </a:p>
+          <a:p>
+            <a:pPr marL="0" indent="0">
+              <a:buNone/>
+            </a:pPr>
+            <a:r>
+              <a:rPr lang="en-IN" sz="2400" dirty="0" smtClean="0">
+                <a:solidFill>
+                  <a:schemeClr val="tx1">
+                    <a:lumMod val="95000"/>
+                  </a:schemeClr>
+                </a:solidFill>
+              </a:rPr>
+              <a:t>{</a:t>
+            </a:r>
+          </a:p>
+          <a:p>
+            <a:pPr marL="0" indent="0">
+              <a:buNone/>
+            </a:pPr>
+            <a:r>
+              <a:rPr lang="en-IN" sz="2400" dirty="0">
+                <a:solidFill>
+                  <a:schemeClr val="tx1">
+                    <a:lumMod val="95000"/>
+                  </a:schemeClr>
+                </a:solidFill>
+              </a:rPr>
+              <a:t>	</a:t>
+            </a:r>
+            <a:r>
+              <a:rPr lang="en-IN" sz="2400" dirty="0" err="1" smtClean="0">
+                <a:solidFill>
+                  <a:schemeClr val="tx1">
+                    <a:lumMod val="95000"/>
+                  </a:schemeClr>
+                </a:solidFill>
+              </a:rPr>
+              <a:t>ChatMessage</a:t>
+            </a:r>
+            <a:r>
+              <a:rPr lang="en-IN" sz="2400" dirty="0" smtClean="0">
+                <a:solidFill>
+                  <a:schemeClr val="tx1">
+                    <a:lumMod val="95000"/>
+                  </a:schemeClr>
+                </a:solidFill>
+              </a:rPr>
+              <a:t> </a:t>
+            </a:r>
+            <a:r>
+              <a:rPr lang="en-IN" sz="2400" dirty="0" err="1" smtClean="0">
+                <a:solidFill>
+                  <a:schemeClr val="tx1">
+                    <a:lumMod val="95000"/>
+                  </a:schemeClr>
+                </a:solidFill>
+              </a:rPr>
+              <a:t>chatMessage</a:t>
+            </a:r>
+            <a:r>
+              <a:rPr lang="en-IN" sz="2400" dirty="0" smtClean="0">
+                <a:solidFill>
+                  <a:schemeClr val="tx1">
+                    <a:lumMod val="95000"/>
+                  </a:schemeClr>
+                </a:solidFill>
+              </a:rPr>
+              <a:t> = new </a:t>
+            </a:r>
+            <a:r>
+              <a:rPr lang="en-IN" sz="2400" dirty="0" err="1" smtClean="0">
+                <a:solidFill>
+                  <a:schemeClr val="tx1">
+                    <a:lumMod val="95000"/>
+                  </a:schemeClr>
+                </a:solidFill>
+              </a:rPr>
+              <a:t>ChatMessage</a:t>
+            </a:r>
+            <a:r>
+              <a:rPr lang="en-IN" sz="2400" dirty="0" smtClean="0">
+                <a:solidFill>
+                  <a:schemeClr val="tx1">
+                    <a:lumMod val="95000"/>
+                  </a:schemeClr>
+                </a:solidFill>
+              </a:rPr>
+              <a:t>(message);</a:t>
+            </a:r>
+          </a:p>
+          <a:p>
+            <a:pPr marL="0" indent="0">
+              <a:buNone/>
+            </a:pPr>
+            <a:r>
+              <a:rPr lang="en-IN" sz="2400" dirty="0">
+                <a:solidFill>
+                  <a:schemeClr val="tx1">
+                    <a:lumMod val="95000"/>
+                  </a:schemeClr>
+                </a:solidFill>
+              </a:rPr>
+              <a:t>	</a:t>
+            </a:r>
+            <a:r>
+              <a:rPr lang="en-IN" sz="2400" dirty="0" err="1" smtClean="0">
+                <a:solidFill>
+                  <a:schemeClr val="tx1">
+                    <a:lumMod val="95000"/>
+                  </a:schemeClr>
+                </a:solidFill>
+              </a:rPr>
+              <a:t>mAdapter.add</a:t>
+            </a:r>
+            <a:r>
+              <a:rPr lang="en-IN" sz="2400" dirty="0" smtClean="0">
+                <a:solidFill>
+                  <a:schemeClr val="tx1">
+                    <a:lumMod val="95000"/>
+                  </a:schemeClr>
+                </a:solidFill>
+              </a:rPr>
+              <a:t>(</a:t>
+            </a:r>
+            <a:r>
+              <a:rPr lang="en-IN" sz="2400" dirty="0" err="1" smtClean="0">
+                <a:solidFill>
+                  <a:schemeClr val="tx1">
+                    <a:lumMod val="95000"/>
+                  </a:schemeClr>
+                </a:solidFill>
+              </a:rPr>
+              <a:t>chatMessage</a:t>
+            </a:r>
+            <a:r>
+              <a:rPr lang="en-IN" sz="2400" dirty="0" smtClean="0">
+                <a:solidFill>
+                  <a:schemeClr val="tx1">
+                    <a:lumMod val="95000"/>
+                  </a:schemeClr>
+                </a:solidFill>
+              </a:rPr>
+              <a:t>);</a:t>
+            </a:r>
+          </a:p>
+          <a:p>
+            <a:pPr marL="0" indent="0">
+              <a:buNone/>
+            </a:pPr>
+            <a:r>
+              <a:rPr lang="en-IN" sz="2400" dirty="0">
+                <a:solidFill>
+                  <a:schemeClr val="tx1">
+                    <a:lumMod val="95000"/>
+                  </a:schemeClr>
+                </a:solidFill>
+              </a:rPr>
+              <a:t>	</a:t>
+            </a:r>
+            <a:r>
+              <a:rPr lang="en-IN" sz="2400" dirty="0" smtClean="0">
+                <a:solidFill>
+                  <a:schemeClr val="tx1">
+                    <a:lumMod val="95000"/>
+                  </a:schemeClr>
+                </a:solidFill>
+              </a:rPr>
+              <a:t>// respond to “message”</a:t>
+            </a:r>
+          </a:p>
+          <a:p>
+            <a:pPr marL="0" indent="0">
+              <a:buNone/>
+            </a:pPr>
+            <a:r>
+              <a:rPr lang="en-IN" sz="2400" dirty="0" smtClean="0">
+                <a:solidFill>
+                  <a:schemeClr val="tx1">
+                    <a:lumMod val="95000"/>
+                  </a:schemeClr>
+                </a:solidFill>
+              </a:rPr>
+              <a:t>}</a:t>
+            </a:r>
+            <a:endParaRPr lang="en-IN" sz="2400" dirty="0">
+              <a:solidFill>
+                <a:schemeClr val="tx1">
+                  <a:lumMod val="95000"/>
+                </a:schemeClr>
+              </a:solidFill>
+            </a:endParaRPr>
+          </a:p>
+        </p:txBody>
+      </p:sp>
+    </p:spTree>
+    <p:extLst>
+      <p:ext uri="{BB962C8B-B14F-4D97-AF65-F5344CB8AC3E}">
+        <p14:creationId xmlns:p14="http://schemas.microsoft.com/office/powerpoint/2010/main" val="1493095513"/>
+      </p:ext>
+    </p:extLst>
+  </p:cSld>
+  <p:clrMapOvr>
+    <a:masterClrMapping/>
+  </p:clrMapOvr>
+  <p:timing>
+    <p:tnLst>
+      <p:par>
+        <p:cTn id="1" dur="indefinite" restart="never" nodeType="tmRoot"/>
+      </p:par>
+    </p:tnLst>
+  </p:timing>
+</p:sld>
+</file>
+
+<file path=ppt/slides/slide33.xml><?xml version="1.0" encoding="utf-8"?>
+<p:sld xmlns:a="http://schemas.openxmlformats.org/drawingml/2006/main" xmlns:r="http://schemas.openxmlformats.org/officeDocument/2006/relationships" xmlns:p="http://schemas.openxmlformats.org/presentationml/2006/main">
+  <p:cSld>
+    <p:spTree>
+      <p:nvGrpSpPr>
+        <p:cNvPr id="1" name=""/>
+        <p:cNvGrpSpPr/>
+        <p:nvPr/>
+      </p:nvGrpSpPr>
+      <p:grpSpPr>
+        <a:xfrm>
+          <a:off x="0" y="0"/>
+          <a:ext cx="0" cy="0"/>
+          <a:chOff x="0" y="0"/>
+          <a:chExt cx="0" cy="0"/>
+        </a:xfrm>
+      </p:grpSpPr>
+      <p:sp>
+        <p:nvSpPr>
+          <p:cNvPr id="5" name="Subtitle 2"/>
+          <p:cNvSpPr txBox="1">
+            <a:spLocks/>
+          </p:cNvSpPr>
+          <p:nvPr/>
+        </p:nvSpPr>
+        <p:spPr>
+          <a:xfrm>
+            <a:off x="1632246" y="521475"/>
+            <a:ext cx="9212366" cy="428625"/>
+          </a:xfrm>
+          <a:prstGeom prst="rect">
+            <a:avLst/>
+          </a:prstGeom>
+        </p:spPr>
+        <p:txBody>
+          <a:bodyPr vert="horz" lIns="91440" tIns="45720" rIns="91440" bIns="45720" rtlCol="0">
+            <a:noAutofit/>
+          </a:bodyPr>
+          <a:lstStyle>
+            <a:lvl1pPr marL="228600" indent="-228600" algn="l" defTabSz="914400" rtl="0" eaLnBrk="1" latinLnBrk="0" hangingPunct="1">
+              <a:lnSpc>
+                <a:spcPct val="90000"/>
+              </a:lnSpc>
+              <a:spcBef>
+                <a:spcPts val="1000"/>
+              </a:spcBef>
+              <a:buFont typeface="Arial" panose="020B0604020202020204" pitchFamily="34" charset="0"/>
+              <a:buChar char="•"/>
+              <a:defRPr sz="2800" kern="1200">
+                <a:solidFill>
+                  <a:schemeClr val="tx1"/>
+                </a:solidFill>
+                <a:latin typeface="+mn-lt"/>
+                <a:ea typeface="+mn-ea"/>
+                <a:cs typeface="+mn-cs"/>
+              </a:defRPr>
+            </a:lvl1pPr>
+            <a:lvl2pPr marL="685800" indent="-228600" algn="l" defTabSz="914400" rtl="0" eaLnBrk="1" latinLnBrk="0" hangingPunct="1">
+              <a:lnSpc>
+                <a:spcPct val="90000"/>
+              </a:lnSpc>
+              <a:spcBef>
+                <a:spcPts val="500"/>
+              </a:spcBef>
+              <a:buFont typeface="Arial" panose="020B0604020202020204" pitchFamily="34" charset="0"/>
+              <a:buChar char="•"/>
+              <a:defRPr sz="2400" kern="1200">
+                <a:solidFill>
+                  <a:schemeClr val="tx1"/>
+                </a:solidFill>
+                <a:latin typeface="+mn-lt"/>
+                <a:ea typeface="+mn-ea"/>
+                <a:cs typeface="+mn-cs"/>
+              </a:defRPr>
+            </a:lvl2pPr>
+            <a:lvl3pPr marL="1143000" indent="-228600" algn="l" defTabSz="914400" rtl="0" eaLnBrk="1" latinLnBrk="0" hangingPunct="1">
+              <a:lnSpc>
+                <a:spcPct val="90000"/>
+              </a:lnSpc>
+              <a:spcBef>
+                <a:spcPts val="500"/>
+              </a:spcBef>
+              <a:buFont typeface="Arial" panose="020B0604020202020204" pitchFamily="34" charset="0"/>
+              <a:buChar char="•"/>
+              <a:defRPr sz="2000" kern="1200">
+                <a:solidFill>
+                  <a:schemeClr val="tx1"/>
+                </a:solidFill>
+                <a:latin typeface="+mn-lt"/>
+                <a:ea typeface="+mn-ea"/>
+                <a:cs typeface="+mn-cs"/>
+              </a:defRPr>
+            </a:lvl3pPr>
+            <a:lvl4pPr marL="1600200" indent="-228600" algn="l" defTabSz="914400" rtl="0" eaLnBrk="1" latinLnBrk="0" hangingPunct="1">
+              <a:lnSpc>
+                <a:spcPct val="90000"/>
+              </a:lnSpc>
+              <a:spcBef>
+                <a:spcPts val="500"/>
+              </a:spcBef>
+              <a:buFont typeface="Arial" panose="020B0604020202020204" pitchFamily="34" charset="0"/>
+              <a:buChar char="•"/>
+              <a:defRPr sz="1800" kern="1200">
+                <a:solidFill>
+                  <a:schemeClr val="tx1"/>
+                </a:solidFill>
+                <a:latin typeface="+mn-lt"/>
+                <a:ea typeface="+mn-ea"/>
+                <a:cs typeface="+mn-cs"/>
+              </a:defRPr>
+            </a:lvl4pPr>
+            <a:lvl5pPr marL="2057400" indent="-228600" algn="l" defTabSz="914400" rtl="0" eaLnBrk="1" latinLnBrk="0" hangingPunct="1">
+              <a:lnSpc>
+                <a:spcPct val="90000"/>
+              </a:lnSpc>
+              <a:spcBef>
+                <a:spcPts val="500"/>
+              </a:spcBef>
+              <a:buFont typeface="Arial" panose="020B0604020202020204" pitchFamily="34" charset="0"/>
+              <a:buChar char="•"/>
+              <a:defRPr sz="1800" kern="1200">
+                <a:solidFill>
+                  <a:schemeClr val="tx1"/>
+                </a:solidFill>
+                <a:latin typeface="+mn-lt"/>
+                <a:ea typeface="+mn-ea"/>
+                <a:cs typeface="+mn-cs"/>
+              </a:defRPr>
+            </a:lvl5pPr>
+            <a:lvl6pPr marL="2514600" indent="-228600" algn="l" defTabSz="914400" rtl="0" eaLnBrk="1" latinLnBrk="0" hangingPunct="1">
+              <a:lnSpc>
+                <a:spcPct val="90000"/>
+              </a:lnSpc>
+              <a:spcBef>
+                <a:spcPts val="500"/>
+              </a:spcBef>
+              <a:buFont typeface="Arial" panose="020B0604020202020204" pitchFamily="34" charset="0"/>
+              <a:buChar char="•"/>
+              <a:defRPr sz="1800" kern="1200">
+                <a:solidFill>
+                  <a:schemeClr val="tx1"/>
+                </a:solidFill>
+                <a:latin typeface="+mn-lt"/>
+                <a:ea typeface="+mn-ea"/>
+                <a:cs typeface="+mn-cs"/>
+              </a:defRPr>
+            </a:lvl6pPr>
+            <a:lvl7pPr marL="2971800" indent="-228600" algn="l" defTabSz="914400" rtl="0" eaLnBrk="1" latinLnBrk="0" hangingPunct="1">
+              <a:lnSpc>
+                <a:spcPct val="90000"/>
+              </a:lnSpc>
+              <a:spcBef>
+                <a:spcPts val="500"/>
+              </a:spcBef>
+              <a:buFont typeface="Arial" panose="020B0604020202020204" pitchFamily="34" charset="0"/>
+              <a:buChar char="•"/>
+              <a:defRPr sz="1800" kern="1200">
+                <a:solidFill>
+                  <a:schemeClr val="tx1"/>
+                </a:solidFill>
+                <a:latin typeface="+mn-lt"/>
+                <a:ea typeface="+mn-ea"/>
+                <a:cs typeface="+mn-cs"/>
+              </a:defRPr>
+            </a:lvl7pPr>
+            <a:lvl8pPr marL="3429000" indent="-228600" algn="l" defTabSz="914400" rtl="0" eaLnBrk="1" latinLnBrk="0" hangingPunct="1">
+              <a:lnSpc>
+                <a:spcPct val="90000"/>
+              </a:lnSpc>
+              <a:spcBef>
+                <a:spcPts val="500"/>
+              </a:spcBef>
+              <a:buFont typeface="Arial" panose="020B0604020202020204" pitchFamily="34" charset="0"/>
+              <a:buChar char="•"/>
+              <a:defRPr sz="1800" kern="1200">
+                <a:solidFill>
+                  <a:schemeClr val="tx1"/>
+                </a:solidFill>
+                <a:latin typeface="+mn-lt"/>
+                <a:ea typeface="+mn-ea"/>
+                <a:cs typeface="+mn-cs"/>
+              </a:defRPr>
+            </a:lvl8pPr>
+            <a:lvl9pPr marL="3886200" indent="-228600" algn="l" defTabSz="914400" rtl="0" eaLnBrk="1" latinLnBrk="0" hangingPunct="1">
+              <a:lnSpc>
+                <a:spcPct val="90000"/>
+              </a:lnSpc>
+              <a:spcBef>
+                <a:spcPts val="500"/>
+              </a:spcBef>
+              <a:buFont typeface="Arial" panose="020B0604020202020204" pitchFamily="34" charset="0"/>
+              <a:buChar char="•"/>
+              <a:defRPr sz="1800" kern="1200">
+                <a:solidFill>
+                  <a:schemeClr val="tx1"/>
+                </a:solidFill>
+                <a:latin typeface="+mn-lt"/>
+                <a:ea typeface="+mn-ea"/>
+                <a:cs typeface="+mn-cs"/>
+              </a:defRPr>
+            </a:lvl9pPr>
+          </a:lstStyle>
+          <a:p>
+            <a:pPr marL="0" indent="0" algn="ctr">
+              <a:buNone/>
+            </a:pPr>
+            <a:r>
+              <a:rPr lang="en-IN" sz="4800" dirty="0" smtClean="0">
+                <a:solidFill>
+                  <a:schemeClr val="tx1">
+                    <a:lumMod val="95000"/>
+                  </a:schemeClr>
+                </a:solidFill>
+              </a:rPr>
+              <a:t>Bot response</a:t>
+            </a:r>
+            <a:endParaRPr lang="en-IN" sz="4800" dirty="0">
+              <a:solidFill>
+                <a:schemeClr val="tx1">
+                  <a:lumMod val="95000"/>
+                </a:schemeClr>
+              </a:solidFill>
+            </a:endParaRPr>
+          </a:p>
+        </p:txBody>
+      </p:sp>
+      <p:sp>
+        <p:nvSpPr>
+          <p:cNvPr id="6" name="Subtitle 2"/>
+          <p:cNvSpPr txBox="1">
+            <a:spLocks/>
+          </p:cNvSpPr>
+          <p:nvPr/>
+        </p:nvSpPr>
+        <p:spPr>
+          <a:xfrm>
+            <a:off x="1861559" y="1904470"/>
+            <a:ext cx="9212366" cy="3752846"/>
+          </a:xfrm>
+          <a:prstGeom prst="rect">
+            <a:avLst/>
+          </a:prstGeom>
+        </p:spPr>
+        <p:txBody>
+          <a:bodyPr vert="horz" lIns="91440" tIns="45720" rIns="91440" bIns="45720" rtlCol="0">
+            <a:noAutofit/>
+          </a:bodyPr>
+          <a:lstStyle>
+            <a:lvl1pPr marL="228600" indent="-228600" algn="l" defTabSz="914400" rtl="0" eaLnBrk="1" latinLnBrk="0" hangingPunct="1">
+              <a:lnSpc>
+                <a:spcPct val="90000"/>
+              </a:lnSpc>
+              <a:spcBef>
+                <a:spcPts val="1000"/>
+              </a:spcBef>
+              <a:buFont typeface="Arial" panose="020B0604020202020204" pitchFamily="34" charset="0"/>
+              <a:buChar char="•"/>
+              <a:defRPr sz="2800" kern="1200">
+                <a:solidFill>
+                  <a:schemeClr val="tx1"/>
+                </a:solidFill>
+                <a:latin typeface="+mn-lt"/>
+                <a:ea typeface="+mn-ea"/>
+                <a:cs typeface="+mn-cs"/>
+              </a:defRPr>
+            </a:lvl1pPr>
+            <a:lvl2pPr marL="685800" indent="-228600" algn="l" defTabSz="914400" rtl="0" eaLnBrk="1" latinLnBrk="0" hangingPunct="1">
+              <a:lnSpc>
+                <a:spcPct val="90000"/>
+              </a:lnSpc>
+              <a:spcBef>
+                <a:spcPts val="500"/>
+              </a:spcBef>
+              <a:buFont typeface="Arial" panose="020B0604020202020204" pitchFamily="34" charset="0"/>
+              <a:buChar char="•"/>
+              <a:defRPr sz="2400" kern="1200">
+                <a:solidFill>
+                  <a:schemeClr val="tx1"/>
+                </a:solidFill>
+                <a:latin typeface="+mn-lt"/>
+                <a:ea typeface="+mn-ea"/>
+                <a:cs typeface="+mn-cs"/>
+              </a:defRPr>
+            </a:lvl2pPr>
+            <a:lvl3pPr marL="1143000" indent="-228600" algn="l" defTabSz="914400" rtl="0" eaLnBrk="1" latinLnBrk="0" hangingPunct="1">
+              <a:lnSpc>
+                <a:spcPct val="90000"/>
+              </a:lnSpc>
+              <a:spcBef>
+                <a:spcPts val="500"/>
+              </a:spcBef>
+              <a:buFont typeface="Arial" panose="020B0604020202020204" pitchFamily="34" charset="0"/>
+              <a:buChar char="•"/>
+              <a:defRPr sz="2000" kern="1200">
+                <a:solidFill>
+                  <a:schemeClr val="tx1"/>
+                </a:solidFill>
+                <a:latin typeface="+mn-lt"/>
+                <a:ea typeface="+mn-ea"/>
+                <a:cs typeface="+mn-cs"/>
+              </a:defRPr>
+            </a:lvl3pPr>
+            <a:lvl4pPr marL="1600200" indent="-228600" algn="l" defTabSz="914400" rtl="0" eaLnBrk="1" latinLnBrk="0" hangingPunct="1">
+              <a:lnSpc>
+                <a:spcPct val="90000"/>
+              </a:lnSpc>
+              <a:spcBef>
+                <a:spcPts val="500"/>
+              </a:spcBef>
+              <a:buFont typeface="Arial" panose="020B0604020202020204" pitchFamily="34" charset="0"/>
+              <a:buChar char="•"/>
+              <a:defRPr sz="1800" kern="1200">
+                <a:solidFill>
+                  <a:schemeClr val="tx1"/>
+                </a:solidFill>
+                <a:latin typeface="+mn-lt"/>
+                <a:ea typeface="+mn-ea"/>
+                <a:cs typeface="+mn-cs"/>
+              </a:defRPr>
+            </a:lvl4pPr>
+            <a:lvl5pPr marL="2057400" indent="-228600" algn="l" defTabSz="914400" rtl="0" eaLnBrk="1" latinLnBrk="0" hangingPunct="1">
+              <a:lnSpc>
+                <a:spcPct val="90000"/>
+              </a:lnSpc>
+              <a:spcBef>
+                <a:spcPts val="500"/>
+              </a:spcBef>
+              <a:buFont typeface="Arial" panose="020B0604020202020204" pitchFamily="34" charset="0"/>
+              <a:buChar char="•"/>
+              <a:defRPr sz="1800" kern="1200">
+                <a:solidFill>
+                  <a:schemeClr val="tx1"/>
+                </a:solidFill>
+                <a:latin typeface="+mn-lt"/>
+                <a:ea typeface="+mn-ea"/>
+                <a:cs typeface="+mn-cs"/>
+              </a:defRPr>
+            </a:lvl5pPr>
+            <a:lvl6pPr marL="2514600" indent="-228600" algn="l" defTabSz="914400" rtl="0" eaLnBrk="1" latinLnBrk="0" hangingPunct="1">
+              <a:lnSpc>
+                <a:spcPct val="90000"/>
+              </a:lnSpc>
+              <a:spcBef>
+                <a:spcPts val="500"/>
+              </a:spcBef>
+              <a:buFont typeface="Arial" panose="020B0604020202020204" pitchFamily="34" charset="0"/>
+              <a:buChar char="•"/>
+              <a:defRPr sz="1800" kern="1200">
+                <a:solidFill>
+                  <a:schemeClr val="tx1"/>
+                </a:solidFill>
+                <a:latin typeface="+mn-lt"/>
+                <a:ea typeface="+mn-ea"/>
+                <a:cs typeface="+mn-cs"/>
+              </a:defRPr>
+            </a:lvl6pPr>
+            <a:lvl7pPr marL="2971800" indent="-228600" algn="l" defTabSz="914400" rtl="0" eaLnBrk="1" latinLnBrk="0" hangingPunct="1">
+              <a:lnSpc>
+                <a:spcPct val="90000"/>
+              </a:lnSpc>
+              <a:spcBef>
+                <a:spcPts val="500"/>
+              </a:spcBef>
+              <a:buFont typeface="Arial" panose="020B0604020202020204" pitchFamily="34" charset="0"/>
+              <a:buChar char="•"/>
+              <a:defRPr sz="1800" kern="1200">
+                <a:solidFill>
+                  <a:schemeClr val="tx1"/>
+                </a:solidFill>
+                <a:latin typeface="+mn-lt"/>
+                <a:ea typeface="+mn-ea"/>
+                <a:cs typeface="+mn-cs"/>
+              </a:defRPr>
+            </a:lvl7pPr>
+            <a:lvl8pPr marL="3429000" indent="-228600" algn="l" defTabSz="914400" rtl="0" eaLnBrk="1" latinLnBrk="0" hangingPunct="1">
+              <a:lnSpc>
+                <a:spcPct val="90000"/>
+              </a:lnSpc>
+              <a:spcBef>
+                <a:spcPts val="500"/>
+              </a:spcBef>
+              <a:buFont typeface="Arial" panose="020B0604020202020204" pitchFamily="34" charset="0"/>
+              <a:buChar char="•"/>
+              <a:defRPr sz="1800" kern="1200">
+                <a:solidFill>
+                  <a:schemeClr val="tx1"/>
+                </a:solidFill>
+                <a:latin typeface="+mn-lt"/>
+                <a:ea typeface="+mn-ea"/>
+                <a:cs typeface="+mn-cs"/>
+              </a:defRPr>
+            </a:lvl8pPr>
+            <a:lvl9pPr marL="3886200" indent="-228600" algn="l" defTabSz="914400" rtl="0" eaLnBrk="1" latinLnBrk="0" hangingPunct="1">
+              <a:lnSpc>
+                <a:spcPct val="90000"/>
+              </a:lnSpc>
+              <a:spcBef>
+                <a:spcPts val="500"/>
+              </a:spcBef>
+              <a:buFont typeface="Arial" panose="020B0604020202020204" pitchFamily="34" charset="0"/>
+              <a:buChar char="•"/>
+              <a:defRPr sz="1800" kern="1200">
+                <a:solidFill>
+                  <a:schemeClr val="tx1"/>
+                </a:solidFill>
+                <a:latin typeface="+mn-lt"/>
+                <a:ea typeface="+mn-ea"/>
+                <a:cs typeface="+mn-cs"/>
+              </a:defRPr>
+            </a:lvl9pPr>
+          </a:lstStyle>
+          <a:p>
+            <a:pPr marL="0" indent="0">
+              <a:buNone/>
+            </a:pPr>
+            <a:r>
+              <a:rPr lang="en-IN" sz="2400" dirty="0" smtClean="0">
+                <a:solidFill>
+                  <a:schemeClr val="tx1">
+                    <a:lumMod val="95000"/>
+                  </a:schemeClr>
+                </a:solidFill>
+              </a:rPr>
+              <a:t>Bot </a:t>
+            </a:r>
+            <a:r>
+              <a:rPr lang="en-IN" sz="2400" dirty="0" err="1" smtClean="0">
+                <a:solidFill>
+                  <a:schemeClr val="tx1">
+                    <a:lumMod val="95000"/>
+                  </a:schemeClr>
+                </a:solidFill>
+              </a:rPr>
+              <a:t>bot</a:t>
+            </a:r>
+            <a:r>
+              <a:rPr lang="en-IN" sz="2400" dirty="0" smtClean="0">
+                <a:solidFill>
+                  <a:schemeClr val="tx1">
+                    <a:lumMod val="95000"/>
+                  </a:schemeClr>
+                </a:solidFill>
+              </a:rPr>
+              <a:t> = new Bot();</a:t>
+            </a:r>
+          </a:p>
+          <a:p>
+            <a:pPr marL="0" indent="0">
+              <a:buNone/>
+            </a:pPr>
+            <a:endParaRPr lang="en-IN" sz="2400" dirty="0">
+              <a:solidFill>
+                <a:schemeClr val="tx1">
+                  <a:lumMod val="95000"/>
+                </a:schemeClr>
+              </a:solidFill>
+            </a:endParaRPr>
+          </a:p>
+          <a:p>
+            <a:pPr marL="0" indent="0">
+              <a:buNone/>
+            </a:pPr>
+            <a:r>
+              <a:rPr lang="en-IN" sz="2400" dirty="0" smtClean="0">
+                <a:solidFill>
+                  <a:schemeClr val="tx1">
+                    <a:lumMod val="95000"/>
+                  </a:schemeClr>
+                </a:solidFill>
+              </a:rPr>
+              <a:t>String response = </a:t>
+            </a:r>
+            <a:r>
+              <a:rPr lang="en-IN" sz="2400" dirty="0" err="1" smtClean="0">
+                <a:solidFill>
+                  <a:schemeClr val="tx1">
+                    <a:lumMod val="95000"/>
+                  </a:schemeClr>
+                </a:solidFill>
+              </a:rPr>
+              <a:t>bot.multiSentenceResponse</a:t>
+            </a:r>
+            <a:r>
+              <a:rPr lang="en-IN" sz="2400" dirty="0" smtClean="0">
+                <a:solidFill>
+                  <a:schemeClr val="tx1">
+                    <a:lumMod val="95000"/>
+                  </a:schemeClr>
+                </a:solidFill>
+              </a:rPr>
+              <a:t>(message);</a:t>
+            </a:r>
+            <a:endParaRPr lang="en-IN" sz="2400" dirty="0">
+              <a:solidFill>
+                <a:schemeClr val="tx1">
+                  <a:lumMod val="95000"/>
+                </a:schemeClr>
+              </a:solidFill>
+            </a:endParaRPr>
+          </a:p>
+        </p:txBody>
+      </p:sp>
+    </p:spTree>
+    <p:extLst>
+      <p:ext uri="{BB962C8B-B14F-4D97-AF65-F5344CB8AC3E}">
+        <p14:creationId xmlns:p14="http://schemas.microsoft.com/office/powerpoint/2010/main" val="1672752457"/>
+      </p:ext>
+    </p:extLst>
+  </p:cSld>
+  <p:clrMapOvr>
+    <a:masterClrMapping/>
+  </p:clrMapOvr>
+  <p:timing>
+    <p:tnLst>
+      <p:par>
+        <p:cTn id="1" dur="indefinite" restart="never" nodeType="tmRoot"/>
+      </p:par>
+    </p:tnLst>
+  </p:timing>
+</p:sld>
+</file>
+
+<file path=ppt/slides/slide34.xml><?xml version="1.0" encoding="utf-8"?>
+<p:sld xmlns:a="http://schemas.openxmlformats.org/drawingml/2006/main" xmlns:r="http://schemas.openxmlformats.org/officeDocument/2006/relationships" xmlns:p="http://schemas.openxmlformats.org/presentationml/2006/main">
+  <p:cSld>
+    <p:spTree>
+      <p:nvGrpSpPr>
+        <p:cNvPr id="1" name=""/>
+        <p:cNvGrpSpPr/>
+        <p:nvPr/>
+      </p:nvGrpSpPr>
+      <p:grpSpPr>
+        <a:xfrm>
+          <a:off x="0" y="0"/>
+          <a:ext cx="0" cy="0"/>
+          <a:chOff x="0" y="0"/>
+          <a:chExt cx="0" cy="0"/>
+        </a:xfrm>
+      </p:grpSpPr>
+      <p:sp>
+        <p:nvSpPr>
+          <p:cNvPr id="5" name="Subtitle 2"/>
+          <p:cNvSpPr txBox="1">
+            <a:spLocks/>
+          </p:cNvSpPr>
+          <p:nvPr/>
+        </p:nvSpPr>
+        <p:spPr>
+          <a:xfrm>
+            <a:off x="1632246" y="521475"/>
+            <a:ext cx="9212366" cy="428625"/>
+          </a:xfrm>
+          <a:prstGeom prst="rect">
+            <a:avLst/>
+          </a:prstGeom>
+        </p:spPr>
+        <p:txBody>
+          <a:bodyPr vert="horz" lIns="91440" tIns="45720" rIns="91440" bIns="45720" rtlCol="0">
+            <a:noAutofit/>
+          </a:bodyPr>
+          <a:lstStyle>
+            <a:lvl1pPr marL="228600" indent="-228600" algn="l" defTabSz="914400" rtl="0" eaLnBrk="1" latinLnBrk="0" hangingPunct="1">
+              <a:lnSpc>
+                <a:spcPct val="90000"/>
+              </a:lnSpc>
+              <a:spcBef>
+                <a:spcPts val="1000"/>
+              </a:spcBef>
+              <a:buFont typeface="Arial" panose="020B0604020202020204" pitchFamily="34" charset="0"/>
+              <a:buChar char="•"/>
+              <a:defRPr sz="2800" kern="1200">
+                <a:solidFill>
+                  <a:schemeClr val="tx1"/>
+                </a:solidFill>
+                <a:latin typeface="+mn-lt"/>
+                <a:ea typeface="+mn-ea"/>
+                <a:cs typeface="+mn-cs"/>
+              </a:defRPr>
+            </a:lvl1pPr>
+            <a:lvl2pPr marL="685800" indent="-228600" algn="l" defTabSz="914400" rtl="0" eaLnBrk="1" latinLnBrk="0" hangingPunct="1">
+              <a:lnSpc>
+                <a:spcPct val="90000"/>
+              </a:lnSpc>
+              <a:spcBef>
+                <a:spcPts val="500"/>
+              </a:spcBef>
+              <a:buFont typeface="Arial" panose="020B0604020202020204" pitchFamily="34" charset="0"/>
+              <a:buChar char="•"/>
+              <a:defRPr sz="2400" kern="1200">
+                <a:solidFill>
+                  <a:schemeClr val="tx1"/>
+                </a:solidFill>
+                <a:latin typeface="+mn-lt"/>
+                <a:ea typeface="+mn-ea"/>
+                <a:cs typeface="+mn-cs"/>
+              </a:defRPr>
+            </a:lvl2pPr>
+            <a:lvl3pPr marL="1143000" indent="-228600" algn="l" defTabSz="914400" rtl="0" eaLnBrk="1" latinLnBrk="0" hangingPunct="1">
+              <a:lnSpc>
+                <a:spcPct val="90000"/>
+              </a:lnSpc>
+              <a:spcBef>
+                <a:spcPts val="500"/>
+              </a:spcBef>
+              <a:buFont typeface="Arial" panose="020B0604020202020204" pitchFamily="34" charset="0"/>
+              <a:buChar char="•"/>
+              <a:defRPr sz="2000" kern="1200">
+                <a:solidFill>
+                  <a:schemeClr val="tx1"/>
+                </a:solidFill>
+                <a:latin typeface="+mn-lt"/>
+                <a:ea typeface="+mn-ea"/>
+                <a:cs typeface="+mn-cs"/>
+              </a:defRPr>
+            </a:lvl3pPr>
+            <a:lvl4pPr marL="1600200" indent="-228600" algn="l" defTabSz="914400" rtl="0" eaLnBrk="1" latinLnBrk="0" hangingPunct="1">
+              <a:lnSpc>
+                <a:spcPct val="90000"/>
+              </a:lnSpc>
+              <a:spcBef>
+                <a:spcPts val="500"/>
+              </a:spcBef>
+              <a:buFont typeface="Arial" panose="020B0604020202020204" pitchFamily="34" charset="0"/>
+              <a:buChar char="•"/>
+              <a:defRPr sz="1800" kern="1200">
+                <a:solidFill>
+                  <a:schemeClr val="tx1"/>
+                </a:solidFill>
+                <a:latin typeface="+mn-lt"/>
+                <a:ea typeface="+mn-ea"/>
+                <a:cs typeface="+mn-cs"/>
+              </a:defRPr>
+            </a:lvl4pPr>
+            <a:lvl5pPr marL="2057400" indent="-228600" algn="l" defTabSz="914400" rtl="0" eaLnBrk="1" latinLnBrk="0" hangingPunct="1">
+              <a:lnSpc>
+                <a:spcPct val="90000"/>
+              </a:lnSpc>
+              <a:spcBef>
+                <a:spcPts val="500"/>
+              </a:spcBef>
+              <a:buFont typeface="Arial" panose="020B0604020202020204" pitchFamily="34" charset="0"/>
+              <a:buChar char="•"/>
+              <a:defRPr sz="1800" kern="1200">
+                <a:solidFill>
+                  <a:schemeClr val="tx1"/>
+                </a:solidFill>
+                <a:latin typeface="+mn-lt"/>
+                <a:ea typeface="+mn-ea"/>
+                <a:cs typeface="+mn-cs"/>
+              </a:defRPr>
+            </a:lvl5pPr>
+            <a:lvl6pPr marL="2514600" indent="-228600" algn="l" defTabSz="914400" rtl="0" eaLnBrk="1" latinLnBrk="0" hangingPunct="1">
+              <a:lnSpc>
+                <a:spcPct val="90000"/>
+              </a:lnSpc>
+              <a:spcBef>
+                <a:spcPts val="500"/>
+              </a:spcBef>
+              <a:buFont typeface="Arial" panose="020B0604020202020204" pitchFamily="34" charset="0"/>
+              <a:buChar char="•"/>
+              <a:defRPr sz="1800" kern="1200">
+                <a:solidFill>
+                  <a:schemeClr val="tx1"/>
+                </a:solidFill>
+                <a:latin typeface="+mn-lt"/>
+                <a:ea typeface="+mn-ea"/>
+                <a:cs typeface="+mn-cs"/>
+              </a:defRPr>
+            </a:lvl6pPr>
+            <a:lvl7pPr marL="2971800" indent="-228600" algn="l" defTabSz="914400" rtl="0" eaLnBrk="1" latinLnBrk="0" hangingPunct="1">
+              <a:lnSpc>
+                <a:spcPct val="90000"/>
+              </a:lnSpc>
+              <a:spcBef>
+                <a:spcPts val="500"/>
+              </a:spcBef>
+              <a:buFont typeface="Arial" panose="020B0604020202020204" pitchFamily="34" charset="0"/>
+              <a:buChar char="•"/>
+              <a:defRPr sz="1800" kern="1200">
+                <a:solidFill>
+                  <a:schemeClr val="tx1"/>
+                </a:solidFill>
+                <a:latin typeface="+mn-lt"/>
+                <a:ea typeface="+mn-ea"/>
+                <a:cs typeface="+mn-cs"/>
+              </a:defRPr>
+            </a:lvl7pPr>
+            <a:lvl8pPr marL="3429000" indent="-228600" algn="l" defTabSz="914400" rtl="0" eaLnBrk="1" latinLnBrk="0" hangingPunct="1">
+              <a:lnSpc>
+                <a:spcPct val="90000"/>
+              </a:lnSpc>
+              <a:spcBef>
+                <a:spcPts val="500"/>
+              </a:spcBef>
+              <a:buFont typeface="Arial" panose="020B0604020202020204" pitchFamily="34" charset="0"/>
+              <a:buChar char="•"/>
+              <a:defRPr sz="1800" kern="1200">
+                <a:solidFill>
+                  <a:schemeClr val="tx1"/>
+                </a:solidFill>
+                <a:latin typeface="+mn-lt"/>
+                <a:ea typeface="+mn-ea"/>
+                <a:cs typeface="+mn-cs"/>
+              </a:defRPr>
+            </a:lvl8pPr>
+            <a:lvl9pPr marL="3886200" indent="-228600" algn="l" defTabSz="914400" rtl="0" eaLnBrk="1" latinLnBrk="0" hangingPunct="1">
+              <a:lnSpc>
+                <a:spcPct val="90000"/>
+              </a:lnSpc>
+              <a:spcBef>
+                <a:spcPts val="500"/>
+              </a:spcBef>
+              <a:buFont typeface="Arial" panose="020B0604020202020204" pitchFamily="34" charset="0"/>
+              <a:buChar char="•"/>
+              <a:defRPr sz="1800" kern="1200">
+                <a:solidFill>
+                  <a:schemeClr val="tx1"/>
+                </a:solidFill>
+                <a:latin typeface="+mn-lt"/>
+                <a:ea typeface="+mn-ea"/>
+                <a:cs typeface="+mn-cs"/>
+              </a:defRPr>
+            </a:lvl9pPr>
+          </a:lstStyle>
+          <a:p>
+            <a:pPr marL="0" indent="0" algn="ctr">
+              <a:buNone/>
+            </a:pPr>
+            <a:r>
+              <a:rPr lang="en-IN" sz="4800" dirty="0" smtClean="0">
+                <a:solidFill>
+                  <a:schemeClr val="tx1">
+                    <a:lumMod val="95000"/>
+                  </a:schemeClr>
+                </a:solidFill>
+              </a:rPr>
+              <a:t>Bot response</a:t>
+            </a:r>
+            <a:endParaRPr lang="en-IN" sz="4800" dirty="0">
+              <a:solidFill>
+                <a:schemeClr val="tx1">
+                  <a:lumMod val="95000"/>
+                </a:schemeClr>
+              </a:solidFill>
+            </a:endParaRPr>
+          </a:p>
+        </p:txBody>
+      </p:sp>
+      <p:sp>
+        <p:nvSpPr>
+          <p:cNvPr id="6" name="Subtitle 2"/>
+          <p:cNvSpPr txBox="1">
+            <a:spLocks/>
+          </p:cNvSpPr>
+          <p:nvPr/>
+        </p:nvSpPr>
+        <p:spPr>
+          <a:xfrm>
+            <a:off x="1861559" y="1904470"/>
+            <a:ext cx="9212366" cy="3752846"/>
+          </a:xfrm>
+          <a:prstGeom prst="rect">
+            <a:avLst/>
+          </a:prstGeom>
+        </p:spPr>
+        <p:txBody>
+          <a:bodyPr vert="horz" lIns="91440" tIns="45720" rIns="91440" bIns="45720" rtlCol="0">
+            <a:noAutofit/>
+          </a:bodyPr>
+          <a:lstStyle>
+            <a:lvl1pPr marL="228600" indent="-228600" algn="l" defTabSz="914400" rtl="0" eaLnBrk="1" latinLnBrk="0" hangingPunct="1">
+              <a:lnSpc>
+                <a:spcPct val="90000"/>
+              </a:lnSpc>
+              <a:spcBef>
+                <a:spcPts val="1000"/>
+              </a:spcBef>
+              <a:buFont typeface="Arial" panose="020B0604020202020204" pitchFamily="34" charset="0"/>
+              <a:buChar char="•"/>
+              <a:defRPr sz="2800" kern="1200">
+                <a:solidFill>
+                  <a:schemeClr val="tx1"/>
+                </a:solidFill>
+                <a:latin typeface="+mn-lt"/>
+                <a:ea typeface="+mn-ea"/>
+                <a:cs typeface="+mn-cs"/>
+              </a:defRPr>
+            </a:lvl1pPr>
+            <a:lvl2pPr marL="685800" indent="-228600" algn="l" defTabSz="914400" rtl="0" eaLnBrk="1" latinLnBrk="0" hangingPunct="1">
+              <a:lnSpc>
+                <a:spcPct val="90000"/>
+              </a:lnSpc>
+              <a:spcBef>
+                <a:spcPts val="500"/>
+              </a:spcBef>
+              <a:buFont typeface="Arial" panose="020B0604020202020204" pitchFamily="34" charset="0"/>
+              <a:buChar char="•"/>
+              <a:defRPr sz="2400" kern="1200">
+                <a:solidFill>
+                  <a:schemeClr val="tx1"/>
+                </a:solidFill>
+                <a:latin typeface="+mn-lt"/>
+                <a:ea typeface="+mn-ea"/>
+                <a:cs typeface="+mn-cs"/>
+              </a:defRPr>
+            </a:lvl2pPr>
+            <a:lvl3pPr marL="1143000" indent="-228600" algn="l" defTabSz="914400" rtl="0" eaLnBrk="1" latinLnBrk="0" hangingPunct="1">
+              <a:lnSpc>
+                <a:spcPct val="90000"/>
+              </a:lnSpc>
+              <a:spcBef>
+                <a:spcPts val="500"/>
+              </a:spcBef>
+              <a:buFont typeface="Arial" panose="020B0604020202020204" pitchFamily="34" charset="0"/>
+              <a:buChar char="•"/>
+              <a:defRPr sz="2000" kern="1200">
+                <a:solidFill>
+                  <a:schemeClr val="tx1"/>
+                </a:solidFill>
+                <a:latin typeface="+mn-lt"/>
+                <a:ea typeface="+mn-ea"/>
+                <a:cs typeface="+mn-cs"/>
+              </a:defRPr>
+            </a:lvl3pPr>
+            <a:lvl4pPr marL="1600200" indent="-228600" algn="l" defTabSz="914400" rtl="0" eaLnBrk="1" latinLnBrk="0" hangingPunct="1">
+              <a:lnSpc>
+                <a:spcPct val="90000"/>
+              </a:lnSpc>
+              <a:spcBef>
+                <a:spcPts val="500"/>
+              </a:spcBef>
+              <a:buFont typeface="Arial" panose="020B0604020202020204" pitchFamily="34" charset="0"/>
+              <a:buChar char="•"/>
+              <a:defRPr sz="1800" kern="1200">
+                <a:solidFill>
+                  <a:schemeClr val="tx1"/>
+                </a:solidFill>
+                <a:latin typeface="+mn-lt"/>
+                <a:ea typeface="+mn-ea"/>
+                <a:cs typeface="+mn-cs"/>
+              </a:defRPr>
+            </a:lvl4pPr>
+            <a:lvl5pPr marL="2057400" indent="-228600" algn="l" defTabSz="914400" rtl="0" eaLnBrk="1" latinLnBrk="0" hangingPunct="1">
+              <a:lnSpc>
+                <a:spcPct val="90000"/>
+              </a:lnSpc>
+              <a:spcBef>
+                <a:spcPts val="500"/>
+              </a:spcBef>
+              <a:buFont typeface="Arial" panose="020B0604020202020204" pitchFamily="34" charset="0"/>
+              <a:buChar char="•"/>
+              <a:defRPr sz="1800" kern="1200">
+                <a:solidFill>
+                  <a:schemeClr val="tx1"/>
+                </a:solidFill>
+                <a:latin typeface="+mn-lt"/>
+                <a:ea typeface="+mn-ea"/>
+                <a:cs typeface="+mn-cs"/>
+              </a:defRPr>
+            </a:lvl5pPr>
+            <a:lvl6pPr marL="2514600" indent="-228600" algn="l" defTabSz="914400" rtl="0" eaLnBrk="1" latinLnBrk="0" hangingPunct="1">
+              <a:lnSpc>
+                <a:spcPct val="90000"/>
+              </a:lnSpc>
+              <a:spcBef>
+                <a:spcPts val="500"/>
+              </a:spcBef>
+              <a:buFont typeface="Arial" panose="020B0604020202020204" pitchFamily="34" charset="0"/>
+              <a:buChar char="•"/>
+              <a:defRPr sz="1800" kern="1200">
+                <a:solidFill>
+                  <a:schemeClr val="tx1"/>
+                </a:solidFill>
+                <a:latin typeface="+mn-lt"/>
+                <a:ea typeface="+mn-ea"/>
+                <a:cs typeface="+mn-cs"/>
+              </a:defRPr>
+            </a:lvl6pPr>
+            <a:lvl7pPr marL="2971800" indent="-228600" algn="l" defTabSz="914400" rtl="0" eaLnBrk="1" latinLnBrk="0" hangingPunct="1">
+              <a:lnSpc>
+                <a:spcPct val="90000"/>
+              </a:lnSpc>
+              <a:spcBef>
+                <a:spcPts val="500"/>
+              </a:spcBef>
+              <a:buFont typeface="Arial" panose="020B0604020202020204" pitchFamily="34" charset="0"/>
+              <a:buChar char="•"/>
+              <a:defRPr sz="1800" kern="1200">
+                <a:solidFill>
+                  <a:schemeClr val="tx1"/>
+                </a:solidFill>
+                <a:latin typeface="+mn-lt"/>
+                <a:ea typeface="+mn-ea"/>
+                <a:cs typeface="+mn-cs"/>
+              </a:defRPr>
+            </a:lvl7pPr>
+            <a:lvl8pPr marL="3429000" indent="-228600" algn="l" defTabSz="914400" rtl="0" eaLnBrk="1" latinLnBrk="0" hangingPunct="1">
+              <a:lnSpc>
+                <a:spcPct val="90000"/>
+              </a:lnSpc>
+              <a:spcBef>
+                <a:spcPts val="500"/>
+              </a:spcBef>
+              <a:buFont typeface="Arial" panose="020B0604020202020204" pitchFamily="34" charset="0"/>
+              <a:buChar char="•"/>
+              <a:defRPr sz="1800" kern="1200">
+                <a:solidFill>
+                  <a:schemeClr val="tx1"/>
+                </a:solidFill>
+                <a:latin typeface="+mn-lt"/>
+                <a:ea typeface="+mn-ea"/>
+                <a:cs typeface="+mn-cs"/>
+              </a:defRPr>
+            </a:lvl8pPr>
+            <a:lvl9pPr marL="3886200" indent="-228600" algn="l" defTabSz="914400" rtl="0" eaLnBrk="1" latinLnBrk="0" hangingPunct="1">
+              <a:lnSpc>
+                <a:spcPct val="90000"/>
+              </a:lnSpc>
+              <a:spcBef>
+                <a:spcPts val="500"/>
+              </a:spcBef>
+              <a:buFont typeface="Arial" panose="020B0604020202020204" pitchFamily="34" charset="0"/>
+              <a:buChar char="•"/>
+              <a:defRPr sz="1800" kern="1200">
+                <a:solidFill>
+                  <a:schemeClr val="tx1"/>
+                </a:solidFill>
+                <a:latin typeface="+mn-lt"/>
+                <a:ea typeface="+mn-ea"/>
+                <a:cs typeface="+mn-cs"/>
+              </a:defRPr>
+            </a:lvl9pPr>
+          </a:lstStyle>
+          <a:p>
+            <a:pPr marL="0" indent="0">
+              <a:buNone/>
+            </a:pPr>
+            <a:r>
+              <a:rPr lang="en-IN" sz="2400" dirty="0" err="1" smtClean="0">
+                <a:solidFill>
+                  <a:schemeClr val="tx1">
+                    <a:lumMod val="95000"/>
+                  </a:schemeClr>
+                </a:solidFill>
+              </a:rPr>
+              <a:t>ChatMessage</a:t>
+            </a:r>
+            <a:r>
+              <a:rPr lang="en-IN" sz="2400" dirty="0" smtClean="0">
+                <a:solidFill>
+                  <a:schemeClr val="tx1">
+                    <a:lumMod val="95000"/>
+                  </a:schemeClr>
+                </a:solidFill>
+              </a:rPr>
+              <a:t> </a:t>
+            </a:r>
+            <a:r>
+              <a:rPr lang="en-IN" sz="2400" dirty="0" err="1" smtClean="0">
+                <a:solidFill>
+                  <a:schemeClr val="tx1">
+                    <a:lumMod val="95000"/>
+                  </a:schemeClr>
+                </a:solidFill>
+              </a:rPr>
+              <a:t>chatMessage</a:t>
+            </a:r>
+            <a:r>
+              <a:rPr lang="en-IN" sz="2400" dirty="0" smtClean="0">
+                <a:solidFill>
+                  <a:schemeClr val="tx1">
+                    <a:lumMod val="95000"/>
+                  </a:schemeClr>
+                </a:solidFill>
+              </a:rPr>
+              <a:t> = new </a:t>
+            </a:r>
+            <a:r>
+              <a:rPr lang="en-IN" sz="2400" dirty="0" err="1" smtClean="0">
+                <a:solidFill>
+                  <a:schemeClr val="tx1">
+                    <a:lumMod val="95000"/>
+                  </a:schemeClr>
+                </a:solidFill>
+              </a:rPr>
+              <a:t>ChatMessage</a:t>
+            </a:r>
+            <a:r>
+              <a:rPr lang="en-IN" sz="2400" dirty="0" smtClean="0">
+                <a:solidFill>
+                  <a:schemeClr val="tx1">
+                    <a:lumMod val="95000"/>
+                  </a:schemeClr>
+                </a:solidFill>
+              </a:rPr>
+              <a:t>(response);</a:t>
+            </a:r>
+          </a:p>
+          <a:p>
+            <a:pPr marL="0" indent="0">
+              <a:buNone/>
+            </a:pPr>
+            <a:endParaRPr lang="en-IN" sz="2400" dirty="0">
+              <a:solidFill>
+                <a:schemeClr val="tx1">
+                  <a:lumMod val="95000"/>
+                </a:schemeClr>
+              </a:solidFill>
+            </a:endParaRPr>
+          </a:p>
+          <a:p>
+            <a:pPr marL="0" indent="0">
+              <a:buNone/>
+            </a:pPr>
+            <a:r>
+              <a:rPr lang="en-IN" sz="2400" dirty="0" err="1" smtClean="0">
+                <a:solidFill>
+                  <a:schemeClr val="tx1">
+                    <a:lumMod val="95000"/>
+                  </a:schemeClr>
+                </a:solidFill>
+              </a:rPr>
+              <a:t>mAdapter.add</a:t>
+            </a:r>
+            <a:r>
+              <a:rPr lang="en-IN" sz="2400" dirty="0" smtClean="0">
+                <a:solidFill>
+                  <a:schemeClr val="tx1">
+                    <a:lumMod val="95000"/>
+                  </a:schemeClr>
+                </a:solidFill>
+              </a:rPr>
+              <a:t>(</a:t>
+            </a:r>
+            <a:r>
+              <a:rPr lang="en-IN" sz="2400" dirty="0" err="1" smtClean="0">
+                <a:solidFill>
+                  <a:schemeClr val="tx1">
+                    <a:lumMod val="95000"/>
+                  </a:schemeClr>
+                </a:solidFill>
+              </a:rPr>
+              <a:t>chatMessage</a:t>
+            </a:r>
+            <a:r>
+              <a:rPr lang="en-IN" sz="2400" dirty="0" smtClean="0">
+                <a:solidFill>
+                  <a:schemeClr val="tx1">
+                    <a:lumMod val="95000"/>
+                  </a:schemeClr>
+                </a:solidFill>
+              </a:rPr>
+              <a:t>);</a:t>
+            </a:r>
+            <a:endParaRPr lang="en-IN" sz="2400" dirty="0">
+              <a:solidFill>
+                <a:schemeClr val="tx1">
+                  <a:lumMod val="95000"/>
+                </a:schemeClr>
+              </a:solidFill>
+            </a:endParaRPr>
+          </a:p>
+        </p:txBody>
+      </p:sp>
+    </p:spTree>
+    <p:extLst>
+      <p:ext uri="{BB962C8B-B14F-4D97-AF65-F5344CB8AC3E}">
+        <p14:creationId xmlns:p14="http://schemas.microsoft.com/office/powerpoint/2010/main" val="4200523333"/>
+      </p:ext>
+    </p:extLst>
+  </p:cSld>
+  <p:clrMapOvr>
+    <a:masterClrMapping/>
+  </p:clrMapOvr>
+  <p:timing>
+    <p:tnLst>
+      <p:par>
+        <p:cTn id="1" dur="indefinite" restart="never" nodeType="tmRoot"/>
+      </p:par>
+    </p:tnLst>
+  </p:timing>
+</p:sld>
+</file>
+
+<file path=ppt/slides/slide35.xml><?xml version="1.0" encoding="utf-8"?>
 <p:sld xmlns:a="http://schemas.openxmlformats.org/drawingml/2006/main" xmlns:r="http://schemas.openxmlformats.org/officeDocument/2006/relationships" xmlns:p="http://schemas.openxmlformats.org/presentationml/2006/main">
   <p:cSld>
     <p:spTree>
@@ -16186,6 +17940,468 @@
 </p:sld>
 </file>
 
+<file path=ppt/slides/slide36.xml><?xml version="1.0" encoding="utf-8"?>
+<p:sld xmlns:a="http://schemas.openxmlformats.org/drawingml/2006/main" xmlns:r="http://schemas.openxmlformats.org/officeDocument/2006/relationships" xmlns:p="http://schemas.openxmlformats.org/presentationml/2006/main">
+  <p:cSld>
+    <p:spTree>
+      <p:nvGrpSpPr>
+        <p:cNvPr id="1" name=""/>
+        <p:cNvGrpSpPr/>
+        <p:nvPr/>
+      </p:nvGrpSpPr>
+      <p:grpSpPr>
+        <a:xfrm>
+          <a:off x="0" y="0"/>
+          <a:ext cx="0" cy="0"/>
+          <a:chOff x="0" y="0"/>
+          <a:chExt cx="0" cy="0"/>
+        </a:xfrm>
+      </p:grpSpPr>
+      <p:sp>
+        <p:nvSpPr>
+          <p:cNvPr id="2" name="Title 1"/>
+          <p:cNvSpPr>
+            <a:spLocks noGrp="1"/>
+          </p:cNvSpPr>
+          <p:nvPr>
+            <p:ph type="ctrTitle"/>
+          </p:nvPr>
+        </p:nvSpPr>
+        <p:spPr>
+          <a:xfrm>
+            <a:off x="1476375" y="1409823"/>
+            <a:ext cx="9867899" cy="2163762"/>
+          </a:xfrm>
+        </p:spPr>
+        <p:txBody>
+          <a:bodyPr/>
+          <a:lstStyle/>
+          <a:p>
+            <a:r>
+              <a:rPr lang="en-IN" dirty="0" smtClean="0"/>
+              <a:t>5. Development Workflow </a:t>
+            </a:r>
+            <a:endParaRPr lang="en-IN" dirty="0"/>
+          </a:p>
+        </p:txBody>
+      </p:sp>
+      <p:sp>
+        <p:nvSpPr>
+          <p:cNvPr id="3" name="Subtitle 2"/>
+          <p:cNvSpPr>
+            <a:spLocks noGrp="1"/>
+          </p:cNvSpPr>
+          <p:nvPr>
+            <p:ph type="subTitle" idx="1"/>
+          </p:nvPr>
+        </p:nvSpPr>
+        <p:spPr>
+          <a:xfrm>
+            <a:off x="4303319" y="3682268"/>
+            <a:ext cx="3943136" cy="428625"/>
+          </a:xfrm>
+        </p:spPr>
+        <p:txBody>
+          <a:bodyPr>
+            <a:noAutofit/>
+          </a:bodyPr>
+          <a:lstStyle/>
+          <a:p>
+            <a:r>
+              <a:rPr lang="en-IN" sz="2000" dirty="0" smtClean="0">
+                <a:solidFill>
+                  <a:schemeClr val="bg1">
+                    <a:lumMod val="65000"/>
+                    <a:lumOff val="35000"/>
+                  </a:schemeClr>
+                </a:solidFill>
+              </a:rPr>
+              <a:t>Rudra Nil Basu</a:t>
+            </a:r>
+            <a:endParaRPr lang="en-IN" sz="2000" dirty="0">
+              <a:solidFill>
+                <a:schemeClr val="bg1">
+                  <a:lumMod val="65000"/>
+                  <a:lumOff val="35000"/>
+                </a:schemeClr>
+              </a:solidFill>
+            </a:endParaRPr>
+          </a:p>
+        </p:txBody>
+      </p:sp>
+      <p:grpSp>
+        <p:nvGrpSpPr>
+          <p:cNvPr id="4" name="Group 3">
+            <a:extLst>
+              <a:ext uri="{FF2B5EF4-FFF2-40B4-BE49-F238E27FC236}">
+                <a16:creationId xmlns="" xmlns:a16="http://schemas.microsoft.com/office/drawing/2014/main" id="{946F5448-C9AC-483D-A9E1-4910AAC001A2}"/>
+              </a:ext>
+            </a:extLst>
+          </p:cNvPr>
+          <p:cNvGrpSpPr/>
+          <p:nvPr/>
+        </p:nvGrpSpPr>
+        <p:grpSpPr>
+          <a:xfrm>
+            <a:off x="4695950" y="4110893"/>
+            <a:ext cx="2800099" cy="799975"/>
+            <a:chOff x="4524626" y="4648202"/>
+            <a:chExt cx="2800099" cy="799975"/>
+          </a:xfrm>
+        </p:grpSpPr>
+        <p:pic>
+          <p:nvPicPr>
+            <p:cNvPr id="5" name="Picture 4"/>
+            <p:cNvPicPr>
+              <a:picLocks noChangeAspect="1"/>
+            </p:cNvPicPr>
+            <p:nvPr/>
+          </p:nvPicPr>
+          <p:blipFill>
+            <a:blip r:embed="rId2">
+              <a:extLst>
+                <a:ext uri="{28A0092B-C50C-407E-A947-70E740481C1C}">
+                  <a14:useLocalDpi xmlns:a14="http://schemas.microsoft.com/office/drawing/2010/main" val="0"/>
+                </a:ext>
+              </a:extLst>
+            </a:blip>
+            <a:stretch>
+              <a:fillRect/>
+            </a:stretch>
+          </p:blipFill>
+          <p:spPr>
+            <a:xfrm>
+              <a:off x="4524626" y="4648202"/>
+              <a:ext cx="1599949" cy="799975"/>
+            </a:xfrm>
+            <a:prstGeom prst="rect">
+              <a:avLst/>
+            </a:prstGeom>
+          </p:spPr>
+        </p:pic>
+        <p:sp>
+          <p:nvSpPr>
+            <p:cNvPr id="6" name="TextBox 5"/>
+            <p:cNvSpPr txBox="1"/>
+            <p:nvPr/>
+          </p:nvSpPr>
+          <p:spPr>
+            <a:xfrm>
+              <a:off x="5495925" y="4863523"/>
+              <a:ext cx="1828800" cy="369332"/>
+            </a:xfrm>
+            <a:prstGeom prst="rect">
+              <a:avLst/>
+            </a:prstGeom>
+            <a:noFill/>
+          </p:spPr>
+          <p:txBody>
+            <a:bodyPr wrap="square" rtlCol="0">
+              <a:spAutoFit/>
+            </a:bodyPr>
+            <a:lstStyle/>
+            <a:p>
+              <a:r>
+                <a:rPr lang="en-IN" dirty="0"/>
+                <a:t>/</a:t>
+              </a:r>
+              <a:r>
+                <a:rPr lang="en-IN" dirty="0" err="1"/>
+                <a:t>RudraNilBasu</a:t>
+              </a:r>
+              <a:endParaRPr lang="en-IN" dirty="0"/>
+            </a:p>
+          </p:txBody>
+        </p:sp>
+      </p:grpSp>
+    </p:spTree>
+    <p:extLst>
+      <p:ext uri="{BB962C8B-B14F-4D97-AF65-F5344CB8AC3E}">
+        <p14:creationId xmlns:p14="http://schemas.microsoft.com/office/powerpoint/2010/main" val="2896428931"/>
+      </p:ext>
+    </p:extLst>
+  </p:cSld>
+  <p:clrMapOvr>
+    <a:masterClrMapping/>
+  </p:clrMapOvr>
+  <p:timing>
+    <p:tnLst>
+      <p:par>
+        <p:cTn id="1" dur="indefinite" restart="never" nodeType="tmRoot"/>
+      </p:par>
+    </p:tnLst>
+  </p:timing>
+</p:sld>
+</file>
+
+<file path=ppt/slides/slide37.xml><?xml version="1.0" encoding="utf-8"?>
+<p:sld xmlns:a="http://schemas.openxmlformats.org/drawingml/2006/main" xmlns:r="http://schemas.openxmlformats.org/officeDocument/2006/relationships" xmlns:p="http://schemas.openxmlformats.org/presentationml/2006/main">
+  <p:cSld>
+    <p:spTree>
+      <p:nvGrpSpPr>
+        <p:cNvPr id="1" name=""/>
+        <p:cNvGrpSpPr/>
+        <p:nvPr/>
+      </p:nvGrpSpPr>
+      <p:grpSpPr>
+        <a:xfrm>
+          <a:off x="0" y="0"/>
+          <a:ext cx="0" cy="0"/>
+          <a:chOff x="0" y="0"/>
+          <a:chExt cx="0" cy="0"/>
+        </a:xfrm>
+      </p:grpSpPr>
+      <p:sp>
+        <p:nvSpPr>
+          <p:cNvPr id="2" name="Title 1"/>
+          <p:cNvSpPr>
+            <a:spLocks noGrp="1"/>
+          </p:cNvSpPr>
+          <p:nvPr>
+            <p:ph type="ctrTitle"/>
+          </p:nvPr>
+        </p:nvSpPr>
+        <p:spPr>
+          <a:xfrm>
+            <a:off x="1254184" y="1973846"/>
+            <a:ext cx="9556246" cy="2163762"/>
+          </a:xfrm>
+        </p:spPr>
+        <p:txBody>
+          <a:bodyPr/>
+          <a:lstStyle/>
+          <a:p>
+            <a:r>
+              <a:rPr lang="en-IN" dirty="0" smtClean="0"/>
+              <a:t>Git</a:t>
+            </a:r>
+            <a:endParaRPr lang="en-IN" dirty="0"/>
+          </a:p>
+        </p:txBody>
+      </p:sp>
+    </p:spTree>
+    <p:extLst>
+      <p:ext uri="{BB962C8B-B14F-4D97-AF65-F5344CB8AC3E}">
+        <p14:creationId xmlns:p14="http://schemas.microsoft.com/office/powerpoint/2010/main" val="1145220277"/>
+      </p:ext>
+    </p:extLst>
+  </p:cSld>
+  <p:clrMapOvr>
+    <a:masterClrMapping/>
+  </p:clrMapOvr>
+  <p:timing>
+    <p:tnLst>
+      <p:par>
+        <p:cTn id="1" dur="indefinite" restart="never" nodeType="tmRoot"/>
+      </p:par>
+    </p:tnLst>
+  </p:timing>
+</p:sld>
+</file>
+
+<file path=ppt/slides/slide38.xml><?xml version="1.0" encoding="utf-8"?>
+<p:sld xmlns:a="http://schemas.openxmlformats.org/drawingml/2006/main" xmlns:r="http://schemas.openxmlformats.org/officeDocument/2006/relationships" xmlns:p="http://schemas.openxmlformats.org/presentationml/2006/main">
+  <p:cSld>
+    <p:spTree>
+      <p:nvGrpSpPr>
+        <p:cNvPr id="1" name=""/>
+        <p:cNvGrpSpPr/>
+        <p:nvPr/>
+      </p:nvGrpSpPr>
+      <p:grpSpPr>
+        <a:xfrm>
+          <a:off x="0" y="0"/>
+          <a:ext cx="0" cy="0"/>
+          <a:chOff x="0" y="0"/>
+          <a:chExt cx="0" cy="0"/>
+        </a:xfrm>
+      </p:grpSpPr>
+      <p:sp>
+        <p:nvSpPr>
+          <p:cNvPr id="2" name="Title 1"/>
+          <p:cNvSpPr>
+            <a:spLocks noGrp="1"/>
+          </p:cNvSpPr>
+          <p:nvPr>
+            <p:ph type="ctrTitle"/>
+          </p:nvPr>
+        </p:nvSpPr>
+        <p:spPr>
+          <a:xfrm>
+            <a:off x="1254184" y="1973846"/>
+            <a:ext cx="9867899" cy="1692300"/>
+          </a:xfrm>
+        </p:spPr>
+        <p:txBody>
+          <a:bodyPr/>
+          <a:lstStyle/>
+          <a:p>
+            <a:r>
+              <a:rPr lang="en-IN" dirty="0" smtClean="0"/>
+              <a:t>Patches</a:t>
+            </a:r>
+            <a:endParaRPr lang="en-IN" dirty="0"/>
+          </a:p>
+        </p:txBody>
+      </p:sp>
+      <p:sp>
+        <p:nvSpPr>
+          <p:cNvPr id="3" name="Subtitle 2"/>
+          <p:cNvSpPr>
+            <a:spLocks noGrp="1"/>
+          </p:cNvSpPr>
+          <p:nvPr>
+            <p:ph type="subTitle" idx="1"/>
+          </p:nvPr>
+        </p:nvSpPr>
+        <p:spPr>
+          <a:xfrm>
+            <a:off x="4216565" y="4314657"/>
+            <a:ext cx="3943136" cy="428625"/>
+          </a:xfrm>
+        </p:spPr>
+        <p:txBody>
+          <a:bodyPr>
+            <a:noAutofit/>
+          </a:bodyPr>
+          <a:lstStyle/>
+          <a:p>
+            <a:r>
+              <a:rPr lang="en-IN" sz="2000" dirty="0" smtClean="0">
+                <a:solidFill>
+                  <a:schemeClr val="bg1">
+                    <a:lumMod val="65000"/>
+                    <a:lumOff val="35000"/>
+                  </a:schemeClr>
+                </a:solidFill>
+              </a:rPr>
+              <a:t>airyl@googlegroups.com</a:t>
+            </a:r>
+            <a:endParaRPr lang="en-IN" sz="2000" dirty="0">
+              <a:solidFill>
+                <a:schemeClr val="bg1">
+                  <a:lumMod val="65000"/>
+                  <a:lumOff val="35000"/>
+                </a:schemeClr>
+              </a:solidFill>
+            </a:endParaRPr>
+          </a:p>
+        </p:txBody>
+      </p:sp>
+    </p:spTree>
+    <p:extLst>
+      <p:ext uri="{BB962C8B-B14F-4D97-AF65-F5344CB8AC3E}">
+        <p14:creationId xmlns:p14="http://schemas.microsoft.com/office/powerpoint/2010/main" val="3788252952"/>
+      </p:ext>
+    </p:extLst>
+  </p:cSld>
+  <p:clrMapOvr>
+    <a:masterClrMapping/>
+  </p:clrMapOvr>
+  <p:timing>
+    <p:tnLst>
+      <p:par>
+        <p:cTn id="1" dur="indefinite" restart="never" nodeType="tmRoot"/>
+      </p:par>
+    </p:tnLst>
+  </p:timing>
+</p:sld>
+</file>
+
+<file path=ppt/slides/slide39.xml><?xml version="1.0" encoding="utf-8"?>
+<p:sld xmlns:a="http://schemas.openxmlformats.org/drawingml/2006/main" xmlns:r="http://schemas.openxmlformats.org/officeDocument/2006/relationships" xmlns:p="http://schemas.openxmlformats.org/presentationml/2006/main">
+  <p:cSld>
+    <p:spTree>
+      <p:nvGrpSpPr>
+        <p:cNvPr id="1" name=""/>
+        <p:cNvGrpSpPr/>
+        <p:nvPr/>
+      </p:nvGrpSpPr>
+      <p:grpSpPr>
+        <a:xfrm>
+          <a:off x="0" y="0"/>
+          <a:ext cx="0" cy="0"/>
+          <a:chOff x="0" y="0"/>
+          <a:chExt cx="0" cy="0"/>
+        </a:xfrm>
+      </p:grpSpPr>
+      <p:graphicFrame>
+        <p:nvGraphicFramePr>
+          <p:cNvPr id="5" name="Object 4"/>
+          <p:cNvGraphicFramePr>
+            <a:graphicFrameLocks noChangeAspect="1"/>
+          </p:cNvGraphicFramePr>
+          <p:nvPr>
+            <p:extLst>
+              <p:ext uri="{D42A27DB-BD31-4B8C-83A1-F6EECF244321}">
+                <p14:modId xmlns:p14="http://schemas.microsoft.com/office/powerpoint/2010/main" val="3300780546"/>
+              </p:ext>
+            </p:extLst>
+          </p:nvPr>
+        </p:nvGraphicFramePr>
+        <p:xfrm>
+          <a:off x="1350299" y="709300"/>
+          <a:ext cx="10841701" cy="5463805"/>
+        </p:xfrm>
+        <a:graphic>
+          <a:graphicData uri="http://schemas.openxmlformats.org/presentationml/2006/ole">
+            <mc:AlternateContent xmlns:mc="http://schemas.openxmlformats.org/markup-compatibility/2006">
+              <mc:Choice xmlns:v="urn:schemas-microsoft-com:vml" Requires="v">
+                <p:oleObj spid="_x0000_s7173" r:id="rId3" imgW="16025040" imgH="8075880" progId="">
+                  <p:embed/>
+                </p:oleObj>
+              </mc:Choice>
+              <mc:Fallback>
+                <p:oleObj r:id="rId3" imgW="16025040" imgH="8075880" progId="">
+                  <p:embed/>
+                  <p:pic>
+                    <p:nvPicPr>
+                      <p:cNvPr id="0" name=""/>
+                      <p:cNvPicPr/>
+                      <p:nvPr/>
+                    </p:nvPicPr>
+                    <p:blipFill>
+                      <a:blip r:embed="rId4"/>
+                      <a:stretch>
+                        <a:fillRect/>
+                      </a:stretch>
+                    </p:blipFill>
+                    <p:spPr>
+                      <a:xfrm>
+                        <a:off x="1350299" y="709300"/>
+                        <a:ext cx="10841701" cy="5463805"/>
+                      </a:xfrm>
+                      <a:prstGeom prst="rect">
+                        <a:avLst/>
+                      </a:prstGeom>
+                    </p:spPr>
+                  </p:pic>
+                </p:oleObj>
+              </mc:Fallback>
+            </mc:AlternateContent>
+          </a:graphicData>
+        </a:graphic>
+      </p:graphicFrame>
+    </p:spTree>
+    <p:extLst>
+      <p:ext uri="{BB962C8B-B14F-4D97-AF65-F5344CB8AC3E}">
+        <p14:creationId xmlns:p14="http://schemas.microsoft.com/office/powerpoint/2010/main" val="2395190785"/>
+      </p:ext>
+    </p:extLst>
+  </p:cSld>
+  <p:clrMapOvr>
+    <a:masterClrMapping/>
+  </p:clrMapOvr>
+  <p:timing>
+    <p:tnLst>
+      <p:par>
+        <p:cTn id="1" dur="indefinite" restart="never" nodeType="tmRoot"/>
+      </p:par>
+    </p:tnLst>
+  </p:timing>
+</p:sld>
+</file>
+
 <file path=ppt/slides/slide4.xml><?xml version="1.0" encoding="utf-8"?>
 <p:sld xmlns:a="http://schemas.openxmlformats.org/drawingml/2006/main" xmlns:r="http://schemas.openxmlformats.org/officeDocument/2006/relationships" xmlns:p="http://schemas.openxmlformats.org/presentationml/2006/main">
   <p:cSld>
@@ -16922,8 +19138,12 @@
               <a:buChar char="•"/>
             </a:pPr>
             <a:r>
+              <a:rPr lang="en-IN" dirty="0" smtClean="0"/>
+              <a:t>Development </a:t>
+            </a:r>
+            <a:r>
               <a:rPr lang="en-IN" dirty="0"/>
-              <a:t>Project workflow		</a:t>
+              <a:t>workflow		</a:t>
             </a:r>
             <a:r>
               <a:rPr lang="en-IN" dirty="0">

--- a/The design and development of AIRYL.pptx
+++ b/The design and development of AIRYL.pptx
@@ -39,11 +39,17 @@
     <p:sldId id="289" r:id="rId33"/>
     <p:sldId id="290" r:id="rId34"/>
     <p:sldId id="291" r:id="rId35"/>
-    <p:sldId id="269" r:id="rId36"/>
-    <p:sldId id="292" r:id="rId37"/>
-    <p:sldId id="293" r:id="rId38"/>
-    <p:sldId id="295" r:id="rId39"/>
-    <p:sldId id="294" r:id="rId40"/>
+    <p:sldId id="298" r:id="rId36"/>
+    <p:sldId id="269" r:id="rId37"/>
+    <p:sldId id="292" r:id="rId38"/>
+    <p:sldId id="293" r:id="rId39"/>
+    <p:sldId id="295" r:id="rId40"/>
+    <p:sldId id="294" r:id="rId41"/>
+    <p:sldId id="296" r:id="rId42"/>
+    <p:sldId id="297" r:id="rId43"/>
+    <p:sldId id="299" r:id="rId44"/>
+    <p:sldId id="300" r:id="rId45"/>
+    <p:sldId id="301" r:id="rId46"/>
   </p:sldIdLst>
   <p:sldSz cx="12192000" cy="6858000"/>
   <p:notesSz cx="6858000" cy="9144000"/>
@@ -9459,20 +9465,36 @@
         </p:nvSpPr>
         <p:spPr>
           <a:xfrm>
-            <a:off x="3419903" y="3248886"/>
-            <a:ext cx="1647825" cy="428625"/>
+            <a:off x="2606467" y="3619465"/>
+            <a:ext cx="2613661" cy="428625"/>
           </a:xfrm>
         </p:spPr>
         <p:txBody>
-          <a:bodyPr/>
+          <a:bodyPr>
+            <a:normAutofit fontScale="62500" lnSpcReduction="20000"/>
+          </a:bodyPr>
           <a:lstStyle/>
           <a:p>
             <a:pPr algn="r"/>
             <a:r>
-              <a:rPr lang="en-IN" dirty="0" err="1"/>
-              <a:t>BitCoders</a:t>
-            </a:r>
-            <a:endParaRPr lang="en-IN" dirty="0"/>
+              <a:rPr lang="en-IN" dirty="0">
+                <a:solidFill>
+                  <a:schemeClr val="bg1">
+                    <a:lumMod val="65000"/>
+                    <a:lumOff val="35000"/>
+                  </a:schemeClr>
+                </a:solidFill>
+              </a:rPr>
+              <a:t>http://phoenixrrds.github.io/</a:t>
+            </a:r>
+            <a:endParaRPr lang="en-IN" dirty="0">
+              <a:solidFill>
+                <a:schemeClr val="bg1">
+                  <a:lumMod val="65000"/>
+                  <a:lumOff val="35000"/>
+                </a:schemeClr>
+              </a:solidFill>
+            </a:endParaRPr>
           </a:p>
         </p:txBody>
       </p:sp>
@@ -9558,6 +9580,201 @@
               <a:rPr lang="en-IN" sz="2000" dirty="0"/>
               <a:t>Sumitra Chowdhury</a:t>
             </a:r>
+          </a:p>
+        </p:txBody>
+      </p:sp>
+      <p:sp>
+        <p:nvSpPr>
+          <p:cNvPr id="7" name="Subtitle 2"/>
+          <p:cNvSpPr txBox="1">
+            <a:spLocks/>
+          </p:cNvSpPr>
+          <p:nvPr/>
+        </p:nvSpPr>
+        <p:spPr>
+          <a:xfrm>
+            <a:off x="3572303" y="3184445"/>
+            <a:ext cx="1647825" cy="428625"/>
+          </a:xfrm>
+          <a:prstGeom prst="rect">
+            <a:avLst/>
+          </a:prstGeom>
+        </p:spPr>
+        <p:txBody>
+          <a:bodyPr vert="horz" lIns="91440" tIns="45720" rIns="91440" bIns="45720" rtlCol="0">
+            <a:normAutofit/>
+          </a:bodyPr>
+          <a:lstStyle>
+            <a:lvl1pPr marL="0" indent="0" algn="ctr" defTabSz="914400" rtl="0" eaLnBrk="1" latinLnBrk="0" hangingPunct="1">
+              <a:lnSpc>
+                <a:spcPct val="90000"/>
+              </a:lnSpc>
+              <a:spcBef>
+                <a:spcPts val="1000"/>
+              </a:spcBef>
+              <a:buFont typeface="Arial" panose="020B0604020202020204" pitchFamily="34" charset="0"/>
+              <a:buNone/>
+              <a:defRPr sz="2400" kern="1200">
+                <a:solidFill>
+                  <a:schemeClr val="tx1"/>
+                </a:solidFill>
+                <a:latin typeface="+mn-lt"/>
+                <a:ea typeface="+mn-ea"/>
+                <a:cs typeface="+mn-cs"/>
+              </a:defRPr>
+            </a:lvl1pPr>
+            <a:lvl2pPr marL="457200" indent="0" algn="ctr" defTabSz="914400" rtl="0" eaLnBrk="1" latinLnBrk="0" hangingPunct="1">
+              <a:lnSpc>
+                <a:spcPct val="90000"/>
+              </a:lnSpc>
+              <a:spcBef>
+                <a:spcPts val="500"/>
+              </a:spcBef>
+              <a:buFont typeface="Arial" panose="020B0604020202020204" pitchFamily="34" charset="0"/>
+              <a:buNone/>
+              <a:defRPr sz="2000" kern="1200">
+                <a:solidFill>
+                  <a:schemeClr val="tx1"/>
+                </a:solidFill>
+                <a:latin typeface="+mn-lt"/>
+                <a:ea typeface="+mn-ea"/>
+                <a:cs typeface="+mn-cs"/>
+              </a:defRPr>
+            </a:lvl2pPr>
+            <a:lvl3pPr marL="914400" indent="0" algn="ctr" defTabSz="914400" rtl="0" eaLnBrk="1" latinLnBrk="0" hangingPunct="1">
+              <a:lnSpc>
+                <a:spcPct val="90000"/>
+              </a:lnSpc>
+              <a:spcBef>
+                <a:spcPts val="500"/>
+              </a:spcBef>
+              <a:buFont typeface="Arial" panose="020B0604020202020204" pitchFamily="34" charset="0"/>
+              <a:buNone/>
+              <a:defRPr sz="1800" kern="1200">
+                <a:solidFill>
+                  <a:schemeClr val="tx1"/>
+                </a:solidFill>
+                <a:latin typeface="+mn-lt"/>
+                <a:ea typeface="+mn-ea"/>
+                <a:cs typeface="+mn-cs"/>
+              </a:defRPr>
+            </a:lvl3pPr>
+            <a:lvl4pPr marL="1371600" indent="0" algn="ctr" defTabSz="914400" rtl="0" eaLnBrk="1" latinLnBrk="0" hangingPunct="1">
+              <a:lnSpc>
+                <a:spcPct val="90000"/>
+              </a:lnSpc>
+              <a:spcBef>
+                <a:spcPts val="500"/>
+              </a:spcBef>
+              <a:buFont typeface="Arial" panose="020B0604020202020204" pitchFamily="34" charset="0"/>
+              <a:buNone/>
+              <a:defRPr sz="1600" kern="1200">
+                <a:solidFill>
+                  <a:schemeClr val="tx1"/>
+                </a:solidFill>
+                <a:latin typeface="+mn-lt"/>
+                <a:ea typeface="+mn-ea"/>
+                <a:cs typeface="+mn-cs"/>
+              </a:defRPr>
+            </a:lvl4pPr>
+            <a:lvl5pPr marL="1828800" indent="0" algn="ctr" defTabSz="914400" rtl="0" eaLnBrk="1" latinLnBrk="0" hangingPunct="1">
+              <a:lnSpc>
+                <a:spcPct val="90000"/>
+              </a:lnSpc>
+              <a:spcBef>
+                <a:spcPts val="500"/>
+              </a:spcBef>
+              <a:buFont typeface="Arial" panose="020B0604020202020204" pitchFamily="34" charset="0"/>
+              <a:buNone/>
+              <a:defRPr sz="1600" kern="1200">
+                <a:solidFill>
+                  <a:schemeClr val="tx1"/>
+                </a:solidFill>
+                <a:latin typeface="+mn-lt"/>
+                <a:ea typeface="+mn-ea"/>
+                <a:cs typeface="+mn-cs"/>
+              </a:defRPr>
+            </a:lvl5pPr>
+            <a:lvl6pPr marL="2286000" indent="0" algn="ctr" defTabSz="914400" rtl="0" eaLnBrk="1" latinLnBrk="0" hangingPunct="1">
+              <a:lnSpc>
+                <a:spcPct val="90000"/>
+              </a:lnSpc>
+              <a:spcBef>
+                <a:spcPts val="500"/>
+              </a:spcBef>
+              <a:buFont typeface="Arial" panose="020B0604020202020204" pitchFamily="34" charset="0"/>
+              <a:buNone/>
+              <a:defRPr sz="1600" kern="1200">
+                <a:solidFill>
+                  <a:schemeClr val="tx1"/>
+                </a:solidFill>
+                <a:latin typeface="+mn-lt"/>
+                <a:ea typeface="+mn-ea"/>
+                <a:cs typeface="+mn-cs"/>
+              </a:defRPr>
+            </a:lvl6pPr>
+            <a:lvl7pPr marL="2743200" indent="0" algn="ctr" defTabSz="914400" rtl="0" eaLnBrk="1" latinLnBrk="0" hangingPunct="1">
+              <a:lnSpc>
+                <a:spcPct val="90000"/>
+              </a:lnSpc>
+              <a:spcBef>
+                <a:spcPts val="500"/>
+              </a:spcBef>
+              <a:buFont typeface="Arial" panose="020B0604020202020204" pitchFamily="34" charset="0"/>
+              <a:buNone/>
+              <a:defRPr sz="1600" kern="1200">
+                <a:solidFill>
+                  <a:schemeClr val="tx1"/>
+                </a:solidFill>
+                <a:latin typeface="+mn-lt"/>
+                <a:ea typeface="+mn-ea"/>
+                <a:cs typeface="+mn-cs"/>
+              </a:defRPr>
+            </a:lvl7pPr>
+            <a:lvl8pPr marL="3200400" indent="0" algn="ctr" defTabSz="914400" rtl="0" eaLnBrk="1" latinLnBrk="0" hangingPunct="1">
+              <a:lnSpc>
+                <a:spcPct val="90000"/>
+              </a:lnSpc>
+              <a:spcBef>
+                <a:spcPts val="500"/>
+              </a:spcBef>
+              <a:buFont typeface="Arial" panose="020B0604020202020204" pitchFamily="34" charset="0"/>
+              <a:buNone/>
+              <a:defRPr sz="1600" kern="1200">
+                <a:solidFill>
+                  <a:schemeClr val="tx1"/>
+                </a:solidFill>
+                <a:latin typeface="+mn-lt"/>
+                <a:ea typeface="+mn-ea"/>
+                <a:cs typeface="+mn-cs"/>
+              </a:defRPr>
+            </a:lvl8pPr>
+            <a:lvl9pPr marL="3657600" indent="0" algn="ctr" defTabSz="914400" rtl="0" eaLnBrk="1" latinLnBrk="0" hangingPunct="1">
+              <a:lnSpc>
+                <a:spcPct val="90000"/>
+              </a:lnSpc>
+              <a:spcBef>
+                <a:spcPts val="500"/>
+              </a:spcBef>
+              <a:buFont typeface="Arial" panose="020B0604020202020204" pitchFamily="34" charset="0"/>
+              <a:buNone/>
+              <a:defRPr sz="1600" kern="1200">
+                <a:solidFill>
+                  <a:schemeClr val="tx1"/>
+                </a:solidFill>
+                <a:latin typeface="+mn-lt"/>
+                <a:ea typeface="+mn-ea"/>
+                <a:cs typeface="+mn-cs"/>
+              </a:defRPr>
+            </a:lvl9pPr>
+          </a:lstStyle>
+          <a:p>
+            <a:pPr algn="r"/>
+            <a:r>
+              <a:rPr lang="en-IN" dirty="0" err="1" smtClean="0"/>
+              <a:t>BitCoders</a:t>
+            </a:r>
+            <a:endParaRPr lang="en-IN" dirty="0"/>
           </a:p>
         </p:txBody>
       </p:sp>
@@ -17756,6 +17973,496 @@
 </file>
 
 <file path=ppt/slides/slide35.xml><?xml version="1.0" encoding="utf-8"?>
+<p:sld xmlns:a="http://schemas.openxmlformats.org/drawingml/2006/main" xmlns:r="http://schemas.openxmlformats.org/officeDocument/2006/relationships" xmlns:p="http://schemas.openxmlformats.org/presentationml/2006/main">
+  <p:cSld>
+    <p:spTree>
+      <p:nvGrpSpPr>
+        <p:cNvPr id="1" name=""/>
+        <p:cNvGrpSpPr/>
+        <p:nvPr/>
+      </p:nvGrpSpPr>
+      <p:grpSpPr>
+        <a:xfrm>
+          <a:off x="0" y="0"/>
+          <a:ext cx="0" cy="0"/>
+          <a:chOff x="0" y="0"/>
+          <a:chExt cx="0" cy="0"/>
+        </a:xfrm>
+      </p:grpSpPr>
+      <p:sp>
+        <p:nvSpPr>
+          <p:cNvPr id="5" name="Subtitle 2"/>
+          <p:cNvSpPr txBox="1">
+            <a:spLocks/>
+          </p:cNvSpPr>
+          <p:nvPr/>
+        </p:nvSpPr>
+        <p:spPr>
+          <a:xfrm>
+            <a:off x="1632246" y="521475"/>
+            <a:ext cx="9212366" cy="428625"/>
+          </a:xfrm>
+          <a:prstGeom prst="rect">
+            <a:avLst/>
+          </a:prstGeom>
+        </p:spPr>
+        <p:txBody>
+          <a:bodyPr vert="horz" lIns="91440" tIns="45720" rIns="91440" bIns="45720" rtlCol="0">
+            <a:noAutofit/>
+          </a:bodyPr>
+          <a:lstStyle>
+            <a:lvl1pPr marL="228600" indent="-228600" algn="l" defTabSz="914400" rtl="0" eaLnBrk="1" latinLnBrk="0" hangingPunct="1">
+              <a:lnSpc>
+                <a:spcPct val="90000"/>
+              </a:lnSpc>
+              <a:spcBef>
+                <a:spcPts val="1000"/>
+              </a:spcBef>
+              <a:buFont typeface="Arial" panose="020B0604020202020204" pitchFamily="34" charset="0"/>
+              <a:buChar char="•"/>
+              <a:defRPr sz="2800" kern="1200">
+                <a:solidFill>
+                  <a:schemeClr val="tx1"/>
+                </a:solidFill>
+                <a:latin typeface="+mn-lt"/>
+                <a:ea typeface="+mn-ea"/>
+                <a:cs typeface="+mn-cs"/>
+              </a:defRPr>
+            </a:lvl1pPr>
+            <a:lvl2pPr marL="685800" indent="-228600" algn="l" defTabSz="914400" rtl="0" eaLnBrk="1" latinLnBrk="0" hangingPunct="1">
+              <a:lnSpc>
+                <a:spcPct val="90000"/>
+              </a:lnSpc>
+              <a:spcBef>
+                <a:spcPts val="500"/>
+              </a:spcBef>
+              <a:buFont typeface="Arial" panose="020B0604020202020204" pitchFamily="34" charset="0"/>
+              <a:buChar char="•"/>
+              <a:defRPr sz="2400" kern="1200">
+                <a:solidFill>
+                  <a:schemeClr val="tx1"/>
+                </a:solidFill>
+                <a:latin typeface="+mn-lt"/>
+                <a:ea typeface="+mn-ea"/>
+                <a:cs typeface="+mn-cs"/>
+              </a:defRPr>
+            </a:lvl2pPr>
+            <a:lvl3pPr marL="1143000" indent="-228600" algn="l" defTabSz="914400" rtl="0" eaLnBrk="1" latinLnBrk="0" hangingPunct="1">
+              <a:lnSpc>
+                <a:spcPct val="90000"/>
+              </a:lnSpc>
+              <a:spcBef>
+                <a:spcPts val="500"/>
+              </a:spcBef>
+              <a:buFont typeface="Arial" panose="020B0604020202020204" pitchFamily="34" charset="0"/>
+              <a:buChar char="•"/>
+              <a:defRPr sz="2000" kern="1200">
+                <a:solidFill>
+                  <a:schemeClr val="tx1"/>
+                </a:solidFill>
+                <a:latin typeface="+mn-lt"/>
+                <a:ea typeface="+mn-ea"/>
+                <a:cs typeface="+mn-cs"/>
+              </a:defRPr>
+            </a:lvl3pPr>
+            <a:lvl4pPr marL="1600200" indent="-228600" algn="l" defTabSz="914400" rtl="0" eaLnBrk="1" latinLnBrk="0" hangingPunct="1">
+              <a:lnSpc>
+                <a:spcPct val="90000"/>
+              </a:lnSpc>
+              <a:spcBef>
+                <a:spcPts val="500"/>
+              </a:spcBef>
+              <a:buFont typeface="Arial" panose="020B0604020202020204" pitchFamily="34" charset="0"/>
+              <a:buChar char="•"/>
+              <a:defRPr sz="1800" kern="1200">
+                <a:solidFill>
+                  <a:schemeClr val="tx1"/>
+                </a:solidFill>
+                <a:latin typeface="+mn-lt"/>
+                <a:ea typeface="+mn-ea"/>
+                <a:cs typeface="+mn-cs"/>
+              </a:defRPr>
+            </a:lvl4pPr>
+            <a:lvl5pPr marL="2057400" indent="-228600" algn="l" defTabSz="914400" rtl="0" eaLnBrk="1" latinLnBrk="0" hangingPunct="1">
+              <a:lnSpc>
+                <a:spcPct val="90000"/>
+              </a:lnSpc>
+              <a:spcBef>
+                <a:spcPts val="500"/>
+              </a:spcBef>
+              <a:buFont typeface="Arial" panose="020B0604020202020204" pitchFamily="34" charset="0"/>
+              <a:buChar char="•"/>
+              <a:defRPr sz="1800" kern="1200">
+                <a:solidFill>
+                  <a:schemeClr val="tx1"/>
+                </a:solidFill>
+                <a:latin typeface="+mn-lt"/>
+                <a:ea typeface="+mn-ea"/>
+                <a:cs typeface="+mn-cs"/>
+              </a:defRPr>
+            </a:lvl5pPr>
+            <a:lvl6pPr marL="2514600" indent="-228600" algn="l" defTabSz="914400" rtl="0" eaLnBrk="1" latinLnBrk="0" hangingPunct="1">
+              <a:lnSpc>
+                <a:spcPct val="90000"/>
+              </a:lnSpc>
+              <a:spcBef>
+                <a:spcPts val="500"/>
+              </a:spcBef>
+              <a:buFont typeface="Arial" panose="020B0604020202020204" pitchFamily="34" charset="0"/>
+              <a:buChar char="•"/>
+              <a:defRPr sz="1800" kern="1200">
+                <a:solidFill>
+                  <a:schemeClr val="tx1"/>
+                </a:solidFill>
+                <a:latin typeface="+mn-lt"/>
+                <a:ea typeface="+mn-ea"/>
+                <a:cs typeface="+mn-cs"/>
+              </a:defRPr>
+            </a:lvl6pPr>
+            <a:lvl7pPr marL="2971800" indent="-228600" algn="l" defTabSz="914400" rtl="0" eaLnBrk="1" latinLnBrk="0" hangingPunct="1">
+              <a:lnSpc>
+                <a:spcPct val="90000"/>
+              </a:lnSpc>
+              <a:spcBef>
+                <a:spcPts val="500"/>
+              </a:spcBef>
+              <a:buFont typeface="Arial" panose="020B0604020202020204" pitchFamily="34" charset="0"/>
+              <a:buChar char="•"/>
+              <a:defRPr sz="1800" kern="1200">
+                <a:solidFill>
+                  <a:schemeClr val="tx1"/>
+                </a:solidFill>
+                <a:latin typeface="+mn-lt"/>
+                <a:ea typeface="+mn-ea"/>
+                <a:cs typeface="+mn-cs"/>
+              </a:defRPr>
+            </a:lvl7pPr>
+            <a:lvl8pPr marL="3429000" indent="-228600" algn="l" defTabSz="914400" rtl="0" eaLnBrk="1" latinLnBrk="0" hangingPunct="1">
+              <a:lnSpc>
+                <a:spcPct val="90000"/>
+              </a:lnSpc>
+              <a:spcBef>
+                <a:spcPts val="500"/>
+              </a:spcBef>
+              <a:buFont typeface="Arial" panose="020B0604020202020204" pitchFamily="34" charset="0"/>
+              <a:buChar char="•"/>
+              <a:defRPr sz="1800" kern="1200">
+                <a:solidFill>
+                  <a:schemeClr val="tx1"/>
+                </a:solidFill>
+                <a:latin typeface="+mn-lt"/>
+                <a:ea typeface="+mn-ea"/>
+                <a:cs typeface="+mn-cs"/>
+              </a:defRPr>
+            </a:lvl8pPr>
+            <a:lvl9pPr marL="3886200" indent="-228600" algn="l" defTabSz="914400" rtl="0" eaLnBrk="1" latinLnBrk="0" hangingPunct="1">
+              <a:lnSpc>
+                <a:spcPct val="90000"/>
+              </a:lnSpc>
+              <a:spcBef>
+                <a:spcPts val="500"/>
+              </a:spcBef>
+              <a:buFont typeface="Arial" panose="020B0604020202020204" pitchFamily="34" charset="0"/>
+              <a:buChar char="•"/>
+              <a:defRPr sz="1800" kern="1200">
+                <a:solidFill>
+                  <a:schemeClr val="tx1"/>
+                </a:solidFill>
+                <a:latin typeface="+mn-lt"/>
+                <a:ea typeface="+mn-ea"/>
+                <a:cs typeface="+mn-cs"/>
+              </a:defRPr>
+            </a:lvl9pPr>
+          </a:lstStyle>
+          <a:p>
+            <a:pPr marL="0" indent="0" algn="ctr">
+              <a:buNone/>
+            </a:pPr>
+            <a:r>
+              <a:rPr lang="en-IN" sz="4800" dirty="0" smtClean="0">
+                <a:solidFill>
+                  <a:schemeClr val="tx1">
+                    <a:lumMod val="95000"/>
+                  </a:schemeClr>
+                </a:solidFill>
+              </a:rPr>
+              <a:t>Chat History</a:t>
+            </a:r>
+            <a:endParaRPr lang="en-IN" sz="4800" dirty="0">
+              <a:solidFill>
+                <a:schemeClr val="tx1">
+                  <a:lumMod val="95000"/>
+                </a:schemeClr>
+              </a:solidFill>
+            </a:endParaRPr>
+          </a:p>
+        </p:txBody>
+      </p:sp>
+      <p:sp>
+        <p:nvSpPr>
+          <p:cNvPr id="6" name="Subtitle 2"/>
+          <p:cNvSpPr txBox="1">
+            <a:spLocks/>
+          </p:cNvSpPr>
+          <p:nvPr/>
+        </p:nvSpPr>
+        <p:spPr>
+          <a:xfrm>
+            <a:off x="1861559" y="1904470"/>
+            <a:ext cx="9212366" cy="3752846"/>
+          </a:xfrm>
+          <a:prstGeom prst="rect">
+            <a:avLst/>
+          </a:prstGeom>
+        </p:spPr>
+        <p:txBody>
+          <a:bodyPr vert="horz" lIns="91440" tIns="45720" rIns="91440" bIns="45720" rtlCol="0">
+            <a:noAutofit/>
+          </a:bodyPr>
+          <a:lstStyle>
+            <a:lvl1pPr marL="228600" indent="-228600" algn="l" defTabSz="914400" rtl="0" eaLnBrk="1" latinLnBrk="0" hangingPunct="1">
+              <a:lnSpc>
+                <a:spcPct val="90000"/>
+              </a:lnSpc>
+              <a:spcBef>
+                <a:spcPts val="1000"/>
+              </a:spcBef>
+              <a:buFont typeface="Arial" panose="020B0604020202020204" pitchFamily="34" charset="0"/>
+              <a:buChar char="•"/>
+              <a:defRPr sz="2800" kern="1200">
+                <a:solidFill>
+                  <a:schemeClr val="tx1"/>
+                </a:solidFill>
+                <a:latin typeface="+mn-lt"/>
+                <a:ea typeface="+mn-ea"/>
+                <a:cs typeface="+mn-cs"/>
+              </a:defRPr>
+            </a:lvl1pPr>
+            <a:lvl2pPr marL="685800" indent="-228600" algn="l" defTabSz="914400" rtl="0" eaLnBrk="1" latinLnBrk="0" hangingPunct="1">
+              <a:lnSpc>
+                <a:spcPct val="90000"/>
+              </a:lnSpc>
+              <a:spcBef>
+                <a:spcPts val="500"/>
+              </a:spcBef>
+              <a:buFont typeface="Arial" panose="020B0604020202020204" pitchFamily="34" charset="0"/>
+              <a:buChar char="•"/>
+              <a:defRPr sz="2400" kern="1200">
+                <a:solidFill>
+                  <a:schemeClr val="tx1"/>
+                </a:solidFill>
+                <a:latin typeface="+mn-lt"/>
+                <a:ea typeface="+mn-ea"/>
+                <a:cs typeface="+mn-cs"/>
+              </a:defRPr>
+            </a:lvl2pPr>
+            <a:lvl3pPr marL="1143000" indent="-228600" algn="l" defTabSz="914400" rtl="0" eaLnBrk="1" latinLnBrk="0" hangingPunct="1">
+              <a:lnSpc>
+                <a:spcPct val="90000"/>
+              </a:lnSpc>
+              <a:spcBef>
+                <a:spcPts val="500"/>
+              </a:spcBef>
+              <a:buFont typeface="Arial" panose="020B0604020202020204" pitchFamily="34" charset="0"/>
+              <a:buChar char="•"/>
+              <a:defRPr sz="2000" kern="1200">
+                <a:solidFill>
+                  <a:schemeClr val="tx1"/>
+                </a:solidFill>
+                <a:latin typeface="+mn-lt"/>
+                <a:ea typeface="+mn-ea"/>
+                <a:cs typeface="+mn-cs"/>
+              </a:defRPr>
+            </a:lvl3pPr>
+            <a:lvl4pPr marL="1600200" indent="-228600" algn="l" defTabSz="914400" rtl="0" eaLnBrk="1" latinLnBrk="0" hangingPunct="1">
+              <a:lnSpc>
+                <a:spcPct val="90000"/>
+              </a:lnSpc>
+              <a:spcBef>
+                <a:spcPts val="500"/>
+              </a:spcBef>
+              <a:buFont typeface="Arial" panose="020B0604020202020204" pitchFamily="34" charset="0"/>
+              <a:buChar char="•"/>
+              <a:defRPr sz="1800" kern="1200">
+                <a:solidFill>
+                  <a:schemeClr val="tx1"/>
+                </a:solidFill>
+                <a:latin typeface="+mn-lt"/>
+                <a:ea typeface="+mn-ea"/>
+                <a:cs typeface="+mn-cs"/>
+              </a:defRPr>
+            </a:lvl4pPr>
+            <a:lvl5pPr marL="2057400" indent="-228600" algn="l" defTabSz="914400" rtl="0" eaLnBrk="1" latinLnBrk="0" hangingPunct="1">
+              <a:lnSpc>
+                <a:spcPct val="90000"/>
+              </a:lnSpc>
+              <a:spcBef>
+                <a:spcPts val="500"/>
+              </a:spcBef>
+              <a:buFont typeface="Arial" panose="020B0604020202020204" pitchFamily="34" charset="0"/>
+              <a:buChar char="•"/>
+              <a:defRPr sz="1800" kern="1200">
+                <a:solidFill>
+                  <a:schemeClr val="tx1"/>
+                </a:solidFill>
+                <a:latin typeface="+mn-lt"/>
+                <a:ea typeface="+mn-ea"/>
+                <a:cs typeface="+mn-cs"/>
+              </a:defRPr>
+            </a:lvl5pPr>
+            <a:lvl6pPr marL="2514600" indent="-228600" algn="l" defTabSz="914400" rtl="0" eaLnBrk="1" latinLnBrk="0" hangingPunct="1">
+              <a:lnSpc>
+                <a:spcPct val="90000"/>
+              </a:lnSpc>
+              <a:spcBef>
+                <a:spcPts val="500"/>
+              </a:spcBef>
+              <a:buFont typeface="Arial" panose="020B0604020202020204" pitchFamily="34" charset="0"/>
+              <a:buChar char="•"/>
+              <a:defRPr sz="1800" kern="1200">
+                <a:solidFill>
+                  <a:schemeClr val="tx1"/>
+                </a:solidFill>
+                <a:latin typeface="+mn-lt"/>
+                <a:ea typeface="+mn-ea"/>
+                <a:cs typeface="+mn-cs"/>
+              </a:defRPr>
+            </a:lvl6pPr>
+            <a:lvl7pPr marL="2971800" indent="-228600" algn="l" defTabSz="914400" rtl="0" eaLnBrk="1" latinLnBrk="0" hangingPunct="1">
+              <a:lnSpc>
+                <a:spcPct val="90000"/>
+              </a:lnSpc>
+              <a:spcBef>
+                <a:spcPts val="500"/>
+              </a:spcBef>
+              <a:buFont typeface="Arial" panose="020B0604020202020204" pitchFamily="34" charset="0"/>
+              <a:buChar char="•"/>
+              <a:defRPr sz="1800" kern="1200">
+                <a:solidFill>
+                  <a:schemeClr val="tx1"/>
+                </a:solidFill>
+                <a:latin typeface="+mn-lt"/>
+                <a:ea typeface="+mn-ea"/>
+                <a:cs typeface="+mn-cs"/>
+              </a:defRPr>
+            </a:lvl7pPr>
+            <a:lvl8pPr marL="3429000" indent="-228600" algn="l" defTabSz="914400" rtl="0" eaLnBrk="1" latinLnBrk="0" hangingPunct="1">
+              <a:lnSpc>
+                <a:spcPct val="90000"/>
+              </a:lnSpc>
+              <a:spcBef>
+                <a:spcPts val="500"/>
+              </a:spcBef>
+              <a:buFont typeface="Arial" panose="020B0604020202020204" pitchFamily="34" charset="0"/>
+              <a:buChar char="•"/>
+              <a:defRPr sz="1800" kern="1200">
+                <a:solidFill>
+                  <a:schemeClr val="tx1"/>
+                </a:solidFill>
+                <a:latin typeface="+mn-lt"/>
+                <a:ea typeface="+mn-ea"/>
+                <a:cs typeface="+mn-cs"/>
+              </a:defRPr>
+            </a:lvl8pPr>
+            <a:lvl9pPr marL="3886200" indent="-228600" algn="l" defTabSz="914400" rtl="0" eaLnBrk="1" latinLnBrk="0" hangingPunct="1">
+              <a:lnSpc>
+                <a:spcPct val="90000"/>
+              </a:lnSpc>
+              <a:spcBef>
+                <a:spcPts val="500"/>
+              </a:spcBef>
+              <a:buFont typeface="Arial" panose="020B0604020202020204" pitchFamily="34" charset="0"/>
+              <a:buChar char="•"/>
+              <a:defRPr sz="1800" kern="1200">
+                <a:solidFill>
+                  <a:schemeClr val="tx1"/>
+                </a:solidFill>
+                <a:latin typeface="+mn-lt"/>
+                <a:ea typeface="+mn-ea"/>
+                <a:cs typeface="+mn-cs"/>
+              </a:defRPr>
+            </a:lvl9pPr>
+          </a:lstStyle>
+          <a:p>
+            <a:pPr marL="457200" indent="-457200">
+              <a:buAutoNum type="arabicPeriod"/>
+            </a:pPr>
+            <a:r>
+              <a:rPr lang="en-IN" sz="2400" dirty="0" smtClean="0">
+                <a:solidFill>
+                  <a:schemeClr val="tx1">
+                    <a:lumMod val="95000"/>
+                  </a:schemeClr>
+                </a:solidFill>
+              </a:rPr>
+              <a:t>Storing </a:t>
+            </a:r>
+            <a:r>
+              <a:rPr lang="en-IN" sz="2400" dirty="0" err="1" smtClean="0">
+                <a:solidFill>
+                  <a:schemeClr val="tx1">
+                    <a:lumMod val="95000"/>
+                  </a:schemeClr>
+                </a:solidFill>
+              </a:rPr>
+              <a:t>ChatMessage</a:t>
+            </a:r>
+            <a:r>
+              <a:rPr lang="en-IN" sz="2400" dirty="0" smtClean="0">
+                <a:solidFill>
+                  <a:schemeClr val="tx1">
+                    <a:lumMod val="95000"/>
+                  </a:schemeClr>
+                </a:solidFill>
+              </a:rPr>
+              <a:t> Adapter in a File</a:t>
+            </a:r>
+          </a:p>
+          <a:p>
+            <a:pPr marL="457200" indent="-457200">
+              <a:buAutoNum type="arabicPeriod"/>
+            </a:pPr>
+            <a:r>
+              <a:rPr lang="en-IN" sz="2400" dirty="0" smtClean="0">
+                <a:solidFill>
+                  <a:schemeClr val="tx1">
+                    <a:lumMod val="95000"/>
+                  </a:schemeClr>
+                </a:solidFill>
+              </a:rPr>
+              <a:t>Use a database</a:t>
+            </a:r>
+            <a:endParaRPr lang="en-IN" sz="2400" dirty="0">
+              <a:solidFill>
+                <a:schemeClr val="tx1">
+                  <a:lumMod val="95000"/>
+                </a:schemeClr>
+              </a:solidFill>
+            </a:endParaRPr>
+          </a:p>
+        </p:txBody>
+      </p:sp>
+    </p:spTree>
+    <p:extLst>
+      <p:ext uri="{BB962C8B-B14F-4D97-AF65-F5344CB8AC3E}">
+        <p14:creationId xmlns:p14="http://schemas.microsoft.com/office/powerpoint/2010/main" val="2509756038"/>
+      </p:ext>
+    </p:extLst>
+  </p:cSld>
+  <p:clrMapOvr>
+    <a:masterClrMapping/>
+  </p:clrMapOvr>
+  <p:timing>
+    <p:tnLst>
+      <p:par>
+        <p:cTn id="1" dur="indefinite" restart="never" nodeType="tmRoot"/>
+      </p:par>
+    </p:tnLst>
+  </p:timing>
+</p:sld>
+</file>
+
+<file path=ppt/slides/slide36.xml><?xml version="1.0" encoding="utf-8"?>
 <p:sld xmlns:a="http://schemas.openxmlformats.org/drawingml/2006/main" xmlns:r="http://schemas.openxmlformats.org/officeDocument/2006/relationships" xmlns:p="http://schemas.openxmlformats.org/presentationml/2006/main">
   <p:cSld>
     <p:spTree>
@@ -17940,7 +18647,7 @@
 </p:sld>
 </file>
 
-<file path=ppt/slides/slide36.xml><?xml version="1.0" encoding="utf-8"?>
+<file path=ppt/slides/slide37.xml><?xml version="1.0" encoding="utf-8"?>
 <p:sld xmlns:a="http://schemas.openxmlformats.org/drawingml/2006/main" xmlns:r="http://schemas.openxmlformats.org/officeDocument/2006/relationships" xmlns:p="http://schemas.openxmlformats.org/presentationml/2006/main">
   <p:cSld>
     <p:spTree>
@@ -18134,7 +18841,7 @@
 </p:sld>
 </file>
 
-<file path=ppt/slides/slide37.xml><?xml version="1.0" encoding="utf-8"?>
+<file path=ppt/slides/slide38.xml><?xml version="1.0" encoding="utf-8"?>
 <p:sld xmlns:a="http://schemas.openxmlformats.org/drawingml/2006/main" xmlns:r="http://schemas.openxmlformats.org/officeDocument/2006/relationships" xmlns:p="http://schemas.openxmlformats.org/presentationml/2006/main">
   <p:cSld>
     <p:spTree>
@@ -18199,7 +18906,7 @@
 </p:sld>
 </file>
 
-<file path=ppt/slides/slide38.xml><?xml version="1.0" encoding="utf-8"?>
+<file path=ppt/slides/slide39.xml><?xml version="1.0" encoding="utf-8"?>
 <p:sld xmlns:a="http://schemas.openxmlformats.org/drawingml/2006/main" xmlns:r="http://schemas.openxmlformats.org/officeDocument/2006/relationships" xmlns:p="http://schemas.openxmlformats.org/presentationml/2006/main">
   <p:cSld>
     <p:spTree>
@@ -18308,7 +19015,222 @@
 </p:sld>
 </file>
 
-<file path=ppt/slides/slide39.xml><?xml version="1.0" encoding="utf-8"?>
+<file path=ppt/slides/slide4.xml><?xml version="1.0" encoding="utf-8"?>
+<p:sld xmlns:a="http://schemas.openxmlformats.org/drawingml/2006/main" xmlns:r="http://schemas.openxmlformats.org/officeDocument/2006/relationships" xmlns:p="http://schemas.openxmlformats.org/presentationml/2006/main">
+  <p:cSld>
+    <p:spTree>
+      <p:nvGrpSpPr>
+        <p:cNvPr id="1" name=""/>
+        <p:cNvGrpSpPr/>
+        <p:nvPr/>
+      </p:nvGrpSpPr>
+      <p:grpSpPr>
+        <a:xfrm>
+          <a:off x="0" y="0"/>
+          <a:ext cx="0" cy="0"/>
+          <a:chOff x="0" y="0"/>
+          <a:chExt cx="0" cy="0"/>
+        </a:xfrm>
+      </p:grpSpPr>
+      <p:sp>
+        <p:nvSpPr>
+          <p:cNvPr id="3" name="Subtitle 2"/>
+          <p:cNvSpPr>
+            <a:spLocks noGrp="1"/>
+          </p:cNvSpPr>
+          <p:nvPr>
+            <p:ph type="subTitle" idx="1"/>
+          </p:nvPr>
+        </p:nvSpPr>
+        <p:spPr>
+          <a:xfrm>
+            <a:off x="1085957" y="918368"/>
+            <a:ext cx="3943136" cy="428625"/>
+          </a:xfrm>
+        </p:spPr>
+        <p:txBody>
+          <a:bodyPr>
+            <a:noAutofit/>
+          </a:bodyPr>
+          <a:lstStyle/>
+          <a:p>
+            <a:pPr algn="l"/>
+            <a:r>
+              <a:rPr lang="en-IN" sz="3600" dirty="0"/>
+              <a:t>What is AIRYL?</a:t>
+            </a:r>
+          </a:p>
+        </p:txBody>
+      </p:sp>
+      <p:sp>
+        <p:nvSpPr>
+          <p:cNvPr id="4" name="TextBox 3"/>
+          <p:cNvSpPr txBox="1"/>
+          <p:nvPr/>
+        </p:nvSpPr>
+        <p:spPr>
+          <a:xfrm>
+            <a:off x="1247774" y="1684338"/>
+            <a:ext cx="7153275" cy="1477328"/>
+          </a:xfrm>
+          <a:prstGeom prst="rect">
+            <a:avLst/>
+          </a:prstGeom>
+          <a:noFill/>
+        </p:spPr>
+        <p:txBody>
+          <a:bodyPr wrap="square" rtlCol="0">
+            <a:spAutoFit/>
+          </a:bodyPr>
+          <a:lstStyle/>
+          <a:p>
+            <a:pPr marL="285750" indent="-285750">
+              <a:buFont typeface="Arial" panose="020B0604020202020204" pitchFamily="34" charset="0"/>
+              <a:buChar char="•"/>
+            </a:pPr>
+            <a:r>
+              <a:rPr lang="en-IN" dirty="0"/>
+              <a:t>A </a:t>
+            </a:r>
+            <a:r>
+              <a:rPr lang="en-IN" dirty="0" err="1"/>
+              <a:t>chatbot</a:t>
+            </a:r>
+            <a:r>
+              <a:rPr lang="en-IN" dirty="0"/>
+              <a:t> based on AIML</a:t>
+            </a:r>
+          </a:p>
+          <a:p>
+            <a:pPr marL="285750" indent="-285750">
+              <a:buFont typeface="Arial" panose="020B0604020202020204" pitchFamily="34" charset="0"/>
+              <a:buChar char="•"/>
+            </a:pPr>
+            <a:r>
+              <a:rPr lang="en-IN" dirty="0"/>
+              <a:t>Based on Android</a:t>
+            </a:r>
+          </a:p>
+          <a:p>
+            <a:pPr marL="285750" indent="-285750">
+              <a:buFont typeface="Arial" panose="020B0604020202020204" pitchFamily="34" charset="0"/>
+              <a:buChar char="•"/>
+            </a:pPr>
+            <a:r>
+              <a:rPr lang="en-IN" dirty="0"/>
+              <a:t>Fully documented using Sphinx</a:t>
+            </a:r>
+          </a:p>
+          <a:p>
+            <a:pPr marL="285750" indent="-285750">
+              <a:buFont typeface="Arial" panose="020B0604020202020204" pitchFamily="34" charset="0"/>
+              <a:buChar char="•"/>
+            </a:pPr>
+            <a:r>
+              <a:rPr lang="en-IN" dirty="0"/>
+              <a:t>Open Sourced</a:t>
+            </a:r>
+          </a:p>
+          <a:p>
+            <a:pPr marL="285750" indent="-285750">
+              <a:buFont typeface="Arial" panose="020B0604020202020204" pitchFamily="34" charset="0"/>
+              <a:buChar char="•"/>
+            </a:pPr>
+            <a:r>
+              <a:rPr lang="en-IN" dirty="0"/>
+              <a:t>Under MIT License</a:t>
+            </a:r>
+          </a:p>
+        </p:txBody>
+      </p:sp>
+      <p:sp>
+        <p:nvSpPr>
+          <p:cNvPr id="6" name="TextBox 5"/>
+          <p:cNvSpPr txBox="1"/>
+          <p:nvPr/>
+        </p:nvSpPr>
+        <p:spPr>
+          <a:xfrm>
+            <a:off x="4824411" y="5337970"/>
+            <a:ext cx="3286125" cy="369332"/>
+          </a:xfrm>
+          <a:prstGeom prst="rect">
+            <a:avLst/>
+          </a:prstGeom>
+          <a:noFill/>
+        </p:spPr>
+        <p:txBody>
+          <a:bodyPr wrap="square" rtlCol="0">
+            <a:spAutoFit/>
+          </a:bodyPr>
+          <a:lstStyle/>
+          <a:p>
+            <a:r>
+              <a:rPr lang="en-IN" dirty="0"/>
+              <a:t>github.com/</a:t>
+            </a:r>
+            <a:r>
+              <a:rPr lang="en-IN" dirty="0" err="1"/>
+              <a:t>PhoenixRRDS</a:t>
+            </a:r>
+            <a:r>
+              <a:rPr lang="en-IN" dirty="0"/>
+              <a:t>/AIRYL</a:t>
+            </a:r>
+          </a:p>
+        </p:txBody>
+      </p:sp>
+      <p:pic>
+        <p:nvPicPr>
+          <p:cNvPr id="7" name="Picture 6"/>
+          <p:cNvPicPr>
+            <a:picLocks noChangeAspect="1"/>
+          </p:cNvPicPr>
+          <p:nvPr/>
+        </p:nvPicPr>
+        <p:blipFill>
+          <a:blip r:embed="rId2">
+            <a:extLst>
+              <a:ext uri="{28A0092B-C50C-407E-A947-70E740481C1C}">
+                <a14:useLocalDpi xmlns:a14="http://schemas.microsoft.com/office/drawing/2010/main" val="0"/>
+              </a:ext>
+            </a:extLst>
+          </a:blip>
+          <a:stretch>
+            <a:fillRect/>
+          </a:stretch>
+        </p:blipFill>
+        <p:spPr>
+          <a:xfrm>
+            <a:off x="9304471" y="918368"/>
+            <a:ext cx="1925504" cy="2613185"/>
+          </a:xfrm>
+          <a:prstGeom prst="rect">
+            <a:avLst/>
+          </a:prstGeom>
+        </p:spPr>
+      </p:pic>
+    </p:spTree>
+    <p:extLst>
+      <p:ext uri="{BB962C8B-B14F-4D97-AF65-F5344CB8AC3E}">
+        <p14:creationId xmlns:p14="http://schemas.microsoft.com/office/powerpoint/2010/main" val="2992801045"/>
+      </p:ext>
+    </p:extLst>
+  </p:cSld>
+  <p:clrMapOvr>
+    <a:masterClrMapping/>
+  </p:clrMapOvr>
+  <p:timing>
+    <p:tnLst>
+      <p:par>
+        <p:cTn id="1" dur="indefinite" restart="never" nodeType="tmRoot"/>
+      </p:par>
+    </p:tnLst>
+  </p:timing>
+</p:sld>
+</file>
+
+<file path=ppt/slides/slide40.xml><?xml version="1.0" encoding="utf-8"?>
 <p:sld xmlns:a="http://schemas.openxmlformats.org/drawingml/2006/main" xmlns:r="http://schemas.openxmlformats.org/officeDocument/2006/relationships" xmlns:p="http://schemas.openxmlformats.org/presentationml/2006/main">
   <p:cSld>
     <p:spTree>
@@ -18347,7 +19269,7 @@
           <a:graphicData uri="http://schemas.openxmlformats.org/presentationml/2006/ole">
             <mc:AlternateContent xmlns:mc="http://schemas.openxmlformats.org/markup-compatibility/2006">
               <mc:Choice xmlns:v="urn:schemas-microsoft-com:vml" Requires="v">
-                <p:oleObj spid="_x0000_s7173" r:id="rId3" imgW="16025040" imgH="8075880" progId="">
+                <p:oleObj spid="_x0000_s7180" r:id="rId3" imgW="16025040" imgH="8075880" progId="">
                   <p:embed/>
                 </p:oleObj>
               </mc:Choice>
@@ -18402,7 +19324,735 @@
 </p:sld>
 </file>
 
-<file path=ppt/slides/slide4.xml><?xml version="1.0" encoding="utf-8"?>
+<file path=ppt/slides/slide41.xml><?xml version="1.0" encoding="utf-8"?>
+<p:sld xmlns:a="http://schemas.openxmlformats.org/drawingml/2006/main" xmlns:r="http://schemas.openxmlformats.org/officeDocument/2006/relationships" xmlns:p="http://schemas.openxmlformats.org/presentationml/2006/main">
+  <p:cSld>
+    <p:spTree>
+      <p:nvGrpSpPr>
+        <p:cNvPr id="1" name=""/>
+        <p:cNvGrpSpPr/>
+        <p:nvPr/>
+      </p:nvGrpSpPr>
+      <p:grpSpPr>
+        <a:xfrm>
+          <a:off x="0" y="0"/>
+          <a:ext cx="0" cy="0"/>
+          <a:chOff x="0" y="0"/>
+          <a:chExt cx="0" cy="0"/>
+        </a:xfrm>
+      </p:grpSpPr>
+      <p:sp>
+        <p:nvSpPr>
+          <p:cNvPr id="2" name="Title 1"/>
+          <p:cNvSpPr>
+            <a:spLocks noGrp="1"/>
+          </p:cNvSpPr>
+          <p:nvPr>
+            <p:ph type="ctrTitle"/>
+          </p:nvPr>
+        </p:nvSpPr>
+        <p:spPr>
+          <a:xfrm>
+            <a:off x="1254184" y="1973846"/>
+            <a:ext cx="9556246" cy="2163762"/>
+          </a:xfrm>
+        </p:spPr>
+        <p:txBody>
+          <a:bodyPr/>
+          <a:lstStyle/>
+          <a:p>
+            <a:r>
+              <a:rPr lang="en-IN" dirty="0" smtClean="0"/>
+              <a:t>GitHub</a:t>
+            </a:r>
+            <a:endParaRPr lang="en-IN" dirty="0"/>
+          </a:p>
+        </p:txBody>
+      </p:sp>
+      <p:sp>
+        <p:nvSpPr>
+          <p:cNvPr id="8" name="Subtitle 2"/>
+          <p:cNvSpPr>
+            <a:spLocks noGrp="1"/>
+          </p:cNvSpPr>
+          <p:nvPr>
+            <p:ph type="subTitle" idx="1"/>
+          </p:nvPr>
+        </p:nvSpPr>
+        <p:spPr>
+          <a:xfrm>
+            <a:off x="4216565" y="4314657"/>
+            <a:ext cx="3943136" cy="428625"/>
+          </a:xfrm>
+        </p:spPr>
+        <p:txBody>
+          <a:bodyPr>
+            <a:noAutofit/>
+          </a:bodyPr>
+          <a:lstStyle/>
+          <a:p>
+            <a:r>
+              <a:rPr lang="en-IN" sz="2000" dirty="0" smtClean="0">
+                <a:solidFill>
+                  <a:schemeClr val="bg1">
+                    <a:lumMod val="65000"/>
+                    <a:lumOff val="35000"/>
+                  </a:schemeClr>
+                </a:solidFill>
+              </a:rPr>
+              <a:t>github.com/</a:t>
+            </a:r>
+            <a:r>
+              <a:rPr lang="en-IN" sz="2000" dirty="0" err="1" smtClean="0">
+                <a:solidFill>
+                  <a:schemeClr val="bg1">
+                    <a:lumMod val="65000"/>
+                    <a:lumOff val="35000"/>
+                  </a:schemeClr>
+                </a:solidFill>
+              </a:rPr>
+              <a:t>PhoenixRRDS</a:t>
+            </a:r>
+            <a:r>
+              <a:rPr lang="en-IN" sz="2000" dirty="0" smtClean="0">
+                <a:solidFill>
+                  <a:schemeClr val="bg1">
+                    <a:lumMod val="65000"/>
+                    <a:lumOff val="35000"/>
+                  </a:schemeClr>
+                </a:solidFill>
+              </a:rPr>
+              <a:t>/AIRYL</a:t>
+            </a:r>
+            <a:endParaRPr lang="en-IN" sz="2000" dirty="0">
+              <a:solidFill>
+                <a:schemeClr val="bg1">
+                  <a:lumMod val="65000"/>
+                  <a:lumOff val="35000"/>
+                </a:schemeClr>
+              </a:solidFill>
+            </a:endParaRPr>
+          </a:p>
+        </p:txBody>
+      </p:sp>
+    </p:spTree>
+    <p:extLst>
+      <p:ext uri="{BB962C8B-B14F-4D97-AF65-F5344CB8AC3E}">
+        <p14:creationId xmlns:p14="http://schemas.microsoft.com/office/powerpoint/2010/main" val="2289320825"/>
+      </p:ext>
+    </p:extLst>
+  </p:cSld>
+  <p:clrMapOvr>
+    <a:masterClrMapping/>
+  </p:clrMapOvr>
+  <p:timing>
+    <p:tnLst>
+      <p:par>
+        <p:cTn id="1" dur="indefinite" restart="never" nodeType="tmRoot"/>
+      </p:par>
+    </p:tnLst>
+  </p:timing>
+</p:sld>
+</file>
+
+<file path=ppt/slides/slide42.xml><?xml version="1.0" encoding="utf-8"?>
+<p:sld xmlns:a="http://schemas.openxmlformats.org/drawingml/2006/main" xmlns:r="http://schemas.openxmlformats.org/officeDocument/2006/relationships" xmlns:p="http://schemas.openxmlformats.org/presentationml/2006/main">
+  <p:cSld>
+    <p:spTree>
+      <p:nvGrpSpPr>
+        <p:cNvPr id="1" name=""/>
+        <p:cNvGrpSpPr/>
+        <p:nvPr/>
+      </p:nvGrpSpPr>
+      <p:grpSpPr>
+        <a:xfrm>
+          <a:off x="0" y="0"/>
+          <a:ext cx="0" cy="0"/>
+          <a:chOff x="0" y="0"/>
+          <a:chExt cx="0" cy="0"/>
+        </a:xfrm>
+      </p:grpSpPr>
+      <p:sp>
+        <p:nvSpPr>
+          <p:cNvPr id="2" name="Title 1"/>
+          <p:cNvSpPr>
+            <a:spLocks noGrp="1"/>
+          </p:cNvSpPr>
+          <p:nvPr>
+            <p:ph type="ctrTitle"/>
+          </p:nvPr>
+        </p:nvSpPr>
+        <p:spPr>
+          <a:xfrm>
+            <a:off x="1382371" y="196321"/>
+            <a:ext cx="9556246" cy="888995"/>
+          </a:xfrm>
+        </p:spPr>
+        <p:txBody>
+          <a:bodyPr>
+            <a:normAutofit fontScale="90000"/>
+          </a:bodyPr>
+          <a:lstStyle/>
+          <a:p>
+            <a:r>
+              <a:rPr lang="en-IN" dirty="0" smtClean="0"/>
+              <a:t>GitHub</a:t>
+            </a:r>
+            <a:endParaRPr lang="en-IN" dirty="0"/>
+          </a:p>
+        </p:txBody>
+      </p:sp>
+      <p:sp>
+        <p:nvSpPr>
+          <p:cNvPr id="8" name="Subtitle 2"/>
+          <p:cNvSpPr>
+            <a:spLocks noGrp="1"/>
+          </p:cNvSpPr>
+          <p:nvPr>
+            <p:ph type="subTitle" idx="1"/>
+          </p:nvPr>
+        </p:nvSpPr>
+        <p:spPr>
+          <a:xfrm>
+            <a:off x="4361843" y="6429375"/>
+            <a:ext cx="3943136" cy="428625"/>
+          </a:xfrm>
+        </p:spPr>
+        <p:txBody>
+          <a:bodyPr>
+            <a:noAutofit/>
+          </a:bodyPr>
+          <a:lstStyle/>
+          <a:p>
+            <a:r>
+              <a:rPr lang="en-IN" sz="2000" dirty="0" smtClean="0">
+                <a:solidFill>
+                  <a:schemeClr val="bg1">
+                    <a:lumMod val="65000"/>
+                    <a:lumOff val="35000"/>
+                  </a:schemeClr>
+                </a:solidFill>
+              </a:rPr>
+              <a:t>github.com/</a:t>
+            </a:r>
+            <a:r>
+              <a:rPr lang="en-IN" sz="2000" dirty="0" err="1" smtClean="0">
+                <a:solidFill>
+                  <a:schemeClr val="bg1">
+                    <a:lumMod val="65000"/>
+                    <a:lumOff val="35000"/>
+                  </a:schemeClr>
+                </a:solidFill>
+              </a:rPr>
+              <a:t>PhoenixRRDS</a:t>
+            </a:r>
+            <a:r>
+              <a:rPr lang="en-IN" sz="2000" dirty="0" smtClean="0">
+                <a:solidFill>
+                  <a:schemeClr val="bg1">
+                    <a:lumMod val="65000"/>
+                    <a:lumOff val="35000"/>
+                  </a:schemeClr>
+                </a:solidFill>
+              </a:rPr>
+              <a:t>/AIRYL</a:t>
+            </a:r>
+            <a:endParaRPr lang="en-IN" sz="2000" dirty="0">
+              <a:solidFill>
+                <a:schemeClr val="bg1">
+                  <a:lumMod val="65000"/>
+                  <a:lumOff val="35000"/>
+                </a:schemeClr>
+              </a:solidFill>
+            </a:endParaRPr>
+          </a:p>
+        </p:txBody>
+      </p:sp>
+      <p:pic>
+        <p:nvPicPr>
+          <p:cNvPr id="3" name="Picture 2"/>
+          <p:cNvPicPr>
+            <a:picLocks noChangeAspect="1"/>
+          </p:cNvPicPr>
+          <p:nvPr/>
+        </p:nvPicPr>
+        <p:blipFill>
+          <a:blip r:embed="rId2"/>
+          <a:stretch>
+            <a:fillRect/>
+          </a:stretch>
+        </p:blipFill>
+        <p:spPr>
+          <a:xfrm>
+            <a:off x="444194" y="1085316"/>
+            <a:ext cx="11315240" cy="5045720"/>
+          </a:xfrm>
+          <a:prstGeom prst="rect">
+            <a:avLst/>
+          </a:prstGeom>
+        </p:spPr>
+      </p:pic>
+    </p:spTree>
+    <p:extLst>
+      <p:ext uri="{BB962C8B-B14F-4D97-AF65-F5344CB8AC3E}">
+        <p14:creationId xmlns:p14="http://schemas.microsoft.com/office/powerpoint/2010/main" val="788668082"/>
+      </p:ext>
+    </p:extLst>
+  </p:cSld>
+  <p:clrMapOvr>
+    <a:masterClrMapping/>
+  </p:clrMapOvr>
+  <p:timing>
+    <p:tnLst>
+      <p:par>
+        <p:cTn id="1" dur="indefinite" restart="never" nodeType="tmRoot"/>
+      </p:par>
+    </p:tnLst>
+  </p:timing>
+</p:sld>
+</file>
+
+<file path=ppt/slides/slide43.xml><?xml version="1.0" encoding="utf-8"?>
+<p:sld xmlns:a="http://schemas.openxmlformats.org/drawingml/2006/main" xmlns:r="http://schemas.openxmlformats.org/officeDocument/2006/relationships" xmlns:p="http://schemas.openxmlformats.org/presentationml/2006/main">
+  <p:cSld>
+    <p:spTree>
+      <p:nvGrpSpPr>
+        <p:cNvPr id="1" name=""/>
+        <p:cNvGrpSpPr/>
+        <p:nvPr/>
+      </p:nvGrpSpPr>
+      <p:grpSpPr>
+        <a:xfrm>
+          <a:off x="0" y="0"/>
+          <a:ext cx="0" cy="0"/>
+          <a:chOff x="0" y="0"/>
+          <a:chExt cx="0" cy="0"/>
+        </a:xfrm>
+      </p:grpSpPr>
+      <p:sp>
+        <p:nvSpPr>
+          <p:cNvPr id="2" name="Title 1"/>
+          <p:cNvSpPr>
+            <a:spLocks noGrp="1"/>
+          </p:cNvSpPr>
+          <p:nvPr>
+            <p:ph type="ctrTitle"/>
+          </p:nvPr>
+        </p:nvSpPr>
+        <p:spPr>
+          <a:xfrm>
+            <a:off x="1382371" y="196321"/>
+            <a:ext cx="9556246" cy="888995"/>
+          </a:xfrm>
+        </p:spPr>
+        <p:txBody>
+          <a:bodyPr>
+            <a:normAutofit fontScale="90000"/>
+          </a:bodyPr>
+          <a:lstStyle/>
+          <a:p>
+            <a:r>
+              <a:rPr lang="en-IN" dirty="0" smtClean="0"/>
+              <a:t>Future Work</a:t>
+            </a:r>
+            <a:endParaRPr lang="en-IN" dirty="0"/>
+          </a:p>
+        </p:txBody>
+      </p:sp>
+      <p:sp>
+        <p:nvSpPr>
+          <p:cNvPr id="8" name="Subtitle 2"/>
+          <p:cNvSpPr>
+            <a:spLocks noGrp="1"/>
+          </p:cNvSpPr>
+          <p:nvPr>
+            <p:ph type="subTitle" idx="1"/>
+          </p:nvPr>
+        </p:nvSpPr>
+        <p:spPr>
+          <a:xfrm>
+            <a:off x="4361843" y="6429375"/>
+            <a:ext cx="3943136" cy="428625"/>
+          </a:xfrm>
+        </p:spPr>
+        <p:txBody>
+          <a:bodyPr>
+            <a:noAutofit/>
+          </a:bodyPr>
+          <a:lstStyle/>
+          <a:p>
+            <a:r>
+              <a:rPr lang="en-IN" sz="2000" dirty="0" smtClean="0">
+                <a:solidFill>
+                  <a:schemeClr val="bg1">
+                    <a:lumMod val="65000"/>
+                    <a:lumOff val="35000"/>
+                  </a:schemeClr>
+                </a:solidFill>
+              </a:rPr>
+              <a:t>github.com/</a:t>
+            </a:r>
+            <a:r>
+              <a:rPr lang="en-IN" sz="2000" dirty="0" err="1" smtClean="0">
+                <a:solidFill>
+                  <a:schemeClr val="bg1">
+                    <a:lumMod val="65000"/>
+                    <a:lumOff val="35000"/>
+                  </a:schemeClr>
+                </a:solidFill>
+              </a:rPr>
+              <a:t>PhoenixRRDS</a:t>
+            </a:r>
+            <a:r>
+              <a:rPr lang="en-IN" sz="2000" dirty="0" smtClean="0">
+                <a:solidFill>
+                  <a:schemeClr val="bg1">
+                    <a:lumMod val="65000"/>
+                    <a:lumOff val="35000"/>
+                  </a:schemeClr>
+                </a:solidFill>
+              </a:rPr>
+              <a:t>/AIRYL</a:t>
+            </a:r>
+            <a:endParaRPr lang="en-IN" sz="2000" dirty="0">
+              <a:solidFill>
+                <a:schemeClr val="bg1">
+                  <a:lumMod val="65000"/>
+                  <a:lumOff val="35000"/>
+                </a:schemeClr>
+              </a:solidFill>
+            </a:endParaRPr>
+          </a:p>
+        </p:txBody>
+      </p:sp>
+      <p:sp>
+        <p:nvSpPr>
+          <p:cNvPr id="5" name="Subtitle 2"/>
+          <p:cNvSpPr txBox="1">
+            <a:spLocks/>
+          </p:cNvSpPr>
+          <p:nvPr/>
+        </p:nvSpPr>
+        <p:spPr>
+          <a:xfrm>
+            <a:off x="1861559" y="1904470"/>
+            <a:ext cx="9212366" cy="3752846"/>
+          </a:xfrm>
+          <a:prstGeom prst="rect">
+            <a:avLst/>
+          </a:prstGeom>
+        </p:spPr>
+        <p:txBody>
+          <a:bodyPr vert="horz" lIns="91440" tIns="45720" rIns="91440" bIns="45720" rtlCol="0">
+            <a:noAutofit/>
+          </a:bodyPr>
+          <a:lstStyle>
+            <a:lvl1pPr marL="228600" indent="-228600" algn="l" defTabSz="914400" rtl="0" eaLnBrk="1" latinLnBrk="0" hangingPunct="1">
+              <a:lnSpc>
+                <a:spcPct val="90000"/>
+              </a:lnSpc>
+              <a:spcBef>
+                <a:spcPts val="1000"/>
+              </a:spcBef>
+              <a:buFont typeface="Arial" panose="020B0604020202020204" pitchFamily="34" charset="0"/>
+              <a:buChar char="•"/>
+              <a:defRPr sz="2800" kern="1200">
+                <a:solidFill>
+                  <a:schemeClr val="tx1"/>
+                </a:solidFill>
+                <a:latin typeface="+mn-lt"/>
+                <a:ea typeface="+mn-ea"/>
+                <a:cs typeface="+mn-cs"/>
+              </a:defRPr>
+            </a:lvl1pPr>
+            <a:lvl2pPr marL="685800" indent="-228600" algn="l" defTabSz="914400" rtl="0" eaLnBrk="1" latinLnBrk="0" hangingPunct="1">
+              <a:lnSpc>
+                <a:spcPct val="90000"/>
+              </a:lnSpc>
+              <a:spcBef>
+                <a:spcPts val="500"/>
+              </a:spcBef>
+              <a:buFont typeface="Arial" panose="020B0604020202020204" pitchFamily="34" charset="0"/>
+              <a:buChar char="•"/>
+              <a:defRPr sz="2400" kern="1200">
+                <a:solidFill>
+                  <a:schemeClr val="tx1"/>
+                </a:solidFill>
+                <a:latin typeface="+mn-lt"/>
+                <a:ea typeface="+mn-ea"/>
+                <a:cs typeface="+mn-cs"/>
+              </a:defRPr>
+            </a:lvl2pPr>
+            <a:lvl3pPr marL="1143000" indent="-228600" algn="l" defTabSz="914400" rtl="0" eaLnBrk="1" latinLnBrk="0" hangingPunct="1">
+              <a:lnSpc>
+                <a:spcPct val="90000"/>
+              </a:lnSpc>
+              <a:spcBef>
+                <a:spcPts val="500"/>
+              </a:spcBef>
+              <a:buFont typeface="Arial" panose="020B0604020202020204" pitchFamily="34" charset="0"/>
+              <a:buChar char="•"/>
+              <a:defRPr sz="2000" kern="1200">
+                <a:solidFill>
+                  <a:schemeClr val="tx1"/>
+                </a:solidFill>
+                <a:latin typeface="+mn-lt"/>
+                <a:ea typeface="+mn-ea"/>
+                <a:cs typeface="+mn-cs"/>
+              </a:defRPr>
+            </a:lvl3pPr>
+            <a:lvl4pPr marL="1600200" indent="-228600" algn="l" defTabSz="914400" rtl="0" eaLnBrk="1" latinLnBrk="0" hangingPunct="1">
+              <a:lnSpc>
+                <a:spcPct val="90000"/>
+              </a:lnSpc>
+              <a:spcBef>
+                <a:spcPts val="500"/>
+              </a:spcBef>
+              <a:buFont typeface="Arial" panose="020B0604020202020204" pitchFamily="34" charset="0"/>
+              <a:buChar char="•"/>
+              <a:defRPr sz="1800" kern="1200">
+                <a:solidFill>
+                  <a:schemeClr val="tx1"/>
+                </a:solidFill>
+                <a:latin typeface="+mn-lt"/>
+                <a:ea typeface="+mn-ea"/>
+                <a:cs typeface="+mn-cs"/>
+              </a:defRPr>
+            </a:lvl4pPr>
+            <a:lvl5pPr marL="2057400" indent="-228600" algn="l" defTabSz="914400" rtl="0" eaLnBrk="1" latinLnBrk="0" hangingPunct="1">
+              <a:lnSpc>
+                <a:spcPct val="90000"/>
+              </a:lnSpc>
+              <a:spcBef>
+                <a:spcPts val="500"/>
+              </a:spcBef>
+              <a:buFont typeface="Arial" panose="020B0604020202020204" pitchFamily="34" charset="0"/>
+              <a:buChar char="•"/>
+              <a:defRPr sz="1800" kern="1200">
+                <a:solidFill>
+                  <a:schemeClr val="tx1"/>
+                </a:solidFill>
+                <a:latin typeface="+mn-lt"/>
+                <a:ea typeface="+mn-ea"/>
+                <a:cs typeface="+mn-cs"/>
+              </a:defRPr>
+            </a:lvl5pPr>
+            <a:lvl6pPr marL="2514600" indent="-228600" algn="l" defTabSz="914400" rtl="0" eaLnBrk="1" latinLnBrk="0" hangingPunct="1">
+              <a:lnSpc>
+                <a:spcPct val="90000"/>
+              </a:lnSpc>
+              <a:spcBef>
+                <a:spcPts val="500"/>
+              </a:spcBef>
+              <a:buFont typeface="Arial" panose="020B0604020202020204" pitchFamily="34" charset="0"/>
+              <a:buChar char="•"/>
+              <a:defRPr sz="1800" kern="1200">
+                <a:solidFill>
+                  <a:schemeClr val="tx1"/>
+                </a:solidFill>
+                <a:latin typeface="+mn-lt"/>
+                <a:ea typeface="+mn-ea"/>
+                <a:cs typeface="+mn-cs"/>
+              </a:defRPr>
+            </a:lvl6pPr>
+            <a:lvl7pPr marL="2971800" indent="-228600" algn="l" defTabSz="914400" rtl="0" eaLnBrk="1" latinLnBrk="0" hangingPunct="1">
+              <a:lnSpc>
+                <a:spcPct val="90000"/>
+              </a:lnSpc>
+              <a:spcBef>
+                <a:spcPts val="500"/>
+              </a:spcBef>
+              <a:buFont typeface="Arial" panose="020B0604020202020204" pitchFamily="34" charset="0"/>
+              <a:buChar char="•"/>
+              <a:defRPr sz="1800" kern="1200">
+                <a:solidFill>
+                  <a:schemeClr val="tx1"/>
+                </a:solidFill>
+                <a:latin typeface="+mn-lt"/>
+                <a:ea typeface="+mn-ea"/>
+                <a:cs typeface="+mn-cs"/>
+              </a:defRPr>
+            </a:lvl7pPr>
+            <a:lvl8pPr marL="3429000" indent="-228600" algn="l" defTabSz="914400" rtl="0" eaLnBrk="1" latinLnBrk="0" hangingPunct="1">
+              <a:lnSpc>
+                <a:spcPct val="90000"/>
+              </a:lnSpc>
+              <a:spcBef>
+                <a:spcPts val="500"/>
+              </a:spcBef>
+              <a:buFont typeface="Arial" panose="020B0604020202020204" pitchFamily="34" charset="0"/>
+              <a:buChar char="•"/>
+              <a:defRPr sz="1800" kern="1200">
+                <a:solidFill>
+                  <a:schemeClr val="tx1"/>
+                </a:solidFill>
+                <a:latin typeface="+mn-lt"/>
+                <a:ea typeface="+mn-ea"/>
+                <a:cs typeface="+mn-cs"/>
+              </a:defRPr>
+            </a:lvl8pPr>
+            <a:lvl9pPr marL="3886200" indent="-228600" algn="l" defTabSz="914400" rtl="0" eaLnBrk="1" latinLnBrk="0" hangingPunct="1">
+              <a:lnSpc>
+                <a:spcPct val="90000"/>
+              </a:lnSpc>
+              <a:spcBef>
+                <a:spcPts val="500"/>
+              </a:spcBef>
+              <a:buFont typeface="Arial" panose="020B0604020202020204" pitchFamily="34" charset="0"/>
+              <a:buChar char="•"/>
+              <a:defRPr sz="1800" kern="1200">
+                <a:solidFill>
+                  <a:schemeClr val="tx1"/>
+                </a:solidFill>
+                <a:latin typeface="+mn-lt"/>
+                <a:ea typeface="+mn-ea"/>
+                <a:cs typeface="+mn-cs"/>
+              </a:defRPr>
+            </a:lvl9pPr>
+          </a:lstStyle>
+          <a:p>
+            <a:r>
+              <a:rPr lang="en-IN" sz="2400" dirty="0" smtClean="0">
+                <a:solidFill>
+                  <a:schemeClr val="tx1">
+                    <a:lumMod val="95000"/>
+                  </a:schemeClr>
+                </a:solidFill>
+              </a:rPr>
+              <a:t>Speech to text conversion</a:t>
+            </a:r>
+          </a:p>
+          <a:p>
+            <a:r>
+              <a:rPr lang="en-IN" sz="2400" dirty="0" smtClean="0">
+                <a:solidFill>
+                  <a:schemeClr val="tx1">
+                    <a:lumMod val="95000"/>
+                  </a:schemeClr>
+                </a:solidFill>
+              </a:rPr>
+              <a:t>User Login</a:t>
+            </a:r>
+          </a:p>
+          <a:p>
+            <a:r>
+              <a:rPr lang="en-IN" sz="2400" dirty="0" smtClean="0">
+                <a:solidFill>
+                  <a:schemeClr val="tx1">
+                    <a:lumMod val="95000"/>
+                  </a:schemeClr>
+                </a:solidFill>
+              </a:rPr>
+              <a:t>Night mode</a:t>
+            </a:r>
+          </a:p>
+          <a:p>
+            <a:r>
+              <a:rPr lang="en-IN" sz="2400" dirty="0" smtClean="0">
+                <a:solidFill>
+                  <a:schemeClr val="tx1">
+                    <a:lumMod val="95000"/>
+                  </a:schemeClr>
+                </a:solidFill>
+              </a:rPr>
+              <a:t>Store user’s notes, display current day’s News</a:t>
+            </a:r>
+            <a:endParaRPr lang="en-IN" sz="2400" dirty="0">
+              <a:solidFill>
+                <a:schemeClr val="tx1">
+                  <a:lumMod val="95000"/>
+                </a:schemeClr>
+              </a:solidFill>
+            </a:endParaRPr>
+          </a:p>
+        </p:txBody>
+      </p:sp>
+    </p:spTree>
+    <p:extLst>
+      <p:ext uri="{BB962C8B-B14F-4D97-AF65-F5344CB8AC3E}">
+        <p14:creationId xmlns:p14="http://schemas.microsoft.com/office/powerpoint/2010/main" val="3416661796"/>
+      </p:ext>
+    </p:extLst>
+  </p:cSld>
+  <p:clrMapOvr>
+    <a:masterClrMapping/>
+  </p:clrMapOvr>
+  <p:timing>
+    <p:tnLst>
+      <p:par>
+        <p:cTn id="1" dur="indefinite" restart="never" nodeType="tmRoot"/>
+      </p:par>
+    </p:tnLst>
+  </p:timing>
+</p:sld>
+</file>
+
+<file path=ppt/slides/slide44.xml><?xml version="1.0" encoding="utf-8"?>
+<p:sld xmlns:a="http://schemas.openxmlformats.org/drawingml/2006/main" xmlns:r="http://schemas.openxmlformats.org/officeDocument/2006/relationships" xmlns:p="http://schemas.openxmlformats.org/presentationml/2006/main">
+  <p:cSld>
+    <p:spTree>
+      <p:nvGrpSpPr>
+        <p:cNvPr id="1" name=""/>
+        <p:cNvGrpSpPr/>
+        <p:nvPr/>
+      </p:nvGrpSpPr>
+      <p:grpSpPr>
+        <a:xfrm>
+          <a:off x="0" y="0"/>
+          <a:ext cx="0" cy="0"/>
+          <a:chOff x="0" y="0"/>
+          <a:chExt cx="0" cy="0"/>
+        </a:xfrm>
+      </p:grpSpPr>
+      <p:sp>
+        <p:nvSpPr>
+          <p:cNvPr id="2" name="Title 1"/>
+          <p:cNvSpPr>
+            <a:spLocks noGrp="1"/>
+          </p:cNvSpPr>
+          <p:nvPr>
+            <p:ph type="ctrTitle"/>
+          </p:nvPr>
+        </p:nvSpPr>
+        <p:spPr>
+          <a:xfrm>
+            <a:off x="1254184" y="1973846"/>
+            <a:ext cx="9556246" cy="2163762"/>
+          </a:xfrm>
+        </p:spPr>
+        <p:txBody>
+          <a:bodyPr/>
+          <a:lstStyle/>
+          <a:p>
+            <a:r>
+              <a:rPr lang="en-IN" dirty="0" smtClean="0"/>
+              <a:t>QUESTIONS?</a:t>
+            </a:r>
+            <a:endParaRPr lang="en-IN" dirty="0"/>
+          </a:p>
+        </p:txBody>
+      </p:sp>
+    </p:spTree>
+    <p:extLst>
+      <p:ext uri="{BB962C8B-B14F-4D97-AF65-F5344CB8AC3E}">
+        <p14:creationId xmlns:p14="http://schemas.microsoft.com/office/powerpoint/2010/main" val="3962088216"/>
+      </p:ext>
+    </p:extLst>
+  </p:cSld>
+  <p:clrMapOvr>
+    <a:masterClrMapping/>
+  </p:clrMapOvr>
+  <p:timing>
+    <p:tnLst>
+      <p:par>
+        <p:cTn id="1" dur="indefinite" restart="never" nodeType="tmRoot"/>
+      </p:par>
+    </p:tnLst>
+  </p:timing>
+</p:sld>
+</file>
+
+<file path=ppt/slides/slide45.xml><?xml version="1.0" encoding="utf-8"?>
 <p:sld xmlns:a="http://schemas.openxmlformats.org/drawingml/2006/main" xmlns:r="http://schemas.openxmlformats.org/officeDocument/2006/relationships" xmlns:p="http://schemas.openxmlformats.org/presentationml/2006/main">
   <p:cSld>
     <p:spTree>
@@ -18431,145 +20081,42 @@
         </p:nvSpPr>
         <p:spPr>
           <a:xfrm>
-            <a:off x="1085957" y="918368"/>
-            <a:ext cx="3943136" cy="428625"/>
+            <a:off x="2606467" y="3619465"/>
+            <a:ext cx="2613661" cy="428625"/>
           </a:xfrm>
         </p:spPr>
         <p:txBody>
           <a:bodyPr>
-            <a:noAutofit/>
+            <a:normAutofit fontScale="62500" lnSpcReduction="20000"/>
           </a:bodyPr>
           <a:lstStyle/>
           <a:p>
-            <a:pPr algn="l"/>
-            <a:r>
-              <a:rPr lang="en-IN" sz="3600" dirty="0"/>
-              <a:t>What is AIRYL?</a:t>
-            </a:r>
-          </a:p>
-        </p:txBody>
-      </p:sp>
-      <p:sp>
-        <p:nvSpPr>
-          <p:cNvPr id="4" name="TextBox 3"/>
-          <p:cNvSpPr txBox="1"/>
-          <p:nvPr/>
-        </p:nvSpPr>
-        <p:spPr>
-          <a:xfrm>
-            <a:off x="1247774" y="1684338"/>
-            <a:ext cx="7153275" cy="1477328"/>
-          </a:xfrm>
-          <a:prstGeom prst="rect">
-            <a:avLst/>
-          </a:prstGeom>
-          <a:noFill/>
-        </p:spPr>
-        <p:txBody>
-          <a:bodyPr wrap="square" rtlCol="0">
-            <a:spAutoFit/>
-          </a:bodyPr>
-          <a:lstStyle/>
-          <a:p>
-            <a:pPr marL="285750" indent="-285750">
-              <a:buFont typeface="Arial" panose="020B0604020202020204" pitchFamily="34" charset="0"/>
-              <a:buChar char="•"/>
-            </a:pPr>
-            <a:r>
-              <a:rPr lang="en-IN" dirty="0"/>
-              <a:t>A </a:t>
-            </a:r>
-            <a:r>
-              <a:rPr lang="en-IN" dirty="0" err="1"/>
-              <a:t>chatbot</a:t>
-            </a:r>
-            <a:r>
-              <a:rPr lang="en-IN" dirty="0"/>
-              <a:t> based on AIML</a:t>
-            </a:r>
-          </a:p>
-          <a:p>
-            <a:pPr marL="285750" indent="-285750">
-              <a:buFont typeface="Arial" panose="020B0604020202020204" pitchFamily="34" charset="0"/>
-              <a:buChar char="•"/>
-            </a:pPr>
-            <a:r>
-              <a:rPr lang="en-IN" dirty="0"/>
-              <a:t>Based on Android</a:t>
-            </a:r>
-          </a:p>
-          <a:p>
-            <a:pPr marL="285750" indent="-285750">
-              <a:buFont typeface="Arial" panose="020B0604020202020204" pitchFamily="34" charset="0"/>
-              <a:buChar char="•"/>
-            </a:pPr>
-            <a:r>
-              <a:rPr lang="en-IN" dirty="0"/>
-              <a:t>Fully documented using Sphinx</a:t>
-            </a:r>
-          </a:p>
-          <a:p>
-            <a:pPr marL="285750" indent="-285750">
-              <a:buFont typeface="Arial" panose="020B0604020202020204" pitchFamily="34" charset="0"/>
-              <a:buChar char="•"/>
-            </a:pPr>
-            <a:r>
-              <a:rPr lang="en-IN" dirty="0"/>
-              <a:t>Open Sourced</a:t>
-            </a:r>
-          </a:p>
-          <a:p>
-            <a:pPr marL="285750" indent="-285750">
-              <a:buFont typeface="Arial" panose="020B0604020202020204" pitchFamily="34" charset="0"/>
-              <a:buChar char="•"/>
-            </a:pPr>
-            <a:r>
-              <a:rPr lang="en-IN" dirty="0"/>
-              <a:t>Under MIT License</a:t>
-            </a:r>
-          </a:p>
-        </p:txBody>
-      </p:sp>
-      <p:sp>
-        <p:nvSpPr>
-          <p:cNvPr id="6" name="TextBox 5"/>
-          <p:cNvSpPr txBox="1"/>
-          <p:nvPr/>
-        </p:nvSpPr>
-        <p:spPr>
-          <a:xfrm>
-            <a:off x="4824411" y="5337970"/>
-            <a:ext cx="3286125" cy="369332"/>
-          </a:xfrm>
-          <a:prstGeom prst="rect">
-            <a:avLst/>
-          </a:prstGeom>
-          <a:noFill/>
-        </p:spPr>
-        <p:txBody>
-          <a:bodyPr wrap="square" rtlCol="0">
-            <a:spAutoFit/>
-          </a:bodyPr>
-          <a:lstStyle/>
-          <a:p>
-            <a:r>
-              <a:rPr lang="en-IN" dirty="0"/>
-              <a:t>github.com/</a:t>
-            </a:r>
-            <a:r>
-              <a:rPr lang="en-IN" dirty="0" err="1"/>
-              <a:t>PhoenixRRDS</a:t>
-            </a:r>
-            <a:r>
-              <a:rPr lang="en-IN" dirty="0"/>
-              <a:t>/AIRYL</a:t>
-            </a:r>
+            <a:pPr algn="r"/>
+            <a:r>
+              <a:rPr lang="en-IN" dirty="0">
+                <a:solidFill>
+                  <a:schemeClr val="bg1">
+                    <a:lumMod val="65000"/>
+                    <a:lumOff val="35000"/>
+                  </a:schemeClr>
+                </a:solidFill>
+              </a:rPr>
+              <a:t>http://phoenixrrds.github.io/</a:t>
+            </a:r>
+            <a:endParaRPr lang="en-IN" dirty="0">
+              <a:solidFill>
+                <a:schemeClr val="bg1">
+                  <a:lumMod val="65000"/>
+                  <a:lumOff val="35000"/>
+                </a:schemeClr>
+              </a:solidFill>
+            </a:endParaRPr>
           </a:p>
         </p:txBody>
       </p:sp>
       <p:pic>
         <p:nvPicPr>
-          <p:cNvPr id="7" name="Picture 6"/>
+          <p:cNvPr id="4" name="Picture 3"/>
           <p:cNvPicPr>
             <a:picLocks noChangeAspect="1"/>
           </p:cNvPicPr>
@@ -18589,18 +20136,298 @@
         </p:blipFill>
         <p:spPr>
           <a:xfrm>
-            <a:off x="9304471" y="918368"/>
-            <a:ext cx="1925504" cy="2613185"/>
+            <a:off x="5067728" y="2995738"/>
+            <a:ext cx="895136" cy="934920"/>
           </a:xfrm>
           <a:prstGeom prst="rect">
             <a:avLst/>
           </a:prstGeom>
         </p:spPr>
       </p:pic>
+      <p:sp>
+        <p:nvSpPr>
+          <p:cNvPr id="5" name="TextBox 4"/>
+          <p:cNvSpPr txBox="1"/>
+          <p:nvPr/>
+        </p:nvSpPr>
+        <p:spPr>
+          <a:xfrm>
+            <a:off x="6153792" y="2680761"/>
+            <a:ext cx="2790825" cy="1323439"/>
+          </a:xfrm>
+          <a:prstGeom prst="rect">
+            <a:avLst/>
+          </a:prstGeom>
+          <a:noFill/>
+        </p:spPr>
+        <p:txBody>
+          <a:bodyPr wrap="square" rtlCol="0">
+            <a:spAutoFit/>
+          </a:bodyPr>
+          <a:lstStyle/>
+          <a:p>
+            <a:r>
+              <a:rPr lang="en-IN" sz="2000" dirty="0" err="1"/>
+              <a:t>Debayan</a:t>
+            </a:r>
+            <a:r>
+              <a:rPr lang="en-IN" sz="2000" dirty="0"/>
+              <a:t> De</a:t>
+            </a:r>
+          </a:p>
+          <a:p>
+            <a:r>
+              <a:rPr lang="en-IN" sz="2000" dirty="0" err="1"/>
+              <a:t>Rohit</a:t>
+            </a:r>
+            <a:r>
+              <a:rPr lang="en-IN" sz="2000" dirty="0"/>
+              <a:t> Das</a:t>
+            </a:r>
+          </a:p>
+          <a:p>
+            <a:r>
+              <a:rPr lang="en-IN" sz="2000" dirty="0"/>
+              <a:t>Rudra Nil Basu</a:t>
+            </a:r>
+          </a:p>
+          <a:p>
+            <a:r>
+              <a:rPr lang="en-IN" sz="2000" dirty="0"/>
+              <a:t>Sumitra Chowdhury</a:t>
+            </a:r>
+          </a:p>
+        </p:txBody>
+      </p:sp>
+      <p:sp>
+        <p:nvSpPr>
+          <p:cNvPr id="7" name="Subtitle 2"/>
+          <p:cNvSpPr txBox="1">
+            <a:spLocks/>
+          </p:cNvSpPr>
+          <p:nvPr/>
+        </p:nvSpPr>
+        <p:spPr>
+          <a:xfrm>
+            <a:off x="3572303" y="3184445"/>
+            <a:ext cx="1647825" cy="428625"/>
+          </a:xfrm>
+          <a:prstGeom prst="rect">
+            <a:avLst/>
+          </a:prstGeom>
+        </p:spPr>
+        <p:txBody>
+          <a:bodyPr vert="horz" lIns="91440" tIns="45720" rIns="91440" bIns="45720" rtlCol="0">
+            <a:normAutofit/>
+          </a:bodyPr>
+          <a:lstStyle>
+            <a:lvl1pPr marL="0" indent="0" algn="ctr" defTabSz="914400" rtl="0" eaLnBrk="1" latinLnBrk="0" hangingPunct="1">
+              <a:lnSpc>
+                <a:spcPct val="90000"/>
+              </a:lnSpc>
+              <a:spcBef>
+                <a:spcPts val="1000"/>
+              </a:spcBef>
+              <a:buFont typeface="Arial" panose="020B0604020202020204" pitchFamily="34" charset="0"/>
+              <a:buNone/>
+              <a:defRPr sz="2400" kern="1200">
+                <a:solidFill>
+                  <a:schemeClr val="tx1"/>
+                </a:solidFill>
+                <a:latin typeface="+mn-lt"/>
+                <a:ea typeface="+mn-ea"/>
+                <a:cs typeface="+mn-cs"/>
+              </a:defRPr>
+            </a:lvl1pPr>
+            <a:lvl2pPr marL="457200" indent="0" algn="ctr" defTabSz="914400" rtl="0" eaLnBrk="1" latinLnBrk="0" hangingPunct="1">
+              <a:lnSpc>
+                <a:spcPct val="90000"/>
+              </a:lnSpc>
+              <a:spcBef>
+                <a:spcPts val="500"/>
+              </a:spcBef>
+              <a:buFont typeface="Arial" panose="020B0604020202020204" pitchFamily="34" charset="0"/>
+              <a:buNone/>
+              <a:defRPr sz="2000" kern="1200">
+                <a:solidFill>
+                  <a:schemeClr val="tx1"/>
+                </a:solidFill>
+                <a:latin typeface="+mn-lt"/>
+                <a:ea typeface="+mn-ea"/>
+                <a:cs typeface="+mn-cs"/>
+              </a:defRPr>
+            </a:lvl2pPr>
+            <a:lvl3pPr marL="914400" indent="0" algn="ctr" defTabSz="914400" rtl="0" eaLnBrk="1" latinLnBrk="0" hangingPunct="1">
+              <a:lnSpc>
+                <a:spcPct val="90000"/>
+              </a:lnSpc>
+              <a:spcBef>
+                <a:spcPts val="500"/>
+              </a:spcBef>
+              <a:buFont typeface="Arial" panose="020B0604020202020204" pitchFamily="34" charset="0"/>
+              <a:buNone/>
+              <a:defRPr sz="1800" kern="1200">
+                <a:solidFill>
+                  <a:schemeClr val="tx1"/>
+                </a:solidFill>
+                <a:latin typeface="+mn-lt"/>
+                <a:ea typeface="+mn-ea"/>
+                <a:cs typeface="+mn-cs"/>
+              </a:defRPr>
+            </a:lvl3pPr>
+            <a:lvl4pPr marL="1371600" indent="0" algn="ctr" defTabSz="914400" rtl="0" eaLnBrk="1" latinLnBrk="0" hangingPunct="1">
+              <a:lnSpc>
+                <a:spcPct val="90000"/>
+              </a:lnSpc>
+              <a:spcBef>
+                <a:spcPts val="500"/>
+              </a:spcBef>
+              <a:buFont typeface="Arial" panose="020B0604020202020204" pitchFamily="34" charset="0"/>
+              <a:buNone/>
+              <a:defRPr sz="1600" kern="1200">
+                <a:solidFill>
+                  <a:schemeClr val="tx1"/>
+                </a:solidFill>
+                <a:latin typeface="+mn-lt"/>
+                <a:ea typeface="+mn-ea"/>
+                <a:cs typeface="+mn-cs"/>
+              </a:defRPr>
+            </a:lvl4pPr>
+            <a:lvl5pPr marL="1828800" indent="0" algn="ctr" defTabSz="914400" rtl="0" eaLnBrk="1" latinLnBrk="0" hangingPunct="1">
+              <a:lnSpc>
+                <a:spcPct val="90000"/>
+              </a:lnSpc>
+              <a:spcBef>
+                <a:spcPts val="500"/>
+              </a:spcBef>
+              <a:buFont typeface="Arial" panose="020B0604020202020204" pitchFamily="34" charset="0"/>
+              <a:buNone/>
+              <a:defRPr sz="1600" kern="1200">
+                <a:solidFill>
+                  <a:schemeClr val="tx1"/>
+                </a:solidFill>
+                <a:latin typeface="+mn-lt"/>
+                <a:ea typeface="+mn-ea"/>
+                <a:cs typeface="+mn-cs"/>
+              </a:defRPr>
+            </a:lvl5pPr>
+            <a:lvl6pPr marL="2286000" indent="0" algn="ctr" defTabSz="914400" rtl="0" eaLnBrk="1" latinLnBrk="0" hangingPunct="1">
+              <a:lnSpc>
+                <a:spcPct val="90000"/>
+              </a:lnSpc>
+              <a:spcBef>
+                <a:spcPts val="500"/>
+              </a:spcBef>
+              <a:buFont typeface="Arial" panose="020B0604020202020204" pitchFamily="34" charset="0"/>
+              <a:buNone/>
+              <a:defRPr sz="1600" kern="1200">
+                <a:solidFill>
+                  <a:schemeClr val="tx1"/>
+                </a:solidFill>
+                <a:latin typeface="+mn-lt"/>
+                <a:ea typeface="+mn-ea"/>
+                <a:cs typeface="+mn-cs"/>
+              </a:defRPr>
+            </a:lvl6pPr>
+            <a:lvl7pPr marL="2743200" indent="0" algn="ctr" defTabSz="914400" rtl="0" eaLnBrk="1" latinLnBrk="0" hangingPunct="1">
+              <a:lnSpc>
+                <a:spcPct val="90000"/>
+              </a:lnSpc>
+              <a:spcBef>
+                <a:spcPts val="500"/>
+              </a:spcBef>
+              <a:buFont typeface="Arial" panose="020B0604020202020204" pitchFamily="34" charset="0"/>
+              <a:buNone/>
+              <a:defRPr sz="1600" kern="1200">
+                <a:solidFill>
+                  <a:schemeClr val="tx1"/>
+                </a:solidFill>
+                <a:latin typeface="+mn-lt"/>
+                <a:ea typeface="+mn-ea"/>
+                <a:cs typeface="+mn-cs"/>
+              </a:defRPr>
+            </a:lvl7pPr>
+            <a:lvl8pPr marL="3200400" indent="0" algn="ctr" defTabSz="914400" rtl="0" eaLnBrk="1" latinLnBrk="0" hangingPunct="1">
+              <a:lnSpc>
+                <a:spcPct val="90000"/>
+              </a:lnSpc>
+              <a:spcBef>
+                <a:spcPts val="500"/>
+              </a:spcBef>
+              <a:buFont typeface="Arial" panose="020B0604020202020204" pitchFamily="34" charset="0"/>
+              <a:buNone/>
+              <a:defRPr sz="1600" kern="1200">
+                <a:solidFill>
+                  <a:schemeClr val="tx1"/>
+                </a:solidFill>
+                <a:latin typeface="+mn-lt"/>
+                <a:ea typeface="+mn-ea"/>
+                <a:cs typeface="+mn-cs"/>
+              </a:defRPr>
+            </a:lvl8pPr>
+            <a:lvl9pPr marL="3657600" indent="0" algn="ctr" defTabSz="914400" rtl="0" eaLnBrk="1" latinLnBrk="0" hangingPunct="1">
+              <a:lnSpc>
+                <a:spcPct val="90000"/>
+              </a:lnSpc>
+              <a:spcBef>
+                <a:spcPts val="500"/>
+              </a:spcBef>
+              <a:buFont typeface="Arial" panose="020B0604020202020204" pitchFamily="34" charset="0"/>
+              <a:buNone/>
+              <a:defRPr sz="1600" kern="1200">
+                <a:solidFill>
+                  <a:schemeClr val="tx1"/>
+                </a:solidFill>
+                <a:latin typeface="+mn-lt"/>
+                <a:ea typeface="+mn-ea"/>
+                <a:cs typeface="+mn-cs"/>
+              </a:defRPr>
+            </a:lvl9pPr>
+          </a:lstStyle>
+          <a:p>
+            <a:pPr algn="r"/>
+            <a:r>
+              <a:rPr lang="en-IN" dirty="0" err="1" smtClean="0"/>
+              <a:t>BitCoders</a:t>
+            </a:r>
+            <a:endParaRPr lang="en-IN" dirty="0"/>
+          </a:p>
+        </p:txBody>
+      </p:sp>
+      <p:sp>
+        <p:nvSpPr>
+          <p:cNvPr id="6" name="Title 1"/>
+          <p:cNvSpPr>
+            <a:spLocks noGrp="1"/>
+          </p:cNvSpPr>
+          <p:nvPr>
+            <p:ph type="ctrTitle"/>
+          </p:nvPr>
+        </p:nvSpPr>
+        <p:spPr>
+          <a:xfrm>
+            <a:off x="1382371" y="196321"/>
+            <a:ext cx="9556246" cy="888995"/>
+          </a:xfrm>
+        </p:spPr>
+        <p:txBody>
+          <a:bodyPr>
+            <a:normAutofit fontScale="90000"/>
+          </a:bodyPr>
+          <a:lstStyle/>
+          <a:p>
+            <a:r>
+              <a:rPr lang="en-IN" smtClean="0"/>
+              <a:t>Thank You</a:t>
+            </a:r>
+            <a:endParaRPr lang="en-IN" dirty="0"/>
+          </a:p>
+        </p:txBody>
+      </p:sp>
     </p:spTree>
     <p:extLst>
       <p:ext uri="{BB962C8B-B14F-4D97-AF65-F5344CB8AC3E}">
-        <p14:creationId xmlns:p14="http://schemas.microsoft.com/office/powerpoint/2010/main" val="2992801045"/>
+        <p14:creationId xmlns:p14="http://schemas.microsoft.com/office/powerpoint/2010/main" val="3336073126"/>
       </p:ext>
     </p:extLst>
   </p:cSld>

--- a/The design and development of AIRYL.pptx
+++ b/The design and development of AIRYL.pptx
@@ -41,15 +41,19 @@
     <p:sldId id="291" r:id="rId35"/>
     <p:sldId id="298" r:id="rId36"/>
     <p:sldId id="269" r:id="rId37"/>
-    <p:sldId id="292" r:id="rId38"/>
-    <p:sldId id="293" r:id="rId39"/>
-    <p:sldId id="295" r:id="rId40"/>
-    <p:sldId id="294" r:id="rId41"/>
-    <p:sldId id="296" r:id="rId42"/>
-    <p:sldId id="297" r:id="rId43"/>
-    <p:sldId id="299" r:id="rId44"/>
-    <p:sldId id="300" r:id="rId45"/>
-    <p:sldId id="301" r:id="rId46"/>
+    <p:sldId id="303" r:id="rId38"/>
+    <p:sldId id="302" r:id="rId39"/>
+    <p:sldId id="304" r:id="rId40"/>
+    <p:sldId id="305" r:id="rId41"/>
+    <p:sldId id="292" r:id="rId42"/>
+    <p:sldId id="293" r:id="rId43"/>
+    <p:sldId id="295" r:id="rId44"/>
+    <p:sldId id="294" r:id="rId45"/>
+    <p:sldId id="296" r:id="rId46"/>
+    <p:sldId id="297" r:id="rId47"/>
+    <p:sldId id="299" r:id="rId48"/>
+    <p:sldId id="300" r:id="rId49"/>
+    <p:sldId id="301" r:id="rId50"/>
   </p:sldIdLst>
   <p:sldSz cx="12192000" cy="6858000"/>
   <p:notesSz cx="6858000" cy="9144000"/>
@@ -965,13 +969,6 @@
         </dgm:presLayoutVars>
       </dgm:prSet>
       <dgm:spPr/>
-      <dgm:t>
-        <a:bodyPr/>
-        <a:lstStyle/>
-        <a:p>
-          <a:endParaRPr lang="en-IN"/>
-        </a:p>
-      </dgm:t>
     </dgm:pt>
     <dgm:pt modelId="{346262E2-C57D-489A-B037-8C8EBCA35523}" type="pres">
       <dgm:prSet presAssocID="{C88076A0-6653-4D85-9D10-03F2645E9641}" presName="ellipse" presStyleLbl="trBgShp" presStyleIdx="0" presStyleCnt="1" custLinFactNeighborX="39164" custLinFactNeighborY="5446"/>
@@ -988,13 +985,6 @@
         </dgm:presLayoutVars>
       </dgm:prSet>
       <dgm:spPr/>
-      <dgm:t>
-        <a:bodyPr/>
-        <a:lstStyle/>
-        <a:p>
-          <a:endParaRPr lang="en-IN"/>
-        </a:p>
-      </dgm:t>
     </dgm:pt>
     <dgm:pt modelId="{2019F1B1-729F-4341-A698-452548D6DEBC}" type="pres">
       <dgm:prSet presAssocID="{C88076A0-6653-4D85-9D10-03F2645E9641}" presName="funnel" presStyleLbl="trAlignAcc1" presStyleIdx="0" presStyleCnt="1" custLinFactNeighborX="38356" custLinFactNeighborY="2018"/>
@@ -1002,9 +992,9 @@
     </dgm:pt>
   </dgm:ptLst>
   <dgm:cxnLst>
+    <dgm:cxn modelId="{DCF1546D-CA3D-4B81-AAB9-81A181105233}" type="presOf" srcId="{91FDC806-5B62-40DC-9B71-E5A4E1EBAD3A}" destId="{FC5EA61A-D4DB-46BF-A3FC-76836DD14261}" srcOrd="0" destOrd="0" presId="urn:microsoft.com/office/officeart/2005/8/layout/funnel1"/>
+    <dgm:cxn modelId="{1455AE7E-807C-4325-A656-78E1CC06B8FF}" srcId="{C88076A0-6653-4D85-9D10-03F2645E9641}" destId="{91FDC806-5B62-40DC-9B71-E5A4E1EBAD3A}" srcOrd="0" destOrd="0" parTransId="{DEDAB077-B3C3-4264-96F8-D75AD85C3E70}" sibTransId="{CC2167F7-6E16-442C-93F6-FEFBBD38D6AC}"/>
     <dgm:cxn modelId="{BEF925DD-F8C8-4176-8BD0-0F19729FA008}" type="presOf" srcId="{C88076A0-6653-4D85-9D10-03F2645E9641}" destId="{2966D7F0-5C50-415E-8638-25EE74035078}" srcOrd="0" destOrd="0" presId="urn:microsoft.com/office/officeart/2005/8/layout/funnel1"/>
-    <dgm:cxn modelId="{1455AE7E-807C-4325-A656-78E1CC06B8FF}" srcId="{C88076A0-6653-4D85-9D10-03F2645E9641}" destId="{91FDC806-5B62-40DC-9B71-E5A4E1EBAD3A}" srcOrd="0" destOrd="0" parTransId="{DEDAB077-B3C3-4264-96F8-D75AD85C3E70}" sibTransId="{CC2167F7-6E16-442C-93F6-FEFBBD38D6AC}"/>
-    <dgm:cxn modelId="{DCF1546D-CA3D-4B81-AAB9-81A181105233}" type="presOf" srcId="{91FDC806-5B62-40DC-9B71-E5A4E1EBAD3A}" destId="{FC5EA61A-D4DB-46BF-A3FC-76836DD14261}" srcOrd="0" destOrd="0" presId="urn:microsoft.com/office/officeart/2005/8/layout/funnel1"/>
     <dgm:cxn modelId="{C8FF48F1-19CE-4ADA-A010-6AC728473CB9}" type="presParOf" srcId="{2966D7F0-5C50-415E-8638-25EE74035078}" destId="{346262E2-C57D-489A-B037-8C8EBCA35523}" srcOrd="0" destOrd="0" presId="urn:microsoft.com/office/officeart/2005/8/layout/funnel1"/>
     <dgm:cxn modelId="{555800B4-CEAF-4E66-BDDA-4D5769772A83}" type="presParOf" srcId="{2966D7F0-5C50-415E-8638-25EE74035078}" destId="{1C238821-D327-4FD2-AE7A-3493D9B7C9CB}" srcOrd="1" destOrd="0" presId="urn:microsoft.com/office/officeart/2005/8/layout/funnel1"/>
     <dgm:cxn modelId="{EBD21D8A-3F6D-4F8A-AE65-F943A2DC4D5F}" type="presParOf" srcId="{2966D7F0-5C50-415E-8638-25EE74035078}" destId="{FC5EA61A-D4DB-46BF-A3FC-76836DD14261}" srcOrd="2" destOrd="0" presId="urn:microsoft.com/office/officeart/2005/8/layout/funnel1"/>
@@ -1155,7 +1145,7 @@
         </a:bodyPr>
         <a:lstStyle/>
         <a:p>
-          <a:pPr lvl="0" algn="ctr" defTabSz="1600200">
+          <a:pPr marL="0" lvl="0" indent="0" algn="ctr" defTabSz="1600200">
             <a:lnSpc>
               <a:spcPct val="90000"/>
             </a:lnSpc>
@@ -1165,6 +1155,7 @@
             <a:spcAft>
               <a:spcPct val="35000"/>
             </a:spcAft>
+            <a:buNone/>
           </a:pPr>
           <a:r>
             <a:rPr lang="en-US" sz="3600" kern="1200" dirty="0"/>
@@ -2713,7 +2704,7 @@
           <a:p>
             <a:fld id="{5EE06FB1-94E1-4706-8EFB-7CD6096210B2}" type="datetimeFigureOut">
               <a:rPr lang="en-IN" smtClean="0"/>
-              <a:t>30-11-2017</a:t>
+              <a:t>01-12-2017</a:t>
             </a:fld>
             <a:endParaRPr lang="en-IN"/>
           </a:p>
@@ -2883,7 +2874,7 @@
           <a:p>
             <a:fld id="{5EE06FB1-94E1-4706-8EFB-7CD6096210B2}" type="datetimeFigureOut">
               <a:rPr lang="en-IN" smtClean="0"/>
-              <a:t>30-11-2017</a:t>
+              <a:t>01-12-2017</a:t>
             </a:fld>
             <a:endParaRPr lang="en-IN"/>
           </a:p>
@@ -3063,7 +3054,7 @@
           <a:p>
             <a:fld id="{5EE06FB1-94E1-4706-8EFB-7CD6096210B2}" type="datetimeFigureOut">
               <a:rPr lang="en-IN" smtClean="0"/>
-              <a:t>30-11-2017</a:t>
+              <a:t>01-12-2017</a:t>
             </a:fld>
             <a:endParaRPr lang="en-IN"/>
           </a:p>
@@ -3233,7 +3224,7 @@
           <a:p>
             <a:fld id="{5EE06FB1-94E1-4706-8EFB-7CD6096210B2}" type="datetimeFigureOut">
               <a:rPr lang="en-IN" smtClean="0"/>
-              <a:t>30-11-2017</a:t>
+              <a:t>01-12-2017</a:t>
             </a:fld>
             <a:endParaRPr lang="en-IN"/>
           </a:p>
@@ -3479,7 +3470,7 @@
           <a:p>
             <a:fld id="{5EE06FB1-94E1-4706-8EFB-7CD6096210B2}" type="datetimeFigureOut">
               <a:rPr lang="en-IN" smtClean="0"/>
-              <a:t>30-11-2017</a:t>
+              <a:t>01-12-2017</a:t>
             </a:fld>
             <a:endParaRPr lang="en-IN"/>
           </a:p>
@@ -3711,7 +3702,7 @@
           <a:p>
             <a:fld id="{5EE06FB1-94E1-4706-8EFB-7CD6096210B2}" type="datetimeFigureOut">
               <a:rPr lang="en-IN" smtClean="0"/>
-              <a:t>30-11-2017</a:t>
+              <a:t>01-12-2017</a:t>
             </a:fld>
             <a:endParaRPr lang="en-IN"/>
           </a:p>
@@ -4078,7 +4069,7 @@
           <a:p>
             <a:fld id="{5EE06FB1-94E1-4706-8EFB-7CD6096210B2}" type="datetimeFigureOut">
               <a:rPr lang="en-IN" smtClean="0"/>
-              <a:t>30-11-2017</a:t>
+              <a:t>01-12-2017</a:t>
             </a:fld>
             <a:endParaRPr lang="en-IN"/>
           </a:p>
@@ -4196,7 +4187,7 @@
           <a:p>
             <a:fld id="{5EE06FB1-94E1-4706-8EFB-7CD6096210B2}" type="datetimeFigureOut">
               <a:rPr lang="en-IN" smtClean="0"/>
-              <a:t>30-11-2017</a:t>
+              <a:t>01-12-2017</a:t>
             </a:fld>
             <a:endParaRPr lang="en-IN"/>
           </a:p>
@@ -4291,7 +4282,7 @@
           <a:p>
             <a:fld id="{5EE06FB1-94E1-4706-8EFB-7CD6096210B2}" type="datetimeFigureOut">
               <a:rPr lang="en-IN" smtClean="0"/>
-              <a:t>30-11-2017</a:t>
+              <a:t>01-12-2017</a:t>
             </a:fld>
             <a:endParaRPr lang="en-IN"/>
           </a:p>
@@ -4568,7 +4559,7 @@
           <a:p>
             <a:fld id="{5EE06FB1-94E1-4706-8EFB-7CD6096210B2}" type="datetimeFigureOut">
               <a:rPr lang="en-IN" smtClean="0"/>
-              <a:t>30-11-2017</a:t>
+              <a:t>01-12-2017</a:t>
             </a:fld>
             <a:endParaRPr lang="en-IN"/>
           </a:p>
@@ -4825,7 +4816,7 @@
           <a:p>
             <a:fld id="{5EE06FB1-94E1-4706-8EFB-7CD6096210B2}" type="datetimeFigureOut">
               <a:rPr lang="en-IN" smtClean="0"/>
-              <a:t>30-11-2017</a:t>
+              <a:t>01-12-2017</a:t>
             </a:fld>
             <a:endParaRPr lang="en-IN"/>
           </a:p>
@@ -5038,7 +5029,7 @@
           <a:p>
             <a:fld id="{5EE06FB1-94E1-4706-8EFB-7CD6096210B2}" type="datetimeFigureOut">
               <a:rPr lang="en-IN" smtClean="0"/>
-              <a:t>30-11-2017</a:t>
+              <a:t>01-12-2017</a:t>
             </a:fld>
             <a:endParaRPr lang="en-IN"/>
           </a:p>
@@ -5480,13 +5471,6 @@
   <p:clrMapOvr>
     <a:masterClrMapping/>
   </p:clrMapOvr>
-  <p:timing>
-    <p:tnLst>
-      <p:par>
-        <p:cTn id="1" dur="indefinite" restart="never" nodeType="tmRoot"/>
-      </p:par>
-    </p:tnLst>
-  </p:timing>
 </p:sld>
 </file>
 
@@ -5586,7 +5570,7 @@
           <p:cNvPr id="6" name="Group 5">
             <a:extLst>
               <a:ext uri="{FF2B5EF4-FFF2-40B4-BE49-F238E27FC236}">
-                <a16:creationId xmlns="" xmlns:a16="http://schemas.microsoft.com/office/drawing/2014/main" id="{C87DA721-C399-4EBC-852A-9BF5F6E04FFB}"/>
+                <a16:creationId xmlns:a16="http://schemas.microsoft.com/office/drawing/2014/main" id="{C87DA721-C399-4EBC-852A-9BF5F6E04FFB}"/>
               </a:ext>
             </a:extLst>
           </p:cNvPr>
@@ -5671,13 +5655,6 @@
   <p:clrMapOvr>
     <a:masterClrMapping/>
   </p:clrMapOvr>
-  <p:timing>
-    <p:tnLst>
-      <p:par>
-        <p:cTn id="1" dur="indefinite" restart="never" nodeType="tmRoot"/>
-      </p:par>
-    </p:tnLst>
-  </p:timing>
 </p:sld>
 </file>
 
@@ -5703,7 +5680,7 @@
           <p:cNvPr id="4" name="Title 1">
             <a:extLst>
               <a:ext uri="{FF2B5EF4-FFF2-40B4-BE49-F238E27FC236}">
-                <a16:creationId xmlns="" xmlns:a16="http://schemas.microsoft.com/office/drawing/2014/main" id="{4F054BBB-470D-4EF5-91EF-64446AC3D0D8}"/>
+                <a16:creationId xmlns:a16="http://schemas.microsoft.com/office/drawing/2014/main" id="{4F054BBB-470D-4EF5-91EF-64446AC3D0D8}"/>
               </a:ext>
             </a:extLst>
           </p:cNvPr>
@@ -5737,7 +5714,7 @@
           <p:cNvPr id="5" name="Content Placeholder 2">
             <a:extLst>
               <a:ext uri="{FF2B5EF4-FFF2-40B4-BE49-F238E27FC236}">
-                <a16:creationId xmlns="" xmlns:a16="http://schemas.microsoft.com/office/drawing/2014/main" id="{5395A5E0-0480-44F8-8601-6F65EA4C9313}"/>
+                <a16:creationId xmlns:a16="http://schemas.microsoft.com/office/drawing/2014/main" id="{5395A5E0-0480-44F8-8601-6F65EA4C9313}"/>
               </a:ext>
             </a:extLst>
           </p:cNvPr>
@@ -5817,7 +5794,7 @@
           <p:cNvPr id="6" name="Picture 2" descr="File:Turing test diagram.png">
             <a:extLst>
               <a:ext uri="{FF2B5EF4-FFF2-40B4-BE49-F238E27FC236}">
-                <a16:creationId xmlns="" xmlns:a16="http://schemas.microsoft.com/office/drawing/2014/main" id="{8BF6AAC3-0A12-46EC-B1C8-07B6C26C5BDA}"/>
+                <a16:creationId xmlns:a16="http://schemas.microsoft.com/office/drawing/2014/main" id="{8BF6AAC3-0A12-46EC-B1C8-07B6C26C5BDA}"/>
               </a:ext>
             </a:extLst>
           </p:cNvPr>
@@ -6234,7 +6211,7 @@
           <p:cNvPr id="4" name="Title 1">
             <a:extLst>
               <a:ext uri="{FF2B5EF4-FFF2-40B4-BE49-F238E27FC236}">
-                <a16:creationId xmlns="" xmlns:a16="http://schemas.microsoft.com/office/drawing/2014/main" id="{245DCB3D-EC83-412F-A6A5-5DB2CCFFE85B}"/>
+                <a16:creationId xmlns:a16="http://schemas.microsoft.com/office/drawing/2014/main" id="{245DCB3D-EC83-412F-A6A5-5DB2CCFFE85B}"/>
               </a:ext>
             </a:extLst>
           </p:cNvPr>
@@ -6270,7 +6247,7 @@
               <p:cNvPr id="5" name="Content Placeholder 2">
                 <a:extLst>
                   <a:ext uri="{FF2B5EF4-FFF2-40B4-BE49-F238E27FC236}">
-                    <a16:creationId xmlns="" xmlns:a16="http://schemas.microsoft.com/office/drawing/2014/main" id="{01471190-1398-40EC-A7B8-DF9F75F9E7A3}"/>
+                    <a16:creationId xmlns:a16="http://schemas.microsoft.com/office/drawing/2014/main" id="{01471190-1398-40EC-A7B8-DF9F75F9E7A3}"/>
                   </a:ext>
                 </a:extLst>
               </p:cNvPr>
@@ -6456,7 +6433,7 @@
           <p:cNvPr id="6" name="Picture 2" descr="https://upload.wikimedia.org/wikipedia/commons/b/be/Deep_Blue.jpg">
             <a:extLst>
               <a:ext uri="{FF2B5EF4-FFF2-40B4-BE49-F238E27FC236}">
-                <a16:creationId xmlns="" xmlns:a16="http://schemas.microsoft.com/office/drawing/2014/main" id="{87B84574-7BEA-4AD5-977A-BF21AFCA9FDE}"/>
+                <a16:creationId xmlns:a16="http://schemas.microsoft.com/office/drawing/2014/main" id="{87B84574-7BEA-4AD5-977A-BF21AFCA9FDE}"/>
               </a:ext>
             </a:extLst>
           </p:cNvPr>
@@ -6526,7 +6503,7 @@
           <p:cNvPr id="7" name="Picture 4" descr="https://upload.wikimedia.org/wikipedia/commons/d/dc/Kasparov-29.jpg">
             <a:extLst>
               <a:ext uri="{FF2B5EF4-FFF2-40B4-BE49-F238E27FC236}">
-                <a16:creationId xmlns="" xmlns:a16="http://schemas.microsoft.com/office/drawing/2014/main" id="{9E13A585-C2C4-4E76-9361-E84AFA01EE17}"/>
+                <a16:creationId xmlns:a16="http://schemas.microsoft.com/office/drawing/2014/main" id="{9E13A585-C2C4-4E76-9361-E84AFA01EE17}"/>
               </a:ext>
             </a:extLst>
           </p:cNvPr>
@@ -7134,7 +7111,7 @@
           <p:cNvPr id="6" name="Group 5">
             <a:extLst>
               <a:ext uri="{FF2B5EF4-FFF2-40B4-BE49-F238E27FC236}">
-                <a16:creationId xmlns="" xmlns:a16="http://schemas.microsoft.com/office/drawing/2014/main" id="{EF1ECEAD-4FD5-421C-8CA9-FFFE1EC9A33F}"/>
+                <a16:creationId xmlns:a16="http://schemas.microsoft.com/office/drawing/2014/main" id="{EF1ECEAD-4FD5-421C-8CA9-FFFE1EC9A33F}"/>
               </a:ext>
             </a:extLst>
           </p:cNvPr>
@@ -7219,13 +7196,6 @@
   <p:clrMapOvr>
     <a:masterClrMapping/>
   </p:clrMapOvr>
-  <p:timing>
-    <p:tnLst>
-      <p:par>
-        <p:cTn id="1" dur="indefinite" restart="never" nodeType="tmRoot"/>
-      </p:par>
-    </p:tnLst>
-  </p:timing>
 </p:sld>
 </file>
 
@@ -7251,7 +7221,7 @@
           <p:cNvPr id="4" name="Title 1">
             <a:extLst>
               <a:ext uri="{FF2B5EF4-FFF2-40B4-BE49-F238E27FC236}">
-                <a16:creationId xmlns="" xmlns:a16="http://schemas.microsoft.com/office/drawing/2014/main" id="{DFA1592A-12AA-41B0-9B39-464024AB789C}"/>
+                <a16:creationId xmlns:a16="http://schemas.microsoft.com/office/drawing/2014/main" id="{DFA1592A-12AA-41B0-9B39-464024AB789C}"/>
               </a:ext>
             </a:extLst>
           </p:cNvPr>
@@ -7284,7 +7254,7 @@
           <p:cNvPr id="5" name="Picture 2" descr="Image result for android">
             <a:extLst>
               <a:ext uri="{FF2B5EF4-FFF2-40B4-BE49-F238E27FC236}">
-                <a16:creationId xmlns="" xmlns:a16="http://schemas.microsoft.com/office/drawing/2014/main" id="{B9537F49-8CA5-4D0E-8E30-4C3DBD384297}"/>
+                <a16:creationId xmlns:a16="http://schemas.microsoft.com/office/drawing/2014/main" id="{B9537F49-8CA5-4D0E-8E30-4C3DBD384297}"/>
               </a:ext>
             </a:extLst>
           </p:cNvPr>
@@ -7340,7 +7310,7 @@
           <p:cNvPr id="6" name="Picture 4" descr="http://www.alicebot.org/graphics/logo.png">
             <a:extLst>
               <a:ext uri="{FF2B5EF4-FFF2-40B4-BE49-F238E27FC236}">
-                <a16:creationId xmlns="" xmlns:a16="http://schemas.microsoft.com/office/drawing/2014/main" id="{C4D0D45E-47B4-4332-9EAD-BF1602F67B44}"/>
+                <a16:creationId xmlns:a16="http://schemas.microsoft.com/office/drawing/2014/main" id="{C4D0D45E-47B4-4332-9EAD-BF1602F67B44}"/>
               </a:ext>
             </a:extLst>
           </p:cNvPr>
@@ -7387,7 +7357,7 @@
           <p:cNvPr id="7" name="Picture 6" descr="Image result for coding">
             <a:extLst>
               <a:ext uri="{FF2B5EF4-FFF2-40B4-BE49-F238E27FC236}">
-                <a16:creationId xmlns="" xmlns:a16="http://schemas.microsoft.com/office/drawing/2014/main" id="{1C8FF789-52C3-48C9-B897-A810BC2F8925}"/>
+                <a16:creationId xmlns:a16="http://schemas.microsoft.com/office/drawing/2014/main" id="{1C8FF789-52C3-48C9-B897-A810BC2F8925}"/>
               </a:ext>
             </a:extLst>
           </p:cNvPr>
@@ -7434,7 +7404,7 @@
           <p:cNvPr id="8" name="Diagram 7">
             <a:extLst>
               <a:ext uri="{FF2B5EF4-FFF2-40B4-BE49-F238E27FC236}">
-                <a16:creationId xmlns="" xmlns:a16="http://schemas.microsoft.com/office/drawing/2014/main" id="{B0BFB1B8-727E-4800-BB22-B5E71B9D62DD}"/>
+                <a16:creationId xmlns:a16="http://schemas.microsoft.com/office/drawing/2014/main" id="{B0BFB1B8-727E-4800-BB22-B5E71B9D62DD}"/>
               </a:ext>
             </a:extLst>
           </p:cNvPr>
@@ -7462,7 +7432,7 @@
           <p:cNvPr id="9" name="TextBox 8">
             <a:extLst>
               <a:ext uri="{FF2B5EF4-FFF2-40B4-BE49-F238E27FC236}">
-                <a16:creationId xmlns="" xmlns:a16="http://schemas.microsoft.com/office/drawing/2014/main" id="{0EE1EC7B-F5FE-4D50-8714-EA73A22DEB2E}"/>
+                <a16:creationId xmlns:a16="http://schemas.microsoft.com/office/drawing/2014/main" id="{0EE1EC7B-F5FE-4D50-8714-EA73A22DEB2E}"/>
               </a:ext>
             </a:extLst>
           </p:cNvPr>
@@ -8053,7 +8023,7 @@
           <p:cNvPr id="4" name="Title 1">
             <a:extLst>
               <a:ext uri="{FF2B5EF4-FFF2-40B4-BE49-F238E27FC236}">
-                <a16:creationId xmlns="" xmlns:a16="http://schemas.microsoft.com/office/drawing/2014/main" id="{DF9B25EE-8945-4BEE-8AA8-CC466FB75DBC}"/>
+                <a16:creationId xmlns:a16="http://schemas.microsoft.com/office/drawing/2014/main" id="{DF9B25EE-8945-4BEE-8AA8-CC466FB75DBC}"/>
               </a:ext>
             </a:extLst>
           </p:cNvPr>
@@ -8087,7 +8057,7 @@
           <p:cNvPr id="5" name="Content Placeholder 2">
             <a:extLst>
               <a:ext uri="{FF2B5EF4-FFF2-40B4-BE49-F238E27FC236}">
-                <a16:creationId xmlns="" xmlns:a16="http://schemas.microsoft.com/office/drawing/2014/main" id="{E3A96E5D-04DE-4494-9F06-A51CDD4005A8}"/>
+                <a16:creationId xmlns:a16="http://schemas.microsoft.com/office/drawing/2014/main" id="{E3A96E5D-04DE-4494-9F06-A51CDD4005A8}"/>
               </a:ext>
             </a:extLst>
           </p:cNvPr>
@@ -8146,7 +8116,7 @@
           <p:cNvPr id="6" name="Picture 2" descr="ALICE Pyramid Logo by Sage Greco">
             <a:extLst>
               <a:ext uri="{FF2B5EF4-FFF2-40B4-BE49-F238E27FC236}">
-                <a16:creationId xmlns="" xmlns:a16="http://schemas.microsoft.com/office/drawing/2014/main" id="{29D8EBF5-C4ED-4D52-B83C-8D593509BB7A}"/>
+                <a16:creationId xmlns:a16="http://schemas.microsoft.com/office/drawing/2014/main" id="{29D8EBF5-C4ED-4D52-B83C-8D593509BB7A}"/>
               </a:ext>
             </a:extLst>
           </p:cNvPr>
@@ -8193,7 +8163,7 @@
           <p:cNvPr id="7" name="Picture 6" descr="Image result for richard wallace aiml">
             <a:extLst>
               <a:ext uri="{FF2B5EF4-FFF2-40B4-BE49-F238E27FC236}">
-                <a16:creationId xmlns="" xmlns:a16="http://schemas.microsoft.com/office/drawing/2014/main" id="{033BF789-30DB-4818-AD0F-24C1F4AFE44A}"/>
+                <a16:creationId xmlns:a16="http://schemas.microsoft.com/office/drawing/2014/main" id="{033BF789-30DB-4818-AD0F-24C1F4AFE44A}"/>
               </a:ext>
             </a:extLst>
           </p:cNvPr>
@@ -8659,7 +8629,7 @@
           <p:cNvPr id="4" name="TextBox 3">
             <a:extLst>
               <a:ext uri="{FF2B5EF4-FFF2-40B4-BE49-F238E27FC236}">
-                <a16:creationId xmlns="" xmlns:a16="http://schemas.microsoft.com/office/drawing/2014/main" id="{D235C480-B8BC-4917-8E82-A110FFCF3B05}"/>
+                <a16:creationId xmlns:a16="http://schemas.microsoft.com/office/drawing/2014/main" id="{D235C480-B8BC-4917-8E82-A110FFCF3B05}"/>
               </a:ext>
             </a:extLst>
           </p:cNvPr>
@@ -8699,13 +8669,6 @@
   <p:clrMapOvr>
     <a:masterClrMapping/>
   </p:clrMapOvr>
-  <p:timing>
-    <p:tnLst>
-      <p:par>
-        <p:cTn id="1" dur="indefinite" restart="never" nodeType="tmRoot"/>
-      </p:par>
-    </p:tnLst>
-  </p:timing>
 </p:sld>
 </file>
 
@@ -8794,7 +8757,7 @@
           <p:cNvPr id="4" name="Group 3">
             <a:extLst>
               <a:ext uri="{FF2B5EF4-FFF2-40B4-BE49-F238E27FC236}">
-                <a16:creationId xmlns="" xmlns:a16="http://schemas.microsoft.com/office/drawing/2014/main" id="{8BB1134F-36F4-4116-A258-DF007CA3056B}"/>
+                <a16:creationId xmlns:a16="http://schemas.microsoft.com/office/drawing/2014/main" id="{8BB1134F-36F4-4116-A258-DF007CA3056B}"/>
               </a:ext>
             </a:extLst>
           </p:cNvPr>
@@ -8884,13 +8847,6 @@
   <p:clrMapOvr>
     <a:masterClrMapping/>
   </p:clrMapOvr>
-  <p:timing>
-    <p:tnLst>
-      <p:par>
-        <p:cTn id="1" dur="indefinite" restart="never" nodeType="tmRoot"/>
-      </p:par>
-    </p:tnLst>
-  </p:timing>
 </p:sld>
 </file>
 
@@ -8954,10 +8910,9 @@
           <a:p>
             <a:pPr algn="ctr"/>
             <a:r>
-              <a:rPr lang="en-IN" dirty="0" smtClean="0"/>
+              <a:rPr lang="en-IN" dirty="0"/>
               <a:t>3. Android implementation</a:t>
             </a:r>
-            <a:endParaRPr lang="en-IN" dirty="0"/>
           </a:p>
         </p:txBody>
       </p:sp>
@@ -9151,7 +9106,7 @@
               <a:buNone/>
             </a:pPr>
             <a:r>
-              <a:rPr lang="en-IN" sz="6600" dirty="0" smtClean="0">
+              <a:rPr lang="en-IN" sz="6600" dirty="0">
                 <a:solidFill>
                   <a:schemeClr val="tx1">
                     <a:lumMod val="95000"/>
@@ -9160,13 +9115,6 @@
               </a:rPr>
               <a:t>3.1 The UI</a:t>
             </a:r>
-            <a:endParaRPr lang="en-IN" sz="6600" dirty="0">
-              <a:solidFill>
-                <a:schemeClr val="tx1">
-                  <a:lumMod val="95000"/>
-                </a:schemeClr>
-              </a:solidFill>
-            </a:endParaRPr>
           </a:p>
         </p:txBody>
       </p:sp>
@@ -9180,13 +9128,6 @@
   <p:clrMapOvr>
     <a:masterClrMapping/>
   </p:clrMapOvr>
-  <p:timing>
-    <p:tnLst>
-      <p:par>
-        <p:cTn id="1" dur="indefinite" restart="never" nodeType="tmRoot"/>
-      </p:par>
-    </p:tnLst>
-  </p:timing>
 </p:sld>
 </file>
 
@@ -9397,7 +9338,7 @@
               <a:buNone/>
             </a:pPr>
             <a:r>
-              <a:rPr lang="en-IN" sz="6600" dirty="0" smtClean="0">
+              <a:rPr lang="en-IN" sz="6600" dirty="0">
                 <a:solidFill>
                   <a:schemeClr val="tx1">
                     <a:lumMod val="95000"/>
@@ -9406,13 +9347,6 @@
               </a:rPr>
               <a:t>Relative Layout</a:t>
             </a:r>
-            <a:endParaRPr lang="en-IN" sz="6600" dirty="0">
-              <a:solidFill>
-                <a:schemeClr val="tx1">
-                  <a:lumMod val="95000"/>
-                </a:schemeClr>
-              </a:solidFill>
-            </a:endParaRPr>
           </a:p>
         </p:txBody>
       </p:sp>
@@ -9426,13 +9360,6 @@
   <p:clrMapOvr>
     <a:masterClrMapping/>
   </p:clrMapOvr>
-  <p:timing>
-    <p:tnLst>
-      <p:par>
-        <p:cTn id="1" dur="indefinite" restart="never" nodeType="tmRoot"/>
-      </p:par>
-    </p:tnLst>
-  </p:timing>
 </p:sld>
 </file>
 
@@ -9487,14 +9414,6 @@
               </a:rPr>
               <a:t>http://phoenixrrds.github.io/</a:t>
             </a:r>
-            <a:endParaRPr lang="en-IN" dirty="0">
-              <a:solidFill>
-                <a:schemeClr val="bg1">
-                  <a:lumMod val="65000"/>
-                  <a:lumOff val="35000"/>
-                </a:schemeClr>
-              </a:solidFill>
-            </a:endParaRPr>
           </a:p>
         </p:txBody>
       </p:sp>
@@ -9771,7 +9690,7 @@
           <a:p>
             <a:pPr algn="r"/>
             <a:r>
-              <a:rPr lang="en-IN" dirty="0" err="1" smtClean="0"/>
+              <a:rPr lang="en-IN" dirty="0" err="1"/>
               <a:t>BitCoders</a:t>
             </a:r>
             <a:endParaRPr lang="en-IN" dirty="0"/>
@@ -9788,13 +9707,6 @@
   <p:clrMapOvr>
     <a:masterClrMapping/>
   </p:clrMapOvr>
-  <p:timing>
-    <p:tnLst>
-      <p:par>
-        <p:cTn id="1" dur="indefinite" restart="never" nodeType="tmRoot"/>
-      </p:par>
-    </p:tnLst>
-  </p:timing>
 </p:sld>
 </file>
 
@@ -10005,7 +9917,7 @@
               <a:buNone/>
             </a:pPr>
             <a:r>
-              <a:rPr lang="en-IN" sz="6600" dirty="0" smtClean="0">
+              <a:rPr lang="en-IN" sz="6600" dirty="0">
                 <a:solidFill>
                   <a:schemeClr val="tx1">
                     <a:lumMod val="95000"/>
@@ -10014,13 +9926,6 @@
               </a:rPr>
               <a:t>Relative Layout</a:t>
             </a:r>
-            <a:endParaRPr lang="en-IN" sz="6600" dirty="0">
-              <a:solidFill>
-                <a:schemeClr val="tx1">
-                  <a:lumMod val="95000"/>
-                </a:schemeClr>
-              </a:solidFill>
-            </a:endParaRPr>
           </a:p>
         </p:txBody>
       </p:sp>
@@ -10214,7 +10119,7 @@
               <a:buNone/>
             </a:pPr>
             <a:r>
-              <a:rPr lang="en-IN" sz="3200" dirty="0" smtClean="0">
+              <a:rPr lang="en-IN" sz="3200" dirty="0">
                 <a:solidFill>
                   <a:schemeClr val="tx1">
                     <a:lumMod val="95000"/>
@@ -10223,13 +10128,6 @@
               </a:rPr>
               <a:t>Allows child views relative to their parent</a:t>
             </a:r>
-            <a:endParaRPr lang="en-IN" sz="3200" dirty="0">
-              <a:solidFill>
-                <a:schemeClr val="tx1">
-                  <a:lumMod val="95000"/>
-                </a:schemeClr>
-              </a:solidFill>
-            </a:endParaRPr>
           </a:p>
         </p:txBody>
       </p:sp>
@@ -10243,13 +10141,6 @@
   <p:clrMapOvr>
     <a:masterClrMapping/>
   </p:clrMapOvr>
-  <p:timing>
-    <p:tnLst>
-      <p:par>
-        <p:cTn id="1" dur="indefinite" restart="never" nodeType="tmRoot"/>
-      </p:par>
-    </p:tnLst>
-  </p:timing>
 </p:sld>
 </file>
 
@@ -10460,7 +10351,7 @@
               <a:buNone/>
             </a:pPr>
             <a:r>
-              <a:rPr lang="en-IN" sz="6600" dirty="0" smtClean="0">
+              <a:rPr lang="en-IN" sz="6600" dirty="0">
                 <a:solidFill>
                   <a:schemeClr val="tx1">
                     <a:lumMod val="95000"/>
@@ -10469,13 +10360,6 @@
               </a:rPr>
               <a:t>Relative Layout</a:t>
             </a:r>
-            <a:endParaRPr lang="en-IN" sz="6600" dirty="0">
-              <a:solidFill>
-                <a:schemeClr val="tx1">
-                  <a:lumMod val="95000"/>
-                </a:schemeClr>
-              </a:solidFill>
-            </a:endParaRPr>
           </a:p>
         </p:txBody>
       </p:sp>
@@ -10669,7 +10553,7 @@
               <a:buNone/>
             </a:pPr>
             <a:r>
-              <a:rPr lang="en-IN" sz="3200" dirty="0" smtClean="0">
+              <a:rPr lang="en-IN" sz="3200" dirty="0">
                 <a:solidFill>
                   <a:schemeClr val="tx1">
                     <a:lumMod val="95000"/>
@@ -10678,13 +10562,6 @@
               </a:rPr>
               <a:t>Allows child views relative to their parent</a:t>
             </a:r>
-            <a:endParaRPr lang="en-IN" sz="3200" dirty="0">
-              <a:solidFill>
-                <a:schemeClr val="tx1">
-                  <a:lumMod val="95000"/>
-                </a:schemeClr>
-              </a:solidFill>
-            </a:endParaRPr>
           </a:p>
         </p:txBody>
       </p:sp>
@@ -10878,7 +10755,7 @@
               <a:buNone/>
             </a:pPr>
             <a:r>
-              <a:rPr lang="en-IN" sz="3200" dirty="0" err="1" smtClean="0">
+              <a:rPr lang="en-IN" sz="3200" dirty="0" err="1">
                 <a:solidFill>
                   <a:schemeClr val="tx1">
                     <a:lumMod val="95000"/>
@@ -10887,7 +10764,7 @@
               </a:rPr>
               <a:t>android:layout_alignParentTop</a:t>
             </a:r>
-            <a:endParaRPr lang="en-IN" sz="3200" dirty="0" smtClean="0">
+            <a:endParaRPr lang="en-IN" sz="3200" dirty="0">
               <a:solidFill>
                 <a:schemeClr val="tx1">
                   <a:lumMod val="95000"/>
@@ -10912,7 +10789,7 @@
               <a:buNone/>
             </a:pPr>
             <a:r>
-              <a:rPr lang="en-IN" sz="3200" dirty="0" smtClean="0">
+              <a:rPr lang="en-IN" sz="3200" dirty="0">
                 <a:solidFill>
                   <a:schemeClr val="tx1">
                     <a:lumMod val="95000"/>
@@ -10921,13 +10798,6 @@
               </a:rPr>
               <a:t>	If “true” makes the top edge of this view match the top edge of the parent</a:t>
             </a:r>
-            <a:endParaRPr lang="en-IN" sz="3200" dirty="0">
-              <a:solidFill>
-                <a:schemeClr val="tx1">
-                  <a:lumMod val="95000"/>
-                </a:schemeClr>
-              </a:solidFill>
-            </a:endParaRPr>
           </a:p>
         </p:txBody>
       </p:sp>
@@ -10941,13 +10811,6 @@
   <p:clrMapOvr>
     <a:masterClrMapping/>
   </p:clrMapOvr>
-  <p:timing>
-    <p:tnLst>
-      <p:par>
-        <p:cTn id="1" dur="indefinite" restart="never" nodeType="tmRoot"/>
-      </p:par>
-    </p:tnLst>
-  </p:timing>
 </p:sld>
 </file>
 
@@ -11158,7 +11021,7 @@
               <a:buNone/>
             </a:pPr>
             <a:r>
-              <a:rPr lang="en-IN" sz="6600" dirty="0" smtClean="0">
+              <a:rPr lang="en-IN" sz="6600" dirty="0">
                 <a:solidFill>
                   <a:schemeClr val="tx1">
                     <a:lumMod val="95000"/>
@@ -11167,13 +11030,6 @@
               </a:rPr>
               <a:t>Relative Layout</a:t>
             </a:r>
-            <a:endParaRPr lang="en-IN" sz="6600" dirty="0">
-              <a:solidFill>
-                <a:schemeClr val="tx1">
-                  <a:lumMod val="95000"/>
-                </a:schemeClr>
-              </a:solidFill>
-            </a:endParaRPr>
           </a:p>
         </p:txBody>
       </p:sp>
@@ -11367,7 +11223,7 @@
               <a:buNone/>
             </a:pPr>
             <a:r>
-              <a:rPr lang="en-IN" sz="3200" dirty="0" smtClean="0">
+              <a:rPr lang="en-IN" sz="3200" dirty="0">
                 <a:solidFill>
                   <a:schemeClr val="tx1">
                     <a:lumMod val="95000"/>
@@ -11377,7 +11233,7 @@
               <a:t>&lt;</a:t>
             </a:r>
             <a:r>
-              <a:rPr lang="en-IN" sz="3200" dirty="0" err="1" smtClean="0">
+              <a:rPr lang="en-IN" sz="3200" dirty="0" err="1">
                 <a:solidFill>
                   <a:schemeClr val="tx1">
                     <a:lumMod val="95000"/>
@@ -11385,238 +11241,6 @@
                 </a:solidFill>
               </a:rPr>
               <a:t>RelativeLayout</a:t>
-            </a:r>
-            <a:endParaRPr lang="en-IN" sz="3200" dirty="0" smtClean="0">
-              <a:solidFill>
-                <a:schemeClr val="tx1">
-                  <a:lumMod val="95000"/>
-                </a:schemeClr>
-              </a:solidFill>
-            </a:endParaRPr>
-          </a:p>
-          <a:p>
-            <a:pPr marL="0" indent="0">
-              <a:buNone/>
-            </a:pPr>
-            <a:r>
-              <a:rPr lang="en-IN" sz="3200" dirty="0">
-                <a:solidFill>
-                  <a:schemeClr val="tx1">
-                    <a:lumMod val="95000"/>
-                  </a:schemeClr>
-                </a:solidFill>
-              </a:rPr>
-              <a:t> </a:t>
-            </a:r>
-            <a:r>
-              <a:rPr lang="en-IN" sz="3200" dirty="0" smtClean="0">
-                <a:solidFill>
-                  <a:schemeClr val="tx1">
-                    <a:lumMod val="95000"/>
-                  </a:schemeClr>
-                </a:solidFill>
-              </a:rPr>
-              <a:t> …</a:t>
-            </a:r>
-          </a:p>
-          <a:p>
-            <a:pPr marL="0" indent="0">
-              <a:buNone/>
-            </a:pPr>
-            <a:r>
-              <a:rPr lang="en-IN" sz="3200" dirty="0">
-                <a:solidFill>
-                  <a:schemeClr val="tx1">
-                    <a:lumMod val="95000"/>
-                  </a:schemeClr>
-                </a:solidFill>
-              </a:rPr>
-              <a:t> </a:t>
-            </a:r>
-            <a:r>
-              <a:rPr lang="en-IN" sz="3200" dirty="0" smtClean="0">
-                <a:solidFill>
-                  <a:schemeClr val="tx1">
-                    <a:lumMod val="95000"/>
-                  </a:schemeClr>
-                </a:solidFill>
-              </a:rPr>
-              <a:t> </a:t>
-            </a:r>
-            <a:r>
-              <a:rPr lang="en-IN" sz="3200" dirty="0" err="1" smtClean="0">
-                <a:solidFill>
-                  <a:schemeClr val="tx1">
-                    <a:lumMod val="95000"/>
-                  </a:schemeClr>
-                </a:solidFill>
-              </a:rPr>
-              <a:t>android:layout_width</a:t>
-            </a:r>
-            <a:r>
-              <a:rPr lang="en-IN" sz="3200" dirty="0" smtClean="0">
-                <a:solidFill>
-                  <a:schemeClr val="tx1">
-                    <a:lumMod val="95000"/>
-                  </a:schemeClr>
-                </a:solidFill>
-              </a:rPr>
-              <a:t>: “</a:t>
-            </a:r>
-            <a:r>
-              <a:rPr lang="en-IN" sz="3200" dirty="0" err="1" smtClean="0">
-                <a:solidFill>
-                  <a:schemeClr val="tx1">
-                    <a:lumMod val="95000"/>
-                  </a:schemeClr>
-                </a:solidFill>
-              </a:rPr>
-              <a:t>match_parent</a:t>
-            </a:r>
-            <a:r>
-              <a:rPr lang="en-IN" sz="3200" dirty="0" smtClean="0">
-                <a:solidFill>
-                  <a:schemeClr val="tx1">
-                    <a:lumMod val="95000"/>
-                  </a:schemeClr>
-                </a:solidFill>
-              </a:rPr>
-              <a:t>”</a:t>
-            </a:r>
-          </a:p>
-          <a:p>
-            <a:pPr marL="0" indent="0">
-              <a:buNone/>
-            </a:pPr>
-            <a:r>
-              <a:rPr lang="en-IN" sz="3200" dirty="0">
-                <a:solidFill>
-                  <a:schemeClr val="tx1">
-                    <a:lumMod val="95000"/>
-                  </a:schemeClr>
-                </a:solidFill>
-              </a:rPr>
-              <a:t> </a:t>
-            </a:r>
-            <a:r>
-              <a:rPr lang="en-IN" sz="3200" dirty="0" smtClean="0">
-                <a:solidFill>
-                  <a:schemeClr val="tx1">
-                    <a:lumMod val="95000"/>
-                  </a:schemeClr>
-                </a:solidFill>
-              </a:rPr>
-              <a:t> </a:t>
-            </a:r>
-            <a:r>
-              <a:rPr lang="en-IN" sz="3200" dirty="0" err="1" smtClean="0">
-                <a:solidFill>
-                  <a:schemeClr val="tx1">
-                    <a:lumMod val="95000"/>
-                  </a:schemeClr>
-                </a:solidFill>
-              </a:rPr>
-              <a:t>android:layout_height</a:t>
-            </a:r>
-            <a:r>
-              <a:rPr lang="en-IN" sz="3200" dirty="0" smtClean="0">
-                <a:solidFill>
-                  <a:schemeClr val="tx1">
-                    <a:lumMod val="95000"/>
-                  </a:schemeClr>
-                </a:solidFill>
-              </a:rPr>
-              <a:t>: </a:t>
-            </a:r>
-            <a:r>
-              <a:rPr lang="en-IN" sz="3200" dirty="0">
-                <a:solidFill>
-                  <a:schemeClr val="tx1">
-                    <a:lumMod val="95000"/>
-                  </a:schemeClr>
-                </a:solidFill>
-              </a:rPr>
-              <a:t>“</a:t>
-            </a:r>
-            <a:r>
-              <a:rPr lang="en-IN" sz="3200" dirty="0" err="1">
-                <a:solidFill>
-                  <a:schemeClr val="tx1">
-                    <a:lumMod val="95000"/>
-                  </a:schemeClr>
-                </a:solidFill>
-              </a:rPr>
-              <a:t>match_parent</a:t>
-            </a:r>
-            <a:r>
-              <a:rPr lang="en-IN" sz="3200" dirty="0" smtClean="0">
-                <a:solidFill>
-                  <a:schemeClr val="tx1">
-                    <a:lumMod val="95000"/>
-                  </a:schemeClr>
-                </a:solidFill>
-              </a:rPr>
-              <a:t>”</a:t>
-            </a:r>
-          </a:p>
-          <a:p>
-            <a:pPr marL="0" indent="0">
-              <a:buNone/>
-            </a:pPr>
-            <a:r>
-              <a:rPr lang="en-IN" sz="3200" dirty="0">
-                <a:solidFill>
-                  <a:schemeClr val="tx1">
-                    <a:lumMod val="95000"/>
-                  </a:schemeClr>
-                </a:solidFill>
-              </a:rPr>
-              <a:t> </a:t>
-            </a:r>
-            <a:r>
-              <a:rPr lang="en-IN" sz="3200" dirty="0" smtClean="0">
-                <a:solidFill>
-                  <a:schemeClr val="tx1">
-                    <a:lumMod val="95000"/>
-                  </a:schemeClr>
-                </a:solidFill>
-              </a:rPr>
-              <a:t> …</a:t>
-            </a:r>
-          </a:p>
-          <a:p>
-            <a:pPr marL="0" indent="0">
-              <a:buNone/>
-            </a:pPr>
-            <a:r>
-              <a:rPr lang="en-IN" sz="3200" dirty="0" smtClean="0">
-                <a:solidFill>
-                  <a:schemeClr val="tx1">
-                    <a:lumMod val="95000"/>
-                  </a:schemeClr>
-                </a:solidFill>
-              </a:rPr>
-              <a:t>&lt;/</a:t>
-            </a:r>
-            <a:r>
-              <a:rPr lang="en-IN" sz="3200" dirty="0" err="1" smtClean="0">
-                <a:solidFill>
-                  <a:schemeClr val="tx1">
-                    <a:lumMod val="95000"/>
-                  </a:schemeClr>
-                </a:solidFill>
-              </a:rPr>
-              <a:t>RelativeLayout</a:t>
-            </a:r>
-            <a:r>
-              <a:rPr lang="en-IN" sz="3200" dirty="0" smtClean="0">
-                <a:solidFill>
-                  <a:schemeClr val="tx1">
-                    <a:lumMod val="95000"/>
-                  </a:schemeClr>
-                </a:solidFill>
-              </a:rPr>
-              <a:t>&gt;</a:t>
             </a:r>
             <a:endParaRPr lang="en-IN" sz="3200" dirty="0">
               <a:solidFill>
@@ -11625,6 +11249,181 @@
                 </a:schemeClr>
               </a:solidFill>
             </a:endParaRPr>
+          </a:p>
+          <a:p>
+            <a:pPr marL="0" indent="0">
+              <a:buNone/>
+            </a:pPr>
+            <a:r>
+              <a:rPr lang="en-IN" sz="3200" dirty="0">
+                <a:solidFill>
+                  <a:schemeClr val="tx1">
+                    <a:lumMod val="95000"/>
+                  </a:schemeClr>
+                </a:solidFill>
+              </a:rPr>
+              <a:t>  …</a:t>
+            </a:r>
+          </a:p>
+          <a:p>
+            <a:pPr marL="0" indent="0">
+              <a:buNone/>
+            </a:pPr>
+            <a:r>
+              <a:rPr lang="en-IN" sz="3200" dirty="0">
+                <a:solidFill>
+                  <a:schemeClr val="tx1">
+                    <a:lumMod val="95000"/>
+                  </a:schemeClr>
+                </a:solidFill>
+              </a:rPr>
+              <a:t>  </a:t>
+            </a:r>
+            <a:r>
+              <a:rPr lang="en-IN" sz="3200" dirty="0" err="1">
+                <a:solidFill>
+                  <a:schemeClr val="tx1">
+                    <a:lumMod val="95000"/>
+                  </a:schemeClr>
+                </a:solidFill>
+              </a:rPr>
+              <a:t>android:layout_width</a:t>
+            </a:r>
+            <a:r>
+              <a:rPr lang="en-IN" sz="3200" dirty="0">
+                <a:solidFill>
+                  <a:schemeClr val="tx1">
+                    <a:lumMod val="95000"/>
+                  </a:schemeClr>
+                </a:solidFill>
+              </a:rPr>
+              <a:t>: “</a:t>
+            </a:r>
+            <a:r>
+              <a:rPr lang="en-IN" sz="3200" dirty="0" err="1">
+                <a:solidFill>
+                  <a:schemeClr val="tx1">
+                    <a:lumMod val="95000"/>
+                  </a:schemeClr>
+                </a:solidFill>
+              </a:rPr>
+              <a:t>match_parent</a:t>
+            </a:r>
+            <a:r>
+              <a:rPr lang="en-IN" sz="3200" dirty="0">
+                <a:solidFill>
+                  <a:schemeClr val="tx1">
+                    <a:lumMod val="95000"/>
+                  </a:schemeClr>
+                </a:solidFill>
+              </a:rPr>
+              <a:t>”</a:t>
+            </a:r>
+          </a:p>
+          <a:p>
+            <a:pPr marL="0" indent="0">
+              <a:buNone/>
+            </a:pPr>
+            <a:r>
+              <a:rPr lang="en-IN" sz="3200" dirty="0">
+                <a:solidFill>
+                  <a:schemeClr val="tx1">
+                    <a:lumMod val="95000"/>
+                  </a:schemeClr>
+                </a:solidFill>
+              </a:rPr>
+              <a:t>  </a:t>
+            </a:r>
+            <a:r>
+              <a:rPr lang="en-IN" sz="3200" dirty="0" err="1">
+                <a:solidFill>
+                  <a:schemeClr val="tx1">
+                    <a:lumMod val="95000"/>
+                  </a:schemeClr>
+                </a:solidFill>
+              </a:rPr>
+              <a:t>android:layout_height</a:t>
+            </a:r>
+            <a:r>
+              <a:rPr lang="en-IN" sz="3200" dirty="0">
+                <a:solidFill>
+                  <a:schemeClr val="tx1">
+                    <a:lumMod val="95000"/>
+                  </a:schemeClr>
+                </a:solidFill>
+              </a:rPr>
+              <a:t>: “</a:t>
+            </a:r>
+            <a:r>
+              <a:rPr lang="en-IN" sz="3200" dirty="0" err="1">
+                <a:solidFill>
+                  <a:schemeClr val="tx1">
+                    <a:lumMod val="95000"/>
+                  </a:schemeClr>
+                </a:solidFill>
+              </a:rPr>
+              <a:t>match_parent</a:t>
+            </a:r>
+            <a:r>
+              <a:rPr lang="en-IN" sz="3200" dirty="0">
+                <a:solidFill>
+                  <a:schemeClr val="tx1">
+                    <a:lumMod val="95000"/>
+                  </a:schemeClr>
+                </a:solidFill>
+              </a:rPr>
+              <a:t>”</a:t>
+            </a:r>
+          </a:p>
+          <a:p>
+            <a:pPr marL="0" indent="0">
+              <a:buNone/>
+            </a:pPr>
+            <a:r>
+              <a:rPr lang="en-IN" sz="3200" dirty="0">
+                <a:solidFill>
+                  <a:schemeClr val="tx1">
+                    <a:lumMod val="95000"/>
+                  </a:schemeClr>
+                </a:solidFill>
+              </a:rPr>
+              <a:t>  …</a:t>
+            </a:r>
+          </a:p>
+          <a:p>
+            <a:pPr marL="0" indent="0">
+              <a:buNone/>
+            </a:pPr>
+            <a:r>
+              <a:rPr lang="en-IN" sz="3200" dirty="0">
+                <a:solidFill>
+                  <a:schemeClr val="tx1">
+                    <a:lumMod val="95000"/>
+                  </a:schemeClr>
+                </a:solidFill>
+              </a:rPr>
+              <a:t>&lt;/</a:t>
+            </a:r>
+            <a:r>
+              <a:rPr lang="en-IN" sz="3200" dirty="0" err="1">
+                <a:solidFill>
+                  <a:schemeClr val="tx1">
+                    <a:lumMod val="95000"/>
+                  </a:schemeClr>
+                </a:solidFill>
+              </a:rPr>
+              <a:t>RelativeLayout</a:t>
+            </a:r>
+            <a:r>
+              <a:rPr lang="en-IN" sz="3200" dirty="0">
+                <a:solidFill>
+                  <a:schemeClr val="tx1">
+                    <a:lumMod val="95000"/>
+                  </a:schemeClr>
+                </a:solidFill>
+              </a:rPr>
+              <a:t>&gt;</a:t>
+            </a:r>
           </a:p>
         </p:txBody>
       </p:sp>
@@ -11638,13 +11437,6 @@
   <p:clrMapOvr>
     <a:masterClrMapping/>
   </p:clrMapOvr>
-  <p:timing>
-    <p:tnLst>
-      <p:par>
-        <p:cTn id="1" dur="indefinite" restart="never" nodeType="tmRoot"/>
-      </p:par>
-    </p:tnLst>
-  </p:timing>
 </p:sld>
 </file>
 
@@ -11855,7 +11647,7 @@
               <a:buNone/>
             </a:pPr>
             <a:r>
-              <a:rPr lang="en-IN" sz="6600" dirty="0" smtClean="0">
+              <a:rPr lang="en-IN" sz="6600" dirty="0">
                 <a:solidFill>
                   <a:schemeClr val="tx1">
                     <a:lumMod val="95000"/>
@@ -11864,13 +11656,6 @@
               </a:rPr>
               <a:t>Relative Layout</a:t>
             </a:r>
-            <a:endParaRPr lang="en-IN" sz="6600" dirty="0">
-              <a:solidFill>
-                <a:schemeClr val="tx1">
-                  <a:lumMod val="95000"/>
-                </a:schemeClr>
-              </a:solidFill>
-            </a:endParaRPr>
           </a:p>
         </p:txBody>
       </p:sp>
@@ -12064,7 +11849,7 @@
               <a:buNone/>
             </a:pPr>
             <a:r>
-              <a:rPr lang="en-IN" sz="2400" dirty="0" smtClean="0">
+              <a:rPr lang="en-IN" sz="2400" dirty="0">
                 <a:solidFill>
                   <a:schemeClr val="tx1">
                     <a:lumMod val="95000"/>
@@ -12074,7 +11859,7 @@
               <a:t>&lt;</a:t>
             </a:r>
             <a:r>
-              <a:rPr lang="en-IN" sz="2400" dirty="0" err="1" smtClean="0">
+              <a:rPr lang="en-IN" sz="2400" dirty="0" err="1">
                 <a:solidFill>
                   <a:schemeClr val="tx1">
                     <a:lumMod val="95000"/>
@@ -12082,250 +11867,6 @@
                 </a:solidFill>
               </a:rPr>
               <a:t>RelativeLayout</a:t>
-            </a:r>
-            <a:endParaRPr lang="en-IN" sz="2400" dirty="0" smtClean="0">
-              <a:solidFill>
-                <a:schemeClr val="tx1">
-                  <a:lumMod val="95000"/>
-                </a:schemeClr>
-              </a:solidFill>
-            </a:endParaRPr>
-          </a:p>
-          <a:p>
-            <a:pPr marL="0" indent="0">
-              <a:buNone/>
-            </a:pPr>
-            <a:r>
-              <a:rPr lang="en-IN" sz="2400" dirty="0">
-                <a:solidFill>
-                  <a:schemeClr val="tx1">
-                    <a:lumMod val="95000"/>
-                  </a:schemeClr>
-                </a:solidFill>
-              </a:rPr>
-              <a:t> </a:t>
-            </a:r>
-            <a:r>
-              <a:rPr lang="en-IN" sz="2400" dirty="0" smtClean="0">
-                <a:solidFill>
-                  <a:schemeClr val="tx1">
-                    <a:lumMod val="95000"/>
-                  </a:schemeClr>
-                </a:solidFill>
-              </a:rPr>
-              <a:t> …</a:t>
-            </a:r>
-          </a:p>
-          <a:p>
-            <a:pPr marL="0" indent="0">
-              <a:buNone/>
-            </a:pPr>
-            <a:r>
-              <a:rPr lang="en-IN" sz="2400" dirty="0">
-                <a:solidFill>
-                  <a:schemeClr val="tx1">
-                    <a:lumMod val="95000"/>
-                  </a:schemeClr>
-                </a:solidFill>
-              </a:rPr>
-              <a:t> </a:t>
-            </a:r>
-            <a:r>
-              <a:rPr lang="en-IN" sz="2400" dirty="0" smtClean="0">
-                <a:solidFill>
-                  <a:schemeClr val="tx1">
-                    <a:lumMod val="95000"/>
-                  </a:schemeClr>
-                </a:solidFill>
-              </a:rPr>
-              <a:t> &lt;</a:t>
-            </a:r>
-            <a:r>
-              <a:rPr lang="en-IN" sz="2400" dirty="0" err="1" smtClean="0">
-                <a:solidFill>
-                  <a:schemeClr val="tx1">
-                    <a:lumMod val="95000"/>
-                  </a:schemeClr>
-                </a:solidFill>
-              </a:rPr>
-              <a:t>ListView</a:t>
-            </a:r>
-            <a:endParaRPr lang="en-IN" sz="2400" dirty="0" smtClean="0">
-              <a:solidFill>
-                <a:schemeClr val="tx1">
-                  <a:lumMod val="95000"/>
-                </a:schemeClr>
-              </a:solidFill>
-            </a:endParaRPr>
-          </a:p>
-          <a:p>
-            <a:pPr marL="0" indent="0">
-              <a:buNone/>
-            </a:pPr>
-            <a:r>
-              <a:rPr lang="en-IN" sz="2400" dirty="0" smtClean="0">
-                <a:solidFill>
-                  <a:schemeClr val="tx1">
-                    <a:lumMod val="95000"/>
-                  </a:schemeClr>
-                </a:solidFill>
-              </a:rPr>
-              <a:t>	…</a:t>
-            </a:r>
-          </a:p>
-          <a:p>
-            <a:pPr marL="457200" lvl="1" indent="0">
-              <a:buNone/>
-            </a:pPr>
-            <a:r>
-              <a:rPr lang="en-IN" sz="2000" dirty="0">
-                <a:solidFill>
-                  <a:schemeClr val="tx1">
-                    <a:lumMod val="95000"/>
-                  </a:schemeClr>
-                </a:solidFill>
-              </a:rPr>
-              <a:t> </a:t>
-            </a:r>
-            <a:r>
-              <a:rPr lang="en-IN" sz="2000" dirty="0" smtClean="0">
-                <a:solidFill>
-                  <a:schemeClr val="tx1">
-                    <a:lumMod val="95000"/>
-                  </a:schemeClr>
-                </a:solidFill>
-              </a:rPr>
-              <a:t>       </a:t>
-            </a:r>
-            <a:r>
-              <a:rPr lang="en-IN" sz="2000" dirty="0" err="1" smtClean="0">
-                <a:solidFill>
-                  <a:schemeClr val="tx1">
-                    <a:lumMod val="95000"/>
-                  </a:schemeClr>
-                </a:solidFill>
-              </a:rPr>
-              <a:t>android:id</a:t>
-            </a:r>
-            <a:r>
-              <a:rPr lang="en-IN" sz="2000" dirty="0" smtClean="0">
-                <a:solidFill>
-                  <a:schemeClr val="tx1">
-                    <a:lumMod val="95000"/>
-                  </a:schemeClr>
-                </a:solidFill>
-              </a:rPr>
-              <a:t>=“@+id/</a:t>
-            </a:r>
-            <a:r>
-              <a:rPr lang="en-IN" sz="2000" dirty="0" err="1" smtClean="0">
-                <a:solidFill>
-                  <a:schemeClr val="tx1">
-                    <a:lumMod val="95000"/>
-                  </a:schemeClr>
-                </a:solidFill>
-              </a:rPr>
-              <a:t>messageView</a:t>
-            </a:r>
-            <a:r>
-              <a:rPr lang="en-IN" sz="2000" dirty="0" smtClean="0">
-                <a:solidFill>
-                  <a:schemeClr val="tx1">
-                    <a:lumMod val="95000"/>
-                  </a:schemeClr>
-                </a:solidFill>
-              </a:rPr>
-              <a:t>”</a:t>
-            </a:r>
-          </a:p>
-          <a:p>
-            <a:pPr marL="0" indent="0">
-              <a:buNone/>
-            </a:pPr>
-            <a:r>
-              <a:rPr lang="en-IN" sz="2400" dirty="0" smtClean="0">
-                <a:solidFill>
-                  <a:schemeClr val="tx1">
-                    <a:lumMod val="95000"/>
-                  </a:schemeClr>
-                </a:solidFill>
-              </a:rPr>
-              <a:t>	…</a:t>
-            </a:r>
-          </a:p>
-          <a:p>
-            <a:pPr marL="0" indent="0">
-              <a:buNone/>
-            </a:pPr>
-            <a:r>
-              <a:rPr lang="en-IN" sz="2400" dirty="0">
-                <a:solidFill>
-                  <a:schemeClr val="tx1">
-                    <a:lumMod val="95000"/>
-                  </a:schemeClr>
-                </a:solidFill>
-              </a:rPr>
-              <a:t> </a:t>
-            </a:r>
-            <a:r>
-              <a:rPr lang="en-IN" sz="2400" dirty="0" smtClean="0">
-                <a:solidFill>
-                  <a:schemeClr val="tx1">
-                    <a:lumMod val="95000"/>
-                  </a:schemeClr>
-                </a:solidFill>
-              </a:rPr>
-              <a:t> /&gt;</a:t>
-            </a:r>
-          </a:p>
-          <a:p>
-            <a:pPr marL="0" indent="0">
-              <a:buNone/>
-            </a:pPr>
-            <a:r>
-              <a:rPr lang="en-IN" sz="2400" dirty="0" smtClean="0">
-                <a:solidFill>
-                  <a:schemeClr val="tx1">
-                    <a:lumMod val="95000"/>
-                  </a:schemeClr>
-                </a:solidFill>
-              </a:rPr>
-              <a:t>  …</a:t>
-            </a:r>
-          </a:p>
-          <a:p>
-            <a:pPr marL="0" indent="0">
-              <a:buNone/>
-            </a:pPr>
-            <a:r>
-              <a:rPr lang="en-IN" sz="2400" dirty="0" smtClean="0">
-                <a:solidFill>
-                  <a:schemeClr val="tx1">
-                    <a:lumMod val="95000"/>
-                  </a:schemeClr>
-                </a:solidFill>
-              </a:rPr>
-              <a:t>&lt;/</a:t>
-            </a:r>
-            <a:r>
-              <a:rPr lang="en-IN" sz="2400" dirty="0" err="1" smtClean="0">
-                <a:solidFill>
-                  <a:schemeClr val="tx1">
-                    <a:lumMod val="95000"/>
-                  </a:schemeClr>
-                </a:solidFill>
-              </a:rPr>
-              <a:t>RelativeLayout</a:t>
-            </a:r>
-            <a:r>
-              <a:rPr lang="en-IN" sz="2400" dirty="0" smtClean="0">
-                <a:solidFill>
-                  <a:schemeClr val="tx1">
-                    <a:lumMod val="95000"/>
-                  </a:schemeClr>
-                </a:solidFill>
-              </a:rPr>
-              <a:t>&gt;</a:t>
             </a:r>
             <a:endParaRPr lang="en-IN" sz="2400" dirty="0">
               <a:solidFill>
@@ -12334,6 +11875,203 @@
                 </a:schemeClr>
               </a:solidFill>
             </a:endParaRPr>
+          </a:p>
+          <a:p>
+            <a:pPr marL="0" indent="0">
+              <a:buNone/>
+            </a:pPr>
+            <a:r>
+              <a:rPr lang="en-IN" sz="2400" dirty="0">
+                <a:solidFill>
+                  <a:schemeClr val="tx1">
+                    <a:lumMod val="95000"/>
+                  </a:schemeClr>
+                </a:solidFill>
+              </a:rPr>
+              <a:t>  …</a:t>
+            </a:r>
+          </a:p>
+          <a:p>
+            <a:pPr marL="0" indent="0">
+              <a:buNone/>
+            </a:pPr>
+            <a:r>
+              <a:rPr lang="en-IN" sz="2400" dirty="0">
+                <a:solidFill>
+                  <a:schemeClr val="tx1">
+                    <a:lumMod val="95000"/>
+                  </a:schemeClr>
+                </a:solidFill>
+              </a:rPr>
+              <a:t>  &lt;</a:t>
+            </a:r>
+            <a:r>
+              <a:rPr lang="en-IN" sz="2400" dirty="0" err="1">
+                <a:solidFill>
+                  <a:schemeClr val="tx1">
+                    <a:lumMod val="95000"/>
+                  </a:schemeClr>
+                </a:solidFill>
+              </a:rPr>
+              <a:t>ListView</a:t>
+            </a:r>
+            <a:endParaRPr lang="en-IN" sz="2400" dirty="0">
+              <a:solidFill>
+                <a:schemeClr val="tx1">
+                  <a:lumMod val="95000"/>
+                </a:schemeClr>
+              </a:solidFill>
+            </a:endParaRPr>
+          </a:p>
+          <a:p>
+            <a:pPr marL="0" indent="0">
+              <a:buNone/>
+            </a:pPr>
+            <a:r>
+              <a:rPr lang="en-IN" sz="2400" dirty="0">
+                <a:solidFill>
+                  <a:schemeClr val="tx1">
+                    <a:lumMod val="95000"/>
+                  </a:schemeClr>
+                </a:solidFill>
+              </a:rPr>
+              <a:t>	…</a:t>
+            </a:r>
+          </a:p>
+          <a:p>
+            <a:pPr marL="457200" lvl="1" indent="0">
+              <a:buNone/>
+            </a:pPr>
+            <a:r>
+              <a:rPr lang="en-IN" sz="2000" dirty="0">
+                <a:solidFill>
+                  <a:schemeClr val="tx1">
+                    <a:lumMod val="95000"/>
+                  </a:schemeClr>
+                </a:solidFill>
+              </a:rPr>
+              <a:t>        </a:t>
+            </a:r>
+            <a:r>
+              <a:rPr lang="en-IN" sz="2000" dirty="0" err="1">
+                <a:solidFill>
+                  <a:schemeClr val="tx1">
+                    <a:lumMod val="95000"/>
+                  </a:schemeClr>
+                </a:solidFill>
+              </a:rPr>
+              <a:t>android:id</a:t>
+            </a:r>
+            <a:r>
+              <a:rPr lang="en-IN" sz="2000" dirty="0">
+                <a:solidFill>
+                  <a:schemeClr val="tx1">
+                    <a:lumMod val="95000"/>
+                  </a:schemeClr>
+                </a:solidFill>
+              </a:rPr>
+              <a:t>=“@+id/</a:t>
+            </a:r>
+            <a:r>
+              <a:rPr lang="en-IN" sz="2000" dirty="0" err="1">
+                <a:solidFill>
+                  <a:schemeClr val="tx1">
+                    <a:lumMod val="95000"/>
+                  </a:schemeClr>
+                </a:solidFill>
+              </a:rPr>
+              <a:t>messageView</a:t>
+            </a:r>
+            <a:r>
+              <a:rPr lang="en-IN" sz="2000" dirty="0">
+                <a:solidFill>
+                  <a:schemeClr val="tx1">
+                    <a:lumMod val="95000"/>
+                  </a:schemeClr>
+                </a:solidFill>
+              </a:rPr>
+              <a:t>”</a:t>
+            </a:r>
+          </a:p>
+          <a:p>
+            <a:pPr marL="0" indent="0">
+              <a:buNone/>
+            </a:pPr>
+            <a:r>
+              <a:rPr lang="en-IN" sz="2400" dirty="0">
+                <a:solidFill>
+                  <a:schemeClr val="tx1">
+                    <a:lumMod val="95000"/>
+                  </a:schemeClr>
+                </a:solidFill>
+              </a:rPr>
+              <a:t>	…</a:t>
+            </a:r>
+          </a:p>
+          <a:p>
+            <a:pPr marL="0" indent="0">
+              <a:buNone/>
+            </a:pPr>
+            <a:r>
+              <a:rPr lang="en-IN" sz="2400" dirty="0">
+                <a:solidFill>
+                  <a:schemeClr val="tx1">
+                    <a:lumMod val="95000"/>
+                  </a:schemeClr>
+                </a:solidFill>
+              </a:rPr>
+              <a:t>  /&gt;</a:t>
+            </a:r>
+          </a:p>
+          <a:p>
+            <a:pPr marL="0" indent="0">
+              <a:buNone/>
+            </a:pPr>
+            <a:r>
+              <a:rPr lang="en-IN" sz="2400" dirty="0">
+                <a:solidFill>
+                  <a:schemeClr val="tx1">
+                    <a:lumMod val="95000"/>
+                  </a:schemeClr>
+                </a:solidFill>
+              </a:rPr>
+              <a:t>  …</a:t>
+            </a:r>
+          </a:p>
+          <a:p>
+            <a:pPr marL="0" indent="0">
+              <a:buNone/>
+            </a:pPr>
+            <a:r>
+              <a:rPr lang="en-IN" sz="2400" dirty="0">
+                <a:solidFill>
+                  <a:schemeClr val="tx1">
+                    <a:lumMod val="95000"/>
+                  </a:schemeClr>
+                </a:solidFill>
+              </a:rPr>
+              <a:t>&lt;/</a:t>
+            </a:r>
+            <a:r>
+              <a:rPr lang="en-IN" sz="2400" dirty="0" err="1">
+                <a:solidFill>
+                  <a:schemeClr val="tx1">
+                    <a:lumMod val="95000"/>
+                  </a:schemeClr>
+                </a:solidFill>
+              </a:rPr>
+              <a:t>RelativeLayout</a:t>
+            </a:r>
+            <a:r>
+              <a:rPr lang="en-IN" sz="2400" dirty="0">
+                <a:solidFill>
+                  <a:schemeClr val="tx1">
+                    <a:lumMod val="95000"/>
+                  </a:schemeClr>
+                </a:solidFill>
+              </a:rPr>
+              <a:t>&gt;</a:t>
+            </a:r>
           </a:p>
         </p:txBody>
       </p:sp>
@@ -12347,13 +12085,6 @@
   <p:clrMapOvr>
     <a:masterClrMapping/>
   </p:clrMapOvr>
-  <p:timing>
-    <p:tnLst>
-      <p:par>
-        <p:cTn id="1" dur="indefinite" restart="never" nodeType="tmRoot"/>
-      </p:par>
-    </p:tnLst>
-  </p:timing>
 </p:sld>
 </file>
 
@@ -12564,7 +12295,7 @@
               <a:buNone/>
             </a:pPr>
             <a:r>
-              <a:rPr lang="en-IN" sz="6600" dirty="0" smtClean="0">
+              <a:rPr lang="en-IN" sz="6600" dirty="0">
                 <a:solidFill>
                   <a:schemeClr val="tx1">
                     <a:lumMod val="95000"/>
@@ -12573,13 +12304,6 @@
               </a:rPr>
               <a:t>Linear Layout</a:t>
             </a:r>
-            <a:endParaRPr lang="en-IN" sz="6600" dirty="0">
-              <a:solidFill>
-                <a:schemeClr val="tx1">
-                  <a:lumMod val="95000"/>
-                </a:schemeClr>
-              </a:solidFill>
-            </a:endParaRPr>
           </a:p>
         </p:txBody>
       </p:sp>
@@ -12773,7 +12497,7 @@
               <a:buNone/>
             </a:pPr>
             <a:r>
-              <a:rPr lang="en-IN" sz="3200" dirty="0" smtClean="0">
+              <a:rPr lang="en-IN" sz="3200" dirty="0">
                 <a:solidFill>
                   <a:schemeClr val="tx1">
                     <a:lumMod val="95000"/>
@@ -12782,13 +12506,6 @@
               </a:rPr>
               <a:t>Aligns all child in a single direction</a:t>
             </a:r>
-            <a:endParaRPr lang="en-IN" sz="3200" dirty="0">
-              <a:solidFill>
-                <a:schemeClr val="tx1">
-                  <a:lumMod val="95000"/>
-                </a:schemeClr>
-              </a:solidFill>
-            </a:endParaRPr>
           </a:p>
         </p:txBody>
       </p:sp>
@@ -12802,13 +12519,6 @@
   <p:clrMapOvr>
     <a:masterClrMapping/>
   </p:clrMapOvr>
-  <p:timing>
-    <p:tnLst>
-      <p:par>
-        <p:cTn id="1" dur="indefinite" restart="never" nodeType="tmRoot"/>
-      </p:par>
-    </p:tnLst>
-  </p:timing>
 </p:sld>
 </file>
 
@@ -13218,7 +12928,7 @@
               <a:buNone/>
             </a:pPr>
             <a:r>
-              <a:rPr lang="en-IN" sz="2400" dirty="0" smtClean="0">
+              <a:rPr lang="en-IN" sz="2400" dirty="0">
                 <a:solidFill>
                   <a:schemeClr val="tx1">
                     <a:lumMod val="95000"/>
@@ -13228,7 +12938,7 @@
               <a:t>&lt;</a:t>
             </a:r>
             <a:r>
-              <a:rPr lang="en-IN" sz="2400" dirty="0" err="1" smtClean="0">
+              <a:rPr lang="en-IN" sz="2400" dirty="0" err="1">
                 <a:solidFill>
                   <a:schemeClr val="tx1">
                     <a:lumMod val="95000"/>
@@ -13236,215 +12946,6 @@
                 </a:solidFill>
               </a:rPr>
               <a:t>RelativeLayout</a:t>
-            </a:r>
-            <a:endParaRPr lang="en-IN" sz="2400" dirty="0" smtClean="0">
-              <a:solidFill>
-                <a:schemeClr val="tx1">
-                  <a:lumMod val="95000"/>
-                </a:schemeClr>
-              </a:solidFill>
-            </a:endParaRPr>
-          </a:p>
-          <a:p>
-            <a:pPr marL="0" indent="0">
-              <a:buNone/>
-            </a:pPr>
-            <a:r>
-              <a:rPr lang="en-IN" sz="2400" dirty="0" smtClean="0">
-                <a:solidFill>
-                  <a:schemeClr val="tx1">
-                    <a:lumMod val="95000"/>
-                  </a:schemeClr>
-                </a:solidFill>
-              </a:rPr>
-              <a:t>…</a:t>
-            </a:r>
-          </a:p>
-          <a:p>
-            <a:pPr marL="0" indent="0">
-              <a:buNone/>
-            </a:pPr>
-            <a:r>
-              <a:rPr lang="en-IN" sz="2400" dirty="0">
-                <a:solidFill>
-                  <a:schemeClr val="tx1">
-                    <a:lumMod val="95000"/>
-                  </a:schemeClr>
-                </a:solidFill>
-              </a:rPr>
-              <a:t>	</a:t>
-            </a:r>
-            <a:r>
-              <a:rPr lang="en-IN" sz="2400" dirty="0" smtClean="0">
-                <a:solidFill>
-                  <a:schemeClr val="tx1">
-                    <a:lumMod val="95000"/>
-                  </a:schemeClr>
-                </a:solidFill>
-              </a:rPr>
-              <a:t>&lt;</a:t>
-            </a:r>
-            <a:r>
-              <a:rPr lang="en-IN" sz="2400" dirty="0" err="1" smtClean="0">
-                <a:solidFill>
-                  <a:schemeClr val="tx1">
-                    <a:lumMod val="95000"/>
-                  </a:schemeClr>
-                </a:solidFill>
-              </a:rPr>
-              <a:t>LinearLayout</a:t>
-            </a:r>
-            <a:endParaRPr lang="en-IN" sz="2400" dirty="0" smtClean="0">
-              <a:solidFill>
-                <a:schemeClr val="tx1">
-                  <a:lumMod val="95000"/>
-                </a:schemeClr>
-              </a:solidFill>
-            </a:endParaRPr>
-          </a:p>
-          <a:p>
-            <a:pPr marL="0" indent="0">
-              <a:buNone/>
-            </a:pPr>
-            <a:r>
-              <a:rPr lang="en-IN" sz="2400" dirty="0">
-                <a:solidFill>
-                  <a:schemeClr val="tx1">
-                    <a:lumMod val="95000"/>
-                  </a:schemeClr>
-                </a:solidFill>
-              </a:rPr>
-              <a:t>	</a:t>
-            </a:r>
-            <a:r>
-              <a:rPr lang="en-IN" sz="2400" dirty="0" smtClean="0">
-                <a:solidFill>
-                  <a:schemeClr val="tx1">
-                    <a:lumMod val="95000"/>
-                  </a:schemeClr>
-                </a:solidFill>
-              </a:rPr>
-              <a:t>…</a:t>
-            </a:r>
-          </a:p>
-          <a:p>
-            <a:pPr marL="0" indent="0">
-              <a:buNone/>
-            </a:pPr>
-            <a:r>
-              <a:rPr lang="en-IN" sz="2400" dirty="0">
-                <a:solidFill>
-                  <a:schemeClr val="tx1">
-                    <a:lumMod val="95000"/>
-                  </a:schemeClr>
-                </a:solidFill>
-              </a:rPr>
-              <a:t>	</a:t>
-            </a:r>
-            <a:r>
-              <a:rPr lang="en-IN" sz="2400" dirty="0" err="1" smtClean="0">
-                <a:solidFill>
-                  <a:schemeClr val="tx1">
-                    <a:lumMod val="95000"/>
-                  </a:schemeClr>
-                </a:solidFill>
-              </a:rPr>
-              <a:t>android:orientation</a:t>
-            </a:r>
-            <a:r>
-              <a:rPr lang="en-IN" sz="2400" dirty="0" smtClean="0">
-                <a:solidFill>
-                  <a:schemeClr val="tx1">
-                    <a:lumMod val="95000"/>
-                  </a:schemeClr>
-                </a:solidFill>
-              </a:rPr>
-              <a:t>: “horizontal”&gt;</a:t>
-            </a:r>
-          </a:p>
-          <a:p>
-            <a:pPr marL="0" indent="0">
-              <a:buNone/>
-            </a:pPr>
-            <a:r>
-              <a:rPr lang="en-IN" sz="2400" dirty="0">
-                <a:solidFill>
-                  <a:schemeClr val="tx1">
-                    <a:lumMod val="95000"/>
-                  </a:schemeClr>
-                </a:solidFill>
-              </a:rPr>
-              <a:t>	</a:t>
-            </a:r>
-            <a:r>
-              <a:rPr lang="en-IN" sz="2400" dirty="0" smtClean="0">
-                <a:solidFill>
-                  <a:schemeClr val="tx1">
-                    <a:lumMod val="95000"/>
-                  </a:schemeClr>
-                </a:solidFill>
-              </a:rPr>
-              <a:t>…</a:t>
-            </a:r>
-          </a:p>
-          <a:p>
-            <a:pPr marL="0" indent="0">
-              <a:buNone/>
-            </a:pPr>
-            <a:r>
-              <a:rPr lang="en-IN" sz="2400" dirty="0">
-                <a:solidFill>
-                  <a:schemeClr val="tx1">
-                    <a:lumMod val="95000"/>
-                  </a:schemeClr>
-                </a:solidFill>
-              </a:rPr>
-              <a:t>	</a:t>
-            </a:r>
-            <a:r>
-              <a:rPr lang="en-IN" sz="2400" dirty="0" smtClean="0">
-                <a:solidFill>
-                  <a:schemeClr val="tx1">
-                    <a:lumMod val="95000"/>
-                  </a:schemeClr>
-                </a:solidFill>
-              </a:rPr>
-              <a:t>&lt;/</a:t>
-            </a:r>
-            <a:r>
-              <a:rPr lang="en-IN" sz="2400" dirty="0" err="1" smtClean="0">
-                <a:solidFill>
-                  <a:schemeClr val="tx1">
-                    <a:lumMod val="95000"/>
-                  </a:schemeClr>
-                </a:solidFill>
-              </a:rPr>
-              <a:t>LinearLayout</a:t>
-            </a:r>
-            <a:r>
-              <a:rPr lang="en-IN" sz="2400" dirty="0" smtClean="0">
-                <a:solidFill>
-                  <a:schemeClr val="tx1">
-                    <a:lumMod val="95000"/>
-                  </a:schemeClr>
-                </a:solidFill>
-              </a:rPr>
-              <a:t> /&gt;</a:t>
-            </a:r>
-          </a:p>
-          <a:p>
-            <a:pPr marL="0" indent="0">
-              <a:buNone/>
-            </a:pPr>
-            <a:r>
-              <a:rPr lang="en-IN" sz="2400" dirty="0" smtClean="0">
-                <a:solidFill>
-                  <a:schemeClr val="tx1">
-                    <a:lumMod val="95000"/>
-                  </a:schemeClr>
-                </a:solidFill>
-              </a:rPr>
-              <a:t>…</a:t>
             </a:r>
             <a:endParaRPr lang="en-IN" sz="2400" dirty="0">
               <a:solidFill>
@@ -13459,34 +12960,39 @@
               <a:buNone/>
             </a:pPr>
             <a:r>
-              <a:rPr lang="en-IN" sz="2400" dirty="0" smtClean="0">
+              <a:rPr lang="en-IN" sz="2400" dirty="0">
                 <a:solidFill>
                   <a:schemeClr val="tx1">
                     <a:lumMod val="95000"/>
                   </a:schemeClr>
                 </a:solidFill>
               </a:rPr>
-              <a:t>&lt;/</a:t>
-            </a:r>
-            <a:r>
-              <a:rPr lang="en-IN" sz="2400" dirty="0" err="1" smtClean="0">
+              <a:t>…</a:t>
+            </a:r>
+          </a:p>
+          <a:p>
+            <a:pPr marL="0" indent="0">
+              <a:buNone/>
+            </a:pPr>
+            <a:r>
+              <a:rPr lang="en-IN" sz="2400" dirty="0">
                 <a:solidFill>
                   <a:schemeClr val="tx1">
                     <a:lumMod val="95000"/>
                   </a:schemeClr>
                 </a:solidFill>
               </a:rPr>
-              <a:t>RelativeLayout</a:t>
-            </a:r>
-            <a:r>
-              <a:rPr lang="en-IN" sz="2400" dirty="0" smtClean="0">
+              <a:t>	&lt;</a:t>
+            </a:r>
+            <a:r>
+              <a:rPr lang="en-IN" sz="2400" dirty="0" err="1">
                 <a:solidFill>
                   <a:schemeClr val="tx1">
                     <a:lumMod val="95000"/>
                   </a:schemeClr>
                 </a:solidFill>
               </a:rPr>
-              <a:t>&gt;</a:t>
+              <a:t>LinearLayout</a:t>
             </a:r>
             <a:endParaRPr lang="en-IN" sz="2400" dirty="0">
               <a:solidFill>
@@ -13495,6 +13001,156 @@
                 </a:schemeClr>
               </a:solidFill>
             </a:endParaRPr>
+          </a:p>
+          <a:p>
+            <a:pPr marL="0" indent="0">
+              <a:buNone/>
+            </a:pPr>
+            <a:r>
+              <a:rPr lang="en-IN" sz="2400" dirty="0">
+                <a:solidFill>
+                  <a:schemeClr val="tx1">
+                    <a:lumMod val="95000"/>
+                  </a:schemeClr>
+                </a:solidFill>
+              </a:rPr>
+              <a:t>	…</a:t>
+            </a:r>
+          </a:p>
+          <a:p>
+            <a:pPr marL="0" indent="0">
+              <a:buNone/>
+            </a:pPr>
+            <a:r>
+              <a:rPr lang="en-IN" sz="2400" dirty="0">
+                <a:solidFill>
+                  <a:schemeClr val="tx1">
+                    <a:lumMod val="95000"/>
+                  </a:schemeClr>
+                </a:solidFill>
+              </a:rPr>
+              <a:t>	</a:t>
+            </a:r>
+            <a:r>
+              <a:rPr lang="en-IN" sz="2400" dirty="0" err="1">
+                <a:solidFill>
+                  <a:schemeClr val="tx1">
+                    <a:lumMod val="95000"/>
+                  </a:schemeClr>
+                </a:solidFill>
+              </a:rPr>
+              <a:t>android:orientation</a:t>
+            </a:r>
+            <a:r>
+              <a:rPr lang="en-IN" sz="2400" dirty="0">
+                <a:solidFill>
+                  <a:schemeClr val="tx1">
+                    <a:lumMod val="95000"/>
+                  </a:schemeClr>
+                </a:solidFill>
+              </a:rPr>
+              <a:t>: “horizontal”&gt;</a:t>
+            </a:r>
+          </a:p>
+          <a:p>
+            <a:pPr marL="0" indent="0">
+              <a:buNone/>
+            </a:pPr>
+            <a:r>
+              <a:rPr lang="en-IN" sz="2400" dirty="0">
+                <a:solidFill>
+                  <a:schemeClr val="tx1">
+                    <a:lumMod val="95000"/>
+                  </a:schemeClr>
+                </a:solidFill>
+              </a:rPr>
+              <a:t>	…</a:t>
+            </a:r>
+          </a:p>
+          <a:p>
+            <a:pPr marL="0" indent="0">
+              <a:buNone/>
+            </a:pPr>
+            <a:r>
+              <a:rPr lang="en-IN" sz="2400" dirty="0">
+                <a:solidFill>
+                  <a:schemeClr val="tx1">
+                    <a:lumMod val="95000"/>
+                  </a:schemeClr>
+                </a:solidFill>
+              </a:rPr>
+              <a:t>	&lt;/</a:t>
+            </a:r>
+            <a:r>
+              <a:rPr lang="en-IN" sz="2400" dirty="0" err="1">
+                <a:solidFill>
+                  <a:schemeClr val="tx1">
+                    <a:lumMod val="95000"/>
+                  </a:schemeClr>
+                </a:solidFill>
+              </a:rPr>
+              <a:t>LinearLayout</a:t>
+            </a:r>
+            <a:r>
+              <a:rPr lang="en-IN" sz="2400" dirty="0">
+                <a:solidFill>
+                  <a:schemeClr val="tx1">
+                    <a:lumMod val="95000"/>
+                  </a:schemeClr>
+                </a:solidFill>
+              </a:rPr>
+              <a:t> /&gt;</a:t>
+            </a:r>
+          </a:p>
+          <a:p>
+            <a:pPr marL="0" indent="0">
+              <a:buNone/>
+            </a:pPr>
+            <a:r>
+              <a:rPr lang="en-IN" sz="2400" dirty="0">
+                <a:solidFill>
+                  <a:schemeClr val="tx1">
+                    <a:lumMod val="95000"/>
+                  </a:schemeClr>
+                </a:solidFill>
+              </a:rPr>
+              <a:t>…</a:t>
+            </a:r>
+          </a:p>
+          <a:p>
+            <a:pPr marL="0" indent="0">
+              <a:buNone/>
+            </a:pPr>
+            <a:r>
+              <a:rPr lang="en-IN" sz="2400" dirty="0">
+                <a:solidFill>
+                  <a:schemeClr val="tx1">
+                    <a:lumMod val="95000"/>
+                  </a:schemeClr>
+                </a:solidFill>
+              </a:rPr>
+              <a:t>&lt;/</a:t>
+            </a:r>
+            <a:r>
+              <a:rPr lang="en-IN" sz="2400" dirty="0" err="1">
+                <a:solidFill>
+                  <a:schemeClr val="tx1">
+                    <a:lumMod val="95000"/>
+                  </a:schemeClr>
+                </a:solidFill>
+              </a:rPr>
+              <a:t>RelativeLayout</a:t>
+            </a:r>
+            <a:r>
+              <a:rPr lang="en-IN" sz="2400" dirty="0">
+                <a:solidFill>
+                  <a:schemeClr val="tx1">
+                    <a:lumMod val="95000"/>
+                  </a:schemeClr>
+                </a:solidFill>
+              </a:rPr>
+              <a:t>&gt;</a:t>
+            </a:r>
           </a:p>
         </p:txBody>
       </p:sp>
@@ -13508,13 +13164,6 @@
   <p:clrMapOvr>
     <a:masterClrMapping/>
   </p:clrMapOvr>
-  <p:timing>
-    <p:tnLst>
-      <p:par>
-        <p:cTn id="1" dur="indefinite" restart="never" nodeType="tmRoot"/>
-      </p:par>
-    </p:tnLst>
-  </p:timing>
 </p:sld>
 </file>
 
@@ -13924,7 +13573,7 @@
               <a:buNone/>
             </a:pPr>
             <a:r>
-              <a:rPr lang="en-IN" sz="2000" dirty="0" smtClean="0">
+              <a:rPr lang="en-IN" sz="2000" dirty="0">
                 <a:solidFill>
                   <a:schemeClr val="tx1">
                     <a:lumMod val="95000"/>
@@ -13934,7 +13583,7 @@
               <a:t>&lt;</a:t>
             </a:r>
             <a:r>
-              <a:rPr lang="en-IN" sz="2000" dirty="0" err="1" smtClean="0">
+              <a:rPr lang="en-IN" sz="2000" dirty="0" err="1">
                 <a:solidFill>
                   <a:schemeClr val="tx1">
                     <a:lumMod val="95000"/>
@@ -13942,212 +13591,6 @@
                 </a:solidFill>
               </a:rPr>
               <a:t>RelativeLayout</a:t>
-            </a:r>
-            <a:endParaRPr lang="en-IN" sz="2000" dirty="0" smtClean="0">
-              <a:solidFill>
-                <a:schemeClr val="tx1">
-                  <a:lumMod val="95000"/>
-                </a:schemeClr>
-              </a:solidFill>
-            </a:endParaRPr>
-          </a:p>
-          <a:p>
-            <a:pPr marL="0" indent="0">
-              <a:buNone/>
-            </a:pPr>
-            <a:r>
-              <a:rPr lang="en-IN" sz="2000" dirty="0" smtClean="0">
-                <a:solidFill>
-                  <a:schemeClr val="tx1">
-                    <a:lumMod val="95000"/>
-                  </a:schemeClr>
-                </a:solidFill>
-              </a:rPr>
-              <a:t>…</a:t>
-            </a:r>
-          </a:p>
-          <a:p>
-            <a:pPr marL="0" indent="0">
-              <a:buNone/>
-            </a:pPr>
-            <a:r>
-              <a:rPr lang="en-IN" sz="2000" dirty="0">
-                <a:solidFill>
-                  <a:schemeClr val="tx1">
-                    <a:lumMod val="95000"/>
-                  </a:schemeClr>
-                </a:solidFill>
-              </a:rPr>
-              <a:t>	</a:t>
-            </a:r>
-            <a:r>
-              <a:rPr lang="en-IN" sz="2000" dirty="0" smtClean="0">
-                <a:solidFill>
-                  <a:schemeClr val="tx1">
-                    <a:lumMod val="95000"/>
-                  </a:schemeClr>
-                </a:solidFill>
-              </a:rPr>
-              <a:t>&lt;</a:t>
-            </a:r>
-            <a:r>
-              <a:rPr lang="en-IN" sz="2000" dirty="0" err="1" smtClean="0">
-                <a:solidFill>
-                  <a:schemeClr val="tx1">
-                    <a:lumMod val="95000"/>
-                  </a:schemeClr>
-                </a:solidFill>
-              </a:rPr>
-              <a:t>LinearLayout</a:t>
-            </a:r>
-            <a:endParaRPr lang="en-IN" sz="2000" dirty="0" smtClean="0">
-              <a:solidFill>
-                <a:schemeClr val="tx1">
-                  <a:lumMod val="95000"/>
-                </a:schemeClr>
-              </a:solidFill>
-            </a:endParaRPr>
-          </a:p>
-          <a:p>
-            <a:pPr marL="0" indent="0">
-              <a:buNone/>
-            </a:pPr>
-            <a:r>
-              <a:rPr lang="en-IN" sz="2000" dirty="0">
-                <a:solidFill>
-                  <a:schemeClr val="tx1">
-                    <a:lumMod val="95000"/>
-                  </a:schemeClr>
-                </a:solidFill>
-              </a:rPr>
-              <a:t>	</a:t>
-            </a:r>
-            <a:r>
-              <a:rPr lang="en-IN" sz="2000" dirty="0" smtClean="0">
-                <a:solidFill>
-                  <a:schemeClr val="tx1">
-                    <a:lumMod val="95000"/>
-                  </a:schemeClr>
-                </a:solidFill>
-              </a:rPr>
-              <a:t>…</a:t>
-            </a:r>
-          </a:p>
-          <a:p>
-            <a:pPr marL="0" indent="0">
-              <a:buNone/>
-            </a:pPr>
-            <a:r>
-              <a:rPr lang="en-IN" sz="2000" dirty="0">
-                <a:solidFill>
-                  <a:schemeClr val="tx1">
-                    <a:lumMod val="95000"/>
-                  </a:schemeClr>
-                </a:solidFill>
-              </a:rPr>
-              <a:t>	</a:t>
-            </a:r>
-            <a:r>
-              <a:rPr lang="en-IN" sz="2000" dirty="0" smtClean="0">
-                <a:solidFill>
-                  <a:schemeClr val="tx1">
-                    <a:lumMod val="95000"/>
-                  </a:schemeClr>
-                </a:solidFill>
-              </a:rPr>
-              <a:t>&lt;</a:t>
-            </a:r>
-            <a:r>
-              <a:rPr lang="en-IN" sz="2000" dirty="0" err="1" smtClean="0">
-                <a:solidFill>
-                  <a:schemeClr val="tx1">
-                    <a:lumMod val="95000"/>
-                  </a:schemeClr>
-                </a:solidFill>
-              </a:rPr>
-              <a:t>EditText</a:t>
-            </a:r>
-            <a:endParaRPr lang="en-IN" sz="2000" dirty="0" smtClean="0">
-              <a:solidFill>
-                <a:schemeClr val="tx1">
-                  <a:lumMod val="95000"/>
-                </a:schemeClr>
-              </a:solidFill>
-            </a:endParaRPr>
-          </a:p>
-          <a:p>
-            <a:pPr marL="0" indent="0">
-              <a:buNone/>
-            </a:pPr>
-            <a:r>
-              <a:rPr lang="en-IN" sz="2000" dirty="0">
-                <a:solidFill>
-                  <a:schemeClr val="tx1">
-                    <a:lumMod val="95000"/>
-                  </a:schemeClr>
-                </a:solidFill>
-              </a:rPr>
-              <a:t>		</a:t>
-            </a:r>
-            <a:r>
-              <a:rPr lang="en-IN" sz="2000" dirty="0" smtClean="0">
-                <a:solidFill>
-                  <a:schemeClr val="tx1">
-                    <a:lumMod val="95000"/>
-                  </a:schemeClr>
-                </a:solidFill>
-              </a:rPr>
-              <a:t>…</a:t>
-            </a:r>
-          </a:p>
-          <a:p>
-            <a:pPr marL="0" indent="0">
-              <a:buNone/>
-            </a:pPr>
-            <a:r>
-              <a:rPr lang="en-IN" sz="2000" dirty="0">
-                <a:solidFill>
-                  <a:schemeClr val="tx1">
-                    <a:lumMod val="95000"/>
-                  </a:schemeClr>
-                </a:solidFill>
-              </a:rPr>
-              <a:t>	</a:t>
-            </a:r>
-            <a:r>
-              <a:rPr lang="en-IN" sz="2000" dirty="0" smtClean="0">
-                <a:solidFill>
-                  <a:schemeClr val="tx1">
-                    <a:lumMod val="95000"/>
-                  </a:schemeClr>
-                </a:solidFill>
-              </a:rPr>
-              <a:t>/&gt;</a:t>
-            </a:r>
-          </a:p>
-          <a:p>
-            <a:pPr marL="0" indent="0">
-              <a:buNone/>
-            </a:pPr>
-            <a:r>
-              <a:rPr lang="en-IN" sz="2000" dirty="0">
-                <a:solidFill>
-                  <a:schemeClr val="tx1">
-                    <a:lumMod val="95000"/>
-                  </a:schemeClr>
-                </a:solidFill>
-              </a:rPr>
-              <a:t>	</a:t>
-            </a:r>
-            <a:r>
-              <a:rPr lang="en-IN" sz="2000" dirty="0" smtClean="0">
-                <a:solidFill>
-                  <a:schemeClr val="tx1">
-                    <a:lumMod val="95000"/>
-                  </a:schemeClr>
-                </a:solidFill>
-              </a:rPr>
-              <a:t>&lt;Button</a:t>
             </a:r>
             <a:endParaRPr lang="en-IN" sz="2000" dirty="0">
               <a:solidFill>
@@ -14169,7 +13612,7 @@
                   </a:schemeClr>
                 </a:solidFill>
               </a:rPr>
-              <a:t>		…</a:t>
+              <a:t>…</a:t>
             </a:r>
           </a:p>
           <a:p>
@@ -14184,102 +13627,17 @@
                   </a:schemeClr>
                 </a:solidFill>
               </a:rPr>
-              <a:t>	</a:t>
-            </a:r>
-            <a:r>
-              <a:rPr lang="en-IN" sz="2000" dirty="0" smtClean="0">
+              <a:t>	&lt;</a:t>
+            </a:r>
+            <a:r>
+              <a:rPr lang="en-IN" sz="2000" dirty="0" err="1">
                 <a:solidFill>
                   <a:schemeClr val="tx1">
                     <a:lumMod val="95000"/>
                   </a:schemeClr>
                 </a:solidFill>
               </a:rPr>
-              <a:t>/&gt;</a:t>
-            </a:r>
-          </a:p>
-          <a:p>
-            <a:pPr marL="0" indent="0">
-              <a:buNone/>
-            </a:pPr>
-            <a:r>
-              <a:rPr lang="en-IN" sz="2000" dirty="0">
-                <a:solidFill>
-                  <a:schemeClr val="tx1">
-                    <a:lumMod val="95000"/>
-                  </a:schemeClr>
-                </a:solidFill>
-              </a:rPr>
-              <a:t>	</a:t>
-            </a:r>
-            <a:r>
-              <a:rPr lang="en-IN" sz="2000" dirty="0" smtClean="0">
-                <a:solidFill>
-                  <a:schemeClr val="tx1">
-                    <a:lumMod val="95000"/>
-                  </a:schemeClr>
-                </a:solidFill>
-              </a:rPr>
-              <a:t>…</a:t>
-            </a:r>
-          </a:p>
-          <a:p>
-            <a:pPr marL="0" indent="0">
-              <a:buNone/>
-            </a:pPr>
-            <a:r>
-              <a:rPr lang="en-IN" sz="2000" dirty="0">
-                <a:solidFill>
-                  <a:schemeClr val="tx1">
-                    <a:lumMod val="95000"/>
-                  </a:schemeClr>
-                </a:solidFill>
-              </a:rPr>
-              <a:t>	</a:t>
-            </a:r>
-            <a:r>
-              <a:rPr lang="en-IN" sz="2000" dirty="0" smtClean="0">
-                <a:solidFill>
-                  <a:schemeClr val="tx1">
-                    <a:lumMod val="95000"/>
-                  </a:schemeClr>
-                </a:solidFill>
-              </a:rPr>
-              <a:t>&lt;/</a:t>
-            </a:r>
-            <a:r>
-              <a:rPr lang="en-IN" sz="2000" dirty="0" err="1" smtClean="0">
-                <a:solidFill>
-                  <a:schemeClr val="tx1">
-                    <a:lumMod val="95000"/>
-                  </a:schemeClr>
-                </a:solidFill>
-              </a:rPr>
               <a:t>LinearLayout</a:t>
-            </a:r>
-            <a:r>
-              <a:rPr lang="en-IN" sz="2000" dirty="0" smtClean="0">
-                <a:solidFill>
-                  <a:schemeClr val="tx1">
-                    <a:lumMod val="95000"/>
-                  </a:schemeClr>
-                </a:solidFill>
-              </a:rPr>
-              <a:t> /&gt;</a:t>
-            </a:r>
-          </a:p>
-          <a:p>
-            <a:pPr marL="0" indent="0">
-              <a:buNone/>
-            </a:pPr>
-            <a:r>
-              <a:rPr lang="en-IN" sz="2000" dirty="0" smtClean="0">
-                <a:solidFill>
-                  <a:schemeClr val="tx1">
-                    <a:lumMod val="95000"/>
-                  </a:schemeClr>
-                </a:solidFill>
-              </a:rPr>
-              <a:t>…</a:t>
             </a:r>
             <a:endParaRPr lang="en-IN" sz="2000" dirty="0">
               <a:solidFill>
@@ -14294,34 +13652,39 @@
               <a:buNone/>
             </a:pPr>
             <a:r>
-              <a:rPr lang="en-IN" sz="2000" dirty="0" smtClean="0">
+              <a:rPr lang="en-IN" sz="2000" dirty="0">
                 <a:solidFill>
                   <a:schemeClr val="tx1">
                     <a:lumMod val="95000"/>
                   </a:schemeClr>
                 </a:solidFill>
               </a:rPr>
-              <a:t>&lt;/</a:t>
-            </a:r>
-            <a:r>
-              <a:rPr lang="en-IN" sz="2000" dirty="0" err="1" smtClean="0">
+              <a:t>	…</a:t>
+            </a:r>
+          </a:p>
+          <a:p>
+            <a:pPr marL="0" indent="0">
+              <a:buNone/>
+            </a:pPr>
+            <a:r>
+              <a:rPr lang="en-IN" sz="2000" dirty="0">
                 <a:solidFill>
                   <a:schemeClr val="tx1">
                     <a:lumMod val="95000"/>
                   </a:schemeClr>
                 </a:solidFill>
               </a:rPr>
-              <a:t>RelativeLayout</a:t>
-            </a:r>
-            <a:r>
-              <a:rPr lang="en-IN" sz="2000" dirty="0" smtClean="0">
+              <a:t>	&lt;</a:t>
+            </a:r>
+            <a:r>
+              <a:rPr lang="en-IN" sz="2000" dirty="0" err="1">
                 <a:solidFill>
                   <a:schemeClr val="tx1">
                     <a:lumMod val="95000"/>
                   </a:schemeClr>
                 </a:solidFill>
               </a:rPr>
-              <a:t>&gt;</a:t>
+              <a:t>EditText</a:t>
             </a:r>
             <a:endParaRPr lang="en-IN" sz="2000" dirty="0">
               <a:solidFill>
@@ -14330,6 +13693,181 @@
                 </a:schemeClr>
               </a:solidFill>
             </a:endParaRPr>
+          </a:p>
+          <a:p>
+            <a:pPr marL="0" indent="0">
+              <a:buNone/>
+            </a:pPr>
+            <a:r>
+              <a:rPr lang="en-IN" sz="2000" dirty="0">
+                <a:solidFill>
+                  <a:schemeClr val="tx1">
+                    <a:lumMod val="95000"/>
+                  </a:schemeClr>
+                </a:solidFill>
+              </a:rPr>
+              <a:t>		…</a:t>
+            </a:r>
+          </a:p>
+          <a:p>
+            <a:pPr marL="0" indent="0">
+              <a:buNone/>
+            </a:pPr>
+            <a:r>
+              <a:rPr lang="en-IN" sz="2000" dirty="0">
+                <a:solidFill>
+                  <a:schemeClr val="tx1">
+                    <a:lumMod val="95000"/>
+                  </a:schemeClr>
+                </a:solidFill>
+              </a:rPr>
+              <a:t>	/&gt;</a:t>
+            </a:r>
+          </a:p>
+          <a:p>
+            <a:pPr marL="0" indent="0">
+              <a:buNone/>
+            </a:pPr>
+            <a:r>
+              <a:rPr lang="en-IN" sz="2000" dirty="0">
+                <a:solidFill>
+                  <a:schemeClr val="tx1">
+                    <a:lumMod val="95000"/>
+                  </a:schemeClr>
+                </a:solidFill>
+              </a:rPr>
+              <a:t>	&lt;Button</a:t>
+            </a:r>
+          </a:p>
+          <a:p>
+            <a:pPr marL="0" indent="0">
+              <a:buNone/>
+            </a:pPr>
+            <a:r>
+              <a:rPr lang="en-IN" sz="2000" dirty="0">
+                <a:solidFill>
+                  <a:schemeClr val="tx1">
+                    <a:lumMod val="95000"/>
+                  </a:schemeClr>
+                </a:solidFill>
+              </a:rPr>
+              <a:t>		…</a:t>
+            </a:r>
+          </a:p>
+          <a:p>
+            <a:pPr marL="0" indent="0">
+              <a:buNone/>
+            </a:pPr>
+            <a:r>
+              <a:rPr lang="en-IN" sz="2000" dirty="0">
+                <a:solidFill>
+                  <a:schemeClr val="tx1">
+                    <a:lumMod val="95000"/>
+                  </a:schemeClr>
+                </a:solidFill>
+              </a:rPr>
+              <a:t>	/&gt;</a:t>
+            </a:r>
+          </a:p>
+          <a:p>
+            <a:pPr marL="0" indent="0">
+              <a:buNone/>
+            </a:pPr>
+            <a:r>
+              <a:rPr lang="en-IN" sz="2000" dirty="0">
+                <a:solidFill>
+                  <a:schemeClr val="tx1">
+                    <a:lumMod val="95000"/>
+                  </a:schemeClr>
+                </a:solidFill>
+              </a:rPr>
+              <a:t>	…</a:t>
+            </a:r>
+          </a:p>
+          <a:p>
+            <a:pPr marL="0" indent="0">
+              <a:buNone/>
+            </a:pPr>
+            <a:r>
+              <a:rPr lang="en-IN" sz="2000" dirty="0">
+                <a:solidFill>
+                  <a:schemeClr val="tx1">
+                    <a:lumMod val="95000"/>
+                  </a:schemeClr>
+                </a:solidFill>
+              </a:rPr>
+              <a:t>	&lt;/</a:t>
+            </a:r>
+            <a:r>
+              <a:rPr lang="en-IN" sz="2000" dirty="0" err="1">
+                <a:solidFill>
+                  <a:schemeClr val="tx1">
+                    <a:lumMod val="95000"/>
+                  </a:schemeClr>
+                </a:solidFill>
+              </a:rPr>
+              <a:t>LinearLayout</a:t>
+            </a:r>
+            <a:r>
+              <a:rPr lang="en-IN" sz="2000" dirty="0">
+                <a:solidFill>
+                  <a:schemeClr val="tx1">
+                    <a:lumMod val="95000"/>
+                  </a:schemeClr>
+                </a:solidFill>
+              </a:rPr>
+              <a:t> /&gt;</a:t>
+            </a:r>
+          </a:p>
+          <a:p>
+            <a:pPr marL="0" indent="0">
+              <a:buNone/>
+            </a:pPr>
+            <a:r>
+              <a:rPr lang="en-IN" sz="2000" dirty="0">
+                <a:solidFill>
+                  <a:schemeClr val="tx1">
+                    <a:lumMod val="95000"/>
+                  </a:schemeClr>
+                </a:solidFill>
+              </a:rPr>
+              <a:t>…</a:t>
+            </a:r>
+          </a:p>
+          <a:p>
+            <a:pPr marL="0" indent="0">
+              <a:buNone/>
+            </a:pPr>
+            <a:r>
+              <a:rPr lang="en-IN" sz="2000" dirty="0">
+                <a:solidFill>
+                  <a:schemeClr val="tx1">
+                    <a:lumMod val="95000"/>
+                  </a:schemeClr>
+                </a:solidFill>
+              </a:rPr>
+              <a:t>&lt;/</a:t>
+            </a:r>
+            <a:r>
+              <a:rPr lang="en-IN" sz="2000" dirty="0" err="1">
+                <a:solidFill>
+                  <a:schemeClr val="tx1">
+                    <a:lumMod val="95000"/>
+                  </a:schemeClr>
+                </a:solidFill>
+              </a:rPr>
+              <a:t>RelativeLayout</a:t>
+            </a:r>
+            <a:r>
+              <a:rPr lang="en-IN" sz="2000" dirty="0">
+                <a:solidFill>
+                  <a:schemeClr val="tx1">
+                    <a:lumMod val="95000"/>
+                  </a:schemeClr>
+                </a:solidFill>
+              </a:rPr>
+              <a:t>&gt;</a:t>
+            </a:r>
           </a:p>
         </p:txBody>
       </p:sp>
@@ -14343,13 +13881,6 @@
   <p:clrMapOvr>
     <a:masterClrMapping/>
   </p:clrMapOvr>
-  <p:timing>
-    <p:tnLst>
-      <p:par>
-        <p:cTn id="1" dur="indefinite" restart="never" nodeType="tmRoot"/>
-      </p:par>
-    </p:tnLst>
-  </p:timing>
 </p:sld>
 </file>
 
@@ -14560,7 +14091,7 @@
               <a:buNone/>
             </a:pPr>
             <a:r>
-              <a:rPr lang="en-IN" sz="6600" dirty="0" smtClean="0">
+              <a:rPr lang="en-IN" sz="6600" dirty="0">
                 <a:solidFill>
                   <a:schemeClr val="tx1">
                     <a:lumMod val="95000"/>
@@ -14569,13 +14100,6 @@
               </a:rPr>
               <a:t>Result</a:t>
             </a:r>
-            <a:endParaRPr lang="en-IN" sz="6600" dirty="0">
-              <a:solidFill>
-                <a:schemeClr val="tx1">
-                  <a:lumMod val="95000"/>
-                </a:schemeClr>
-              </a:solidFill>
-            </a:endParaRPr>
           </a:p>
         </p:txBody>
       </p:sp>
@@ -14613,13 +14137,6 @@
   <p:clrMapOvr>
     <a:masterClrMapping/>
   </p:clrMapOvr>
-  <p:timing>
-    <p:tnLst>
-      <p:par>
-        <p:cTn id="1" dur="indefinite" restart="never" nodeType="tmRoot"/>
-      </p:par>
-    </p:tnLst>
-  </p:timing>
 </p:sld>
 </file>
 
@@ -14683,10 +14200,9 @@
           <a:p>
             <a:pPr algn="ctr"/>
             <a:r>
-              <a:rPr lang="en-IN" dirty="0" smtClean="0"/>
+              <a:rPr lang="en-IN" dirty="0"/>
               <a:t>3. Android implementation</a:t>
             </a:r>
-            <a:endParaRPr lang="en-IN" dirty="0"/>
           </a:p>
         </p:txBody>
       </p:sp>
@@ -14880,7 +14396,7 @@
               <a:buNone/>
             </a:pPr>
             <a:r>
-              <a:rPr lang="en-IN" sz="6600" dirty="0" smtClean="0">
+              <a:rPr lang="en-IN" sz="6600" dirty="0">
                 <a:solidFill>
                   <a:schemeClr val="tx1">
                     <a:lumMod val="95000"/>
@@ -14889,13 +14405,6 @@
               </a:rPr>
               <a:t>3.2 Sending Messages</a:t>
             </a:r>
-            <a:endParaRPr lang="en-IN" sz="6600" dirty="0">
-              <a:solidFill>
-                <a:schemeClr val="tx1">
-                  <a:lumMod val="95000"/>
-                </a:schemeClr>
-              </a:solidFill>
-            </a:endParaRPr>
           </a:p>
         </p:txBody>
       </p:sp>
@@ -14909,13 +14418,6 @@
   <p:clrMapOvr>
     <a:masterClrMapping/>
   </p:clrMapOvr>
-  <p:timing>
-    <p:tnLst>
-      <p:par>
-        <p:cTn id="1" dur="indefinite" restart="never" nodeType="tmRoot"/>
-      </p:par>
-    </p:tnLst>
-  </p:timing>
 </p:sld>
 </file>
 
@@ -14979,10 +14481,9 @@
           <a:p>
             <a:pPr algn="ctr"/>
             <a:r>
-              <a:rPr lang="en-IN" dirty="0" smtClean="0"/>
+              <a:rPr lang="en-IN" dirty="0"/>
               <a:t>3. Android implementation</a:t>
             </a:r>
-            <a:endParaRPr lang="en-IN" dirty="0"/>
           </a:p>
         </p:txBody>
       </p:sp>
@@ -15176,7 +14677,7 @@
               <a:buNone/>
             </a:pPr>
             <a:r>
-              <a:rPr lang="en-IN" sz="6600" dirty="0" smtClean="0">
+              <a:rPr lang="en-IN" sz="6600" dirty="0">
                 <a:solidFill>
                   <a:schemeClr val="tx1">
                     <a:lumMod val="95000"/>
@@ -15185,13 +14686,6 @@
               </a:rPr>
               <a:t>3.2 Sending Messages</a:t>
             </a:r>
-            <a:endParaRPr lang="en-IN" sz="6600" dirty="0">
-              <a:solidFill>
-                <a:schemeClr val="tx1">
-                  <a:lumMod val="95000"/>
-                </a:schemeClr>
-              </a:solidFill>
-            </a:endParaRPr>
           </a:p>
         </p:txBody>
       </p:sp>
@@ -15205,13 +14699,6 @@
   <p:clrMapOvr>
     <a:masterClrMapping/>
   </p:clrMapOvr>
-  <p:timing>
-    <p:tnLst>
-      <p:par>
-        <p:cTn id="1" dur="indefinite" restart="never" nodeType="tmRoot"/>
-      </p:par>
-    </p:tnLst>
-  </p:timing>
 </p:sld>
 </file>
 
@@ -15272,13 +14759,6 @@
   <p:clrMapOvr>
     <a:masterClrMapping/>
   </p:clrMapOvr>
-  <p:timing>
-    <p:tnLst>
-      <p:par>
-        <p:cTn id="1" dur="indefinite" restart="never" nodeType="tmRoot"/>
-      </p:par>
-    </p:tnLst>
-  </p:timing>
 </p:sld>
 </file>
 
@@ -15342,10 +14822,9 @@
           <a:p>
             <a:pPr algn="ctr"/>
             <a:r>
-              <a:rPr lang="en-IN" dirty="0" smtClean="0"/>
+              <a:rPr lang="en-IN" dirty="0"/>
               <a:t>3. Android implementation</a:t>
             </a:r>
-            <a:endParaRPr lang="en-IN" dirty="0"/>
           </a:p>
         </p:txBody>
       </p:sp>
@@ -15539,7 +15018,7 @@
               <a:buNone/>
             </a:pPr>
             <a:r>
-              <a:rPr lang="en-IN" sz="6600" dirty="0" err="1" smtClean="0">
+              <a:rPr lang="en-IN" sz="6600" dirty="0" err="1">
                 <a:solidFill>
                   <a:schemeClr val="tx1">
                     <a:lumMod val="95000"/>
@@ -15568,13 +15047,6 @@
   <p:clrMapOvr>
     <a:masterClrMapping/>
   </p:clrMapOvr>
-  <p:timing>
-    <p:tnLst>
-      <p:par>
-        <p:cTn id="1" dur="indefinite" restart="never" nodeType="tmRoot"/>
-      </p:par>
-    </p:tnLst>
-  </p:timing>
 </p:sld>
 </file>
 
@@ -15785,7 +15257,7 @@
               <a:buNone/>
             </a:pPr>
             <a:r>
-              <a:rPr lang="en-IN" sz="4800" dirty="0" err="1" smtClean="0">
+              <a:rPr lang="en-IN" sz="4800" dirty="0" err="1">
                 <a:solidFill>
                   <a:schemeClr val="tx1">
                     <a:lumMod val="95000"/>
@@ -15994,7 +15466,7 @@
               <a:buNone/>
             </a:pPr>
             <a:r>
-              <a:rPr lang="en-IN" sz="2400" dirty="0" smtClean="0">
+              <a:rPr lang="en-IN" sz="2400" dirty="0">
                 <a:solidFill>
                   <a:schemeClr val="tx1">
                     <a:lumMod val="95000"/>
@@ -16004,7 +15476,7 @@
               <a:t>void </a:t>
             </a:r>
             <a:r>
-              <a:rPr lang="en-IN" sz="2400" dirty="0" err="1" smtClean="0">
+              <a:rPr lang="en-IN" sz="2400" dirty="0" err="1">
                 <a:solidFill>
                   <a:schemeClr val="tx1">
                     <a:lumMod val="95000"/>
@@ -16014,7 +15486,7 @@
               <a:t>onClick</a:t>
             </a:r>
             <a:r>
-              <a:rPr lang="en-IN" sz="2400" dirty="0" smtClean="0">
+              <a:rPr lang="en-IN" sz="2400" dirty="0">
                 <a:solidFill>
                   <a:schemeClr val="tx1">
                     <a:lumMod val="95000"/>
@@ -16029,7 +15501,7 @@
               <a:buNone/>
             </a:pPr>
             <a:r>
-              <a:rPr lang="en-IN" sz="2400" dirty="0" smtClean="0">
+              <a:rPr lang="en-IN" sz="2400" dirty="0">
                 <a:solidFill>
                   <a:schemeClr val="tx1">
                     <a:lumMod val="95000"/>
@@ -16051,57 +15523,82 @@
                   </a:schemeClr>
                 </a:solidFill>
               </a:rPr>
-              <a:t>	</a:t>
-            </a:r>
-            <a:r>
-              <a:rPr lang="en-IN" sz="2400" dirty="0" smtClean="0">
+              <a:t>	String message = </a:t>
+            </a:r>
+            <a:r>
+              <a:rPr lang="en-IN" sz="2400" dirty="0" err="1">
                 <a:solidFill>
                   <a:schemeClr val="tx1">
                     <a:lumMod val="95000"/>
                   </a:schemeClr>
                 </a:solidFill>
               </a:rPr>
-              <a:t>String message = </a:t>
-            </a:r>
-            <a:r>
-              <a:rPr lang="en-IN" sz="2400" dirty="0" err="1" smtClean="0">
+              <a:t>mEditText.getText</a:t>
+            </a:r>
+            <a:r>
+              <a:rPr lang="en-IN" sz="2400" dirty="0">
                 <a:solidFill>
                   <a:schemeClr val="tx1">
                     <a:lumMod val="95000"/>
                   </a:schemeClr>
                 </a:solidFill>
               </a:rPr>
-              <a:t>mEditText.getText</a:t>
-            </a:r>
-            <a:r>
-              <a:rPr lang="en-IN" sz="2400" dirty="0" smtClean="0">
+              <a:t>().</a:t>
+            </a:r>
+            <a:r>
+              <a:rPr lang="en-IN" sz="2400" dirty="0" err="1">
                 <a:solidFill>
                   <a:schemeClr val="tx1">
                     <a:lumMod val="95000"/>
                   </a:schemeClr>
                 </a:solidFill>
               </a:rPr>
-              <a:t>().</a:t>
-            </a:r>
-            <a:r>
-              <a:rPr lang="en-IN" sz="2400" dirty="0" err="1" smtClean="0">
+              <a:t>toString</a:t>
+            </a:r>
+            <a:r>
+              <a:rPr lang="en-IN" sz="2400" dirty="0">
                 <a:solidFill>
                   <a:schemeClr val="tx1">
                     <a:lumMod val="95000"/>
                   </a:schemeClr>
                 </a:solidFill>
               </a:rPr>
-              <a:t>toString</a:t>
-            </a:r>
-            <a:r>
-              <a:rPr lang="en-IN" sz="2400" dirty="0" smtClean="0">
+              <a:t>();</a:t>
+            </a:r>
+          </a:p>
+          <a:p>
+            <a:pPr marL="0" indent="0">
+              <a:buNone/>
+            </a:pPr>
+            <a:r>
+              <a:rPr lang="en-IN" sz="2400" dirty="0">
                 <a:solidFill>
                   <a:schemeClr val="tx1">
                     <a:lumMod val="95000"/>
                   </a:schemeClr>
                 </a:solidFill>
               </a:rPr>
-              <a:t>();</a:t>
+              <a:t>	</a:t>
+            </a:r>
+            <a:r>
+              <a:rPr lang="en-IN" sz="2400" dirty="0" err="1">
+                <a:solidFill>
+                  <a:schemeClr val="tx1">
+                    <a:lumMod val="95000"/>
+                  </a:schemeClr>
+                </a:solidFill>
+              </a:rPr>
+              <a:t>sendMessage</a:t>
+            </a:r>
+            <a:r>
+              <a:rPr lang="en-IN" sz="2400" dirty="0">
+                <a:solidFill>
+                  <a:schemeClr val="tx1">
+                    <a:lumMod val="95000"/>
+                  </a:schemeClr>
+                </a:solidFill>
+              </a:rPr>
+              <a:t>(message);</a:t>
             </a:r>
           </a:p>
           <a:p>
@@ -16119,24 +15616,24 @@
               <a:t>	</a:t>
             </a:r>
             <a:r>
-              <a:rPr lang="en-IN" sz="2400" dirty="0" err="1" smtClean="0">
+              <a:rPr lang="en-IN" sz="2400" dirty="0" err="1">
                 <a:solidFill>
                   <a:schemeClr val="tx1">
                     <a:lumMod val="95000"/>
                   </a:schemeClr>
                 </a:solidFill>
               </a:rPr>
-              <a:t>sendMessage</a:t>
-            </a:r>
-            <a:r>
-              <a:rPr lang="en-IN" sz="2400" dirty="0" smtClean="0">
+              <a:t>mEditText.setText</a:t>
+            </a:r>
+            <a:r>
+              <a:rPr lang="en-IN" sz="2400" dirty="0">
                 <a:solidFill>
                   <a:schemeClr val="tx1">
                     <a:lumMod val="95000"/>
                   </a:schemeClr>
                 </a:solidFill>
               </a:rPr>
-              <a:t>(message);</a:t>
+              <a:t>(“”);</a:t>
             </a:r>
           </a:p>
           <a:p>
@@ -16151,50 +15648,8 @@
                   </a:schemeClr>
                 </a:solidFill>
               </a:rPr>
-              <a:t>	</a:t>
-            </a:r>
-            <a:r>
-              <a:rPr lang="en-IN" sz="2400" dirty="0" err="1" smtClean="0">
-                <a:solidFill>
-                  <a:schemeClr val="tx1">
-                    <a:lumMod val="95000"/>
-                  </a:schemeClr>
-                </a:solidFill>
-              </a:rPr>
-              <a:t>mEditText.setText</a:t>
-            </a:r>
-            <a:r>
-              <a:rPr lang="en-IN" sz="2400" dirty="0" smtClean="0">
-                <a:solidFill>
-                  <a:schemeClr val="tx1">
-                    <a:lumMod val="95000"/>
-                  </a:schemeClr>
-                </a:solidFill>
-              </a:rPr>
-              <a:t>(“”);</a:t>
-            </a:r>
-          </a:p>
-          <a:p>
-            <a:pPr marL="0" indent="0">
-              <a:buNone/>
-            </a:pPr>
-            <a:r>
-              <a:rPr lang="en-IN" sz="2400" dirty="0" smtClean="0">
-                <a:solidFill>
-                  <a:schemeClr val="tx1">
-                    <a:lumMod val="95000"/>
-                  </a:schemeClr>
-                </a:solidFill>
-              </a:rPr>
               <a:t>}</a:t>
             </a:r>
-            <a:endParaRPr lang="en-IN" sz="2400" dirty="0">
-              <a:solidFill>
-                <a:schemeClr val="tx1">
-                  <a:lumMod val="95000"/>
-                </a:schemeClr>
-              </a:solidFill>
-            </a:endParaRPr>
           </a:p>
         </p:txBody>
       </p:sp>
@@ -16208,13 +15663,6 @@
   <p:clrMapOvr>
     <a:masterClrMapping/>
   </p:clrMapOvr>
-  <p:timing>
-    <p:tnLst>
-      <p:par>
-        <p:cTn id="1" dur="indefinite" restart="never" nodeType="tmRoot"/>
-      </p:par>
-    </p:tnLst>
-  </p:timing>
 </p:sld>
 </file>
 
@@ -16425,7 +15873,7 @@
               <a:buNone/>
             </a:pPr>
             <a:r>
-              <a:rPr lang="en-IN" sz="4800" dirty="0" err="1" smtClean="0">
+              <a:rPr lang="en-IN" sz="4800" dirty="0" err="1">
                 <a:solidFill>
                   <a:schemeClr val="tx1">
                     <a:lumMod val="95000"/>
@@ -16435,7 +15883,7 @@
               <a:t>sendMessage</a:t>
             </a:r>
             <a:r>
-              <a:rPr lang="en-IN" sz="4800" dirty="0" smtClean="0">
+              <a:rPr lang="en-IN" sz="4800" dirty="0">
                 <a:solidFill>
                   <a:schemeClr val="tx1">
                     <a:lumMod val="95000"/>
@@ -16444,13 +15892,6 @@
               </a:rPr>
               <a:t>(String)</a:t>
             </a:r>
-            <a:endParaRPr lang="en-IN" sz="4800" dirty="0">
-              <a:solidFill>
-                <a:schemeClr val="tx1">
-                  <a:lumMod val="95000"/>
-                </a:schemeClr>
-              </a:solidFill>
-            </a:endParaRPr>
           </a:p>
         </p:txBody>
       </p:sp>
@@ -16644,7 +16085,7 @@
               <a:buNone/>
             </a:pPr>
             <a:r>
-              <a:rPr lang="en-IN" sz="2400" dirty="0" smtClean="0">
+              <a:rPr lang="en-IN" sz="2400" dirty="0">
                 <a:solidFill>
                   <a:schemeClr val="tx1">
                     <a:lumMod val="95000"/>
@@ -16654,7 +16095,7 @@
               <a:t>void </a:t>
             </a:r>
             <a:r>
-              <a:rPr lang="en-IN" sz="2400" dirty="0" err="1" smtClean="0">
+              <a:rPr lang="en-IN" sz="2400" dirty="0" err="1">
                 <a:solidFill>
                   <a:schemeClr val="tx1">
                     <a:lumMod val="95000"/>
@@ -16664,7 +16105,7 @@
               <a:t>sendMessage</a:t>
             </a:r>
             <a:r>
-              <a:rPr lang="en-IN" sz="2400" dirty="0" smtClean="0">
+              <a:rPr lang="en-IN" sz="2400" dirty="0">
                 <a:solidFill>
                   <a:schemeClr val="tx1">
                     <a:lumMod val="95000"/>
@@ -16679,7 +16120,7 @@
               <a:buNone/>
             </a:pPr>
             <a:r>
-              <a:rPr lang="en-IN" sz="2400" dirty="0" smtClean="0">
+              <a:rPr lang="en-IN" sz="2400" dirty="0">
                 <a:solidFill>
                   <a:schemeClr val="tx1">
                     <a:lumMod val="95000"/>
@@ -16704,7 +16145,7 @@
               <a:t>	</a:t>
             </a:r>
             <a:r>
-              <a:rPr lang="en-IN" sz="2400" dirty="0" err="1" smtClean="0">
+              <a:rPr lang="en-IN" sz="2400" dirty="0" err="1">
                 <a:solidFill>
                   <a:schemeClr val="tx1">
                     <a:lumMod val="95000"/>
@@ -16714,7 +16155,7 @@
               <a:t>ChatMessage</a:t>
             </a:r>
             <a:r>
-              <a:rPr lang="en-IN" sz="2400" dirty="0" smtClean="0">
+              <a:rPr lang="en-IN" sz="2400" dirty="0">
                 <a:solidFill>
                   <a:schemeClr val="tx1">
                     <a:lumMod val="95000"/>
@@ -16724,7 +16165,7 @@
               <a:t> </a:t>
             </a:r>
             <a:r>
-              <a:rPr lang="en-IN" sz="2400" dirty="0" err="1" smtClean="0">
+              <a:rPr lang="en-IN" sz="2400" dirty="0" err="1">
                 <a:solidFill>
                   <a:schemeClr val="tx1">
                     <a:lumMod val="95000"/>
@@ -16734,7 +16175,7 @@
               <a:t>chatMessage</a:t>
             </a:r>
             <a:r>
-              <a:rPr lang="en-IN" sz="2400" dirty="0" smtClean="0">
+              <a:rPr lang="en-IN" sz="2400" dirty="0">
                 <a:solidFill>
                   <a:schemeClr val="tx1">
                     <a:lumMod val="95000"/>
@@ -16744,7 +16185,7 @@
               <a:t> = new </a:t>
             </a:r>
             <a:r>
-              <a:rPr lang="en-IN" sz="2400" dirty="0" err="1" smtClean="0">
+              <a:rPr lang="en-IN" sz="2400" dirty="0" err="1">
                 <a:solidFill>
                   <a:schemeClr val="tx1">
                     <a:lumMod val="95000"/>
@@ -16754,7 +16195,7 @@
               <a:t>ChatMessage</a:t>
             </a:r>
             <a:r>
-              <a:rPr lang="en-IN" sz="2400" dirty="0" smtClean="0">
+              <a:rPr lang="en-IN" sz="2400" dirty="0">
                 <a:solidFill>
                   <a:schemeClr val="tx1">
                     <a:lumMod val="95000"/>
@@ -16779,7 +16220,7 @@
               <a:t>	</a:t>
             </a:r>
             <a:r>
-              <a:rPr lang="en-IN" sz="2400" dirty="0" err="1" smtClean="0">
+              <a:rPr lang="en-IN" sz="2400" dirty="0" err="1">
                 <a:solidFill>
                   <a:schemeClr val="tx1">
                     <a:lumMod val="95000"/>
@@ -16789,7 +16230,7 @@
               <a:t>mAdapter.add</a:t>
             </a:r>
             <a:r>
-              <a:rPr lang="en-IN" sz="2400" dirty="0" smtClean="0">
+              <a:rPr lang="en-IN" sz="2400" dirty="0">
                 <a:solidFill>
                   <a:schemeClr val="tx1">
                     <a:lumMod val="95000"/>
@@ -16799,7 +16240,7 @@
               <a:t>(</a:t>
             </a:r>
             <a:r>
-              <a:rPr lang="en-IN" sz="2400" dirty="0" err="1" smtClean="0">
+              <a:rPr lang="en-IN" sz="2400" dirty="0" err="1">
                 <a:solidFill>
                   <a:schemeClr val="tx1">
                     <a:lumMod val="95000"/>
@@ -16809,7 +16250,7 @@
               <a:t>chatMessage</a:t>
             </a:r>
             <a:r>
-              <a:rPr lang="en-IN" sz="2400" dirty="0" smtClean="0">
+              <a:rPr lang="en-IN" sz="2400" dirty="0">
                 <a:solidFill>
                   <a:schemeClr val="tx1">
                     <a:lumMod val="95000"/>
@@ -16831,40 +16272,23 @@
                   </a:schemeClr>
                 </a:solidFill>
               </a:rPr>
-              <a:t>	</a:t>
-            </a:r>
-            <a:r>
-              <a:rPr lang="en-IN" sz="2400" dirty="0" smtClean="0">
+              <a:t>	// respond to “message”</a:t>
+            </a:r>
+          </a:p>
+          <a:p>
+            <a:pPr marL="0" indent="0">
+              <a:buNone/>
+            </a:pPr>
+            <a:r>
+              <a:rPr lang="en-IN" sz="2400" dirty="0">
                 <a:solidFill>
                   <a:schemeClr val="tx1">
                     <a:lumMod val="95000"/>
                   </a:schemeClr>
                 </a:solidFill>
               </a:rPr>
-              <a:t>// respond to “message”</a:t>
-            </a:r>
-          </a:p>
-          <a:p>
-            <a:pPr marL="0" indent="0">
-              <a:buNone/>
-            </a:pPr>
-            <a:r>
-              <a:rPr lang="en-IN" sz="2400" dirty="0" smtClean="0">
-                <a:solidFill>
-                  <a:schemeClr val="tx1">
-                    <a:lumMod val="95000"/>
-                  </a:schemeClr>
-                </a:solidFill>
-              </a:rPr>
               <a:t>}</a:t>
             </a:r>
-            <a:endParaRPr lang="en-IN" sz="2400" dirty="0">
-              <a:solidFill>
-                <a:schemeClr val="tx1">
-                  <a:lumMod val="95000"/>
-                </a:schemeClr>
-              </a:solidFill>
-            </a:endParaRPr>
           </a:p>
         </p:txBody>
       </p:sp>
@@ -16878,13 +16302,6 @@
   <p:clrMapOvr>
     <a:masterClrMapping/>
   </p:clrMapOvr>
-  <p:timing>
-    <p:tnLst>
-      <p:par>
-        <p:cTn id="1" dur="indefinite" restart="never" nodeType="tmRoot"/>
-      </p:par>
-    </p:tnLst>
-  </p:timing>
 </p:sld>
 </file>
 
@@ -17095,7 +16512,7 @@
               <a:buNone/>
             </a:pPr>
             <a:r>
-              <a:rPr lang="en-IN" sz="4800" dirty="0" smtClean="0">
+              <a:rPr lang="en-IN" sz="4800" dirty="0">
                 <a:solidFill>
                   <a:schemeClr val="tx1">
                     <a:lumMod val="95000"/>
@@ -17104,13 +16521,6 @@
               </a:rPr>
               <a:t>Bot response</a:t>
             </a:r>
-            <a:endParaRPr lang="en-IN" sz="4800" dirty="0">
-              <a:solidFill>
-                <a:schemeClr val="tx1">
-                  <a:lumMod val="95000"/>
-                </a:schemeClr>
-              </a:solidFill>
-            </a:endParaRPr>
           </a:p>
         </p:txBody>
       </p:sp>
@@ -17304,7 +16714,7 @@
               <a:buNone/>
             </a:pPr>
             <a:r>
-              <a:rPr lang="en-IN" sz="2400" dirty="0" smtClean="0">
+              <a:rPr lang="en-IN" sz="2400" dirty="0">
                 <a:solidFill>
                   <a:schemeClr val="tx1">
                     <a:lumMod val="95000"/>
@@ -17314,7 +16724,7 @@
               <a:t>Bot </a:t>
             </a:r>
             <a:r>
-              <a:rPr lang="en-IN" sz="2400" dirty="0" err="1" smtClean="0">
+              <a:rPr lang="en-IN" sz="2400" dirty="0" err="1">
                 <a:solidFill>
                   <a:schemeClr val="tx1">
                     <a:lumMod val="95000"/>
@@ -17324,7 +16734,7 @@
               <a:t>bot</a:t>
             </a:r>
             <a:r>
-              <a:rPr lang="en-IN" sz="2400" dirty="0" smtClean="0">
+              <a:rPr lang="en-IN" sz="2400" dirty="0">
                 <a:solidFill>
                   <a:schemeClr val="tx1">
                     <a:lumMod val="95000"/>
@@ -17351,7 +16761,7 @@
               <a:buNone/>
             </a:pPr>
             <a:r>
-              <a:rPr lang="en-IN" sz="2400" dirty="0" smtClean="0">
+              <a:rPr lang="en-IN" sz="2400" dirty="0">
                 <a:solidFill>
                   <a:schemeClr val="tx1">
                     <a:lumMod val="95000"/>
@@ -17361,7 +16771,7 @@
               <a:t>String response = </a:t>
             </a:r>
             <a:r>
-              <a:rPr lang="en-IN" sz="2400" dirty="0" err="1" smtClean="0">
+              <a:rPr lang="en-IN" sz="2400" dirty="0" err="1">
                 <a:solidFill>
                   <a:schemeClr val="tx1">
                     <a:lumMod val="95000"/>
@@ -17371,7 +16781,7 @@
               <a:t>bot.multiSentenceResponse</a:t>
             </a:r>
             <a:r>
-              <a:rPr lang="en-IN" sz="2400" dirty="0" smtClean="0">
+              <a:rPr lang="en-IN" sz="2400" dirty="0">
                 <a:solidFill>
                   <a:schemeClr val="tx1">
                     <a:lumMod val="95000"/>
@@ -17380,13 +16790,6 @@
               </a:rPr>
               <a:t>(message);</a:t>
             </a:r>
-            <a:endParaRPr lang="en-IN" sz="2400" dirty="0">
-              <a:solidFill>
-                <a:schemeClr val="tx1">
-                  <a:lumMod val="95000"/>
-                </a:schemeClr>
-              </a:solidFill>
-            </a:endParaRPr>
           </a:p>
         </p:txBody>
       </p:sp>
@@ -17400,13 +16803,6 @@
   <p:clrMapOvr>
     <a:masterClrMapping/>
   </p:clrMapOvr>
-  <p:timing>
-    <p:tnLst>
-      <p:par>
-        <p:cTn id="1" dur="indefinite" restart="never" nodeType="tmRoot"/>
-      </p:par>
-    </p:tnLst>
-  </p:timing>
 </p:sld>
 </file>
 
@@ -17617,7 +17013,7 @@
               <a:buNone/>
             </a:pPr>
             <a:r>
-              <a:rPr lang="en-IN" sz="4800" dirty="0" smtClean="0">
+              <a:rPr lang="en-IN" sz="4800" dirty="0">
                 <a:solidFill>
                   <a:schemeClr val="tx1">
                     <a:lumMod val="95000"/>
@@ -17626,13 +17022,6 @@
               </a:rPr>
               <a:t>Bot response</a:t>
             </a:r>
-            <a:endParaRPr lang="en-IN" sz="4800" dirty="0">
-              <a:solidFill>
-                <a:schemeClr val="tx1">
-                  <a:lumMod val="95000"/>
-                </a:schemeClr>
-              </a:solidFill>
-            </a:endParaRPr>
           </a:p>
         </p:txBody>
       </p:sp>
@@ -17826,7 +17215,7 @@
               <a:buNone/>
             </a:pPr>
             <a:r>
-              <a:rPr lang="en-IN" sz="2400" dirty="0" err="1" smtClean="0">
+              <a:rPr lang="en-IN" sz="2400" dirty="0" err="1">
                 <a:solidFill>
                   <a:schemeClr val="tx1">
                     <a:lumMod val="95000"/>
@@ -17836,7 +17225,7 @@
               <a:t>ChatMessage</a:t>
             </a:r>
             <a:r>
-              <a:rPr lang="en-IN" sz="2400" dirty="0" smtClean="0">
+              <a:rPr lang="en-IN" sz="2400" dirty="0">
                 <a:solidFill>
                   <a:schemeClr val="tx1">
                     <a:lumMod val="95000"/>
@@ -17846,7 +17235,7 @@
               <a:t> </a:t>
             </a:r>
             <a:r>
-              <a:rPr lang="en-IN" sz="2400" dirty="0" err="1" smtClean="0">
+              <a:rPr lang="en-IN" sz="2400" dirty="0" err="1">
                 <a:solidFill>
                   <a:schemeClr val="tx1">
                     <a:lumMod val="95000"/>
@@ -17856,7 +17245,7 @@
               <a:t>chatMessage</a:t>
             </a:r>
             <a:r>
-              <a:rPr lang="en-IN" sz="2400" dirty="0" smtClean="0">
+              <a:rPr lang="en-IN" sz="2400" dirty="0">
                 <a:solidFill>
                   <a:schemeClr val="tx1">
                     <a:lumMod val="95000"/>
@@ -17866,7 +17255,7 @@
               <a:t> = new </a:t>
             </a:r>
             <a:r>
-              <a:rPr lang="en-IN" sz="2400" dirty="0" err="1" smtClean="0">
+              <a:rPr lang="en-IN" sz="2400" dirty="0" err="1">
                 <a:solidFill>
                   <a:schemeClr val="tx1">
                     <a:lumMod val="95000"/>
@@ -17876,7 +17265,7 @@
               <a:t>ChatMessage</a:t>
             </a:r>
             <a:r>
-              <a:rPr lang="en-IN" sz="2400" dirty="0" smtClean="0">
+              <a:rPr lang="en-IN" sz="2400" dirty="0">
                 <a:solidFill>
                   <a:schemeClr val="tx1">
                     <a:lumMod val="95000"/>
@@ -17903,7 +17292,7 @@
               <a:buNone/>
             </a:pPr>
             <a:r>
-              <a:rPr lang="en-IN" sz="2400" dirty="0" err="1" smtClean="0">
+              <a:rPr lang="en-IN" sz="2400" dirty="0" err="1">
                 <a:solidFill>
                   <a:schemeClr val="tx1">
                     <a:lumMod val="95000"/>
@@ -17913,7 +17302,7 @@
               <a:t>mAdapter.add</a:t>
             </a:r>
             <a:r>
-              <a:rPr lang="en-IN" sz="2400" dirty="0" smtClean="0">
+              <a:rPr lang="en-IN" sz="2400" dirty="0">
                 <a:solidFill>
                   <a:schemeClr val="tx1">
                     <a:lumMod val="95000"/>
@@ -17923,7 +17312,7 @@
               <a:t>(</a:t>
             </a:r>
             <a:r>
-              <a:rPr lang="en-IN" sz="2400" dirty="0" err="1" smtClean="0">
+              <a:rPr lang="en-IN" sz="2400" dirty="0" err="1">
                 <a:solidFill>
                   <a:schemeClr val="tx1">
                     <a:lumMod val="95000"/>
@@ -17933,7 +17322,7 @@
               <a:t>chatMessage</a:t>
             </a:r>
             <a:r>
-              <a:rPr lang="en-IN" sz="2400" dirty="0" smtClean="0">
+              <a:rPr lang="en-IN" sz="2400" dirty="0">
                 <a:solidFill>
                   <a:schemeClr val="tx1">
                     <a:lumMod val="95000"/>
@@ -17942,13 +17331,6 @@
               </a:rPr>
               <a:t>);</a:t>
             </a:r>
-            <a:endParaRPr lang="en-IN" sz="2400" dirty="0">
-              <a:solidFill>
-                <a:schemeClr val="tx1">
-                  <a:lumMod val="95000"/>
-                </a:schemeClr>
-              </a:solidFill>
-            </a:endParaRPr>
           </a:p>
         </p:txBody>
       </p:sp>
@@ -17962,13 +17344,6 @@
   <p:clrMapOvr>
     <a:masterClrMapping/>
   </p:clrMapOvr>
-  <p:timing>
-    <p:tnLst>
-      <p:par>
-        <p:cTn id="1" dur="indefinite" restart="never" nodeType="tmRoot"/>
-      </p:par>
-    </p:tnLst>
-  </p:timing>
 </p:sld>
 </file>
 
@@ -18179,7 +17554,7 @@
               <a:buNone/>
             </a:pPr>
             <a:r>
-              <a:rPr lang="en-IN" sz="4800" dirty="0" smtClean="0">
+              <a:rPr lang="en-IN" sz="4800" dirty="0">
                 <a:solidFill>
                   <a:schemeClr val="tx1">
                     <a:lumMod val="95000"/>
@@ -18188,13 +17563,6 @@
               </a:rPr>
               <a:t>Chat History</a:t>
             </a:r>
-            <a:endParaRPr lang="en-IN" sz="4800" dirty="0">
-              <a:solidFill>
-                <a:schemeClr val="tx1">
-                  <a:lumMod val="95000"/>
-                </a:schemeClr>
-              </a:solidFill>
-            </a:endParaRPr>
           </a:p>
         </p:txBody>
       </p:sp>
@@ -18388,7 +17756,7 @@
               <a:buAutoNum type="arabicPeriod"/>
             </a:pPr>
             <a:r>
-              <a:rPr lang="en-IN" sz="2400" dirty="0" smtClean="0">
+              <a:rPr lang="en-IN" sz="2400" dirty="0">
                 <a:solidFill>
                   <a:schemeClr val="tx1">
                     <a:lumMod val="95000"/>
@@ -18398,7 +17766,7 @@
               <a:t>Storing </a:t>
             </a:r>
             <a:r>
-              <a:rPr lang="en-IN" sz="2400" dirty="0" err="1" smtClean="0">
+              <a:rPr lang="en-IN" sz="2400" dirty="0" err="1">
                 <a:solidFill>
                   <a:schemeClr val="tx1">
                     <a:lumMod val="95000"/>
@@ -18408,7 +17776,7 @@
               <a:t>ChatMessage</a:t>
             </a:r>
             <a:r>
-              <a:rPr lang="en-IN" sz="2400" dirty="0" smtClean="0">
+              <a:rPr lang="en-IN" sz="2400" dirty="0">
                 <a:solidFill>
                   <a:schemeClr val="tx1">
                     <a:lumMod val="95000"/>
@@ -18423,7 +17791,7 @@
               <a:buAutoNum type="arabicPeriod"/>
             </a:pPr>
             <a:r>
-              <a:rPr lang="en-IN" sz="2400" dirty="0" smtClean="0">
+              <a:rPr lang="en-IN" sz="2400" dirty="0">
                 <a:solidFill>
                   <a:schemeClr val="tx1">
                     <a:lumMod val="95000"/>
@@ -18432,13 +17800,6 @@
               </a:rPr>
               <a:t>Use a database</a:t>
             </a:r>
-            <a:endParaRPr lang="en-IN" sz="2400" dirty="0">
-              <a:solidFill>
-                <a:schemeClr val="tx1">
-                  <a:lumMod val="95000"/>
-                </a:schemeClr>
-              </a:solidFill>
-            </a:endParaRPr>
           </a:p>
         </p:txBody>
       </p:sp>
@@ -18452,13 +17813,6 @@
   <p:clrMapOvr>
     <a:masterClrMapping/>
   </p:clrMapOvr>
-  <p:timing>
-    <p:tnLst>
-      <p:par>
-        <p:cTn id="1" dur="indefinite" restart="never" nodeType="tmRoot"/>
-      </p:par>
-    </p:tnLst>
-  </p:timing>
 </p:sld>
 </file>
 
@@ -18547,7 +17901,7 @@
           <p:cNvPr id="4" name="Group 3">
             <a:extLst>
               <a:ext uri="{FF2B5EF4-FFF2-40B4-BE49-F238E27FC236}">
-                <a16:creationId xmlns="" xmlns:a16="http://schemas.microsoft.com/office/drawing/2014/main" id="{946F5448-C9AC-483D-A9E1-4910AAC001A2}"/>
+                <a16:creationId xmlns:a16="http://schemas.microsoft.com/office/drawing/2014/main" id="{946F5448-C9AC-483D-A9E1-4910AAC001A2}"/>
               </a:ext>
             </a:extLst>
           </p:cNvPr>
@@ -18637,17 +17991,976 @@
   <p:clrMapOvr>
     <a:masterClrMapping/>
   </p:clrMapOvr>
-  <p:timing>
-    <p:tnLst>
-      <p:par>
-        <p:cTn id="1" dur="indefinite" restart="never" nodeType="tmRoot"/>
-      </p:par>
-    </p:tnLst>
-  </p:timing>
 </p:sld>
 </file>
 
 <file path=ppt/slides/slide37.xml><?xml version="1.0" encoding="utf-8"?>
+<p:sld xmlns:a="http://schemas.openxmlformats.org/drawingml/2006/main" xmlns:r="http://schemas.openxmlformats.org/officeDocument/2006/relationships" xmlns:p="http://schemas.openxmlformats.org/presentationml/2006/main">
+  <p:cSld>
+    <p:spTree>
+      <p:nvGrpSpPr>
+        <p:cNvPr id="1" name=""/>
+        <p:cNvGrpSpPr/>
+        <p:nvPr/>
+      </p:nvGrpSpPr>
+      <p:grpSpPr>
+        <a:xfrm>
+          <a:off x="0" y="0"/>
+          <a:ext cx="0" cy="0"/>
+          <a:chOff x="0" y="0"/>
+          <a:chExt cx="0" cy="0"/>
+        </a:xfrm>
+      </p:grpSpPr>
+      <p:sp>
+        <p:nvSpPr>
+          <p:cNvPr id="3" name="Content Placeholder 2">
+            <a:extLst>
+              <a:ext uri="{FF2B5EF4-FFF2-40B4-BE49-F238E27FC236}">
+                <a16:creationId xmlns:a16="http://schemas.microsoft.com/office/drawing/2014/main" id="{C60B34E3-731B-4F1F-B125-2A24F2289954}"/>
+              </a:ext>
+            </a:extLst>
+          </p:cNvPr>
+          <p:cNvSpPr>
+            <a:spLocks noGrp="1"/>
+          </p:cNvSpPr>
+          <p:nvPr>
+            <p:ph idx="1"/>
+          </p:nvPr>
+        </p:nvSpPr>
+        <p:spPr>
+          <a:xfrm>
+            <a:off x="838200" y="379828"/>
+            <a:ext cx="10515600" cy="6133513"/>
+          </a:xfrm>
+        </p:spPr>
+        <p:txBody>
+          <a:bodyPr>
+            <a:normAutofit/>
+          </a:bodyPr>
+          <a:lstStyle/>
+          <a:p>
+            <a:pPr marL="0" indent="0" algn="ctr">
+              <a:buNone/>
+            </a:pPr>
+            <a:r>
+              <a:rPr lang="en-IN" sz="5000" dirty="0"/>
+              <a:t>Importance of documentation</a:t>
+            </a:r>
+            <a:endParaRPr lang="en-IN" sz="3000" dirty="0"/>
+          </a:p>
+          <a:p>
+            <a:pPr algn="ctr">
+              <a:buFont typeface="Wingdings" panose="05000000000000000000" pitchFamily="2" charset="2"/>
+              <a:buChar char="q"/>
+            </a:pPr>
+            <a:endParaRPr lang="en-IN" dirty="0"/>
+          </a:p>
+          <a:p>
+            <a:pPr algn="ctr">
+              <a:buFont typeface="Wingdings" panose="05000000000000000000" pitchFamily="2" charset="2"/>
+              <a:buChar char="q"/>
+            </a:pPr>
+            <a:r>
+              <a:rPr lang="en-IN" dirty="0"/>
+              <a:t> For developer :</a:t>
+            </a:r>
+          </a:p>
+          <a:p>
+            <a:pPr algn="ctr">
+              <a:buFont typeface="Courier New" panose="02070309020205020404" pitchFamily="49" charset="0"/>
+              <a:buChar char="o"/>
+            </a:pPr>
+            <a:r>
+              <a:rPr lang="en-IN" sz="2500" dirty="0"/>
+              <a:t>Keeps track of the how and what of the development process.</a:t>
+            </a:r>
+          </a:p>
+          <a:p>
+            <a:pPr algn="ctr">
+              <a:buFont typeface="Courier New" panose="02070309020205020404" pitchFamily="49" charset="0"/>
+              <a:buChar char="o"/>
+            </a:pPr>
+            <a:r>
+              <a:rPr lang="en-IN" sz="2500" dirty="0"/>
+              <a:t>Provides the contributing guidelines and environment setup for the project .  </a:t>
+            </a:r>
+          </a:p>
+          <a:p>
+            <a:pPr marL="0" indent="0" algn="ctr">
+              <a:buNone/>
+            </a:pPr>
+            <a:endParaRPr lang="en-IN" sz="2500" dirty="0"/>
+          </a:p>
+          <a:p>
+            <a:pPr algn="ctr">
+              <a:buFont typeface="Wingdings" panose="05000000000000000000" pitchFamily="2" charset="2"/>
+              <a:buChar char="q"/>
+            </a:pPr>
+            <a:r>
+              <a:rPr lang="en-IN" dirty="0"/>
+              <a:t>For user : </a:t>
+            </a:r>
+          </a:p>
+          <a:p>
+            <a:pPr marL="0" indent="0" algn="ctr">
+              <a:buNone/>
+            </a:pPr>
+            <a:r>
+              <a:rPr lang="en-IN" sz="2500" dirty="0"/>
+              <a:t>To know about the project :</a:t>
+            </a:r>
+          </a:p>
+          <a:p>
+            <a:pPr algn="ctr">
+              <a:buFont typeface="Courier New" panose="02070309020205020404" pitchFamily="49" charset="0"/>
+              <a:buChar char="o"/>
+            </a:pPr>
+            <a:r>
+              <a:rPr lang="en-IN" sz="2500" dirty="0"/>
+              <a:t>The problems it addresses and the solution it provides</a:t>
+            </a:r>
+          </a:p>
+          <a:p>
+            <a:pPr algn="ctr">
+              <a:buFont typeface="Courier New" panose="02070309020205020404" pitchFamily="49" charset="0"/>
+              <a:buChar char="o"/>
+            </a:pPr>
+            <a:r>
+              <a:rPr lang="en-IN" sz="2500" dirty="0"/>
+              <a:t>Future scope of the project </a:t>
+            </a:r>
+          </a:p>
+          <a:p>
+            <a:pPr algn="ctr">
+              <a:buFont typeface="Courier New" panose="02070309020205020404" pitchFamily="49" charset="0"/>
+              <a:buChar char="o"/>
+            </a:pPr>
+            <a:r>
+              <a:rPr lang="en-IN" sz="2500" dirty="0"/>
+              <a:t>Release details</a:t>
+            </a:r>
+          </a:p>
+          <a:p>
+            <a:pPr marL="0" indent="0" algn="ctr">
+              <a:buNone/>
+            </a:pPr>
+            <a:endParaRPr lang="en-IN" dirty="0"/>
+          </a:p>
+        </p:txBody>
+      </p:sp>
+    </p:spTree>
+    <p:extLst>
+      <p:ext uri="{BB962C8B-B14F-4D97-AF65-F5344CB8AC3E}">
+        <p14:creationId xmlns:p14="http://schemas.microsoft.com/office/powerpoint/2010/main" val="1368838561"/>
+      </p:ext>
+    </p:extLst>
+  </p:cSld>
+  <p:clrMapOvr>
+    <a:masterClrMapping/>
+  </p:clrMapOvr>
+</p:sld>
+</file>
+
+<file path=ppt/slides/slide38.xml><?xml version="1.0" encoding="utf-8"?>
+<p:sld xmlns:a="http://schemas.openxmlformats.org/drawingml/2006/main" xmlns:r="http://schemas.openxmlformats.org/officeDocument/2006/relationships" xmlns:p="http://schemas.openxmlformats.org/presentationml/2006/main">
+  <p:cSld>
+    <p:spTree>
+      <p:nvGrpSpPr>
+        <p:cNvPr id="1" name=""/>
+        <p:cNvGrpSpPr/>
+        <p:nvPr/>
+      </p:nvGrpSpPr>
+      <p:grpSpPr>
+        <a:xfrm>
+          <a:off x="0" y="0"/>
+          <a:ext cx="0" cy="0"/>
+          <a:chOff x="0" y="0"/>
+          <a:chExt cx="0" cy="0"/>
+        </a:xfrm>
+      </p:grpSpPr>
+      <p:sp>
+        <p:nvSpPr>
+          <p:cNvPr id="3" name="Content Placeholder 2">
+            <a:extLst>
+              <a:ext uri="{FF2B5EF4-FFF2-40B4-BE49-F238E27FC236}">
+                <a16:creationId xmlns:a16="http://schemas.microsoft.com/office/drawing/2014/main" id="{D289A83F-DA78-4A0B-881B-A6BD916D9562}"/>
+              </a:ext>
+            </a:extLst>
+          </p:cNvPr>
+          <p:cNvSpPr>
+            <a:spLocks noGrp="1"/>
+          </p:cNvSpPr>
+          <p:nvPr>
+            <p:ph idx="1"/>
+          </p:nvPr>
+        </p:nvSpPr>
+        <p:spPr>
+          <a:xfrm>
+            <a:off x="838200" y="365125"/>
+            <a:ext cx="10515600" cy="5811838"/>
+          </a:xfrm>
+        </p:spPr>
+        <p:txBody>
+          <a:bodyPr>
+            <a:normAutofit/>
+          </a:bodyPr>
+          <a:lstStyle/>
+          <a:p>
+            <a:pPr marL="0" indent="0" algn="ctr">
+              <a:buNone/>
+            </a:pPr>
+            <a:r>
+              <a:rPr lang="en-IN" sz="3600" dirty="0"/>
+              <a:t>Sphinx is a tool that makes it easy to create intelligent and beautiful documentation.</a:t>
+            </a:r>
+          </a:p>
+          <a:p>
+            <a:pPr marL="0" indent="0" algn="ctr">
+              <a:buNone/>
+            </a:pPr>
+            <a:endParaRPr lang="en-IN" sz="3600" dirty="0"/>
+          </a:p>
+          <a:p>
+            <a:pPr marL="0" indent="0" algn="ctr">
+              <a:buNone/>
+            </a:pPr>
+            <a:endParaRPr lang="en-IN" sz="3600" dirty="0"/>
+          </a:p>
+          <a:p>
+            <a:pPr marL="0" indent="0" algn="ctr">
+              <a:buNone/>
+            </a:pPr>
+            <a:endParaRPr lang="en-IN" sz="3600" dirty="0"/>
+          </a:p>
+          <a:p>
+            <a:pPr algn="ctr">
+              <a:buFont typeface="Wingdings" panose="05000000000000000000" pitchFamily="2" charset="2"/>
+              <a:buChar char="q"/>
+            </a:pPr>
+            <a:r>
+              <a:rPr lang="en-IN" sz="3000" dirty="0"/>
+              <a:t>Features</a:t>
+            </a:r>
+          </a:p>
+          <a:p>
+            <a:pPr>
+              <a:buFont typeface="Courier New" panose="02070309020205020404" pitchFamily="49" charset="0"/>
+              <a:buChar char="o"/>
+            </a:pPr>
+            <a:r>
+              <a:rPr lang="en-IN" sz="2400" dirty="0"/>
+              <a:t>Sphinx converts </a:t>
+            </a:r>
+            <a:r>
+              <a:rPr lang="en-IN" sz="2400" dirty="0" err="1"/>
+              <a:t>reStructuredText</a:t>
+            </a:r>
+            <a:r>
+              <a:rPr lang="en-IN" sz="2400" dirty="0"/>
+              <a:t> (.</a:t>
+            </a:r>
+            <a:r>
+              <a:rPr lang="en-IN" sz="2400" dirty="0" err="1"/>
+              <a:t>rst</a:t>
+            </a:r>
+            <a:r>
+              <a:rPr lang="en-IN" sz="2400" dirty="0"/>
+              <a:t>) files into HTML(for web) and </a:t>
+            </a:r>
+            <a:r>
+              <a:rPr lang="en-IN" sz="2400" dirty="0" err="1"/>
+              <a:t>LaTex</a:t>
+            </a:r>
+            <a:r>
+              <a:rPr lang="en-IN" sz="2400" dirty="0"/>
+              <a:t>(for printable pdf) formats.</a:t>
+            </a:r>
+          </a:p>
+          <a:p>
+            <a:pPr>
+              <a:buFont typeface="Courier New" panose="02070309020205020404" pitchFamily="49" charset="0"/>
+              <a:buChar char="o"/>
+            </a:pPr>
+            <a:r>
+              <a:rPr lang="en-IN" sz="2400" dirty="0"/>
+              <a:t>Semantic </a:t>
+            </a:r>
+            <a:r>
+              <a:rPr lang="en-IN" sz="2400" dirty="0" err="1"/>
+              <a:t>markup</a:t>
+            </a:r>
+            <a:r>
+              <a:rPr lang="en-IN" sz="2400" dirty="0"/>
+              <a:t> and code highlighting</a:t>
+            </a:r>
+          </a:p>
+          <a:p>
+            <a:pPr>
+              <a:buFont typeface="Courier New" panose="02070309020205020404" pitchFamily="49" charset="0"/>
+              <a:buChar char="o"/>
+            </a:pPr>
+            <a:r>
+              <a:rPr lang="en-IN" sz="2400" dirty="0"/>
+              <a:t>Easy definition of a document tree, with automatic links to siblings, parents and children</a:t>
+            </a:r>
+          </a:p>
+          <a:p>
+            <a:pPr>
+              <a:buFont typeface="Courier New" panose="02070309020205020404" pitchFamily="49" charset="0"/>
+              <a:buChar char="o"/>
+            </a:pPr>
+            <a:endParaRPr lang="en-IN" sz="2600" dirty="0"/>
+          </a:p>
+          <a:p>
+            <a:pPr marL="0" indent="0">
+              <a:buNone/>
+            </a:pPr>
+            <a:endParaRPr lang="en-IN" sz="2600" dirty="0"/>
+          </a:p>
+        </p:txBody>
+      </p:sp>
+      <p:pic>
+        <p:nvPicPr>
+          <p:cNvPr id="5" name="Picture 4">
+            <a:extLst>
+              <a:ext uri="{FF2B5EF4-FFF2-40B4-BE49-F238E27FC236}">
+                <a16:creationId xmlns:a16="http://schemas.microsoft.com/office/drawing/2014/main" id="{2C0812DC-4448-4081-A624-3097FF48DB45}"/>
+              </a:ext>
+            </a:extLst>
+          </p:cNvPr>
+          <p:cNvPicPr>
+            <a:picLocks noChangeAspect="1"/>
+          </p:cNvPicPr>
+          <p:nvPr/>
+        </p:nvPicPr>
+        <p:blipFill>
+          <a:blip r:embed="rId2">
+            <a:extLst>
+              <a:ext uri="{28A0092B-C50C-407E-A947-70E740481C1C}">
+                <a14:useLocalDpi xmlns:a14="http://schemas.microsoft.com/office/drawing/2010/main" val="0"/>
+              </a:ext>
+            </a:extLst>
+          </a:blip>
+          <a:stretch>
+            <a:fillRect/>
+          </a:stretch>
+        </p:blipFill>
+        <p:spPr>
+          <a:xfrm>
+            <a:off x="2753070" y="1849325"/>
+            <a:ext cx="6685859" cy="1168501"/>
+          </a:xfrm>
+          <a:prstGeom prst="rect">
+            <a:avLst/>
+          </a:prstGeom>
+        </p:spPr>
+      </p:pic>
+    </p:spTree>
+    <p:extLst>
+      <p:ext uri="{BB962C8B-B14F-4D97-AF65-F5344CB8AC3E}">
+        <p14:creationId xmlns:p14="http://schemas.microsoft.com/office/powerpoint/2010/main" val="1818881891"/>
+      </p:ext>
+    </p:extLst>
+  </p:cSld>
+  <p:clrMapOvr>
+    <a:masterClrMapping/>
+  </p:clrMapOvr>
+</p:sld>
+</file>
+
+<file path=ppt/slides/slide39.xml><?xml version="1.0" encoding="utf-8"?>
+<p:sld xmlns:a="http://schemas.openxmlformats.org/drawingml/2006/main" xmlns:r="http://schemas.openxmlformats.org/officeDocument/2006/relationships" xmlns:p="http://schemas.openxmlformats.org/presentationml/2006/main">
+  <p:cSld>
+    <p:spTree>
+      <p:nvGrpSpPr>
+        <p:cNvPr id="1" name=""/>
+        <p:cNvGrpSpPr/>
+        <p:nvPr/>
+      </p:nvGrpSpPr>
+      <p:grpSpPr>
+        <a:xfrm>
+          <a:off x="0" y="0"/>
+          <a:ext cx="0" cy="0"/>
+          <a:chOff x="0" y="0"/>
+          <a:chExt cx="0" cy="0"/>
+        </a:xfrm>
+      </p:grpSpPr>
+      <p:sp>
+        <p:nvSpPr>
+          <p:cNvPr id="3" name="Content Placeholder 2">
+            <a:extLst>
+              <a:ext uri="{FF2B5EF4-FFF2-40B4-BE49-F238E27FC236}">
+                <a16:creationId xmlns:a16="http://schemas.microsoft.com/office/drawing/2014/main" id="{44C90922-8CD6-409D-A94B-3FFAFFBEACCB}"/>
+              </a:ext>
+            </a:extLst>
+          </p:cNvPr>
+          <p:cNvSpPr>
+            <a:spLocks noGrp="1"/>
+          </p:cNvSpPr>
+          <p:nvPr>
+            <p:ph idx="1"/>
+          </p:nvPr>
+        </p:nvSpPr>
+        <p:spPr>
+          <a:xfrm>
+            <a:off x="838200" y="759655"/>
+            <a:ext cx="10515600" cy="5417308"/>
+          </a:xfrm>
+        </p:spPr>
+        <p:txBody>
+          <a:bodyPr/>
+          <a:lstStyle/>
+          <a:p>
+            <a:pPr>
+              <a:buFont typeface="Wingdings" panose="05000000000000000000" pitchFamily="2" charset="2"/>
+              <a:buChar char="q"/>
+            </a:pPr>
+            <a:r>
+              <a:rPr lang="en-IN" dirty="0"/>
+              <a:t>How it works</a:t>
+            </a:r>
+          </a:p>
+          <a:p>
+            <a:pPr lvl="1">
+              <a:buFont typeface="Courier New" panose="02070309020205020404" pitchFamily="49" charset="0"/>
+              <a:buChar char="o"/>
+            </a:pPr>
+            <a:endParaRPr lang="en-IN" dirty="0"/>
+          </a:p>
+          <a:p>
+            <a:pPr lvl="1">
+              <a:buFont typeface="Courier New" panose="02070309020205020404" pitchFamily="49" charset="0"/>
+              <a:buChar char="o"/>
+            </a:pPr>
+            <a:r>
+              <a:rPr lang="en-IN" dirty="0"/>
+              <a:t>Get started with   </a:t>
+            </a:r>
+            <a:r>
+              <a:rPr lang="en-IN" sz="2200" i="1" dirty="0"/>
+              <a:t>$ sphinx-</a:t>
+            </a:r>
+            <a:r>
+              <a:rPr lang="en-IN" sz="2200" i="1" dirty="0" err="1"/>
+              <a:t>quickstart</a:t>
+            </a:r>
+            <a:endParaRPr lang="en-IN" sz="2200" i="1" dirty="0"/>
+          </a:p>
+          <a:p>
+            <a:pPr lvl="2">
+              <a:buFont typeface="Wingdings" panose="05000000000000000000" pitchFamily="2" charset="2"/>
+              <a:buChar char="Ø"/>
+            </a:pPr>
+            <a:r>
+              <a:rPr lang="en-IN" sz="2300" dirty="0"/>
+              <a:t>This creates a source directory with a default </a:t>
+            </a:r>
+            <a:r>
+              <a:rPr lang="en-IN" sz="2400" i="1" u="sng" dirty="0"/>
+              <a:t>conf.py</a:t>
+            </a:r>
+            <a:r>
+              <a:rPr lang="en-IN" i="1" dirty="0"/>
+              <a:t> </a:t>
+            </a:r>
+            <a:r>
+              <a:rPr lang="en-IN" sz="2300" dirty="0"/>
+              <a:t>with the configuration</a:t>
+            </a:r>
+            <a:r>
+              <a:rPr lang="en-IN" dirty="0"/>
+              <a:t> </a:t>
+            </a:r>
+            <a:r>
+              <a:rPr lang="en-IN" sz="2300" dirty="0"/>
+              <a:t>values and an</a:t>
+            </a:r>
+            <a:r>
+              <a:rPr lang="en-IN" dirty="0"/>
+              <a:t> </a:t>
+            </a:r>
+            <a:r>
+              <a:rPr lang="en-IN" sz="2400" i="1" u="sng" dirty="0" err="1"/>
+              <a:t>index.rst</a:t>
+            </a:r>
+            <a:r>
+              <a:rPr lang="en-IN" sz="2400" i="1" u="sng" dirty="0"/>
+              <a:t> </a:t>
+            </a:r>
+            <a:r>
+              <a:rPr lang="en-IN" sz="2300" dirty="0"/>
+              <a:t>file</a:t>
+            </a:r>
+            <a:r>
+              <a:rPr lang="en-IN" dirty="0"/>
+              <a:t>.</a:t>
+            </a:r>
+            <a:endParaRPr lang="en-IN" sz="2400" i="1" u="sng" dirty="0"/>
+          </a:p>
+          <a:p>
+            <a:pPr lvl="3"/>
+            <a:r>
+              <a:rPr lang="en-IN" sz="2300" dirty="0"/>
+              <a:t>The main function of </a:t>
+            </a:r>
+            <a:r>
+              <a:rPr lang="en-IN" sz="2300" i="1" dirty="0" err="1"/>
+              <a:t>index.rst</a:t>
+            </a:r>
+            <a:r>
+              <a:rPr lang="en-IN" sz="2300" dirty="0"/>
+              <a:t> is to serve as a welcome page and to contain the root of the table of contents tree (</a:t>
+            </a:r>
+            <a:r>
+              <a:rPr lang="en-IN" sz="2300" dirty="0" err="1"/>
+              <a:t>toctree</a:t>
+            </a:r>
+            <a:r>
+              <a:rPr lang="en-IN" sz="2300" dirty="0"/>
+              <a:t>). Using this tree Sphinx adds multiple </a:t>
+            </a:r>
+            <a:r>
+              <a:rPr lang="en-IN" sz="2300" i="1" dirty="0"/>
+              <a:t>.</a:t>
+            </a:r>
+            <a:r>
+              <a:rPr lang="en-IN" sz="2300" i="1" dirty="0" err="1"/>
+              <a:t>rst</a:t>
+            </a:r>
+            <a:r>
+              <a:rPr lang="en-IN" sz="2300" dirty="0"/>
+              <a:t> files to a single hierarchy of documents.</a:t>
+            </a:r>
+          </a:p>
+          <a:p>
+            <a:pPr lvl="3"/>
+            <a:endParaRPr lang="en-IN" sz="2300" dirty="0"/>
+          </a:p>
+          <a:p>
+            <a:pPr lvl="1">
+              <a:buFont typeface="Courier New" panose="02070309020205020404" pitchFamily="49" charset="0"/>
+              <a:buChar char="o"/>
+            </a:pPr>
+            <a:r>
+              <a:rPr lang="en-IN" dirty="0"/>
+              <a:t>Add content using the </a:t>
+            </a:r>
+            <a:r>
+              <a:rPr lang="en-IN" dirty="0" err="1"/>
+              <a:t>reStructuredText</a:t>
+            </a:r>
+            <a:r>
+              <a:rPr lang="en-IN" dirty="0"/>
+              <a:t> </a:t>
+            </a:r>
+            <a:r>
+              <a:rPr lang="en-IN" dirty="0" err="1"/>
+              <a:t>markup</a:t>
+            </a:r>
+            <a:r>
+              <a:rPr lang="en-IN" dirty="0"/>
+              <a:t>.</a:t>
+            </a:r>
+          </a:p>
+          <a:p>
+            <a:pPr lvl="1">
+              <a:buFont typeface="Courier New" panose="02070309020205020404" pitchFamily="49" charset="0"/>
+              <a:buChar char="o"/>
+            </a:pPr>
+            <a:r>
+              <a:rPr lang="en-IN" dirty="0"/>
+              <a:t>Build the documentation using</a:t>
+            </a:r>
+            <a:r>
+              <a:rPr lang="en-IN" sz="2200" i="1" dirty="0"/>
+              <a:t> </a:t>
+            </a:r>
+          </a:p>
+          <a:p>
+            <a:pPr marL="457200" lvl="1" indent="0">
+              <a:buNone/>
+            </a:pPr>
+            <a:r>
+              <a:rPr lang="en-IN" sz="2200" i="1" dirty="0"/>
+              <a:t>		$ make html (for web version)</a:t>
+            </a:r>
+            <a:endParaRPr lang="en-IN" dirty="0"/>
+          </a:p>
+          <a:p>
+            <a:pPr marL="1828800" lvl="4" indent="0">
+              <a:buNone/>
+            </a:pPr>
+            <a:r>
+              <a:rPr lang="en-IN" sz="2200" i="1" dirty="0"/>
+              <a:t>$ make </a:t>
+            </a:r>
+            <a:r>
+              <a:rPr lang="en-IN" sz="2200" i="1" dirty="0" err="1"/>
+              <a:t>latexpdf</a:t>
+            </a:r>
+            <a:r>
+              <a:rPr lang="en-IN" sz="2200" i="1" dirty="0"/>
+              <a:t> (for pdf)                                                                                                                                                                     </a:t>
+            </a:r>
+          </a:p>
+        </p:txBody>
+      </p:sp>
+      <p:sp>
+        <p:nvSpPr>
+          <p:cNvPr id="4" name="Rectangle 3">
+            <a:extLst>
+              <a:ext uri="{FF2B5EF4-FFF2-40B4-BE49-F238E27FC236}">
+                <a16:creationId xmlns:a16="http://schemas.microsoft.com/office/drawing/2014/main" id="{EA91FACF-980F-41C8-B147-DD32B190B038}"/>
+              </a:ext>
+            </a:extLst>
+          </p:cNvPr>
+          <p:cNvSpPr/>
+          <p:nvPr/>
+        </p:nvSpPr>
+        <p:spPr>
+          <a:xfrm>
+            <a:off x="3676357" y="1603716"/>
+            <a:ext cx="2419643" cy="337625"/>
+          </a:xfrm>
+          <a:prstGeom prst="rect">
+            <a:avLst/>
+          </a:prstGeom>
+          <a:noFill/>
+          <a:ln w="9525" cap="flat" cmpd="sng" algn="ctr">
+            <a:solidFill>
+              <a:schemeClr val="tx1"/>
+            </a:solidFill>
+            <a:prstDash val="solid"/>
+            <a:round/>
+            <a:headEnd type="none" w="med" len="med"/>
+            <a:tailEnd type="none" w="med" len="med"/>
+          </a:ln>
+        </p:spPr>
+        <p:style>
+          <a:lnRef idx="0">
+            <a:scrgbClr r="0" g="0" b="0"/>
+          </a:lnRef>
+          <a:fillRef idx="0">
+            <a:scrgbClr r="0" g="0" b="0"/>
+          </a:fillRef>
+          <a:effectRef idx="0">
+            <a:scrgbClr r="0" g="0" b="0"/>
+          </a:effectRef>
+          <a:fontRef idx="minor">
+            <a:schemeClr val="dk1"/>
+          </a:fontRef>
+        </p:style>
+        <p:txBody>
+          <a:bodyPr rtlCol="0" anchor="ctr"/>
+          <a:lstStyle/>
+          <a:p>
+            <a:pPr algn="ctr"/>
+            <a:endParaRPr lang="en-IN"/>
+          </a:p>
+        </p:txBody>
+      </p:sp>
+    </p:spTree>
+    <p:extLst>
+      <p:ext uri="{BB962C8B-B14F-4D97-AF65-F5344CB8AC3E}">
+        <p14:creationId xmlns:p14="http://schemas.microsoft.com/office/powerpoint/2010/main" val="2734065628"/>
+      </p:ext>
+    </p:extLst>
+  </p:cSld>
+  <p:clrMapOvr>
+    <a:masterClrMapping/>
+  </p:clrMapOvr>
+</p:sld>
+</file>
+
+<file path=ppt/slides/slide4.xml><?xml version="1.0" encoding="utf-8"?>
+<p:sld xmlns:a="http://schemas.openxmlformats.org/drawingml/2006/main" xmlns:r="http://schemas.openxmlformats.org/officeDocument/2006/relationships" xmlns:p="http://schemas.openxmlformats.org/presentationml/2006/main">
+  <p:cSld>
+    <p:spTree>
+      <p:nvGrpSpPr>
+        <p:cNvPr id="1" name=""/>
+        <p:cNvGrpSpPr/>
+        <p:nvPr/>
+      </p:nvGrpSpPr>
+      <p:grpSpPr>
+        <a:xfrm>
+          <a:off x="0" y="0"/>
+          <a:ext cx="0" cy="0"/>
+          <a:chOff x="0" y="0"/>
+          <a:chExt cx="0" cy="0"/>
+        </a:xfrm>
+      </p:grpSpPr>
+      <p:sp>
+        <p:nvSpPr>
+          <p:cNvPr id="3" name="Subtitle 2"/>
+          <p:cNvSpPr>
+            <a:spLocks noGrp="1"/>
+          </p:cNvSpPr>
+          <p:nvPr>
+            <p:ph type="subTitle" idx="1"/>
+          </p:nvPr>
+        </p:nvSpPr>
+        <p:spPr>
+          <a:xfrm>
+            <a:off x="1085957" y="918368"/>
+            <a:ext cx="3943136" cy="428625"/>
+          </a:xfrm>
+        </p:spPr>
+        <p:txBody>
+          <a:bodyPr>
+            <a:noAutofit/>
+          </a:bodyPr>
+          <a:lstStyle/>
+          <a:p>
+            <a:pPr algn="l"/>
+            <a:r>
+              <a:rPr lang="en-IN" sz="3600" dirty="0"/>
+              <a:t>What is AIRYL?</a:t>
+            </a:r>
+          </a:p>
+        </p:txBody>
+      </p:sp>
+      <p:sp>
+        <p:nvSpPr>
+          <p:cNvPr id="4" name="TextBox 3"/>
+          <p:cNvSpPr txBox="1"/>
+          <p:nvPr/>
+        </p:nvSpPr>
+        <p:spPr>
+          <a:xfrm>
+            <a:off x="1247774" y="1684338"/>
+            <a:ext cx="7153275" cy="1477328"/>
+          </a:xfrm>
+          <a:prstGeom prst="rect">
+            <a:avLst/>
+          </a:prstGeom>
+          <a:noFill/>
+        </p:spPr>
+        <p:txBody>
+          <a:bodyPr wrap="square" rtlCol="0">
+            <a:spAutoFit/>
+          </a:bodyPr>
+          <a:lstStyle/>
+          <a:p>
+            <a:pPr marL="285750" indent="-285750">
+              <a:buFont typeface="Arial" panose="020B0604020202020204" pitchFamily="34" charset="0"/>
+              <a:buChar char="•"/>
+            </a:pPr>
+            <a:r>
+              <a:rPr lang="en-IN" dirty="0"/>
+              <a:t>A </a:t>
+            </a:r>
+            <a:r>
+              <a:rPr lang="en-IN" dirty="0" err="1"/>
+              <a:t>chatbot</a:t>
+            </a:r>
+            <a:r>
+              <a:rPr lang="en-IN" dirty="0"/>
+              <a:t> based on AIML</a:t>
+            </a:r>
+          </a:p>
+          <a:p>
+            <a:pPr marL="285750" indent="-285750">
+              <a:buFont typeface="Arial" panose="020B0604020202020204" pitchFamily="34" charset="0"/>
+              <a:buChar char="•"/>
+            </a:pPr>
+            <a:r>
+              <a:rPr lang="en-IN" dirty="0"/>
+              <a:t>Based on Android</a:t>
+            </a:r>
+          </a:p>
+          <a:p>
+            <a:pPr marL="285750" indent="-285750">
+              <a:buFont typeface="Arial" panose="020B0604020202020204" pitchFamily="34" charset="0"/>
+              <a:buChar char="•"/>
+            </a:pPr>
+            <a:r>
+              <a:rPr lang="en-IN" dirty="0"/>
+              <a:t>Fully documented using Sphinx</a:t>
+            </a:r>
+          </a:p>
+          <a:p>
+            <a:pPr marL="285750" indent="-285750">
+              <a:buFont typeface="Arial" panose="020B0604020202020204" pitchFamily="34" charset="0"/>
+              <a:buChar char="•"/>
+            </a:pPr>
+            <a:r>
+              <a:rPr lang="en-IN" dirty="0"/>
+              <a:t>Open Sourced</a:t>
+            </a:r>
+          </a:p>
+          <a:p>
+            <a:pPr marL="285750" indent="-285750">
+              <a:buFont typeface="Arial" panose="020B0604020202020204" pitchFamily="34" charset="0"/>
+              <a:buChar char="•"/>
+            </a:pPr>
+            <a:r>
+              <a:rPr lang="en-IN" dirty="0"/>
+              <a:t>Under MIT License</a:t>
+            </a:r>
+          </a:p>
+        </p:txBody>
+      </p:sp>
+      <p:sp>
+        <p:nvSpPr>
+          <p:cNvPr id="6" name="TextBox 5"/>
+          <p:cNvSpPr txBox="1"/>
+          <p:nvPr/>
+        </p:nvSpPr>
+        <p:spPr>
+          <a:xfrm>
+            <a:off x="4824411" y="5337970"/>
+            <a:ext cx="3286125" cy="369332"/>
+          </a:xfrm>
+          <a:prstGeom prst="rect">
+            <a:avLst/>
+          </a:prstGeom>
+          <a:noFill/>
+        </p:spPr>
+        <p:txBody>
+          <a:bodyPr wrap="square" rtlCol="0">
+            <a:spAutoFit/>
+          </a:bodyPr>
+          <a:lstStyle/>
+          <a:p>
+            <a:r>
+              <a:rPr lang="en-IN" dirty="0"/>
+              <a:t>github.com/</a:t>
+            </a:r>
+            <a:r>
+              <a:rPr lang="en-IN" dirty="0" err="1"/>
+              <a:t>PhoenixRRDS</a:t>
+            </a:r>
+            <a:r>
+              <a:rPr lang="en-IN" dirty="0"/>
+              <a:t>/AIRYL</a:t>
+            </a:r>
+          </a:p>
+        </p:txBody>
+      </p:sp>
+      <p:pic>
+        <p:nvPicPr>
+          <p:cNvPr id="7" name="Picture 6"/>
+          <p:cNvPicPr>
+            <a:picLocks noChangeAspect="1"/>
+          </p:cNvPicPr>
+          <p:nvPr/>
+        </p:nvPicPr>
+        <p:blipFill>
+          <a:blip r:embed="rId2">
+            <a:extLst>
+              <a:ext uri="{28A0092B-C50C-407E-A947-70E740481C1C}">
+                <a14:useLocalDpi xmlns:a14="http://schemas.microsoft.com/office/drawing/2010/main" val="0"/>
+              </a:ext>
+            </a:extLst>
+          </a:blip>
+          <a:stretch>
+            <a:fillRect/>
+          </a:stretch>
+        </p:blipFill>
+        <p:spPr>
+          <a:xfrm>
+            <a:off x="9304471" y="918368"/>
+            <a:ext cx="1925504" cy="2613185"/>
+          </a:xfrm>
+          <a:prstGeom prst="rect">
+            <a:avLst/>
+          </a:prstGeom>
+        </p:spPr>
+      </p:pic>
+    </p:spTree>
+    <p:extLst>
+      <p:ext uri="{BB962C8B-B14F-4D97-AF65-F5344CB8AC3E}">
+        <p14:creationId xmlns:p14="http://schemas.microsoft.com/office/powerpoint/2010/main" val="2992801045"/>
+      </p:ext>
+    </p:extLst>
+  </p:cSld>
+  <p:clrMapOvr>
+    <a:masterClrMapping/>
+  </p:clrMapOvr>
+</p:sld>
+</file>
+
+<file path=ppt/slides/slide40.xml><?xml version="1.0" encoding="utf-8"?>
+<p:sld xmlns:a="http://schemas.openxmlformats.org/drawingml/2006/main" xmlns:r="http://schemas.openxmlformats.org/officeDocument/2006/relationships" xmlns:p="http://schemas.openxmlformats.org/presentationml/2006/main">
+  <p:cSld>
+    <p:spTree>
+      <p:nvGrpSpPr>
+        <p:cNvPr id="1" name=""/>
+        <p:cNvGrpSpPr/>
+        <p:nvPr/>
+      </p:nvGrpSpPr>
+      <p:grpSpPr>
+        <a:xfrm>
+          <a:off x="0" y="0"/>
+          <a:ext cx="0" cy="0"/>
+          <a:chOff x="0" y="0"/>
+          <a:chExt cx="0" cy="0"/>
+        </a:xfrm>
+      </p:grpSpPr>
+      <p:sp>
+        <p:nvSpPr>
+          <p:cNvPr id="2" name="Title 1">
+            <a:extLst>
+              <a:ext uri="{FF2B5EF4-FFF2-40B4-BE49-F238E27FC236}">
+                <a16:creationId xmlns:a16="http://schemas.microsoft.com/office/drawing/2014/main" id="{F0FCB2FF-62E9-4547-BB8A-B3AF888B342C}"/>
+              </a:ext>
+            </a:extLst>
+          </p:cNvPr>
+          <p:cNvSpPr>
+            <a:spLocks noGrp="1"/>
+          </p:cNvSpPr>
+          <p:nvPr>
+            <p:ph type="title"/>
+          </p:nvPr>
+        </p:nvSpPr>
+        <p:spPr/>
+        <p:txBody>
+          <a:bodyPr/>
+          <a:lstStyle/>
+          <a:p>
+            <a:endParaRPr lang="en-IN"/>
+          </a:p>
+        </p:txBody>
+      </p:sp>
+      <p:sp>
+        <p:nvSpPr>
+          <p:cNvPr id="3" name="Content Placeholder 2">
+            <a:extLst>
+              <a:ext uri="{FF2B5EF4-FFF2-40B4-BE49-F238E27FC236}">
+                <a16:creationId xmlns:a16="http://schemas.microsoft.com/office/drawing/2014/main" id="{FD3FEA76-27A2-4961-BCEE-8E750EA49769}"/>
+              </a:ext>
+            </a:extLst>
+          </p:cNvPr>
+          <p:cNvSpPr>
+            <a:spLocks noGrp="1"/>
+          </p:cNvSpPr>
+          <p:nvPr>
+            <p:ph idx="1"/>
+          </p:nvPr>
+        </p:nvSpPr>
+        <p:spPr/>
+        <p:txBody>
+          <a:bodyPr/>
+          <a:lstStyle/>
+          <a:p>
+            <a:endParaRPr lang="en-IN"/>
+          </a:p>
+        </p:txBody>
+      </p:sp>
+    </p:spTree>
+    <p:extLst>
+      <p:ext uri="{BB962C8B-B14F-4D97-AF65-F5344CB8AC3E}">
+        <p14:creationId xmlns:p14="http://schemas.microsoft.com/office/powerpoint/2010/main" val="1717992218"/>
+      </p:ext>
+    </p:extLst>
+  </p:cSld>
+  <p:clrMapOvr>
+    <a:masterClrMapping/>
+  </p:clrMapOvr>
+</p:sld>
+</file>
+
+<file path=ppt/slides/slide41.xml><?xml version="1.0" encoding="utf-8"?>
 <p:sld xmlns:a="http://schemas.openxmlformats.org/drawingml/2006/main" xmlns:r="http://schemas.openxmlformats.org/officeDocument/2006/relationships" xmlns:p="http://schemas.openxmlformats.org/presentationml/2006/main">
   <p:cSld>
     <p:spTree>
@@ -18685,10 +18998,9 @@
           <a:lstStyle/>
           <a:p>
             <a:r>
-              <a:rPr lang="en-IN" dirty="0" smtClean="0"/>
+              <a:rPr lang="en-IN" dirty="0"/>
               <a:t>5. Development Workflow </a:t>
             </a:r>
-            <a:endParaRPr lang="en-IN" dirty="0"/>
           </a:p>
         </p:txBody>
       </p:sp>
@@ -18715,7 +19027,7 @@
           <a:lstStyle/>
           <a:p>
             <a:r>
-              <a:rPr lang="en-IN" sz="2000" dirty="0" smtClean="0">
+              <a:rPr lang="en-IN" sz="2000" dirty="0">
                 <a:solidFill>
                   <a:schemeClr val="bg1">
                     <a:lumMod val="65000"/>
@@ -18725,14 +19037,6 @@
               </a:rPr>
               <a:t>Rudra Nil Basu</a:t>
             </a:r>
-            <a:endParaRPr lang="en-IN" sz="2000" dirty="0">
-              <a:solidFill>
-                <a:schemeClr val="bg1">
-                  <a:lumMod val="65000"/>
-                  <a:lumOff val="35000"/>
-                </a:schemeClr>
-              </a:solidFill>
-            </a:endParaRPr>
           </a:p>
         </p:txBody>
       </p:sp>
@@ -18741,7 +19045,7 @@
           <p:cNvPr id="4" name="Group 3">
             <a:extLst>
               <a:ext uri="{FF2B5EF4-FFF2-40B4-BE49-F238E27FC236}">
-                <a16:creationId xmlns="" xmlns:a16="http://schemas.microsoft.com/office/drawing/2014/main" id="{946F5448-C9AC-483D-A9E1-4910AAC001A2}"/>
+                <a16:creationId xmlns:a16="http://schemas.microsoft.com/office/drawing/2014/main" id="{946F5448-C9AC-483D-A9E1-4910AAC001A2}"/>
               </a:ext>
             </a:extLst>
           </p:cNvPr>
@@ -18831,17 +19135,10 @@
   <p:clrMapOvr>
     <a:masterClrMapping/>
   </p:clrMapOvr>
-  <p:timing>
-    <p:tnLst>
-      <p:par>
-        <p:cTn id="1" dur="indefinite" restart="never" nodeType="tmRoot"/>
-      </p:par>
-    </p:tnLst>
-  </p:timing>
 </p:sld>
 </file>
 
-<file path=ppt/slides/slide38.xml><?xml version="1.0" encoding="utf-8"?>
+<file path=ppt/slides/slide42.xml><?xml version="1.0" encoding="utf-8"?>
 <p:sld xmlns:a="http://schemas.openxmlformats.org/drawingml/2006/main" xmlns:r="http://schemas.openxmlformats.org/officeDocument/2006/relationships" xmlns:p="http://schemas.openxmlformats.org/presentationml/2006/main">
   <p:cSld>
     <p:spTree>
@@ -18879,10 +19176,9 @@
           <a:lstStyle/>
           <a:p>
             <a:r>
-              <a:rPr lang="en-IN" dirty="0" smtClean="0"/>
+              <a:rPr lang="en-IN" dirty="0"/>
               <a:t>Git</a:t>
             </a:r>
-            <a:endParaRPr lang="en-IN" dirty="0"/>
           </a:p>
         </p:txBody>
       </p:sp>
@@ -18896,17 +19192,10 @@
   <p:clrMapOvr>
     <a:masterClrMapping/>
   </p:clrMapOvr>
-  <p:timing>
-    <p:tnLst>
-      <p:par>
-        <p:cTn id="1" dur="indefinite" restart="never" nodeType="tmRoot"/>
-      </p:par>
-    </p:tnLst>
-  </p:timing>
 </p:sld>
 </file>
 
-<file path=ppt/slides/slide39.xml><?xml version="1.0" encoding="utf-8"?>
+<file path=ppt/slides/slide43.xml><?xml version="1.0" encoding="utf-8"?>
 <p:sld xmlns:a="http://schemas.openxmlformats.org/drawingml/2006/main" xmlns:r="http://schemas.openxmlformats.org/officeDocument/2006/relationships" xmlns:p="http://schemas.openxmlformats.org/presentationml/2006/main">
   <p:cSld>
     <p:spTree>
@@ -18944,10 +19233,9 @@
           <a:lstStyle/>
           <a:p>
             <a:r>
-              <a:rPr lang="en-IN" dirty="0" smtClean="0"/>
+              <a:rPr lang="en-IN" dirty="0"/>
               <a:t>Patches</a:t>
             </a:r>
-            <a:endParaRPr lang="en-IN" dirty="0"/>
           </a:p>
         </p:txBody>
       </p:sp>
@@ -18974,7 +19262,7 @@
           <a:lstStyle/>
           <a:p>
             <a:r>
-              <a:rPr lang="en-IN" sz="2000" dirty="0" smtClean="0">
+              <a:rPr lang="en-IN" sz="2000" dirty="0">
                 <a:solidFill>
                   <a:schemeClr val="bg1">
                     <a:lumMod val="65000"/>
@@ -18984,14 +19272,6 @@
               </a:rPr>
               <a:t>airyl@googlegroups.com</a:t>
             </a:r>
-            <a:endParaRPr lang="en-IN" sz="2000" dirty="0">
-              <a:solidFill>
-                <a:schemeClr val="bg1">
-                  <a:lumMod val="65000"/>
-                  <a:lumOff val="35000"/>
-                </a:schemeClr>
-              </a:solidFill>
-            </a:endParaRPr>
           </a:p>
         </p:txBody>
       </p:sp>
@@ -19005,232 +19285,10 @@
   <p:clrMapOvr>
     <a:masterClrMapping/>
   </p:clrMapOvr>
-  <p:timing>
-    <p:tnLst>
-      <p:par>
-        <p:cTn id="1" dur="indefinite" restart="never" nodeType="tmRoot"/>
-      </p:par>
-    </p:tnLst>
-  </p:timing>
 </p:sld>
 </file>
 
-<file path=ppt/slides/slide4.xml><?xml version="1.0" encoding="utf-8"?>
-<p:sld xmlns:a="http://schemas.openxmlformats.org/drawingml/2006/main" xmlns:r="http://schemas.openxmlformats.org/officeDocument/2006/relationships" xmlns:p="http://schemas.openxmlformats.org/presentationml/2006/main">
-  <p:cSld>
-    <p:spTree>
-      <p:nvGrpSpPr>
-        <p:cNvPr id="1" name=""/>
-        <p:cNvGrpSpPr/>
-        <p:nvPr/>
-      </p:nvGrpSpPr>
-      <p:grpSpPr>
-        <a:xfrm>
-          <a:off x="0" y="0"/>
-          <a:ext cx="0" cy="0"/>
-          <a:chOff x="0" y="0"/>
-          <a:chExt cx="0" cy="0"/>
-        </a:xfrm>
-      </p:grpSpPr>
-      <p:sp>
-        <p:nvSpPr>
-          <p:cNvPr id="3" name="Subtitle 2"/>
-          <p:cNvSpPr>
-            <a:spLocks noGrp="1"/>
-          </p:cNvSpPr>
-          <p:nvPr>
-            <p:ph type="subTitle" idx="1"/>
-          </p:nvPr>
-        </p:nvSpPr>
-        <p:spPr>
-          <a:xfrm>
-            <a:off x="1085957" y="918368"/>
-            <a:ext cx="3943136" cy="428625"/>
-          </a:xfrm>
-        </p:spPr>
-        <p:txBody>
-          <a:bodyPr>
-            <a:noAutofit/>
-          </a:bodyPr>
-          <a:lstStyle/>
-          <a:p>
-            <a:pPr algn="l"/>
-            <a:r>
-              <a:rPr lang="en-IN" sz="3600" dirty="0"/>
-              <a:t>What is AIRYL?</a:t>
-            </a:r>
-          </a:p>
-        </p:txBody>
-      </p:sp>
-      <p:sp>
-        <p:nvSpPr>
-          <p:cNvPr id="4" name="TextBox 3"/>
-          <p:cNvSpPr txBox="1"/>
-          <p:nvPr/>
-        </p:nvSpPr>
-        <p:spPr>
-          <a:xfrm>
-            <a:off x="1247774" y="1684338"/>
-            <a:ext cx="7153275" cy="1477328"/>
-          </a:xfrm>
-          <a:prstGeom prst="rect">
-            <a:avLst/>
-          </a:prstGeom>
-          <a:noFill/>
-        </p:spPr>
-        <p:txBody>
-          <a:bodyPr wrap="square" rtlCol="0">
-            <a:spAutoFit/>
-          </a:bodyPr>
-          <a:lstStyle/>
-          <a:p>
-            <a:pPr marL="285750" indent="-285750">
-              <a:buFont typeface="Arial" panose="020B0604020202020204" pitchFamily="34" charset="0"/>
-              <a:buChar char="•"/>
-            </a:pPr>
-            <a:r>
-              <a:rPr lang="en-IN" dirty="0"/>
-              <a:t>A </a:t>
-            </a:r>
-            <a:r>
-              <a:rPr lang="en-IN" dirty="0" err="1"/>
-              <a:t>chatbot</a:t>
-            </a:r>
-            <a:r>
-              <a:rPr lang="en-IN" dirty="0"/>
-              <a:t> based on AIML</a:t>
-            </a:r>
-          </a:p>
-          <a:p>
-            <a:pPr marL="285750" indent="-285750">
-              <a:buFont typeface="Arial" panose="020B0604020202020204" pitchFamily="34" charset="0"/>
-              <a:buChar char="•"/>
-            </a:pPr>
-            <a:r>
-              <a:rPr lang="en-IN" dirty="0"/>
-              <a:t>Based on Android</a:t>
-            </a:r>
-          </a:p>
-          <a:p>
-            <a:pPr marL="285750" indent="-285750">
-              <a:buFont typeface="Arial" panose="020B0604020202020204" pitchFamily="34" charset="0"/>
-              <a:buChar char="•"/>
-            </a:pPr>
-            <a:r>
-              <a:rPr lang="en-IN" dirty="0"/>
-              <a:t>Fully documented using Sphinx</a:t>
-            </a:r>
-          </a:p>
-          <a:p>
-            <a:pPr marL="285750" indent="-285750">
-              <a:buFont typeface="Arial" panose="020B0604020202020204" pitchFamily="34" charset="0"/>
-              <a:buChar char="•"/>
-            </a:pPr>
-            <a:r>
-              <a:rPr lang="en-IN" dirty="0"/>
-              <a:t>Open Sourced</a:t>
-            </a:r>
-          </a:p>
-          <a:p>
-            <a:pPr marL="285750" indent="-285750">
-              <a:buFont typeface="Arial" panose="020B0604020202020204" pitchFamily="34" charset="0"/>
-              <a:buChar char="•"/>
-            </a:pPr>
-            <a:r>
-              <a:rPr lang="en-IN" dirty="0"/>
-              <a:t>Under MIT License</a:t>
-            </a:r>
-          </a:p>
-        </p:txBody>
-      </p:sp>
-      <p:sp>
-        <p:nvSpPr>
-          <p:cNvPr id="6" name="TextBox 5"/>
-          <p:cNvSpPr txBox="1"/>
-          <p:nvPr/>
-        </p:nvSpPr>
-        <p:spPr>
-          <a:xfrm>
-            <a:off x="4824411" y="5337970"/>
-            <a:ext cx="3286125" cy="369332"/>
-          </a:xfrm>
-          <a:prstGeom prst="rect">
-            <a:avLst/>
-          </a:prstGeom>
-          <a:noFill/>
-        </p:spPr>
-        <p:txBody>
-          <a:bodyPr wrap="square" rtlCol="0">
-            <a:spAutoFit/>
-          </a:bodyPr>
-          <a:lstStyle/>
-          <a:p>
-            <a:r>
-              <a:rPr lang="en-IN" dirty="0"/>
-              <a:t>github.com/</a:t>
-            </a:r>
-            <a:r>
-              <a:rPr lang="en-IN" dirty="0" err="1"/>
-              <a:t>PhoenixRRDS</a:t>
-            </a:r>
-            <a:r>
-              <a:rPr lang="en-IN" dirty="0"/>
-              <a:t>/AIRYL</a:t>
-            </a:r>
-          </a:p>
-        </p:txBody>
-      </p:sp>
-      <p:pic>
-        <p:nvPicPr>
-          <p:cNvPr id="7" name="Picture 6"/>
-          <p:cNvPicPr>
-            <a:picLocks noChangeAspect="1"/>
-          </p:cNvPicPr>
-          <p:nvPr/>
-        </p:nvPicPr>
-        <p:blipFill>
-          <a:blip r:embed="rId2">
-            <a:extLst>
-              <a:ext uri="{28A0092B-C50C-407E-A947-70E740481C1C}">
-                <a14:useLocalDpi xmlns:a14="http://schemas.microsoft.com/office/drawing/2010/main" val="0"/>
-              </a:ext>
-            </a:extLst>
-          </a:blip>
-          <a:stretch>
-            <a:fillRect/>
-          </a:stretch>
-        </p:blipFill>
-        <p:spPr>
-          <a:xfrm>
-            <a:off x="9304471" y="918368"/>
-            <a:ext cx="1925504" cy="2613185"/>
-          </a:xfrm>
-          <a:prstGeom prst="rect">
-            <a:avLst/>
-          </a:prstGeom>
-        </p:spPr>
-      </p:pic>
-    </p:spTree>
-    <p:extLst>
-      <p:ext uri="{BB962C8B-B14F-4D97-AF65-F5344CB8AC3E}">
-        <p14:creationId xmlns:p14="http://schemas.microsoft.com/office/powerpoint/2010/main" val="2992801045"/>
-      </p:ext>
-    </p:extLst>
-  </p:cSld>
-  <p:clrMapOvr>
-    <a:masterClrMapping/>
-  </p:clrMapOvr>
-  <p:timing>
-    <p:tnLst>
-      <p:par>
-        <p:cTn id="1" dur="indefinite" restart="never" nodeType="tmRoot"/>
-      </p:par>
-    </p:tnLst>
-  </p:timing>
-</p:sld>
-</file>
-
-<file path=ppt/slides/slide40.xml><?xml version="1.0" encoding="utf-8"?>
+<file path=ppt/slides/slide44.xml><?xml version="1.0" encoding="utf-8"?>
 <p:sld xmlns:a="http://schemas.openxmlformats.org/drawingml/2006/main" xmlns:r="http://schemas.openxmlformats.org/officeDocument/2006/relationships" xmlns:p="http://schemas.openxmlformats.org/presentationml/2006/main">
   <p:cSld>
     <p:spTree>
@@ -19269,7 +19327,7 @@
           <a:graphicData uri="http://schemas.openxmlformats.org/presentationml/2006/ole">
             <mc:AlternateContent xmlns:mc="http://schemas.openxmlformats.org/markup-compatibility/2006">
               <mc:Choice xmlns:v="urn:schemas-microsoft-com:vml" Requires="v">
-                <p:oleObj spid="_x0000_s7180" r:id="rId3" imgW="16025040" imgH="8075880" progId="">
+                <p:oleObj spid="_x0000_s7182" r:id="rId3" imgW="16025040" imgH="8075880" progId="">
                   <p:embed/>
                 </p:oleObj>
               </mc:Choice>
@@ -19314,17 +19372,10 @@
   <p:clrMapOvr>
     <a:masterClrMapping/>
   </p:clrMapOvr>
-  <p:timing>
-    <p:tnLst>
-      <p:par>
-        <p:cTn id="1" dur="indefinite" restart="never" nodeType="tmRoot"/>
-      </p:par>
-    </p:tnLst>
-  </p:timing>
 </p:sld>
 </file>
 
-<file path=ppt/slides/slide41.xml><?xml version="1.0" encoding="utf-8"?>
+<file path=ppt/slides/slide45.xml><?xml version="1.0" encoding="utf-8"?>
 <p:sld xmlns:a="http://schemas.openxmlformats.org/drawingml/2006/main" xmlns:r="http://schemas.openxmlformats.org/officeDocument/2006/relationships" xmlns:p="http://schemas.openxmlformats.org/presentationml/2006/main">
   <p:cSld>
     <p:spTree>
@@ -19362,10 +19413,9 @@
           <a:lstStyle/>
           <a:p>
             <a:r>
-              <a:rPr lang="en-IN" dirty="0" smtClean="0"/>
+              <a:rPr lang="en-IN" dirty="0"/>
               <a:t>GitHub</a:t>
             </a:r>
-            <a:endParaRPr lang="en-IN" dirty="0"/>
           </a:p>
         </p:txBody>
       </p:sp>
@@ -19392,7 +19442,7 @@
           <a:lstStyle/>
           <a:p>
             <a:r>
-              <a:rPr lang="en-IN" sz="2000" dirty="0" smtClean="0">
+              <a:rPr lang="en-IN" sz="2000" dirty="0">
                 <a:solidFill>
                   <a:schemeClr val="bg1">
                     <a:lumMod val="65000"/>
@@ -19403,7 +19453,7 @@
               <a:t>github.com/</a:t>
             </a:r>
             <a:r>
-              <a:rPr lang="en-IN" sz="2000" dirty="0" err="1" smtClean="0">
+              <a:rPr lang="en-IN" sz="2000" dirty="0" err="1">
                 <a:solidFill>
                   <a:schemeClr val="bg1">
                     <a:lumMod val="65000"/>
@@ -19414,7 +19464,7 @@
               <a:t>PhoenixRRDS</a:t>
             </a:r>
             <a:r>
-              <a:rPr lang="en-IN" sz="2000" dirty="0" smtClean="0">
+              <a:rPr lang="en-IN" sz="2000" dirty="0">
                 <a:solidFill>
                   <a:schemeClr val="bg1">
                     <a:lumMod val="65000"/>
@@ -19424,14 +19474,6 @@
               </a:rPr>
               <a:t>/AIRYL</a:t>
             </a:r>
-            <a:endParaRPr lang="en-IN" sz="2000" dirty="0">
-              <a:solidFill>
-                <a:schemeClr val="bg1">
-                  <a:lumMod val="65000"/>
-                  <a:lumOff val="35000"/>
-                </a:schemeClr>
-              </a:solidFill>
-            </a:endParaRPr>
           </a:p>
         </p:txBody>
       </p:sp>
@@ -19445,17 +19487,10 @@
   <p:clrMapOvr>
     <a:masterClrMapping/>
   </p:clrMapOvr>
-  <p:timing>
-    <p:tnLst>
-      <p:par>
-        <p:cTn id="1" dur="indefinite" restart="never" nodeType="tmRoot"/>
-      </p:par>
-    </p:tnLst>
-  </p:timing>
 </p:sld>
 </file>
 
-<file path=ppt/slides/slide42.xml><?xml version="1.0" encoding="utf-8"?>
+<file path=ppt/slides/slide46.xml><?xml version="1.0" encoding="utf-8"?>
 <p:sld xmlns:a="http://schemas.openxmlformats.org/drawingml/2006/main" xmlns:r="http://schemas.openxmlformats.org/officeDocument/2006/relationships" xmlns:p="http://schemas.openxmlformats.org/presentationml/2006/main">
   <p:cSld>
     <p:spTree>
@@ -19495,10 +19530,9 @@
           <a:lstStyle/>
           <a:p>
             <a:r>
-              <a:rPr lang="en-IN" dirty="0" smtClean="0"/>
+              <a:rPr lang="en-IN" dirty="0"/>
               <a:t>GitHub</a:t>
             </a:r>
-            <a:endParaRPr lang="en-IN" dirty="0"/>
           </a:p>
         </p:txBody>
       </p:sp>
@@ -19525,7 +19559,7 @@
           <a:lstStyle/>
           <a:p>
             <a:r>
-              <a:rPr lang="en-IN" sz="2000" dirty="0" smtClean="0">
+              <a:rPr lang="en-IN" sz="2000" dirty="0">
                 <a:solidFill>
                   <a:schemeClr val="bg1">
                     <a:lumMod val="65000"/>
@@ -19536,7 +19570,7 @@
               <a:t>github.com/</a:t>
             </a:r>
             <a:r>
-              <a:rPr lang="en-IN" sz="2000" dirty="0" err="1" smtClean="0">
+              <a:rPr lang="en-IN" sz="2000" dirty="0" err="1">
                 <a:solidFill>
                   <a:schemeClr val="bg1">
                     <a:lumMod val="65000"/>
@@ -19547,7 +19581,7 @@
               <a:t>PhoenixRRDS</a:t>
             </a:r>
             <a:r>
-              <a:rPr lang="en-IN" sz="2000" dirty="0" smtClean="0">
+              <a:rPr lang="en-IN" sz="2000" dirty="0">
                 <a:solidFill>
                   <a:schemeClr val="bg1">
                     <a:lumMod val="65000"/>
@@ -19557,14 +19591,6 @@
               </a:rPr>
               <a:t>/AIRYL</a:t>
             </a:r>
-            <a:endParaRPr lang="en-IN" sz="2000" dirty="0">
-              <a:solidFill>
-                <a:schemeClr val="bg1">
-                  <a:lumMod val="65000"/>
-                  <a:lumOff val="35000"/>
-                </a:schemeClr>
-              </a:solidFill>
-            </a:endParaRPr>
           </a:p>
         </p:txBody>
       </p:sp>
@@ -19602,17 +19628,10 @@
   <p:clrMapOvr>
     <a:masterClrMapping/>
   </p:clrMapOvr>
-  <p:timing>
-    <p:tnLst>
-      <p:par>
-        <p:cTn id="1" dur="indefinite" restart="never" nodeType="tmRoot"/>
-      </p:par>
-    </p:tnLst>
-  </p:timing>
 </p:sld>
 </file>
 
-<file path=ppt/slides/slide43.xml><?xml version="1.0" encoding="utf-8"?>
+<file path=ppt/slides/slide47.xml><?xml version="1.0" encoding="utf-8"?>
 <p:sld xmlns:a="http://schemas.openxmlformats.org/drawingml/2006/main" xmlns:r="http://schemas.openxmlformats.org/officeDocument/2006/relationships" xmlns:p="http://schemas.openxmlformats.org/presentationml/2006/main">
   <p:cSld>
     <p:spTree>
@@ -19652,10 +19671,9 @@
           <a:lstStyle/>
           <a:p>
             <a:r>
-              <a:rPr lang="en-IN" dirty="0" smtClean="0"/>
+              <a:rPr lang="en-IN" dirty="0"/>
               <a:t>Future Work</a:t>
             </a:r>
-            <a:endParaRPr lang="en-IN" dirty="0"/>
           </a:p>
         </p:txBody>
       </p:sp>
@@ -19682,7 +19700,7 @@
           <a:lstStyle/>
           <a:p>
             <a:r>
-              <a:rPr lang="en-IN" sz="2000" dirty="0" smtClean="0">
+              <a:rPr lang="en-IN" sz="2000" dirty="0">
                 <a:solidFill>
                   <a:schemeClr val="bg1">
                     <a:lumMod val="65000"/>
@@ -19693,7 +19711,7 @@
               <a:t>github.com/</a:t>
             </a:r>
             <a:r>
-              <a:rPr lang="en-IN" sz="2000" dirty="0" err="1" smtClean="0">
+              <a:rPr lang="en-IN" sz="2000" dirty="0" err="1">
                 <a:solidFill>
                   <a:schemeClr val="bg1">
                     <a:lumMod val="65000"/>
@@ -19704,7 +19722,7 @@
               <a:t>PhoenixRRDS</a:t>
             </a:r>
             <a:r>
-              <a:rPr lang="en-IN" sz="2000" dirty="0" smtClean="0">
+              <a:rPr lang="en-IN" sz="2000" dirty="0">
                 <a:solidFill>
                   <a:schemeClr val="bg1">
                     <a:lumMod val="65000"/>
@@ -19714,14 +19732,6 @@
               </a:rPr>
               <a:t>/AIRYL</a:t>
             </a:r>
-            <a:endParaRPr lang="en-IN" sz="2000" dirty="0">
-              <a:solidFill>
-                <a:schemeClr val="bg1">
-                  <a:lumMod val="65000"/>
-                  <a:lumOff val="35000"/>
-                </a:schemeClr>
-              </a:solidFill>
-            </a:endParaRPr>
           </a:p>
         </p:txBody>
       </p:sp>
@@ -19912,7 +19922,7 @@
           </a:lstStyle>
           <a:p>
             <a:r>
-              <a:rPr lang="en-IN" sz="2400" dirty="0" smtClean="0">
+              <a:rPr lang="en-IN" sz="2400" dirty="0">
                 <a:solidFill>
                   <a:schemeClr val="tx1">
                     <a:lumMod val="95000"/>
@@ -19924,7 +19934,7 @@
           </a:p>
           <a:p>
             <a:r>
-              <a:rPr lang="en-IN" sz="2400" dirty="0" smtClean="0">
+              <a:rPr lang="en-IN" sz="2400" dirty="0">
                 <a:solidFill>
                   <a:schemeClr val="tx1">
                     <a:lumMod val="95000"/>
@@ -19936,7 +19946,7 @@
           </a:p>
           <a:p>
             <a:r>
-              <a:rPr lang="en-IN" sz="2400" dirty="0" smtClean="0">
+              <a:rPr lang="en-IN" sz="2400" dirty="0">
                 <a:solidFill>
                   <a:schemeClr val="tx1">
                     <a:lumMod val="95000"/>
@@ -19948,7 +19958,7 @@
           </a:p>
           <a:p>
             <a:r>
-              <a:rPr lang="en-IN" sz="2400" dirty="0" smtClean="0">
+              <a:rPr lang="en-IN" sz="2400" dirty="0">
                 <a:solidFill>
                   <a:schemeClr val="tx1">
                     <a:lumMod val="95000"/>
@@ -19957,13 +19967,6 @@
               </a:rPr>
               <a:t>Store user’s notes, display current day’s News</a:t>
             </a:r>
-            <a:endParaRPr lang="en-IN" sz="2400" dirty="0">
-              <a:solidFill>
-                <a:schemeClr val="tx1">
-                  <a:lumMod val="95000"/>
-                </a:schemeClr>
-              </a:solidFill>
-            </a:endParaRPr>
           </a:p>
         </p:txBody>
       </p:sp>
@@ -19977,17 +19980,10 @@
   <p:clrMapOvr>
     <a:masterClrMapping/>
   </p:clrMapOvr>
-  <p:timing>
-    <p:tnLst>
-      <p:par>
-        <p:cTn id="1" dur="indefinite" restart="never" nodeType="tmRoot"/>
-      </p:par>
-    </p:tnLst>
-  </p:timing>
 </p:sld>
 </file>
 
-<file path=ppt/slides/slide44.xml><?xml version="1.0" encoding="utf-8"?>
+<file path=ppt/slides/slide48.xml><?xml version="1.0" encoding="utf-8"?>
 <p:sld xmlns:a="http://schemas.openxmlformats.org/drawingml/2006/main" xmlns:r="http://schemas.openxmlformats.org/officeDocument/2006/relationships" xmlns:p="http://schemas.openxmlformats.org/presentationml/2006/main">
   <p:cSld>
     <p:spTree>
@@ -20025,10 +20021,9 @@
           <a:lstStyle/>
           <a:p>
             <a:r>
-              <a:rPr lang="en-IN" dirty="0" smtClean="0"/>
+              <a:rPr lang="en-IN" dirty="0"/>
               <a:t>QUESTIONS?</a:t>
             </a:r>
-            <a:endParaRPr lang="en-IN" dirty="0"/>
           </a:p>
         </p:txBody>
       </p:sp>
@@ -20042,17 +20037,10 @@
   <p:clrMapOvr>
     <a:masterClrMapping/>
   </p:clrMapOvr>
-  <p:timing>
-    <p:tnLst>
-      <p:par>
-        <p:cTn id="1" dur="indefinite" restart="never" nodeType="tmRoot"/>
-      </p:par>
-    </p:tnLst>
-  </p:timing>
 </p:sld>
 </file>
 
-<file path=ppt/slides/slide45.xml><?xml version="1.0" encoding="utf-8"?>
+<file path=ppt/slides/slide49.xml><?xml version="1.0" encoding="utf-8"?>
 <p:sld xmlns:a="http://schemas.openxmlformats.org/drawingml/2006/main" xmlns:r="http://schemas.openxmlformats.org/officeDocument/2006/relationships" xmlns:p="http://schemas.openxmlformats.org/presentationml/2006/main">
   <p:cSld>
     <p:spTree>
@@ -20103,14 +20091,6 @@
               </a:rPr>
               <a:t>http://phoenixrrds.github.io/</a:t>
             </a:r>
-            <a:endParaRPr lang="en-IN" dirty="0">
-              <a:solidFill>
-                <a:schemeClr val="bg1">
-                  <a:lumMod val="65000"/>
-                  <a:lumOff val="35000"/>
-                </a:schemeClr>
-              </a:solidFill>
-            </a:endParaRPr>
           </a:p>
         </p:txBody>
       </p:sp>
@@ -20387,7 +20367,7 @@
           <a:p>
             <a:pPr algn="r"/>
             <a:r>
-              <a:rPr lang="en-IN" dirty="0" err="1" smtClean="0"/>
+              <a:rPr lang="en-IN" dirty="0" err="1"/>
               <a:t>BitCoders</a:t>
             </a:r>
             <a:endParaRPr lang="en-IN" dirty="0"/>
@@ -20417,7 +20397,7 @@
           <a:lstStyle/>
           <a:p>
             <a:r>
-              <a:rPr lang="en-IN" smtClean="0"/>
+              <a:rPr lang="en-IN"/>
               <a:t>Thank You</a:t>
             </a:r>
             <a:endParaRPr lang="en-IN" dirty="0"/>
@@ -20434,13 +20414,6 @@
   <p:clrMapOvr>
     <a:masterClrMapping/>
   </p:clrMapOvr>
-  <p:timing>
-    <p:tnLst>
-      <p:par>
-        <p:cTn id="1" dur="indefinite" restart="never" nodeType="tmRoot"/>
-      </p:par>
-    </p:tnLst>
-  </p:timing>
 </p:sld>
 </file>
 
@@ -20498,13 +20471,6 @@
   <p:clrMapOvr>
     <a:masterClrMapping/>
   </p:clrMapOvr>
-  <p:timing>
-    <p:tnLst>
-      <p:par>
-        <p:cTn id="1" dur="indefinite" restart="never" nodeType="tmRoot"/>
-      </p:par>
-    </p:tnLst>
-  </p:timing>
 </p:sld>
 </file>
 
@@ -20589,13 +20555,6 @@
   <p:clrMapOvr>
     <a:masterClrMapping/>
   </p:clrMapOvr>
-  <p:timing>
-    <p:tnLst>
-      <p:par>
-        <p:cTn id="1" dur="indefinite" restart="never" nodeType="tmRoot"/>
-      </p:par>
-    </p:tnLst>
-  </p:timing>
 </p:sld>
 </file>
 
@@ -20680,13 +20639,6 @@
   <p:clrMapOvr>
     <a:masterClrMapping/>
   </p:clrMapOvr>
-  <p:timing>
-    <p:tnLst>
-      <p:par>
-        <p:cTn id="1" dur="indefinite" restart="never" nodeType="tmRoot"/>
-      </p:par>
-    </p:tnLst>
-  </p:timing>
 </p:sld>
 </file>
 
@@ -20771,13 +20723,6 @@
   <p:clrMapOvr>
     <a:masterClrMapping/>
   </p:clrMapOvr>
-  <p:timing>
-    <p:tnLst>
-      <p:par>
-        <p:cTn id="1" dur="indefinite" restart="never" nodeType="tmRoot"/>
-      </p:par>
-    </p:tnLst>
-  </p:timing>
 </p:sld>
 </file>
 
@@ -20965,12 +20910,8 @@
               <a:buChar char="•"/>
             </a:pPr>
             <a:r>
-              <a:rPr lang="en-IN" dirty="0" smtClean="0"/>
-              <a:t>Development </a:t>
-            </a:r>
-            <a:r>
               <a:rPr lang="en-IN" dirty="0"/>
-              <a:t>workflow		</a:t>
+              <a:t>Development workflow		</a:t>
             </a:r>
             <a:r>
               <a:rPr lang="en-IN" dirty="0">
@@ -21073,13 +21014,6 @@
   <p:clrMapOvr>
     <a:masterClrMapping/>
   </p:clrMapOvr>
-  <p:timing>
-    <p:tnLst>
-      <p:par>
-        <p:cTn id="1" dur="indefinite" restart="never" nodeType="tmRoot"/>
-      </p:par>
-    </p:tnLst>
-  </p:timing>
 </p:sld>
 </file>
 

--- a/The design and development of AIRYL.pptx
+++ b/The design and development of AIRYL.pptx
@@ -45,11 +45,13 @@
     <p:sldId id="293" r:id="rId39"/>
     <p:sldId id="295" r:id="rId40"/>
     <p:sldId id="294" r:id="rId41"/>
-    <p:sldId id="296" r:id="rId42"/>
-    <p:sldId id="297" r:id="rId43"/>
-    <p:sldId id="299" r:id="rId44"/>
-    <p:sldId id="300" r:id="rId45"/>
-    <p:sldId id="301" r:id="rId46"/>
+    <p:sldId id="302" r:id="rId42"/>
+    <p:sldId id="303" r:id="rId43"/>
+    <p:sldId id="296" r:id="rId44"/>
+    <p:sldId id="297" r:id="rId45"/>
+    <p:sldId id="299" r:id="rId46"/>
+    <p:sldId id="300" r:id="rId47"/>
+    <p:sldId id="301" r:id="rId48"/>
   </p:sldIdLst>
   <p:sldSz cx="12192000" cy="6858000"/>
   <p:notesSz cx="6858000" cy="9144000"/>
@@ -1028,204 +1030,6 @@
       <dsp:cNvGrpSpPr/>
     </dsp:nvGrpSpPr>
     <dsp:grpSpPr/>
-    <dsp:sp modelId="{346262E2-C57D-489A-B037-8C8EBCA35523}">
-      <dsp:nvSpPr>
-        <dsp:cNvPr id="0" name=""/>
-        <dsp:cNvSpPr/>
-      </dsp:nvSpPr>
-      <dsp:spPr>
-        <a:xfrm>
-          <a:off x="3583823" y="302761"/>
-          <a:ext cx="4368800" cy="1517226"/>
-        </a:xfrm>
-        <a:prstGeom prst="ellipse">
-          <a:avLst/>
-        </a:prstGeom>
-        <a:solidFill>
-          <a:schemeClr val="accent1">
-            <a:tint val="50000"/>
-            <a:alpha val="40000"/>
-            <a:hueOff val="0"/>
-            <a:satOff val="0"/>
-            <a:lumOff val="0"/>
-            <a:alphaOff val="0"/>
-          </a:schemeClr>
-        </a:solidFill>
-        <a:ln>
-          <a:noFill/>
-        </a:ln>
-        <a:effectLst/>
-      </dsp:spPr>
-      <dsp:style>
-        <a:lnRef idx="0">
-          <a:scrgbClr r="0" g="0" b="0"/>
-        </a:lnRef>
-        <a:fillRef idx="1">
-          <a:scrgbClr r="0" g="0" b="0"/>
-        </a:fillRef>
-        <a:effectRef idx="0">
-          <a:scrgbClr r="0" g="0" b="0"/>
-        </a:effectRef>
-        <a:fontRef idx="minor"/>
-      </dsp:style>
-    </dsp:sp>
-    <dsp:sp modelId="{1C238821-D327-4FD2-AE7A-3493D9B7C9CB}">
-      <dsp:nvSpPr>
-        <dsp:cNvPr id="0" name=""/>
-        <dsp:cNvSpPr/>
-      </dsp:nvSpPr>
-      <dsp:spPr>
-        <a:xfrm>
-          <a:off x="5251805" y="3993145"/>
-          <a:ext cx="846666" cy="541866"/>
-        </a:xfrm>
-        <a:prstGeom prst="downArrow">
-          <a:avLst/>
-        </a:prstGeom>
-        <a:solidFill>
-          <a:schemeClr val="accent1">
-            <a:tint val="60000"/>
-            <a:hueOff val="0"/>
-            <a:satOff val="0"/>
-            <a:lumOff val="0"/>
-            <a:alphaOff val="0"/>
-          </a:schemeClr>
-        </a:solidFill>
-        <a:ln w="12700" cap="flat" cmpd="sng" algn="ctr">
-          <a:solidFill>
-            <a:schemeClr val="lt1">
-              <a:hueOff val="0"/>
-              <a:satOff val="0"/>
-              <a:lumOff val="0"/>
-              <a:alphaOff val="0"/>
-            </a:schemeClr>
-          </a:solidFill>
-          <a:prstDash val="solid"/>
-          <a:miter lim="800000"/>
-        </a:ln>
-        <a:effectLst/>
-      </dsp:spPr>
-      <dsp:style>
-        <a:lnRef idx="2">
-          <a:scrgbClr r="0" g="0" b="0"/>
-        </a:lnRef>
-        <a:fillRef idx="1">
-          <a:scrgbClr r="0" g="0" b="0"/>
-        </a:fillRef>
-        <a:effectRef idx="0">
-          <a:scrgbClr r="0" g="0" b="0"/>
-        </a:effectRef>
-        <a:fontRef idx="minor"/>
-      </dsp:style>
-    </dsp:sp>
-    <dsp:sp modelId="{FC5EA61A-D4DB-46BF-A3FC-76836DD14261}">
-      <dsp:nvSpPr>
-        <dsp:cNvPr id="0" name=""/>
-        <dsp:cNvSpPr/>
-      </dsp:nvSpPr>
-      <dsp:spPr>
-        <a:xfrm>
-          <a:off x="3596843" y="4402666"/>
-          <a:ext cx="4064000" cy="1016000"/>
-        </a:xfrm>
-        <a:prstGeom prst="rect">
-          <a:avLst/>
-        </a:prstGeom>
-        <a:noFill/>
-        <a:ln>
-          <a:noFill/>
-        </a:ln>
-        <a:effectLst/>
-      </dsp:spPr>
-      <dsp:style>
-        <a:lnRef idx="0">
-          <a:scrgbClr r="0" g="0" b="0"/>
-        </a:lnRef>
-        <a:fillRef idx="0">
-          <a:scrgbClr r="0" g="0" b="0"/>
-        </a:fillRef>
-        <a:effectRef idx="0">
-          <a:scrgbClr r="0" g="0" b="0"/>
-        </a:effectRef>
-        <a:fontRef idx="minor"/>
-      </dsp:style>
-      <dsp:txBody>
-        <a:bodyPr spcFirstLastPara="0" vert="horz" wrap="square" lIns="256032" tIns="256032" rIns="256032" bIns="256032" numCol="1" spcCol="1270" anchor="ctr" anchorCtr="0">
-          <a:noAutofit/>
-        </a:bodyPr>
-        <a:lstStyle/>
-        <a:p>
-          <a:pPr lvl="0" algn="ctr" defTabSz="1600200">
-            <a:lnSpc>
-              <a:spcPct val="90000"/>
-            </a:lnSpc>
-            <a:spcBef>
-              <a:spcPct val="0"/>
-            </a:spcBef>
-            <a:spcAft>
-              <a:spcPct val="35000"/>
-            </a:spcAft>
-          </a:pPr>
-          <a:r>
-            <a:rPr lang="en-US" sz="3600" kern="1200" dirty="0"/>
-            <a:t>AITYL</a:t>
-          </a:r>
-        </a:p>
-      </dsp:txBody>
-      <dsp:txXfrm>
-        <a:off x="3596843" y="4402666"/>
-        <a:ext cx="4064000" cy="1016000"/>
-      </dsp:txXfrm>
-    </dsp:sp>
-    <dsp:sp modelId="{2019F1B1-729F-4341-A698-452548D6DEBC}">
-      <dsp:nvSpPr>
-        <dsp:cNvPr id="0" name=""/>
-        <dsp:cNvSpPr/>
-      </dsp:nvSpPr>
-      <dsp:spPr>
-        <a:xfrm>
-          <a:off x="3386666" y="110410"/>
-          <a:ext cx="4741333" cy="3793066"/>
-        </a:xfrm>
-        <a:prstGeom prst="funnel">
-          <a:avLst/>
-        </a:prstGeom>
-        <a:solidFill>
-          <a:schemeClr val="lt1">
-            <a:alpha val="40000"/>
-            <a:hueOff val="0"/>
-            <a:satOff val="0"/>
-            <a:lumOff val="0"/>
-            <a:alphaOff val="0"/>
-          </a:schemeClr>
-        </a:solidFill>
-        <a:ln w="6350" cap="flat" cmpd="sng" algn="ctr">
-          <a:solidFill>
-            <a:schemeClr val="accent1">
-              <a:hueOff val="0"/>
-              <a:satOff val="0"/>
-              <a:lumOff val="0"/>
-              <a:alphaOff val="0"/>
-            </a:schemeClr>
-          </a:solidFill>
-          <a:prstDash val="solid"/>
-          <a:miter lim="800000"/>
-        </a:ln>
-        <a:effectLst/>
-      </dsp:spPr>
-      <dsp:style>
-        <a:lnRef idx="1">
-          <a:scrgbClr r="0" g="0" b="0"/>
-        </a:lnRef>
-        <a:fillRef idx="1">
-          <a:scrgbClr r="0" g="0" b="0"/>
-        </a:fillRef>
-        <a:effectRef idx="0">
-          <a:scrgbClr r="0" g="0" b="0"/>
-        </a:effectRef>
-        <a:fontRef idx="minor"/>
-      </dsp:style>
-    </dsp:sp>
   </dsp:spTree>
 </dsp:drawing>
 </file>
@@ -2713,7 +2517,7 @@
           <a:p>
             <a:fld id="{5EE06FB1-94E1-4706-8EFB-7CD6096210B2}" type="datetimeFigureOut">
               <a:rPr lang="en-IN" smtClean="0"/>
-              <a:t>30-11-2017</a:t>
+              <a:t>01-12-2017</a:t>
             </a:fld>
             <a:endParaRPr lang="en-IN"/>
           </a:p>
@@ -2883,7 +2687,7 @@
           <a:p>
             <a:fld id="{5EE06FB1-94E1-4706-8EFB-7CD6096210B2}" type="datetimeFigureOut">
               <a:rPr lang="en-IN" smtClean="0"/>
-              <a:t>30-11-2017</a:t>
+              <a:t>01-12-2017</a:t>
             </a:fld>
             <a:endParaRPr lang="en-IN"/>
           </a:p>
@@ -3063,7 +2867,7 @@
           <a:p>
             <a:fld id="{5EE06FB1-94E1-4706-8EFB-7CD6096210B2}" type="datetimeFigureOut">
               <a:rPr lang="en-IN" smtClean="0"/>
-              <a:t>30-11-2017</a:t>
+              <a:t>01-12-2017</a:t>
             </a:fld>
             <a:endParaRPr lang="en-IN"/>
           </a:p>
@@ -3233,7 +3037,7 @@
           <a:p>
             <a:fld id="{5EE06FB1-94E1-4706-8EFB-7CD6096210B2}" type="datetimeFigureOut">
               <a:rPr lang="en-IN" smtClean="0"/>
-              <a:t>30-11-2017</a:t>
+              <a:t>01-12-2017</a:t>
             </a:fld>
             <a:endParaRPr lang="en-IN"/>
           </a:p>
@@ -3479,7 +3283,7 @@
           <a:p>
             <a:fld id="{5EE06FB1-94E1-4706-8EFB-7CD6096210B2}" type="datetimeFigureOut">
               <a:rPr lang="en-IN" smtClean="0"/>
-              <a:t>30-11-2017</a:t>
+              <a:t>01-12-2017</a:t>
             </a:fld>
             <a:endParaRPr lang="en-IN"/>
           </a:p>
@@ -3711,7 +3515,7 @@
           <a:p>
             <a:fld id="{5EE06FB1-94E1-4706-8EFB-7CD6096210B2}" type="datetimeFigureOut">
               <a:rPr lang="en-IN" smtClean="0"/>
-              <a:t>30-11-2017</a:t>
+              <a:t>01-12-2017</a:t>
             </a:fld>
             <a:endParaRPr lang="en-IN"/>
           </a:p>
@@ -4078,7 +3882,7 @@
           <a:p>
             <a:fld id="{5EE06FB1-94E1-4706-8EFB-7CD6096210B2}" type="datetimeFigureOut">
               <a:rPr lang="en-IN" smtClean="0"/>
-              <a:t>30-11-2017</a:t>
+              <a:t>01-12-2017</a:t>
             </a:fld>
             <a:endParaRPr lang="en-IN"/>
           </a:p>
@@ -4196,7 +4000,7 @@
           <a:p>
             <a:fld id="{5EE06FB1-94E1-4706-8EFB-7CD6096210B2}" type="datetimeFigureOut">
               <a:rPr lang="en-IN" smtClean="0"/>
-              <a:t>30-11-2017</a:t>
+              <a:t>01-12-2017</a:t>
             </a:fld>
             <a:endParaRPr lang="en-IN"/>
           </a:p>
@@ -4291,7 +4095,7 @@
           <a:p>
             <a:fld id="{5EE06FB1-94E1-4706-8EFB-7CD6096210B2}" type="datetimeFigureOut">
               <a:rPr lang="en-IN" smtClean="0"/>
-              <a:t>30-11-2017</a:t>
+              <a:t>01-12-2017</a:t>
             </a:fld>
             <a:endParaRPr lang="en-IN"/>
           </a:p>
@@ -4568,7 +4372,7 @@
           <a:p>
             <a:fld id="{5EE06FB1-94E1-4706-8EFB-7CD6096210B2}" type="datetimeFigureOut">
               <a:rPr lang="en-IN" smtClean="0"/>
-              <a:t>30-11-2017</a:t>
+              <a:t>01-12-2017</a:t>
             </a:fld>
             <a:endParaRPr lang="en-IN"/>
           </a:p>
@@ -4825,7 +4629,7 @@
           <a:p>
             <a:fld id="{5EE06FB1-94E1-4706-8EFB-7CD6096210B2}" type="datetimeFigureOut">
               <a:rPr lang="en-IN" smtClean="0"/>
-              <a:t>30-11-2017</a:t>
+              <a:t>01-12-2017</a:t>
             </a:fld>
             <a:endParaRPr lang="en-IN"/>
           </a:p>
@@ -5038,7 +4842,7 @@
           <a:p>
             <a:fld id="{5EE06FB1-94E1-4706-8EFB-7CD6096210B2}" type="datetimeFigureOut">
               <a:rPr lang="en-IN" smtClean="0"/>
-              <a:t>30-11-2017</a:t>
+              <a:t>01-12-2017</a:t>
             </a:fld>
             <a:endParaRPr lang="en-IN"/>
           </a:p>
@@ -5586,7 +5390,7 @@
           <p:cNvPr id="6" name="Group 5">
             <a:extLst>
               <a:ext uri="{FF2B5EF4-FFF2-40B4-BE49-F238E27FC236}">
-                <a16:creationId xmlns="" xmlns:a16="http://schemas.microsoft.com/office/drawing/2014/main" id="{C87DA721-C399-4EBC-852A-9BF5F6E04FFB}"/>
+                <a16:creationId xmlns:a16="http://schemas.microsoft.com/office/drawing/2014/main" xmlns="" id="{C87DA721-C399-4EBC-852A-9BF5F6E04FFB}"/>
               </a:ext>
             </a:extLst>
           </p:cNvPr>
@@ -5703,7 +5507,7 @@
           <p:cNvPr id="4" name="Title 1">
             <a:extLst>
               <a:ext uri="{FF2B5EF4-FFF2-40B4-BE49-F238E27FC236}">
-                <a16:creationId xmlns="" xmlns:a16="http://schemas.microsoft.com/office/drawing/2014/main" id="{4F054BBB-470D-4EF5-91EF-64446AC3D0D8}"/>
+                <a16:creationId xmlns:a16="http://schemas.microsoft.com/office/drawing/2014/main" xmlns="" id="{4F054BBB-470D-4EF5-91EF-64446AC3D0D8}"/>
               </a:ext>
             </a:extLst>
           </p:cNvPr>
@@ -5737,7 +5541,7 @@
           <p:cNvPr id="5" name="Content Placeholder 2">
             <a:extLst>
               <a:ext uri="{FF2B5EF4-FFF2-40B4-BE49-F238E27FC236}">
-                <a16:creationId xmlns="" xmlns:a16="http://schemas.microsoft.com/office/drawing/2014/main" id="{5395A5E0-0480-44F8-8601-6F65EA4C9313}"/>
+                <a16:creationId xmlns:a16="http://schemas.microsoft.com/office/drawing/2014/main" xmlns="" id="{5395A5E0-0480-44F8-8601-6F65EA4C9313}"/>
               </a:ext>
             </a:extLst>
           </p:cNvPr>
@@ -5817,7 +5621,7 @@
           <p:cNvPr id="6" name="Picture 2" descr="File:Turing test diagram.png">
             <a:extLst>
               <a:ext uri="{FF2B5EF4-FFF2-40B4-BE49-F238E27FC236}">
-                <a16:creationId xmlns="" xmlns:a16="http://schemas.microsoft.com/office/drawing/2014/main" id="{8BF6AAC3-0A12-46EC-B1C8-07B6C26C5BDA}"/>
+                <a16:creationId xmlns:a16="http://schemas.microsoft.com/office/drawing/2014/main" xmlns="" id="{8BF6AAC3-0A12-46EC-B1C8-07B6C26C5BDA}"/>
               </a:ext>
             </a:extLst>
           </p:cNvPr>
@@ -6234,7 +6038,7 @@
           <p:cNvPr id="4" name="Title 1">
             <a:extLst>
               <a:ext uri="{FF2B5EF4-FFF2-40B4-BE49-F238E27FC236}">
-                <a16:creationId xmlns="" xmlns:a16="http://schemas.microsoft.com/office/drawing/2014/main" id="{245DCB3D-EC83-412F-A6A5-5DB2CCFFE85B}"/>
+                <a16:creationId xmlns:a16="http://schemas.microsoft.com/office/drawing/2014/main" xmlns="" id="{245DCB3D-EC83-412F-A6A5-5DB2CCFFE85B}"/>
               </a:ext>
             </a:extLst>
           </p:cNvPr>
@@ -6270,7 +6074,7 @@
               <p:cNvPr id="5" name="Content Placeholder 2">
                 <a:extLst>
                   <a:ext uri="{FF2B5EF4-FFF2-40B4-BE49-F238E27FC236}">
-                    <a16:creationId xmlns="" xmlns:a16="http://schemas.microsoft.com/office/drawing/2014/main" id="{01471190-1398-40EC-A7B8-DF9F75F9E7A3}"/>
+                    <a16:creationId xmlns:a16="http://schemas.microsoft.com/office/drawing/2014/main" xmlns="" id="{01471190-1398-40EC-A7B8-DF9F75F9E7A3}"/>
                   </a:ext>
                 </a:extLst>
               </p:cNvPr>
@@ -6456,7 +6260,7 @@
           <p:cNvPr id="6" name="Picture 2" descr="https://upload.wikimedia.org/wikipedia/commons/b/be/Deep_Blue.jpg">
             <a:extLst>
               <a:ext uri="{FF2B5EF4-FFF2-40B4-BE49-F238E27FC236}">
-                <a16:creationId xmlns="" xmlns:a16="http://schemas.microsoft.com/office/drawing/2014/main" id="{87B84574-7BEA-4AD5-977A-BF21AFCA9FDE}"/>
+                <a16:creationId xmlns:a16="http://schemas.microsoft.com/office/drawing/2014/main" xmlns="" id="{87B84574-7BEA-4AD5-977A-BF21AFCA9FDE}"/>
               </a:ext>
             </a:extLst>
           </p:cNvPr>
@@ -6526,7 +6330,7 @@
           <p:cNvPr id="7" name="Picture 4" descr="https://upload.wikimedia.org/wikipedia/commons/d/dc/Kasparov-29.jpg">
             <a:extLst>
               <a:ext uri="{FF2B5EF4-FFF2-40B4-BE49-F238E27FC236}">
-                <a16:creationId xmlns="" xmlns:a16="http://schemas.microsoft.com/office/drawing/2014/main" id="{9E13A585-C2C4-4E76-9361-E84AFA01EE17}"/>
+                <a16:creationId xmlns:a16="http://schemas.microsoft.com/office/drawing/2014/main" xmlns="" id="{9E13A585-C2C4-4E76-9361-E84AFA01EE17}"/>
               </a:ext>
             </a:extLst>
           </p:cNvPr>
@@ -7134,7 +6938,7 @@
           <p:cNvPr id="6" name="Group 5">
             <a:extLst>
               <a:ext uri="{FF2B5EF4-FFF2-40B4-BE49-F238E27FC236}">
-                <a16:creationId xmlns="" xmlns:a16="http://schemas.microsoft.com/office/drawing/2014/main" id="{EF1ECEAD-4FD5-421C-8CA9-FFFE1EC9A33F}"/>
+                <a16:creationId xmlns:a16="http://schemas.microsoft.com/office/drawing/2014/main" xmlns="" id="{EF1ECEAD-4FD5-421C-8CA9-FFFE1EC9A33F}"/>
               </a:ext>
             </a:extLst>
           </p:cNvPr>
@@ -7251,7 +7055,7 @@
           <p:cNvPr id="4" name="Title 1">
             <a:extLst>
               <a:ext uri="{FF2B5EF4-FFF2-40B4-BE49-F238E27FC236}">
-                <a16:creationId xmlns="" xmlns:a16="http://schemas.microsoft.com/office/drawing/2014/main" id="{DFA1592A-12AA-41B0-9B39-464024AB789C}"/>
+                <a16:creationId xmlns:a16="http://schemas.microsoft.com/office/drawing/2014/main" xmlns="" id="{DFA1592A-12AA-41B0-9B39-464024AB789C}"/>
               </a:ext>
             </a:extLst>
           </p:cNvPr>
@@ -7284,7 +7088,7 @@
           <p:cNvPr id="5" name="Picture 2" descr="Image result for android">
             <a:extLst>
               <a:ext uri="{FF2B5EF4-FFF2-40B4-BE49-F238E27FC236}">
-                <a16:creationId xmlns="" xmlns:a16="http://schemas.microsoft.com/office/drawing/2014/main" id="{B9537F49-8CA5-4D0E-8E30-4C3DBD384297}"/>
+                <a16:creationId xmlns:a16="http://schemas.microsoft.com/office/drawing/2014/main" xmlns="" id="{B9537F49-8CA5-4D0E-8E30-4C3DBD384297}"/>
               </a:ext>
             </a:extLst>
           </p:cNvPr>
@@ -7340,7 +7144,7 @@
           <p:cNvPr id="6" name="Picture 4" descr="http://www.alicebot.org/graphics/logo.png">
             <a:extLst>
               <a:ext uri="{FF2B5EF4-FFF2-40B4-BE49-F238E27FC236}">
-                <a16:creationId xmlns="" xmlns:a16="http://schemas.microsoft.com/office/drawing/2014/main" id="{C4D0D45E-47B4-4332-9EAD-BF1602F67B44}"/>
+                <a16:creationId xmlns:a16="http://schemas.microsoft.com/office/drawing/2014/main" xmlns="" id="{C4D0D45E-47B4-4332-9EAD-BF1602F67B44}"/>
               </a:ext>
             </a:extLst>
           </p:cNvPr>
@@ -7387,7 +7191,7 @@
           <p:cNvPr id="7" name="Picture 6" descr="Image result for coding">
             <a:extLst>
               <a:ext uri="{FF2B5EF4-FFF2-40B4-BE49-F238E27FC236}">
-                <a16:creationId xmlns="" xmlns:a16="http://schemas.microsoft.com/office/drawing/2014/main" id="{1C8FF789-52C3-48C9-B897-A810BC2F8925}"/>
+                <a16:creationId xmlns:a16="http://schemas.microsoft.com/office/drawing/2014/main" xmlns="" id="{1C8FF789-52C3-48C9-B897-A810BC2F8925}"/>
               </a:ext>
             </a:extLst>
           </p:cNvPr>
@@ -7434,7 +7238,7 @@
           <p:cNvPr id="8" name="Diagram 7">
             <a:extLst>
               <a:ext uri="{FF2B5EF4-FFF2-40B4-BE49-F238E27FC236}">
-                <a16:creationId xmlns="" xmlns:a16="http://schemas.microsoft.com/office/drawing/2014/main" id="{B0BFB1B8-727E-4800-BB22-B5E71B9D62DD}"/>
+                <a16:creationId xmlns:a16="http://schemas.microsoft.com/office/drawing/2014/main" xmlns="" id="{B0BFB1B8-727E-4800-BB22-B5E71B9D62DD}"/>
               </a:ext>
             </a:extLst>
           </p:cNvPr>
@@ -7462,7 +7266,7 @@
           <p:cNvPr id="9" name="TextBox 8">
             <a:extLst>
               <a:ext uri="{FF2B5EF4-FFF2-40B4-BE49-F238E27FC236}">
-                <a16:creationId xmlns="" xmlns:a16="http://schemas.microsoft.com/office/drawing/2014/main" id="{0EE1EC7B-F5FE-4D50-8714-EA73A22DEB2E}"/>
+                <a16:creationId xmlns:a16="http://schemas.microsoft.com/office/drawing/2014/main" xmlns="" id="{0EE1EC7B-F5FE-4D50-8714-EA73A22DEB2E}"/>
               </a:ext>
             </a:extLst>
           </p:cNvPr>
@@ -8053,7 +7857,7 @@
           <p:cNvPr id="4" name="Title 1">
             <a:extLst>
               <a:ext uri="{FF2B5EF4-FFF2-40B4-BE49-F238E27FC236}">
-                <a16:creationId xmlns="" xmlns:a16="http://schemas.microsoft.com/office/drawing/2014/main" id="{DF9B25EE-8945-4BEE-8AA8-CC466FB75DBC}"/>
+                <a16:creationId xmlns:a16="http://schemas.microsoft.com/office/drawing/2014/main" xmlns="" id="{DF9B25EE-8945-4BEE-8AA8-CC466FB75DBC}"/>
               </a:ext>
             </a:extLst>
           </p:cNvPr>
@@ -8087,7 +7891,7 @@
           <p:cNvPr id="5" name="Content Placeholder 2">
             <a:extLst>
               <a:ext uri="{FF2B5EF4-FFF2-40B4-BE49-F238E27FC236}">
-                <a16:creationId xmlns="" xmlns:a16="http://schemas.microsoft.com/office/drawing/2014/main" id="{E3A96E5D-04DE-4494-9F06-A51CDD4005A8}"/>
+                <a16:creationId xmlns:a16="http://schemas.microsoft.com/office/drawing/2014/main" xmlns="" id="{E3A96E5D-04DE-4494-9F06-A51CDD4005A8}"/>
               </a:ext>
             </a:extLst>
           </p:cNvPr>
@@ -8146,7 +7950,7 @@
           <p:cNvPr id="6" name="Picture 2" descr="ALICE Pyramid Logo by Sage Greco">
             <a:extLst>
               <a:ext uri="{FF2B5EF4-FFF2-40B4-BE49-F238E27FC236}">
-                <a16:creationId xmlns="" xmlns:a16="http://schemas.microsoft.com/office/drawing/2014/main" id="{29D8EBF5-C4ED-4D52-B83C-8D593509BB7A}"/>
+                <a16:creationId xmlns:a16="http://schemas.microsoft.com/office/drawing/2014/main" xmlns="" id="{29D8EBF5-C4ED-4D52-B83C-8D593509BB7A}"/>
               </a:ext>
             </a:extLst>
           </p:cNvPr>
@@ -8193,7 +7997,7 @@
           <p:cNvPr id="7" name="Picture 6" descr="Image result for richard wallace aiml">
             <a:extLst>
               <a:ext uri="{FF2B5EF4-FFF2-40B4-BE49-F238E27FC236}">
-                <a16:creationId xmlns="" xmlns:a16="http://schemas.microsoft.com/office/drawing/2014/main" id="{033BF789-30DB-4818-AD0F-24C1F4AFE44A}"/>
+                <a16:creationId xmlns:a16="http://schemas.microsoft.com/office/drawing/2014/main" xmlns="" id="{033BF789-30DB-4818-AD0F-24C1F4AFE44A}"/>
               </a:ext>
             </a:extLst>
           </p:cNvPr>
@@ -8659,7 +8463,7 @@
           <p:cNvPr id="4" name="TextBox 3">
             <a:extLst>
               <a:ext uri="{FF2B5EF4-FFF2-40B4-BE49-F238E27FC236}">
-                <a16:creationId xmlns="" xmlns:a16="http://schemas.microsoft.com/office/drawing/2014/main" id="{D235C480-B8BC-4917-8E82-A110FFCF3B05}"/>
+                <a16:creationId xmlns:a16="http://schemas.microsoft.com/office/drawing/2014/main" xmlns="" id="{D235C480-B8BC-4917-8E82-A110FFCF3B05}"/>
               </a:ext>
             </a:extLst>
           </p:cNvPr>
@@ -8794,7 +8598,7 @@
           <p:cNvPr id="4" name="Group 3">
             <a:extLst>
               <a:ext uri="{FF2B5EF4-FFF2-40B4-BE49-F238E27FC236}">
-                <a16:creationId xmlns="" xmlns:a16="http://schemas.microsoft.com/office/drawing/2014/main" id="{8BB1134F-36F4-4116-A258-DF007CA3056B}"/>
+                <a16:creationId xmlns:a16="http://schemas.microsoft.com/office/drawing/2014/main" xmlns="" id="{8BB1134F-36F4-4116-A258-DF007CA3056B}"/>
               </a:ext>
             </a:extLst>
           </p:cNvPr>
@@ -9487,14 +9291,6 @@
               </a:rPr>
               <a:t>http://phoenixrrds.github.io/</a:t>
             </a:r>
-            <a:endParaRPr lang="en-IN" dirty="0">
-              <a:solidFill>
-                <a:schemeClr val="bg1">
-                  <a:lumMod val="65000"/>
-                  <a:lumOff val="35000"/>
-                </a:schemeClr>
-              </a:solidFill>
-            </a:endParaRPr>
           </a:p>
         </p:txBody>
       </p:sp>
@@ -18547,7 +18343,7 @@
           <p:cNvPr id="4" name="Group 3">
             <a:extLst>
               <a:ext uri="{FF2B5EF4-FFF2-40B4-BE49-F238E27FC236}">
-                <a16:creationId xmlns="" xmlns:a16="http://schemas.microsoft.com/office/drawing/2014/main" id="{946F5448-C9AC-483D-A9E1-4910AAC001A2}"/>
+                <a16:creationId xmlns:a16="http://schemas.microsoft.com/office/drawing/2014/main" xmlns="" id="{946F5448-C9AC-483D-A9E1-4910AAC001A2}"/>
               </a:ext>
             </a:extLst>
           </p:cNvPr>
@@ -18741,7 +18537,7 @@
           <p:cNvPr id="4" name="Group 3">
             <a:extLst>
               <a:ext uri="{FF2B5EF4-FFF2-40B4-BE49-F238E27FC236}">
-                <a16:creationId xmlns="" xmlns:a16="http://schemas.microsoft.com/office/drawing/2014/main" id="{946F5448-C9AC-483D-A9E1-4910AAC001A2}"/>
+                <a16:creationId xmlns:a16="http://schemas.microsoft.com/office/drawing/2014/main" xmlns="" id="{946F5448-C9AC-483D-A9E1-4910AAC001A2}"/>
               </a:ext>
             </a:extLst>
           </p:cNvPr>
@@ -19269,7 +19065,7 @@
           <a:graphicData uri="http://schemas.openxmlformats.org/presentationml/2006/ole">
             <mc:AlternateContent xmlns:mc="http://schemas.openxmlformats.org/markup-compatibility/2006">
               <mc:Choice xmlns:v="urn:schemas-microsoft-com:vml" Requires="v">
-                <p:oleObj spid="_x0000_s7180" r:id="rId3" imgW="16025040" imgH="8075880" progId="">
+                <p:oleObj spid="_x0000_s7181" r:id="rId3" imgW="16025040" imgH="8075880" progId="">
                   <p:embed/>
                 </p:oleObj>
               </mc:Choice>
@@ -19353,92 +19149,28 @@
         </p:nvSpPr>
         <p:spPr>
           <a:xfrm>
-            <a:off x="1254184" y="1973846"/>
-            <a:ext cx="9556246" cy="2163762"/>
-          </a:xfrm>
-        </p:spPr>
-        <p:txBody>
-          <a:bodyPr/>
-          <a:lstStyle/>
-          <a:p>
-            <a:r>
-              <a:rPr lang="en-IN" dirty="0" smtClean="0"/>
-              <a:t>GitHub</a:t>
-            </a:r>
-            <a:endParaRPr lang="en-IN" dirty="0"/>
-          </a:p>
-        </p:txBody>
-      </p:sp>
-      <p:sp>
-        <p:nvSpPr>
-          <p:cNvPr id="8" name="Subtitle 2"/>
-          <p:cNvSpPr>
-            <a:spLocks noGrp="1"/>
-          </p:cNvSpPr>
-          <p:nvPr>
-            <p:ph type="subTitle" idx="1"/>
-          </p:nvPr>
-        </p:nvSpPr>
-        <p:spPr>
-          <a:xfrm>
-            <a:off x="4216565" y="4314657"/>
-            <a:ext cx="3943136" cy="428625"/>
+            <a:off x="1382371" y="196321"/>
+            <a:ext cx="9556246" cy="888995"/>
           </a:xfrm>
         </p:spPr>
         <p:txBody>
           <a:bodyPr>
-            <a:noAutofit/>
+            <a:normAutofit fontScale="90000"/>
           </a:bodyPr>
           <a:lstStyle/>
           <a:p>
             <a:r>
-              <a:rPr lang="en-IN" sz="2000" dirty="0" smtClean="0">
-                <a:solidFill>
-                  <a:schemeClr val="bg1">
-                    <a:lumMod val="65000"/>
-                    <a:lumOff val="35000"/>
-                  </a:schemeClr>
-                </a:solidFill>
-              </a:rPr>
-              <a:t>github.com/</a:t>
-            </a:r>
-            <a:r>
-              <a:rPr lang="en-IN" sz="2000" dirty="0" err="1" smtClean="0">
-                <a:solidFill>
-                  <a:schemeClr val="bg1">
-                    <a:lumMod val="65000"/>
-                    <a:lumOff val="35000"/>
-                  </a:schemeClr>
-                </a:solidFill>
-              </a:rPr>
-              <a:t>PhoenixRRDS</a:t>
-            </a:r>
-            <a:r>
-              <a:rPr lang="en-IN" sz="2000" dirty="0" smtClean="0">
-                <a:solidFill>
-                  <a:schemeClr val="bg1">
-                    <a:lumMod val="65000"/>
-                    <a:lumOff val="35000"/>
-                  </a:schemeClr>
-                </a:solidFill>
-              </a:rPr>
-              <a:t>/AIRYL</a:t>
-            </a:r>
-            <a:endParaRPr lang="en-IN" sz="2000" dirty="0">
-              <a:solidFill>
-                <a:schemeClr val="bg1">
-                  <a:lumMod val="65000"/>
-                  <a:lumOff val="35000"/>
-                </a:schemeClr>
-              </a:solidFill>
-            </a:endParaRPr>
+              <a:rPr lang="en-IN" dirty="0" smtClean="0"/>
+              <a:t>Git Log</a:t>
+            </a:r>
+            <a:endParaRPr lang="en-IN" dirty="0"/>
           </a:p>
         </p:txBody>
       </p:sp>
     </p:spTree>
     <p:extLst>
       <p:ext uri="{BB962C8B-B14F-4D97-AF65-F5344CB8AC3E}">
-        <p14:creationId xmlns:p14="http://schemas.microsoft.com/office/powerpoint/2010/main" val="2289320825"/>
+        <p14:creationId xmlns:p14="http://schemas.microsoft.com/office/powerpoint/2010/main" val="2004460477"/>
       </p:ext>
     </p:extLst>
   </p:cSld>
@@ -19496,6 +19228,204 @@
           <a:p>
             <a:r>
               <a:rPr lang="en-IN" dirty="0" smtClean="0"/>
+              <a:t>Git Blame</a:t>
+            </a:r>
+            <a:endParaRPr lang="en-IN" dirty="0"/>
+          </a:p>
+        </p:txBody>
+      </p:sp>
+    </p:spTree>
+    <p:extLst>
+      <p:ext uri="{BB962C8B-B14F-4D97-AF65-F5344CB8AC3E}">
+        <p14:creationId xmlns:p14="http://schemas.microsoft.com/office/powerpoint/2010/main" val="835068320"/>
+      </p:ext>
+    </p:extLst>
+  </p:cSld>
+  <p:clrMapOvr>
+    <a:masterClrMapping/>
+  </p:clrMapOvr>
+  <p:timing>
+    <p:tnLst>
+      <p:par>
+        <p:cTn id="1" dur="indefinite" restart="never" nodeType="tmRoot"/>
+      </p:par>
+    </p:tnLst>
+  </p:timing>
+</p:sld>
+</file>
+
+<file path=ppt/slides/slide43.xml><?xml version="1.0" encoding="utf-8"?>
+<p:sld xmlns:a="http://schemas.openxmlformats.org/drawingml/2006/main" xmlns:r="http://schemas.openxmlformats.org/officeDocument/2006/relationships" xmlns:p="http://schemas.openxmlformats.org/presentationml/2006/main">
+  <p:cSld>
+    <p:spTree>
+      <p:nvGrpSpPr>
+        <p:cNvPr id="1" name=""/>
+        <p:cNvGrpSpPr/>
+        <p:nvPr/>
+      </p:nvGrpSpPr>
+      <p:grpSpPr>
+        <a:xfrm>
+          <a:off x="0" y="0"/>
+          <a:ext cx="0" cy="0"/>
+          <a:chOff x="0" y="0"/>
+          <a:chExt cx="0" cy="0"/>
+        </a:xfrm>
+      </p:grpSpPr>
+      <p:sp>
+        <p:nvSpPr>
+          <p:cNvPr id="2" name="Title 1"/>
+          <p:cNvSpPr>
+            <a:spLocks noGrp="1"/>
+          </p:cNvSpPr>
+          <p:nvPr>
+            <p:ph type="ctrTitle"/>
+          </p:nvPr>
+        </p:nvSpPr>
+        <p:spPr>
+          <a:xfrm>
+            <a:off x="1254184" y="1973846"/>
+            <a:ext cx="9556246" cy="2163762"/>
+          </a:xfrm>
+        </p:spPr>
+        <p:txBody>
+          <a:bodyPr/>
+          <a:lstStyle/>
+          <a:p>
+            <a:r>
+              <a:rPr lang="en-IN" dirty="0" smtClean="0"/>
+              <a:t>GitHub</a:t>
+            </a:r>
+            <a:endParaRPr lang="en-IN" dirty="0"/>
+          </a:p>
+        </p:txBody>
+      </p:sp>
+      <p:sp>
+        <p:nvSpPr>
+          <p:cNvPr id="8" name="Subtitle 2"/>
+          <p:cNvSpPr>
+            <a:spLocks noGrp="1"/>
+          </p:cNvSpPr>
+          <p:nvPr>
+            <p:ph type="subTitle" idx="1"/>
+          </p:nvPr>
+        </p:nvSpPr>
+        <p:spPr>
+          <a:xfrm>
+            <a:off x="4216565" y="4314657"/>
+            <a:ext cx="3943136" cy="428625"/>
+          </a:xfrm>
+        </p:spPr>
+        <p:txBody>
+          <a:bodyPr>
+            <a:noAutofit/>
+          </a:bodyPr>
+          <a:lstStyle/>
+          <a:p>
+            <a:r>
+              <a:rPr lang="en-IN" sz="2000" dirty="0" smtClean="0">
+                <a:solidFill>
+                  <a:schemeClr val="bg1">
+                    <a:lumMod val="65000"/>
+                    <a:lumOff val="35000"/>
+                  </a:schemeClr>
+                </a:solidFill>
+              </a:rPr>
+              <a:t>github.com/</a:t>
+            </a:r>
+            <a:r>
+              <a:rPr lang="en-IN" sz="2000" dirty="0" err="1" smtClean="0">
+                <a:solidFill>
+                  <a:schemeClr val="bg1">
+                    <a:lumMod val="65000"/>
+                    <a:lumOff val="35000"/>
+                  </a:schemeClr>
+                </a:solidFill>
+              </a:rPr>
+              <a:t>PhoenixRRDS</a:t>
+            </a:r>
+            <a:r>
+              <a:rPr lang="en-IN" sz="2000" dirty="0" smtClean="0">
+                <a:solidFill>
+                  <a:schemeClr val="bg1">
+                    <a:lumMod val="65000"/>
+                    <a:lumOff val="35000"/>
+                  </a:schemeClr>
+                </a:solidFill>
+              </a:rPr>
+              <a:t>/AIRYL</a:t>
+            </a:r>
+            <a:endParaRPr lang="en-IN" sz="2000" dirty="0">
+              <a:solidFill>
+                <a:schemeClr val="bg1">
+                  <a:lumMod val="65000"/>
+                  <a:lumOff val="35000"/>
+                </a:schemeClr>
+              </a:solidFill>
+            </a:endParaRPr>
+          </a:p>
+        </p:txBody>
+      </p:sp>
+    </p:spTree>
+    <p:extLst>
+      <p:ext uri="{BB962C8B-B14F-4D97-AF65-F5344CB8AC3E}">
+        <p14:creationId xmlns:p14="http://schemas.microsoft.com/office/powerpoint/2010/main" val="2289320825"/>
+      </p:ext>
+    </p:extLst>
+  </p:cSld>
+  <p:clrMapOvr>
+    <a:masterClrMapping/>
+  </p:clrMapOvr>
+  <p:timing>
+    <p:tnLst>
+      <p:par>
+        <p:cTn id="1" dur="indefinite" restart="never" nodeType="tmRoot"/>
+      </p:par>
+    </p:tnLst>
+  </p:timing>
+</p:sld>
+</file>
+
+<file path=ppt/slides/slide44.xml><?xml version="1.0" encoding="utf-8"?>
+<p:sld xmlns:a="http://schemas.openxmlformats.org/drawingml/2006/main" xmlns:r="http://schemas.openxmlformats.org/officeDocument/2006/relationships" xmlns:p="http://schemas.openxmlformats.org/presentationml/2006/main">
+  <p:cSld>
+    <p:spTree>
+      <p:nvGrpSpPr>
+        <p:cNvPr id="1" name=""/>
+        <p:cNvGrpSpPr/>
+        <p:nvPr/>
+      </p:nvGrpSpPr>
+      <p:grpSpPr>
+        <a:xfrm>
+          <a:off x="0" y="0"/>
+          <a:ext cx="0" cy="0"/>
+          <a:chOff x="0" y="0"/>
+          <a:chExt cx="0" cy="0"/>
+        </a:xfrm>
+      </p:grpSpPr>
+      <p:sp>
+        <p:nvSpPr>
+          <p:cNvPr id="2" name="Title 1"/>
+          <p:cNvSpPr>
+            <a:spLocks noGrp="1"/>
+          </p:cNvSpPr>
+          <p:nvPr>
+            <p:ph type="ctrTitle"/>
+          </p:nvPr>
+        </p:nvSpPr>
+        <p:spPr>
+          <a:xfrm>
+            <a:off x="1382371" y="196321"/>
+            <a:ext cx="9556246" cy="888995"/>
+          </a:xfrm>
+        </p:spPr>
+        <p:txBody>
+          <a:bodyPr>
+            <a:normAutofit fontScale="90000"/>
+          </a:bodyPr>
+          <a:lstStyle/>
+          <a:p>
+            <a:r>
+              <a:rPr lang="en-IN" dirty="0" smtClean="0"/>
               <a:t>GitHub</a:t>
             </a:r>
             <a:endParaRPr lang="en-IN" dirty="0"/>
@@ -19612,7 +19542,7 @@
 </p:sld>
 </file>
 
-<file path=ppt/slides/slide43.xml><?xml version="1.0" encoding="utf-8"?>
+<file path=ppt/slides/slide45.xml><?xml version="1.0" encoding="utf-8"?>
 <p:sld xmlns:a="http://schemas.openxmlformats.org/drawingml/2006/main" xmlns:r="http://schemas.openxmlformats.org/officeDocument/2006/relationships" xmlns:p="http://schemas.openxmlformats.org/presentationml/2006/main">
   <p:cSld>
     <p:spTree>
@@ -19987,7 +19917,7 @@
 </p:sld>
 </file>
 
-<file path=ppt/slides/slide44.xml><?xml version="1.0" encoding="utf-8"?>
+<file path=ppt/slides/slide46.xml><?xml version="1.0" encoding="utf-8"?>
 <p:sld xmlns:a="http://schemas.openxmlformats.org/drawingml/2006/main" xmlns:r="http://schemas.openxmlformats.org/officeDocument/2006/relationships" xmlns:p="http://schemas.openxmlformats.org/presentationml/2006/main">
   <p:cSld>
     <p:spTree>
@@ -20052,7 +19982,7 @@
 </p:sld>
 </file>
 
-<file path=ppt/slides/slide45.xml><?xml version="1.0" encoding="utf-8"?>
+<file path=ppt/slides/slide47.xml><?xml version="1.0" encoding="utf-8"?>
 <p:sld xmlns:a="http://schemas.openxmlformats.org/drawingml/2006/main" xmlns:r="http://schemas.openxmlformats.org/officeDocument/2006/relationships" xmlns:p="http://schemas.openxmlformats.org/presentationml/2006/main">
   <p:cSld>
     <p:spTree>
@@ -20103,14 +20033,6 @@
               </a:rPr>
               <a:t>http://phoenixrrds.github.io/</a:t>
             </a:r>
-            <a:endParaRPr lang="en-IN" dirty="0">
-              <a:solidFill>
-                <a:schemeClr val="bg1">
-                  <a:lumMod val="65000"/>
-                  <a:lumOff val="35000"/>
-                </a:schemeClr>
-              </a:solidFill>
-            </a:endParaRPr>
           </a:p>
         </p:txBody>
       </p:sp>

--- a/The design and development of AIRYL.pptx
+++ b/The design and development of AIRYL.pptx
@@ -34,24 +34,29 @@
     <p:sldId id="284" r:id="rId28"/>
     <p:sldId id="285" r:id="rId29"/>
     <p:sldId id="286" r:id="rId30"/>
-    <p:sldId id="287" r:id="rId31"/>
-    <p:sldId id="288" r:id="rId32"/>
-    <p:sldId id="289" r:id="rId33"/>
-    <p:sldId id="290" r:id="rId34"/>
-    <p:sldId id="291" r:id="rId35"/>
-    <p:sldId id="298" r:id="rId36"/>
-    <p:sldId id="269" r:id="rId37"/>
-    <p:sldId id="292" r:id="rId38"/>
-    <p:sldId id="293" r:id="rId39"/>
-    <p:sldId id="295" r:id="rId40"/>
-    <p:sldId id="294" r:id="rId41"/>
-    <p:sldId id="302" r:id="rId42"/>
-    <p:sldId id="303" r:id="rId43"/>
-    <p:sldId id="296" r:id="rId44"/>
-    <p:sldId id="297" r:id="rId45"/>
-    <p:sldId id="299" r:id="rId46"/>
-    <p:sldId id="300" r:id="rId47"/>
-    <p:sldId id="301" r:id="rId48"/>
+    <p:sldId id="308" r:id="rId31"/>
+    <p:sldId id="287" r:id="rId32"/>
+    <p:sldId id="288" r:id="rId33"/>
+    <p:sldId id="289" r:id="rId34"/>
+    <p:sldId id="290" r:id="rId35"/>
+    <p:sldId id="291" r:id="rId36"/>
+    <p:sldId id="298" r:id="rId37"/>
+    <p:sldId id="269" r:id="rId38"/>
+    <p:sldId id="304" r:id="rId39"/>
+    <p:sldId id="305" r:id="rId40"/>
+    <p:sldId id="306" r:id="rId41"/>
+    <p:sldId id="307" r:id="rId42"/>
+    <p:sldId id="292" r:id="rId43"/>
+    <p:sldId id="293" r:id="rId44"/>
+    <p:sldId id="295" r:id="rId45"/>
+    <p:sldId id="294" r:id="rId46"/>
+    <p:sldId id="302" r:id="rId47"/>
+    <p:sldId id="303" r:id="rId48"/>
+    <p:sldId id="296" r:id="rId49"/>
+    <p:sldId id="297" r:id="rId50"/>
+    <p:sldId id="299" r:id="rId51"/>
+    <p:sldId id="300" r:id="rId52"/>
+    <p:sldId id="301" r:id="rId53"/>
   </p:sldIdLst>
   <p:sldSz cx="12192000" cy="6858000"/>
   <p:notesSz cx="6858000" cy="9144000"/>
@@ -1030,6 +1035,204 @@
       <dsp:cNvGrpSpPr/>
     </dsp:nvGrpSpPr>
     <dsp:grpSpPr/>
+    <dsp:sp modelId="{346262E2-C57D-489A-B037-8C8EBCA35523}">
+      <dsp:nvSpPr>
+        <dsp:cNvPr id="0" name=""/>
+        <dsp:cNvSpPr/>
+      </dsp:nvSpPr>
+      <dsp:spPr>
+        <a:xfrm>
+          <a:off x="3583823" y="302761"/>
+          <a:ext cx="4368800" cy="1517226"/>
+        </a:xfrm>
+        <a:prstGeom prst="ellipse">
+          <a:avLst/>
+        </a:prstGeom>
+        <a:solidFill>
+          <a:schemeClr val="accent1">
+            <a:tint val="50000"/>
+            <a:alpha val="40000"/>
+            <a:hueOff val="0"/>
+            <a:satOff val="0"/>
+            <a:lumOff val="0"/>
+            <a:alphaOff val="0"/>
+          </a:schemeClr>
+        </a:solidFill>
+        <a:ln>
+          <a:noFill/>
+        </a:ln>
+        <a:effectLst/>
+      </dsp:spPr>
+      <dsp:style>
+        <a:lnRef idx="0">
+          <a:scrgbClr r="0" g="0" b="0"/>
+        </a:lnRef>
+        <a:fillRef idx="1">
+          <a:scrgbClr r="0" g="0" b="0"/>
+        </a:fillRef>
+        <a:effectRef idx="0">
+          <a:scrgbClr r="0" g="0" b="0"/>
+        </a:effectRef>
+        <a:fontRef idx="minor"/>
+      </dsp:style>
+    </dsp:sp>
+    <dsp:sp modelId="{1C238821-D327-4FD2-AE7A-3493D9B7C9CB}">
+      <dsp:nvSpPr>
+        <dsp:cNvPr id="0" name=""/>
+        <dsp:cNvSpPr/>
+      </dsp:nvSpPr>
+      <dsp:spPr>
+        <a:xfrm>
+          <a:off x="5251805" y="3993145"/>
+          <a:ext cx="846666" cy="541866"/>
+        </a:xfrm>
+        <a:prstGeom prst="downArrow">
+          <a:avLst/>
+        </a:prstGeom>
+        <a:solidFill>
+          <a:schemeClr val="accent1">
+            <a:tint val="60000"/>
+            <a:hueOff val="0"/>
+            <a:satOff val="0"/>
+            <a:lumOff val="0"/>
+            <a:alphaOff val="0"/>
+          </a:schemeClr>
+        </a:solidFill>
+        <a:ln w="12700" cap="flat" cmpd="sng" algn="ctr">
+          <a:solidFill>
+            <a:schemeClr val="lt1">
+              <a:hueOff val="0"/>
+              <a:satOff val="0"/>
+              <a:lumOff val="0"/>
+              <a:alphaOff val="0"/>
+            </a:schemeClr>
+          </a:solidFill>
+          <a:prstDash val="solid"/>
+          <a:miter lim="800000"/>
+        </a:ln>
+        <a:effectLst/>
+      </dsp:spPr>
+      <dsp:style>
+        <a:lnRef idx="2">
+          <a:scrgbClr r="0" g="0" b="0"/>
+        </a:lnRef>
+        <a:fillRef idx="1">
+          <a:scrgbClr r="0" g="0" b="0"/>
+        </a:fillRef>
+        <a:effectRef idx="0">
+          <a:scrgbClr r="0" g="0" b="0"/>
+        </a:effectRef>
+        <a:fontRef idx="minor"/>
+      </dsp:style>
+    </dsp:sp>
+    <dsp:sp modelId="{FC5EA61A-D4DB-46BF-A3FC-76836DD14261}">
+      <dsp:nvSpPr>
+        <dsp:cNvPr id="0" name=""/>
+        <dsp:cNvSpPr/>
+      </dsp:nvSpPr>
+      <dsp:spPr>
+        <a:xfrm>
+          <a:off x="3596843" y="4402666"/>
+          <a:ext cx="4064000" cy="1016000"/>
+        </a:xfrm>
+        <a:prstGeom prst="rect">
+          <a:avLst/>
+        </a:prstGeom>
+        <a:noFill/>
+        <a:ln>
+          <a:noFill/>
+        </a:ln>
+        <a:effectLst/>
+      </dsp:spPr>
+      <dsp:style>
+        <a:lnRef idx="0">
+          <a:scrgbClr r="0" g="0" b="0"/>
+        </a:lnRef>
+        <a:fillRef idx="0">
+          <a:scrgbClr r="0" g="0" b="0"/>
+        </a:fillRef>
+        <a:effectRef idx="0">
+          <a:scrgbClr r="0" g="0" b="0"/>
+        </a:effectRef>
+        <a:fontRef idx="minor"/>
+      </dsp:style>
+      <dsp:txBody>
+        <a:bodyPr spcFirstLastPara="0" vert="horz" wrap="square" lIns="256032" tIns="256032" rIns="256032" bIns="256032" numCol="1" spcCol="1270" anchor="ctr" anchorCtr="0">
+          <a:noAutofit/>
+        </a:bodyPr>
+        <a:lstStyle/>
+        <a:p>
+          <a:pPr lvl="0" algn="ctr" defTabSz="1600200">
+            <a:lnSpc>
+              <a:spcPct val="90000"/>
+            </a:lnSpc>
+            <a:spcBef>
+              <a:spcPct val="0"/>
+            </a:spcBef>
+            <a:spcAft>
+              <a:spcPct val="35000"/>
+            </a:spcAft>
+          </a:pPr>
+          <a:r>
+            <a:rPr lang="en-US" sz="3600" kern="1200" dirty="0"/>
+            <a:t>AITYL</a:t>
+          </a:r>
+        </a:p>
+      </dsp:txBody>
+      <dsp:txXfrm>
+        <a:off x="3596843" y="4402666"/>
+        <a:ext cx="4064000" cy="1016000"/>
+      </dsp:txXfrm>
+    </dsp:sp>
+    <dsp:sp modelId="{2019F1B1-729F-4341-A698-452548D6DEBC}">
+      <dsp:nvSpPr>
+        <dsp:cNvPr id="0" name=""/>
+        <dsp:cNvSpPr/>
+      </dsp:nvSpPr>
+      <dsp:spPr>
+        <a:xfrm>
+          <a:off x="3386666" y="110410"/>
+          <a:ext cx="4741333" cy="3793066"/>
+        </a:xfrm>
+        <a:prstGeom prst="funnel">
+          <a:avLst/>
+        </a:prstGeom>
+        <a:solidFill>
+          <a:schemeClr val="lt1">
+            <a:alpha val="40000"/>
+            <a:hueOff val="0"/>
+            <a:satOff val="0"/>
+            <a:lumOff val="0"/>
+            <a:alphaOff val="0"/>
+          </a:schemeClr>
+        </a:solidFill>
+        <a:ln w="6350" cap="flat" cmpd="sng" algn="ctr">
+          <a:solidFill>
+            <a:schemeClr val="accent1">
+              <a:hueOff val="0"/>
+              <a:satOff val="0"/>
+              <a:lumOff val="0"/>
+              <a:alphaOff val="0"/>
+            </a:schemeClr>
+          </a:solidFill>
+          <a:prstDash val="solid"/>
+          <a:miter lim="800000"/>
+        </a:ln>
+        <a:effectLst/>
+      </dsp:spPr>
+      <dsp:style>
+        <a:lnRef idx="1">
+          <a:scrgbClr r="0" g="0" b="0"/>
+        </a:lnRef>
+        <a:fillRef idx="1">
+          <a:scrgbClr r="0" g="0" b="0"/>
+        </a:fillRef>
+        <a:effectRef idx="0">
+          <a:scrgbClr r="0" g="0" b="0"/>
+        </a:effectRef>
+        <a:fontRef idx="minor"/>
+      </dsp:style>
+    </dsp:sp>
   </dsp:spTree>
 </dsp:drawing>
 </file>
@@ -15105,8 +15308,8 @@
         </p:nvSpPr>
         <p:spPr>
           <a:xfrm>
-            <a:off x="1847850" y="684214"/>
-            <a:ext cx="8762999" cy="954086"/>
+            <a:off x="1967490" y="2641200"/>
+            <a:ext cx="8762999" cy="3007570"/>
           </a:xfrm>
           <a:prstGeom prst="rect">
             <a:avLst/>
@@ -15137,10 +15340,6 @@
           </a:lstStyle>
           <a:p>
             <a:pPr algn="ctr"/>
-            <a:r>
-              <a:rPr lang="en-IN" dirty="0" smtClean="0"/>
-              <a:t>3. Android implementation</a:t>
-            </a:r>
             <a:endParaRPr lang="en-IN" dirty="0"/>
           </a:p>
         </p:txBody>
@@ -15155,7 +15354,7 @@
         </p:nvSpPr>
         <p:spPr>
           <a:xfrm>
-            <a:off x="2538101" y="3093758"/>
+            <a:off x="1742807" y="666751"/>
             <a:ext cx="9212366" cy="428625"/>
           </a:xfrm>
           <a:prstGeom prst="rect">
@@ -15331,7 +15530,7 @@
             </a:lvl9pPr>
           </a:lstStyle>
           <a:p>
-            <a:pPr marL="0" indent="0">
+            <a:pPr marL="0" indent="0" algn="ctr">
               <a:buNone/>
             </a:pPr>
             <a:r>
@@ -15342,7 +15541,7 @@
                   </a:schemeClr>
                 </a:solidFill>
               </a:rPr>
-              <a:t>Button.OnClickListener</a:t>
+              <a:t>ChatMessage</a:t>
             </a:r>
             <a:endParaRPr lang="en-IN" sz="6600" dirty="0">
               <a:solidFill>
@@ -15354,10 +15553,68 @@
           </a:p>
         </p:txBody>
       </p:sp>
+      <p:sp>
+        <p:nvSpPr>
+          <p:cNvPr id="2" name="TextBox 1"/>
+          <p:cNvSpPr txBox="1"/>
+          <p:nvPr/>
+        </p:nvSpPr>
+        <p:spPr>
+          <a:xfrm>
+            <a:off x="1967490" y="1905712"/>
+            <a:ext cx="6441572" cy="923330"/>
+          </a:xfrm>
+          <a:prstGeom prst="rect">
+            <a:avLst/>
+          </a:prstGeom>
+          <a:noFill/>
+        </p:spPr>
+        <p:txBody>
+          <a:bodyPr wrap="square" rtlCol="0">
+            <a:spAutoFit/>
+          </a:bodyPr>
+          <a:lstStyle/>
+          <a:p>
+            <a:pPr marL="285750" indent="-285750">
+              <a:buFontTx/>
+              <a:buChar char="-"/>
+            </a:pPr>
+            <a:r>
+              <a:rPr lang="en-IN" dirty="0" smtClean="0"/>
+              <a:t>Message (String)</a:t>
+            </a:r>
+          </a:p>
+          <a:p>
+            <a:pPr marL="285750" indent="-285750">
+              <a:buFontTx/>
+              <a:buChar char="-"/>
+            </a:pPr>
+            <a:r>
+              <a:rPr lang="en-IN" dirty="0" smtClean="0"/>
+              <a:t>Sender (String)</a:t>
+            </a:r>
+          </a:p>
+          <a:p>
+            <a:pPr marL="285750" indent="-285750">
+              <a:buFontTx/>
+              <a:buChar char="-"/>
+            </a:pPr>
+            <a:r>
+              <a:rPr lang="en-IN" dirty="0" smtClean="0"/>
+              <a:t>Date </a:t>
+            </a:r>
+            <a:r>
+              <a:rPr lang="en-IN" smtClean="0"/>
+              <a:t>and time</a:t>
+            </a:r>
+            <a:endParaRPr lang="en-IN"/>
+          </a:p>
+        </p:txBody>
+      </p:sp>
     </p:spTree>
     <p:extLst>
       <p:ext uri="{BB962C8B-B14F-4D97-AF65-F5344CB8AC3E}">
-        <p14:creationId xmlns:p14="http://schemas.microsoft.com/office/powerpoint/2010/main" val="1047218351"/>
+        <p14:creationId xmlns:p14="http://schemas.microsoft.com/office/powerpoint/2010/main" val="3289588032"/>
       </p:ext>
     </p:extLst>
   </p:cSld>
@@ -15393,6 +15650,56 @@
       </p:grpSpPr>
       <p:sp>
         <p:nvSpPr>
+          <p:cNvPr id="4" name="Title 1"/>
+          <p:cNvSpPr txBox="1">
+            <a:spLocks/>
+          </p:cNvSpPr>
+          <p:nvPr/>
+        </p:nvSpPr>
+        <p:spPr>
+          <a:xfrm>
+            <a:off x="1847850" y="684214"/>
+            <a:ext cx="8762999" cy="954086"/>
+          </a:xfrm>
+          <a:prstGeom prst="rect">
+            <a:avLst/>
+          </a:prstGeom>
+        </p:spPr>
+        <p:txBody>
+          <a:bodyPr vert="horz" lIns="91440" tIns="45720" rIns="91440" bIns="45720" rtlCol="0" anchor="ctr">
+            <a:normAutofit/>
+          </a:bodyPr>
+          <a:lstStyle>
+            <a:lvl1pPr algn="l" defTabSz="914400" rtl="0" eaLnBrk="1" latinLnBrk="0" hangingPunct="1">
+              <a:lnSpc>
+                <a:spcPct val="90000"/>
+              </a:lnSpc>
+              <a:spcBef>
+                <a:spcPct val="0"/>
+              </a:spcBef>
+              <a:buNone/>
+              <a:defRPr sz="4400" kern="1200">
+                <a:solidFill>
+                  <a:schemeClr val="tx1"/>
+                </a:solidFill>
+                <a:latin typeface="+mj-lt"/>
+                <a:ea typeface="+mj-ea"/>
+                <a:cs typeface="+mj-cs"/>
+              </a:defRPr>
+            </a:lvl1pPr>
+          </a:lstStyle>
+          <a:p>
+            <a:pPr algn="ctr"/>
+            <a:r>
+              <a:rPr lang="en-IN" dirty="0" smtClean="0"/>
+              <a:t>3. Android implementation</a:t>
+            </a:r>
+            <a:endParaRPr lang="en-IN" dirty="0"/>
+          </a:p>
+        </p:txBody>
+      </p:sp>
+      <p:sp>
+        <p:nvSpPr>
           <p:cNvPr id="5" name="Subtitle 2"/>
           <p:cNvSpPr txBox="1">
             <a:spLocks/>
@@ -15401,7 +15708,7 @@
         </p:nvSpPr>
         <p:spPr>
           <a:xfrm>
-            <a:off x="1632246" y="521475"/>
+            <a:off x="2538101" y="3093758"/>
             <a:ext cx="9212366" cy="428625"/>
           </a:xfrm>
           <a:prstGeom prst="rect">
@@ -15577,11 +15884,11 @@
             </a:lvl9pPr>
           </a:lstStyle>
           <a:p>
-            <a:pPr marL="0" indent="0" algn="ctr">
+            <a:pPr marL="0" indent="0">
               <a:buNone/>
             </a:pPr>
             <a:r>
-              <a:rPr lang="en-IN" sz="4800" dirty="0" err="1" smtClean="0">
+              <a:rPr lang="en-IN" sz="6600" dirty="0" err="1" smtClean="0">
                 <a:solidFill>
                   <a:schemeClr val="tx1">
                     <a:lumMod val="95000"/>
@@ -15590,7 +15897,7 @@
               </a:rPr>
               <a:t>Button.OnClickListener</a:t>
             </a:r>
-            <a:endParaRPr lang="en-IN" sz="4800" dirty="0">
+            <a:endParaRPr lang="en-IN" sz="6600" dirty="0">
               <a:solidFill>
                 <a:schemeClr val="tx1">
                   <a:lumMod val="95000"/>
@@ -15600,404 +15907,10 @@
           </a:p>
         </p:txBody>
       </p:sp>
-      <p:sp>
-        <p:nvSpPr>
-          <p:cNvPr id="6" name="Subtitle 2"/>
-          <p:cNvSpPr txBox="1">
-            <a:spLocks/>
-          </p:cNvSpPr>
-          <p:nvPr/>
-        </p:nvSpPr>
-        <p:spPr>
-          <a:xfrm>
-            <a:off x="1861559" y="1904470"/>
-            <a:ext cx="9212366" cy="3752846"/>
-          </a:xfrm>
-          <a:prstGeom prst="rect">
-            <a:avLst/>
-          </a:prstGeom>
-        </p:spPr>
-        <p:txBody>
-          <a:bodyPr vert="horz" lIns="91440" tIns="45720" rIns="91440" bIns="45720" rtlCol="0">
-            <a:noAutofit/>
-          </a:bodyPr>
-          <a:lstStyle>
-            <a:lvl1pPr marL="228600" indent="-228600" algn="l" defTabSz="914400" rtl="0" eaLnBrk="1" latinLnBrk="0" hangingPunct="1">
-              <a:lnSpc>
-                <a:spcPct val="90000"/>
-              </a:lnSpc>
-              <a:spcBef>
-                <a:spcPts val="1000"/>
-              </a:spcBef>
-              <a:buFont typeface="Arial" panose="020B0604020202020204" pitchFamily="34" charset="0"/>
-              <a:buChar char="•"/>
-              <a:defRPr sz="2800" kern="1200">
-                <a:solidFill>
-                  <a:schemeClr val="tx1"/>
-                </a:solidFill>
-                <a:latin typeface="+mn-lt"/>
-                <a:ea typeface="+mn-ea"/>
-                <a:cs typeface="+mn-cs"/>
-              </a:defRPr>
-            </a:lvl1pPr>
-            <a:lvl2pPr marL="685800" indent="-228600" algn="l" defTabSz="914400" rtl="0" eaLnBrk="1" latinLnBrk="0" hangingPunct="1">
-              <a:lnSpc>
-                <a:spcPct val="90000"/>
-              </a:lnSpc>
-              <a:spcBef>
-                <a:spcPts val="500"/>
-              </a:spcBef>
-              <a:buFont typeface="Arial" panose="020B0604020202020204" pitchFamily="34" charset="0"/>
-              <a:buChar char="•"/>
-              <a:defRPr sz="2400" kern="1200">
-                <a:solidFill>
-                  <a:schemeClr val="tx1"/>
-                </a:solidFill>
-                <a:latin typeface="+mn-lt"/>
-                <a:ea typeface="+mn-ea"/>
-                <a:cs typeface="+mn-cs"/>
-              </a:defRPr>
-            </a:lvl2pPr>
-            <a:lvl3pPr marL="1143000" indent="-228600" algn="l" defTabSz="914400" rtl="0" eaLnBrk="1" latinLnBrk="0" hangingPunct="1">
-              <a:lnSpc>
-                <a:spcPct val="90000"/>
-              </a:lnSpc>
-              <a:spcBef>
-                <a:spcPts val="500"/>
-              </a:spcBef>
-              <a:buFont typeface="Arial" panose="020B0604020202020204" pitchFamily="34" charset="0"/>
-              <a:buChar char="•"/>
-              <a:defRPr sz="2000" kern="1200">
-                <a:solidFill>
-                  <a:schemeClr val="tx1"/>
-                </a:solidFill>
-                <a:latin typeface="+mn-lt"/>
-                <a:ea typeface="+mn-ea"/>
-                <a:cs typeface="+mn-cs"/>
-              </a:defRPr>
-            </a:lvl3pPr>
-            <a:lvl4pPr marL="1600200" indent="-228600" algn="l" defTabSz="914400" rtl="0" eaLnBrk="1" latinLnBrk="0" hangingPunct="1">
-              <a:lnSpc>
-                <a:spcPct val="90000"/>
-              </a:lnSpc>
-              <a:spcBef>
-                <a:spcPts val="500"/>
-              </a:spcBef>
-              <a:buFont typeface="Arial" panose="020B0604020202020204" pitchFamily="34" charset="0"/>
-              <a:buChar char="•"/>
-              <a:defRPr sz="1800" kern="1200">
-                <a:solidFill>
-                  <a:schemeClr val="tx1"/>
-                </a:solidFill>
-                <a:latin typeface="+mn-lt"/>
-                <a:ea typeface="+mn-ea"/>
-                <a:cs typeface="+mn-cs"/>
-              </a:defRPr>
-            </a:lvl4pPr>
-            <a:lvl5pPr marL="2057400" indent="-228600" algn="l" defTabSz="914400" rtl="0" eaLnBrk="1" latinLnBrk="0" hangingPunct="1">
-              <a:lnSpc>
-                <a:spcPct val="90000"/>
-              </a:lnSpc>
-              <a:spcBef>
-                <a:spcPts val="500"/>
-              </a:spcBef>
-              <a:buFont typeface="Arial" panose="020B0604020202020204" pitchFamily="34" charset="0"/>
-              <a:buChar char="•"/>
-              <a:defRPr sz="1800" kern="1200">
-                <a:solidFill>
-                  <a:schemeClr val="tx1"/>
-                </a:solidFill>
-                <a:latin typeface="+mn-lt"/>
-                <a:ea typeface="+mn-ea"/>
-                <a:cs typeface="+mn-cs"/>
-              </a:defRPr>
-            </a:lvl5pPr>
-            <a:lvl6pPr marL="2514600" indent="-228600" algn="l" defTabSz="914400" rtl="0" eaLnBrk="1" latinLnBrk="0" hangingPunct="1">
-              <a:lnSpc>
-                <a:spcPct val="90000"/>
-              </a:lnSpc>
-              <a:spcBef>
-                <a:spcPts val="500"/>
-              </a:spcBef>
-              <a:buFont typeface="Arial" panose="020B0604020202020204" pitchFamily="34" charset="0"/>
-              <a:buChar char="•"/>
-              <a:defRPr sz="1800" kern="1200">
-                <a:solidFill>
-                  <a:schemeClr val="tx1"/>
-                </a:solidFill>
-                <a:latin typeface="+mn-lt"/>
-                <a:ea typeface="+mn-ea"/>
-                <a:cs typeface="+mn-cs"/>
-              </a:defRPr>
-            </a:lvl6pPr>
-            <a:lvl7pPr marL="2971800" indent="-228600" algn="l" defTabSz="914400" rtl="0" eaLnBrk="1" latinLnBrk="0" hangingPunct="1">
-              <a:lnSpc>
-                <a:spcPct val="90000"/>
-              </a:lnSpc>
-              <a:spcBef>
-                <a:spcPts val="500"/>
-              </a:spcBef>
-              <a:buFont typeface="Arial" panose="020B0604020202020204" pitchFamily="34" charset="0"/>
-              <a:buChar char="•"/>
-              <a:defRPr sz="1800" kern="1200">
-                <a:solidFill>
-                  <a:schemeClr val="tx1"/>
-                </a:solidFill>
-                <a:latin typeface="+mn-lt"/>
-                <a:ea typeface="+mn-ea"/>
-                <a:cs typeface="+mn-cs"/>
-              </a:defRPr>
-            </a:lvl7pPr>
-            <a:lvl8pPr marL="3429000" indent="-228600" algn="l" defTabSz="914400" rtl="0" eaLnBrk="1" latinLnBrk="0" hangingPunct="1">
-              <a:lnSpc>
-                <a:spcPct val="90000"/>
-              </a:lnSpc>
-              <a:spcBef>
-                <a:spcPts val="500"/>
-              </a:spcBef>
-              <a:buFont typeface="Arial" panose="020B0604020202020204" pitchFamily="34" charset="0"/>
-              <a:buChar char="•"/>
-              <a:defRPr sz="1800" kern="1200">
-                <a:solidFill>
-                  <a:schemeClr val="tx1"/>
-                </a:solidFill>
-                <a:latin typeface="+mn-lt"/>
-                <a:ea typeface="+mn-ea"/>
-                <a:cs typeface="+mn-cs"/>
-              </a:defRPr>
-            </a:lvl8pPr>
-            <a:lvl9pPr marL="3886200" indent="-228600" algn="l" defTabSz="914400" rtl="0" eaLnBrk="1" latinLnBrk="0" hangingPunct="1">
-              <a:lnSpc>
-                <a:spcPct val="90000"/>
-              </a:lnSpc>
-              <a:spcBef>
-                <a:spcPts val="500"/>
-              </a:spcBef>
-              <a:buFont typeface="Arial" panose="020B0604020202020204" pitchFamily="34" charset="0"/>
-              <a:buChar char="•"/>
-              <a:defRPr sz="1800" kern="1200">
-                <a:solidFill>
-                  <a:schemeClr val="tx1"/>
-                </a:solidFill>
-                <a:latin typeface="+mn-lt"/>
-                <a:ea typeface="+mn-ea"/>
-                <a:cs typeface="+mn-cs"/>
-              </a:defRPr>
-            </a:lvl9pPr>
-          </a:lstStyle>
-          <a:p>
-            <a:pPr marL="0" indent="0">
-              <a:buNone/>
-            </a:pPr>
-            <a:r>
-              <a:rPr lang="en-IN" sz="2400" dirty="0" smtClean="0">
-                <a:solidFill>
-                  <a:schemeClr val="tx1">
-                    <a:lumMod val="95000"/>
-                  </a:schemeClr>
-                </a:solidFill>
-              </a:rPr>
-              <a:t>void </a:t>
-            </a:r>
-            <a:r>
-              <a:rPr lang="en-IN" sz="2400" dirty="0" err="1" smtClean="0">
-                <a:solidFill>
-                  <a:schemeClr val="tx1">
-                    <a:lumMod val="95000"/>
-                  </a:schemeClr>
-                </a:solidFill>
-              </a:rPr>
-              <a:t>onClick</a:t>
-            </a:r>
-            <a:r>
-              <a:rPr lang="en-IN" sz="2400" dirty="0" smtClean="0">
-                <a:solidFill>
-                  <a:schemeClr val="tx1">
-                    <a:lumMod val="95000"/>
-                  </a:schemeClr>
-                </a:solidFill>
-              </a:rPr>
-              <a:t>()</a:t>
-            </a:r>
-          </a:p>
-          <a:p>
-            <a:pPr marL="0" indent="0">
-              <a:buNone/>
-            </a:pPr>
-            <a:r>
-              <a:rPr lang="en-IN" sz="2400" dirty="0" smtClean="0">
-                <a:solidFill>
-                  <a:schemeClr val="tx1">
-                    <a:lumMod val="95000"/>
-                  </a:schemeClr>
-                </a:solidFill>
-              </a:rPr>
-              <a:t>{</a:t>
-            </a:r>
-          </a:p>
-          <a:p>
-            <a:pPr marL="0" indent="0">
-              <a:buNone/>
-            </a:pPr>
-            <a:r>
-              <a:rPr lang="en-IN" sz="2400" dirty="0">
-                <a:solidFill>
-                  <a:schemeClr val="tx1">
-                    <a:lumMod val="95000"/>
-                  </a:schemeClr>
-                </a:solidFill>
-              </a:rPr>
-              <a:t>	</a:t>
-            </a:r>
-            <a:r>
-              <a:rPr lang="en-IN" sz="2400" dirty="0" smtClean="0">
-                <a:solidFill>
-                  <a:schemeClr val="tx1">
-                    <a:lumMod val="95000"/>
-                  </a:schemeClr>
-                </a:solidFill>
-              </a:rPr>
-              <a:t>String message = </a:t>
-            </a:r>
-            <a:r>
-              <a:rPr lang="en-IN" sz="2400" dirty="0" err="1" smtClean="0">
-                <a:solidFill>
-                  <a:schemeClr val="tx1">
-                    <a:lumMod val="95000"/>
-                  </a:schemeClr>
-                </a:solidFill>
-              </a:rPr>
-              <a:t>mEditText.getText</a:t>
-            </a:r>
-            <a:r>
-              <a:rPr lang="en-IN" sz="2400" dirty="0" smtClean="0">
-                <a:solidFill>
-                  <a:schemeClr val="tx1">
-                    <a:lumMod val="95000"/>
-                  </a:schemeClr>
-                </a:solidFill>
-              </a:rPr>
-              <a:t>().</a:t>
-            </a:r>
-            <a:r>
-              <a:rPr lang="en-IN" sz="2400" dirty="0" err="1" smtClean="0">
-                <a:solidFill>
-                  <a:schemeClr val="tx1">
-                    <a:lumMod val="95000"/>
-                  </a:schemeClr>
-                </a:solidFill>
-              </a:rPr>
-              <a:t>toString</a:t>
-            </a:r>
-            <a:r>
-              <a:rPr lang="en-IN" sz="2400" dirty="0" smtClean="0">
-                <a:solidFill>
-                  <a:schemeClr val="tx1">
-                    <a:lumMod val="95000"/>
-                  </a:schemeClr>
-                </a:solidFill>
-              </a:rPr>
-              <a:t>();</a:t>
-            </a:r>
-          </a:p>
-          <a:p>
-            <a:pPr marL="0" indent="0">
-              <a:buNone/>
-            </a:pPr>
-            <a:r>
-              <a:rPr lang="en-IN" sz="2400" dirty="0">
-                <a:solidFill>
-                  <a:schemeClr val="tx1">
-                    <a:lumMod val="95000"/>
-                  </a:schemeClr>
-                </a:solidFill>
-              </a:rPr>
-              <a:t>	</a:t>
-            </a:r>
-            <a:r>
-              <a:rPr lang="en-IN" sz="2400" dirty="0" err="1" smtClean="0">
-                <a:solidFill>
-                  <a:schemeClr val="tx1">
-                    <a:lumMod val="95000"/>
-                  </a:schemeClr>
-                </a:solidFill>
-              </a:rPr>
-              <a:t>sendMessage</a:t>
-            </a:r>
-            <a:r>
-              <a:rPr lang="en-IN" sz="2400" dirty="0" smtClean="0">
-                <a:solidFill>
-                  <a:schemeClr val="tx1">
-                    <a:lumMod val="95000"/>
-                  </a:schemeClr>
-                </a:solidFill>
-              </a:rPr>
-              <a:t>(message);</a:t>
-            </a:r>
-          </a:p>
-          <a:p>
-            <a:pPr marL="0" indent="0">
-              <a:buNone/>
-            </a:pPr>
-            <a:r>
-              <a:rPr lang="en-IN" sz="2400" dirty="0">
-                <a:solidFill>
-                  <a:schemeClr val="tx1">
-                    <a:lumMod val="95000"/>
-                  </a:schemeClr>
-                </a:solidFill>
-              </a:rPr>
-              <a:t>	</a:t>
-            </a:r>
-            <a:r>
-              <a:rPr lang="en-IN" sz="2400" dirty="0" err="1" smtClean="0">
-                <a:solidFill>
-                  <a:schemeClr val="tx1">
-                    <a:lumMod val="95000"/>
-                  </a:schemeClr>
-                </a:solidFill>
-              </a:rPr>
-              <a:t>mEditText.setText</a:t>
-            </a:r>
-            <a:r>
-              <a:rPr lang="en-IN" sz="2400" dirty="0" smtClean="0">
-                <a:solidFill>
-                  <a:schemeClr val="tx1">
-                    <a:lumMod val="95000"/>
-                  </a:schemeClr>
-                </a:solidFill>
-              </a:rPr>
-              <a:t>(“”);</a:t>
-            </a:r>
-          </a:p>
-          <a:p>
-            <a:pPr marL="0" indent="0">
-              <a:buNone/>
-            </a:pPr>
-            <a:r>
-              <a:rPr lang="en-IN" sz="2400" dirty="0" smtClean="0">
-                <a:solidFill>
-                  <a:schemeClr val="tx1">
-                    <a:lumMod val="95000"/>
-                  </a:schemeClr>
-                </a:solidFill>
-              </a:rPr>
-              <a:t>}</a:t>
-            </a:r>
-            <a:endParaRPr lang="en-IN" sz="2400" dirty="0">
-              <a:solidFill>
-                <a:schemeClr val="tx1">
-                  <a:lumMod val="95000"/>
-                </a:schemeClr>
-              </a:solidFill>
-            </a:endParaRPr>
-          </a:p>
-        </p:txBody>
-      </p:sp>
     </p:spTree>
     <p:extLst>
       <p:ext uri="{BB962C8B-B14F-4D97-AF65-F5344CB8AC3E}">
-        <p14:creationId xmlns:p14="http://schemas.microsoft.com/office/powerpoint/2010/main" val="1566061962"/>
+        <p14:creationId xmlns:p14="http://schemas.microsoft.com/office/powerpoint/2010/main" val="1047218351"/>
       </p:ext>
     </p:extLst>
   </p:cSld>
@@ -16228,17 +16141,7 @@
                   </a:schemeClr>
                 </a:solidFill>
               </a:rPr>
-              <a:t>sendMessage</a:t>
-            </a:r>
-            <a:r>
-              <a:rPr lang="en-IN" sz="4800" dirty="0" smtClean="0">
-                <a:solidFill>
-                  <a:schemeClr val="tx1">
-                    <a:lumMod val="95000"/>
-                  </a:schemeClr>
-                </a:solidFill>
-              </a:rPr>
-              <a:t>(String)</a:t>
+              <a:t>Button.OnClickListener</a:t>
             </a:r>
             <a:endParaRPr lang="en-IN" sz="4800" dirty="0">
               <a:solidFill>
@@ -16457,7 +16360,7 @@
                   </a:schemeClr>
                 </a:solidFill>
               </a:rPr>
-              <a:t>sendMessage</a:t>
+              <a:t>onClick</a:t>
             </a:r>
             <a:r>
               <a:rPr lang="en-IN" sz="2400" dirty="0" smtClean="0">
@@ -16467,7 +16370,7 @@
                   </a:schemeClr>
                 </a:solidFill>
               </a:rPr>
-              <a:t>(String message)</a:t>
+              <a:t>()</a:t>
             </a:r>
           </a:p>
           <a:p>
@@ -16500,63 +16403,88 @@
               <a:t>	</a:t>
             </a:r>
             <a:r>
-              <a:rPr lang="en-IN" sz="2400" dirty="0" err="1" smtClean="0">
+              <a:rPr lang="en-IN" sz="2400" dirty="0" smtClean="0">
                 <a:solidFill>
                   <a:schemeClr val="tx1">
                     <a:lumMod val="95000"/>
                   </a:schemeClr>
                 </a:solidFill>
               </a:rPr>
-              <a:t>ChatMessage</a:t>
-            </a:r>
-            <a:r>
-              <a:rPr lang="en-IN" sz="2400" dirty="0" smtClean="0">
+              <a:t>String message = </a:t>
+            </a:r>
+            <a:r>
+              <a:rPr lang="en-IN" sz="2400" dirty="0" err="1" smtClean="0">
                 <a:solidFill>
                   <a:schemeClr val="tx1">
                     <a:lumMod val="95000"/>
                   </a:schemeClr>
                 </a:solidFill>
               </a:rPr>
-              <a:t> </a:t>
-            </a:r>
-            <a:r>
-              <a:rPr lang="en-IN" sz="2400" dirty="0" err="1" smtClean="0">
+              <a:t>mEditText.getText</a:t>
+            </a:r>
+            <a:r>
+              <a:rPr lang="en-IN" sz="2400" dirty="0" smtClean="0">
                 <a:solidFill>
                   <a:schemeClr val="tx1">
                     <a:lumMod val="95000"/>
                   </a:schemeClr>
                 </a:solidFill>
               </a:rPr>
-              <a:t>chatMessage</a:t>
-            </a:r>
-            <a:r>
-              <a:rPr lang="en-IN" sz="2400" dirty="0" smtClean="0">
+              <a:t>().</a:t>
+            </a:r>
+            <a:r>
+              <a:rPr lang="en-IN" sz="2400" dirty="0" err="1" smtClean="0">
                 <a:solidFill>
                   <a:schemeClr val="tx1">
                     <a:lumMod val="95000"/>
                   </a:schemeClr>
                 </a:solidFill>
               </a:rPr>
-              <a:t> = new </a:t>
-            </a:r>
-            <a:r>
-              <a:rPr lang="en-IN" sz="2400" dirty="0" err="1" smtClean="0">
+              <a:t>toString</a:t>
+            </a:r>
+            <a:r>
+              <a:rPr lang="en-IN" sz="2400" dirty="0" smtClean="0">
                 <a:solidFill>
                   <a:schemeClr val="tx1">
                     <a:lumMod val="95000"/>
                   </a:schemeClr>
                 </a:solidFill>
               </a:rPr>
-              <a:t>ChatMessage</a:t>
-            </a:r>
-            <a:r>
-              <a:rPr lang="en-IN" sz="2400" dirty="0" smtClean="0">
+              <a:t>();</a:t>
+            </a:r>
+          </a:p>
+          <a:p>
+            <a:pPr marL="0" indent="0">
+              <a:buNone/>
+            </a:pPr>
+            <a:r>
+              <a:rPr lang="en-IN" sz="2400" dirty="0">
                 <a:solidFill>
                   <a:schemeClr val="tx1">
                     <a:lumMod val="95000"/>
                   </a:schemeClr>
                 </a:solidFill>
               </a:rPr>
+              <a:t>	</a:t>
+            </a:r>
+            <a:r>
+              <a:rPr lang="en-IN" sz="2400" dirty="0" err="1" smtClean="0">
+                <a:solidFill>
+                  <a:schemeClr val="tx1">
+                    <a:lumMod val="95000"/>
+                  </a:schemeClr>
+                </a:solidFill>
+              </a:rPr>
+              <a:t>sendMessage</a:t>
+            </a:r>
+            <a:r>
+              <a:rPr lang="en-IN" sz="2400" dirty="0" smtClean="0">
+                <a:solidFill>
+                  <a:schemeClr val="tx1">
+                    <a:lumMod val="95000"/>
+                  </a:schemeClr>
+                </a:solidFill>
+              </a:rPr>
               <a:t>(message);</a:t>
             </a:r>
           </a:p>
@@ -16582,7 +16510,7 @@
                   </a:schemeClr>
                 </a:solidFill>
               </a:rPr>
-              <a:t>mAdapter.add</a:t>
+              <a:t>mEditText.setText</a:t>
             </a:r>
             <a:r>
               <a:rPr lang="en-IN" sz="2400" dirty="0" smtClean="0">
@@ -16592,52 +16520,7 @@
                   </a:schemeClr>
                 </a:solidFill>
               </a:rPr>
-              <a:t>(</a:t>
-            </a:r>
-            <a:r>
-              <a:rPr lang="en-IN" sz="2400" dirty="0" err="1" smtClean="0">
-                <a:solidFill>
-                  <a:schemeClr val="tx1">
-                    <a:lumMod val="95000"/>
-                  </a:schemeClr>
-                </a:solidFill>
-              </a:rPr>
-              <a:t>chatMessage</a:t>
-            </a:r>
-            <a:r>
-              <a:rPr lang="en-IN" sz="2400" dirty="0" smtClean="0">
-                <a:solidFill>
-                  <a:schemeClr val="tx1">
-                    <a:lumMod val="95000"/>
-                  </a:schemeClr>
-                </a:solidFill>
-              </a:rPr>
-              <a:t>);</a:t>
-            </a:r>
-          </a:p>
-          <a:p>
-            <a:pPr marL="0" indent="0">
-              <a:buNone/>
-            </a:pPr>
-            <a:r>
-              <a:rPr lang="en-IN" sz="2400" dirty="0">
-                <a:solidFill>
-                  <a:schemeClr val="tx1">
-                    <a:lumMod val="95000"/>
-                  </a:schemeClr>
-                </a:solidFill>
-              </a:rPr>
-              <a:t>	</a:t>
-            </a:r>
-            <a:r>
-              <a:rPr lang="en-IN" sz="2400" dirty="0" smtClean="0">
-                <a:solidFill>
-                  <a:schemeClr val="tx1">
-                    <a:lumMod val="95000"/>
-                  </a:schemeClr>
-                </a:solidFill>
-              </a:rPr>
-              <a:t>// respond to “message”</a:t>
+              <a:t>(“”);</a:t>
             </a:r>
           </a:p>
           <a:p>
@@ -16667,7 +16550,7 @@
     </p:spTree>
     <p:extLst>
       <p:ext uri="{BB962C8B-B14F-4D97-AF65-F5344CB8AC3E}">
-        <p14:creationId xmlns:p14="http://schemas.microsoft.com/office/powerpoint/2010/main" val="1493095513"/>
+        <p14:creationId xmlns:p14="http://schemas.microsoft.com/office/powerpoint/2010/main" val="1566061962"/>
       </p:ext>
     </p:extLst>
   </p:cSld>
@@ -16891,14 +16774,24 @@
               <a:buNone/>
             </a:pPr>
             <a:r>
-              <a:rPr lang="en-IN" sz="4800" dirty="0" smtClean="0">
+              <a:rPr lang="en-IN" sz="4800" dirty="0" err="1" smtClean="0">
                 <a:solidFill>
                   <a:schemeClr val="tx1">
                     <a:lumMod val="95000"/>
                   </a:schemeClr>
                 </a:solidFill>
               </a:rPr>
-              <a:t>Bot response</a:t>
+              <a:t>sendMessage</a:t>
+            </a:r>
+            <a:r>
+              <a:rPr lang="en-IN" sz="4800" dirty="0" smtClean="0">
+                <a:solidFill>
+                  <a:schemeClr val="tx1">
+                    <a:lumMod val="95000"/>
+                  </a:schemeClr>
+                </a:solidFill>
+              </a:rPr>
+              <a:t>(String)</a:t>
             </a:r>
             <a:endParaRPr lang="en-IN" sz="4800" dirty="0">
               <a:solidFill>
@@ -17107,7 +17000,7 @@
                   </a:schemeClr>
                 </a:solidFill>
               </a:rPr>
-              <a:t>Bot </a:t>
+              <a:t>void </a:t>
             </a:r>
             <a:r>
               <a:rPr lang="en-IN" sz="2400" dirty="0" err="1" smtClean="0">
@@ -17117,7 +17010,7 @@
                   </a:schemeClr>
                 </a:solidFill>
               </a:rPr>
-              <a:t>bot</a:t>
+              <a:t>sendMessage</a:t>
             </a:r>
             <a:r>
               <a:rPr lang="en-IN" sz="2400" dirty="0" smtClean="0">
@@ -17127,13 +17020,193 @@
                   </a:schemeClr>
                 </a:solidFill>
               </a:rPr>
-              <a:t> = new Bot();</a:t>
+              <a:t>(String message)</a:t>
             </a:r>
           </a:p>
           <a:p>
             <a:pPr marL="0" indent="0">
               <a:buNone/>
             </a:pPr>
+            <a:r>
+              <a:rPr lang="en-IN" sz="2400" dirty="0" smtClean="0">
+                <a:solidFill>
+                  <a:schemeClr val="tx1">
+                    <a:lumMod val="95000"/>
+                  </a:schemeClr>
+                </a:solidFill>
+              </a:rPr>
+              <a:t>{</a:t>
+            </a:r>
+          </a:p>
+          <a:p>
+            <a:pPr marL="0" indent="0">
+              <a:buNone/>
+            </a:pPr>
+            <a:r>
+              <a:rPr lang="en-IN" sz="2400" dirty="0">
+                <a:solidFill>
+                  <a:schemeClr val="tx1">
+                    <a:lumMod val="95000"/>
+                  </a:schemeClr>
+                </a:solidFill>
+              </a:rPr>
+              <a:t>	</a:t>
+            </a:r>
+            <a:r>
+              <a:rPr lang="en-IN" sz="2400" dirty="0" err="1" smtClean="0">
+                <a:solidFill>
+                  <a:schemeClr val="tx1">
+                    <a:lumMod val="95000"/>
+                  </a:schemeClr>
+                </a:solidFill>
+              </a:rPr>
+              <a:t>ChatMessage</a:t>
+            </a:r>
+            <a:r>
+              <a:rPr lang="en-IN" sz="2400" dirty="0" smtClean="0">
+                <a:solidFill>
+                  <a:schemeClr val="tx1">
+                    <a:lumMod val="95000"/>
+                  </a:schemeClr>
+                </a:solidFill>
+              </a:rPr>
+              <a:t> </a:t>
+            </a:r>
+            <a:r>
+              <a:rPr lang="en-IN" sz="2400" dirty="0" err="1" smtClean="0">
+                <a:solidFill>
+                  <a:schemeClr val="tx1">
+                    <a:lumMod val="95000"/>
+                  </a:schemeClr>
+                </a:solidFill>
+              </a:rPr>
+              <a:t>chatMessage</a:t>
+            </a:r>
+            <a:r>
+              <a:rPr lang="en-IN" sz="2400" dirty="0" smtClean="0">
+                <a:solidFill>
+                  <a:schemeClr val="tx1">
+                    <a:lumMod val="95000"/>
+                  </a:schemeClr>
+                </a:solidFill>
+              </a:rPr>
+              <a:t> = new </a:t>
+            </a:r>
+            <a:r>
+              <a:rPr lang="en-IN" sz="2400" dirty="0" err="1" smtClean="0">
+                <a:solidFill>
+                  <a:schemeClr val="tx1">
+                    <a:lumMod val="95000"/>
+                  </a:schemeClr>
+                </a:solidFill>
+              </a:rPr>
+              <a:t>ChatMessage</a:t>
+            </a:r>
+            <a:r>
+              <a:rPr lang="en-IN" sz="2400" dirty="0" smtClean="0">
+                <a:solidFill>
+                  <a:schemeClr val="tx1">
+                    <a:lumMod val="95000"/>
+                  </a:schemeClr>
+                </a:solidFill>
+              </a:rPr>
+              <a:t>(message);</a:t>
+            </a:r>
+          </a:p>
+          <a:p>
+            <a:pPr marL="0" indent="0">
+              <a:buNone/>
+            </a:pPr>
+            <a:r>
+              <a:rPr lang="en-IN" sz="2400" dirty="0">
+                <a:solidFill>
+                  <a:schemeClr val="tx1">
+                    <a:lumMod val="95000"/>
+                  </a:schemeClr>
+                </a:solidFill>
+              </a:rPr>
+              <a:t>	</a:t>
+            </a:r>
+            <a:r>
+              <a:rPr lang="en-IN" sz="2400" dirty="0" err="1" smtClean="0">
+                <a:solidFill>
+                  <a:schemeClr val="tx1">
+                    <a:lumMod val="95000"/>
+                  </a:schemeClr>
+                </a:solidFill>
+              </a:rPr>
+              <a:t>mAdapter.add</a:t>
+            </a:r>
+            <a:r>
+              <a:rPr lang="en-IN" sz="2400" dirty="0" smtClean="0">
+                <a:solidFill>
+                  <a:schemeClr val="tx1">
+                    <a:lumMod val="95000"/>
+                  </a:schemeClr>
+                </a:solidFill>
+              </a:rPr>
+              <a:t>(</a:t>
+            </a:r>
+            <a:r>
+              <a:rPr lang="en-IN" sz="2400" dirty="0" err="1" smtClean="0">
+                <a:solidFill>
+                  <a:schemeClr val="tx1">
+                    <a:lumMod val="95000"/>
+                  </a:schemeClr>
+                </a:solidFill>
+              </a:rPr>
+              <a:t>chatMessage</a:t>
+            </a:r>
+            <a:r>
+              <a:rPr lang="en-IN" sz="2400" dirty="0" smtClean="0">
+                <a:solidFill>
+                  <a:schemeClr val="tx1">
+                    <a:lumMod val="95000"/>
+                  </a:schemeClr>
+                </a:solidFill>
+              </a:rPr>
+              <a:t>);</a:t>
+            </a:r>
+          </a:p>
+          <a:p>
+            <a:pPr marL="0" indent="0">
+              <a:buNone/>
+            </a:pPr>
+            <a:r>
+              <a:rPr lang="en-IN" sz="2400" dirty="0">
+                <a:solidFill>
+                  <a:schemeClr val="tx1">
+                    <a:lumMod val="95000"/>
+                  </a:schemeClr>
+                </a:solidFill>
+              </a:rPr>
+              <a:t>	</a:t>
+            </a:r>
+            <a:r>
+              <a:rPr lang="en-IN" sz="2400" dirty="0" smtClean="0">
+                <a:solidFill>
+                  <a:schemeClr val="tx1">
+                    <a:lumMod val="95000"/>
+                  </a:schemeClr>
+                </a:solidFill>
+              </a:rPr>
+              <a:t>// respond to “message”</a:t>
+            </a:r>
+          </a:p>
+          <a:p>
+            <a:pPr marL="0" indent="0">
+              <a:buNone/>
+            </a:pPr>
+            <a:r>
+              <a:rPr lang="en-IN" sz="2400" dirty="0" smtClean="0">
+                <a:solidFill>
+                  <a:schemeClr val="tx1">
+                    <a:lumMod val="95000"/>
+                  </a:schemeClr>
+                </a:solidFill>
+              </a:rPr>
+              <a:t>}</a:t>
+            </a:r>
             <a:endParaRPr lang="en-IN" sz="2400" dirty="0">
               <a:solidFill>
                 <a:schemeClr val="tx1">
@@ -17142,54 +17215,12 @@
               </a:solidFill>
             </a:endParaRPr>
           </a:p>
-          <a:p>
-            <a:pPr marL="0" indent="0">
-              <a:buNone/>
-            </a:pPr>
-            <a:r>
-              <a:rPr lang="en-IN" sz="2400" dirty="0" smtClean="0">
-                <a:solidFill>
-                  <a:schemeClr val="tx1">
-                    <a:lumMod val="95000"/>
-                  </a:schemeClr>
-                </a:solidFill>
-              </a:rPr>
-              <a:t>String response = </a:t>
-            </a:r>
-            <a:r>
-              <a:rPr lang="en-IN" sz="2400" dirty="0" err="1" smtClean="0">
-                <a:solidFill>
-                  <a:schemeClr val="tx1">
-                    <a:lumMod val="95000"/>
-                  </a:schemeClr>
-                </a:solidFill>
-              </a:rPr>
-              <a:t>bot.multiSentenceResponse</a:t>
-            </a:r>
-            <a:r>
-              <a:rPr lang="en-IN" sz="2400" dirty="0" smtClean="0">
-                <a:solidFill>
-                  <a:schemeClr val="tx1">
-                    <a:lumMod val="95000"/>
-                  </a:schemeClr>
-                </a:solidFill>
-              </a:rPr>
-              <a:t>(message);</a:t>
-            </a:r>
-            <a:endParaRPr lang="en-IN" sz="2400" dirty="0">
-              <a:solidFill>
-                <a:schemeClr val="tx1">
-                  <a:lumMod val="95000"/>
-                </a:schemeClr>
-              </a:solidFill>
-            </a:endParaRPr>
-          </a:p>
         </p:txBody>
       </p:sp>
     </p:spTree>
     <p:extLst>
       <p:ext uri="{BB962C8B-B14F-4D97-AF65-F5344CB8AC3E}">
-        <p14:creationId xmlns:p14="http://schemas.microsoft.com/office/powerpoint/2010/main" val="1672752457"/>
+        <p14:creationId xmlns:p14="http://schemas.microsoft.com/office/powerpoint/2010/main" val="1493095513"/>
       </p:ext>
     </p:extLst>
   </p:cSld>
@@ -17622,64 +17653,34 @@
               <a:buNone/>
             </a:pPr>
             <a:r>
-              <a:rPr lang="en-IN" sz="2400" dirty="0" err="1" smtClean="0">
+              <a:rPr lang="en-IN" sz="2400" dirty="0" smtClean="0">
                 <a:solidFill>
                   <a:schemeClr val="tx1">
                     <a:lumMod val="95000"/>
                   </a:schemeClr>
                 </a:solidFill>
               </a:rPr>
-              <a:t>ChatMessage</a:t>
-            </a:r>
-            <a:r>
-              <a:rPr lang="en-IN" sz="2400" dirty="0" smtClean="0">
+              <a:t>Bot </a:t>
+            </a:r>
+            <a:r>
+              <a:rPr lang="en-IN" sz="2400" dirty="0" err="1" smtClean="0">
                 <a:solidFill>
                   <a:schemeClr val="tx1">
                     <a:lumMod val="95000"/>
                   </a:schemeClr>
                 </a:solidFill>
               </a:rPr>
-              <a:t> </a:t>
-            </a:r>
-            <a:r>
-              <a:rPr lang="en-IN" sz="2400" dirty="0" err="1" smtClean="0">
+              <a:t>bot</a:t>
+            </a:r>
+            <a:r>
+              <a:rPr lang="en-IN" sz="2400" dirty="0" smtClean="0">
                 <a:solidFill>
                   <a:schemeClr val="tx1">
                     <a:lumMod val="95000"/>
                   </a:schemeClr>
                 </a:solidFill>
               </a:rPr>
-              <a:t>chatMessage</a:t>
-            </a:r>
-            <a:r>
-              <a:rPr lang="en-IN" sz="2400" dirty="0" smtClean="0">
-                <a:solidFill>
-                  <a:schemeClr val="tx1">
-                    <a:lumMod val="95000"/>
-                  </a:schemeClr>
-                </a:solidFill>
-              </a:rPr>
-              <a:t> = new </a:t>
-            </a:r>
-            <a:r>
-              <a:rPr lang="en-IN" sz="2400" dirty="0" err="1" smtClean="0">
-                <a:solidFill>
-                  <a:schemeClr val="tx1">
-                    <a:lumMod val="95000"/>
-                  </a:schemeClr>
-                </a:solidFill>
-              </a:rPr>
-              <a:t>ChatMessage</a:t>
-            </a:r>
-            <a:r>
-              <a:rPr lang="en-IN" sz="2400" dirty="0" smtClean="0">
-                <a:solidFill>
-                  <a:schemeClr val="tx1">
-                    <a:lumMod val="95000"/>
-                  </a:schemeClr>
-                </a:solidFill>
-              </a:rPr>
-              <a:t>(response);</a:t>
+              <a:t> = new Bot();</a:t>
             </a:r>
           </a:p>
           <a:p>
@@ -17699,44 +17700,34 @@
               <a:buNone/>
             </a:pPr>
             <a:r>
-              <a:rPr lang="en-IN" sz="2400" dirty="0" err="1" smtClean="0">
+              <a:rPr lang="en-IN" sz="2400" dirty="0" smtClean="0">
                 <a:solidFill>
                   <a:schemeClr val="tx1">
                     <a:lumMod val="95000"/>
                   </a:schemeClr>
                 </a:solidFill>
               </a:rPr>
-              <a:t>mAdapter.add</a:t>
-            </a:r>
-            <a:r>
-              <a:rPr lang="en-IN" sz="2400" dirty="0" smtClean="0">
+              <a:t>String response = </a:t>
+            </a:r>
+            <a:r>
+              <a:rPr lang="en-IN" sz="2400" dirty="0" err="1" smtClean="0">
                 <a:solidFill>
                   <a:schemeClr val="tx1">
                     <a:lumMod val="95000"/>
                   </a:schemeClr>
                 </a:solidFill>
               </a:rPr>
-              <a:t>(</a:t>
-            </a:r>
-            <a:r>
-              <a:rPr lang="en-IN" sz="2400" dirty="0" err="1" smtClean="0">
+              <a:t>bot.multiSentenceResponse</a:t>
+            </a:r>
+            <a:r>
+              <a:rPr lang="en-IN" sz="2400" dirty="0" smtClean="0">
                 <a:solidFill>
                   <a:schemeClr val="tx1">
                     <a:lumMod val="95000"/>
                   </a:schemeClr>
                 </a:solidFill>
               </a:rPr>
-              <a:t>chatMessage</a:t>
-            </a:r>
-            <a:r>
-              <a:rPr lang="en-IN" sz="2400" dirty="0" smtClean="0">
-                <a:solidFill>
-                  <a:schemeClr val="tx1">
-                    <a:lumMod val="95000"/>
-                  </a:schemeClr>
-                </a:solidFill>
-              </a:rPr>
-              <a:t>);</a:t>
+              <a:t>(message);</a:t>
             </a:r>
             <a:endParaRPr lang="en-IN" sz="2400" dirty="0">
               <a:solidFill>
@@ -17751,7 +17742,7 @@
     </p:spTree>
     <p:extLst>
       <p:ext uri="{BB962C8B-B14F-4D97-AF65-F5344CB8AC3E}">
-        <p14:creationId xmlns:p14="http://schemas.microsoft.com/office/powerpoint/2010/main" val="4200523333"/>
+        <p14:creationId xmlns:p14="http://schemas.microsoft.com/office/powerpoint/2010/main" val="1672752457"/>
       </p:ext>
     </p:extLst>
   </p:cSld>
@@ -17982,7 +17973,7 @@
                   </a:schemeClr>
                 </a:solidFill>
               </a:rPr>
-              <a:t>Chat History</a:t>
+              <a:t>Bot response</a:t>
             </a:r>
             <a:endParaRPr lang="en-IN" sz="4800" dirty="0">
               <a:solidFill>
@@ -18180,6 +18171,568 @@
             </a:lvl9pPr>
           </a:lstStyle>
           <a:p>
+            <a:pPr marL="0" indent="0">
+              <a:buNone/>
+            </a:pPr>
+            <a:r>
+              <a:rPr lang="en-IN" sz="2400" dirty="0" err="1" smtClean="0">
+                <a:solidFill>
+                  <a:schemeClr val="tx1">
+                    <a:lumMod val="95000"/>
+                  </a:schemeClr>
+                </a:solidFill>
+              </a:rPr>
+              <a:t>ChatMessage</a:t>
+            </a:r>
+            <a:r>
+              <a:rPr lang="en-IN" sz="2400" dirty="0" smtClean="0">
+                <a:solidFill>
+                  <a:schemeClr val="tx1">
+                    <a:lumMod val="95000"/>
+                  </a:schemeClr>
+                </a:solidFill>
+              </a:rPr>
+              <a:t> </a:t>
+            </a:r>
+            <a:r>
+              <a:rPr lang="en-IN" sz="2400" dirty="0" err="1" smtClean="0">
+                <a:solidFill>
+                  <a:schemeClr val="tx1">
+                    <a:lumMod val="95000"/>
+                  </a:schemeClr>
+                </a:solidFill>
+              </a:rPr>
+              <a:t>chatMessage</a:t>
+            </a:r>
+            <a:r>
+              <a:rPr lang="en-IN" sz="2400" dirty="0" smtClean="0">
+                <a:solidFill>
+                  <a:schemeClr val="tx1">
+                    <a:lumMod val="95000"/>
+                  </a:schemeClr>
+                </a:solidFill>
+              </a:rPr>
+              <a:t> = new </a:t>
+            </a:r>
+            <a:r>
+              <a:rPr lang="en-IN" sz="2400" dirty="0" err="1" smtClean="0">
+                <a:solidFill>
+                  <a:schemeClr val="tx1">
+                    <a:lumMod val="95000"/>
+                  </a:schemeClr>
+                </a:solidFill>
+              </a:rPr>
+              <a:t>ChatMessage</a:t>
+            </a:r>
+            <a:r>
+              <a:rPr lang="en-IN" sz="2400" dirty="0" smtClean="0">
+                <a:solidFill>
+                  <a:schemeClr val="tx1">
+                    <a:lumMod val="95000"/>
+                  </a:schemeClr>
+                </a:solidFill>
+              </a:rPr>
+              <a:t>(response);</a:t>
+            </a:r>
+          </a:p>
+          <a:p>
+            <a:pPr marL="0" indent="0">
+              <a:buNone/>
+            </a:pPr>
+            <a:endParaRPr lang="en-IN" sz="2400" dirty="0">
+              <a:solidFill>
+                <a:schemeClr val="tx1">
+                  <a:lumMod val="95000"/>
+                </a:schemeClr>
+              </a:solidFill>
+            </a:endParaRPr>
+          </a:p>
+          <a:p>
+            <a:pPr marL="0" indent="0">
+              <a:buNone/>
+            </a:pPr>
+            <a:r>
+              <a:rPr lang="en-IN" sz="2400" dirty="0" err="1" smtClean="0">
+                <a:solidFill>
+                  <a:schemeClr val="tx1">
+                    <a:lumMod val="95000"/>
+                  </a:schemeClr>
+                </a:solidFill>
+              </a:rPr>
+              <a:t>mAdapter.add</a:t>
+            </a:r>
+            <a:r>
+              <a:rPr lang="en-IN" sz="2400" dirty="0" smtClean="0">
+                <a:solidFill>
+                  <a:schemeClr val="tx1">
+                    <a:lumMod val="95000"/>
+                  </a:schemeClr>
+                </a:solidFill>
+              </a:rPr>
+              <a:t>(</a:t>
+            </a:r>
+            <a:r>
+              <a:rPr lang="en-IN" sz="2400" dirty="0" err="1" smtClean="0">
+                <a:solidFill>
+                  <a:schemeClr val="tx1">
+                    <a:lumMod val="95000"/>
+                  </a:schemeClr>
+                </a:solidFill>
+              </a:rPr>
+              <a:t>chatMessage</a:t>
+            </a:r>
+            <a:r>
+              <a:rPr lang="en-IN" sz="2400" dirty="0" smtClean="0">
+                <a:solidFill>
+                  <a:schemeClr val="tx1">
+                    <a:lumMod val="95000"/>
+                  </a:schemeClr>
+                </a:solidFill>
+              </a:rPr>
+              <a:t>);</a:t>
+            </a:r>
+            <a:endParaRPr lang="en-IN" sz="2400" dirty="0">
+              <a:solidFill>
+                <a:schemeClr val="tx1">
+                  <a:lumMod val="95000"/>
+                </a:schemeClr>
+              </a:solidFill>
+            </a:endParaRPr>
+          </a:p>
+        </p:txBody>
+      </p:sp>
+    </p:spTree>
+    <p:extLst>
+      <p:ext uri="{BB962C8B-B14F-4D97-AF65-F5344CB8AC3E}">
+        <p14:creationId xmlns:p14="http://schemas.microsoft.com/office/powerpoint/2010/main" val="4200523333"/>
+      </p:ext>
+    </p:extLst>
+  </p:cSld>
+  <p:clrMapOvr>
+    <a:masterClrMapping/>
+  </p:clrMapOvr>
+  <p:timing>
+    <p:tnLst>
+      <p:par>
+        <p:cTn id="1" dur="indefinite" restart="never" nodeType="tmRoot"/>
+      </p:par>
+    </p:tnLst>
+  </p:timing>
+</p:sld>
+</file>
+
+<file path=ppt/slides/slide36.xml><?xml version="1.0" encoding="utf-8"?>
+<p:sld xmlns:a="http://schemas.openxmlformats.org/drawingml/2006/main" xmlns:r="http://schemas.openxmlformats.org/officeDocument/2006/relationships" xmlns:p="http://schemas.openxmlformats.org/presentationml/2006/main">
+  <p:cSld>
+    <p:spTree>
+      <p:nvGrpSpPr>
+        <p:cNvPr id="1" name=""/>
+        <p:cNvGrpSpPr/>
+        <p:nvPr/>
+      </p:nvGrpSpPr>
+      <p:grpSpPr>
+        <a:xfrm>
+          <a:off x="0" y="0"/>
+          <a:ext cx="0" cy="0"/>
+          <a:chOff x="0" y="0"/>
+          <a:chExt cx="0" cy="0"/>
+        </a:xfrm>
+      </p:grpSpPr>
+      <p:sp>
+        <p:nvSpPr>
+          <p:cNvPr id="5" name="Subtitle 2"/>
+          <p:cNvSpPr txBox="1">
+            <a:spLocks/>
+          </p:cNvSpPr>
+          <p:nvPr/>
+        </p:nvSpPr>
+        <p:spPr>
+          <a:xfrm>
+            <a:off x="1632246" y="521475"/>
+            <a:ext cx="9212366" cy="428625"/>
+          </a:xfrm>
+          <a:prstGeom prst="rect">
+            <a:avLst/>
+          </a:prstGeom>
+        </p:spPr>
+        <p:txBody>
+          <a:bodyPr vert="horz" lIns="91440" tIns="45720" rIns="91440" bIns="45720" rtlCol="0">
+            <a:noAutofit/>
+          </a:bodyPr>
+          <a:lstStyle>
+            <a:lvl1pPr marL="228600" indent="-228600" algn="l" defTabSz="914400" rtl="0" eaLnBrk="1" latinLnBrk="0" hangingPunct="1">
+              <a:lnSpc>
+                <a:spcPct val="90000"/>
+              </a:lnSpc>
+              <a:spcBef>
+                <a:spcPts val="1000"/>
+              </a:spcBef>
+              <a:buFont typeface="Arial" panose="020B0604020202020204" pitchFamily="34" charset="0"/>
+              <a:buChar char="•"/>
+              <a:defRPr sz="2800" kern="1200">
+                <a:solidFill>
+                  <a:schemeClr val="tx1"/>
+                </a:solidFill>
+                <a:latin typeface="+mn-lt"/>
+                <a:ea typeface="+mn-ea"/>
+                <a:cs typeface="+mn-cs"/>
+              </a:defRPr>
+            </a:lvl1pPr>
+            <a:lvl2pPr marL="685800" indent="-228600" algn="l" defTabSz="914400" rtl="0" eaLnBrk="1" latinLnBrk="0" hangingPunct="1">
+              <a:lnSpc>
+                <a:spcPct val="90000"/>
+              </a:lnSpc>
+              <a:spcBef>
+                <a:spcPts val="500"/>
+              </a:spcBef>
+              <a:buFont typeface="Arial" panose="020B0604020202020204" pitchFamily="34" charset="0"/>
+              <a:buChar char="•"/>
+              <a:defRPr sz="2400" kern="1200">
+                <a:solidFill>
+                  <a:schemeClr val="tx1"/>
+                </a:solidFill>
+                <a:latin typeface="+mn-lt"/>
+                <a:ea typeface="+mn-ea"/>
+                <a:cs typeface="+mn-cs"/>
+              </a:defRPr>
+            </a:lvl2pPr>
+            <a:lvl3pPr marL="1143000" indent="-228600" algn="l" defTabSz="914400" rtl="0" eaLnBrk="1" latinLnBrk="0" hangingPunct="1">
+              <a:lnSpc>
+                <a:spcPct val="90000"/>
+              </a:lnSpc>
+              <a:spcBef>
+                <a:spcPts val="500"/>
+              </a:spcBef>
+              <a:buFont typeface="Arial" panose="020B0604020202020204" pitchFamily="34" charset="0"/>
+              <a:buChar char="•"/>
+              <a:defRPr sz="2000" kern="1200">
+                <a:solidFill>
+                  <a:schemeClr val="tx1"/>
+                </a:solidFill>
+                <a:latin typeface="+mn-lt"/>
+                <a:ea typeface="+mn-ea"/>
+                <a:cs typeface="+mn-cs"/>
+              </a:defRPr>
+            </a:lvl3pPr>
+            <a:lvl4pPr marL="1600200" indent="-228600" algn="l" defTabSz="914400" rtl="0" eaLnBrk="1" latinLnBrk="0" hangingPunct="1">
+              <a:lnSpc>
+                <a:spcPct val="90000"/>
+              </a:lnSpc>
+              <a:spcBef>
+                <a:spcPts val="500"/>
+              </a:spcBef>
+              <a:buFont typeface="Arial" panose="020B0604020202020204" pitchFamily="34" charset="0"/>
+              <a:buChar char="•"/>
+              <a:defRPr sz="1800" kern="1200">
+                <a:solidFill>
+                  <a:schemeClr val="tx1"/>
+                </a:solidFill>
+                <a:latin typeface="+mn-lt"/>
+                <a:ea typeface="+mn-ea"/>
+                <a:cs typeface="+mn-cs"/>
+              </a:defRPr>
+            </a:lvl4pPr>
+            <a:lvl5pPr marL="2057400" indent="-228600" algn="l" defTabSz="914400" rtl="0" eaLnBrk="1" latinLnBrk="0" hangingPunct="1">
+              <a:lnSpc>
+                <a:spcPct val="90000"/>
+              </a:lnSpc>
+              <a:spcBef>
+                <a:spcPts val="500"/>
+              </a:spcBef>
+              <a:buFont typeface="Arial" panose="020B0604020202020204" pitchFamily="34" charset="0"/>
+              <a:buChar char="•"/>
+              <a:defRPr sz="1800" kern="1200">
+                <a:solidFill>
+                  <a:schemeClr val="tx1"/>
+                </a:solidFill>
+                <a:latin typeface="+mn-lt"/>
+                <a:ea typeface="+mn-ea"/>
+                <a:cs typeface="+mn-cs"/>
+              </a:defRPr>
+            </a:lvl5pPr>
+            <a:lvl6pPr marL="2514600" indent="-228600" algn="l" defTabSz="914400" rtl="0" eaLnBrk="1" latinLnBrk="0" hangingPunct="1">
+              <a:lnSpc>
+                <a:spcPct val="90000"/>
+              </a:lnSpc>
+              <a:spcBef>
+                <a:spcPts val="500"/>
+              </a:spcBef>
+              <a:buFont typeface="Arial" panose="020B0604020202020204" pitchFamily="34" charset="0"/>
+              <a:buChar char="•"/>
+              <a:defRPr sz="1800" kern="1200">
+                <a:solidFill>
+                  <a:schemeClr val="tx1"/>
+                </a:solidFill>
+                <a:latin typeface="+mn-lt"/>
+                <a:ea typeface="+mn-ea"/>
+                <a:cs typeface="+mn-cs"/>
+              </a:defRPr>
+            </a:lvl6pPr>
+            <a:lvl7pPr marL="2971800" indent="-228600" algn="l" defTabSz="914400" rtl="0" eaLnBrk="1" latinLnBrk="0" hangingPunct="1">
+              <a:lnSpc>
+                <a:spcPct val="90000"/>
+              </a:lnSpc>
+              <a:spcBef>
+                <a:spcPts val="500"/>
+              </a:spcBef>
+              <a:buFont typeface="Arial" panose="020B0604020202020204" pitchFamily="34" charset="0"/>
+              <a:buChar char="•"/>
+              <a:defRPr sz="1800" kern="1200">
+                <a:solidFill>
+                  <a:schemeClr val="tx1"/>
+                </a:solidFill>
+                <a:latin typeface="+mn-lt"/>
+                <a:ea typeface="+mn-ea"/>
+                <a:cs typeface="+mn-cs"/>
+              </a:defRPr>
+            </a:lvl7pPr>
+            <a:lvl8pPr marL="3429000" indent="-228600" algn="l" defTabSz="914400" rtl="0" eaLnBrk="1" latinLnBrk="0" hangingPunct="1">
+              <a:lnSpc>
+                <a:spcPct val="90000"/>
+              </a:lnSpc>
+              <a:spcBef>
+                <a:spcPts val="500"/>
+              </a:spcBef>
+              <a:buFont typeface="Arial" panose="020B0604020202020204" pitchFamily="34" charset="0"/>
+              <a:buChar char="•"/>
+              <a:defRPr sz="1800" kern="1200">
+                <a:solidFill>
+                  <a:schemeClr val="tx1"/>
+                </a:solidFill>
+                <a:latin typeface="+mn-lt"/>
+                <a:ea typeface="+mn-ea"/>
+                <a:cs typeface="+mn-cs"/>
+              </a:defRPr>
+            </a:lvl8pPr>
+            <a:lvl9pPr marL="3886200" indent="-228600" algn="l" defTabSz="914400" rtl="0" eaLnBrk="1" latinLnBrk="0" hangingPunct="1">
+              <a:lnSpc>
+                <a:spcPct val="90000"/>
+              </a:lnSpc>
+              <a:spcBef>
+                <a:spcPts val="500"/>
+              </a:spcBef>
+              <a:buFont typeface="Arial" panose="020B0604020202020204" pitchFamily="34" charset="0"/>
+              <a:buChar char="•"/>
+              <a:defRPr sz="1800" kern="1200">
+                <a:solidFill>
+                  <a:schemeClr val="tx1"/>
+                </a:solidFill>
+                <a:latin typeface="+mn-lt"/>
+                <a:ea typeface="+mn-ea"/>
+                <a:cs typeface="+mn-cs"/>
+              </a:defRPr>
+            </a:lvl9pPr>
+          </a:lstStyle>
+          <a:p>
+            <a:pPr marL="0" indent="0" algn="ctr">
+              <a:buNone/>
+            </a:pPr>
+            <a:r>
+              <a:rPr lang="en-IN" sz="4800" dirty="0" smtClean="0">
+                <a:solidFill>
+                  <a:schemeClr val="tx1">
+                    <a:lumMod val="95000"/>
+                  </a:schemeClr>
+                </a:solidFill>
+              </a:rPr>
+              <a:t>Chat History</a:t>
+            </a:r>
+            <a:endParaRPr lang="en-IN" sz="4800" dirty="0">
+              <a:solidFill>
+                <a:schemeClr val="tx1">
+                  <a:lumMod val="95000"/>
+                </a:schemeClr>
+              </a:solidFill>
+            </a:endParaRPr>
+          </a:p>
+        </p:txBody>
+      </p:sp>
+      <p:sp>
+        <p:nvSpPr>
+          <p:cNvPr id="6" name="Subtitle 2"/>
+          <p:cNvSpPr txBox="1">
+            <a:spLocks/>
+          </p:cNvSpPr>
+          <p:nvPr/>
+        </p:nvSpPr>
+        <p:spPr>
+          <a:xfrm>
+            <a:off x="1861559" y="1904470"/>
+            <a:ext cx="9212366" cy="3752846"/>
+          </a:xfrm>
+          <a:prstGeom prst="rect">
+            <a:avLst/>
+          </a:prstGeom>
+        </p:spPr>
+        <p:txBody>
+          <a:bodyPr vert="horz" lIns="91440" tIns="45720" rIns="91440" bIns="45720" rtlCol="0">
+            <a:noAutofit/>
+          </a:bodyPr>
+          <a:lstStyle>
+            <a:lvl1pPr marL="228600" indent="-228600" algn="l" defTabSz="914400" rtl="0" eaLnBrk="1" latinLnBrk="0" hangingPunct="1">
+              <a:lnSpc>
+                <a:spcPct val="90000"/>
+              </a:lnSpc>
+              <a:spcBef>
+                <a:spcPts val="1000"/>
+              </a:spcBef>
+              <a:buFont typeface="Arial" panose="020B0604020202020204" pitchFamily="34" charset="0"/>
+              <a:buChar char="•"/>
+              <a:defRPr sz="2800" kern="1200">
+                <a:solidFill>
+                  <a:schemeClr val="tx1"/>
+                </a:solidFill>
+                <a:latin typeface="+mn-lt"/>
+                <a:ea typeface="+mn-ea"/>
+                <a:cs typeface="+mn-cs"/>
+              </a:defRPr>
+            </a:lvl1pPr>
+            <a:lvl2pPr marL="685800" indent="-228600" algn="l" defTabSz="914400" rtl="0" eaLnBrk="1" latinLnBrk="0" hangingPunct="1">
+              <a:lnSpc>
+                <a:spcPct val="90000"/>
+              </a:lnSpc>
+              <a:spcBef>
+                <a:spcPts val="500"/>
+              </a:spcBef>
+              <a:buFont typeface="Arial" panose="020B0604020202020204" pitchFamily="34" charset="0"/>
+              <a:buChar char="•"/>
+              <a:defRPr sz="2400" kern="1200">
+                <a:solidFill>
+                  <a:schemeClr val="tx1"/>
+                </a:solidFill>
+                <a:latin typeface="+mn-lt"/>
+                <a:ea typeface="+mn-ea"/>
+                <a:cs typeface="+mn-cs"/>
+              </a:defRPr>
+            </a:lvl2pPr>
+            <a:lvl3pPr marL="1143000" indent="-228600" algn="l" defTabSz="914400" rtl="0" eaLnBrk="1" latinLnBrk="0" hangingPunct="1">
+              <a:lnSpc>
+                <a:spcPct val="90000"/>
+              </a:lnSpc>
+              <a:spcBef>
+                <a:spcPts val="500"/>
+              </a:spcBef>
+              <a:buFont typeface="Arial" panose="020B0604020202020204" pitchFamily="34" charset="0"/>
+              <a:buChar char="•"/>
+              <a:defRPr sz="2000" kern="1200">
+                <a:solidFill>
+                  <a:schemeClr val="tx1"/>
+                </a:solidFill>
+                <a:latin typeface="+mn-lt"/>
+                <a:ea typeface="+mn-ea"/>
+                <a:cs typeface="+mn-cs"/>
+              </a:defRPr>
+            </a:lvl3pPr>
+            <a:lvl4pPr marL="1600200" indent="-228600" algn="l" defTabSz="914400" rtl="0" eaLnBrk="1" latinLnBrk="0" hangingPunct="1">
+              <a:lnSpc>
+                <a:spcPct val="90000"/>
+              </a:lnSpc>
+              <a:spcBef>
+                <a:spcPts val="500"/>
+              </a:spcBef>
+              <a:buFont typeface="Arial" panose="020B0604020202020204" pitchFamily="34" charset="0"/>
+              <a:buChar char="•"/>
+              <a:defRPr sz="1800" kern="1200">
+                <a:solidFill>
+                  <a:schemeClr val="tx1"/>
+                </a:solidFill>
+                <a:latin typeface="+mn-lt"/>
+                <a:ea typeface="+mn-ea"/>
+                <a:cs typeface="+mn-cs"/>
+              </a:defRPr>
+            </a:lvl4pPr>
+            <a:lvl5pPr marL="2057400" indent="-228600" algn="l" defTabSz="914400" rtl="0" eaLnBrk="1" latinLnBrk="0" hangingPunct="1">
+              <a:lnSpc>
+                <a:spcPct val="90000"/>
+              </a:lnSpc>
+              <a:spcBef>
+                <a:spcPts val="500"/>
+              </a:spcBef>
+              <a:buFont typeface="Arial" panose="020B0604020202020204" pitchFamily="34" charset="0"/>
+              <a:buChar char="•"/>
+              <a:defRPr sz="1800" kern="1200">
+                <a:solidFill>
+                  <a:schemeClr val="tx1"/>
+                </a:solidFill>
+                <a:latin typeface="+mn-lt"/>
+                <a:ea typeface="+mn-ea"/>
+                <a:cs typeface="+mn-cs"/>
+              </a:defRPr>
+            </a:lvl5pPr>
+            <a:lvl6pPr marL="2514600" indent="-228600" algn="l" defTabSz="914400" rtl="0" eaLnBrk="1" latinLnBrk="0" hangingPunct="1">
+              <a:lnSpc>
+                <a:spcPct val="90000"/>
+              </a:lnSpc>
+              <a:spcBef>
+                <a:spcPts val="500"/>
+              </a:spcBef>
+              <a:buFont typeface="Arial" panose="020B0604020202020204" pitchFamily="34" charset="0"/>
+              <a:buChar char="•"/>
+              <a:defRPr sz="1800" kern="1200">
+                <a:solidFill>
+                  <a:schemeClr val="tx1"/>
+                </a:solidFill>
+                <a:latin typeface="+mn-lt"/>
+                <a:ea typeface="+mn-ea"/>
+                <a:cs typeface="+mn-cs"/>
+              </a:defRPr>
+            </a:lvl6pPr>
+            <a:lvl7pPr marL="2971800" indent="-228600" algn="l" defTabSz="914400" rtl="0" eaLnBrk="1" latinLnBrk="0" hangingPunct="1">
+              <a:lnSpc>
+                <a:spcPct val="90000"/>
+              </a:lnSpc>
+              <a:spcBef>
+                <a:spcPts val="500"/>
+              </a:spcBef>
+              <a:buFont typeface="Arial" panose="020B0604020202020204" pitchFamily="34" charset="0"/>
+              <a:buChar char="•"/>
+              <a:defRPr sz="1800" kern="1200">
+                <a:solidFill>
+                  <a:schemeClr val="tx1"/>
+                </a:solidFill>
+                <a:latin typeface="+mn-lt"/>
+                <a:ea typeface="+mn-ea"/>
+                <a:cs typeface="+mn-cs"/>
+              </a:defRPr>
+            </a:lvl7pPr>
+            <a:lvl8pPr marL="3429000" indent="-228600" algn="l" defTabSz="914400" rtl="0" eaLnBrk="1" latinLnBrk="0" hangingPunct="1">
+              <a:lnSpc>
+                <a:spcPct val="90000"/>
+              </a:lnSpc>
+              <a:spcBef>
+                <a:spcPts val="500"/>
+              </a:spcBef>
+              <a:buFont typeface="Arial" panose="020B0604020202020204" pitchFamily="34" charset="0"/>
+              <a:buChar char="•"/>
+              <a:defRPr sz="1800" kern="1200">
+                <a:solidFill>
+                  <a:schemeClr val="tx1"/>
+                </a:solidFill>
+                <a:latin typeface="+mn-lt"/>
+                <a:ea typeface="+mn-ea"/>
+                <a:cs typeface="+mn-cs"/>
+              </a:defRPr>
+            </a:lvl8pPr>
+            <a:lvl9pPr marL="3886200" indent="-228600" algn="l" defTabSz="914400" rtl="0" eaLnBrk="1" latinLnBrk="0" hangingPunct="1">
+              <a:lnSpc>
+                <a:spcPct val="90000"/>
+              </a:lnSpc>
+              <a:spcBef>
+                <a:spcPts val="500"/>
+              </a:spcBef>
+              <a:buFont typeface="Arial" panose="020B0604020202020204" pitchFamily="34" charset="0"/>
+              <a:buChar char="•"/>
+              <a:defRPr sz="1800" kern="1200">
+                <a:solidFill>
+                  <a:schemeClr val="tx1"/>
+                </a:solidFill>
+                <a:latin typeface="+mn-lt"/>
+                <a:ea typeface="+mn-ea"/>
+                <a:cs typeface="+mn-cs"/>
+              </a:defRPr>
+            </a:lvl9pPr>
+          </a:lstStyle>
+          <a:p>
             <a:pPr marL="457200" indent="-457200">
               <a:buAutoNum type="arabicPeriod"/>
             </a:pPr>
@@ -18258,7 +18811,7 @@
 </p:sld>
 </file>
 
-<file path=ppt/slides/slide36.xml><?xml version="1.0" encoding="utf-8"?>
+<file path=ppt/slides/slide37.xml><?xml version="1.0" encoding="utf-8"?>
 <p:sld xmlns:a="http://schemas.openxmlformats.org/drawingml/2006/main" xmlns:r="http://schemas.openxmlformats.org/officeDocument/2006/relationships" xmlns:p="http://schemas.openxmlformats.org/presentationml/2006/main">
   <p:cSld>
     <p:spTree>
@@ -18443,7 +18996,1398 @@
 </p:sld>
 </file>
 
-<file path=ppt/slides/slide37.xml><?xml version="1.0" encoding="utf-8"?>
+<file path=ppt/slides/slide38.xml><?xml version="1.0" encoding="utf-8"?>
+<p:sld xmlns:a="http://schemas.openxmlformats.org/drawingml/2006/main" xmlns:r="http://schemas.openxmlformats.org/officeDocument/2006/relationships" xmlns:p="http://schemas.openxmlformats.org/presentationml/2006/main">
+  <p:cSld>
+    <p:spTree>
+      <p:nvGrpSpPr>
+        <p:cNvPr id="1" name=""/>
+        <p:cNvGrpSpPr/>
+        <p:nvPr/>
+      </p:nvGrpSpPr>
+      <p:grpSpPr>
+        <a:xfrm>
+          <a:off x="0" y="0"/>
+          <a:ext cx="0" cy="0"/>
+          <a:chOff x="0" y="0"/>
+          <a:chExt cx="0" cy="0"/>
+        </a:xfrm>
+      </p:grpSpPr>
+      <p:sp>
+        <p:nvSpPr>
+          <p:cNvPr id="4" name="Content Placeholder 2">
+            <a:extLst>
+              <a:ext uri="{FF2B5EF4-FFF2-40B4-BE49-F238E27FC236}">
+                <a16:creationId xmlns="" xmlns:a16="http://schemas.microsoft.com/office/drawing/2014/main" xmlns:lc="http://schemas.openxmlformats.org/drawingml/2006/lockedCanvas" id="{C60B34E3-731B-4F1F-B125-2A24F2289954}"/>
+              </a:ext>
+            </a:extLst>
+          </p:cNvPr>
+          <p:cNvSpPr>
+            <a:spLocks noGrp="1"/>
+          </p:cNvSpPr>
+          <p:nvPr/>
+        </p:nvSpPr>
+        <p:spPr>
+          <a:xfrm>
+            <a:off x="838200" y="362244"/>
+            <a:ext cx="10515600" cy="6133513"/>
+          </a:xfrm>
+          <a:prstGeom prst="rect">
+            <a:avLst/>
+          </a:prstGeom>
+        </p:spPr>
+        <p:txBody>
+          <a:bodyPr vert="horz" lIns="91440" tIns="45720" rIns="91440" bIns="45720" rtlCol="0">
+            <a:normAutofit/>
+          </a:bodyPr>
+          <a:lstStyle>
+            <a:lvl1pPr marL="228600" indent="-228600" algn="l" defTabSz="914400" rtl="0" eaLnBrk="1" latinLnBrk="0" hangingPunct="1">
+              <a:lnSpc>
+                <a:spcPct val="90000"/>
+              </a:lnSpc>
+              <a:spcBef>
+                <a:spcPts val="1000"/>
+              </a:spcBef>
+              <a:buFont typeface="Arial" panose="020B0604020202020204" pitchFamily="34" charset="0"/>
+              <a:buChar char="•"/>
+              <a:defRPr sz="2800" kern="1200">
+                <a:solidFill>
+                  <a:schemeClr val="tx1"/>
+                </a:solidFill>
+                <a:latin typeface="+mn-lt"/>
+                <a:ea typeface="+mn-ea"/>
+                <a:cs typeface="+mn-cs"/>
+              </a:defRPr>
+            </a:lvl1pPr>
+            <a:lvl2pPr marL="685800" indent="-228600" algn="l" defTabSz="914400" rtl="0" eaLnBrk="1" latinLnBrk="0" hangingPunct="1">
+              <a:lnSpc>
+                <a:spcPct val="90000"/>
+              </a:lnSpc>
+              <a:spcBef>
+                <a:spcPts val="500"/>
+              </a:spcBef>
+              <a:buFont typeface="Arial" panose="020B0604020202020204" pitchFamily="34" charset="0"/>
+              <a:buChar char="•"/>
+              <a:defRPr sz="2400" kern="1200">
+                <a:solidFill>
+                  <a:schemeClr val="tx1"/>
+                </a:solidFill>
+                <a:latin typeface="+mn-lt"/>
+                <a:ea typeface="+mn-ea"/>
+                <a:cs typeface="+mn-cs"/>
+              </a:defRPr>
+            </a:lvl2pPr>
+            <a:lvl3pPr marL="1143000" indent="-228600" algn="l" defTabSz="914400" rtl="0" eaLnBrk="1" latinLnBrk="0" hangingPunct="1">
+              <a:lnSpc>
+                <a:spcPct val="90000"/>
+              </a:lnSpc>
+              <a:spcBef>
+                <a:spcPts val="500"/>
+              </a:spcBef>
+              <a:buFont typeface="Arial" panose="020B0604020202020204" pitchFamily="34" charset="0"/>
+              <a:buChar char="•"/>
+              <a:defRPr sz="2000" kern="1200">
+                <a:solidFill>
+                  <a:schemeClr val="tx1"/>
+                </a:solidFill>
+                <a:latin typeface="+mn-lt"/>
+                <a:ea typeface="+mn-ea"/>
+                <a:cs typeface="+mn-cs"/>
+              </a:defRPr>
+            </a:lvl3pPr>
+            <a:lvl4pPr marL="1600200" indent="-228600" algn="l" defTabSz="914400" rtl="0" eaLnBrk="1" latinLnBrk="0" hangingPunct="1">
+              <a:lnSpc>
+                <a:spcPct val="90000"/>
+              </a:lnSpc>
+              <a:spcBef>
+                <a:spcPts val="500"/>
+              </a:spcBef>
+              <a:buFont typeface="Arial" panose="020B0604020202020204" pitchFamily="34" charset="0"/>
+              <a:buChar char="•"/>
+              <a:defRPr sz="1800" kern="1200">
+                <a:solidFill>
+                  <a:schemeClr val="tx1"/>
+                </a:solidFill>
+                <a:latin typeface="+mn-lt"/>
+                <a:ea typeface="+mn-ea"/>
+                <a:cs typeface="+mn-cs"/>
+              </a:defRPr>
+            </a:lvl4pPr>
+            <a:lvl5pPr marL="2057400" indent="-228600" algn="l" defTabSz="914400" rtl="0" eaLnBrk="1" latinLnBrk="0" hangingPunct="1">
+              <a:lnSpc>
+                <a:spcPct val="90000"/>
+              </a:lnSpc>
+              <a:spcBef>
+                <a:spcPts val="500"/>
+              </a:spcBef>
+              <a:buFont typeface="Arial" panose="020B0604020202020204" pitchFamily="34" charset="0"/>
+              <a:buChar char="•"/>
+              <a:defRPr sz="1800" kern="1200">
+                <a:solidFill>
+                  <a:schemeClr val="tx1"/>
+                </a:solidFill>
+                <a:latin typeface="+mn-lt"/>
+                <a:ea typeface="+mn-ea"/>
+                <a:cs typeface="+mn-cs"/>
+              </a:defRPr>
+            </a:lvl5pPr>
+            <a:lvl6pPr marL="2514600" indent="-228600" algn="l" defTabSz="914400" rtl="0" eaLnBrk="1" latinLnBrk="0" hangingPunct="1">
+              <a:lnSpc>
+                <a:spcPct val="90000"/>
+              </a:lnSpc>
+              <a:spcBef>
+                <a:spcPts val="500"/>
+              </a:spcBef>
+              <a:buFont typeface="Arial" panose="020B0604020202020204" pitchFamily="34" charset="0"/>
+              <a:buChar char="•"/>
+              <a:defRPr sz="1800" kern="1200">
+                <a:solidFill>
+                  <a:schemeClr val="tx1"/>
+                </a:solidFill>
+                <a:latin typeface="+mn-lt"/>
+                <a:ea typeface="+mn-ea"/>
+                <a:cs typeface="+mn-cs"/>
+              </a:defRPr>
+            </a:lvl6pPr>
+            <a:lvl7pPr marL="2971800" indent="-228600" algn="l" defTabSz="914400" rtl="0" eaLnBrk="1" latinLnBrk="0" hangingPunct="1">
+              <a:lnSpc>
+                <a:spcPct val="90000"/>
+              </a:lnSpc>
+              <a:spcBef>
+                <a:spcPts val="500"/>
+              </a:spcBef>
+              <a:buFont typeface="Arial" panose="020B0604020202020204" pitchFamily="34" charset="0"/>
+              <a:buChar char="•"/>
+              <a:defRPr sz="1800" kern="1200">
+                <a:solidFill>
+                  <a:schemeClr val="tx1"/>
+                </a:solidFill>
+                <a:latin typeface="+mn-lt"/>
+                <a:ea typeface="+mn-ea"/>
+                <a:cs typeface="+mn-cs"/>
+              </a:defRPr>
+            </a:lvl7pPr>
+            <a:lvl8pPr marL="3429000" indent="-228600" algn="l" defTabSz="914400" rtl="0" eaLnBrk="1" latinLnBrk="0" hangingPunct="1">
+              <a:lnSpc>
+                <a:spcPct val="90000"/>
+              </a:lnSpc>
+              <a:spcBef>
+                <a:spcPts val="500"/>
+              </a:spcBef>
+              <a:buFont typeface="Arial" panose="020B0604020202020204" pitchFamily="34" charset="0"/>
+              <a:buChar char="•"/>
+              <a:defRPr sz="1800" kern="1200">
+                <a:solidFill>
+                  <a:schemeClr val="tx1"/>
+                </a:solidFill>
+                <a:latin typeface="+mn-lt"/>
+                <a:ea typeface="+mn-ea"/>
+                <a:cs typeface="+mn-cs"/>
+              </a:defRPr>
+            </a:lvl8pPr>
+            <a:lvl9pPr marL="3886200" indent="-228600" algn="l" defTabSz="914400" rtl="0" eaLnBrk="1" latinLnBrk="0" hangingPunct="1">
+              <a:lnSpc>
+                <a:spcPct val="90000"/>
+              </a:lnSpc>
+              <a:spcBef>
+                <a:spcPts val="500"/>
+              </a:spcBef>
+              <a:buFont typeface="Arial" panose="020B0604020202020204" pitchFamily="34" charset="0"/>
+              <a:buChar char="•"/>
+              <a:defRPr sz="1800" kern="1200">
+                <a:solidFill>
+                  <a:schemeClr val="tx1"/>
+                </a:solidFill>
+                <a:latin typeface="+mn-lt"/>
+                <a:ea typeface="+mn-ea"/>
+                <a:cs typeface="+mn-cs"/>
+              </a:defRPr>
+            </a:lvl9pPr>
+          </a:lstStyle>
+          <a:p>
+            <a:pPr marL="0" indent="0" algn="ctr">
+              <a:buNone/>
+            </a:pPr>
+            <a:r>
+              <a:rPr lang="en-IN" sz="5000" dirty="0"/>
+              <a:t>Importance of documentation</a:t>
+            </a:r>
+            <a:endParaRPr lang="en-IN" sz="3000" dirty="0"/>
+          </a:p>
+          <a:p>
+            <a:pPr algn="ctr">
+              <a:buFont typeface="Wingdings" panose="05000000000000000000" pitchFamily="2" charset="2"/>
+              <a:buChar char="q"/>
+            </a:pPr>
+            <a:endParaRPr lang="en-IN" dirty="0"/>
+          </a:p>
+          <a:p>
+            <a:pPr algn="ctr">
+              <a:buFont typeface="Wingdings" panose="05000000000000000000" pitchFamily="2" charset="2"/>
+              <a:buChar char="q"/>
+            </a:pPr>
+            <a:r>
+              <a:rPr lang="en-IN" dirty="0"/>
+              <a:t> For developer :</a:t>
+            </a:r>
+          </a:p>
+          <a:p>
+            <a:pPr algn="ctr">
+              <a:buFont typeface="Courier New" panose="02070309020205020404" pitchFamily="49" charset="0"/>
+              <a:buChar char="o"/>
+            </a:pPr>
+            <a:r>
+              <a:rPr lang="en-IN" sz="2500" dirty="0"/>
+              <a:t>Keeps track of the how and what of the development process.</a:t>
+            </a:r>
+          </a:p>
+          <a:p>
+            <a:pPr algn="ctr">
+              <a:buFont typeface="Courier New" panose="02070309020205020404" pitchFamily="49" charset="0"/>
+              <a:buChar char="o"/>
+            </a:pPr>
+            <a:r>
+              <a:rPr lang="en-IN" sz="2500" dirty="0"/>
+              <a:t>Provides the contributing guidelines and environment setup for the project .  </a:t>
+            </a:r>
+          </a:p>
+          <a:p>
+            <a:pPr marL="0" indent="0" algn="ctr">
+              <a:buNone/>
+            </a:pPr>
+            <a:endParaRPr lang="en-IN" sz="2500" dirty="0"/>
+          </a:p>
+          <a:p>
+            <a:pPr algn="ctr">
+              <a:buFont typeface="Wingdings" panose="05000000000000000000" pitchFamily="2" charset="2"/>
+              <a:buChar char="q"/>
+            </a:pPr>
+            <a:r>
+              <a:rPr lang="en-IN" dirty="0"/>
+              <a:t>For user : </a:t>
+            </a:r>
+          </a:p>
+          <a:p>
+            <a:pPr marL="0" indent="0" algn="ctr">
+              <a:buNone/>
+            </a:pPr>
+            <a:r>
+              <a:rPr lang="en-IN" sz="2500" dirty="0"/>
+              <a:t>To know about the project :</a:t>
+            </a:r>
+          </a:p>
+          <a:p>
+            <a:pPr algn="ctr">
+              <a:buFont typeface="Courier New" panose="02070309020205020404" pitchFamily="49" charset="0"/>
+              <a:buChar char="o"/>
+            </a:pPr>
+            <a:r>
+              <a:rPr lang="en-IN" sz="2500" dirty="0"/>
+              <a:t>The problems it addresses and the solution it provides</a:t>
+            </a:r>
+          </a:p>
+          <a:p>
+            <a:pPr algn="ctr">
+              <a:buFont typeface="Courier New" panose="02070309020205020404" pitchFamily="49" charset="0"/>
+              <a:buChar char="o"/>
+            </a:pPr>
+            <a:r>
+              <a:rPr lang="en-IN" sz="2500" dirty="0"/>
+              <a:t>Future scope of the project </a:t>
+            </a:r>
+          </a:p>
+          <a:p>
+            <a:pPr algn="ctr">
+              <a:buFont typeface="Courier New" panose="02070309020205020404" pitchFamily="49" charset="0"/>
+              <a:buChar char="o"/>
+            </a:pPr>
+            <a:r>
+              <a:rPr lang="en-IN" sz="2500" dirty="0"/>
+              <a:t>Release details</a:t>
+            </a:r>
+          </a:p>
+          <a:p>
+            <a:pPr marL="0" indent="0" algn="ctr">
+              <a:buNone/>
+            </a:pPr>
+            <a:endParaRPr lang="en-IN" dirty="0"/>
+          </a:p>
+        </p:txBody>
+      </p:sp>
+    </p:spTree>
+    <p:extLst>
+      <p:ext uri="{BB962C8B-B14F-4D97-AF65-F5344CB8AC3E}">
+        <p14:creationId xmlns:p14="http://schemas.microsoft.com/office/powerpoint/2010/main" val="289485588"/>
+      </p:ext>
+    </p:extLst>
+  </p:cSld>
+  <p:clrMapOvr>
+    <a:masterClrMapping/>
+  </p:clrMapOvr>
+  <p:timing>
+    <p:tnLst>
+      <p:par>
+        <p:cTn id="1" dur="indefinite" restart="never" nodeType="tmRoot"/>
+      </p:par>
+    </p:tnLst>
+  </p:timing>
+</p:sld>
+</file>
+
+<file path=ppt/slides/slide39.xml><?xml version="1.0" encoding="utf-8"?>
+<p:sld xmlns:a="http://schemas.openxmlformats.org/drawingml/2006/main" xmlns:r="http://schemas.openxmlformats.org/officeDocument/2006/relationships" xmlns:p="http://schemas.openxmlformats.org/presentationml/2006/main">
+  <p:cSld>
+    <p:spTree>
+      <p:nvGrpSpPr>
+        <p:cNvPr id="1" name=""/>
+        <p:cNvGrpSpPr/>
+        <p:nvPr/>
+      </p:nvGrpSpPr>
+      <p:grpSpPr>
+        <a:xfrm>
+          <a:off x="0" y="0"/>
+          <a:ext cx="0" cy="0"/>
+          <a:chOff x="0" y="0"/>
+          <a:chExt cx="0" cy="0"/>
+        </a:xfrm>
+      </p:grpSpPr>
+      <p:sp>
+        <p:nvSpPr>
+          <p:cNvPr id="3" name="Content Placeholder 2">
+            <a:extLst>
+              <a:ext uri="{FF2B5EF4-FFF2-40B4-BE49-F238E27FC236}">
+                <a16:creationId xmlns="" xmlns:a16="http://schemas.microsoft.com/office/drawing/2014/main" xmlns:lc="http://schemas.openxmlformats.org/drawingml/2006/lockedCanvas" id="{D289A83F-DA78-4A0B-881B-A6BD916D9562}"/>
+              </a:ext>
+            </a:extLst>
+          </p:cNvPr>
+          <p:cNvSpPr>
+            <a:spLocks noGrp="1"/>
+          </p:cNvSpPr>
+          <p:nvPr/>
+        </p:nvSpPr>
+        <p:spPr>
+          <a:xfrm>
+            <a:off x="838200" y="523081"/>
+            <a:ext cx="10515600" cy="5811838"/>
+          </a:xfrm>
+          <a:prstGeom prst="rect">
+            <a:avLst/>
+          </a:prstGeom>
+        </p:spPr>
+        <p:txBody>
+          <a:bodyPr vert="horz" lIns="91440" tIns="45720" rIns="91440" bIns="45720" rtlCol="0">
+            <a:normAutofit/>
+          </a:bodyPr>
+          <a:lstStyle>
+            <a:lvl1pPr marL="228600" indent="-228600" algn="l" defTabSz="914400" rtl="0" eaLnBrk="1" latinLnBrk="0" hangingPunct="1">
+              <a:lnSpc>
+                <a:spcPct val="90000"/>
+              </a:lnSpc>
+              <a:spcBef>
+                <a:spcPts val="1000"/>
+              </a:spcBef>
+              <a:buFont typeface="Arial" panose="020B0604020202020204" pitchFamily="34" charset="0"/>
+              <a:buChar char="•"/>
+              <a:defRPr sz="2800" kern="1200">
+                <a:solidFill>
+                  <a:schemeClr val="tx1"/>
+                </a:solidFill>
+                <a:latin typeface="+mn-lt"/>
+                <a:ea typeface="+mn-ea"/>
+                <a:cs typeface="+mn-cs"/>
+              </a:defRPr>
+            </a:lvl1pPr>
+            <a:lvl2pPr marL="685800" indent="-228600" algn="l" defTabSz="914400" rtl="0" eaLnBrk="1" latinLnBrk="0" hangingPunct="1">
+              <a:lnSpc>
+                <a:spcPct val="90000"/>
+              </a:lnSpc>
+              <a:spcBef>
+                <a:spcPts val="500"/>
+              </a:spcBef>
+              <a:buFont typeface="Arial" panose="020B0604020202020204" pitchFamily="34" charset="0"/>
+              <a:buChar char="•"/>
+              <a:defRPr sz="2400" kern="1200">
+                <a:solidFill>
+                  <a:schemeClr val="tx1"/>
+                </a:solidFill>
+                <a:latin typeface="+mn-lt"/>
+                <a:ea typeface="+mn-ea"/>
+                <a:cs typeface="+mn-cs"/>
+              </a:defRPr>
+            </a:lvl2pPr>
+            <a:lvl3pPr marL="1143000" indent="-228600" algn="l" defTabSz="914400" rtl="0" eaLnBrk="1" latinLnBrk="0" hangingPunct="1">
+              <a:lnSpc>
+                <a:spcPct val="90000"/>
+              </a:lnSpc>
+              <a:spcBef>
+                <a:spcPts val="500"/>
+              </a:spcBef>
+              <a:buFont typeface="Arial" panose="020B0604020202020204" pitchFamily="34" charset="0"/>
+              <a:buChar char="•"/>
+              <a:defRPr sz="2000" kern="1200">
+                <a:solidFill>
+                  <a:schemeClr val="tx1"/>
+                </a:solidFill>
+                <a:latin typeface="+mn-lt"/>
+                <a:ea typeface="+mn-ea"/>
+                <a:cs typeface="+mn-cs"/>
+              </a:defRPr>
+            </a:lvl3pPr>
+            <a:lvl4pPr marL="1600200" indent="-228600" algn="l" defTabSz="914400" rtl="0" eaLnBrk="1" latinLnBrk="0" hangingPunct="1">
+              <a:lnSpc>
+                <a:spcPct val="90000"/>
+              </a:lnSpc>
+              <a:spcBef>
+                <a:spcPts val="500"/>
+              </a:spcBef>
+              <a:buFont typeface="Arial" panose="020B0604020202020204" pitchFamily="34" charset="0"/>
+              <a:buChar char="•"/>
+              <a:defRPr sz="1800" kern="1200">
+                <a:solidFill>
+                  <a:schemeClr val="tx1"/>
+                </a:solidFill>
+                <a:latin typeface="+mn-lt"/>
+                <a:ea typeface="+mn-ea"/>
+                <a:cs typeface="+mn-cs"/>
+              </a:defRPr>
+            </a:lvl4pPr>
+            <a:lvl5pPr marL="2057400" indent="-228600" algn="l" defTabSz="914400" rtl="0" eaLnBrk="1" latinLnBrk="0" hangingPunct="1">
+              <a:lnSpc>
+                <a:spcPct val="90000"/>
+              </a:lnSpc>
+              <a:spcBef>
+                <a:spcPts val="500"/>
+              </a:spcBef>
+              <a:buFont typeface="Arial" panose="020B0604020202020204" pitchFamily="34" charset="0"/>
+              <a:buChar char="•"/>
+              <a:defRPr sz="1800" kern="1200">
+                <a:solidFill>
+                  <a:schemeClr val="tx1"/>
+                </a:solidFill>
+                <a:latin typeface="+mn-lt"/>
+                <a:ea typeface="+mn-ea"/>
+                <a:cs typeface="+mn-cs"/>
+              </a:defRPr>
+            </a:lvl5pPr>
+            <a:lvl6pPr marL="2514600" indent="-228600" algn="l" defTabSz="914400" rtl="0" eaLnBrk="1" latinLnBrk="0" hangingPunct="1">
+              <a:lnSpc>
+                <a:spcPct val="90000"/>
+              </a:lnSpc>
+              <a:spcBef>
+                <a:spcPts val="500"/>
+              </a:spcBef>
+              <a:buFont typeface="Arial" panose="020B0604020202020204" pitchFamily="34" charset="0"/>
+              <a:buChar char="•"/>
+              <a:defRPr sz="1800" kern="1200">
+                <a:solidFill>
+                  <a:schemeClr val="tx1"/>
+                </a:solidFill>
+                <a:latin typeface="+mn-lt"/>
+                <a:ea typeface="+mn-ea"/>
+                <a:cs typeface="+mn-cs"/>
+              </a:defRPr>
+            </a:lvl6pPr>
+            <a:lvl7pPr marL="2971800" indent="-228600" algn="l" defTabSz="914400" rtl="0" eaLnBrk="1" latinLnBrk="0" hangingPunct="1">
+              <a:lnSpc>
+                <a:spcPct val="90000"/>
+              </a:lnSpc>
+              <a:spcBef>
+                <a:spcPts val="500"/>
+              </a:spcBef>
+              <a:buFont typeface="Arial" panose="020B0604020202020204" pitchFamily="34" charset="0"/>
+              <a:buChar char="•"/>
+              <a:defRPr sz="1800" kern="1200">
+                <a:solidFill>
+                  <a:schemeClr val="tx1"/>
+                </a:solidFill>
+                <a:latin typeface="+mn-lt"/>
+                <a:ea typeface="+mn-ea"/>
+                <a:cs typeface="+mn-cs"/>
+              </a:defRPr>
+            </a:lvl7pPr>
+            <a:lvl8pPr marL="3429000" indent="-228600" algn="l" defTabSz="914400" rtl="0" eaLnBrk="1" latinLnBrk="0" hangingPunct="1">
+              <a:lnSpc>
+                <a:spcPct val="90000"/>
+              </a:lnSpc>
+              <a:spcBef>
+                <a:spcPts val="500"/>
+              </a:spcBef>
+              <a:buFont typeface="Arial" panose="020B0604020202020204" pitchFamily="34" charset="0"/>
+              <a:buChar char="•"/>
+              <a:defRPr sz="1800" kern="1200">
+                <a:solidFill>
+                  <a:schemeClr val="tx1"/>
+                </a:solidFill>
+                <a:latin typeface="+mn-lt"/>
+                <a:ea typeface="+mn-ea"/>
+                <a:cs typeface="+mn-cs"/>
+              </a:defRPr>
+            </a:lvl8pPr>
+            <a:lvl9pPr marL="3886200" indent="-228600" algn="l" defTabSz="914400" rtl="0" eaLnBrk="1" latinLnBrk="0" hangingPunct="1">
+              <a:lnSpc>
+                <a:spcPct val="90000"/>
+              </a:lnSpc>
+              <a:spcBef>
+                <a:spcPts val="500"/>
+              </a:spcBef>
+              <a:buFont typeface="Arial" panose="020B0604020202020204" pitchFamily="34" charset="0"/>
+              <a:buChar char="•"/>
+              <a:defRPr sz="1800" kern="1200">
+                <a:solidFill>
+                  <a:schemeClr val="tx1"/>
+                </a:solidFill>
+                <a:latin typeface="+mn-lt"/>
+                <a:ea typeface="+mn-ea"/>
+                <a:cs typeface="+mn-cs"/>
+              </a:defRPr>
+            </a:lvl9pPr>
+          </a:lstStyle>
+          <a:p>
+            <a:pPr marL="0" indent="0" algn="ctr">
+              <a:buNone/>
+            </a:pPr>
+            <a:r>
+              <a:rPr lang="en-IN" sz="3600" dirty="0"/>
+              <a:t>Sphinx is a tool that makes it easy to create intelligent and beautiful documentation.</a:t>
+            </a:r>
+          </a:p>
+          <a:p>
+            <a:pPr marL="0" indent="0" algn="ctr">
+              <a:buNone/>
+            </a:pPr>
+            <a:endParaRPr lang="en-IN" sz="3600" dirty="0"/>
+          </a:p>
+          <a:p>
+            <a:pPr marL="0" indent="0" algn="ctr">
+              <a:buNone/>
+            </a:pPr>
+            <a:endParaRPr lang="en-IN" sz="3600" dirty="0"/>
+          </a:p>
+          <a:p>
+            <a:pPr marL="0" indent="0" algn="ctr">
+              <a:buNone/>
+            </a:pPr>
+            <a:endParaRPr lang="en-IN" sz="3600" dirty="0"/>
+          </a:p>
+          <a:p>
+            <a:pPr algn="ctr">
+              <a:buFont typeface="Wingdings" panose="05000000000000000000" pitchFamily="2" charset="2"/>
+              <a:buChar char="q"/>
+            </a:pPr>
+            <a:r>
+              <a:rPr lang="en-IN" sz="3000" dirty="0"/>
+              <a:t>Features</a:t>
+            </a:r>
+          </a:p>
+          <a:p>
+            <a:pPr>
+              <a:buFont typeface="Courier New" panose="02070309020205020404" pitchFamily="49" charset="0"/>
+              <a:buChar char="o"/>
+            </a:pPr>
+            <a:r>
+              <a:rPr lang="en-IN" sz="2400" dirty="0"/>
+              <a:t>Sphinx converts </a:t>
+            </a:r>
+            <a:r>
+              <a:rPr lang="en-IN" sz="2400" dirty="0" err="1"/>
+              <a:t>reStructuredText</a:t>
+            </a:r>
+            <a:r>
+              <a:rPr lang="en-IN" sz="2400" dirty="0"/>
+              <a:t> (.</a:t>
+            </a:r>
+            <a:r>
+              <a:rPr lang="en-IN" sz="2400" dirty="0" err="1"/>
+              <a:t>rst</a:t>
+            </a:r>
+            <a:r>
+              <a:rPr lang="en-IN" sz="2400" dirty="0"/>
+              <a:t>) files into HTML(for web) and </a:t>
+            </a:r>
+            <a:r>
+              <a:rPr lang="en-IN" sz="2400" dirty="0" err="1"/>
+              <a:t>LaTex</a:t>
+            </a:r>
+            <a:r>
+              <a:rPr lang="en-IN" sz="2400" dirty="0"/>
+              <a:t>(for printable pdf) formats.</a:t>
+            </a:r>
+          </a:p>
+          <a:p>
+            <a:pPr>
+              <a:buFont typeface="Courier New" panose="02070309020205020404" pitchFamily="49" charset="0"/>
+              <a:buChar char="o"/>
+            </a:pPr>
+            <a:r>
+              <a:rPr lang="en-IN" sz="2400" dirty="0"/>
+              <a:t>Semantic </a:t>
+            </a:r>
+            <a:r>
+              <a:rPr lang="en-IN" sz="2400" dirty="0" err="1"/>
+              <a:t>markup</a:t>
+            </a:r>
+            <a:r>
+              <a:rPr lang="en-IN" sz="2400" dirty="0"/>
+              <a:t> and code highlighting</a:t>
+            </a:r>
+          </a:p>
+          <a:p>
+            <a:pPr>
+              <a:buFont typeface="Courier New" panose="02070309020205020404" pitchFamily="49" charset="0"/>
+              <a:buChar char="o"/>
+            </a:pPr>
+            <a:r>
+              <a:rPr lang="en-IN" sz="2400" dirty="0"/>
+              <a:t>Easy definition of a document tree, with automatic links to siblings, parents and children</a:t>
+            </a:r>
+          </a:p>
+          <a:p>
+            <a:pPr>
+              <a:buFont typeface="Courier New" panose="02070309020205020404" pitchFamily="49" charset="0"/>
+              <a:buChar char="o"/>
+            </a:pPr>
+            <a:endParaRPr lang="en-IN" sz="2600" dirty="0"/>
+          </a:p>
+          <a:p>
+            <a:pPr marL="0" indent="0">
+              <a:buNone/>
+            </a:pPr>
+            <a:endParaRPr lang="en-IN" sz="2600" dirty="0"/>
+          </a:p>
+        </p:txBody>
+      </p:sp>
+      <p:pic>
+        <p:nvPicPr>
+          <p:cNvPr id="5" name="Picture 4">
+            <a:extLst>
+              <a:ext uri="{FF2B5EF4-FFF2-40B4-BE49-F238E27FC236}">
+                <a16:creationId xmlns="" xmlns:a16="http://schemas.microsoft.com/office/drawing/2014/main" xmlns:lc="http://schemas.openxmlformats.org/drawingml/2006/lockedCanvas" id="{2C0812DC-4448-4081-A624-3097FF48DB45}"/>
+              </a:ext>
+            </a:extLst>
+          </p:cNvPr>
+          <p:cNvPicPr>
+            <a:picLocks noChangeAspect="1"/>
+          </p:cNvPicPr>
+          <p:nvPr/>
+        </p:nvPicPr>
+        <p:blipFill>
+          <a:blip r:embed="rId2">
+            <a:extLst>
+              <a:ext uri="{28A0092B-C50C-407E-A947-70E740481C1C}">
+                <a14:useLocalDpi xmlns:a14="http://schemas.microsoft.com/office/drawing/2010/main" val="0"/>
+              </a:ext>
+            </a:extLst>
+          </a:blip>
+          <a:stretch>
+            <a:fillRect/>
+          </a:stretch>
+        </p:blipFill>
+        <p:spPr>
+          <a:xfrm>
+            <a:off x="2753070" y="2007281"/>
+            <a:ext cx="6685859" cy="1168501"/>
+          </a:xfrm>
+          <a:prstGeom prst="rect">
+            <a:avLst/>
+          </a:prstGeom>
+        </p:spPr>
+      </p:pic>
+    </p:spTree>
+    <p:extLst>
+      <p:ext uri="{BB962C8B-B14F-4D97-AF65-F5344CB8AC3E}">
+        <p14:creationId xmlns:p14="http://schemas.microsoft.com/office/powerpoint/2010/main" val="1981148071"/>
+      </p:ext>
+    </p:extLst>
+  </p:cSld>
+  <p:clrMapOvr>
+    <a:masterClrMapping/>
+  </p:clrMapOvr>
+  <p:timing>
+    <p:tnLst>
+      <p:par>
+        <p:cTn id="1" dur="indefinite" restart="never" nodeType="tmRoot"/>
+      </p:par>
+    </p:tnLst>
+  </p:timing>
+</p:sld>
+</file>
+
+<file path=ppt/slides/slide4.xml><?xml version="1.0" encoding="utf-8"?>
+<p:sld xmlns:a="http://schemas.openxmlformats.org/drawingml/2006/main" xmlns:r="http://schemas.openxmlformats.org/officeDocument/2006/relationships" xmlns:p="http://schemas.openxmlformats.org/presentationml/2006/main">
+  <p:cSld>
+    <p:spTree>
+      <p:nvGrpSpPr>
+        <p:cNvPr id="1" name=""/>
+        <p:cNvGrpSpPr/>
+        <p:nvPr/>
+      </p:nvGrpSpPr>
+      <p:grpSpPr>
+        <a:xfrm>
+          <a:off x="0" y="0"/>
+          <a:ext cx="0" cy="0"/>
+          <a:chOff x="0" y="0"/>
+          <a:chExt cx="0" cy="0"/>
+        </a:xfrm>
+      </p:grpSpPr>
+      <p:sp>
+        <p:nvSpPr>
+          <p:cNvPr id="3" name="Subtitle 2"/>
+          <p:cNvSpPr>
+            <a:spLocks noGrp="1"/>
+          </p:cNvSpPr>
+          <p:nvPr>
+            <p:ph type="subTitle" idx="1"/>
+          </p:nvPr>
+        </p:nvSpPr>
+        <p:spPr>
+          <a:xfrm>
+            <a:off x="1085957" y="918368"/>
+            <a:ext cx="3943136" cy="428625"/>
+          </a:xfrm>
+        </p:spPr>
+        <p:txBody>
+          <a:bodyPr>
+            <a:noAutofit/>
+          </a:bodyPr>
+          <a:lstStyle/>
+          <a:p>
+            <a:pPr algn="l"/>
+            <a:r>
+              <a:rPr lang="en-IN" sz="3600" dirty="0"/>
+              <a:t>What is AIRYL?</a:t>
+            </a:r>
+          </a:p>
+        </p:txBody>
+      </p:sp>
+      <p:sp>
+        <p:nvSpPr>
+          <p:cNvPr id="4" name="TextBox 3"/>
+          <p:cNvSpPr txBox="1"/>
+          <p:nvPr/>
+        </p:nvSpPr>
+        <p:spPr>
+          <a:xfrm>
+            <a:off x="1247774" y="1684338"/>
+            <a:ext cx="7153275" cy="1477328"/>
+          </a:xfrm>
+          <a:prstGeom prst="rect">
+            <a:avLst/>
+          </a:prstGeom>
+          <a:noFill/>
+        </p:spPr>
+        <p:txBody>
+          <a:bodyPr wrap="square" rtlCol="0">
+            <a:spAutoFit/>
+          </a:bodyPr>
+          <a:lstStyle/>
+          <a:p>
+            <a:pPr marL="285750" indent="-285750">
+              <a:buFont typeface="Arial" panose="020B0604020202020204" pitchFamily="34" charset="0"/>
+              <a:buChar char="•"/>
+            </a:pPr>
+            <a:r>
+              <a:rPr lang="en-IN" dirty="0"/>
+              <a:t>A </a:t>
+            </a:r>
+            <a:r>
+              <a:rPr lang="en-IN" dirty="0" err="1"/>
+              <a:t>chatbot</a:t>
+            </a:r>
+            <a:r>
+              <a:rPr lang="en-IN" dirty="0"/>
+              <a:t> based on AIML</a:t>
+            </a:r>
+          </a:p>
+          <a:p>
+            <a:pPr marL="285750" indent="-285750">
+              <a:buFont typeface="Arial" panose="020B0604020202020204" pitchFamily="34" charset="0"/>
+              <a:buChar char="•"/>
+            </a:pPr>
+            <a:r>
+              <a:rPr lang="en-IN" dirty="0"/>
+              <a:t>Based on Android</a:t>
+            </a:r>
+          </a:p>
+          <a:p>
+            <a:pPr marL="285750" indent="-285750">
+              <a:buFont typeface="Arial" panose="020B0604020202020204" pitchFamily="34" charset="0"/>
+              <a:buChar char="•"/>
+            </a:pPr>
+            <a:r>
+              <a:rPr lang="en-IN" dirty="0"/>
+              <a:t>Fully documented using Sphinx</a:t>
+            </a:r>
+          </a:p>
+          <a:p>
+            <a:pPr marL="285750" indent="-285750">
+              <a:buFont typeface="Arial" panose="020B0604020202020204" pitchFamily="34" charset="0"/>
+              <a:buChar char="•"/>
+            </a:pPr>
+            <a:r>
+              <a:rPr lang="en-IN" dirty="0"/>
+              <a:t>Open Sourced</a:t>
+            </a:r>
+          </a:p>
+          <a:p>
+            <a:pPr marL="285750" indent="-285750">
+              <a:buFont typeface="Arial" panose="020B0604020202020204" pitchFamily="34" charset="0"/>
+              <a:buChar char="•"/>
+            </a:pPr>
+            <a:r>
+              <a:rPr lang="en-IN" dirty="0"/>
+              <a:t>Under MIT License</a:t>
+            </a:r>
+          </a:p>
+        </p:txBody>
+      </p:sp>
+      <p:sp>
+        <p:nvSpPr>
+          <p:cNvPr id="6" name="TextBox 5"/>
+          <p:cNvSpPr txBox="1"/>
+          <p:nvPr/>
+        </p:nvSpPr>
+        <p:spPr>
+          <a:xfrm>
+            <a:off x="4824411" y="5337970"/>
+            <a:ext cx="3286125" cy="369332"/>
+          </a:xfrm>
+          <a:prstGeom prst="rect">
+            <a:avLst/>
+          </a:prstGeom>
+          <a:noFill/>
+        </p:spPr>
+        <p:txBody>
+          <a:bodyPr wrap="square" rtlCol="0">
+            <a:spAutoFit/>
+          </a:bodyPr>
+          <a:lstStyle/>
+          <a:p>
+            <a:r>
+              <a:rPr lang="en-IN" dirty="0"/>
+              <a:t>github.com/</a:t>
+            </a:r>
+            <a:r>
+              <a:rPr lang="en-IN" dirty="0" err="1"/>
+              <a:t>PhoenixRRDS</a:t>
+            </a:r>
+            <a:r>
+              <a:rPr lang="en-IN" dirty="0"/>
+              <a:t>/AIRYL</a:t>
+            </a:r>
+          </a:p>
+        </p:txBody>
+      </p:sp>
+      <p:pic>
+        <p:nvPicPr>
+          <p:cNvPr id="7" name="Picture 6"/>
+          <p:cNvPicPr>
+            <a:picLocks noChangeAspect="1"/>
+          </p:cNvPicPr>
+          <p:nvPr/>
+        </p:nvPicPr>
+        <p:blipFill>
+          <a:blip r:embed="rId2">
+            <a:extLst>
+              <a:ext uri="{28A0092B-C50C-407E-A947-70E740481C1C}">
+                <a14:useLocalDpi xmlns:a14="http://schemas.microsoft.com/office/drawing/2010/main" val="0"/>
+              </a:ext>
+            </a:extLst>
+          </a:blip>
+          <a:stretch>
+            <a:fillRect/>
+          </a:stretch>
+        </p:blipFill>
+        <p:spPr>
+          <a:xfrm>
+            <a:off x="9304471" y="918368"/>
+            <a:ext cx="1925504" cy="2613185"/>
+          </a:xfrm>
+          <a:prstGeom prst="rect">
+            <a:avLst/>
+          </a:prstGeom>
+        </p:spPr>
+      </p:pic>
+    </p:spTree>
+    <p:extLst>
+      <p:ext uri="{BB962C8B-B14F-4D97-AF65-F5344CB8AC3E}">
+        <p14:creationId xmlns:p14="http://schemas.microsoft.com/office/powerpoint/2010/main" val="2992801045"/>
+      </p:ext>
+    </p:extLst>
+  </p:cSld>
+  <p:clrMapOvr>
+    <a:masterClrMapping/>
+  </p:clrMapOvr>
+  <p:timing>
+    <p:tnLst>
+      <p:par>
+        <p:cTn id="1" dur="indefinite" restart="never" nodeType="tmRoot"/>
+      </p:par>
+    </p:tnLst>
+  </p:timing>
+</p:sld>
+</file>
+
+<file path=ppt/slides/slide40.xml><?xml version="1.0" encoding="utf-8"?>
+<p:sld xmlns:a="http://schemas.openxmlformats.org/drawingml/2006/main" xmlns:r="http://schemas.openxmlformats.org/officeDocument/2006/relationships" xmlns:p="http://schemas.openxmlformats.org/presentationml/2006/main">
+  <p:cSld>
+    <p:spTree>
+      <p:nvGrpSpPr>
+        <p:cNvPr id="1" name=""/>
+        <p:cNvGrpSpPr/>
+        <p:nvPr/>
+      </p:nvGrpSpPr>
+      <p:grpSpPr>
+        <a:xfrm>
+          <a:off x="0" y="0"/>
+          <a:ext cx="0" cy="0"/>
+          <a:chOff x="0" y="0"/>
+          <a:chExt cx="0" cy="0"/>
+        </a:xfrm>
+      </p:grpSpPr>
+      <p:sp>
+        <p:nvSpPr>
+          <p:cNvPr id="4" name="Content Placeholder 2">
+            <a:extLst>
+              <a:ext uri="{FF2B5EF4-FFF2-40B4-BE49-F238E27FC236}">
+                <a16:creationId xmlns="" xmlns:a16="http://schemas.microsoft.com/office/drawing/2014/main" xmlns:lc="http://schemas.openxmlformats.org/drawingml/2006/lockedCanvas" id="{44C90922-8CD6-409D-A94B-3FFAFFBEACCB}"/>
+              </a:ext>
+            </a:extLst>
+          </p:cNvPr>
+          <p:cNvSpPr>
+            <a:spLocks noGrp="1"/>
+          </p:cNvSpPr>
+          <p:nvPr/>
+        </p:nvSpPr>
+        <p:spPr>
+          <a:xfrm>
+            <a:off x="838200" y="720346"/>
+            <a:ext cx="10515600" cy="5417308"/>
+          </a:xfrm>
+          <a:prstGeom prst="rect">
+            <a:avLst/>
+          </a:prstGeom>
+        </p:spPr>
+        <p:txBody>
+          <a:bodyPr vert="horz" lIns="91440" tIns="45720" rIns="91440" bIns="45720" rtlCol="0">
+            <a:normAutofit/>
+          </a:bodyPr>
+          <a:lstStyle>
+            <a:lvl1pPr marL="228600" indent="-228600" algn="l" defTabSz="914400" rtl="0" eaLnBrk="1" latinLnBrk="0" hangingPunct="1">
+              <a:lnSpc>
+                <a:spcPct val="90000"/>
+              </a:lnSpc>
+              <a:spcBef>
+                <a:spcPts val="1000"/>
+              </a:spcBef>
+              <a:buFont typeface="Arial" panose="020B0604020202020204" pitchFamily="34" charset="0"/>
+              <a:buChar char="•"/>
+              <a:defRPr sz="2800" kern="1200">
+                <a:solidFill>
+                  <a:schemeClr val="tx1"/>
+                </a:solidFill>
+                <a:latin typeface="+mn-lt"/>
+                <a:ea typeface="+mn-ea"/>
+                <a:cs typeface="+mn-cs"/>
+              </a:defRPr>
+            </a:lvl1pPr>
+            <a:lvl2pPr marL="685800" indent="-228600" algn="l" defTabSz="914400" rtl="0" eaLnBrk="1" latinLnBrk="0" hangingPunct="1">
+              <a:lnSpc>
+                <a:spcPct val="90000"/>
+              </a:lnSpc>
+              <a:spcBef>
+                <a:spcPts val="500"/>
+              </a:spcBef>
+              <a:buFont typeface="Arial" panose="020B0604020202020204" pitchFamily="34" charset="0"/>
+              <a:buChar char="•"/>
+              <a:defRPr sz="2400" kern="1200">
+                <a:solidFill>
+                  <a:schemeClr val="tx1"/>
+                </a:solidFill>
+                <a:latin typeface="+mn-lt"/>
+                <a:ea typeface="+mn-ea"/>
+                <a:cs typeface="+mn-cs"/>
+              </a:defRPr>
+            </a:lvl2pPr>
+            <a:lvl3pPr marL="1143000" indent="-228600" algn="l" defTabSz="914400" rtl="0" eaLnBrk="1" latinLnBrk="0" hangingPunct="1">
+              <a:lnSpc>
+                <a:spcPct val="90000"/>
+              </a:lnSpc>
+              <a:spcBef>
+                <a:spcPts val="500"/>
+              </a:spcBef>
+              <a:buFont typeface="Arial" panose="020B0604020202020204" pitchFamily="34" charset="0"/>
+              <a:buChar char="•"/>
+              <a:defRPr sz="2000" kern="1200">
+                <a:solidFill>
+                  <a:schemeClr val="tx1"/>
+                </a:solidFill>
+                <a:latin typeface="+mn-lt"/>
+                <a:ea typeface="+mn-ea"/>
+                <a:cs typeface="+mn-cs"/>
+              </a:defRPr>
+            </a:lvl3pPr>
+            <a:lvl4pPr marL="1600200" indent="-228600" algn="l" defTabSz="914400" rtl="0" eaLnBrk="1" latinLnBrk="0" hangingPunct="1">
+              <a:lnSpc>
+                <a:spcPct val="90000"/>
+              </a:lnSpc>
+              <a:spcBef>
+                <a:spcPts val="500"/>
+              </a:spcBef>
+              <a:buFont typeface="Arial" panose="020B0604020202020204" pitchFamily="34" charset="0"/>
+              <a:buChar char="•"/>
+              <a:defRPr sz="1800" kern="1200">
+                <a:solidFill>
+                  <a:schemeClr val="tx1"/>
+                </a:solidFill>
+                <a:latin typeface="+mn-lt"/>
+                <a:ea typeface="+mn-ea"/>
+                <a:cs typeface="+mn-cs"/>
+              </a:defRPr>
+            </a:lvl4pPr>
+            <a:lvl5pPr marL="2057400" indent="-228600" algn="l" defTabSz="914400" rtl="0" eaLnBrk="1" latinLnBrk="0" hangingPunct="1">
+              <a:lnSpc>
+                <a:spcPct val="90000"/>
+              </a:lnSpc>
+              <a:spcBef>
+                <a:spcPts val="500"/>
+              </a:spcBef>
+              <a:buFont typeface="Arial" panose="020B0604020202020204" pitchFamily="34" charset="0"/>
+              <a:buChar char="•"/>
+              <a:defRPr sz="1800" kern="1200">
+                <a:solidFill>
+                  <a:schemeClr val="tx1"/>
+                </a:solidFill>
+                <a:latin typeface="+mn-lt"/>
+                <a:ea typeface="+mn-ea"/>
+                <a:cs typeface="+mn-cs"/>
+              </a:defRPr>
+            </a:lvl5pPr>
+            <a:lvl6pPr marL="2514600" indent="-228600" algn="l" defTabSz="914400" rtl="0" eaLnBrk="1" latinLnBrk="0" hangingPunct="1">
+              <a:lnSpc>
+                <a:spcPct val="90000"/>
+              </a:lnSpc>
+              <a:spcBef>
+                <a:spcPts val="500"/>
+              </a:spcBef>
+              <a:buFont typeface="Arial" panose="020B0604020202020204" pitchFamily="34" charset="0"/>
+              <a:buChar char="•"/>
+              <a:defRPr sz="1800" kern="1200">
+                <a:solidFill>
+                  <a:schemeClr val="tx1"/>
+                </a:solidFill>
+                <a:latin typeface="+mn-lt"/>
+                <a:ea typeface="+mn-ea"/>
+                <a:cs typeface="+mn-cs"/>
+              </a:defRPr>
+            </a:lvl6pPr>
+            <a:lvl7pPr marL="2971800" indent="-228600" algn="l" defTabSz="914400" rtl="0" eaLnBrk="1" latinLnBrk="0" hangingPunct="1">
+              <a:lnSpc>
+                <a:spcPct val="90000"/>
+              </a:lnSpc>
+              <a:spcBef>
+                <a:spcPts val="500"/>
+              </a:spcBef>
+              <a:buFont typeface="Arial" panose="020B0604020202020204" pitchFamily="34" charset="0"/>
+              <a:buChar char="•"/>
+              <a:defRPr sz="1800" kern="1200">
+                <a:solidFill>
+                  <a:schemeClr val="tx1"/>
+                </a:solidFill>
+                <a:latin typeface="+mn-lt"/>
+                <a:ea typeface="+mn-ea"/>
+                <a:cs typeface="+mn-cs"/>
+              </a:defRPr>
+            </a:lvl7pPr>
+            <a:lvl8pPr marL="3429000" indent="-228600" algn="l" defTabSz="914400" rtl="0" eaLnBrk="1" latinLnBrk="0" hangingPunct="1">
+              <a:lnSpc>
+                <a:spcPct val="90000"/>
+              </a:lnSpc>
+              <a:spcBef>
+                <a:spcPts val="500"/>
+              </a:spcBef>
+              <a:buFont typeface="Arial" panose="020B0604020202020204" pitchFamily="34" charset="0"/>
+              <a:buChar char="•"/>
+              <a:defRPr sz="1800" kern="1200">
+                <a:solidFill>
+                  <a:schemeClr val="tx1"/>
+                </a:solidFill>
+                <a:latin typeface="+mn-lt"/>
+                <a:ea typeface="+mn-ea"/>
+                <a:cs typeface="+mn-cs"/>
+              </a:defRPr>
+            </a:lvl8pPr>
+            <a:lvl9pPr marL="3886200" indent="-228600" algn="l" defTabSz="914400" rtl="0" eaLnBrk="1" latinLnBrk="0" hangingPunct="1">
+              <a:lnSpc>
+                <a:spcPct val="90000"/>
+              </a:lnSpc>
+              <a:spcBef>
+                <a:spcPts val="500"/>
+              </a:spcBef>
+              <a:buFont typeface="Arial" panose="020B0604020202020204" pitchFamily="34" charset="0"/>
+              <a:buChar char="•"/>
+              <a:defRPr sz="1800" kern="1200">
+                <a:solidFill>
+                  <a:schemeClr val="tx1"/>
+                </a:solidFill>
+                <a:latin typeface="+mn-lt"/>
+                <a:ea typeface="+mn-ea"/>
+                <a:cs typeface="+mn-cs"/>
+              </a:defRPr>
+            </a:lvl9pPr>
+          </a:lstStyle>
+          <a:p>
+            <a:pPr>
+              <a:buFont typeface="Wingdings" panose="05000000000000000000" pitchFamily="2" charset="2"/>
+              <a:buChar char="q"/>
+            </a:pPr>
+            <a:r>
+              <a:rPr lang="en-IN" dirty="0"/>
+              <a:t>How it works</a:t>
+            </a:r>
+          </a:p>
+          <a:p>
+            <a:pPr lvl="1">
+              <a:buFont typeface="Courier New" panose="02070309020205020404" pitchFamily="49" charset="0"/>
+              <a:buChar char="o"/>
+            </a:pPr>
+            <a:endParaRPr lang="en-IN" dirty="0"/>
+          </a:p>
+          <a:p>
+            <a:pPr lvl="1">
+              <a:buFont typeface="Courier New" panose="02070309020205020404" pitchFamily="49" charset="0"/>
+              <a:buChar char="o"/>
+            </a:pPr>
+            <a:r>
+              <a:rPr lang="en-IN" dirty="0"/>
+              <a:t>Get started with   </a:t>
+            </a:r>
+            <a:r>
+              <a:rPr lang="en-IN" sz="2200" i="1" dirty="0"/>
+              <a:t>$ sphinx-</a:t>
+            </a:r>
+            <a:r>
+              <a:rPr lang="en-IN" sz="2200" i="1" dirty="0" err="1"/>
+              <a:t>quickstart</a:t>
+            </a:r>
+            <a:endParaRPr lang="en-IN" sz="2200" i="1" dirty="0"/>
+          </a:p>
+          <a:p>
+            <a:pPr lvl="2">
+              <a:buFont typeface="Wingdings" panose="05000000000000000000" pitchFamily="2" charset="2"/>
+              <a:buChar char="Ø"/>
+            </a:pPr>
+            <a:r>
+              <a:rPr lang="en-IN" sz="2300" dirty="0"/>
+              <a:t>This creates a source directory with a default </a:t>
+            </a:r>
+            <a:r>
+              <a:rPr lang="en-IN" sz="2400" i="1" u="sng" dirty="0"/>
+              <a:t>conf.py</a:t>
+            </a:r>
+            <a:r>
+              <a:rPr lang="en-IN" i="1" dirty="0"/>
+              <a:t> </a:t>
+            </a:r>
+            <a:r>
+              <a:rPr lang="en-IN" sz="2300" dirty="0"/>
+              <a:t>with the configuration</a:t>
+            </a:r>
+            <a:r>
+              <a:rPr lang="en-IN" dirty="0"/>
+              <a:t> </a:t>
+            </a:r>
+            <a:r>
+              <a:rPr lang="en-IN" sz="2300" dirty="0"/>
+              <a:t>values and an</a:t>
+            </a:r>
+            <a:r>
+              <a:rPr lang="en-IN" dirty="0"/>
+              <a:t> </a:t>
+            </a:r>
+            <a:r>
+              <a:rPr lang="en-IN" sz="2400" i="1" u="sng" dirty="0" err="1"/>
+              <a:t>index.rst</a:t>
+            </a:r>
+            <a:r>
+              <a:rPr lang="en-IN" sz="2400" i="1" u="sng" dirty="0"/>
+              <a:t> </a:t>
+            </a:r>
+            <a:r>
+              <a:rPr lang="en-IN" sz="2300" dirty="0"/>
+              <a:t>file</a:t>
+            </a:r>
+            <a:r>
+              <a:rPr lang="en-IN" dirty="0"/>
+              <a:t>.</a:t>
+            </a:r>
+            <a:endParaRPr lang="en-IN" sz="2400" i="1" u="sng" dirty="0"/>
+          </a:p>
+          <a:p>
+            <a:pPr lvl="3"/>
+            <a:r>
+              <a:rPr lang="en-IN" sz="2300" dirty="0"/>
+              <a:t>The main function of </a:t>
+            </a:r>
+            <a:r>
+              <a:rPr lang="en-IN" sz="2300" i="1" dirty="0" err="1"/>
+              <a:t>index.rst</a:t>
+            </a:r>
+            <a:r>
+              <a:rPr lang="en-IN" sz="2300" dirty="0"/>
+              <a:t> is to serve as a welcome page and to contain the root of the table of contents tree (</a:t>
+            </a:r>
+            <a:r>
+              <a:rPr lang="en-IN" sz="2300" dirty="0" err="1"/>
+              <a:t>toctree</a:t>
+            </a:r>
+            <a:r>
+              <a:rPr lang="en-IN" sz="2300" dirty="0"/>
+              <a:t>). Using this tree Sphinx adds multiple </a:t>
+            </a:r>
+            <a:r>
+              <a:rPr lang="en-IN" sz="2300" i="1" dirty="0"/>
+              <a:t>.</a:t>
+            </a:r>
+            <a:r>
+              <a:rPr lang="en-IN" sz="2300" i="1" dirty="0" err="1"/>
+              <a:t>rst</a:t>
+            </a:r>
+            <a:r>
+              <a:rPr lang="en-IN" sz="2300" dirty="0"/>
+              <a:t> files to a single hierarchy of documents.</a:t>
+            </a:r>
+          </a:p>
+          <a:p>
+            <a:pPr lvl="3"/>
+            <a:endParaRPr lang="en-IN" sz="2300" dirty="0"/>
+          </a:p>
+          <a:p>
+            <a:pPr lvl="1">
+              <a:buFont typeface="Courier New" panose="02070309020205020404" pitchFamily="49" charset="0"/>
+              <a:buChar char="o"/>
+            </a:pPr>
+            <a:r>
+              <a:rPr lang="en-IN" dirty="0"/>
+              <a:t>Add content using the </a:t>
+            </a:r>
+            <a:r>
+              <a:rPr lang="en-IN" dirty="0" err="1"/>
+              <a:t>reStructuredText</a:t>
+            </a:r>
+            <a:r>
+              <a:rPr lang="en-IN" dirty="0"/>
+              <a:t> </a:t>
+            </a:r>
+            <a:r>
+              <a:rPr lang="en-IN" dirty="0" err="1"/>
+              <a:t>markup</a:t>
+            </a:r>
+            <a:r>
+              <a:rPr lang="en-IN" dirty="0"/>
+              <a:t>.</a:t>
+            </a:r>
+          </a:p>
+          <a:p>
+            <a:pPr lvl="1">
+              <a:buFont typeface="Courier New" panose="02070309020205020404" pitchFamily="49" charset="0"/>
+              <a:buChar char="o"/>
+            </a:pPr>
+            <a:r>
+              <a:rPr lang="en-IN" dirty="0"/>
+              <a:t>Build the documentation using</a:t>
+            </a:r>
+            <a:r>
+              <a:rPr lang="en-IN" sz="2200" i="1" dirty="0"/>
+              <a:t> </a:t>
+            </a:r>
+          </a:p>
+          <a:p>
+            <a:pPr marL="457200" lvl="1" indent="0">
+              <a:buNone/>
+            </a:pPr>
+            <a:r>
+              <a:rPr lang="en-IN" sz="2200" i="1" dirty="0"/>
+              <a:t>		$ make html (for web version)</a:t>
+            </a:r>
+            <a:endParaRPr lang="en-IN" dirty="0"/>
+          </a:p>
+          <a:p>
+            <a:pPr marL="1828800" lvl="4" indent="0">
+              <a:buNone/>
+            </a:pPr>
+            <a:r>
+              <a:rPr lang="en-IN" sz="2200" i="1" dirty="0"/>
+              <a:t>$ make </a:t>
+            </a:r>
+            <a:r>
+              <a:rPr lang="en-IN" sz="2200" i="1" dirty="0" err="1"/>
+              <a:t>latexpdf</a:t>
+            </a:r>
+            <a:r>
+              <a:rPr lang="en-IN" sz="2200" i="1" dirty="0"/>
+              <a:t> (for pdf)                                                                                                                                                                     </a:t>
+            </a:r>
+          </a:p>
+        </p:txBody>
+      </p:sp>
+    </p:spTree>
+    <p:extLst>
+      <p:ext uri="{BB962C8B-B14F-4D97-AF65-F5344CB8AC3E}">
+        <p14:creationId xmlns:p14="http://schemas.microsoft.com/office/powerpoint/2010/main" val="4121646704"/>
+      </p:ext>
+    </p:extLst>
+  </p:cSld>
+  <p:clrMapOvr>
+    <a:masterClrMapping/>
+  </p:clrMapOvr>
+  <p:timing>
+    <p:tnLst>
+      <p:par>
+        <p:cTn id="1" dur="indefinite" restart="never" nodeType="tmRoot"/>
+      </p:par>
+    </p:tnLst>
+  </p:timing>
+</p:sld>
+</file>
+
+<file path=ppt/slides/slide41.xml><?xml version="1.0" encoding="utf-8"?>
+<p:sld xmlns:a="http://schemas.openxmlformats.org/drawingml/2006/main" xmlns:r="http://schemas.openxmlformats.org/officeDocument/2006/relationships" xmlns:p="http://schemas.openxmlformats.org/presentationml/2006/main">
+  <p:cSld>
+    <p:spTree>
+      <p:nvGrpSpPr>
+        <p:cNvPr id="1" name=""/>
+        <p:cNvGrpSpPr/>
+        <p:nvPr/>
+      </p:nvGrpSpPr>
+      <p:grpSpPr>
+        <a:xfrm>
+          <a:off x="0" y="0"/>
+          <a:ext cx="0" cy="0"/>
+          <a:chOff x="0" y="0"/>
+          <a:chExt cx="0" cy="0"/>
+        </a:xfrm>
+      </p:grpSpPr>
+    </p:spTree>
+    <p:extLst>
+      <p:ext uri="{BB962C8B-B14F-4D97-AF65-F5344CB8AC3E}">
+        <p14:creationId xmlns:p14="http://schemas.microsoft.com/office/powerpoint/2010/main" val="2067811952"/>
+      </p:ext>
+    </p:extLst>
+  </p:cSld>
+  <p:clrMapOvr>
+    <a:masterClrMapping/>
+  </p:clrMapOvr>
+  <p:timing>
+    <p:tnLst>
+      <p:par>
+        <p:cTn id="1" dur="indefinite" restart="never" nodeType="tmRoot"/>
+      </p:par>
+    </p:tnLst>
+  </p:timing>
+</p:sld>
+</file>
+
+<file path=ppt/slides/slide42.xml><?xml version="1.0" encoding="utf-8"?>
 <p:sld xmlns:a="http://schemas.openxmlformats.org/drawingml/2006/main" xmlns:r="http://schemas.openxmlformats.org/officeDocument/2006/relationships" xmlns:p="http://schemas.openxmlformats.org/presentationml/2006/main">
   <p:cSld>
     <p:spTree>
@@ -18637,7 +20581,7 @@
 </p:sld>
 </file>
 
-<file path=ppt/slides/slide38.xml><?xml version="1.0" encoding="utf-8"?>
+<file path=ppt/slides/slide43.xml><?xml version="1.0" encoding="utf-8"?>
 <p:sld xmlns:a="http://schemas.openxmlformats.org/drawingml/2006/main" xmlns:r="http://schemas.openxmlformats.org/officeDocument/2006/relationships" xmlns:p="http://schemas.openxmlformats.org/presentationml/2006/main">
   <p:cSld>
     <p:spTree>
@@ -18702,7 +20646,7 @@
 </p:sld>
 </file>
 
-<file path=ppt/slides/slide39.xml><?xml version="1.0" encoding="utf-8"?>
+<file path=ppt/slides/slide44.xml><?xml version="1.0" encoding="utf-8"?>
 <p:sld xmlns:a="http://schemas.openxmlformats.org/drawingml/2006/main" xmlns:r="http://schemas.openxmlformats.org/officeDocument/2006/relationships" xmlns:p="http://schemas.openxmlformats.org/presentationml/2006/main">
   <p:cSld>
     <p:spTree>
@@ -18811,222 +20755,7 @@
 </p:sld>
 </file>
 
-<file path=ppt/slides/slide4.xml><?xml version="1.0" encoding="utf-8"?>
-<p:sld xmlns:a="http://schemas.openxmlformats.org/drawingml/2006/main" xmlns:r="http://schemas.openxmlformats.org/officeDocument/2006/relationships" xmlns:p="http://schemas.openxmlformats.org/presentationml/2006/main">
-  <p:cSld>
-    <p:spTree>
-      <p:nvGrpSpPr>
-        <p:cNvPr id="1" name=""/>
-        <p:cNvGrpSpPr/>
-        <p:nvPr/>
-      </p:nvGrpSpPr>
-      <p:grpSpPr>
-        <a:xfrm>
-          <a:off x="0" y="0"/>
-          <a:ext cx="0" cy="0"/>
-          <a:chOff x="0" y="0"/>
-          <a:chExt cx="0" cy="0"/>
-        </a:xfrm>
-      </p:grpSpPr>
-      <p:sp>
-        <p:nvSpPr>
-          <p:cNvPr id="3" name="Subtitle 2"/>
-          <p:cNvSpPr>
-            <a:spLocks noGrp="1"/>
-          </p:cNvSpPr>
-          <p:nvPr>
-            <p:ph type="subTitle" idx="1"/>
-          </p:nvPr>
-        </p:nvSpPr>
-        <p:spPr>
-          <a:xfrm>
-            <a:off x="1085957" y="918368"/>
-            <a:ext cx="3943136" cy="428625"/>
-          </a:xfrm>
-        </p:spPr>
-        <p:txBody>
-          <a:bodyPr>
-            <a:noAutofit/>
-          </a:bodyPr>
-          <a:lstStyle/>
-          <a:p>
-            <a:pPr algn="l"/>
-            <a:r>
-              <a:rPr lang="en-IN" sz="3600" dirty="0"/>
-              <a:t>What is AIRYL?</a:t>
-            </a:r>
-          </a:p>
-        </p:txBody>
-      </p:sp>
-      <p:sp>
-        <p:nvSpPr>
-          <p:cNvPr id="4" name="TextBox 3"/>
-          <p:cNvSpPr txBox="1"/>
-          <p:nvPr/>
-        </p:nvSpPr>
-        <p:spPr>
-          <a:xfrm>
-            <a:off x="1247774" y="1684338"/>
-            <a:ext cx="7153275" cy="1477328"/>
-          </a:xfrm>
-          <a:prstGeom prst="rect">
-            <a:avLst/>
-          </a:prstGeom>
-          <a:noFill/>
-        </p:spPr>
-        <p:txBody>
-          <a:bodyPr wrap="square" rtlCol="0">
-            <a:spAutoFit/>
-          </a:bodyPr>
-          <a:lstStyle/>
-          <a:p>
-            <a:pPr marL="285750" indent="-285750">
-              <a:buFont typeface="Arial" panose="020B0604020202020204" pitchFamily="34" charset="0"/>
-              <a:buChar char="•"/>
-            </a:pPr>
-            <a:r>
-              <a:rPr lang="en-IN" dirty="0"/>
-              <a:t>A </a:t>
-            </a:r>
-            <a:r>
-              <a:rPr lang="en-IN" dirty="0" err="1"/>
-              <a:t>chatbot</a:t>
-            </a:r>
-            <a:r>
-              <a:rPr lang="en-IN" dirty="0"/>
-              <a:t> based on AIML</a:t>
-            </a:r>
-          </a:p>
-          <a:p>
-            <a:pPr marL="285750" indent="-285750">
-              <a:buFont typeface="Arial" panose="020B0604020202020204" pitchFamily="34" charset="0"/>
-              <a:buChar char="•"/>
-            </a:pPr>
-            <a:r>
-              <a:rPr lang="en-IN" dirty="0"/>
-              <a:t>Based on Android</a:t>
-            </a:r>
-          </a:p>
-          <a:p>
-            <a:pPr marL="285750" indent="-285750">
-              <a:buFont typeface="Arial" panose="020B0604020202020204" pitchFamily="34" charset="0"/>
-              <a:buChar char="•"/>
-            </a:pPr>
-            <a:r>
-              <a:rPr lang="en-IN" dirty="0"/>
-              <a:t>Fully documented using Sphinx</a:t>
-            </a:r>
-          </a:p>
-          <a:p>
-            <a:pPr marL="285750" indent="-285750">
-              <a:buFont typeface="Arial" panose="020B0604020202020204" pitchFamily="34" charset="0"/>
-              <a:buChar char="•"/>
-            </a:pPr>
-            <a:r>
-              <a:rPr lang="en-IN" dirty="0"/>
-              <a:t>Open Sourced</a:t>
-            </a:r>
-          </a:p>
-          <a:p>
-            <a:pPr marL="285750" indent="-285750">
-              <a:buFont typeface="Arial" panose="020B0604020202020204" pitchFamily="34" charset="0"/>
-              <a:buChar char="•"/>
-            </a:pPr>
-            <a:r>
-              <a:rPr lang="en-IN" dirty="0"/>
-              <a:t>Under MIT License</a:t>
-            </a:r>
-          </a:p>
-        </p:txBody>
-      </p:sp>
-      <p:sp>
-        <p:nvSpPr>
-          <p:cNvPr id="6" name="TextBox 5"/>
-          <p:cNvSpPr txBox="1"/>
-          <p:nvPr/>
-        </p:nvSpPr>
-        <p:spPr>
-          <a:xfrm>
-            <a:off x="4824411" y="5337970"/>
-            <a:ext cx="3286125" cy="369332"/>
-          </a:xfrm>
-          <a:prstGeom prst="rect">
-            <a:avLst/>
-          </a:prstGeom>
-          <a:noFill/>
-        </p:spPr>
-        <p:txBody>
-          <a:bodyPr wrap="square" rtlCol="0">
-            <a:spAutoFit/>
-          </a:bodyPr>
-          <a:lstStyle/>
-          <a:p>
-            <a:r>
-              <a:rPr lang="en-IN" dirty="0"/>
-              <a:t>github.com/</a:t>
-            </a:r>
-            <a:r>
-              <a:rPr lang="en-IN" dirty="0" err="1"/>
-              <a:t>PhoenixRRDS</a:t>
-            </a:r>
-            <a:r>
-              <a:rPr lang="en-IN" dirty="0"/>
-              <a:t>/AIRYL</a:t>
-            </a:r>
-          </a:p>
-        </p:txBody>
-      </p:sp>
-      <p:pic>
-        <p:nvPicPr>
-          <p:cNvPr id="7" name="Picture 6"/>
-          <p:cNvPicPr>
-            <a:picLocks noChangeAspect="1"/>
-          </p:cNvPicPr>
-          <p:nvPr/>
-        </p:nvPicPr>
-        <p:blipFill>
-          <a:blip r:embed="rId2">
-            <a:extLst>
-              <a:ext uri="{28A0092B-C50C-407E-A947-70E740481C1C}">
-                <a14:useLocalDpi xmlns:a14="http://schemas.microsoft.com/office/drawing/2010/main" val="0"/>
-              </a:ext>
-            </a:extLst>
-          </a:blip>
-          <a:stretch>
-            <a:fillRect/>
-          </a:stretch>
-        </p:blipFill>
-        <p:spPr>
-          <a:xfrm>
-            <a:off x="9304471" y="918368"/>
-            <a:ext cx="1925504" cy="2613185"/>
-          </a:xfrm>
-          <a:prstGeom prst="rect">
-            <a:avLst/>
-          </a:prstGeom>
-        </p:spPr>
-      </p:pic>
-    </p:spTree>
-    <p:extLst>
-      <p:ext uri="{BB962C8B-B14F-4D97-AF65-F5344CB8AC3E}">
-        <p14:creationId xmlns:p14="http://schemas.microsoft.com/office/powerpoint/2010/main" val="2992801045"/>
-      </p:ext>
-    </p:extLst>
-  </p:cSld>
-  <p:clrMapOvr>
-    <a:masterClrMapping/>
-  </p:clrMapOvr>
-  <p:timing>
-    <p:tnLst>
-      <p:par>
-        <p:cTn id="1" dur="indefinite" restart="never" nodeType="tmRoot"/>
-      </p:par>
-    </p:tnLst>
-  </p:timing>
-</p:sld>
-</file>
-
-<file path=ppt/slides/slide40.xml><?xml version="1.0" encoding="utf-8"?>
+<file path=ppt/slides/slide45.xml><?xml version="1.0" encoding="utf-8"?>
 <p:sld xmlns:a="http://schemas.openxmlformats.org/drawingml/2006/main" xmlns:r="http://schemas.openxmlformats.org/officeDocument/2006/relationships" xmlns:p="http://schemas.openxmlformats.org/presentationml/2006/main">
   <p:cSld>
     <p:spTree>
@@ -19065,7 +20794,7 @@
           <a:graphicData uri="http://schemas.openxmlformats.org/presentationml/2006/ole">
             <mc:AlternateContent xmlns:mc="http://schemas.openxmlformats.org/markup-compatibility/2006">
               <mc:Choice xmlns:v="urn:schemas-microsoft-com:vml" Requires="v">
-                <p:oleObj spid="_x0000_s7181" r:id="rId3" imgW="16025040" imgH="8075880" progId="">
+                <p:oleObj spid="_x0000_s7187" r:id="rId3" imgW="16025040" imgH="8075880" progId="">
                   <p:embed/>
                 </p:oleObj>
               </mc:Choice>
@@ -19120,7 +20849,7 @@
 </p:sld>
 </file>
 
-<file path=ppt/slides/slide41.xml><?xml version="1.0" encoding="utf-8"?>
+<file path=ppt/slides/slide46.xml><?xml version="1.0" encoding="utf-8"?>
 <p:sld xmlns:a="http://schemas.openxmlformats.org/drawingml/2006/main" xmlns:r="http://schemas.openxmlformats.org/officeDocument/2006/relationships" xmlns:p="http://schemas.openxmlformats.org/presentationml/2006/main">
   <p:cSld>
     <p:spTree>
@@ -19187,7 +20916,7 @@
 </p:sld>
 </file>
 
-<file path=ppt/slides/slide42.xml><?xml version="1.0" encoding="utf-8"?>
+<file path=ppt/slides/slide47.xml><?xml version="1.0" encoding="utf-8"?>
 <p:sld xmlns:a="http://schemas.openxmlformats.org/drawingml/2006/main" xmlns:r="http://schemas.openxmlformats.org/officeDocument/2006/relationships" xmlns:p="http://schemas.openxmlformats.org/presentationml/2006/main">
   <p:cSld>
     <p:spTree>
@@ -19254,7 +20983,7 @@
 </p:sld>
 </file>
 
-<file path=ppt/slides/slide43.xml><?xml version="1.0" encoding="utf-8"?>
+<file path=ppt/slides/slide48.xml><?xml version="1.0" encoding="utf-8"?>
 <p:sld xmlns:a="http://schemas.openxmlformats.org/drawingml/2006/main" xmlns:r="http://schemas.openxmlformats.org/officeDocument/2006/relationships" xmlns:p="http://schemas.openxmlformats.org/presentationml/2006/main">
   <p:cSld>
     <p:spTree>
@@ -19385,7 +21114,7 @@
 </p:sld>
 </file>
 
-<file path=ppt/slides/slide44.xml><?xml version="1.0" encoding="utf-8"?>
+<file path=ppt/slides/slide49.xml><?xml version="1.0" encoding="utf-8"?>
 <p:sld xmlns:a="http://schemas.openxmlformats.org/drawingml/2006/main" xmlns:r="http://schemas.openxmlformats.org/officeDocument/2006/relationships" xmlns:p="http://schemas.openxmlformats.org/presentationml/2006/main">
   <p:cSld>
     <p:spTree>
@@ -19542,7 +21271,71 @@
 </p:sld>
 </file>
 
-<file path=ppt/slides/slide45.xml><?xml version="1.0" encoding="utf-8"?>
+<file path=ppt/slides/slide5.xml><?xml version="1.0" encoding="utf-8"?>
+<p:sld xmlns:a="http://schemas.openxmlformats.org/drawingml/2006/main" xmlns:r="http://schemas.openxmlformats.org/officeDocument/2006/relationships" xmlns:p="http://schemas.openxmlformats.org/presentationml/2006/main">
+  <p:cSld>
+    <p:spTree>
+      <p:nvGrpSpPr>
+        <p:cNvPr id="1" name=""/>
+        <p:cNvGrpSpPr/>
+        <p:nvPr/>
+      </p:nvGrpSpPr>
+      <p:grpSpPr>
+        <a:xfrm>
+          <a:off x="0" y="0"/>
+          <a:ext cx="0" cy="0"/>
+          <a:chOff x="0" y="0"/>
+          <a:chExt cx="0" cy="0"/>
+        </a:xfrm>
+      </p:grpSpPr>
+      <p:sp>
+        <p:nvSpPr>
+          <p:cNvPr id="2" name="Title 1"/>
+          <p:cNvSpPr>
+            <a:spLocks noGrp="1"/>
+          </p:cNvSpPr>
+          <p:nvPr>
+            <p:ph type="ctrTitle"/>
+          </p:nvPr>
+        </p:nvSpPr>
+        <p:spPr>
+          <a:xfrm>
+            <a:off x="2085975" y="1684339"/>
+            <a:ext cx="8077200" cy="2163762"/>
+          </a:xfrm>
+        </p:spPr>
+        <p:txBody>
+          <a:bodyPr/>
+          <a:lstStyle/>
+          <a:p>
+            <a:r>
+              <a:rPr lang="en-IN" dirty="0"/>
+              <a:t>DEMO</a:t>
+            </a:r>
+          </a:p>
+        </p:txBody>
+      </p:sp>
+    </p:spTree>
+    <p:extLst>
+      <p:ext uri="{BB962C8B-B14F-4D97-AF65-F5344CB8AC3E}">
+        <p14:creationId xmlns:p14="http://schemas.microsoft.com/office/powerpoint/2010/main" val="1273556268"/>
+      </p:ext>
+    </p:extLst>
+  </p:cSld>
+  <p:clrMapOvr>
+    <a:masterClrMapping/>
+  </p:clrMapOvr>
+  <p:timing>
+    <p:tnLst>
+      <p:par>
+        <p:cTn id="1" dur="indefinite" restart="never" nodeType="tmRoot"/>
+      </p:par>
+    </p:tnLst>
+  </p:timing>
+</p:sld>
+</file>
+
+<file path=ppt/slides/slide50.xml><?xml version="1.0" encoding="utf-8"?>
 <p:sld xmlns:a="http://schemas.openxmlformats.org/drawingml/2006/main" xmlns:r="http://schemas.openxmlformats.org/officeDocument/2006/relationships" xmlns:p="http://schemas.openxmlformats.org/presentationml/2006/main">
   <p:cSld>
     <p:spTree>
@@ -19917,7 +21710,7 @@
 </p:sld>
 </file>
 
-<file path=ppt/slides/slide46.xml><?xml version="1.0" encoding="utf-8"?>
+<file path=ppt/slides/slide51.xml><?xml version="1.0" encoding="utf-8"?>
 <p:sld xmlns:a="http://schemas.openxmlformats.org/drawingml/2006/main" xmlns:r="http://schemas.openxmlformats.org/officeDocument/2006/relationships" xmlns:p="http://schemas.openxmlformats.org/presentationml/2006/main">
   <p:cSld>
     <p:spTree>
@@ -19982,7 +21775,7 @@
 </p:sld>
 </file>
 
-<file path=ppt/slides/slide47.xml><?xml version="1.0" encoding="utf-8"?>
+<file path=ppt/slides/slide52.xml><?xml version="1.0" encoding="utf-8"?>
 <p:sld xmlns:a="http://schemas.openxmlformats.org/drawingml/2006/main" xmlns:r="http://schemas.openxmlformats.org/officeDocument/2006/relationships" xmlns:p="http://schemas.openxmlformats.org/presentationml/2006/main">
   <p:cSld>
     <p:spTree>
@@ -20350,70 +22143,6 @@
     <p:extLst>
       <p:ext uri="{BB962C8B-B14F-4D97-AF65-F5344CB8AC3E}">
         <p14:creationId xmlns:p14="http://schemas.microsoft.com/office/powerpoint/2010/main" val="3336073126"/>
-      </p:ext>
-    </p:extLst>
-  </p:cSld>
-  <p:clrMapOvr>
-    <a:masterClrMapping/>
-  </p:clrMapOvr>
-  <p:timing>
-    <p:tnLst>
-      <p:par>
-        <p:cTn id="1" dur="indefinite" restart="never" nodeType="tmRoot"/>
-      </p:par>
-    </p:tnLst>
-  </p:timing>
-</p:sld>
-</file>
-
-<file path=ppt/slides/slide5.xml><?xml version="1.0" encoding="utf-8"?>
-<p:sld xmlns:a="http://schemas.openxmlformats.org/drawingml/2006/main" xmlns:r="http://schemas.openxmlformats.org/officeDocument/2006/relationships" xmlns:p="http://schemas.openxmlformats.org/presentationml/2006/main">
-  <p:cSld>
-    <p:spTree>
-      <p:nvGrpSpPr>
-        <p:cNvPr id="1" name=""/>
-        <p:cNvGrpSpPr/>
-        <p:nvPr/>
-      </p:nvGrpSpPr>
-      <p:grpSpPr>
-        <a:xfrm>
-          <a:off x="0" y="0"/>
-          <a:ext cx="0" cy="0"/>
-          <a:chOff x="0" y="0"/>
-          <a:chExt cx="0" cy="0"/>
-        </a:xfrm>
-      </p:grpSpPr>
-      <p:sp>
-        <p:nvSpPr>
-          <p:cNvPr id="2" name="Title 1"/>
-          <p:cNvSpPr>
-            <a:spLocks noGrp="1"/>
-          </p:cNvSpPr>
-          <p:nvPr>
-            <p:ph type="ctrTitle"/>
-          </p:nvPr>
-        </p:nvSpPr>
-        <p:spPr>
-          <a:xfrm>
-            <a:off x="2085975" y="1684339"/>
-            <a:ext cx="8077200" cy="2163762"/>
-          </a:xfrm>
-        </p:spPr>
-        <p:txBody>
-          <a:bodyPr/>
-          <a:lstStyle/>
-          <a:p>
-            <a:r>
-              <a:rPr lang="en-IN" dirty="0"/>
-              <a:t>DEMO</a:t>
-            </a:r>
-          </a:p>
-        </p:txBody>
-      </p:sp>
-    </p:spTree>
-    <p:extLst>
-      <p:ext uri="{BB962C8B-B14F-4D97-AF65-F5344CB8AC3E}">
-        <p14:creationId xmlns:p14="http://schemas.microsoft.com/office/powerpoint/2010/main" val="1273556268"/>
       </p:ext>
     </p:extLst>
   </p:cSld>

--- a/The design and development of AIRYL.pptx
+++ b/The design and development of AIRYL.pptx
@@ -15561,8 +15561,8 @@
         </p:nvSpPr>
         <p:spPr>
           <a:xfrm>
-            <a:off x="1967490" y="1905712"/>
-            <a:ext cx="6441572" cy="923330"/>
+            <a:off x="4377405" y="2572367"/>
+            <a:ext cx="6441572" cy="1754326"/>
           </a:xfrm>
           <a:prstGeom prst="rect">
             <a:avLst/>
@@ -15580,7 +15580,7 @@
               <a:buChar char="-"/>
             </a:pPr>
             <a:r>
-              <a:rPr lang="en-IN" dirty="0" smtClean="0"/>
+              <a:rPr lang="en-IN" sz="3600" dirty="0" smtClean="0"/>
               <a:t>Message (String)</a:t>
             </a:r>
           </a:p>
@@ -15590,7 +15590,7 @@
               <a:buChar char="-"/>
             </a:pPr>
             <a:r>
-              <a:rPr lang="en-IN" dirty="0" smtClean="0"/>
+              <a:rPr lang="en-IN" sz="3600" dirty="0" smtClean="0"/>
               <a:t>Sender (String)</a:t>
             </a:r>
           </a:p>
@@ -15600,14 +15600,10 @@
               <a:buChar char="-"/>
             </a:pPr>
             <a:r>
-              <a:rPr lang="en-IN" dirty="0" smtClean="0"/>
-              <a:t>Date </a:t>
-            </a:r>
-            <a:r>
-              <a:rPr lang="en-IN" smtClean="0"/>
-              <a:t>and time</a:t>
-            </a:r>
-            <a:endParaRPr lang="en-IN"/>
+              <a:rPr lang="en-IN" sz="3600" dirty="0" smtClean="0"/>
+              <a:t>Date and time</a:t>
+            </a:r>
+            <a:endParaRPr lang="en-IN" sz="3600" dirty="0"/>
           </a:p>
         </p:txBody>
       </p:sp>
@@ -20794,7 +20790,7 @@
           <a:graphicData uri="http://schemas.openxmlformats.org/presentationml/2006/ole">
             <mc:AlternateContent xmlns:mc="http://schemas.openxmlformats.org/markup-compatibility/2006">
               <mc:Choice xmlns:v="urn:schemas-microsoft-com:vml" Requires="v">
-                <p:oleObj spid="_x0000_s7187" r:id="rId3" imgW="16025040" imgH="8075880" progId="">
+                <p:oleObj spid="_x0000_s7189" r:id="rId3" imgW="16025040" imgH="8075880" progId="">
                   <p:embed/>
                 </p:oleObj>
               </mc:Choice>
